--- a/5_seminar/Contents_Part_01/Präsentation_Teil1.pptx
+++ b/5_seminar/Contents_Part_01/Präsentation_Teil1.pptx
@@ -5,7 +5,7 @@
     <p:sldMasterId id="2147483648" r:id="rId1"/>
   </p:sldMasterIdLst>
   <p:notesMasterIdLst>
-    <p:notesMasterId r:id="rId28"/>
+    <p:notesMasterId r:id="rId31"/>
   </p:notesMasterIdLst>
   <p:sldIdLst>
     <p:sldId id="303" r:id="rId2"/>
@@ -22,18 +22,21 @@
     <p:sldId id="301" r:id="rId13"/>
     <p:sldId id="297" r:id="rId14"/>
     <p:sldId id="302" r:id="rId15"/>
-    <p:sldId id="287" r:id="rId16"/>
-    <p:sldId id="288" r:id="rId17"/>
-    <p:sldId id="289" r:id="rId18"/>
+    <p:sldId id="288" r:id="rId16"/>
+    <p:sldId id="289" r:id="rId17"/>
+    <p:sldId id="304" r:id="rId18"/>
     <p:sldId id="290" r:id="rId19"/>
     <p:sldId id="291" r:id="rId20"/>
-    <p:sldId id="292" r:id="rId21"/>
-    <p:sldId id="293" r:id="rId22"/>
-    <p:sldId id="294" r:id="rId23"/>
-    <p:sldId id="295" r:id="rId24"/>
-    <p:sldId id="296" r:id="rId25"/>
-    <p:sldId id="273" r:id="rId26"/>
-    <p:sldId id="279" r:id="rId27"/>
+    <p:sldId id="287" r:id="rId21"/>
+    <p:sldId id="305" r:id="rId22"/>
+    <p:sldId id="306" r:id="rId23"/>
+    <p:sldId id="292" r:id="rId24"/>
+    <p:sldId id="293" r:id="rId25"/>
+    <p:sldId id="294" r:id="rId26"/>
+    <p:sldId id="295" r:id="rId27"/>
+    <p:sldId id="296" r:id="rId28"/>
+    <p:sldId id="273" r:id="rId29"/>
+    <p:sldId id="279" r:id="rId30"/>
   </p:sldIdLst>
   <p:sldSz cx="12192000" cy="6858000"/>
   <p:notesSz cx="6858000" cy="9144000"/>
@@ -879,7 +882,7 @@
     </p:spTree>
     <p:extLst>
       <p:ext uri="{BB962C8B-B14F-4D97-AF65-F5344CB8AC3E}">
-        <p14:creationId xmlns:p14="http://schemas.microsoft.com/office/powerpoint/2010/main" val="1982633175"/>
+        <p14:creationId xmlns:p14="http://schemas.microsoft.com/office/powerpoint/2010/main" val="2435982291"/>
       </p:ext>
     </p:extLst>
   </p:cSld>
@@ -980,7 +983,7 @@
     </p:spTree>
     <p:extLst>
       <p:ext uri="{BB962C8B-B14F-4D97-AF65-F5344CB8AC3E}">
-        <p14:creationId xmlns:p14="http://schemas.microsoft.com/office/powerpoint/2010/main" val="2435982291"/>
+        <p14:creationId xmlns:p14="http://schemas.microsoft.com/office/powerpoint/2010/main" val="2052778558"/>
       </p:ext>
     </p:extLst>
   </p:cSld>
@@ -1081,7 +1084,7 @@
     </p:spTree>
     <p:extLst>
       <p:ext uri="{BB962C8B-B14F-4D97-AF65-F5344CB8AC3E}">
-        <p14:creationId xmlns:p14="http://schemas.microsoft.com/office/powerpoint/2010/main" val="2052778558"/>
+        <p14:creationId xmlns:p14="http://schemas.microsoft.com/office/powerpoint/2010/main" val="85197685"/>
       </p:ext>
     </p:extLst>
   </p:cSld>
@@ -1384,7 +1387,7 @@
     </p:spTree>
     <p:extLst>
       <p:ext uri="{BB962C8B-B14F-4D97-AF65-F5344CB8AC3E}">
-        <p14:creationId xmlns:p14="http://schemas.microsoft.com/office/powerpoint/2010/main" val="2073480299"/>
+        <p14:creationId xmlns:p14="http://schemas.microsoft.com/office/powerpoint/2010/main" val="1982633175"/>
       </p:ext>
     </p:extLst>
   </p:cSld>
@@ -1485,7 +1488,7 @@
     </p:spTree>
     <p:extLst>
       <p:ext uri="{BB962C8B-B14F-4D97-AF65-F5344CB8AC3E}">
-        <p14:creationId xmlns:p14="http://schemas.microsoft.com/office/powerpoint/2010/main" val="3754768430"/>
+        <p14:creationId xmlns:p14="http://schemas.microsoft.com/office/powerpoint/2010/main" val="947323682"/>
       </p:ext>
     </p:extLst>
   </p:cSld>
@@ -1586,7 +1589,7 @@
     </p:spTree>
     <p:extLst>
       <p:ext uri="{BB962C8B-B14F-4D97-AF65-F5344CB8AC3E}">
-        <p14:creationId xmlns:p14="http://schemas.microsoft.com/office/powerpoint/2010/main" val="3307074865"/>
+        <p14:creationId xmlns:p14="http://schemas.microsoft.com/office/powerpoint/2010/main" val="4210507014"/>
       </p:ext>
     </p:extLst>
   </p:cSld>
@@ -1800,7 +1803,7 @@
     </p:spTree>
     <p:extLst>
       <p:ext uri="{BB962C8B-B14F-4D97-AF65-F5344CB8AC3E}">
-        <p14:creationId xmlns:p14="http://schemas.microsoft.com/office/powerpoint/2010/main" val="1550035269"/>
+        <p14:creationId xmlns:p14="http://schemas.microsoft.com/office/powerpoint/2010/main" val="2073480299"/>
       </p:ext>
     </p:extLst>
   </p:cSld>
@@ -1893,6 +1896,309 @@
             <a:fld id="{20A41429-B750-4047-B563-2878417A70E7}" type="slidenum">
               <a:rPr lang="en-US" smtClean="0"/>
               <a:t>24</a:t>
+            </a:fld>
+            <a:endParaRPr lang="en-US"/>
+          </a:p>
+        </p:txBody>
+      </p:sp>
+    </p:spTree>
+    <p:extLst>
+      <p:ext uri="{BB962C8B-B14F-4D97-AF65-F5344CB8AC3E}">
+        <p14:creationId xmlns:p14="http://schemas.microsoft.com/office/powerpoint/2010/main" val="3754768430"/>
+      </p:ext>
+    </p:extLst>
+  </p:cSld>
+  <p:clrMapOvr>
+    <a:masterClrMapping/>
+  </p:clrMapOvr>
+</p:notes>
+</file>
+
+<file path=ppt/notesSlides/notesSlide22.xml><?xml version="1.0" encoding="utf-8"?>
+<p:notes xmlns:a="http://schemas.openxmlformats.org/drawingml/2006/main" xmlns:r="http://schemas.openxmlformats.org/officeDocument/2006/relationships" xmlns:p="http://schemas.openxmlformats.org/presentationml/2006/main">
+  <p:cSld>
+    <p:spTree>
+      <p:nvGrpSpPr>
+        <p:cNvPr id="1" name=""/>
+        <p:cNvGrpSpPr/>
+        <p:nvPr/>
+      </p:nvGrpSpPr>
+      <p:grpSpPr>
+        <a:xfrm>
+          <a:off x="0" y="0"/>
+          <a:ext cx="0" cy="0"/>
+          <a:chOff x="0" y="0"/>
+          <a:chExt cx="0" cy="0"/>
+        </a:xfrm>
+      </p:grpSpPr>
+      <p:sp>
+        <p:nvSpPr>
+          <p:cNvPr id="2" name="Folienbildplatzhalter 1"/>
+          <p:cNvSpPr>
+            <a:spLocks noGrp="1" noRot="1" noChangeAspect="1"/>
+          </p:cNvSpPr>
+          <p:nvPr>
+            <p:ph type="sldImg"/>
+          </p:nvPr>
+        </p:nvSpPr>
+        <p:spPr/>
+      </p:sp>
+      <p:sp>
+        <p:nvSpPr>
+          <p:cNvPr id="3" name="Notizenplatzhalter 2"/>
+          <p:cNvSpPr>
+            <a:spLocks noGrp="1"/>
+          </p:cNvSpPr>
+          <p:nvPr>
+            <p:ph type="body" idx="1"/>
+          </p:nvPr>
+        </p:nvSpPr>
+        <p:spPr/>
+        <p:txBody>
+          <a:bodyPr/>
+          <a:lstStyle/>
+          <a:p>
+            <a:pPr marL="0" marR="0" lvl="0" indent="0" algn="l" defTabSz="914400" rtl="0" eaLnBrk="1" fontAlgn="auto" latinLnBrk="0" hangingPunct="1">
+              <a:lnSpc>
+                <a:spcPct val="100000"/>
+              </a:lnSpc>
+              <a:spcBef>
+                <a:spcPts val="0"/>
+              </a:spcBef>
+              <a:spcAft>
+                <a:spcPts val="0"/>
+              </a:spcAft>
+              <a:buClrTx/>
+              <a:buSzTx/>
+              <a:buFontTx/>
+              <a:buNone/>
+              <a:tabLst/>
+              <a:defRPr/>
+            </a:pPr>
+            <a:endParaRPr lang="en-US"/>
+          </a:p>
+        </p:txBody>
+      </p:sp>
+      <p:sp>
+        <p:nvSpPr>
+          <p:cNvPr id="4" name="Foliennummernplatzhalter 3"/>
+          <p:cNvSpPr>
+            <a:spLocks noGrp="1"/>
+          </p:cNvSpPr>
+          <p:nvPr>
+            <p:ph type="sldNum" sz="quarter" idx="10"/>
+          </p:nvPr>
+        </p:nvSpPr>
+        <p:spPr/>
+        <p:txBody>
+          <a:bodyPr/>
+          <a:lstStyle/>
+          <a:p>
+            <a:fld id="{20A41429-B750-4047-B563-2878417A70E7}" type="slidenum">
+              <a:rPr lang="en-US" smtClean="0"/>
+              <a:t>25</a:t>
+            </a:fld>
+            <a:endParaRPr lang="en-US"/>
+          </a:p>
+        </p:txBody>
+      </p:sp>
+    </p:spTree>
+    <p:extLst>
+      <p:ext uri="{BB962C8B-B14F-4D97-AF65-F5344CB8AC3E}">
+        <p14:creationId xmlns:p14="http://schemas.microsoft.com/office/powerpoint/2010/main" val="3307074865"/>
+      </p:ext>
+    </p:extLst>
+  </p:cSld>
+  <p:clrMapOvr>
+    <a:masterClrMapping/>
+  </p:clrMapOvr>
+</p:notes>
+</file>
+
+<file path=ppt/notesSlides/notesSlide23.xml><?xml version="1.0" encoding="utf-8"?>
+<p:notes xmlns:a="http://schemas.openxmlformats.org/drawingml/2006/main" xmlns:r="http://schemas.openxmlformats.org/officeDocument/2006/relationships" xmlns:p="http://schemas.openxmlformats.org/presentationml/2006/main">
+  <p:cSld>
+    <p:spTree>
+      <p:nvGrpSpPr>
+        <p:cNvPr id="1" name=""/>
+        <p:cNvGrpSpPr/>
+        <p:nvPr/>
+      </p:nvGrpSpPr>
+      <p:grpSpPr>
+        <a:xfrm>
+          <a:off x="0" y="0"/>
+          <a:ext cx="0" cy="0"/>
+          <a:chOff x="0" y="0"/>
+          <a:chExt cx="0" cy="0"/>
+        </a:xfrm>
+      </p:grpSpPr>
+      <p:sp>
+        <p:nvSpPr>
+          <p:cNvPr id="2" name="Folienbildplatzhalter 1"/>
+          <p:cNvSpPr>
+            <a:spLocks noGrp="1" noRot="1" noChangeAspect="1"/>
+          </p:cNvSpPr>
+          <p:nvPr>
+            <p:ph type="sldImg"/>
+          </p:nvPr>
+        </p:nvSpPr>
+        <p:spPr/>
+      </p:sp>
+      <p:sp>
+        <p:nvSpPr>
+          <p:cNvPr id="3" name="Notizenplatzhalter 2"/>
+          <p:cNvSpPr>
+            <a:spLocks noGrp="1"/>
+          </p:cNvSpPr>
+          <p:nvPr>
+            <p:ph type="body" idx="1"/>
+          </p:nvPr>
+        </p:nvSpPr>
+        <p:spPr/>
+        <p:txBody>
+          <a:bodyPr/>
+          <a:lstStyle/>
+          <a:p>
+            <a:pPr marL="0" marR="0" lvl="0" indent="0" algn="l" defTabSz="914400" rtl="0" eaLnBrk="1" fontAlgn="auto" latinLnBrk="0" hangingPunct="1">
+              <a:lnSpc>
+                <a:spcPct val="100000"/>
+              </a:lnSpc>
+              <a:spcBef>
+                <a:spcPts val="0"/>
+              </a:spcBef>
+              <a:spcAft>
+                <a:spcPts val="0"/>
+              </a:spcAft>
+              <a:buClrTx/>
+              <a:buSzTx/>
+              <a:buFontTx/>
+              <a:buNone/>
+              <a:tabLst/>
+              <a:defRPr/>
+            </a:pPr>
+            <a:endParaRPr lang="en-US"/>
+          </a:p>
+        </p:txBody>
+      </p:sp>
+      <p:sp>
+        <p:nvSpPr>
+          <p:cNvPr id="4" name="Foliennummernplatzhalter 3"/>
+          <p:cNvSpPr>
+            <a:spLocks noGrp="1"/>
+          </p:cNvSpPr>
+          <p:nvPr>
+            <p:ph type="sldNum" sz="quarter" idx="10"/>
+          </p:nvPr>
+        </p:nvSpPr>
+        <p:spPr/>
+        <p:txBody>
+          <a:bodyPr/>
+          <a:lstStyle/>
+          <a:p>
+            <a:fld id="{20A41429-B750-4047-B563-2878417A70E7}" type="slidenum">
+              <a:rPr lang="en-US" smtClean="0"/>
+              <a:t>26</a:t>
+            </a:fld>
+            <a:endParaRPr lang="en-US"/>
+          </a:p>
+        </p:txBody>
+      </p:sp>
+    </p:spTree>
+    <p:extLst>
+      <p:ext uri="{BB962C8B-B14F-4D97-AF65-F5344CB8AC3E}">
+        <p14:creationId xmlns:p14="http://schemas.microsoft.com/office/powerpoint/2010/main" val="1550035269"/>
+      </p:ext>
+    </p:extLst>
+  </p:cSld>
+  <p:clrMapOvr>
+    <a:masterClrMapping/>
+  </p:clrMapOvr>
+</p:notes>
+</file>
+
+<file path=ppt/notesSlides/notesSlide24.xml><?xml version="1.0" encoding="utf-8"?>
+<p:notes xmlns:a="http://schemas.openxmlformats.org/drawingml/2006/main" xmlns:r="http://schemas.openxmlformats.org/officeDocument/2006/relationships" xmlns:p="http://schemas.openxmlformats.org/presentationml/2006/main">
+  <p:cSld>
+    <p:spTree>
+      <p:nvGrpSpPr>
+        <p:cNvPr id="1" name=""/>
+        <p:cNvGrpSpPr/>
+        <p:nvPr/>
+      </p:nvGrpSpPr>
+      <p:grpSpPr>
+        <a:xfrm>
+          <a:off x="0" y="0"/>
+          <a:ext cx="0" cy="0"/>
+          <a:chOff x="0" y="0"/>
+          <a:chExt cx="0" cy="0"/>
+        </a:xfrm>
+      </p:grpSpPr>
+      <p:sp>
+        <p:nvSpPr>
+          <p:cNvPr id="2" name="Folienbildplatzhalter 1"/>
+          <p:cNvSpPr>
+            <a:spLocks noGrp="1" noRot="1" noChangeAspect="1"/>
+          </p:cNvSpPr>
+          <p:nvPr>
+            <p:ph type="sldImg"/>
+          </p:nvPr>
+        </p:nvSpPr>
+        <p:spPr/>
+      </p:sp>
+      <p:sp>
+        <p:nvSpPr>
+          <p:cNvPr id="3" name="Notizenplatzhalter 2"/>
+          <p:cNvSpPr>
+            <a:spLocks noGrp="1"/>
+          </p:cNvSpPr>
+          <p:nvPr>
+            <p:ph type="body" idx="1"/>
+          </p:nvPr>
+        </p:nvSpPr>
+        <p:spPr/>
+        <p:txBody>
+          <a:bodyPr/>
+          <a:lstStyle/>
+          <a:p>
+            <a:pPr marL="0" marR="0" lvl="0" indent="0" algn="l" defTabSz="914400" rtl="0" eaLnBrk="1" fontAlgn="auto" latinLnBrk="0" hangingPunct="1">
+              <a:lnSpc>
+                <a:spcPct val="100000"/>
+              </a:lnSpc>
+              <a:spcBef>
+                <a:spcPts val="0"/>
+              </a:spcBef>
+              <a:spcAft>
+                <a:spcPts val="0"/>
+              </a:spcAft>
+              <a:buClrTx/>
+              <a:buSzTx/>
+              <a:buFontTx/>
+              <a:buNone/>
+              <a:tabLst/>
+              <a:defRPr/>
+            </a:pPr>
+            <a:endParaRPr lang="en-US"/>
+          </a:p>
+        </p:txBody>
+      </p:sp>
+      <p:sp>
+        <p:nvSpPr>
+          <p:cNvPr id="4" name="Foliennummernplatzhalter 3"/>
+          <p:cNvSpPr>
+            <a:spLocks noGrp="1"/>
+          </p:cNvSpPr>
+          <p:nvPr>
+            <p:ph type="sldNum" sz="quarter" idx="10"/>
+          </p:nvPr>
+        </p:nvSpPr>
+        <p:spPr/>
+        <p:txBody>
+          <a:bodyPr/>
+          <a:lstStyle/>
+          <a:p>
+            <a:fld id="{20A41429-B750-4047-B563-2878417A70E7}" type="slidenum">
+              <a:rPr lang="en-US" smtClean="0"/>
+              <a:t>27</a:t>
             </a:fld>
             <a:endParaRPr lang="en-US"/>
           </a:p>
@@ -6188,14 +6494,14 @@
           <a:p>
             <a:pPr algn="ctr"/>
             <a:r>
-              <a:rPr lang="de-DE" sz="2400" b="1">
+              <a:rPr lang="de-DE" sz="2400" i="1">
                 <a:solidFill>
                   <a:schemeClr val="tx1"/>
                 </a:solidFill>
               </a:rPr>
-              <a:t>das Wachstum vs der Reichtum ...</a:t>
-            </a:r>
-            <a:endParaRPr lang="en-US" sz="2400" b="1">
+              <a:t>das Wachstum vs der Reichtum</a:t>
+            </a:r>
+            <a:endParaRPr lang="en-US" sz="2400" i="1">
               <a:solidFill>
                 <a:schemeClr val="tx1"/>
               </a:solidFill>
@@ -6236,6 +6542,48 @@
           <a:xfrm>
             <a:off x="3390899" y="4550567"/>
             <a:ext cx="1049337" cy="1049337"/>
+          </a:xfrm>
+          <a:prstGeom prst="rect">
+            <a:avLst/>
+          </a:prstGeom>
+        </p:spPr>
+      </p:pic>
+      <p:pic>
+        <p:nvPicPr>
+          <p:cNvPr id="10" name="Picture 9">
+            <a:extLst>
+              <a:ext uri="{FF2B5EF4-FFF2-40B4-BE49-F238E27FC236}">
+                <a16:creationId xmlns:a16="http://schemas.microsoft.com/office/drawing/2014/main" id="{F853DF7C-D509-4E6F-8979-8AF9C3E03772}"/>
+              </a:ext>
+            </a:extLst>
+          </p:cNvPr>
+          <p:cNvPicPr>
+            <a:picLocks noChangeAspect="1"/>
+          </p:cNvPicPr>
+          <p:nvPr/>
+        </p:nvPicPr>
+        <p:blipFill>
+          <a:blip r:embed="rId5">
+            <a:extLst>
+              <a:ext uri="{BEBA8EAE-BF5A-486C-A8C5-ECC9F3942E4B}">
+                <a14:imgProps xmlns:a14="http://schemas.microsoft.com/office/drawing/2010/main">
+                  <a14:imgLayer r:embed="rId6">
+                    <a14:imgEffect>
+                      <a14:brightnessContrast bright="20000"/>
+                    </a14:imgEffect>
+                  </a14:imgLayer>
+                </a14:imgProps>
+              </a:ext>
+            </a:extLst>
+          </a:blip>
+          <a:stretch>
+            <a:fillRect/>
+          </a:stretch>
+        </p:blipFill>
+        <p:spPr>
+          <a:xfrm>
+            <a:off x="8095067" y="5343525"/>
+            <a:ext cx="720496" cy="664072"/>
           </a:xfrm>
           <a:prstGeom prst="rect">
             <a:avLst/>
@@ -7148,6 +7496,1920 @@
           <a:chExt cx="0" cy="0"/>
         </a:xfrm>
       </p:grpSpPr>
+      <p:sp>
+        <p:nvSpPr>
+          <p:cNvPr id="2" name="Titel 1"/>
+          <p:cNvSpPr>
+            <a:spLocks noGrp="1"/>
+          </p:cNvSpPr>
+          <p:nvPr>
+            <p:ph type="title"/>
+          </p:nvPr>
+        </p:nvSpPr>
+        <p:spPr/>
+        <p:txBody>
+          <a:bodyPr/>
+          <a:lstStyle/>
+          <a:p>
+            <a:r>
+              <a:rPr lang="en-US"/>
+              <a:t>Working data  </a:t>
+            </a:r>
+            <a:r>
+              <a:rPr lang="en-US" b="1"/>
+              <a:t>Generation</a:t>
+            </a:r>
+          </a:p>
+        </p:txBody>
+      </p:sp>
+      <p:sp>
+        <p:nvSpPr>
+          <p:cNvPr id="4" name="Foliennummernplatzhalter 3"/>
+          <p:cNvSpPr>
+            <a:spLocks noGrp="1"/>
+          </p:cNvSpPr>
+          <p:nvPr>
+            <p:ph type="sldNum" sz="quarter" idx="12"/>
+          </p:nvPr>
+        </p:nvSpPr>
+        <p:spPr/>
+        <p:txBody>
+          <a:bodyPr/>
+          <a:lstStyle/>
+          <a:p>
+            <a:fld id="{C9E0B00B-E6DF-4183-A694-3DE28BEFB357}" type="slidenum">
+              <a:rPr lang="en-US" smtClean="0"/>
+              <a:t>15</a:t>
+            </a:fld>
+            <a:endParaRPr lang="en-US"/>
+          </a:p>
+        </p:txBody>
+      </p:sp>
+      <p:sp>
+        <p:nvSpPr>
+          <p:cNvPr id="5" name="Content Placeholder 2">
+            <a:extLst>
+              <a:ext uri="{FF2B5EF4-FFF2-40B4-BE49-F238E27FC236}">
+                <a16:creationId xmlns:a16="http://schemas.microsoft.com/office/drawing/2014/main" id="{2103F23C-B021-4F14-8084-0CDDB4205028}"/>
+              </a:ext>
+            </a:extLst>
+          </p:cNvPr>
+          <p:cNvSpPr>
+            <a:spLocks noGrp="1"/>
+          </p:cNvSpPr>
+          <p:nvPr>
+            <p:ph idx="1"/>
+          </p:nvPr>
+        </p:nvSpPr>
+        <p:spPr>
+          <a:xfrm>
+            <a:off x="838200" y="1825625"/>
+            <a:ext cx="10515600" cy="4351338"/>
+          </a:xfrm>
+        </p:spPr>
+        <p:txBody>
+          <a:bodyPr/>
+          <a:lstStyle/>
+          <a:p>
+            <a:r>
+              <a:rPr lang="en-US"/>
+              <a:t>All data generated by </a:t>
+            </a:r>
+            <a:r>
+              <a:rPr lang="en-US" b="1"/>
+              <a:t>scraping</a:t>
+            </a:r>
+            <a:r>
+              <a:rPr lang="en-US"/>
+              <a:t> the web</a:t>
+            </a:r>
+            <a:br>
+              <a:rPr lang="en-US"/>
+            </a:br>
+            <a:br>
+              <a:rPr lang="en-US"/>
+            </a:br>
+            <a:br>
+              <a:rPr lang="en-US"/>
+            </a:br>
+            <a:br>
+              <a:rPr lang="en-US"/>
+            </a:br>
+            <a:br>
+              <a:rPr lang="en-US"/>
+            </a:br>
+            <a:endParaRPr lang="en-US"/>
+          </a:p>
+          <a:p>
+            <a:r>
+              <a:rPr lang="en-US"/>
+              <a:t>Various sources:</a:t>
+            </a:r>
+          </a:p>
+          <a:p>
+            <a:pPr lvl="1"/>
+            <a:r>
+              <a:rPr lang="en-US">
+                <a:hlinkClick r:id="rId3"/>
+              </a:rPr>
+              <a:t>https://www.bundestag.de/abgeordnete</a:t>
+            </a:r>
+            <a:endParaRPr lang="en-US"/>
+          </a:p>
+          <a:p>
+            <a:pPr lvl="1"/>
+            <a:r>
+              <a:rPr lang="en-US"/>
+              <a:t>Individual party websites</a:t>
+            </a:r>
+          </a:p>
+          <a:p>
+            <a:pPr lvl="1"/>
+            <a:r>
+              <a:rPr lang="en-US"/>
+              <a:t>Twitter API</a:t>
+            </a:r>
+          </a:p>
+        </p:txBody>
+      </p:sp>
+      <p:sp>
+        <p:nvSpPr>
+          <p:cNvPr id="6" name="Speech Bubble: Rectangle 5">
+            <a:extLst>
+              <a:ext uri="{FF2B5EF4-FFF2-40B4-BE49-F238E27FC236}">
+                <a16:creationId xmlns:a16="http://schemas.microsoft.com/office/drawing/2014/main" id="{145D684E-3F0C-4F19-9E6D-0E530B10107E}"/>
+              </a:ext>
+            </a:extLst>
+          </p:cNvPr>
+          <p:cNvSpPr/>
+          <p:nvPr/>
+        </p:nvSpPr>
+        <p:spPr>
+          <a:xfrm>
+            <a:off x="5429251" y="2984499"/>
+            <a:ext cx="6438900" cy="444501"/>
+          </a:xfrm>
+          <a:prstGeom prst="wedgeRectCallout">
+            <a:avLst>
+              <a:gd name="adj1" fmla="val -60500"/>
+              <a:gd name="adj2" fmla="val -7955"/>
+            </a:avLst>
+          </a:prstGeom>
+          <a:noFill/>
+          <a:ln>
+            <a:noFill/>
+          </a:ln>
+        </p:spPr>
+        <p:style>
+          <a:lnRef idx="2">
+            <a:schemeClr val="accent1">
+              <a:shade val="50000"/>
+            </a:schemeClr>
+          </a:lnRef>
+          <a:fillRef idx="1">
+            <a:schemeClr val="accent1"/>
+          </a:fillRef>
+          <a:effectRef idx="0">
+            <a:schemeClr val="accent1"/>
+          </a:effectRef>
+          <a:fontRef idx="minor">
+            <a:schemeClr val="lt1"/>
+          </a:fontRef>
+        </p:style>
+        <p:txBody>
+          <a:bodyPr rtlCol="0" anchor="ctr"/>
+          <a:lstStyle/>
+          <a:p>
+            <a:r>
+              <a:rPr lang="de-DE" sz="2400" i="1">
+                <a:solidFill>
+                  <a:schemeClr val="tx1"/>
+                </a:solidFill>
+              </a:rPr>
+              <a:t>Scraping is legal so long as it does not involve breaking security barriers explicitly in place to guard against such automatic data extraction.</a:t>
+            </a:r>
+            <a:endParaRPr lang="en-US" sz="2400" i="1">
+              <a:solidFill>
+                <a:schemeClr val="tx1"/>
+              </a:solidFill>
+            </a:endParaRPr>
+          </a:p>
+        </p:txBody>
+      </p:sp>
+      <p:pic>
+        <p:nvPicPr>
+          <p:cNvPr id="7" name="Graphic 6" descr="Back with solid fill">
+            <a:extLst>
+              <a:ext uri="{FF2B5EF4-FFF2-40B4-BE49-F238E27FC236}">
+                <a16:creationId xmlns:a16="http://schemas.microsoft.com/office/drawing/2014/main" id="{6061D605-A633-4A4E-BB08-FDA87BD61567}"/>
+              </a:ext>
+            </a:extLst>
+          </p:cNvPr>
+          <p:cNvPicPr>
+            <a:picLocks noChangeAspect="1"/>
+          </p:cNvPicPr>
+          <p:nvPr/>
+        </p:nvPicPr>
+        <p:blipFill>
+          <a:blip r:embed="rId4">
+            <a:extLst>
+              <a:ext uri="{28A0092B-C50C-407E-A947-70E740481C1C}">
+                <a14:useLocalDpi xmlns:a14="http://schemas.microsoft.com/office/drawing/2010/main" val="0"/>
+              </a:ext>
+              <a:ext uri="{96DAC541-7B7A-43D3-8B79-37D633B846F1}">
+                <asvg:svgBlip xmlns:asvg="http://schemas.microsoft.com/office/drawing/2016/SVG/main" r:embed="rId5"/>
+              </a:ext>
+            </a:extLst>
+          </a:blip>
+          <a:stretch>
+            <a:fillRect/>
+          </a:stretch>
+        </p:blipFill>
+        <p:spPr>
+          <a:xfrm flipH="1" flipV="1">
+            <a:off x="4276724" y="2317355"/>
+            <a:ext cx="1028699" cy="1197767"/>
+          </a:xfrm>
+          <a:prstGeom prst="rect">
+            <a:avLst/>
+          </a:prstGeom>
+        </p:spPr>
+      </p:pic>
+    </p:spTree>
+    <p:extLst>
+      <p:ext uri="{BB962C8B-B14F-4D97-AF65-F5344CB8AC3E}">
+        <p14:creationId xmlns:p14="http://schemas.microsoft.com/office/powerpoint/2010/main" val="1889247214"/>
+      </p:ext>
+    </p:extLst>
+  </p:cSld>
+  <p:clrMapOvr>
+    <a:masterClrMapping/>
+  </p:clrMapOvr>
+</p:sld>
+</file>
+
+<file path=ppt/slides/slide16.xml><?xml version="1.0" encoding="utf-8"?>
+<p:sld xmlns:a="http://schemas.openxmlformats.org/drawingml/2006/main" xmlns:r="http://schemas.openxmlformats.org/officeDocument/2006/relationships" xmlns:p="http://schemas.openxmlformats.org/presentationml/2006/main">
+  <p:cSld>
+    <p:spTree>
+      <p:nvGrpSpPr>
+        <p:cNvPr id="1" name=""/>
+        <p:cNvGrpSpPr/>
+        <p:nvPr/>
+      </p:nvGrpSpPr>
+      <p:grpSpPr>
+        <a:xfrm>
+          <a:off x="0" y="0"/>
+          <a:ext cx="0" cy="0"/>
+          <a:chOff x="0" y="0"/>
+          <a:chExt cx="0" cy="0"/>
+        </a:xfrm>
+      </p:grpSpPr>
+      <p:sp>
+        <p:nvSpPr>
+          <p:cNvPr id="2" name="Titel 1"/>
+          <p:cNvSpPr>
+            <a:spLocks noGrp="1"/>
+          </p:cNvSpPr>
+          <p:nvPr>
+            <p:ph type="title"/>
+          </p:nvPr>
+        </p:nvSpPr>
+        <p:spPr/>
+        <p:txBody>
+          <a:bodyPr/>
+          <a:lstStyle/>
+          <a:p>
+            <a:r>
+              <a:rPr lang="en-US"/>
+              <a:t>Working data  </a:t>
+            </a:r>
+            <a:r>
+              <a:rPr lang="en-US" b="1"/>
+              <a:t>Structure</a:t>
+            </a:r>
+          </a:p>
+        </p:txBody>
+      </p:sp>
+      <p:sp>
+        <p:nvSpPr>
+          <p:cNvPr id="4" name="Foliennummernplatzhalter 3"/>
+          <p:cNvSpPr>
+            <a:spLocks noGrp="1"/>
+          </p:cNvSpPr>
+          <p:nvPr>
+            <p:ph type="sldNum" sz="quarter" idx="12"/>
+          </p:nvPr>
+        </p:nvSpPr>
+        <p:spPr/>
+        <p:txBody>
+          <a:bodyPr/>
+          <a:lstStyle/>
+          <a:p>
+            <a:fld id="{C9E0B00B-E6DF-4183-A694-3DE28BEFB357}" type="slidenum">
+              <a:rPr lang="en-US" smtClean="0"/>
+              <a:t>16</a:t>
+            </a:fld>
+            <a:endParaRPr lang="en-US"/>
+          </a:p>
+        </p:txBody>
+      </p:sp>
+      <p:sp>
+        <p:nvSpPr>
+          <p:cNvPr id="5" name="Content Placeholder 2">
+            <a:extLst>
+              <a:ext uri="{FF2B5EF4-FFF2-40B4-BE49-F238E27FC236}">
+                <a16:creationId xmlns:a16="http://schemas.microsoft.com/office/drawing/2014/main" id="{2103F23C-B021-4F14-8084-0CDDB4205028}"/>
+              </a:ext>
+            </a:extLst>
+          </p:cNvPr>
+          <p:cNvSpPr>
+            <a:spLocks noGrp="1"/>
+          </p:cNvSpPr>
+          <p:nvPr>
+            <p:ph idx="1"/>
+          </p:nvPr>
+        </p:nvSpPr>
+        <p:spPr>
+          <a:xfrm>
+            <a:off x="838200" y="1825625"/>
+            <a:ext cx="10515600" cy="4351338"/>
+          </a:xfrm>
+        </p:spPr>
+        <p:txBody>
+          <a:bodyPr/>
+          <a:lstStyle/>
+          <a:p>
+            <a:r>
+              <a:rPr lang="en-US"/>
+              <a:t>Required information – on MP level</a:t>
+            </a:r>
+          </a:p>
+          <a:p>
+            <a:pPr lvl="1"/>
+            <a:r>
+              <a:rPr lang="en-US"/>
+              <a:t>Name</a:t>
+            </a:r>
+          </a:p>
+          <a:p>
+            <a:pPr lvl="1"/>
+            <a:r>
+              <a:rPr lang="en-US"/>
+              <a:t>Party</a:t>
+            </a:r>
+          </a:p>
+          <a:p>
+            <a:pPr lvl="1"/>
+            <a:r>
+              <a:rPr lang="en-US"/>
+              <a:t>Electoral district &amp; associated meta data</a:t>
+            </a:r>
+          </a:p>
+          <a:p>
+            <a:pPr lvl="1"/>
+            <a:r>
+              <a:rPr lang="en-US"/>
+              <a:t>Twitter username</a:t>
+            </a:r>
+          </a:p>
+          <a:p>
+            <a:pPr lvl="1"/>
+            <a:r>
+              <a:rPr lang="en-US"/>
+              <a:t>Posted tweets</a:t>
+            </a:r>
+          </a:p>
+          <a:p>
+            <a:pPr lvl="2"/>
+            <a:r>
+              <a:rPr lang="en-US"/>
+              <a:t>Date</a:t>
+            </a:r>
+          </a:p>
+          <a:p>
+            <a:pPr lvl="2"/>
+            <a:r>
+              <a:rPr lang="en-US"/>
+              <a:t>Text</a:t>
+            </a:r>
+          </a:p>
+          <a:p>
+            <a:pPr lvl="2"/>
+            <a:r>
+              <a:rPr lang="en-US"/>
+              <a:t>Number of likes, retweets</a:t>
+            </a:r>
+          </a:p>
+          <a:p>
+            <a:pPr lvl="2"/>
+            <a:r>
+              <a:rPr lang="en-US"/>
+              <a:t>Number of followers</a:t>
+            </a:r>
+          </a:p>
+        </p:txBody>
+      </p:sp>
+      <p:pic>
+        <p:nvPicPr>
+          <p:cNvPr id="6" name="Picture 5">
+            <a:extLst>
+              <a:ext uri="{FF2B5EF4-FFF2-40B4-BE49-F238E27FC236}">
+                <a16:creationId xmlns:a16="http://schemas.microsoft.com/office/drawing/2014/main" id="{8D7FBF7A-8F3E-42FC-877F-AE9664AAFBB2}"/>
+              </a:ext>
+            </a:extLst>
+          </p:cNvPr>
+          <p:cNvPicPr>
+            <a:picLocks noChangeAspect="1"/>
+          </p:cNvPicPr>
+          <p:nvPr/>
+        </p:nvPicPr>
+        <p:blipFill>
+          <a:blip r:embed="rId3"/>
+          <a:stretch>
+            <a:fillRect/>
+          </a:stretch>
+        </p:blipFill>
+        <p:spPr>
+          <a:xfrm>
+            <a:off x="7899822" y="1870076"/>
+            <a:ext cx="3120604" cy="2101850"/>
+          </a:xfrm>
+          <a:prstGeom prst="rect">
+            <a:avLst/>
+          </a:prstGeom>
+        </p:spPr>
+      </p:pic>
+      <p:pic>
+        <p:nvPicPr>
+          <p:cNvPr id="8" name="Picture 7">
+            <a:extLst>
+              <a:ext uri="{FF2B5EF4-FFF2-40B4-BE49-F238E27FC236}">
+                <a16:creationId xmlns:a16="http://schemas.microsoft.com/office/drawing/2014/main" id="{5ABEA95A-2128-4C8D-A4DF-7267E6D10397}"/>
+              </a:ext>
+            </a:extLst>
+          </p:cNvPr>
+          <p:cNvPicPr>
+            <a:picLocks noChangeAspect="1"/>
+          </p:cNvPicPr>
+          <p:nvPr/>
+        </p:nvPicPr>
+        <p:blipFill>
+          <a:blip r:embed="rId4"/>
+          <a:stretch>
+            <a:fillRect/>
+          </a:stretch>
+        </p:blipFill>
+        <p:spPr>
+          <a:xfrm>
+            <a:off x="5570524" y="4151313"/>
+            <a:ext cx="5449902" cy="1401762"/>
+          </a:xfrm>
+          <a:prstGeom prst="rect">
+            <a:avLst/>
+          </a:prstGeom>
+        </p:spPr>
+      </p:pic>
+    </p:spTree>
+    <p:extLst>
+      <p:ext uri="{BB962C8B-B14F-4D97-AF65-F5344CB8AC3E}">
+        <p14:creationId xmlns:p14="http://schemas.microsoft.com/office/powerpoint/2010/main" val="370086653"/>
+      </p:ext>
+    </p:extLst>
+  </p:cSld>
+  <p:clrMapOvr>
+    <a:masterClrMapping/>
+  </p:clrMapOvr>
+</p:sld>
+</file>
+
+<file path=ppt/slides/slide17.xml><?xml version="1.0" encoding="utf-8"?>
+<p:sld xmlns:a="http://schemas.openxmlformats.org/drawingml/2006/main" xmlns:r="http://schemas.openxmlformats.org/officeDocument/2006/relationships" xmlns:p="http://schemas.openxmlformats.org/presentationml/2006/main">
+  <p:cSld>
+    <p:spTree>
+      <p:nvGrpSpPr>
+        <p:cNvPr id="1" name=""/>
+        <p:cNvGrpSpPr/>
+        <p:nvPr/>
+      </p:nvGrpSpPr>
+      <p:grpSpPr>
+        <a:xfrm>
+          <a:off x="0" y="0"/>
+          <a:ext cx="0" cy="0"/>
+          <a:chOff x="0" y="0"/>
+          <a:chExt cx="0" cy="0"/>
+        </a:xfrm>
+      </p:grpSpPr>
+      <p:sp>
+        <p:nvSpPr>
+          <p:cNvPr id="2" name="Titel 1"/>
+          <p:cNvSpPr>
+            <a:spLocks noGrp="1"/>
+          </p:cNvSpPr>
+          <p:nvPr>
+            <p:ph type="title"/>
+          </p:nvPr>
+        </p:nvSpPr>
+        <p:spPr/>
+        <p:txBody>
+          <a:bodyPr/>
+          <a:lstStyle/>
+          <a:p>
+            <a:r>
+              <a:rPr lang="en-US"/>
+              <a:t>Working data  </a:t>
+            </a:r>
+            <a:r>
+              <a:rPr lang="en-US" b="1"/>
+              <a:t>Structure</a:t>
+            </a:r>
+          </a:p>
+        </p:txBody>
+      </p:sp>
+      <p:sp>
+        <p:nvSpPr>
+          <p:cNvPr id="4" name="Foliennummernplatzhalter 3"/>
+          <p:cNvSpPr>
+            <a:spLocks noGrp="1"/>
+          </p:cNvSpPr>
+          <p:nvPr>
+            <p:ph type="sldNum" sz="quarter" idx="12"/>
+          </p:nvPr>
+        </p:nvSpPr>
+        <p:spPr/>
+        <p:txBody>
+          <a:bodyPr/>
+          <a:lstStyle/>
+          <a:p>
+            <a:fld id="{C9E0B00B-E6DF-4183-A694-3DE28BEFB357}" type="slidenum">
+              <a:rPr lang="en-US" smtClean="0"/>
+              <a:t>17</a:t>
+            </a:fld>
+            <a:endParaRPr lang="en-US"/>
+          </a:p>
+        </p:txBody>
+      </p:sp>
+      <p:graphicFrame>
+        <p:nvGraphicFramePr>
+          <p:cNvPr id="3" name="Table 6">
+            <a:extLst>
+              <a:ext uri="{FF2B5EF4-FFF2-40B4-BE49-F238E27FC236}">
+                <a16:creationId xmlns:a16="http://schemas.microsoft.com/office/drawing/2014/main" id="{AA0206E4-8FDF-45DD-8054-6D17905F682E}"/>
+              </a:ext>
+            </a:extLst>
+          </p:cNvPr>
+          <p:cNvGraphicFramePr>
+            <a:graphicFrameLocks noGrp="1"/>
+          </p:cNvGraphicFramePr>
+          <p:nvPr>
+            <p:extLst>
+              <p:ext uri="{D42A27DB-BD31-4B8C-83A1-F6EECF244321}">
+                <p14:modId xmlns:p14="http://schemas.microsoft.com/office/powerpoint/2010/main" val="2625494292"/>
+              </p:ext>
+            </p:extLst>
+          </p:nvPr>
+        </p:nvGraphicFramePr>
+        <p:xfrm>
+          <a:off x="948632" y="1601470"/>
+          <a:ext cx="10272645" cy="4724400"/>
+        </p:xfrm>
+        <a:graphic>
+          <a:graphicData uri="http://schemas.openxmlformats.org/drawingml/2006/table">
+            <a:tbl>
+              <a:tblPr firstRow="1" bandRow="1">
+                <a:tableStyleId>{5940675A-B579-460E-94D1-54222C63F5DA}</a:tableStyleId>
+              </a:tblPr>
+              <a:tblGrid>
+                <a:gridCol w="2251768">
+                  <a:extLst>
+                    <a:ext uri="{9D8B030D-6E8A-4147-A177-3AD203B41FA5}">
+                      <a16:colId xmlns:a16="http://schemas.microsoft.com/office/drawing/2014/main" val="4184305466"/>
+                    </a:ext>
+                  </a:extLst>
+                </a:gridCol>
+                <a:gridCol w="974035">
+                  <a:extLst>
+                    <a:ext uri="{9D8B030D-6E8A-4147-A177-3AD203B41FA5}">
+                      <a16:colId xmlns:a16="http://schemas.microsoft.com/office/drawing/2014/main" val="1360365262"/>
+                    </a:ext>
+                  </a:extLst>
+                </a:gridCol>
+                <a:gridCol w="7046842">
+                  <a:extLst>
+                    <a:ext uri="{9D8B030D-6E8A-4147-A177-3AD203B41FA5}">
+                      <a16:colId xmlns:a16="http://schemas.microsoft.com/office/drawing/2014/main" val="1649753465"/>
+                    </a:ext>
+                  </a:extLst>
+                </a:gridCol>
+              </a:tblGrid>
+              <a:tr h="222955">
+                <a:tc>
+                  <a:txBody>
+                    <a:bodyPr/>
+                    <a:lstStyle/>
+                    <a:p>
+                      <a:r>
+                        <a:rPr lang="de-DE" sz="1600" b="1"/>
+                        <a:t>Variable</a:t>
+                      </a:r>
+                      <a:endParaRPr lang="en-US" sz="1600" b="1"/>
+                    </a:p>
+                  </a:txBody>
+                  <a:tcPr/>
+                </a:tc>
+                <a:tc>
+                  <a:txBody>
+                    <a:bodyPr/>
+                    <a:lstStyle/>
+                    <a:p>
+                      <a:r>
+                        <a:rPr lang="de-DE" sz="1600" b="1"/>
+                        <a:t>Type</a:t>
+                      </a:r>
+                      <a:endParaRPr lang="en-US" sz="1600" b="1"/>
+                    </a:p>
+                  </a:txBody>
+                  <a:tcPr/>
+                </a:tc>
+                <a:tc>
+                  <a:txBody>
+                    <a:bodyPr/>
+                    <a:lstStyle/>
+                    <a:p>
+                      <a:r>
+                        <a:rPr lang="de-DE" sz="1600" b="1"/>
+                        <a:t>Description</a:t>
+                      </a:r>
+                      <a:endParaRPr lang="en-US" sz="1600" b="1"/>
+                    </a:p>
+                  </a:txBody>
+                  <a:tcPr/>
+                </a:tc>
+                <a:extLst>
+                  <a:ext uri="{0D108BD9-81ED-4DB2-BD59-A6C34878D82A}">
+                    <a16:rowId xmlns:a16="http://schemas.microsoft.com/office/drawing/2014/main" val="3932816913"/>
+                  </a:ext>
+                </a:extLst>
+              </a:tr>
+              <a:tr h="243224">
+                <a:tc>
+                  <a:txBody>
+                    <a:bodyPr/>
+                    <a:lstStyle/>
+                    <a:p>
+                      <a:r>
+                        <a:rPr lang="de-DE" sz="1600">
+                          <a:latin typeface="Consolas" panose="020B0609020204030204" pitchFamily="49" charset="0"/>
+                        </a:rPr>
+                        <a:t>last_name</a:t>
+                      </a:r>
+                      <a:endParaRPr lang="en-US" sz="1600">
+                        <a:latin typeface="Consolas" panose="020B0609020204030204" pitchFamily="49" charset="0"/>
+                      </a:endParaRPr>
+                    </a:p>
+                  </a:txBody>
+                  <a:tcPr/>
+                </a:tc>
+                <a:tc>
+                  <a:txBody>
+                    <a:bodyPr/>
+                    <a:lstStyle/>
+                    <a:p>
+                      <a:r>
+                        <a:rPr lang="de-DE">
+                          <a:latin typeface="Consolas" panose="020B0609020204030204" pitchFamily="49" charset="0"/>
+                        </a:rPr>
+                        <a:t>chr</a:t>
+                      </a:r>
+                      <a:endParaRPr lang="en-US">
+                        <a:latin typeface="Consolas" panose="020B0609020204030204" pitchFamily="49" charset="0"/>
+                      </a:endParaRPr>
+                    </a:p>
+                  </a:txBody>
+                  <a:tcPr/>
+                </a:tc>
+                <a:tc>
+                  <a:txBody>
+                    <a:bodyPr/>
+                    <a:lstStyle/>
+                    <a:p>
+                      <a:r>
+                        <a:rPr lang="de-DE"/>
+                        <a:t>MP‘s last name</a:t>
+                      </a:r>
+                      <a:endParaRPr lang="en-US"/>
+                    </a:p>
+                  </a:txBody>
+                  <a:tcPr/>
+                </a:tc>
+                <a:extLst>
+                  <a:ext uri="{0D108BD9-81ED-4DB2-BD59-A6C34878D82A}">
+                    <a16:rowId xmlns:a16="http://schemas.microsoft.com/office/drawing/2014/main" val="4220921630"/>
+                  </a:ext>
+                </a:extLst>
+              </a:tr>
+              <a:tr h="243224">
+                <a:tc>
+                  <a:txBody>
+                    <a:bodyPr/>
+                    <a:lstStyle/>
+                    <a:p>
+                      <a:r>
+                        <a:rPr lang="de-DE" sz="1600">
+                          <a:latin typeface="Consolas" panose="020B0609020204030204" pitchFamily="49" charset="0"/>
+                        </a:rPr>
+                        <a:t>first_name</a:t>
+                      </a:r>
+                      <a:endParaRPr lang="en-US" sz="1600">
+                        <a:latin typeface="Consolas" panose="020B0609020204030204" pitchFamily="49" charset="0"/>
+                      </a:endParaRPr>
+                    </a:p>
+                  </a:txBody>
+                  <a:tcPr/>
+                </a:tc>
+                <a:tc>
+                  <a:txBody>
+                    <a:bodyPr/>
+                    <a:lstStyle/>
+                    <a:p>
+                      <a:r>
+                        <a:rPr lang="de-DE">
+                          <a:latin typeface="Consolas" panose="020B0609020204030204" pitchFamily="49" charset="0"/>
+                        </a:rPr>
+                        <a:t>chr</a:t>
+                      </a:r>
+                      <a:endParaRPr lang="en-US">
+                        <a:latin typeface="Consolas" panose="020B0609020204030204" pitchFamily="49" charset="0"/>
+                      </a:endParaRPr>
+                    </a:p>
+                  </a:txBody>
+                  <a:tcPr/>
+                </a:tc>
+                <a:tc>
+                  <a:txBody>
+                    <a:bodyPr/>
+                    <a:lstStyle/>
+                    <a:p>
+                      <a:r>
+                        <a:rPr lang="de-DE"/>
+                        <a:t>MP‘s first name</a:t>
+                      </a:r>
+                      <a:endParaRPr lang="en-US"/>
+                    </a:p>
+                  </a:txBody>
+                  <a:tcPr/>
+                </a:tc>
+                <a:extLst>
+                  <a:ext uri="{0D108BD9-81ED-4DB2-BD59-A6C34878D82A}">
+                    <a16:rowId xmlns:a16="http://schemas.microsoft.com/office/drawing/2014/main" val="886109240"/>
+                  </a:ext>
+                </a:extLst>
+              </a:tr>
+              <a:tr h="243224">
+                <a:tc>
+                  <a:txBody>
+                    <a:bodyPr/>
+                    <a:lstStyle/>
+                    <a:p>
+                      <a:r>
+                        <a:rPr lang="de-DE" sz="1600">
+                          <a:latin typeface="Consolas" panose="020B0609020204030204" pitchFamily="49" charset="0"/>
+                        </a:rPr>
+                        <a:t>party</a:t>
+                      </a:r>
+                      <a:endParaRPr lang="en-US" sz="1600">
+                        <a:latin typeface="Consolas" panose="020B0609020204030204" pitchFamily="49" charset="0"/>
+                      </a:endParaRPr>
+                    </a:p>
+                  </a:txBody>
+                  <a:tcPr/>
+                </a:tc>
+                <a:tc>
+                  <a:txBody>
+                    <a:bodyPr/>
+                    <a:lstStyle/>
+                    <a:p>
+                      <a:r>
+                        <a:rPr lang="de-DE">
+                          <a:latin typeface="Consolas" panose="020B0609020204030204" pitchFamily="49" charset="0"/>
+                        </a:rPr>
+                        <a:t>factor</a:t>
+                      </a:r>
+                      <a:endParaRPr lang="en-US">
+                        <a:latin typeface="Consolas" panose="020B0609020204030204" pitchFamily="49" charset="0"/>
+                      </a:endParaRPr>
+                    </a:p>
+                  </a:txBody>
+                  <a:tcPr/>
+                </a:tc>
+                <a:tc>
+                  <a:txBody>
+                    <a:bodyPr/>
+                    <a:lstStyle/>
+                    <a:p>
+                      <a:r>
+                        <a:rPr lang="de-DE"/>
+                        <a:t>MP‘s political part</a:t>
+                      </a:r>
+                      <a:endParaRPr lang="en-US"/>
+                    </a:p>
+                  </a:txBody>
+                  <a:tcPr/>
+                </a:tc>
+                <a:extLst>
+                  <a:ext uri="{0D108BD9-81ED-4DB2-BD59-A6C34878D82A}">
+                    <a16:rowId xmlns:a16="http://schemas.microsoft.com/office/drawing/2014/main" val="3743779192"/>
+                  </a:ext>
+                </a:extLst>
+              </a:tr>
+              <a:tr h="243224">
+                <a:tc>
+                  <a:txBody>
+                    <a:bodyPr/>
+                    <a:lstStyle/>
+                    <a:p>
+                      <a:r>
+                        <a:rPr lang="de-DE" sz="1600">
+                          <a:latin typeface="Consolas" panose="020B0609020204030204" pitchFamily="49" charset="0"/>
+                        </a:rPr>
+                        <a:t>bundesland</a:t>
+                      </a:r>
+                      <a:endParaRPr lang="en-US" sz="1600">
+                        <a:latin typeface="Consolas" panose="020B0609020204030204" pitchFamily="49" charset="0"/>
+                      </a:endParaRPr>
+                    </a:p>
+                  </a:txBody>
+                  <a:tcPr/>
+                </a:tc>
+                <a:tc>
+                  <a:txBody>
+                    <a:bodyPr/>
+                    <a:lstStyle/>
+                    <a:p>
+                      <a:r>
+                        <a:rPr lang="de-DE">
+                          <a:latin typeface="Consolas" panose="020B0609020204030204" pitchFamily="49" charset="0"/>
+                        </a:rPr>
+                        <a:t>factor</a:t>
+                      </a:r>
+                      <a:endParaRPr lang="en-US">
+                        <a:latin typeface="Consolas" panose="020B0609020204030204" pitchFamily="49" charset="0"/>
+                      </a:endParaRPr>
+                    </a:p>
+                  </a:txBody>
+                  <a:tcPr/>
+                </a:tc>
+                <a:tc>
+                  <a:txBody>
+                    <a:bodyPr/>
+                    <a:lstStyle/>
+                    <a:p>
+                      <a:r>
+                        <a:rPr lang="de-DE"/>
+                        <a:t>Federal state of MP‘s electoral district</a:t>
+                      </a:r>
+                      <a:endParaRPr lang="en-US"/>
+                    </a:p>
+                  </a:txBody>
+                  <a:tcPr/>
+                </a:tc>
+                <a:extLst>
+                  <a:ext uri="{0D108BD9-81ED-4DB2-BD59-A6C34878D82A}">
+                    <a16:rowId xmlns:a16="http://schemas.microsoft.com/office/drawing/2014/main" val="2586419261"/>
+                  </a:ext>
+                </a:extLst>
+              </a:tr>
+              <a:tr h="330529">
+                <a:tc>
+                  <a:txBody>
+                    <a:bodyPr/>
+                    <a:lstStyle/>
+                    <a:p>
+                      <a:r>
+                        <a:rPr lang="de-DE" sz="1600">
+                          <a:latin typeface="Consolas" panose="020B0609020204030204" pitchFamily="49" charset="0"/>
+                        </a:rPr>
+                        <a:t>unemployment_rate</a:t>
+                      </a:r>
+                      <a:endParaRPr lang="en-US" sz="1600">
+                        <a:latin typeface="Consolas" panose="020B0609020204030204" pitchFamily="49" charset="0"/>
+                      </a:endParaRPr>
+                    </a:p>
+                  </a:txBody>
+                  <a:tcPr/>
+                </a:tc>
+                <a:tc>
+                  <a:txBody>
+                    <a:bodyPr/>
+                    <a:lstStyle/>
+                    <a:p>
+                      <a:r>
+                        <a:rPr lang="de-DE">
+                          <a:latin typeface="Consolas" panose="020B0609020204030204" pitchFamily="49" charset="0"/>
+                        </a:rPr>
+                        <a:t>num</a:t>
+                      </a:r>
+                      <a:endParaRPr lang="en-US">
+                        <a:latin typeface="Consolas" panose="020B0609020204030204" pitchFamily="49" charset="0"/>
+                      </a:endParaRPr>
+                    </a:p>
+                  </a:txBody>
+                  <a:tcPr/>
+                </a:tc>
+                <a:tc>
+                  <a:txBody>
+                    <a:bodyPr/>
+                    <a:lstStyle/>
+                    <a:p>
+                      <a:r>
+                        <a:rPr lang="de-DE"/>
+                        <a:t>Unemployment rate in MP‘s electoral district during 2017 election</a:t>
+                      </a:r>
+                      <a:endParaRPr lang="en-US"/>
+                    </a:p>
+                  </a:txBody>
+                  <a:tcPr/>
+                </a:tc>
+                <a:extLst>
+                  <a:ext uri="{0D108BD9-81ED-4DB2-BD59-A6C34878D82A}">
+                    <a16:rowId xmlns:a16="http://schemas.microsoft.com/office/drawing/2014/main" val="2834735668"/>
+                  </a:ext>
+                </a:extLst>
+              </a:tr>
+              <a:tr h="243224">
+                <a:tc>
+                  <a:txBody>
+                    <a:bodyPr/>
+                    <a:lstStyle/>
+                    <a:p>
+                      <a:r>
+                        <a:rPr lang="de-DE" sz="1600">
+                          <a:latin typeface="Consolas" panose="020B0609020204030204" pitchFamily="49" charset="0"/>
+                        </a:rPr>
+                        <a:t>user_name</a:t>
+                      </a:r>
+                      <a:endParaRPr lang="en-US" sz="1600">
+                        <a:latin typeface="Consolas" panose="020B0609020204030204" pitchFamily="49" charset="0"/>
+                      </a:endParaRPr>
+                    </a:p>
+                  </a:txBody>
+                  <a:tcPr/>
+                </a:tc>
+                <a:tc>
+                  <a:txBody>
+                    <a:bodyPr/>
+                    <a:lstStyle/>
+                    <a:p>
+                      <a:r>
+                        <a:rPr lang="de-DE">
+                          <a:latin typeface="Consolas" panose="020B0609020204030204" pitchFamily="49" charset="0"/>
+                        </a:rPr>
+                        <a:t>chr</a:t>
+                      </a:r>
+                      <a:endParaRPr lang="en-US">
+                        <a:latin typeface="Consolas" panose="020B0609020204030204" pitchFamily="49" charset="0"/>
+                      </a:endParaRPr>
+                    </a:p>
+                  </a:txBody>
+                  <a:tcPr/>
+                </a:tc>
+                <a:tc>
+                  <a:txBody>
+                    <a:bodyPr/>
+                    <a:lstStyle/>
+                    <a:p>
+                      <a:r>
+                        <a:rPr lang="de-DE"/>
+                        <a:t>MP‘s username on Twitter</a:t>
+                      </a:r>
+                      <a:endParaRPr lang="en-US"/>
+                    </a:p>
+                  </a:txBody>
+                  <a:tcPr/>
+                </a:tc>
+                <a:extLst>
+                  <a:ext uri="{0D108BD9-81ED-4DB2-BD59-A6C34878D82A}">
+                    <a16:rowId xmlns:a16="http://schemas.microsoft.com/office/drawing/2014/main" val="3169794567"/>
+                  </a:ext>
+                </a:extLst>
+              </a:tr>
+              <a:tr h="243224">
+                <a:tc>
+                  <a:txBody>
+                    <a:bodyPr/>
+                    <a:lstStyle/>
+                    <a:p>
+                      <a:r>
+                        <a:rPr lang="de-DE" sz="1600">
+                          <a:latin typeface="Consolas" panose="020B0609020204030204" pitchFamily="49" charset="0"/>
+                        </a:rPr>
+                        <a:t>followers_count</a:t>
+                      </a:r>
+                      <a:endParaRPr lang="en-US" sz="1600">
+                        <a:latin typeface="Consolas" panose="020B0609020204030204" pitchFamily="49" charset="0"/>
+                      </a:endParaRPr>
+                    </a:p>
+                  </a:txBody>
+                  <a:tcPr/>
+                </a:tc>
+                <a:tc>
+                  <a:txBody>
+                    <a:bodyPr/>
+                    <a:lstStyle/>
+                    <a:p>
+                      <a:r>
+                        <a:rPr lang="de-DE">
+                          <a:latin typeface="Consolas" panose="020B0609020204030204" pitchFamily="49" charset="0"/>
+                        </a:rPr>
+                        <a:t>num</a:t>
+                      </a:r>
+                      <a:endParaRPr lang="en-US">
+                        <a:latin typeface="Consolas" panose="020B0609020204030204" pitchFamily="49" charset="0"/>
+                      </a:endParaRPr>
+                    </a:p>
+                  </a:txBody>
+                  <a:tcPr/>
+                </a:tc>
+                <a:tc>
+                  <a:txBody>
+                    <a:bodyPr/>
+                    <a:lstStyle/>
+                    <a:p>
+                      <a:r>
+                        <a:rPr lang="de-DE"/>
+                        <a:t>MP‘s number of followers on Twitter at scraping time</a:t>
+                      </a:r>
+                      <a:endParaRPr lang="en-US"/>
+                    </a:p>
+                  </a:txBody>
+                  <a:tcPr/>
+                </a:tc>
+                <a:extLst>
+                  <a:ext uri="{0D108BD9-81ED-4DB2-BD59-A6C34878D82A}">
+                    <a16:rowId xmlns:a16="http://schemas.microsoft.com/office/drawing/2014/main" val="3546383149"/>
+                  </a:ext>
+                </a:extLst>
+              </a:tr>
+              <a:tr h="243224">
+                <a:tc>
+                  <a:txBody>
+                    <a:bodyPr/>
+                    <a:lstStyle/>
+                    <a:p>
+                      <a:r>
+                        <a:rPr lang="de-DE" sz="1600">
+                          <a:latin typeface="Consolas" panose="020B0609020204030204" pitchFamily="49" charset="0"/>
+                        </a:rPr>
+                        <a:t>created_at</a:t>
+                      </a:r>
+                      <a:endParaRPr lang="en-US" sz="1600">
+                        <a:latin typeface="Consolas" panose="020B0609020204030204" pitchFamily="49" charset="0"/>
+                      </a:endParaRPr>
+                    </a:p>
+                  </a:txBody>
+                  <a:tcPr/>
+                </a:tc>
+                <a:tc>
+                  <a:txBody>
+                    <a:bodyPr/>
+                    <a:lstStyle/>
+                    <a:p>
+                      <a:r>
+                        <a:rPr lang="de-DE">
+                          <a:latin typeface="Consolas" panose="020B0609020204030204" pitchFamily="49" charset="0"/>
+                        </a:rPr>
+                        <a:t>date</a:t>
+                      </a:r>
+                      <a:endParaRPr lang="en-US">
+                        <a:latin typeface="Consolas" panose="020B0609020204030204" pitchFamily="49" charset="0"/>
+                      </a:endParaRPr>
+                    </a:p>
+                  </a:txBody>
+                  <a:tcPr/>
+                </a:tc>
+                <a:tc>
+                  <a:txBody>
+                    <a:bodyPr/>
+                    <a:lstStyle/>
+                    <a:p>
+                      <a:r>
+                        <a:rPr lang="de-DE"/>
+                        <a:t>Time stamp of tweet creation</a:t>
+                      </a:r>
+                      <a:endParaRPr lang="en-US"/>
+                    </a:p>
+                  </a:txBody>
+                  <a:tcPr/>
+                </a:tc>
+                <a:extLst>
+                  <a:ext uri="{0D108BD9-81ED-4DB2-BD59-A6C34878D82A}">
+                    <a16:rowId xmlns:a16="http://schemas.microsoft.com/office/drawing/2014/main" val="3588617551"/>
+                  </a:ext>
+                </a:extLst>
+              </a:tr>
+              <a:tr h="243224">
+                <a:tc>
+                  <a:txBody>
+                    <a:bodyPr/>
+                    <a:lstStyle/>
+                    <a:p>
+                      <a:r>
+                        <a:rPr lang="de-DE" sz="1600">
+                          <a:latin typeface="Consolas" panose="020B0609020204030204" pitchFamily="49" charset="0"/>
+                        </a:rPr>
+                        <a:t>location</a:t>
+                      </a:r>
+                      <a:endParaRPr lang="en-US" sz="1600">
+                        <a:latin typeface="Consolas" panose="020B0609020204030204" pitchFamily="49" charset="0"/>
+                      </a:endParaRPr>
+                    </a:p>
+                  </a:txBody>
+                  <a:tcPr/>
+                </a:tc>
+                <a:tc>
+                  <a:txBody>
+                    <a:bodyPr/>
+                    <a:lstStyle/>
+                    <a:p>
+                      <a:r>
+                        <a:rPr lang="de-DE">
+                          <a:latin typeface="Consolas" panose="020B0609020204030204" pitchFamily="49" charset="0"/>
+                        </a:rPr>
+                        <a:t>chr</a:t>
+                      </a:r>
+                      <a:endParaRPr lang="en-US">
+                        <a:latin typeface="Consolas" panose="020B0609020204030204" pitchFamily="49" charset="0"/>
+                      </a:endParaRPr>
+                    </a:p>
+                  </a:txBody>
+                  <a:tcPr/>
+                </a:tc>
+                <a:tc>
+                  <a:txBody>
+                    <a:bodyPr/>
+                    <a:lstStyle/>
+                    <a:p>
+                      <a:r>
+                        <a:rPr lang="de-DE"/>
+                        <a:t>Location of tweet creation</a:t>
+                      </a:r>
+                      <a:endParaRPr lang="en-US"/>
+                    </a:p>
+                  </a:txBody>
+                  <a:tcPr/>
+                </a:tc>
+                <a:extLst>
+                  <a:ext uri="{0D108BD9-81ED-4DB2-BD59-A6C34878D82A}">
+                    <a16:rowId xmlns:a16="http://schemas.microsoft.com/office/drawing/2014/main" val="3823518672"/>
+                  </a:ext>
+                </a:extLst>
+              </a:tr>
+              <a:tr h="243224">
+                <a:tc>
+                  <a:txBody>
+                    <a:bodyPr/>
+                    <a:lstStyle/>
+                    <a:p>
+                      <a:r>
+                        <a:rPr lang="de-DE" sz="1600">
+                          <a:latin typeface="Consolas" panose="020B0609020204030204" pitchFamily="49" charset="0"/>
+                        </a:rPr>
+                        <a:t>text</a:t>
+                      </a:r>
+                      <a:endParaRPr lang="en-US" sz="1600">
+                        <a:latin typeface="Consolas" panose="020B0609020204030204" pitchFamily="49" charset="0"/>
+                      </a:endParaRPr>
+                    </a:p>
+                  </a:txBody>
+                  <a:tcPr/>
+                </a:tc>
+                <a:tc>
+                  <a:txBody>
+                    <a:bodyPr/>
+                    <a:lstStyle/>
+                    <a:p>
+                      <a:r>
+                        <a:rPr lang="de-DE">
+                          <a:latin typeface="Consolas" panose="020B0609020204030204" pitchFamily="49" charset="0"/>
+                        </a:rPr>
+                        <a:t>chr</a:t>
+                      </a:r>
+                      <a:endParaRPr lang="en-US">
+                        <a:latin typeface="Consolas" panose="020B0609020204030204" pitchFamily="49" charset="0"/>
+                      </a:endParaRPr>
+                    </a:p>
+                  </a:txBody>
+                  <a:tcPr/>
+                </a:tc>
+                <a:tc>
+                  <a:txBody>
+                    <a:bodyPr/>
+                    <a:lstStyle/>
+                    <a:p>
+                      <a:r>
+                        <a:rPr lang="de-DE"/>
+                        <a:t>Tweet text</a:t>
+                      </a:r>
+                      <a:endParaRPr lang="en-US"/>
+                    </a:p>
+                  </a:txBody>
+                  <a:tcPr/>
+                </a:tc>
+                <a:extLst>
+                  <a:ext uri="{0D108BD9-81ED-4DB2-BD59-A6C34878D82A}">
+                    <a16:rowId xmlns:a16="http://schemas.microsoft.com/office/drawing/2014/main" val="4291134398"/>
+                  </a:ext>
+                </a:extLst>
+              </a:tr>
+              <a:tr h="243224">
+                <a:tc>
+                  <a:txBody>
+                    <a:bodyPr/>
+                    <a:lstStyle/>
+                    <a:p>
+                      <a:r>
+                        <a:rPr lang="de-DE" sz="1600">
+                          <a:latin typeface="Consolas" panose="020B0609020204030204" pitchFamily="49" charset="0"/>
+                        </a:rPr>
+                        <a:t>favorite_count</a:t>
+                      </a:r>
+                      <a:endParaRPr lang="en-US" sz="1600">
+                        <a:latin typeface="Consolas" panose="020B0609020204030204" pitchFamily="49" charset="0"/>
+                      </a:endParaRPr>
+                    </a:p>
+                  </a:txBody>
+                  <a:tcPr/>
+                </a:tc>
+                <a:tc>
+                  <a:txBody>
+                    <a:bodyPr/>
+                    <a:lstStyle/>
+                    <a:p>
+                      <a:r>
+                        <a:rPr lang="de-DE">
+                          <a:latin typeface="Consolas" panose="020B0609020204030204" pitchFamily="49" charset="0"/>
+                        </a:rPr>
+                        <a:t>num</a:t>
+                      </a:r>
+                      <a:endParaRPr lang="en-US">
+                        <a:latin typeface="Consolas" panose="020B0609020204030204" pitchFamily="49" charset="0"/>
+                      </a:endParaRPr>
+                    </a:p>
+                  </a:txBody>
+                  <a:tcPr/>
+                </a:tc>
+                <a:tc>
+                  <a:txBody>
+                    <a:bodyPr/>
+                    <a:lstStyle/>
+                    <a:p>
+                      <a:r>
+                        <a:rPr lang="de-DE"/>
+                        <a:t>Number of likes for tweet at scraping time</a:t>
+                      </a:r>
+                      <a:endParaRPr lang="en-US"/>
+                    </a:p>
+                  </a:txBody>
+                  <a:tcPr/>
+                </a:tc>
+                <a:extLst>
+                  <a:ext uri="{0D108BD9-81ED-4DB2-BD59-A6C34878D82A}">
+                    <a16:rowId xmlns:a16="http://schemas.microsoft.com/office/drawing/2014/main" val="1227411712"/>
+                  </a:ext>
+                </a:extLst>
+              </a:tr>
+              <a:tr h="243224">
+                <a:tc>
+                  <a:txBody>
+                    <a:bodyPr/>
+                    <a:lstStyle/>
+                    <a:p>
+                      <a:r>
+                        <a:rPr lang="de-DE" sz="1600">
+                          <a:latin typeface="Consolas" panose="020B0609020204030204" pitchFamily="49" charset="0"/>
+                        </a:rPr>
+                        <a:t>retweet_count</a:t>
+                      </a:r>
+                      <a:endParaRPr lang="en-US" sz="1600">
+                        <a:latin typeface="Consolas" panose="020B0609020204030204" pitchFamily="49" charset="0"/>
+                      </a:endParaRPr>
+                    </a:p>
+                  </a:txBody>
+                  <a:tcPr/>
+                </a:tc>
+                <a:tc>
+                  <a:txBody>
+                    <a:bodyPr/>
+                    <a:lstStyle/>
+                    <a:p>
+                      <a:r>
+                        <a:rPr lang="de-DE">
+                          <a:latin typeface="Consolas" panose="020B0609020204030204" pitchFamily="49" charset="0"/>
+                        </a:rPr>
+                        <a:t>num</a:t>
+                      </a:r>
+                      <a:endParaRPr lang="en-US">
+                        <a:latin typeface="Consolas" panose="020B0609020204030204" pitchFamily="49" charset="0"/>
+                      </a:endParaRPr>
+                    </a:p>
+                  </a:txBody>
+                  <a:tcPr/>
+                </a:tc>
+                <a:tc>
+                  <a:txBody>
+                    <a:bodyPr/>
+                    <a:lstStyle/>
+                    <a:p>
+                      <a:r>
+                        <a:rPr lang="de-DE"/>
+                        <a:t>Number of retweets for tweet at scraping time</a:t>
+                      </a:r>
+                      <a:endParaRPr lang="en-US"/>
+                    </a:p>
+                  </a:txBody>
+                  <a:tcPr/>
+                </a:tc>
+                <a:extLst>
+                  <a:ext uri="{0D108BD9-81ED-4DB2-BD59-A6C34878D82A}">
+                    <a16:rowId xmlns:a16="http://schemas.microsoft.com/office/drawing/2014/main" val="898564331"/>
+                  </a:ext>
+                </a:extLst>
+              </a:tr>
+            </a:tbl>
+          </a:graphicData>
+        </a:graphic>
+      </p:graphicFrame>
+      <p:sp>
+        <p:nvSpPr>
+          <p:cNvPr id="10" name="Rectangle 9">
+            <a:extLst>
+              <a:ext uri="{FF2B5EF4-FFF2-40B4-BE49-F238E27FC236}">
+                <a16:creationId xmlns:a16="http://schemas.microsoft.com/office/drawing/2014/main" id="{53B851C5-1446-4D18-A533-2B76F7C09AD0}"/>
+              </a:ext>
+            </a:extLst>
+          </p:cNvPr>
+          <p:cNvSpPr/>
+          <p:nvPr/>
+        </p:nvSpPr>
+        <p:spPr>
+          <a:xfrm>
+            <a:off x="4827104" y="0"/>
+            <a:ext cx="7364896" cy="914400"/>
+          </a:xfrm>
+          <a:prstGeom prst="rect">
+            <a:avLst/>
+          </a:prstGeom>
+          <a:solidFill>
+            <a:schemeClr val="accent2"/>
+          </a:solidFill>
+          <a:ln>
+            <a:solidFill>
+              <a:schemeClr val="accent2"/>
+            </a:solidFill>
+          </a:ln>
+        </p:spPr>
+        <p:style>
+          <a:lnRef idx="2">
+            <a:schemeClr val="accent1">
+              <a:shade val="50000"/>
+            </a:schemeClr>
+          </a:lnRef>
+          <a:fillRef idx="1">
+            <a:schemeClr val="accent1"/>
+          </a:fillRef>
+          <a:effectRef idx="0">
+            <a:schemeClr val="accent1"/>
+          </a:effectRef>
+          <a:fontRef idx="minor">
+            <a:schemeClr val="lt1"/>
+          </a:fontRef>
+        </p:style>
+        <p:txBody>
+          <a:bodyPr rtlCol="0" anchor="ctr"/>
+          <a:lstStyle/>
+          <a:p>
+            <a:pPr algn="ctr"/>
+            <a:r>
+              <a:rPr lang="de-DE"/>
+              <a:t>ergänzen, wenn toy data final erstellt</a:t>
+            </a:r>
+            <a:endParaRPr lang="en-US"/>
+          </a:p>
+        </p:txBody>
+      </p:sp>
+    </p:spTree>
+    <p:extLst>
+      <p:ext uri="{BB962C8B-B14F-4D97-AF65-F5344CB8AC3E}">
+        <p14:creationId xmlns:p14="http://schemas.microsoft.com/office/powerpoint/2010/main" val="1871476374"/>
+      </p:ext>
+    </p:extLst>
+  </p:cSld>
+  <p:clrMapOvr>
+    <a:masterClrMapping/>
+  </p:clrMapOvr>
+</p:sld>
+</file>
+
+<file path=ppt/slides/slide18.xml><?xml version="1.0" encoding="utf-8"?>
+<p:sld xmlns:a="http://schemas.openxmlformats.org/drawingml/2006/main" xmlns:r="http://schemas.openxmlformats.org/officeDocument/2006/relationships" xmlns:p="http://schemas.openxmlformats.org/presentationml/2006/main">
+  <p:cSld>
+    <p:spTree>
+      <p:nvGrpSpPr>
+        <p:cNvPr id="1" name=""/>
+        <p:cNvGrpSpPr/>
+        <p:nvPr/>
+      </p:nvGrpSpPr>
+      <p:grpSpPr>
+        <a:xfrm>
+          <a:off x="0" y="0"/>
+          <a:ext cx="0" cy="0"/>
+          <a:chOff x="0" y="0"/>
+          <a:chExt cx="0" cy="0"/>
+        </a:xfrm>
+      </p:grpSpPr>
+      <p:sp>
+        <p:nvSpPr>
+          <p:cNvPr id="2" name="Titel 1"/>
+          <p:cNvSpPr>
+            <a:spLocks noGrp="1"/>
+          </p:cNvSpPr>
+          <p:nvPr>
+            <p:ph type="title"/>
+          </p:nvPr>
+        </p:nvSpPr>
+        <p:spPr/>
+        <p:txBody>
+          <a:bodyPr/>
+          <a:lstStyle/>
+          <a:p>
+            <a:r>
+              <a:rPr lang="en-US"/>
+              <a:t>Working data  </a:t>
+            </a:r>
+            <a:r>
+              <a:rPr lang="en-US" b="1"/>
+              <a:t>Example</a:t>
+            </a:r>
+          </a:p>
+        </p:txBody>
+      </p:sp>
+      <p:sp>
+        <p:nvSpPr>
+          <p:cNvPr id="4" name="Foliennummernplatzhalter 3"/>
+          <p:cNvSpPr>
+            <a:spLocks noGrp="1"/>
+          </p:cNvSpPr>
+          <p:nvPr>
+            <p:ph type="sldNum" sz="quarter" idx="12"/>
+          </p:nvPr>
+        </p:nvSpPr>
+        <p:spPr/>
+        <p:txBody>
+          <a:bodyPr/>
+          <a:lstStyle/>
+          <a:p>
+            <a:fld id="{C9E0B00B-E6DF-4183-A694-3DE28BEFB357}" type="slidenum">
+              <a:rPr lang="en-US" smtClean="0"/>
+              <a:t>18</a:t>
+            </a:fld>
+            <a:endParaRPr lang="en-US"/>
+          </a:p>
+        </p:txBody>
+      </p:sp>
+      <p:sp>
+        <p:nvSpPr>
+          <p:cNvPr id="7" name="Rectangle 6">
+            <a:extLst>
+              <a:ext uri="{FF2B5EF4-FFF2-40B4-BE49-F238E27FC236}">
+                <a16:creationId xmlns:a16="http://schemas.microsoft.com/office/drawing/2014/main" id="{BA7609A1-082B-4F84-BCF7-C3D38AC53D38}"/>
+              </a:ext>
+            </a:extLst>
+          </p:cNvPr>
+          <p:cNvSpPr/>
+          <p:nvPr/>
+        </p:nvSpPr>
+        <p:spPr>
+          <a:xfrm>
+            <a:off x="2219325" y="1804761"/>
+            <a:ext cx="9134473" cy="2814863"/>
+          </a:xfrm>
+          <a:prstGeom prst="rect">
+            <a:avLst/>
+          </a:prstGeom>
+          <a:solidFill>
+            <a:schemeClr val="bg1">
+              <a:lumMod val="95000"/>
+            </a:schemeClr>
+          </a:solidFill>
+          <a:ln w="19050">
+            <a:solidFill>
+              <a:schemeClr val="bg1">
+                <a:lumMod val="95000"/>
+              </a:schemeClr>
+            </a:solidFill>
+          </a:ln>
+        </p:spPr>
+        <p:style>
+          <a:lnRef idx="2">
+            <a:schemeClr val="dk1"/>
+          </a:lnRef>
+          <a:fillRef idx="1">
+            <a:schemeClr val="lt1"/>
+          </a:fillRef>
+          <a:effectRef idx="0">
+            <a:schemeClr val="dk1"/>
+          </a:effectRef>
+          <a:fontRef idx="minor">
+            <a:schemeClr val="dk1"/>
+          </a:fontRef>
+        </p:style>
+        <p:txBody>
+          <a:bodyPr rtlCol="0" anchor="ctr"/>
+          <a:lstStyle/>
+          <a:p>
+            <a:r>
+              <a:rPr lang="de-DE" sz="2800">
+                <a:solidFill>
+                  <a:schemeClr val="tx1"/>
+                </a:solidFill>
+              </a:rPr>
+              <a:t>"Merkel-Regierung geht vor Erdogan in die Knie. Auf meine Frage, ob nach Auffassung der Bundesregierung die Ermordung der Armenier 1915/16 ein „Völkermord“ war, eiert sie nur rum. Ihr sei die Position des Bundestages dazu „bekannt“. Sie selbst hat dazu keine. #erbärmlich #feige https://t.co/bkwSflCJan"</a:t>
+            </a:r>
+          </a:p>
+        </p:txBody>
+      </p:sp>
+      <p:pic>
+        <p:nvPicPr>
+          <p:cNvPr id="12" name="Graphic 11" descr="Subtitles with solid fill">
+            <a:extLst>
+              <a:ext uri="{FF2B5EF4-FFF2-40B4-BE49-F238E27FC236}">
+                <a16:creationId xmlns:a16="http://schemas.microsoft.com/office/drawing/2014/main" id="{6AC42FBD-6D9A-4365-8898-5399EFB1EB5C}"/>
+              </a:ext>
+            </a:extLst>
+          </p:cNvPr>
+          <p:cNvPicPr>
+            <a:picLocks noChangeAspect="1"/>
+          </p:cNvPicPr>
+          <p:nvPr/>
+        </p:nvPicPr>
+        <p:blipFill>
+          <a:blip r:embed="rId3">
+            <a:extLst>
+              <a:ext uri="{28A0092B-C50C-407E-A947-70E740481C1C}">
+                <a14:useLocalDpi xmlns:a14="http://schemas.microsoft.com/office/drawing/2010/main" val="0"/>
+              </a:ext>
+              <a:ext uri="{96DAC541-7B7A-43D3-8B79-37D633B846F1}">
+                <asvg:svgBlip xmlns:asvg="http://schemas.microsoft.com/office/drawing/2016/SVG/main" r:embed="rId4"/>
+              </a:ext>
+            </a:extLst>
+          </a:blip>
+          <a:stretch>
+            <a:fillRect/>
+          </a:stretch>
+        </p:blipFill>
+        <p:spPr>
+          <a:xfrm>
+            <a:off x="838200" y="1604963"/>
+            <a:ext cx="1104900" cy="1104900"/>
+          </a:xfrm>
+          <a:prstGeom prst="rect">
+            <a:avLst/>
+          </a:prstGeom>
+        </p:spPr>
+      </p:pic>
+    </p:spTree>
+    <p:extLst>
+      <p:ext uri="{BB962C8B-B14F-4D97-AF65-F5344CB8AC3E}">
+        <p14:creationId xmlns:p14="http://schemas.microsoft.com/office/powerpoint/2010/main" val="2630905407"/>
+      </p:ext>
+    </p:extLst>
+  </p:cSld>
+  <p:clrMapOvr>
+    <a:masterClrMapping/>
+  </p:clrMapOvr>
+</p:sld>
+</file>
+
+<file path=ppt/slides/slide19.xml><?xml version="1.0" encoding="utf-8"?>
+<p:sld xmlns:a="http://schemas.openxmlformats.org/drawingml/2006/main" xmlns:r="http://schemas.openxmlformats.org/officeDocument/2006/relationships" xmlns:p="http://schemas.openxmlformats.org/presentationml/2006/main">
+  <p:cSld>
+    <p:spTree>
+      <p:nvGrpSpPr>
+        <p:cNvPr id="1" name=""/>
+        <p:cNvGrpSpPr/>
+        <p:nvPr/>
+      </p:nvGrpSpPr>
+      <p:grpSpPr>
+        <a:xfrm>
+          <a:off x="0" y="0"/>
+          <a:ext cx="0" cy="0"/>
+          <a:chOff x="0" y="0"/>
+          <a:chExt cx="0" cy="0"/>
+        </a:xfrm>
+      </p:grpSpPr>
+      <p:sp>
+        <p:nvSpPr>
+          <p:cNvPr id="2" name="Titel 1"/>
+          <p:cNvSpPr>
+            <a:spLocks noGrp="1"/>
+          </p:cNvSpPr>
+          <p:nvPr>
+            <p:ph type="title"/>
+          </p:nvPr>
+        </p:nvSpPr>
+        <p:spPr/>
+        <p:txBody>
+          <a:bodyPr/>
+          <a:lstStyle/>
+          <a:p>
+            <a:r>
+              <a:rPr lang="en-US"/>
+              <a:t>Working data  </a:t>
+            </a:r>
+            <a:r>
+              <a:rPr lang="en-US" b="1"/>
+              <a:t>Particularities</a:t>
+            </a:r>
+          </a:p>
+        </p:txBody>
+      </p:sp>
+      <p:sp>
+        <p:nvSpPr>
+          <p:cNvPr id="4" name="Foliennummernplatzhalter 3"/>
+          <p:cNvSpPr>
+            <a:spLocks noGrp="1"/>
+          </p:cNvSpPr>
+          <p:nvPr>
+            <p:ph type="sldNum" sz="quarter" idx="12"/>
+          </p:nvPr>
+        </p:nvSpPr>
+        <p:spPr/>
+        <p:txBody>
+          <a:bodyPr/>
+          <a:lstStyle/>
+          <a:p>
+            <a:fld id="{C9E0B00B-E6DF-4183-A694-3DE28BEFB357}" type="slidenum">
+              <a:rPr lang="en-US" smtClean="0"/>
+              <a:t>19</a:t>
+            </a:fld>
+            <a:endParaRPr lang="en-US"/>
+          </a:p>
+        </p:txBody>
+      </p:sp>
+      <p:sp>
+        <p:nvSpPr>
+          <p:cNvPr id="5" name="Content Placeholder 2">
+            <a:extLst>
+              <a:ext uri="{FF2B5EF4-FFF2-40B4-BE49-F238E27FC236}">
+                <a16:creationId xmlns:a16="http://schemas.microsoft.com/office/drawing/2014/main" id="{2103F23C-B021-4F14-8084-0CDDB4205028}"/>
+              </a:ext>
+            </a:extLst>
+          </p:cNvPr>
+          <p:cNvSpPr>
+            <a:spLocks noGrp="1"/>
+          </p:cNvSpPr>
+          <p:nvPr>
+            <p:ph idx="1"/>
+          </p:nvPr>
+        </p:nvSpPr>
+        <p:spPr>
+          <a:xfrm>
+            <a:off x="838200" y="1825625"/>
+            <a:ext cx="10515600" cy="4667250"/>
+          </a:xfrm>
+        </p:spPr>
+        <p:txBody>
+          <a:bodyPr/>
+          <a:lstStyle/>
+          <a:p>
+            <a:r>
+              <a:rPr lang="en-US"/>
+              <a:t>Twitter idiosyncrasies</a:t>
+            </a:r>
+          </a:p>
+          <a:p>
+            <a:pPr lvl="1"/>
+            <a:r>
+              <a:rPr lang="en-US"/>
+              <a:t>Extremely short texts</a:t>
+            </a:r>
+          </a:p>
+          <a:p>
+            <a:pPr lvl="1"/>
+            <a:r>
+              <a:rPr lang="en-US"/>
+              <a:t>Often in response to recent event without explicitly naming it</a:t>
+            </a:r>
+          </a:p>
+          <a:p>
+            <a:pPr lvl="1"/>
+            <a:r>
+              <a:rPr lang="en-US"/>
+              <a:t>Informal language with tendency to containing spelling mistakes</a:t>
+            </a:r>
+          </a:p>
+          <a:p>
+            <a:pPr lvl="1"/>
+            <a:r>
+              <a:rPr lang="en-US"/>
+              <a:t>Special tokens: emojis, hashtags</a:t>
+            </a:r>
+          </a:p>
+          <a:p>
+            <a:r>
+              <a:rPr lang="en-US"/>
+              <a:t>Political context</a:t>
+            </a:r>
+          </a:p>
+          <a:p>
+            <a:pPr lvl="1"/>
+            <a:r>
+              <a:rPr lang="en-US"/>
+              <a:t>Specific vocabulary</a:t>
+            </a:r>
+          </a:p>
+          <a:p>
+            <a:pPr lvl="1"/>
+            <a:r>
+              <a:rPr lang="en-US"/>
+              <a:t>Sometimes rather formal after all (and rather few emojis)</a:t>
+            </a:r>
+          </a:p>
+          <a:p>
+            <a:pPr lvl="1"/>
+            <a:r>
+              <a:rPr lang="en-US"/>
+              <a:t>Frequent irony</a:t>
+            </a:r>
+          </a:p>
+          <a:p>
+            <a:pPr lvl="1"/>
+            <a:r>
+              <a:rPr lang="en-US"/>
+              <a:t>Many solely informative tweets</a:t>
+            </a:r>
+          </a:p>
+          <a:p>
+            <a:pPr lvl="1"/>
+            <a:r>
+              <a:rPr lang="en-US"/>
+              <a:t>Tendency toward negative sentiment</a:t>
+            </a:r>
+          </a:p>
+        </p:txBody>
+      </p:sp>
+    </p:spTree>
+    <p:extLst>
+      <p:ext uri="{BB962C8B-B14F-4D97-AF65-F5344CB8AC3E}">
+        <p14:creationId xmlns:p14="http://schemas.microsoft.com/office/powerpoint/2010/main" val="1476359502"/>
+      </p:ext>
+    </p:extLst>
+  </p:cSld>
+  <p:clrMapOvr>
+    <a:masterClrMapping/>
+  </p:clrMapOvr>
+</p:sld>
+</file>
+
+<file path=ppt/slides/slide2.xml><?xml version="1.0" encoding="utf-8"?>
+<p:sld xmlns:a="http://schemas.openxmlformats.org/drawingml/2006/main" xmlns:r="http://schemas.openxmlformats.org/officeDocument/2006/relationships" xmlns:p="http://schemas.openxmlformats.org/presentationml/2006/main">
+  <p:cSld>
+    <p:spTree>
+      <p:nvGrpSpPr>
+        <p:cNvPr id="1" name=""/>
+        <p:cNvGrpSpPr/>
+        <p:nvPr/>
+      </p:nvGrpSpPr>
+      <p:grpSpPr>
+        <a:xfrm>
+          <a:off x="0" y="0"/>
+          <a:ext cx="0" cy="0"/>
+          <a:chOff x="0" y="0"/>
+          <a:chExt cx="0" cy="0"/>
+        </a:xfrm>
+      </p:grpSpPr>
+      <p:sp>
+        <p:nvSpPr>
+          <p:cNvPr id="2" name="Titel 1"/>
+          <p:cNvSpPr>
+            <a:spLocks noGrp="1"/>
+          </p:cNvSpPr>
+          <p:nvPr>
+            <p:ph type="title"/>
+          </p:nvPr>
+        </p:nvSpPr>
+        <p:spPr/>
+        <p:txBody>
+          <a:bodyPr/>
+          <a:lstStyle/>
+          <a:p>
+            <a:r>
+              <a:rPr lang="en-GB" b="1">
+                <a:effectLst>
+                  <a:outerShdw blurRad="38100" dist="38100" dir="2700000" algn="tl">
+                    <a:srgbClr val="000000">
+                      <a:alpha val="43137"/>
+                    </a:srgbClr>
+                  </a:outerShdw>
+                </a:effectLst>
+              </a:rPr>
+              <a:t>Part I: Intro NLP &amp; Task at Hand</a:t>
+            </a:r>
+            <a:endParaRPr lang="en-US" b="1">
+              <a:effectLst>
+                <a:outerShdw blurRad="38100" dist="38100" dir="2700000" algn="tl">
+                  <a:srgbClr val="000000">
+                    <a:alpha val="43137"/>
+                  </a:srgbClr>
+                </a:outerShdw>
+              </a:effectLst>
+            </a:endParaRPr>
+          </a:p>
+        </p:txBody>
+      </p:sp>
+      <p:sp>
+        <p:nvSpPr>
+          <p:cNvPr id="3" name="Textplatzhalter 2"/>
+          <p:cNvSpPr>
+            <a:spLocks noGrp="1"/>
+          </p:cNvSpPr>
+          <p:nvPr>
+            <p:ph type="body" idx="1"/>
+          </p:nvPr>
+        </p:nvSpPr>
+        <p:spPr/>
+        <p:txBody>
+          <a:bodyPr/>
+          <a:lstStyle/>
+          <a:p>
+            <a:r>
+              <a:rPr lang="en-US" b="1">
+                <a:effectLst>
+                  <a:outerShdw blurRad="38100" dist="38100" dir="2700000" algn="tl">
+                    <a:srgbClr val="000000">
+                      <a:alpha val="43137"/>
+                    </a:srgbClr>
+                  </a:outerShdw>
+                </a:effectLst>
+              </a:rPr>
+              <a:t>Intro NLP</a:t>
+            </a:r>
+          </a:p>
+        </p:txBody>
+      </p:sp>
+      <p:sp>
+        <p:nvSpPr>
+          <p:cNvPr id="4" name="Foliennummernplatzhalter 3"/>
+          <p:cNvSpPr>
+            <a:spLocks noGrp="1"/>
+          </p:cNvSpPr>
+          <p:nvPr>
+            <p:ph type="sldNum" sz="quarter" idx="12"/>
+          </p:nvPr>
+        </p:nvSpPr>
+        <p:spPr/>
+        <p:txBody>
+          <a:bodyPr/>
+          <a:lstStyle/>
+          <a:p>
+            <a:fld id="{C9E0B00B-E6DF-4183-A694-3DE28BEFB357}" type="slidenum">
+              <a:rPr lang="en-US" smtClean="0"/>
+              <a:t>2</a:t>
+            </a:fld>
+            <a:endParaRPr lang="en-US"/>
+          </a:p>
+        </p:txBody>
+      </p:sp>
+    </p:spTree>
+    <p:extLst>
+      <p:ext uri="{BB962C8B-B14F-4D97-AF65-F5344CB8AC3E}">
+        <p14:creationId xmlns:p14="http://schemas.microsoft.com/office/powerpoint/2010/main" val="2635496787"/>
+      </p:ext>
+    </p:extLst>
+  </p:cSld>
+  <p:clrMapOvr>
+    <a:masterClrMapping/>
+  </p:clrMapOvr>
+</p:sld>
+</file>
+
+<file path=ppt/slides/slide20.xml><?xml version="1.0" encoding="utf-8"?>
+<p:sld xmlns:a="http://schemas.openxmlformats.org/drawingml/2006/main" xmlns:r="http://schemas.openxmlformats.org/officeDocument/2006/relationships" xmlns:p="http://schemas.openxmlformats.org/presentationml/2006/main">
+  <p:cSld>
+    <p:spTree>
+      <p:nvGrpSpPr>
+        <p:cNvPr id="1" name=""/>
+        <p:cNvGrpSpPr/>
+        <p:nvPr/>
+      </p:nvGrpSpPr>
+      <p:grpSpPr>
+        <a:xfrm>
+          <a:off x="0" y="0"/>
+          <a:ext cx="0" cy="0"/>
+          <a:chOff x="0" y="0"/>
+          <a:chExt cx="0" cy="0"/>
+        </a:xfrm>
+      </p:grpSpPr>
       <p:cxnSp>
         <p:nvCxnSpPr>
           <p:cNvPr id="24" name="Straight Arrow Connector 23">
@@ -7232,7 +9494,7 @@
           <a:p>
             <a:fld id="{C9E0B00B-E6DF-4183-A694-3DE28BEFB357}" type="slidenum">
               <a:rPr lang="en-US" smtClean="0"/>
-              <a:t>15</a:t>
+              <a:t>20</a:t>
             </a:fld>
             <a:endParaRPr lang="en-US"/>
           </a:p>
@@ -7537,7 +9799,7 @@
                   <a:schemeClr val="tx1"/>
                 </a:solidFill>
               </a:rPr>
-              <a:t>Twitter data by German MPs</a:t>
+              <a:t>Twitter + socioeconomic data on German MPs</a:t>
             </a:r>
           </a:p>
         </p:txBody>
@@ -7598,7 +9860,7 @@
                   <a:schemeClr val="tx1"/>
                 </a:solidFill>
               </a:rPr>
-              <a:t>Data pre-processing</a:t>
+              <a:t>Pre-processing</a:t>
             </a:r>
           </a:p>
         </p:txBody>
@@ -7783,693 +10045,6 @@
 </p:sld>
 </file>
 
-<file path=ppt/slides/slide16.xml><?xml version="1.0" encoding="utf-8"?>
-<p:sld xmlns:a="http://schemas.openxmlformats.org/drawingml/2006/main" xmlns:r="http://schemas.openxmlformats.org/officeDocument/2006/relationships" xmlns:p="http://schemas.openxmlformats.org/presentationml/2006/main">
-  <p:cSld>
-    <p:spTree>
-      <p:nvGrpSpPr>
-        <p:cNvPr id="1" name=""/>
-        <p:cNvGrpSpPr/>
-        <p:nvPr/>
-      </p:nvGrpSpPr>
-      <p:grpSpPr>
-        <a:xfrm>
-          <a:off x="0" y="0"/>
-          <a:ext cx="0" cy="0"/>
-          <a:chOff x="0" y="0"/>
-          <a:chExt cx="0" cy="0"/>
-        </a:xfrm>
-      </p:grpSpPr>
-      <p:sp>
-        <p:nvSpPr>
-          <p:cNvPr id="2" name="Titel 1"/>
-          <p:cNvSpPr>
-            <a:spLocks noGrp="1"/>
-          </p:cNvSpPr>
-          <p:nvPr>
-            <p:ph type="title"/>
-          </p:nvPr>
-        </p:nvSpPr>
-        <p:spPr/>
-        <p:txBody>
-          <a:bodyPr/>
-          <a:lstStyle/>
-          <a:p>
-            <a:r>
-              <a:rPr lang="en-US"/>
-              <a:t>Working data  </a:t>
-            </a:r>
-            <a:r>
-              <a:rPr lang="en-US" b="1"/>
-              <a:t>Generation</a:t>
-            </a:r>
-          </a:p>
-        </p:txBody>
-      </p:sp>
-      <p:sp>
-        <p:nvSpPr>
-          <p:cNvPr id="4" name="Foliennummernplatzhalter 3"/>
-          <p:cNvSpPr>
-            <a:spLocks noGrp="1"/>
-          </p:cNvSpPr>
-          <p:nvPr>
-            <p:ph type="sldNum" sz="quarter" idx="12"/>
-          </p:nvPr>
-        </p:nvSpPr>
-        <p:spPr/>
-        <p:txBody>
-          <a:bodyPr/>
-          <a:lstStyle/>
-          <a:p>
-            <a:fld id="{C9E0B00B-E6DF-4183-A694-3DE28BEFB357}" type="slidenum">
-              <a:rPr lang="en-US" smtClean="0"/>
-              <a:t>16</a:t>
-            </a:fld>
-            <a:endParaRPr lang="en-US"/>
-          </a:p>
-        </p:txBody>
-      </p:sp>
-      <p:sp>
-        <p:nvSpPr>
-          <p:cNvPr id="5" name="Content Placeholder 2">
-            <a:extLst>
-              <a:ext uri="{FF2B5EF4-FFF2-40B4-BE49-F238E27FC236}">
-                <a16:creationId xmlns:a16="http://schemas.microsoft.com/office/drawing/2014/main" id="{2103F23C-B021-4F14-8084-0CDDB4205028}"/>
-              </a:ext>
-            </a:extLst>
-          </p:cNvPr>
-          <p:cNvSpPr>
-            <a:spLocks noGrp="1"/>
-          </p:cNvSpPr>
-          <p:nvPr>
-            <p:ph idx="1"/>
-          </p:nvPr>
-        </p:nvSpPr>
-        <p:spPr>
-          <a:xfrm>
-            <a:off x="838200" y="1825625"/>
-            <a:ext cx="10515600" cy="4351338"/>
-          </a:xfrm>
-        </p:spPr>
-        <p:txBody>
-          <a:bodyPr/>
-          <a:lstStyle/>
-          <a:p>
-            <a:r>
-              <a:rPr lang="en-US" b="1"/>
-              <a:t>M</a:t>
-            </a:r>
-            <a:endParaRPr lang="en-US"/>
-          </a:p>
-        </p:txBody>
-      </p:sp>
-    </p:spTree>
-    <p:extLst>
-      <p:ext uri="{BB962C8B-B14F-4D97-AF65-F5344CB8AC3E}">
-        <p14:creationId xmlns:p14="http://schemas.microsoft.com/office/powerpoint/2010/main" val="1889247214"/>
-      </p:ext>
-    </p:extLst>
-  </p:cSld>
-  <p:clrMapOvr>
-    <a:masterClrMapping/>
-  </p:clrMapOvr>
-</p:sld>
-</file>
-
-<file path=ppt/slides/slide17.xml><?xml version="1.0" encoding="utf-8"?>
-<p:sld xmlns:a="http://schemas.openxmlformats.org/drawingml/2006/main" xmlns:r="http://schemas.openxmlformats.org/officeDocument/2006/relationships" xmlns:p="http://schemas.openxmlformats.org/presentationml/2006/main">
-  <p:cSld>
-    <p:spTree>
-      <p:nvGrpSpPr>
-        <p:cNvPr id="1" name=""/>
-        <p:cNvGrpSpPr/>
-        <p:nvPr/>
-      </p:nvGrpSpPr>
-      <p:grpSpPr>
-        <a:xfrm>
-          <a:off x="0" y="0"/>
-          <a:ext cx="0" cy="0"/>
-          <a:chOff x="0" y="0"/>
-          <a:chExt cx="0" cy="0"/>
-        </a:xfrm>
-      </p:grpSpPr>
-      <p:sp>
-        <p:nvSpPr>
-          <p:cNvPr id="2" name="Titel 1"/>
-          <p:cNvSpPr>
-            <a:spLocks noGrp="1"/>
-          </p:cNvSpPr>
-          <p:nvPr>
-            <p:ph type="title"/>
-          </p:nvPr>
-        </p:nvSpPr>
-        <p:spPr/>
-        <p:txBody>
-          <a:bodyPr/>
-          <a:lstStyle/>
-          <a:p>
-            <a:r>
-              <a:rPr lang="en-US"/>
-              <a:t>Working data  </a:t>
-            </a:r>
-            <a:r>
-              <a:rPr lang="en-US" b="1"/>
-              <a:t>Structure</a:t>
-            </a:r>
-          </a:p>
-        </p:txBody>
-      </p:sp>
-      <p:sp>
-        <p:nvSpPr>
-          <p:cNvPr id="4" name="Foliennummernplatzhalter 3"/>
-          <p:cNvSpPr>
-            <a:spLocks noGrp="1"/>
-          </p:cNvSpPr>
-          <p:nvPr>
-            <p:ph type="sldNum" sz="quarter" idx="12"/>
-          </p:nvPr>
-        </p:nvSpPr>
-        <p:spPr/>
-        <p:txBody>
-          <a:bodyPr/>
-          <a:lstStyle/>
-          <a:p>
-            <a:fld id="{C9E0B00B-E6DF-4183-A694-3DE28BEFB357}" type="slidenum">
-              <a:rPr lang="en-US" smtClean="0"/>
-              <a:t>17</a:t>
-            </a:fld>
-            <a:endParaRPr lang="en-US"/>
-          </a:p>
-        </p:txBody>
-      </p:sp>
-      <p:sp>
-        <p:nvSpPr>
-          <p:cNvPr id="5" name="Content Placeholder 2">
-            <a:extLst>
-              <a:ext uri="{FF2B5EF4-FFF2-40B4-BE49-F238E27FC236}">
-                <a16:creationId xmlns:a16="http://schemas.microsoft.com/office/drawing/2014/main" id="{2103F23C-B021-4F14-8084-0CDDB4205028}"/>
-              </a:ext>
-            </a:extLst>
-          </p:cNvPr>
-          <p:cNvSpPr>
-            <a:spLocks noGrp="1"/>
-          </p:cNvSpPr>
-          <p:nvPr>
-            <p:ph idx="1"/>
-          </p:nvPr>
-        </p:nvSpPr>
-        <p:spPr>
-          <a:xfrm>
-            <a:off x="838200" y="1825625"/>
-            <a:ext cx="10515600" cy="4351338"/>
-          </a:xfrm>
-        </p:spPr>
-        <p:txBody>
-          <a:bodyPr/>
-          <a:lstStyle/>
-          <a:p>
-            <a:r>
-              <a:rPr lang="en-US" b="1"/>
-              <a:t>M</a:t>
-            </a:r>
-            <a:endParaRPr lang="en-US"/>
-          </a:p>
-        </p:txBody>
-      </p:sp>
-    </p:spTree>
-    <p:extLst>
-      <p:ext uri="{BB962C8B-B14F-4D97-AF65-F5344CB8AC3E}">
-        <p14:creationId xmlns:p14="http://schemas.microsoft.com/office/powerpoint/2010/main" val="370086653"/>
-      </p:ext>
-    </p:extLst>
-  </p:cSld>
-  <p:clrMapOvr>
-    <a:masterClrMapping/>
-  </p:clrMapOvr>
-</p:sld>
-</file>
-
-<file path=ppt/slides/slide18.xml><?xml version="1.0" encoding="utf-8"?>
-<p:sld xmlns:a="http://schemas.openxmlformats.org/drawingml/2006/main" xmlns:r="http://schemas.openxmlformats.org/officeDocument/2006/relationships" xmlns:p="http://schemas.openxmlformats.org/presentationml/2006/main">
-  <p:cSld>
-    <p:spTree>
-      <p:nvGrpSpPr>
-        <p:cNvPr id="1" name=""/>
-        <p:cNvGrpSpPr/>
-        <p:nvPr/>
-      </p:nvGrpSpPr>
-      <p:grpSpPr>
-        <a:xfrm>
-          <a:off x="0" y="0"/>
-          <a:ext cx="0" cy="0"/>
-          <a:chOff x="0" y="0"/>
-          <a:chExt cx="0" cy="0"/>
-        </a:xfrm>
-      </p:grpSpPr>
-      <p:sp>
-        <p:nvSpPr>
-          <p:cNvPr id="2" name="Titel 1"/>
-          <p:cNvSpPr>
-            <a:spLocks noGrp="1"/>
-          </p:cNvSpPr>
-          <p:nvPr>
-            <p:ph type="title"/>
-          </p:nvPr>
-        </p:nvSpPr>
-        <p:spPr/>
-        <p:txBody>
-          <a:bodyPr/>
-          <a:lstStyle/>
-          <a:p>
-            <a:r>
-              <a:rPr lang="en-US"/>
-              <a:t>Working data  </a:t>
-            </a:r>
-            <a:r>
-              <a:rPr lang="en-US" b="1"/>
-              <a:t>Example</a:t>
-            </a:r>
-          </a:p>
-        </p:txBody>
-      </p:sp>
-      <p:sp>
-        <p:nvSpPr>
-          <p:cNvPr id="4" name="Foliennummernplatzhalter 3"/>
-          <p:cNvSpPr>
-            <a:spLocks noGrp="1"/>
-          </p:cNvSpPr>
-          <p:nvPr>
-            <p:ph type="sldNum" sz="quarter" idx="12"/>
-          </p:nvPr>
-        </p:nvSpPr>
-        <p:spPr/>
-        <p:txBody>
-          <a:bodyPr/>
-          <a:lstStyle/>
-          <a:p>
-            <a:fld id="{C9E0B00B-E6DF-4183-A694-3DE28BEFB357}" type="slidenum">
-              <a:rPr lang="en-US" smtClean="0"/>
-              <a:t>18</a:t>
-            </a:fld>
-            <a:endParaRPr lang="en-US"/>
-          </a:p>
-        </p:txBody>
-      </p:sp>
-      <p:sp>
-        <p:nvSpPr>
-          <p:cNvPr id="5" name="Content Placeholder 2">
-            <a:extLst>
-              <a:ext uri="{FF2B5EF4-FFF2-40B4-BE49-F238E27FC236}">
-                <a16:creationId xmlns:a16="http://schemas.microsoft.com/office/drawing/2014/main" id="{2103F23C-B021-4F14-8084-0CDDB4205028}"/>
-              </a:ext>
-            </a:extLst>
-          </p:cNvPr>
-          <p:cNvSpPr>
-            <a:spLocks noGrp="1"/>
-          </p:cNvSpPr>
-          <p:nvPr>
-            <p:ph idx="1"/>
-          </p:nvPr>
-        </p:nvSpPr>
-        <p:spPr>
-          <a:xfrm>
-            <a:off x="838200" y="1825625"/>
-            <a:ext cx="10515600" cy="4351338"/>
-          </a:xfrm>
-        </p:spPr>
-        <p:txBody>
-          <a:bodyPr/>
-          <a:lstStyle/>
-          <a:p>
-            <a:r>
-              <a:rPr lang="en-US" b="1"/>
-              <a:t>M</a:t>
-            </a:r>
-            <a:endParaRPr lang="en-US"/>
-          </a:p>
-        </p:txBody>
-      </p:sp>
-    </p:spTree>
-    <p:extLst>
-      <p:ext uri="{BB962C8B-B14F-4D97-AF65-F5344CB8AC3E}">
-        <p14:creationId xmlns:p14="http://schemas.microsoft.com/office/powerpoint/2010/main" val="2630905407"/>
-      </p:ext>
-    </p:extLst>
-  </p:cSld>
-  <p:clrMapOvr>
-    <a:masterClrMapping/>
-  </p:clrMapOvr>
-</p:sld>
-</file>
-
-<file path=ppt/slides/slide19.xml><?xml version="1.0" encoding="utf-8"?>
-<p:sld xmlns:a="http://schemas.openxmlformats.org/drawingml/2006/main" xmlns:r="http://schemas.openxmlformats.org/officeDocument/2006/relationships" xmlns:p="http://schemas.openxmlformats.org/presentationml/2006/main">
-  <p:cSld>
-    <p:spTree>
-      <p:nvGrpSpPr>
-        <p:cNvPr id="1" name=""/>
-        <p:cNvGrpSpPr/>
-        <p:nvPr/>
-      </p:nvGrpSpPr>
-      <p:grpSpPr>
-        <a:xfrm>
-          <a:off x="0" y="0"/>
-          <a:ext cx="0" cy="0"/>
-          <a:chOff x="0" y="0"/>
-          <a:chExt cx="0" cy="0"/>
-        </a:xfrm>
-      </p:grpSpPr>
-      <p:sp>
-        <p:nvSpPr>
-          <p:cNvPr id="2" name="Titel 1"/>
-          <p:cNvSpPr>
-            <a:spLocks noGrp="1"/>
-          </p:cNvSpPr>
-          <p:nvPr>
-            <p:ph type="title"/>
-          </p:nvPr>
-        </p:nvSpPr>
-        <p:spPr/>
-        <p:txBody>
-          <a:bodyPr/>
-          <a:lstStyle/>
-          <a:p>
-            <a:r>
-              <a:rPr lang="en-US"/>
-              <a:t>Working data  </a:t>
-            </a:r>
-            <a:r>
-              <a:rPr lang="en-US" b="1"/>
-              <a:t>Particularities</a:t>
-            </a:r>
-          </a:p>
-        </p:txBody>
-      </p:sp>
-      <p:sp>
-        <p:nvSpPr>
-          <p:cNvPr id="4" name="Foliennummernplatzhalter 3"/>
-          <p:cNvSpPr>
-            <a:spLocks noGrp="1"/>
-          </p:cNvSpPr>
-          <p:nvPr>
-            <p:ph type="sldNum" sz="quarter" idx="12"/>
-          </p:nvPr>
-        </p:nvSpPr>
-        <p:spPr/>
-        <p:txBody>
-          <a:bodyPr/>
-          <a:lstStyle/>
-          <a:p>
-            <a:fld id="{C9E0B00B-E6DF-4183-A694-3DE28BEFB357}" type="slidenum">
-              <a:rPr lang="en-US" smtClean="0"/>
-              <a:t>19</a:t>
-            </a:fld>
-            <a:endParaRPr lang="en-US"/>
-          </a:p>
-        </p:txBody>
-      </p:sp>
-      <p:sp>
-        <p:nvSpPr>
-          <p:cNvPr id="5" name="Content Placeholder 2">
-            <a:extLst>
-              <a:ext uri="{FF2B5EF4-FFF2-40B4-BE49-F238E27FC236}">
-                <a16:creationId xmlns:a16="http://schemas.microsoft.com/office/drawing/2014/main" id="{2103F23C-B021-4F14-8084-0CDDB4205028}"/>
-              </a:ext>
-            </a:extLst>
-          </p:cNvPr>
-          <p:cNvSpPr>
-            <a:spLocks noGrp="1"/>
-          </p:cNvSpPr>
-          <p:nvPr>
-            <p:ph idx="1"/>
-          </p:nvPr>
-        </p:nvSpPr>
-        <p:spPr>
-          <a:xfrm>
-            <a:off x="838200" y="1825625"/>
-            <a:ext cx="10515600" cy="4351338"/>
-          </a:xfrm>
-        </p:spPr>
-        <p:txBody>
-          <a:bodyPr/>
-          <a:lstStyle/>
-          <a:p>
-            <a:r>
-              <a:rPr lang="en-US" b="1"/>
-              <a:t>M</a:t>
-            </a:r>
-            <a:endParaRPr lang="en-US"/>
-          </a:p>
-        </p:txBody>
-      </p:sp>
-    </p:spTree>
-    <p:extLst>
-      <p:ext uri="{BB962C8B-B14F-4D97-AF65-F5344CB8AC3E}">
-        <p14:creationId xmlns:p14="http://schemas.microsoft.com/office/powerpoint/2010/main" val="1476359502"/>
-      </p:ext>
-    </p:extLst>
-  </p:cSld>
-  <p:clrMapOvr>
-    <a:masterClrMapping/>
-  </p:clrMapOvr>
-</p:sld>
-</file>
-
-<file path=ppt/slides/slide2.xml><?xml version="1.0" encoding="utf-8"?>
-<p:sld xmlns:a="http://schemas.openxmlformats.org/drawingml/2006/main" xmlns:r="http://schemas.openxmlformats.org/officeDocument/2006/relationships" xmlns:p="http://schemas.openxmlformats.org/presentationml/2006/main">
-  <p:cSld>
-    <p:spTree>
-      <p:nvGrpSpPr>
-        <p:cNvPr id="1" name=""/>
-        <p:cNvGrpSpPr/>
-        <p:nvPr/>
-      </p:nvGrpSpPr>
-      <p:grpSpPr>
-        <a:xfrm>
-          <a:off x="0" y="0"/>
-          <a:ext cx="0" cy="0"/>
-          <a:chOff x="0" y="0"/>
-          <a:chExt cx="0" cy="0"/>
-        </a:xfrm>
-      </p:grpSpPr>
-      <p:sp>
-        <p:nvSpPr>
-          <p:cNvPr id="2" name="Titel 1"/>
-          <p:cNvSpPr>
-            <a:spLocks noGrp="1"/>
-          </p:cNvSpPr>
-          <p:nvPr>
-            <p:ph type="title"/>
-          </p:nvPr>
-        </p:nvSpPr>
-        <p:spPr/>
-        <p:txBody>
-          <a:bodyPr/>
-          <a:lstStyle/>
-          <a:p>
-            <a:r>
-              <a:rPr lang="en-GB" b="1">
-                <a:effectLst>
-                  <a:outerShdw blurRad="38100" dist="38100" dir="2700000" algn="tl">
-                    <a:srgbClr val="000000">
-                      <a:alpha val="43137"/>
-                    </a:srgbClr>
-                  </a:outerShdw>
-                </a:effectLst>
-              </a:rPr>
-              <a:t>Part I: Intro NLP &amp; Task at Hand</a:t>
-            </a:r>
-            <a:endParaRPr lang="en-US" b="1">
-              <a:effectLst>
-                <a:outerShdw blurRad="38100" dist="38100" dir="2700000" algn="tl">
-                  <a:srgbClr val="000000">
-                    <a:alpha val="43137"/>
-                  </a:srgbClr>
-                </a:outerShdw>
-              </a:effectLst>
-            </a:endParaRPr>
-          </a:p>
-        </p:txBody>
-      </p:sp>
-      <p:sp>
-        <p:nvSpPr>
-          <p:cNvPr id="3" name="Textplatzhalter 2"/>
-          <p:cNvSpPr>
-            <a:spLocks noGrp="1"/>
-          </p:cNvSpPr>
-          <p:nvPr>
-            <p:ph type="body" idx="1"/>
-          </p:nvPr>
-        </p:nvSpPr>
-        <p:spPr/>
-        <p:txBody>
-          <a:bodyPr/>
-          <a:lstStyle/>
-          <a:p>
-            <a:r>
-              <a:rPr lang="en-US" b="1">
-                <a:effectLst>
-                  <a:outerShdw blurRad="38100" dist="38100" dir="2700000" algn="tl">
-                    <a:srgbClr val="000000">
-                      <a:alpha val="43137"/>
-                    </a:srgbClr>
-                  </a:outerShdw>
-                </a:effectLst>
-              </a:rPr>
-              <a:t>Intro NLP</a:t>
-            </a:r>
-          </a:p>
-        </p:txBody>
-      </p:sp>
-      <p:sp>
-        <p:nvSpPr>
-          <p:cNvPr id="4" name="Foliennummernplatzhalter 3"/>
-          <p:cNvSpPr>
-            <a:spLocks noGrp="1"/>
-          </p:cNvSpPr>
-          <p:nvPr>
-            <p:ph type="sldNum" sz="quarter" idx="12"/>
-          </p:nvPr>
-        </p:nvSpPr>
-        <p:spPr/>
-        <p:txBody>
-          <a:bodyPr/>
-          <a:lstStyle/>
-          <a:p>
-            <a:fld id="{C9E0B00B-E6DF-4183-A694-3DE28BEFB357}" type="slidenum">
-              <a:rPr lang="en-US" smtClean="0"/>
-              <a:t>2</a:t>
-            </a:fld>
-            <a:endParaRPr lang="en-US"/>
-          </a:p>
-        </p:txBody>
-      </p:sp>
-    </p:spTree>
-    <p:extLst>
-      <p:ext uri="{BB962C8B-B14F-4D97-AF65-F5344CB8AC3E}">
-        <p14:creationId xmlns:p14="http://schemas.microsoft.com/office/powerpoint/2010/main" val="2635496787"/>
-      </p:ext>
-    </p:extLst>
-  </p:cSld>
-  <p:clrMapOvr>
-    <a:masterClrMapping/>
-  </p:clrMapOvr>
-</p:sld>
-</file>
-
-<file path=ppt/slides/slide20.xml><?xml version="1.0" encoding="utf-8"?>
-<p:sld xmlns:a="http://schemas.openxmlformats.org/drawingml/2006/main" xmlns:r="http://schemas.openxmlformats.org/officeDocument/2006/relationships" xmlns:p="http://schemas.openxmlformats.org/presentationml/2006/main">
-  <p:cSld>
-    <p:spTree>
-      <p:nvGrpSpPr>
-        <p:cNvPr id="1" name=""/>
-        <p:cNvGrpSpPr/>
-        <p:nvPr/>
-      </p:nvGrpSpPr>
-      <p:grpSpPr>
-        <a:xfrm>
-          <a:off x="0" y="0"/>
-          <a:ext cx="0" cy="0"/>
-          <a:chOff x="0" y="0"/>
-          <a:chExt cx="0" cy="0"/>
-        </a:xfrm>
-      </p:grpSpPr>
-      <p:sp>
-        <p:nvSpPr>
-          <p:cNvPr id="2" name="Titel 1"/>
-          <p:cNvSpPr>
-            <a:spLocks noGrp="1"/>
-          </p:cNvSpPr>
-          <p:nvPr>
-            <p:ph type="title"/>
-          </p:nvPr>
-        </p:nvSpPr>
-        <p:spPr/>
-        <p:txBody>
-          <a:bodyPr/>
-          <a:lstStyle/>
-          <a:p>
-            <a:r>
-              <a:rPr lang="en-US"/>
-              <a:t>ML pipeline  </a:t>
-            </a:r>
-            <a:r>
-              <a:rPr lang="en-US" b="1"/>
-              <a:t>Analytical sequence</a:t>
-            </a:r>
-          </a:p>
-        </p:txBody>
-      </p:sp>
-      <p:sp>
-        <p:nvSpPr>
-          <p:cNvPr id="4" name="Foliennummernplatzhalter 3"/>
-          <p:cNvSpPr>
-            <a:spLocks noGrp="1"/>
-          </p:cNvSpPr>
-          <p:nvPr>
-            <p:ph type="sldNum" sz="quarter" idx="12"/>
-          </p:nvPr>
-        </p:nvSpPr>
-        <p:spPr/>
-        <p:txBody>
-          <a:bodyPr/>
-          <a:lstStyle/>
-          <a:p>
-            <a:fld id="{C9E0B00B-E6DF-4183-A694-3DE28BEFB357}" type="slidenum">
-              <a:rPr lang="en-US" smtClean="0"/>
-              <a:t>20</a:t>
-            </a:fld>
-            <a:endParaRPr lang="en-US"/>
-          </a:p>
-        </p:txBody>
-      </p:sp>
-      <p:sp>
-        <p:nvSpPr>
-          <p:cNvPr id="5" name="Content Placeholder 2">
-            <a:extLst>
-              <a:ext uri="{FF2B5EF4-FFF2-40B4-BE49-F238E27FC236}">
-                <a16:creationId xmlns:a16="http://schemas.microsoft.com/office/drawing/2014/main" id="{2103F23C-B021-4F14-8084-0CDDB4205028}"/>
-              </a:ext>
-            </a:extLst>
-          </p:cNvPr>
-          <p:cNvSpPr>
-            <a:spLocks noGrp="1"/>
-          </p:cNvSpPr>
-          <p:nvPr>
-            <p:ph idx="1"/>
-          </p:nvPr>
-        </p:nvSpPr>
-        <p:spPr>
-          <a:xfrm>
-            <a:off x="838200" y="1825625"/>
-            <a:ext cx="10515600" cy="4351338"/>
-          </a:xfrm>
-        </p:spPr>
-        <p:txBody>
-          <a:bodyPr/>
-          <a:lstStyle/>
-          <a:p>
-            <a:r>
-              <a:rPr lang="en-US" b="1"/>
-              <a:t>M</a:t>
-            </a:r>
-            <a:endParaRPr lang="en-US"/>
-          </a:p>
-        </p:txBody>
-      </p:sp>
-    </p:spTree>
-    <p:extLst>
-      <p:ext uri="{BB962C8B-B14F-4D97-AF65-F5344CB8AC3E}">
-        <p14:creationId xmlns:p14="http://schemas.microsoft.com/office/powerpoint/2010/main" val="4154784858"/>
-      </p:ext>
-    </p:extLst>
-  </p:cSld>
-  <p:clrMapOvr>
-    <a:masterClrMapping/>
-  </p:clrMapOvr>
-</p:sld>
-</file>
-
 <file path=ppt/slides/slide21.xml><?xml version="1.0" encoding="utf-8"?>
 <p:sld xmlns:a="http://schemas.openxmlformats.org/drawingml/2006/main" xmlns:r="http://schemas.openxmlformats.org/officeDocument/2006/relationships" xmlns:p="http://schemas.openxmlformats.org/presentationml/2006/main">
   <p:cSld>
@@ -8504,11 +10079,11 @@
           <a:p>
             <a:r>
               <a:rPr lang="en-US"/>
-              <a:t>ML pipeline  </a:t>
+              <a:t>Task at hand  </a:t>
             </a:r>
             <a:r>
               <a:rPr lang="en-US" b="1"/>
-              <a:t>Static vs dynamic features</a:t>
+              <a:t>Topic extraction</a:t>
             </a:r>
           </a:p>
         </p:txBody>
@@ -8538,33 +10113,57 @@
       </p:sp>
       <p:sp>
         <p:nvSpPr>
-          <p:cNvPr id="5" name="Content Placeholder 2">
+          <p:cNvPr id="15" name="Rectangle 14">
             <a:extLst>
               <a:ext uri="{FF2B5EF4-FFF2-40B4-BE49-F238E27FC236}">
-                <a16:creationId xmlns:a16="http://schemas.microsoft.com/office/drawing/2014/main" id="{2103F23C-B021-4F14-8084-0CDDB4205028}"/>
+                <a16:creationId xmlns:a16="http://schemas.microsoft.com/office/drawing/2014/main" id="{32CD753A-053D-4637-8763-2AB05284605C}"/>
               </a:ext>
             </a:extLst>
           </p:cNvPr>
-          <p:cNvSpPr>
-            <a:spLocks noGrp="1"/>
-          </p:cNvSpPr>
-          <p:nvPr>
-            <p:ph idx="1"/>
-          </p:nvPr>
+          <p:cNvSpPr/>
+          <p:nvPr/>
         </p:nvSpPr>
         <p:spPr>
           <a:xfrm>
-            <a:off x="838200" y="1825625"/>
-            <a:ext cx="10515600" cy="4351338"/>
+            <a:off x="940904" y="2514600"/>
+            <a:ext cx="7364896" cy="914400"/>
           </a:xfrm>
+          <a:prstGeom prst="rect">
+            <a:avLst/>
+          </a:prstGeom>
+          <a:solidFill>
+            <a:schemeClr val="accent2"/>
+          </a:solidFill>
+          <a:ln>
+            <a:solidFill>
+              <a:schemeClr val="accent2"/>
+            </a:solidFill>
+          </a:ln>
         </p:spPr>
-        <p:txBody>
-          <a:bodyPr/>
-          <a:lstStyle/>
-          <a:p>
-            <a:r>
-              <a:rPr lang="en-US" b="1"/>
-              <a:t>M</a:t>
+        <p:style>
+          <a:lnRef idx="2">
+            <a:schemeClr val="accent1">
+              <a:shade val="50000"/>
+            </a:schemeClr>
+          </a:lnRef>
+          <a:fillRef idx="1">
+            <a:schemeClr val="accent1"/>
+          </a:fillRef>
+          <a:effectRef idx="0">
+            <a:schemeClr val="accent1"/>
+          </a:effectRef>
+          <a:fontRef idx="minor">
+            <a:schemeClr val="lt1"/>
+          </a:fontRef>
+        </p:style>
+        <p:txBody>
+          <a:bodyPr rtlCol="0" anchor="ctr"/>
+          <a:lstStyle/>
+          <a:p>
+            <a:pPr algn="ctr"/>
+            <a:r>
+              <a:rPr lang="de-DE"/>
+              <a:t>ergänzen</a:t>
             </a:r>
             <a:endParaRPr lang="en-US"/>
           </a:p>
@@ -8573,7 +10172,7 @@
     </p:spTree>
     <p:extLst>
       <p:ext uri="{BB962C8B-B14F-4D97-AF65-F5344CB8AC3E}">
-        <p14:creationId xmlns:p14="http://schemas.microsoft.com/office/powerpoint/2010/main" val="1065732921"/>
+        <p14:creationId xmlns:p14="http://schemas.microsoft.com/office/powerpoint/2010/main" val="1755356111"/>
       </p:ext>
     </p:extLst>
   </p:cSld>
@@ -8617,11 +10216,11 @@
           <a:p>
             <a:r>
               <a:rPr lang="en-US"/>
-              <a:t>Quanteda universe  </a:t>
+              <a:t>Task at hand  </a:t>
             </a:r>
             <a:r>
               <a:rPr lang="en-US" b="1"/>
-              <a:t>Package</a:t>
+              <a:t>Sentiment analysis</a:t>
             </a:r>
           </a:p>
         </p:txBody>
@@ -8651,33 +10250,57 @@
       </p:sp>
       <p:sp>
         <p:nvSpPr>
-          <p:cNvPr id="5" name="Content Placeholder 2">
+          <p:cNvPr id="5" name="Rectangle 4">
             <a:extLst>
               <a:ext uri="{FF2B5EF4-FFF2-40B4-BE49-F238E27FC236}">
-                <a16:creationId xmlns:a16="http://schemas.microsoft.com/office/drawing/2014/main" id="{2103F23C-B021-4F14-8084-0CDDB4205028}"/>
+                <a16:creationId xmlns:a16="http://schemas.microsoft.com/office/drawing/2014/main" id="{4B34ED92-0EE3-4C29-A789-9446E92CDA20}"/>
               </a:ext>
             </a:extLst>
           </p:cNvPr>
-          <p:cNvSpPr>
-            <a:spLocks noGrp="1"/>
-          </p:cNvSpPr>
-          <p:nvPr>
-            <p:ph idx="1"/>
-          </p:nvPr>
+          <p:cNvSpPr/>
+          <p:nvPr/>
         </p:nvSpPr>
         <p:spPr>
           <a:xfrm>
-            <a:off x="838200" y="1825625"/>
-            <a:ext cx="10515600" cy="4351338"/>
+            <a:off x="940904" y="2514600"/>
+            <a:ext cx="7364896" cy="914400"/>
           </a:xfrm>
+          <a:prstGeom prst="rect">
+            <a:avLst/>
+          </a:prstGeom>
+          <a:solidFill>
+            <a:schemeClr val="accent2"/>
+          </a:solidFill>
+          <a:ln>
+            <a:solidFill>
+              <a:schemeClr val="accent2"/>
+            </a:solidFill>
+          </a:ln>
         </p:spPr>
-        <p:txBody>
-          <a:bodyPr/>
-          <a:lstStyle/>
-          <a:p>
-            <a:r>
-              <a:rPr lang="en-US" b="1"/>
-              <a:t>M</a:t>
+        <p:style>
+          <a:lnRef idx="2">
+            <a:schemeClr val="accent1">
+              <a:shade val="50000"/>
+            </a:schemeClr>
+          </a:lnRef>
+          <a:fillRef idx="1">
+            <a:schemeClr val="accent1"/>
+          </a:fillRef>
+          <a:effectRef idx="0">
+            <a:schemeClr val="accent1"/>
+          </a:effectRef>
+          <a:fontRef idx="minor">
+            <a:schemeClr val="lt1"/>
+          </a:fontRef>
+        </p:style>
+        <p:txBody>
+          <a:bodyPr rtlCol="0" anchor="ctr"/>
+          <a:lstStyle/>
+          <a:p>
+            <a:pPr algn="ctr"/>
+            <a:r>
+              <a:rPr lang="de-DE"/>
+              <a:t>ergänzen</a:t>
             </a:r>
             <a:endParaRPr lang="en-US"/>
           </a:p>
@@ -8686,7 +10309,7 @@
     </p:spTree>
     <p:extLst>
       <p:ext uri="{BB962C8B-B14F-4D97-AF65-F5344CB8AC3E}">
-        <p14:creationId xmlns:p14="http://schemas.microsoft.com/office/powerpoint/2010/main" val="905106722"/>
+        <p14:creationId xmlns:p14="http://schemas.microsoft.com/office/powerpoint/2010/main" val="4188763586"/>
       </p:ext>
     </p:extLst>
   </p:cSld>
@@ -8715,6 +10338,404 @@
       </p:grpSpPr>
       <p:sp>
         <p:nvSpPr>
+          <p:cNvPr id="28" name="Rectangle 27">
+            <a:extLst>
+              <a:ext uri="{FF2B5EF4-FFF2-40B4-BE49-F238E27FC236}">
+                <a16:creationId xmlns:a16="http://schemas.microsoft.com/office/drawing/2014/main" id="{EC676462-E884-418B-B138-DC72B8360758}"/>
+              </a:ext>
+            </a:extLst>
+          </p:cNvPr>
+          <p:cNvSpPr/>
+          <p:nvPr/>
+        </p:nvSpPr>
+        <p:spPr>
+          <a:xfrm>
+            <a:off x="3857623" y="4587862"/>
+            <a:ext cx="914400" cy="688991"/>
+          </a:xfrm>
+          <a:prstGeom prst="rect">
+            <a:avLst/>
+          </a:prstGeom>
+          <a:solidFill>
+            <a:srgbClr val="66CCFF"/>
+          </a:solidFill>
+          <a:ln>
+            <a:solidFill>
+              <a:srgbClr val="66CCFF"/>
+            </a:solidFill>
+          </a:ln>
+        </p:spPr>
+        <p:style>
+          <a:lnRef idx="2">
+            <a:schemeClr val="accent1">
+              <a:shade val="50000"/>
+            </a:schemeClr>
+          </a:lnRef>
+          <a:fillRef idx="1">
+            <a:schemeClr val="accent1"/>
+          </a:fillRef>
+          <a:effectRef idx="0">
+            <a:schemeClr val="accent1"/>
+          </a:effectRef>
+          <a:fontRef idx="minor">
+            <a:schemeClr val="lt1"/>
+          </a:fontRef>
+        </p:style>
+        <p:txBody>
+          <a:bodyPr rtlCol="0" anchor="ctr"/>
+          <a:lstStyle/>
+          <a:p>
+            <a:pPr algn="ctr"/>
+            <a:endParaRPr lang="en-US"/>
+          </a:p>
+        </p:txBody>
+      </p:sp>
+      <p:sp>
+        <p:nvSpPr>
+          <p:cNvPr id="27" name="Rectangle 26">
+            <a:extLst>
+              <a:ext uri="{FF2B5EF4-FFF2-40B4-BE49-F238E27FC236}">
+                <a16:creationId xmlns:a16="http://schemas.microsoft.com/office/drawing/2014/main" id="{DA780C91-2D58-472D-BFCD-6721A9557E7D}"/>
+              </a:ext>
+            </a:extLst>
+          </p:cNvPr>
+          <p:cNvSpPr/>
+          <p:nvPr/>
+        </p:nvSpPr>
+        <p:spPr>
+          <a:xfrm>
+            <a:off x="7505704" y="4587878"/>
+            <a:ext cx="914400" cy="688991"/>
+          </a:xfrm>
+          <a:prstGeom prst="rect">
+            <a:avLst/>
+          </a:prstGeom>
+          <a:solidFill>
+            <a:schemeClr val="accent1">
+              <a:lumMod val="20000"/>
+              <a:lumOff val="80000"/>
+            </a:schemeClr>
+          </a:solidFill>
+          <a:ln>
+            <a:solidFill>
+              <a:schemeClr val="accent1">
+                <a:lumMod val="20000"/>
+                <a:lumOff val="80000"/>
+              </a:schemeClr>
+            </a:solidFill>
+          </a:ln>
+        </p:spPr>
+        <p:style>
+          <a:lnRef idx="2">
+            <a:schemeClr val="accent1">
+              <a:shade val="50000"/>
+            </a:schemeClr>
+          </a:lnRef>
+          <a:fillRef idx="1">
+            <a:schemeClr val="accent1"/>
+          </a:fillRef>
+          <a:effectRef idx="0">
+            <a:schemeClr val="accent1"/>
+          </a:effectRef>
+          <a:fontRef idx="minor">
+            <a:schemeClr val="lt1"/>
+          </a:fontRef>
+        </p:style>
+        <p:txBody>
+          <a:bodyPr rtlCol="0" anchor="ctr"/>
+          <a:lstStyle/>
+          <a:p>
+            <a:pPr algn="ctr"/>
+            <a:endParaRPr lang="en-US"/>
+          </a:p>
+        </p:txBody>
+      </p:sp>
+      <p:sp>
+        <p:nvSpPr>
+          <p:cNvPr id="26" name="Rectangle 25">
+            <a:extLst>
+              <a:ext uri="{FF2B5EF4-FFF2-40B4-BE49-F238E27FC236}">
+                <a16:creationId xmlns:a16="http://schemas.microsoft.com/office/drawing/2014/main" id="{9B8122BA-B5F5-4C7E-AE85-2175439231D0}"/>
+              </a:ext>
+            </a:extLst>
+          </p:cNvPr>
+          <p:cNvSpPr/>
+          <p:nvPr/>
+        </p:nvSpPr>
+        <p:spPr>
+          <a:xfrm>
+            <a:off x="5000628" y="3663936"/>
+            <a:ext cx="1190621" cy="688991"/>
+          </a:xfrm>
+          <a:prstGeom prst="rect">
+            <a:avLst/>
+          </a:prstGeom>
+          <a:solidFill>
+            <a:schemeClr val="bg2">
+              <a:lumMod val="90000"/>
+            </a:schemeClr>
+          </a:solidFill>
+          <a:ln>
+            <a:solidFill>
+              <a:schemeClr val="bg2">
+                <a:lumMod val="90000"/>
+              </a:schemeClr>
+            </a:solidFill>
+          </a:ln>
+        </p:spPr>
+        <p:style>
+          <a:lnRef idx="2">
+            <a:schemeClr val="accent1">
+              <a:shade val="50000"/>
+            </a:schemeClr>
+          </a:lnRef>
+          <a:fillRef idx="1">
+            <a:schemeClr val="accent1"/>
+          </a:fillRef>
+          <a:effectRef idx="0">
+            <a:schemeClr val="accent1"/>
+          </a:effectRef>
+          <a:fontRef idx="minor">
+            <a:schemeClr val="lt1"/>
+          </a:fontRef>
+        </p:style>
+        <p:txBody>
+          <a:bodyPr rtlCol="0" anchor="ctr"/>
+          <a:lstStyle/>
+          <a:p>
+            <a:pPr algn="ctr"/>
+            <a:endParaRPr lang="en-US"/>
+          </a:p>
+        </p:txBody>
+      </p:sp>
+      <p:sp>
+        <p:nvSpPr>
+          <p:cNvPr id="25" name="Rectangle 24">
+            <a:extLst>
+              <a:ext uri="{FF2B5EF4-FFF2-40B4-BE49-F238E27FC236}">
+                <a16:creationId xmlns:a16="http://schemas.microsoft.com/office/drawing/2014/main" id="{A421889D-E0FF-423D-9949-EAD5CCBA3CA2}"/>
+              </a:ext>
+            </a:extLst>
+          </p:cNvPr>
+          <p:cNvSpPr/>
+          <p:nvPr/>
+        </p:nvSpPr>
+        <p:spPr>
+          <a:xfrm>
+            <a:off x="5457829" y="2740014"/>
+            <a:ext cx="914400" cy="688975"/>
+          </a:xfrm>
+          <a:prstGeom prst="rect">
+            <a:avLst/>
+          </a:prstGeom>
+          <a:solidFill>
+            <a:schemeClr val="bg2">
+              <a:lumMod val="90000"/>
+            </a:schemeClr>
+          </a:solidFill>
+          <a:ln>
+            <a:solidFill>
+              <a:schemeClr val="bg2">
+                <a:lumMod val="90000"/>
+              </a:schemeClr>
+            </a:solidFill>
+          </a:ln>
+        </p:spPr>
+        <p:style>
+          <a:lnRef idx="2">
+            <a:schemeClr val="accent1">
+              <a:shade val="50000"/>
+            </a:schemeClr>
+          </a:lnRef>
+          <a:fillRef idx="1">
+            <a:schemeClr val="accent1"/>
+          </a:fillRef>
+          <a:effectRef idx="0">
+            <a:schemeClr val="accent1"/>
+          </a:effectRef>
+          <a:fontRef idx="minor">
+            <a:schemeClr val="lt1"/>
+          </a:fontRef>
+        </p:style>
+        <p:txBody>
+          <a:bodyPr rtlCol="0" anchor="ctr"/>
+          <a:lstStyle/>
+          <a:p>
+            <a:pPr algn="ctr"/>
+            <a:endParaRPr lang="en-US"/>
+          </a:p>
+        </p:txBody>
+      </p:sp>
+      <p:sp>
+        <p:nvSpPr>
+          <p:cNvPr id="16" name="Rectangle 15">
+            <a:extLst>
+              <a:ext uri="{FF2B5EF4-FFF2-40B4-BE49-F238E27FC236}">
+                <a16:creationId xmlns:a16="http://schemas.microsoft.com/office/drawing/2014/main" id="{EABA202A-B580-4C29-A378-2F254FE1C7C1}"/>
+              </a:ext>
+            </a:extLst>
+          </p:cNvPr>
+          <p:cNvSpPr/>
+          <p:nvPr/>
+        </p:nvSpPr>
+        <p:spPr>
+          <a:xfrm>
+            <a:off x="6362703" y="1816088"/>
+            <a:ext cx="914400" cy="688975"/>
+          </a:xfrm>
+          <a:prstGeom prst="rect">
+            <a:avLst/>
+          </a:prstGeom>
+          <a:solidFill>
+            <a:schemeClr val="bg2">
+              <a:lumMod val="90000"/>
+            </a:schemeClr>
+          </a:solidFill>
+          <a:ln>
+            <a:solidFill>
+              <a:schemeClr val="bg2">
+                <a:lumMod val="90000"/>
+              </a:schemeClr>
+            </a:solidFill>
+          </a:ln>
+        </p:spPr>
+        <p:style>
+          <a:lnRef idx="2">
+            <a:schemeClr val="accent1">
+              <a:shade val="50000"/>
+            </a:schemeClr>
+          </a:lnRef>
+          <a:fillRef idx="1">
+            <a:schemeClr val="accent1"/>
+          </a:fillRef>
+          <a:effectRef idx="0">
+            <a:schemeClr val="accent1"/>
+          </a:effectRef>
+          <a:fontRef idx="minor">
+            <a:schemeClr val="lt1"/>
+          </a:fontRef>
+        </p:style>
+        <p:txBody>
+          <a:bodyPr rtlCol="0" anchor="ctr"/>
+          <a:lstStyle/>
+          <a:p>
+            <a:pPr algn="ctr"/>
+            <a:endParaRPr lang="en-US"/>
+          </a:p>
+        </p:txBody>
+      </p:sp>
+      <p:sp>
+        <p:nvSpPr>
+          <p:cNvPr id="15" name="Rectangle 14">
+            <a:extLst>
+              <a:ext uri="{FF2B5EF4-FFF2-40B4-BE49-F238E27FC236}">
+                <a16:creationId xmlns:a16="http://schemas.microsoft.com/office/drawing/2014/main" id="{A128F4DF-B5E5-45B4-BEF8-159D5AAC65C1}"/>
+              </a:ext>
+            </a:extLst>
+          </p:cNvPr>
+          <p:cNvSpPr/>
+          <p:nvPr/>
+        </p:nvSpPr>
+        <p:spPr>
+          <a:xfrm>
+            <a:off x="4000499" y="1816096"/>
+            <a:ext cx="914400" cy="688975"/>
+          </a:xfrm>
+          <a:prstGeom prst="rect">
+            <a:avLst/>
+          </a:prstGeom>
+          <a:solidFill>
+            <a:schemeClr val="bg2"/>
+          </a:solidFill>
+          <a:ln>
+            <a:solidFill>
+              <a:schemeClr val="bg2"/>
+            </a:solidFill>
+          </a:ln>
+        </p:spPr>
+        <p:style>
+          <a:lnRef idx="2">
+            <a:schemeClr val="accent1">
+              <a:shade val="50000"/>
+            </a:schemeClr>
+          </a:lnRef>
+          <a:fillRef idx="1">
+            <a:schemeClr val="accent1"/>
+          </a:fillRef>
+          <a:effectRef idx="0">
+            <a:schemeClr val="accent1"/>
+          </a:effectRef>
+          <a:fontRef idx="minor">
+            <a:schemeClr val="lt1"/>
+          </a:fontRef>
+        </p:style>
+        <p:txBody>
+          <a:bodyPr rtlCol="0" anchor="ctr"/>
+          <a:lstStyle/>
+          <a:p>
+            <a:pPr algn="ctr"/>
+            <a:endParaRPr lang="en-US"/>
+          </a:p>
+        </p:txBody>
+      </p:sp>
+      <p:sp>
+        <p:nvSpPr>
+          <p:cNvPr id="9" name="Rectangle 8">
+            <a:extLst>
+              <a:ext uri="{FF2B5EF4-FFF2-40B4-BE49-F238E27FC236}">
+                <a16:creationId xmlns:a16="http://schemas.microsoft.com/office/drawing/2014/main" id="{0F95CEE8-EE02-4E1B-BAA1-97B64003C5C2}"/>
+              </a:ext>
+            </a:extLst>
+          </p:cNvPr>
+          <p:cNvSpPr/>
+          <p:nvPr/>
+        </p:nvSpPr>
+        <p:spPr>
+          <a:xfrm>
+            <a:off x="914401" y="1816098"/>
+            <a:ext cx="2762249" cy="688975"/>
+          </a:xfrm>
+          <a:prstGeom prst="rect">
+            <a:avLst/>
+          </a:prstGeom>
+          <a:solidFill>
+            <a:schemeClr val="bg2">
+              <a:lumMod val="90000"/>
+            </a:schemeClr>
+          </a:solidFill>
+          <a:ln>
+            <a:solidFill>
+              <a:schemeClr val="bg2"/>
+            </a:solidFill>
+          </a:ln>
+        </p:spPr>
+        <p:style>
+          <a:lnRef idx="2">
+            <a:schemeClr val="accent1">
+              <a:shade val="50000"/>
+            </a:schemeClr>
+          </a:lnRef>
+          <a:fillRef idx="1">
+            <a:schemeClr val="accent1"/>
+          </a:fillRef>
+          <a:effectRef idx="0">
+            <a:schemeClr val="accent1"/>
+          </a:effectRef>
+          <a:fontRef idx="minor">
+            <a:schemeClr val="lt1"/>
+          </a:fontRef>
+        </p:style>
+        <p:txBody>
+          <a:bodyPr rtlCol="0" anchor="ctr"/>
+          <a:lstStyle/>
+          <a:p>
+            <a:pPr algn="ctr"/>
+            <a:endParaRPr lang="en-US"/>
+          </a:p>
+        </p:txBody>
+      </p:sp>
+      <p:sp>
+        <p:nvSpPr>
           <p:cNvPr id="2" name="Titel 1"/>
           <p:cNvSpPr>
             <a:spLocks noGrp="1"/>
@@ -8730,11 +10751,11 @@
           <a:p>
             <a:r>
               <a:rPr lang="en-US"/>
-              <a:t>Quanteda universe  </a:t>
+              <a:t>ML pipeline  </a:t>
             </a:r>
             <a:r>
               <a:rPr lang="en-US" b="1"/>
-              <a:t>Basic classes</a:t>
+              <a:t>Analytical sequence</a:t>
             </a:r>
           </a:p>
         </p:txBody>
@@ -8764,42 +10785,1029 @@
       </p:sp>
       <p:sp>
         <p:nvSpPr>
-          <p:cNvPr id="5" name="Content Placeholder 2">
+          <p:cNvPr id="8" name="Arrow: Pentagon 7">
             <a:extLst>
               <a:ext uri="{FF2B5EF4-FFF2-40B4-BE49-F238E27FC236}">
-                <a16:creationId xmlns:a16="http://schemas.microsoft.com/office/drawing/2014/main" id="{2103F23C-B021-4F14-8084-0CDDB4205028}"/>
+                <a16:creationId xmlns:a16="http://schemas.microsoft.com/office/drawing/2014/main" id="{A13789D8-640D-4ECA-9F84-37E0F4375C22}"/>
               </a:ext>
             </a:extLst>
           </p:cNvPr>
-          <p:cNvSpPr>
-            <a:spLocks noGrp="1"/>
-          </p:cNvSpPr>
-          <p:nvPr>
-            <p:ph idx="1"/>
-          </p:nvPr>
+          <p:cNvSpPr/>
+          <p:nvPr/>
         </p:nvSpPr>
         <p:spPr>
           <a:xfrm>
-            <a:off x="838200" y="1825625"/>
-            <a:ext cx="10515600" cy="4351338"/>
+            <a:off x="2733676" y="1816095"/>
+            <a:ext cx="1728000" cy="688975"/>
           </a:xfrm>
+          <a:prstGeom prst="homePlate">
+            <a:avLst/>
+          </a:prstGeom>
+          <a:solidFill>
+            <a:schemeClr val="bg2">
+              <a:lumMod val="90000"/>
+            </a:schemeClr>
+          </a:solidFill>
+          <a:ln>
+            <a:solidFill>
+              <a:schemeClr val="bg2">
+                <a:lumMod val="90000"/>
+              </a:schemeClr>
+            </a:solidFill>
+          </a:ln>
         </p:spPr>
-        <p:txBody>
-          <a:bodyPr/>
-          <a:lstStyle/>
-          <a:p>
-            <a:r>
-              <a:rPr lang="en-US" b="1"/>
-              <a:t>M</a:t>
-            </a:r>
-            <a:endParaRPr lang="en-US"/>
-          </a:p>
-        </p:txBody>
-      </p:sp>
+        <p:style>
+          <a:lnRef idx="2">
+            <a:schemeClr val="accent1">
+              <a:shade val="50000"/>
+            </a:schemeClr>
+          </a:lnRef>
+          <a:fillRef idx="1">
+            <a:schemeClr val="accent1"/>
+          </a:fillRef>
+          <a:effectRef idx="0">
+            <a:schemeClr val="accent1"/>
+          </a:effectRef>
+          <a:fontRef idx="minor">
+            <a:schemeClr val="lt1"/>
+          </a:fontRef>
+        </p:style>
+        <p:txBody>
+          <a:bodyPr rtlCol="0" anchor="ctr"/>
+          <a:lstStyle/>
+          <a:p>
+            <a:pPr algn="ctr"/>
+            <a:r>
+              <a:rPr lang="de-DE" sz="2400">
+                <a:solidFill>
+                  <a:schemeClr val="tx1"/>
+                </a:solidFill>
+              </a:rPr>
+              <a:t>Labeling</a:t>
+            </a:r>
+            <a:endParaRPr lang="en-US" sz="2400">
+              <a:solidFill>
+                <a:schemeClr val="tx1"/>
+              </a:solidFill>
+            </a:endParaRPr>
+          </a:p>
+        </p:txBody>
+      </p:sp>
+      <p:sp>
+        <p:nvSpPr>
+          <p:cNvPr id="3" name="Arrow: Pentagon 2">
+            <a:extLst>
+              <a:ext uri="{FF2B5EF4-FFF2-40B4-BE49-F238E27FC236}">
+                <a16:creationId xmlns:a16="http://schemas.microsoft.com/office/drawing/2014/main" id="{0CEDA3B7-8ED1-4277-B579-AF3F9FC4820C}"/>
+              </a:ext>
+            </a:extLst>
+          </p:cNvPr>
+          <p:cNvSpPr/>
+          <p:nvPr/>
+        </p:nvSpPr>
+        <p:spPr>
+          <a:xfrm>
+            <a:off x="914401" y="1816097"/>
+            <a:ext cx="1819275" cy="688975"/>
+          </a:xfrm>
+          <a:prstGeom prst="homePlate">
+            <a:avLst/>
+          </a:prstGeom>
+          <a:solidFill>
+            <a:schemeClr val="bg2"/>
+          </a:solidFill>
+          <a:ln>
+            <a:solidFill>
+              <a:schemeClr val="bg2"/>
+            </a:solidFill>
+          </a:ln>
+        </p:spPr>
+        <p:style>
+          <a:lnRef idx="2">
+            <a:schemeClr val="accent1">
+              <a:shade val="50000"/>
+            </a:schemeClr>
+          </a:lnRef>
+          <a:fillRef idx="1">
+            <a:schemeClr val="accent1"/>
+          </a:fillRef>
+          <a:effectRef idx="0">
+            <a:schemeClr val="accent1"/>
+          </a:effectRef>
+          <a:fontRef idx="minor">
+            <a:schemeClr val="lt1"/>
+          </a:fontRef>
+        </p:style>
+        <p:txBody>
+          <a:bodyPr rtlCol="0" anchor="ctr"/>
+          <a:lstStyle/>
+          <a:p>
+            <a:pPr algn="ctr"/>
+            <a:r>
+              <a:rPr lang="de-DE" sz="2400">
+                <a:solidFill>
+                  <a:schemeClr val="tx1"/>
+                </a:solidFill>
+              </a:rPr>
+              <a:t>Scraping</a:t>
+            </a:r>
+            <a:endParaRPr lang="en-US" sz="2400">
+              <a:solidFill>
+                <a:schemeClr val="tx1"/>
+              </a:solidFill>
+            </a:endParaRPr>
+          </a:p>
+        </p:txBody>
+      </p:sp>
+      <p:sp>
+        <p:nvSpPr>
+          <p:cNvPr id="13" name="Arrow: Pentagon 12">
+            <a:extLst>
+              <a:ext uri="{FF2B5EF4-FFF2-40B4-BE49-F238E27FC236}">
+                <a16:creationId xmlns:a16="http://schemas.microsoft.com/office/drawing/2014/main" id="{74D2040C-22C6-4119-B529-D61112595CF5}"/>
+              </a:ext>
+            </a:extLst>
+          </p:cNvPr>
+          <p:cNvSpPr/>
+          <p:nvPr/>
+        </p:nvSpPr>
+        <p:spPr>
+          <a:xfrm>
+            <a:off x="4469210" y="1816092"/>
+            <a:ext cx="2453476" cy="688975"/>
+          </a:xfrm>
+          <a:prstGeom prst="homePlate">
+            <a:avLst/>
+          </a:prstGeom>
+          <a:solidFill>
+            <a:schemeClr val="bg2"/>
+          </a:solidFill>
+          <a:ln>
+            <a:solidFill>
+              <a:schemeClr val="bg2"/>
+            </a:solidFill>
+          </a:ln>
+        </p:spPr>
+        <p:style>
+          <a:lnRef idx="2">
+            <a:schemeClr val="accent1">
+              <a:shade val="50000"/>
+            </a:schemeClr>
+          </a:lnRef>
+          <a:fillRef idx="1">
+            <a:schemeClr val="accent1"/>
+          </a:fillRef>
+          <a:effectRef idx="0">
+            <a:schemeClr val="accent1"/>
+          </a:effectRef>
+          <a:fontRef idx="minor">
+            <a:schemeClr val="lt1"/>
+          </a:fontRef>
+        </p:style>
+        <p:txBody>
+          <a:bodyPr rtlCol="0" anchor="ctr"/>
+          <a:lstStyle/>
+          <a:p>
+            <a:pPr algn="ctr"/>
+            <a:r>
+              <a:rPr lang="de-DE" sz="2400">
+                <a:solidFill>
+                  <a:schemeClr val="tx1"/>
+                </a:solidFill>
+              </a:rPr>
+              <a:t>Data cleaning</a:t>
+            </a:r>
+            <a:endParaRPr lang="en-US" sz="2400">
+              <a:solidFill>
+                <a:schemeClr val="tx1"/>
+              </a:solidFill>
+            </a:endParaRPr>
+          </a:p>
+        </p:txBody>
+      </p:sp>
+      <p:sp>
+        <p:nvSpPr>
+          <p:cNvPr id="14" name="Arrow: Pentagon 13">
+            <a:extLst>
+              <a:ext uri="{FF2B5EF4-FFF2-40B4-BE49-F238E27FC236}">
+                <a16:creationId xmlns:a16="http://schemas.microsoft.com/office/drawing/2014/main" id="{8FA0677E-9132-44DD-8C0F-A67AF9D92C82}"/>
+              </a:ext>
+            </a:extLst>
+          </p:cNvPr>
+          <p:cNvSpPr/>
+          <p:nvPr/>
+        </p:nvSpPr>
+        <p:spPr>
+          <a:xfrm>
+            <a:off x="6930221" y="1816088"/>
+            <a:ext cx="4233080" cy="688975"/>
+          </a:xfrm>
+          <a:prstGeom prst="homePlate">
+            <a:avLst>
+              <a:gd name="adj" fmla="val 50000"/>
+            </a:avLst>
+          </a:prstGeom>
+          <a:solidFill>
+            <a:schemeClr val="bg2">
+              <a:lumMod val="90000"/>
+            </a:schemeClr>
+          </a:solidFill>
+          <a:ln>
+            <a:solidFill>
+              <a:schemeClr val="bg2">
+                <a:lumMod val="90000"/>
+              </a:schemeClr>
+            </a:solidFill>
+          </a:ln>
+        </p:spPr>
+        <p:style>
+          <a:lnRef idx="2">
+            <a:schemeClr val="accent1">
+              <a:shade val="50000"/>
+            </a:schemeClr>
+          </a:lnRef>
+          <a:fillRef idx="1">
+            <a:schemeClr val="accent1"/>
+          </a:fillRef>
+          <a:effectRef idx="0">
+            <a:schemeClr val="accent1"/>
+          </a:effectRef>
+          <a:fontRef idx="minor">
+            <a:schemeClr val="lt1"/>
+          </a:fontRef>
+        </p:style>
+        <p:txBody>
+          <a:bodyPr rtlCol="0" anchor="ctr"/>
+          <a:lstStyle/>
+          <a:p>
+            <a:pPr algn="ctr"/>
+            <a:r>
+              <a:rPr lang="de-DE" sz="2400">
+                <a:solidFill>
+                  <a:schemeClr val="tx1"/>
+                </a:solidFill>
+              </a:rPr>
+              <a:t>Extraction of Twitter tokens</a:t>
+            </a:r>
+            <a:endParaRPr lang="en-US" sz="2400">
+              <a:solidFill>
+                <a:schemeClr val="tx1"/>
+              </a:solidFill>
+            </a:endParaRPr>
+          </a:p>
+        </p:txBody>
+      </p:sp>
+      <p:sp>
+        <p:nvSpPr>
+          <p:cNvPr id="18" name="Arrow: Pentagon 17">
+            <a:extLst>
+              <a:ext uri="{FF2B5EF4-FFF2-40B4-BE49-F238E27FC236}">
+                <a16:creationId xmlns:a16="http://schemas.microsoft.com/office/drawing/2014/main" id="{9B8782EE-7E86-49B7-B11C-3526BF9FF789}"/>
+              </a:ext>
+            </a:extLst>
+          </p:cNvPr>
+          <p:cNvSpPr/>
+          <p:nvPr/>
+        </p:nvSpPr>
+        <p:spPr>
+          <a:xfrm flipH="1">
+            <a:off x="5819773" y="2740025"/>
+            <a:ext cx="5343527" cy="688975"/>
+          </a:xfrm>
+          <a:prstGeom prst="homePlate">
+            <a:avLst/>
+          </a:prstGeom>
+          <a:solidFill>
+            <a:schemeClr val="bg2"/>
+          </a:solidFill>
+          <a:ln>
+            <a:solidFill>
+              <a:schemeClr val="bg2"/>
+            </a:solidFill>
+          </a:ln>
+        </p:spPr>
+        <p:style>
+          <a:lnRef idx="2">
+            <a:schemeClr val="accent1">
+              <a:shade val="50000"/>
+            </a:schemeClr>
+          </a:lnRef>
+          <a:fillRef idx="1">
+            <a:schemeClr val="accent1"/>
+          </a:fillRef>
+          <a:effectRef idx="0">
+            <a:schemeClr val="accent1"/>
+          </a:effectRef>
+          <a:fontRef idx="minor">
+            <a:schemeClr val="lt1"/>
+          </a:fontRef>
+        </p:style>
+        <p:txBody>
+          <a:bodyPr rtlCol="0" anchor="ctr"/>
+          <a:lstStyle/>
+          <a:p>
+            <a:pPr algn="ctr"/>
+            <a:r>
+              <a:rPr lang="de-DE" sz="2400">
+                <a:solidFill>
+                  <a:schemeClr val="tx1"/>
+                </a:solidFill>
+              </a:rPr>
+              <a:t>Extraction of dictionary features</a:t>
+            </a:r>
+            <a:endParaRPr lang="en-US" sz="2400">
+              <a:solidFill>
+                <a:schemeClr val="tx1"/>
+              </a:solidFill>
+            </a:endParaRPr>
+          </a:p>
+        </p:txBody>
+      </p:sp>
+      <p:sp>
+        <p:nvSpPr>
+          <p:cNvPr id="19" name="Arrow: Pentagon 18">
+            <a:extLst>
+              <a:ext uri="{FF2B5EF4-FFF2-40B4-BE49-F238E27FC236}">
+                <a16:creationId xmlns:a16="http://schemas.microsoft.com/office/drawing/2014/main" id="{B86737F6-4B94-4A3C-B439-0DE898B6B123}"/>
+              </a:ext>
+            </a:extLst>
+          </p:cNvPr>
+          <p:cNvSpPr/>
+          <p:nvPr/>
+        </p:nvSpPr>
+        <p:spPr>
+          <a:xfrm flipH="1">
+            <a:off x="914400" y="2740025"/>
+            <a:ext cx="4905373" cy="688975"/>
+          </a:xfrm>
+          <a:prstGeom prst="homePlate">
+            <a:avLst>
+              <a:gd name="adj" fmla="val 50000"/>
+            </a:avLst>
+          </a:prstGeom>
+          <a:solidFill>
+            <a:schemeClr val="bg2">
+              <a:lumMod val="90000"/>
+            </a:schemeClr>
+          </a:solidFill>
+          <a:ln>
+            <a:solidFill>
+              <a:schemeClr val="bg2">
+                <a:lumMod val="90000"/>
+              </a:schemeClr>
+            </a:solidFill>
+          </a:ln>
+        </p:spPr>
+        <p:style>
+          <a:lnRef idx="2">
+            <a:schemeClr val="accent1">
+              <a:shade val="50000"/>
+            </a:schemeClr>
+          </a:lnRef>
+          <a:fillRef idx="1">
+            <a:schemeClr val="accent1"/>
+          </a:fillRef>
+          <a:effectRef idx="0">
+            <a:schemeClr val="accent1"/>
+          </a:effectRef>
+          <a:fontRef idx="minor">
+            <a:schemeClr val="lt1"/>
+          </a:fontRef>
+        </p:style>
+        <p:txBody>
+          <a:bodyPr rtlCol="0" anchor="ctr"/>
+          <a:lstStyle/>
+          <a:p>
+            <a:pPr algn="ctr"/>
+            <a:r>
+              <a:rPr lang="de-DE" sz="2400">
+                <a:solidFill>
+                  <a:schemeClr val="tx1"/>
+                </a:solidFill>
+              </a:rPr>
+              <a:t>Extraction of lexical features</a:t>
+            </a:r>
+            <a:endParaRPr lang="en-US" sz="2400">
+              <a:solidFill>
+                <a:schemeClr val="tx1"/>
+              </a:solidFill>
+            </a:endParaRPr>
+          </a:p>
+        </p:txBody>
+      </p:sp>
+      <p:sp>
+        <p:nvSpPr>
+          <p:cNvPr id="20" name="Arrow: Pentagon 19">
+            <a:extLst>
+              <a:ext uri="{FF2B5EF4-FFF2-40B4-BE49-F238E27FC236}">
+                <a16:creationId xmlns:a16="http://schemas.microsoft.com/office/drawing/2014/main" id="{F617F4DD-7991-4D35-9AE0-1004825FC332}"/>
+              </a:ext>
+            </a:extLst>
+          </p:cNvPr>
+          <p:cNvSpPr/>
+          <p:nvPr/>
+        </p:nvSpPr>
+        <p:spPr>
+          <a:xfrm>
+            <a:off x="914401" y="3663952"/>
+            <a:ext cx="5181600" cy="688975"/>
+          </a:xfrm>
+          <a:prstGeom prst="homePlate">
+            <a:avLst/>
+          </a:prstGeom>
+          <a:solidFill>
+            <a:schemeClr val="bg2"/>
+          </a:solidFill>
+          <a:ln>
+            <a:solidFill>
+              <a:schemeClr val="bg2"/>
+            </a:solidFill>
+          </a:ln>
+        </p:spPr>
+        <p:style>
+          <a:lnRef idx="2">
+            <a:schemeClr val="accent1">
+              <a:shade val="50000"/>
+            </a:schemeClr>
+          </a:lnRef>
+          <a:fillRef idx="1">
+            <a:schemeClr val="accent1"/>
+          </a:fillRef>
+          <a:effectRef idx="0">
+            <a:schemeClr val="accent1"/>
+          </a:effectRef>
+          <a:fontRef idx="minor">
+            <a:schemeClr val="lt1"/>
+          </a:fontRef>
+        </p:style>
+        <p:txBody>
+          <a:bodyPr rtlCol="0" anchor="ctr"/>
+          <a:lstStyle/>
+          <a:p>
+            <a:pPr algn="ctr"/>
+            <a:r>
+              <a:rPr lang="de-DE" sz="2400">
+                <a:solidFill>
+                  <a:schemeClr val="tx1"/>
+                </a:solidFill>
+              </a:rPr>
+              <a:t>Extraction of unigrams</a:t>
+            </a:r>
+            <a:endParaRPr lang="en-US" sz="2400">
+              <a:solidFill>
+                <a:schemeClr val="tx1"/>
+              </a:solidFill>
+            </a:endParaRPr>
+          </a:p>
+        </p:txBody>
+      </p:sp>
+      <p:sp>
+        <p:nvSpPr>
+          <p:cNvPr id="21" name="Arrow: Pentagon 20">
+            <a:extLst>
+              <a:ext uri="{FF2B5EF4-FFF2-40B4-BE49-F238E27FC236}">
+                <a16:creationId xmlns:a16="http://schemas.microsoft.com/office/drawing/2014/main" id="{7BEDA33B-677A-41BF-8435-4BE2AE41F9E5}"/>
+              </a:ext>
+            </a:extLst>
+          </p:cNvPr>
+          <p:cNvSpPr/>
+          <p:nvPr/>
+        </p:nvSpPr>
+        <p:spPr>
+          <a:xfrm>
+            <a:off x="6191250" y="3663952"/>
+            <a:ext cx="5086350" cy="688975"/>
+          </a:xfrm>
+          <a:prstGeom prst="homePlate">
+            <a:avLst>
+              <a:gd name="adj" fmla="val 50000"/>
+            </a:avLst>
+          </a:prstGeom>
+          <a:solidFill>
+            <a:schemeClr val="bg2">
+              <a:lumMod val="90000"/>
+            </a:schemeClr>
+          </a:solidFill>
+          <a:ln>
+            <a:solidFill>
+              <a:schemeClr val="bg2">
+                <a:lumMod val="90000"/>
+              </a:schemeClr>
+            </a:solidFill>
+          </a:ln>
+        </p:spPr>
+        <p:style>
+          <a:lnRef idx="2">
+            <a:schemeClr val="accent1">
+              <a:shade val="50000"/>
+            </a:schemeClr>
+          </a:lnRef>
+          <a:fillRef idx="1">
+            <a:schemeClr val="accent1"/>
+          </a:fillRef>
+          <a:effectRef idx="0">
+            <a:schemeClr val="accent1"/>
+          </a:effectRef>
+          <a:fontRef idx="minor">
+            <a:schemeClr val="lt1"/>
+          </a:fontRef>
+        </p:style>
+        <p:txBody>
+          <a:bodyPr rtlCol="0" anchor="ctr"/>
+          <a:lstStyle/>
+          <a:p>
+            <a:pPr algn="ctr"/>
+            <a:r>
+              <a:rPr lang="de-DE" sz="2400">
+                <a:solidFill>
+                  <a:schemeClr val="tx1"/>
+                </a:solidFill>
+              </a:rPr>
+              <a:t>Extraction of POS tags</a:t>
+            </a:r>
+            <a:endParaRPr lang="en-US" sz="2400">
+              <a:solidFill>
+                <a:schemeClr val="tx1"/>
+              </a:solidFill>
+            </a:endParaRPr>
+          </a:p>
+        </p:txBody>
+      </p:sp>
+      <p:sp>
+        <p:nvSpPr>
+          <p:cNvPr id="23" name="Arrow: Pentagon 22">
+            <a:extLst>
+              <a:ext uri="{FF2B5EF4-FFF2-40B4-BE49-F238E27FC236}">
+                <a16:creationId xmlns:a16="http://schemas.microsoft.com/office/drawing/2014/main" id="{D7A69B60-2D50-4436-BE5C-E4AA8FBC2069}"/>
+              </a:ext>
+            </a:extLst>
+          </p:cNvPr>
+          <p:cNvSpPr/>
+          <p:nvPr/>
+        </p:nvSpPr>
+        <p:spPr>
+          <a:xfrm flipH="1">
+            <a:off x="4200525" y="4587878"/>
+            <a:ext cx="3590922" cy="688975"/>
+          </a:xfrm>
+          <a:prstGeom prst="homePlate">
+            <a:avLst>
+              <a:gd name="adj" fmla="val 50000"/>
+            </a:avLst>
+          </a:prstGeom>
+          <a:solidFill>
+            <a:schemeClr val="accent1">
+              <a:lumMod val="20000"/>
+              <a:lumOff val="80000"/>
+            </a:schemeClr>
+          </a:solidFill>
+          <a:ln>
+            <a:solidFill>
+              <a:schemeClr val="accent1">
+                <a:lumMod val="20000"/>
+                <a:lumOff val="80000"/>
+              </a:schemeClr>
+            </a:solidFill>
+          </a:ln>
+        </p:spPr>
+        <p:style>
+          <a:lnRef idx="2">
+            <a:schemeClr val="accent1">
+              <a:shade val="50000"/>
+            </a:schemeClr>
+          </a:lnRef>
+          <a:fillRef idx="1">
+            <a:schemeClr val="accent1"/>
+          </a:fillRef>
+          <a:effectRef idx="0">
+            <a:schemeClr val="accent1"/>
+          </a:effectRef>
+          <a:fontRef idx="minor">
+            <a:schemeClr val="lt1"/>
+          </a:fontRef>
+        </p:style>
+        <p:txBody>
+          <a:bodyPr rtlCol="0" anchor="ctr"/>
+          <a:lstStyle/>
+          <a:p>
+            <a:pPr algn="ctr"/>
+            <a:r>
+              <a:rPr lang="de-DE" sz="2400">
+                <a:solidFill>
+                  <a:schemeClr val="tx1"/>
+                </a:solidFill>
+              </a:rPr>
+              <a:t>Word embeddings</a:t>
+            </a:r>
+            <a:endParaRPr lang="en-US" sz="2400">
+              <a:solidFill>
+                <a:schemeClr val="tx1"/>
+              </a:solidFill>
+            </a:endParaRPr>
+          </a:p>
+        </p:txBody>
+      </p:sp>
+      <p:sp>
+        <p:nvSpPr>
+          <p:cNvPr id="24" name="Arrow: Pentagon 23">
+            <a:extLst>
+              <a:ext uri="{FF2B5EF4-FFF2-40B4-BE49-F238E27FC236}">
+                <a16:creationId xmlns:a16="http://schemas.microsoft.com/office/drawing/2014/main" id="{9AF661E3-0DB8-4DB7-8811-9FEC207D6B26}"/>
+              </a:ext>
+            </a:extLst>
+          </p:cNvPr>
+          <p:cNvSpPr/>
+          <p:nvPr/>
+        </p:nvSpPr>
+        <p:spPr>
+          <a:xfrm flipH="1">
+            <a:off x="838199" y="4587878"/>
+            <a:ext cx="3276603" cy="688975"/>
+          </a:xfrm>
+          <a:prstGeom prst="homePlate">
+            <a:avLst/>
+          </a:prstGeom>
+          <a:solidFill>
+            <a:srgbClr val="66CCFF"/>
+          </a:solidFill>
+          <a:ln>
+            <a:solidFill>
+              <a:srgbClr val="66CCFF"/>
+            </a:solidFill>
+          </a:ln>
+        </p:spPr>
+        <p:style>
+          <a:lnRef idx="2">
+            <a:schemeClr val="accent1">
+              <a:shade val="50000"/>
+            </a:schemeClr>
+          </a:lnRef>
+          <a:fillRef idx="1">
+            <a:schemeClr val="accent1"/>
+          </a:fillRef>
+          <a:effectRef idx="0">
+            <a:schemeClr val="accent1"/>
+          </a:effectRef>
+          <a:fontRef idx="minor">
+            <a:schemeClr val="lt1"/>
+          </a:fontRef>
+        </p:style>
+        <p:txBody>
+          <a:bodyPr rtlCol="0" anchor="ctr"/>
+          <a:lstStyle/>
+          <a:p>
+            <a:pPr algn="ctr"/>
+            <a:r>
+              <a:rPr lang="de-DE" sz="2400">
+                <a:solidFill>
+                  <a:schemeClr val="tx1"/>
+                </a:solidFill>
+              </a:rPr>
+              <a:t>Sentiment analysis</a:t>
+            </a:r>
+            <a:endParaRPr lang="en-US" sz="2400">
+              <a:solidFill>
+                <a:schemeClr val="tx1"/>
+              </a:solidFill>
+            </a:endParaRPr>
+          </a:p>
+        </p:txBody>
+      </p:sp>
+      <p:sp>
+        <p:nvSpPr>
+          <p:cNvPr id="29" name="Arrow: Pentagon 28">
+            <a:extLst>
+              <a:ext uri="{FF2B5EF4-FFF2-40B4-BE49-F238E27FC236}">
+                <a16:creationId xmlns:a16="http://schemas.microsoft.com/office/drawing/2014/main" id="{DEBD3656-6FE8-4191-9561-2099C38329AE}"/>
+              </a:ext>
+            </a:extLst>
+          </p:cNvPr>
+          <p:cNvSpPr/>
+          <p:nvPr/>
+        </p:nvSpPr>
+        <p:spPr>
+          <a:xfrm>
+            <a:off x="547688" y="3663936"/>
+            <a:ext cx="733425" cy="688975"/>
+          </a:xfrm>
+          <a:prstGeom prst="homePlate">
+            <a:avLst/>
+          </a:prstGeom>
+          <a:solidFill>
+            <a:schemeClr val="bg1"/>
+          </a:solidFill>
+          <a:ln>
+            <a:solidFill>
+              <a:schemeClr val="bg1"/>
+            </a:solidFill>
+          </a:ln>
+        </p:spPr>
+        <p:style>
+          <a:lnRef idx="2">
+            <a:schemeClr val="accent1">
+              <a:shade val="50000"/>
+            </a:schemeClr>
+          </a:lnRef>
+          <a:fillRef idx="1">
+            <a:schemeClr val="accent1"/>
+          </a:fillRef>
+          <a:effectRef idx="0">
+            <a:schemeClr val="accent1"/>
+          </a:effectRef>
+          <a:fontRef idx="minor">
+            <a:schemeClr val="lt1"/>
+          </a:fontRef>
+        </p:style>
+        <p:txBody>
+          <a:bodyPr rtlCol="0" anchor="ctr"/>
+          <a:lstStyle/>
+          <a:p>
+            <a:pPr algn="ctr"/>
+            <a:endParaRPr lang="en-US"/>
+          </a:p>
+        </p:txBody>
+      </p:sp>
+      <p:sp>
+        <p:nvSpPr>
+          <p:cNvPr id="30" name="Arrow: Pentagon 29">
+            <a:extLst>
+              <a:ext uri="{FF2B5EF4-FFF2-40B4-BE49-F238E27FC236}">
+                <a16:creationId xmlns:a16="http://schemas.microsoft.com/office/drawing/2014/main" id="{D708267C-8AFD-477D-A440-E60717EEA49D}"/>
+              </a:ext>
+            </a:extLst>
+          </p:cNvPr>
+          <p:cNvSpPr/>
+          <p:nvPr/>
+        </p:nvSpPr>
+        <p:spPr>
+          <a:xfrm flipH="1">
+            <a:off x="10775152" y="2740014"/>
+            <a:ext cx="776294" cy="688975"/>
+          </a:xfrm>
+          <a:prstGeom prst="homePlate">
+            <a:avLst/>
+          </a:prstGeom>
+          <a:solidFill>
+            <a:schemeClr val="bg1"/>
+          </a:solidFill>
+          <a:ln>
+            <a:solidFill>
+              <a:schemeClr val="bg1"/>
+            </a:solidFill>
+          </a:ln>
+        </p:spPr>
+        <p:style>
+          <a:lnRef idx="2">
+            <a:schemeClr val="accent1">
+              <a:shade val="50000"/>
+            </a:schemeClr>
+          </a:lnRef>
+          <a:fillRef idx="1">
+            <a:schemeClr val="accent1"/>
+          </a:fillRef>
+          <a:effectRef idx="0">
+            <a:schemeClr val="accent1"/>
+          </a:effectRef>
+          <a:fontRef idx="minor">
+            <a:schemeClr val="lt1"/>
+          </a:fontRef>
+        </p:style>
+        <p:txBody>
+          <a:bodyPr rtlCol="0" anchor="ctr"/>
+          <a:lstStyle/>
+          <a:p>
+            <a:pPr algn="ctr"/>
+            <a:endParaRPr lang="en-US"/>
+          </a:p>
+        </p:txBody>
+      </p:sp>
+      <p:sp>
+        <p:nvSpPr>
+          <p:cNvPr id="22" name="Arrow: Pentagon 21">
+            <a:extLst>
+              <a:ext uri="{FF2B5EF4-FFF2-40B4-BE49-F238E27FC236}">
+                <a16:creationId xmlns:a16="http://schemas.microsoft.com/office/drawing/2014/main" id="{5E6B154F-CED0-4C46-BFAC-611B9DC3725B}"/>
+              </a:ext>
+            </a:extLst>
+          </p:cNvPr>
+          <p:cNvSpPr/>
+          <p:nvPr/>
+        </p:nvSpPr>
+        <p:spPr>
+          <a:xfrm flipH="1">
+            <a:off x="7705724" y="4587879"/>
+            <a:ext cx="3457575" cy="688975"/>
+          </a:xfrm>
+          <a:prstGeom prst="homePlate">
+            <a:avLst/>
+          </a:prstGeom>
+          <a:solidFill>
+            <a:srgbClr val="66CCFF"/>
+          </a:solidFill>
+          <a:ln>
+            <a:solidFill>
+              <a:srgbClr val="66CCFF"/>
+            </a:solidFill>
+          </a:ln>
+        </p:spPr>
+        <p:style>
+          <a:lnRef idx="2">
+            <a:schemeClr val="accent1">
+              <a:shade val="50000"/>
+            </a:schemeClr>
+          </a:lnRef>
+          <a:fillRef idx="1">
+            <a:schemeClr val="accent1"/>
+          </a:fillRef>
+          <a:effectRef idx="0">
+            <a:schemeClr val="accent1"/>
+          </a:effectRef>
+          <a:fontRef idx="minor">
+            <a:schemeClr val="lt1"/>
+          </a:fontRef>
+        </p:style>
+        <p:txBody>
+          <a:bodyPr rtlCol="0" anchor="ctr"/>
+          <a:lstStyle/>
+          <a:p>
+            <a:pPr algn="ctr"/>
+            <a:r>
+              <a:rPr lang="de-DE" sz="2400">
+                <a:solidFill>
+                  <a:schemeClr val="tx1"/>
+                </a:solidFill>
+              </a:rPr>
+              <a:t>Topic modeling</a:t>
+            </a:r>
+            <a:endParaRPr lang="en-US" sz="2400">
+              <a:solidFill>
+                <a:schemeClr val="tx1"/>
+              </a:solidFill>
+            </a:endParaRPr>
+          </a:p>
+        </p:txBody>
+      </p:sp>
+      <p:sp>
+        <p:nvSpPr>
+          <p:cNvPr id="31" name="Arrow: Pentagon 30">
+            <a:extLst>
+              <a:ext uri="{FF2B5EF4-FFF2-40B4-BE49-F238E27FC236}">
+                <a16:creationId xmlns:a16="http://schemas.microsoft.com/office/drawing/2014/main" id="{FAA2F764-CAC1-4677-B823-74456770D4F9}"/>
+              </a:ext>
+            </a:extLst>
+          </p:cNvPr>
+          <p:cNvSpPr/>
+          <p:nvPr/>
+        </p:nvSpPr>
+        <p:spPr>
+          <a:xfrm flipH="1">
+            <a:off x="10765638" y="4587862"/>
+            <a:ext cx="776294" cy="688975"/>
+          </a:xfrm>
+          <a:prstGeom prst="homePlate">
+            <a:avLst/>
+          </a:prstGeom>
+          <a:solidFill>
+            <a:schemeClr val="bg1"/>
+          </a:solidFill>
+          <a:ln>
+            <a:solidFill>
+              <a:schemeClr val="bg1"/>
+            </a:solidFill>
+          </a:ln>
+        </p:spPr>
+        <p:style>
+          <a:lnRef idx="2">
+            <a:schemeClr val="accent1">
+              <a:shade val="50000"/>
+            </a:schemeClr>
+          </a:lnRef>
+          <a:fillRef idx="1">
+            <a:schemeClr val="accent1"/>
+          </a:fillRef>
+          <a:effectRef idx="0">
+            <a:schemeClr val="accent1"/>
+          </a:effectRef>
+          <a:fontRef idx="minor">
+            <a:schemeClr val="lt1"/>
+          </a:fontRef>
+        </p:style>
+        <p:txBody>
+          <a:bodyPr rtlCol="0" anchor="ctr"/>
+          <a:lstStyle/>
+          <a:p>
+            <a:pPr algn="ctr"/>
+            <a:endParaRPr lang="en-US"/>
+          </a:p>
+        </p:txBody>
+      </p:sp>
+      <p:sp>
+        <p:nvSpPr>
+          <p:cNvPr id="32" name="Speech Bubble: Rectangle 31">
+            <a:extLst>
+              <a:ext uri="{FF2B5EF4-FFF2-40B4-BE49-F238E27FC236}">
+                <a16:creationId xmlns:a16="http://schemas.microsoft.com/office/drawing/2014/main" id="{2D1F3FB6-30A1-4894-8BEE-E98BE387B3B7}"/>
+              </a:ext>
+            </a:extLst>
+          </p:cNvPr>
+          <p:cNvSpPr/>
+          <p:nvPr/>
+        </p:nvSpPr>
+        <p:spPr>
+          <a:xfrm>
+            <a:off x="7229480" y="5717777"/>
+            <a:ext cx="2381247" cy="444501"/>
+          </a:xfrm>
+          <a:prstGeom prst="wedgeRectCallout">
+            <a:avLst>
+              <a:gd name="adj1" fmla="val -60500"/>
+              <a:gd name="adj2" fmla="val -7955"/>
+            </a:avLst>
+          </a:prstGeom>
+          <a:noFill/>
+          <a:ln>
+            <a:noFill/>
+          </a:ln>
+        </p:spPr>
+        <p:style>
+          <a:lnRef idx="2">
+            <a:schemeClr val="accent1">
+              <a:shade val="50000"/>
+            </a:schemeClr>
+          </a:lnRef>
+          <a:fillRef idx="1">
+            <a:schemeClr val="accent1"/>
+          </a:fillRef>
+          <a:effectRef idx="0">
+            <a:schemeClr val="accent1"/>
+          </a:effectRef>
+          <a:fontRef idx="minor">
+            <a:schemeClr val="lt1"/>
+          </a:fontRef>
+        </p:style>
+        <p:txBody>
+          <a:bodyPr rtlCol="0" anchor="ctr"/>
+          <a:lstStyle/>
+          <a:p>
+            <a:r>
+              <a:rPr lang="de-DE" sz="2400" i="1">
+                <a:solidFill>
+                  <a:schemeClr val="tx1"/>
+                </a:solidFill>
+              </a:rPr>
+              <a:t>Dynamic features</a:t>
+            </a:r>
+            <a:endParaRPr lang="en-US" sz="2400" i="1">
+              <a:solidFill>
+                <a:schemeClr val="tx1"/>
+              </a:solidFill>
+            </a:endParaRPr>
+          </a:p>
+        </p:txBody>
+      </p:sp>
+      <p:pic>
+        <p:nvPicPr>
+          <p:cNvPr id="33" name="Graphic 32" descr="Back with solid fill">
+            <a:extLst>
+              <a:ext uri="{FF2B5EF4-FFF2-40B4-BE49-F238E27FC236}">
+                <a16:creationId xmlns:a16="http://schemas.microsoft.com/office/drawing/2014/main" id="{55496D65-F1FF-4032-B863-67E8E765DF50}"/>
+              </a:ext>
+            </a:extLst>
+          </p:cNvPr>
+          <p:cNvPicPr>
+            <a:picLocks noChangeAspect="1"/>
+          </p:cNvPicPr>
+          <p:nvPr/>
+        </p:nvPicPr>
+        <p:blipFill>
+          <a:blip r:embed="rId3">
+            <a:extLst>
+              <a:ext uri="{28A0092B-C50C-407E-A947-70E740481C1C}">
+                <a14:useLocalDpi xmlns:a14="http://schemas.microsoft.com/office/drawing/2010/main" val="0"/>
+              </a:ext>
+              <a:ext uri="{96DAC541-7B7A-43D3-8B79-37D633B846F1}">
+                <asvg:svgBlip xmlns:asvg="http://schemas.microsoft.com/office/drawing/2016/SVG/main" r:embed="rId4"/>
+              </a:ext>
+            </a:extLst>
+          </a:blip>
+          <a:stretch>
+            <a:fillRect/>
+          </a:stretch>
+        </p:blipFill>
+        <p:spPr>
+          <a:xfrm flipV="1">
+            <a:off x="9658347" y="5341145"/>
+            <a:ext cx="1009653" cy="1197767"/>
+          </a:xfrm>
+          <a:prstGeom prst="rect">
+            <a:avLst/>
+          </a:prstGeom>
+        </p:spPr>
+      </p:pic>
     </p:spTree>
     <p:extLst>
       <p:ext uri="{BB962C8B-B14F-4D97-AF65-F5344CB8AC3E}">
-        <p14:creationId xmlns:p14="http://schemas.microsoft.com/office/powerpoint/2010/main" val="3670438057"/>
+        <p14:creationId xmlns:p14="http://schemas.microsoft.com/office/powerpoint/2010/main" val="4154784858"/>
       </p:ext>
     </p:extLst>
   </p:cSld>
@@ -8843,11 +11851,11 @@
           <a:p>
             <a:r>
               <a:rPr lang="en-US"/>
-              <a:t>Quanteda universe  </a:t>
+              <a:t>ML pipeline  </a:t>
             </a:r>
             <a:r>
               <a:rPr lang="en-US" b="1"/>
-              <a:t>Scope</a:t>
+              <a:t>Static vs dynamic features</a:t>
             </a:r>
           </a:p>
         </p:txBody>
@@ -8894,7 +11902,7 @@
         <p:spPr>
           <a:xfrm>
             <a:off x="838200" y="1825625"/>
-            <a:ext cx="10515600" cy="4351338"/>
+            <a:ext cx="10515600" cy="4667250"/>
           </a:xfrm>
         </p:spPr>
         <p:txBody>
@@ -8902,17 +11910,330 @@
           <a:lstStyle/>
           <a:p>
             <a:r>
+              <a:rPr lang="en-US"/>
+              <a:t>Fundamental principle in machine learning: </a:t>
+            </a:r>
+            <a:br>
+              <a:rPr lang="en-US"/>
+            </a:br>
+            <a:r>
+              <a:rPr lang="en-US"/>
+              <a:t>dichotomy between </a:t>
+            </a:r>
+            <a:r>
               <a:rPr lang="en-US" b="1"/>
-              <a:t>M</a:t>
-            </a:r>
-            <a:endParaRPr lang="en-US"/>
+              <a:t>training and test sphere</a:t>
+            </a:r>
+            <a:br>
+              <a:rPr lang="en-US"/>
+            </a:br>
+            <a:r>
+              <a:rPr lang="en-US">
+                <a:sym typeface="Symbol" panose="05050102010706020507" pitchFamily="18" charset="2"/>
+              </a:rPr>
+              <a:t> Avoid </a:t>
+            </a:r>
+            <a:r>
+              <a:rPr lang="en-US" b="1">
+                <a:sym typeface="Symbol" panose="05050102010706020507" pitchFamily="18" charset="2"/>
+              </a:rPr>
+              <a:t>bias</a:t>
+            </a:r>
+            <a:r>
+              <a:rPr lang="en-US">
+                <a:sym typeface="Symbol" panose="05050102010706020507" pitchFamily="18" charset="2"/>
+              </a:rPr>
+              <a:t> in performance estimation</a:t>
+            </a:r>
+            <a:br>
+              <a:rPr lang="en-US">
+                <a:sym typeface="Symbol" panose="05050102010706020507" pitchFamily="18" charset="2"/>
+              </a:rPr>
+            </a:br>
+            <a:endParaRPr lang="en-US">
+              <a:sym typeface="Symbol" panose="05050102010706020507" pitchFamily="18" charset="2"/>
+            </a:endParaRPr>
+          </a:p>
+          <a:p>
+            <a:r>
+              <a:rPr lang="en-US" b="1">
+                <a:sym typeface="Symbol" panose="05050102010706020507" pitchFamily="18" charset="2"/>
+              </a:rPr>
+              <a:t>Static</a:t>
+            </a:r>
+            <a:r>
+              <a:rPr lang="en-US">
+                <a:sym typeface="Symbol" panose="05050102010706020507" pitchFamily="18" charset="2"/>
+              </a:rPr>
+              <a:t> features</a:t>
+            </a:r>
+          </a:p>
+          <a:p>
+            <a:pPr lvl="1"/>
+            <a:r>
+              <a:rPr lang="en-US">
+                <a:sym typeface="Symbol" panose="05050102010706020507" pitchFamily="18" charset="2"/>
+              </a:rPr>
+              <a:t>Solely determined on single-observation level</a:t>
+            </a:r>
+          </a:p>
+          <a:p>
+            <a:pPr lvl="1"/>
+            <a:r>
+              <a:rPr lang="en-US">
+                <a:sym typeface="Symbol" panose="05050102010706020507" pitchFamily="18" charset="2"/>
+              </a:rPr>
+              <a:t>E.g., POS tags</a:t>
+            </a:r>
+          </a:p>
+          <a:p>
+            <a:r>
+              <a:rPr lang="en-US" b="1">
+                <a:sym typeface="Symbol" panose="05050102010706020507" pitchFamily="18" charset="2"/>
+              </a:rPr>
+              <a:t>Dynamic</a:t>
+            </a:r>
+            <a:r>
+              <a:rPr lang="en-US">
+                <a:sym typeface="Symbol" panose="05050102010706020507" pitchFamily="18" charset="2"/>
+              </a:rPr>
+              <a:t> features</a:t>
+            </a:r>
+          </a:p>
+          <a:p>
+            <a:pPr lvl="1"/>
+            <a:r>
+              <a:rPr lang="en-US">
+                <a:sym typeface="Symbol" panose="05050102010706020507" pitchFamily="18" charset="2"/>
+              </a:rPr>
+              <a:t>Affected by surrounding observations</a:t>
+            </a:r>
+          </a:p>
+          <a:p>
+            <a:pPr lvl="1"/>
+            <a:r>
+              <a:rPr lang="en-US">
+                <a:sym typeface="Symbol" panose="05050102010706020507" pitchFamily="18" charset="2"/>
+              </a:rPr>
+              <a:t>E.g., topic labels</a:t>
+            </a:r>
+            <a:br>
+              <a:rPr lang="en-US"/>
+            </a:br>
+            <a:endParaRPr lang="en-US"/>
+          </a:p>
+        </p:txBody>
+      </p:sp>
+      <p:pic>
+        <p:nvPicPr>
+          <p:cNvPr id="6" name="Graphic 5" descr="Database with solid fill">
+            <a:extLst>
+              <a:ext uri="{FF2B5EF4-FFF2-40B4-BE49-F238E27FC236}">
+                <a16:creationId xmlns:a16="http://schemas.microsoft.com/office/drawing/2014/main" id="{D12E3E3F-B27F-4F48-A2D1-005F73A9E3F0}"/>
+              </a:ext>
+            </a:extLst>
+          </p:cNvPr>
+          <p:cNvPicPr>
+            <a:picLocks noChangeAspect="1"/>
+          </p:cNvPicPr>
+          <p:nvPr/>
+        </p:nvPicPr>
+        <p:blipFill>
+          <a:blip r:embed="rId3">
+            <a:extLst>
+              <a:ext uri="{28A0092B-C50C-407E-A947-70E740481C1C}">
+                <a14:useLocalDpi xmlns:a14="http://schemas.microsoft.com/office/drawing/2010/main" val="0"/>
+              </a:ext>
+              <a:ext uri="{96DAC541-7B7A-43D3-8B79-37D633B846F1}">
+                <asvg:svgBlip xmlns:asvg="http://schemas.microsoft.com/office/drawing/2016/SVG/main" r:embed="rId4"/>
+              </a:ext>
+            </a:extLst>
+          </a:blip>
+          <a:stretch>
+            <a:fillRect/>
+          </a:stretch>
+        </p:blipFill>
+        <p:spPr>
+          <a:xfrm>
+            <a:off x="9170174" y="1825622"/>
+            <a:ext cx="1176763" cy="1176763"/>
+          </a:xfrm>
+          <a:prstGeom prst="rect">
+            <a:avLst/>
+          </a:prstGeom>
+        </p:spPr>
+      </p:pic>
+      <p:pic>
+        <p:nvPicPr>
+          <p:cNvPr id="8" name="Graphic 7" descr="Database outline">
+            <a:extLst>
+              <a:ext uri="{FF2B5EF4-FFF2-40B4-BE49-F238E27FC236}">
+                <a16:creationId xmlns:a16="http://schemas.microsoft.com/office/drawing/2014/main" id="{C89D60BD-5492-42EE-8A2A-AA71116CBD1F}"/>
+              </a:ext>
+            </a:extLst>
+          </p:cNvPr>
+          <p:cNvPicPr>
+            <a:picLocks noChangeAspect="1"/>
+          </p:cNvPicPr>
+          <p:nvPr/>
+        </p:nvPicPr>
+        <p:blipFill>
+          <a:blip r:embed="rId5">
+            <a:extLst>
+              <a:ext uri="{28A0092B-C50C-407E-A947-70E740481C1C}">
+                <a14:useLocalDpi xmlns:a14="http://schemas.microsoft.com/office/drawing/2010/main" val="0"/>
+              </a:ext>
+              <a:ext uri="{96DAC541-7B7A-43D3-8B79-37D633B846F1}">
+                <asvg:svgBlip xmlns:asvg="http://schemas.microsoft.com/office/drawing/2016/SVG/main" r:embed="rId6"/>
+              </a:ext>
+            </a:extLst>
+          </a:blip>
+          <a:stretch>
+            <a:fillRect/>
+          </a:stretch>
+        </p:blipFill>
+        <p:spPr>
+          <a:xfrm>
+            <a:off x="8246249" y="1825624"/>
+            <a:ext cx="1176763" cy="1176763"/>
+          </a:xfrm>
+          <a:prstGeom prst="rect">
+            <a:avLst/>
+          </a:prstGeom>
+        </p:spPr>
+      </p:pic>
+      <p:sp>
+        <p:nvSpPr>
+          <p:cNvPr id="9" name="Speech Bubble: Rectangle 8">
+            <a:extLst>
+              <a:ext uri="{FF2B5EF4-FFF2-40B4-BE49-F238E27FC236}">
+                <a16:creationId xmlns:a16="http://schemas.microsoft.com/office/drawing/2014/main" id="{CFE000FB-C389-4EEB-BABA-B16291130469}"/>
+              </a:ext>
+            </a:extLst>
+          </p:cNvPr>
+          <p:cNvSpPr/>
+          <p:nvPr/>
+        </p:nvSpPr>
+        <p:spPr>
+          <a:xfrm>
+            <a:off x="8391525" y="3936999"/>
+            <a:ext cx="3028950" cy="444501"/>
+          </a:xfrm>
+          <a:prstGeom prst="wedgeRectCallout">
+            <a:avLst>
+              <a:gd name="adj1" fmla="val -60500"/>
+              <a:gd name="adj2" fmla="val -7955"/>
+            </a:avLst>
+          </a:prstGeom>
+          <a:noFill/>
+          <a:ln>
+            <a:noFill/>
+          </a:ln>
+        </p:spPr>
+        <p:style>
+          <a:lnRef idx="2">
+            <a:schemeClr val="accent1">
+              <a:shade val="50000"/>
+            </a:schemeClr>
+          </a:lnRef>
+          <a:fillRef idx="1">
+            <a:schemeClr val="accent1"/>
+          </a:fillRef>
+          <a:effectRef idx="0">
+            <a:schemeClr val="accent1"/>
+          </a:effectRef>
+          <a:fontRef idx="minor">
+            <a:schemeClr val="lt1"/>
+          </a:fontRef>
+        </p:style>
+        <p:txBody>
+          <a:bodyPr rtlCol="0" anchor="ctr"/>
+          <a:lstStyle/>
+          <a:p>
+            <a:r>
+              <a:rPr lang="de-DE" sz="2400" i="1">
+                <a:solidFill>
+                  <a:schemeClr val="tx1"/>
+                </a:solidFill>
+              </a:rPr>
+              <a:t>may be computed before training</a:t>
+            </a:r>
+            <a:endParaRPr lang="en-US" sz="2400" i="1">
+              <a:solidFill>
+                <a:schemeClr val="tx1"/>
+              </a:solidFill>
+            </a:endParaRPr>
+          </a:p>
+        </p:txBody>
+      </p:sp>
+      <p:sp>
+        <p:nvSpPr>
+          <p:cNvPr id="11" name="Speech Bubble: Rectangle 10">
+            <a:extLst>
+              <a:ext uri="{FF2B5EF4-FFF2-40B4-BE49-F238E27FC236}">
+                <a16:creationId xmlns:a16="http://schemas.microsoft.com/office/drawing/2014/main" id="{D94BC2A0-45FA-4DF3-B5C3-37BF1B936612}"/>
+              </a:ext>
+            </a:extLst>
+          </p:cNvPr>
+          <p:cNvSpPr/>
+          <p:nvPr/>
+        </p:nvSpPr>
+        <p:spPr>
+          <a:xfrm>
+            <a:off x="8391525" y="5259965"/>
+            <a:ext cx="3028950" cy="444501"/>
+          </a:xfrm>
+          <a:prstGeom prst="wedgeRectCallout">
+            <a:avLst>
+              <a:gd name="adj1" fmla="val -60500"/>
+              <a:gd name="adj2" fmla="val -7955"/>
+            </a:avLst>
+          </a:prstGeom>
+          <a:noFill/>
+          <a:ln>
+            <a:noFill/>
+          </a:ln>
+        </p:spPr>
+        <p:style>
+          <a:lnRef idx="2">
+            <a:schemeClr val="accent1">
+              <a:shade val="50000"/>
+            </a:schemeClr>
+          </a:lnRef>
+          <a:fillRef idx="1">
+            <a:schemeClr val="accent1"/>
+          </a:fillRef>
+          <a:effectRef idx="0">
+            <a:schemeClr val="accent1"/>
+          </a:effectRef>
+          <a:fontRef idx="minor">
+            <a:schemeClr val="lt1"/>
+          </a:fontRef>
+        </p:style>
+        <p:txBody>
+          <a:bodyPr rtlCol="0" anchor="ctr"/>
+          <a:lstStyle/>
+          <a:p>
+            <a:r>
+              <a:rPr lang="de-DE" sz="2400" i="1">
+                <a:solidFill>
+                  <a:schemeClr val="tx1"/>
+                </a:solidFill>
+              </a:rPr>
+              <a:t>must be computed during training</a:t>
+            </a:r>
+            <a:endParaRPr lang="en-US" sz="2400" i="1">
+              <a:solidFill>
+                <a:schemeClr val="tx1"/>
+              </a:solidFill>
+            </a:endParaRPr>
           </a:p>
         </p:txBody>
       </p:sp>
     </p:spTree>
     <p:extLst>
       <p:ext uri="{BB962C8B-B14F-4D97-AF65-F5344CB8AC3E}">
-        <p14:creationId xmlns:p14="http://schemas.microsoft.com/office/powerpoint/2010/main" val="4049771469"/>
+        <p14:creationId xmlns:p14="http://schemas.microsoft.com/office/powerpoint/2010/main" val="1065732921"/>
       </p:ext>
     </p:extLst>
   </p:cSld>
@@ -8955,55 +12276,12 @@
           <a:lstStyle/>
           <a:p>
             <a:r>
-              <a:rPr lang="en-GB" b="1">
-                <a:effectLst>
-                  <a:outerShdw blurRad="38100" dist="38100" dir="2700000" algn="tl">
-                    <a:srgbClr val="000000">
-                      <a:alpha val="43137"/>
-                    </a:srgbClr>
-                  </a:outerShdw>
-                </a:effectLst>
-              </a:rPr>
-              <a:t>Part I: Intro NLP &amp; Task at Hand</a:t>
-            </a:r>
-            <a:endParaRPr lang="en-US" b="1">
-              <a:effectLst>
-                <a:outerShdw blurRad="38100" dist="38100" dir="2700000" algn="tl">
-                  <a:srgbClr val="000000">
-                    <a:alpha val="43137"/>
-                  </a:srgbClr>
-                </a:outerShdw>
-              </a:effectLst>
-            </a:endParaRPr>
-          </a:p>
-        </p:txBody>
-      </p:sp>
-      <p:sp>
-        <p:nvSpPr>
-          <p:cNvPr id="3" name="Textplatzhalter 2"/>
-          <p:cNvSpPr>
-            <a:spLocks noGrp="1"/>
-          </p:cNvSpPr>
-          <p:nvPr>
-            <p:ph type="body" idx="1"/>
-          </p:nvPr>
-        </p:nvSpPr>
-        <p:spPr/>
-        <p:txBody>
-          <a:bodyPr/>
-          <a:lstStyle/>
-          <a:p>
-            <a:r>
-              <a:rPr lang="en-US" b="1">
-                <a:effectLst>
-                  <a:outerShdw blurRad="38100" dist="38100" dir="2700000" algn="tl">
-                    <a:srgbClr val="000000">
-                      <a:alpha val="43137"/>
-                    </a:srgbClr>
-                  </a:outerShdw>
-                </a:effectLst>
-              </a:rPr>
-              <a:t>Literature and References</a:t>
+              <a:rPr lang="en-US"/>
+              <a:t>Quanteda universe  </a:t>
+            </a:r>
+            <a:r>
+              <a:rPr lang="en-US" b="1"/>
+              <a:t>Package</a:t>
             </a:r>
           </a:p>
         </p:txBody>
@@ -9031,10 +12309,44 @@
           </a:p>
         </p:txBody>
       </p:sp>
+      <p:sp>
+        <p:nvSpPr>
+          <p:cNvPr id="5" name="Content Placeholder 2">
+            <a:extLst>
+              <a:ext uri="{FF2B5EF4-FFF2-40B4-BE49-F238E27FC236}">
+                <a16:creationId xmlns:a16="http://schemas.microsoft.com/office/drawing/2014/main" id="{2103F23C-B021-4F14-8084-0CDDB4205028}"/>
+              </a:ext>
+            </a:extLst>
+          </p:cNvPr>
+          <p:cNvSpPr>
+            <a:spLocks noGrp="1"/>
+          </p:cNvSpPr>
+          <p:nvPr>
+            <p:ph idx="1"/>
+          </p:nvPr>
+        </p:nvSpPr>
+        <p:spPr>
+          <a:xfrm>
+            <a:off x="838200" y="1825625"/>
+            <a:ext cx="10515600" cy="4351338"/>
+          </a:xfrm>
+        </p:spPr>
+        <p:txBody>
+          <a:bodyPr/>
+          <a:lstStyle/>
+          <a:p>
+            <a:r>
+              <a:rPr lang="en-US" b="1"/>
+              <a:t>M</a:t>
+            </a:r>
+            <a:endParaRPr lang="en-US"/>
+          </a:p>
+        </p:txBody>
+      </p:sp>
     </p:spTree>
     <p:extLst>
       <p:ext uri="{BB962C8B-B14F-4D97-AF65-F5344CB8AC3E}">
-        <p14:creationId xmlns:p14="http://schemas.microsoft.com/office/powerpoint/2010/main" val="3419717452"/>
+        <p14:creationId xmlns:p14="http://schemas.microsoft.com/office/powerpoint/2010/main" val="905106722"/>
       </p:ext>
     </p:extLst>
   </p:cSld>
@@ -9063,6 +12375,354 @@
       </p:grpSpPr>
       <p:sp>
         <p:nvSpPr>
+          <p:cNvPr id="2" name="Titel 1"/>
+          <p:cNvSpPr>
+            <a:spLocks noGrp="1"/>
+          </p:cNvSpPr>
+          <p:nvPr>
+            <p:ph type="title"/>
+          </p:nvPr>
+        </p:nvSpPr>
+        <p:spPr/>
+        <p:txBody>
+          <a:bodyPr/>
+          <a:lstStyle/>
+          <a:p>
+            <a:r>
+              <a:rPr lang="en-US"/>
+              <a:t>Quanteda universe  </a:t>
+            </a:r>
+            <a:r>
+              <a:rPr lang="en-US" b="1"/>
+              <a:t>Basic classes</a:t>
+            </a:r>
+          </a:p>
+        </p:txBody>
+      </p:sp>
+      <p:sp>
+        <p:nvSpPr>
+          <p:cNvPr id="4" name="Foliennummernplatzhalter 3"/>
+          <p:cNvSpPr>
+            <a:spLocks noGrp="1"/>
+          </p:cNvSpPr>
+          <p:nvPr>
+            <p:ph type="sldNum" sz="quarter" idx="12"/>
+          </p:nvPr>
+        </p:nvSpPr>
+        <p:spPr/>
+        <p:txBody>
+          <a:bodyPr/>
+          <a:lstStyle/>
+          <a:p>
+            <a:fld id="{C9E0B00B-E6DF-4183-A694-3DE28BEFB357}" type="slidenum">
+              <a:rPr lang="en-US" smtClean="0"/>
+              <a:t>26</a:t>
+            </a:fld>
+            <a:endParaRPr lang="en-US"/>
+          </a:p>
+        </p:txBody>
+      </p:sp>
+      <p:sp>
+        <p:nvSpPr>
+          <p:cNvPr id="5" name="Content Placeholder 2">
+            <a:extLst>
+              <a:ext uri="{FF2B5EF4-FFF2-40B4-BE49-F238E27FC236}">
+                <a16:creationId xmlns:a16="http://schemas.microsoft.com/office/drawing/2014/main" id="{2103F23C-B021-4F14-8084-0CDDB4205028}"/>
+              </a:ext>
+            </a:extLst>
+          </p:cNvPr>
+          <p:cNvSpPr>
+            <a:spLocks noGrp="1"/>
+          </p:cNvSpPr>
+          <p:nvPr>
+            <p:ph idx="1"/>
+          </p:nvPr>
+        </p:nvSpPr>
+        <p:spPr>
+          <a:xfrm>
+            <a:off x="838200" y="1825625"/>
+            <a:ext cx="10515600" cy="4351338"/>
+          </a:xfrm>
+        </p:spPr>
+        <p:txBody>
+          <a:bodyPr/>
+          <a:lstStyle/>
+          <a:p>
+            <a:r>
+              <a:rPr lang="en-US" b="1"/>
+              <a:t>M</a:t>
+            </a:r>
+            <a:endParaRPr lang="en-US"/>
+          </a:p>
+        </p:txBody>
+      </p:sp>
+    </p:spTree>
+    <p:extLst>
+      <p:ext uri="{BB962C8B-B14F-4D97-AF65-F5344CB8AC3E}">
+        <p14:creationId xmlns:p14="http://schemas.microsoft.com/office/powerpoint/2010/main" val="3670438057"/>
+      </p:ext>
+    </p:extLst>
+  </p:cSld>
+  <p:clrMapOvr>
+    <a:masterClrMapping/>
+  </p:clrMapOvr>
+</p:sld>
+</file>
+
+<file path=ppt/slides/slide27.xml><?xml version="1.0" encoding="utf-8"?>
+<p:sld xmlns:a="http://schemas.openxmlformats.org/drawingml/2006/main" xmlns:r="http://schemas.openxmlformats.org/officeDocument/2006/relationships" xmlns:p="http://schemas.openxmlformats.org/presentationml/2006/main">
+  <p:cSld>
+    <p:spTree>
+      <p:nvGrpSpPr>
+        <p:cNvPr id="1" name=""/>
+        <p:cNvGrpSpPr/>
+        <p:nvPr/>
+      </p:nvGrpSpPr>
+      <p:grpSpPr>
+        <a:xfrm>
+          <a:off x="0" y="0"/>
+          <a:ext cx="0" cy="0"/>
+          <a:chOff x="0" y="0"/>
+          <a:chExt cx="0" cy="0"/>
+        </a:xfrm>
+      </p:grpSpPr>
+      <p:sp>
+        <p:nvSpPr>
+          <p:cNvPr id="2" name="Titel 1"/>
+          <p:cNvSpPr>
+            <a:spLocks noGrp="1"/>
+          </p:cNvSpPr>
+          <p:nvPr>
+            <p:ph type="title"/>
+          </p:nvPr>
+        </p:nvSpPr>
+        <p:spPr/>
+        <p:txBody>
+          <a:bodyPr/>
+          <a:lstStyle/>
+          <a:p>
+            <a:r>
+              <a:rPr lang="en-US"/>
+              <a:t>Quanteda universe  </a:t>
+            </a:r>
+            <a:r>
+              <a:rPr lang="en-US" b="1"/>
+              <a:t>Scope</a:t>
+            </a:r>
+          </a:p>
+        </p:txBody>
+      </p:sp>
+      <p:sp>
+        <p:nvSpPr>
+          <p:cNvPr id="4" name="Foliennummernplatzhalter 3"/>
+          <p:cNvSpPr>
+            <a:spLocks noGrp="1"/>
+          </p:cNvSpPr>
+          <p:nvPr>
+            <p:ph type="sldNum" sz="quarter" idx="12"/>
+          </p:nvPr>
+        </p:nvSpPr>
+        <p:spPr/>
+        <p:txBody>
+          <a:bodyPr/>
+          <a:lstStyle/>
+          <a:p>
+            <a:fld id="{C9E0B00B-E6DF-4183-A694-3DE28BEFB357}" type="slidenum">
+              <a:rPr lang="en-US" smtClean="0"/>
+              <a:t>27</a:t>
+            </a:fld>
+            <a:endParaRPr lang="en-US"/>
+          </a:p>
+        </p:txBody>
+      </p:sp>
+      <p:sp>
+        <p:nvSpPr>
+          <p:cNvPr id="5" name="Content Placeholder 2">
+            <a:extLst>
+              <a:ext uri="{FF2B5EF4-FFF2-40B4-BE49-F238E27FC236}">
+                <a16:creationId xmlns:a16="http://schemas.microsoft.com/office/drawing/2014/main" id="{2103F23C-B021-4F14-8084-0CDDB4205028}"/>
+              </a:ext>
+            </a:extLst>
+          </p:cNvPr>
+          <p:cNvSpPr>
+            <a:spLocks noGrp="1"/>
+          </p:cNvSpPr>
+          <p:nvPr>
+            <p:ph idx="1"/>
+          </p:nvPr>
+        </p:nvSpPr>
+        <p:spPr>
+          <a:xfrm>
+            <a:off x="838200" y="1825625"/>
+            <a:ext cx="10515600" cy="4351338"/>
+          </a:xfrm>
+        </p:spPr>
+        <p:txBody>
+          <a:bodyPr/>
+          <a:lstStyle/>
+          <a:p>
+            <a:r>
+              <a:rPr lang="en-US" b="1"/>
+              <a:t>M</a:t>
+            </a:r>
+            <a:endParaRPr lang="en-US"/>
+          </a:p>
+        </p:txBody>
+      </p:sp>
+    </p:spTree>
+    <p:extLst>
+      <p:ext uri="{BB962C8B-B14F-4D97-AF65-F5344CB8AC3E}">
+        <p14:creationId xmlns:p14="http://schemas.microsoft.com/office/powerpoint/2010/main" val="4049771469"/>
+      </p:ext>
+    </p:extLst>
+  </p:cSld>
+  <p:clrMapOvr>
+    <a:masterClrMapping/>
+  </p:clrMapOvr>
+</p:sld>
+</file>
+
+<file path=ppt/slides/slide28.xml><?xml version="1.0" encoding="utf-8"?>
+<p:sld xmlns:a="http://schemas.openxmlformats.org/drawingml/2006/main" xmlns:r="http://schemas.openxmlformats.org/officeDocument/2006/relationships" xmlns:p="http://schemas.openxmlformats.org/presentationml/2006/main">
+  <p:cSld>
+    <p:spTree>
+      <p:nvGrpSpPr>
+        <p:cNvPr id="1" name=""/>
+        <p:cNvGrpSpPr/>
+        <p:nvPr/>
+      </p:nvGrpSpPr>
+      <p:grpSpPr>
+        <a:xfrm>
+          <a:off x="0" y="0"/>
+          <a:ext cx="0" cy="0"/>
+          <a:chOff x="0" y="0"/>
+          <a:chExt cx="0" cy="0"/>
+        </a:xfrm>
+      </p:grpSpPr>
+      <p:sp>
+        <p:nvSpPr>
+          <p:cNvPr id="2" name="Titel 1"/>
+          <p:cNvSpPr>
+            <a:spLocks noGrp="1"/>
+          </p:cNvSpPr>
+          <p:nvPr>
+            <p:ph type="title"/>
+          </p:nvPr>
+        </p:nvSpPr>
+        <p:spPr/>
+        <p:txBody>
+          <a:bodyPr/>
+          <a:lstStyle/>
+          <a:p>
+            <a:r>
+              <a:rPr lang="en-GB" b="1">
+                <a:effectLst>
+                  <a:outerShdw blurRad="38100" dist="38100" dir="2700000" algn="tl">
+                    <a:srgbClr val="000000">
+                      <a:alpha val="43137"/>
+                    </a:srgbClr>
+                  </a:outerShdw>
+                </a:effectLst>
+              </a:rPr>
+              <a:t>Part I: Intro NLP &amp; Task at Hand</a:t>
+            </a:r>
+            <a:endParaRPr lang="en-US" b="1">
+              <a:effectLst>
+                <a:outerShdw blurRad="38100" dist="38100" dir="2700000" algn="tl">
+                  <a:srgbClr val="000000">
+                    <a:alpha val="43137"/>
+                  </a:srgbClr>
+                </a:outerShdw>
+              </a:effectLst>
+            </a:endParaRPr>
+          </a:p>
+        </p:txBody>
+      </p:sp>
+      <p:sp>
+        <p:nvSpPr>
+          <p:cNvPr id="3" name="Textplatzhalter 2"/>
+          <p:cNvSpPr>
+            <a:spLocks noGrp="1"/>
+          </p:cNvSpPr>
+          <p:nvPr>
+            <p:ph type="body" idx="1"/>
+          </p:nvPr>
+        </p:nvSpPr>
+        <p:spPr/>
+        <p:txBody>
+          <a:bodyPr/>
+          <a:lstStyle/>
+          <a:p>
+            <a:r>
+              <a:rPr lang="en-US" b="1">
+                <a:effectLst>
+                  <a:outerShdw blurRad="38100" dist="38100" dir="2700000" algn="tl">
+                    <a:srgbClr val="000000">
+                      <a:alpha val="43137"/>
+                    </a:srgbClr>
+                  </a:outerShdw>
+                </a:effectLst>
+              </a:rPr>
+              <a:t>Literature and References</a:t>
+            </a:r>
+          </a:p>
+        </p:txBody>
+      </p:sp>
+      <p:sp>
+        <p:nvSpPr>
+          <p:cNvPr id="4" name="Foliennummernplatzhalter 3"/>
+          <p:cNvSpPr>
+            <a:spLocks noGrp="1"/>
+          </p:cNvSpPr>
+          <p:nvPr>
+            <p:ph type="sldNum" sz="quarter" idx="12"/>
+          </p:nvPr>
+        </p:nvSpPr>
+        <p:spPr/>
+        <p:txBody>
+          <a:bodyPr/>
+          <a:lstStyle/>
+          <a:p>
+            <a:fld id="{C9E0B00B-E6DF-4183-A694-3DE28BEFB357}" type="slidenum">
+              <a:rPr lang="en-US" smtClean="0"/>
+              <a:t>28</a:t>
+            </a:fld>
+            <a:endParaRPr lang="en-US"/>
+          </a:p>
+        </p:txBody>
+      </p:sp>
+    </p:spTree>
+    <p:extLst>
+      <p:ext uri="{BB962C8B-B14F-4D97-AF65-F5344CB8AC3E}">
+        <p14:creationId xmlns:p14="http://schemas.microsoft.com/office/powerpoint/2010/main" val="3419717452"/>
+      </p:ext>
+    </p:extLst>
+  </p:cSld>
+  <p:clrMapOvr>
+    <a:masterClrMapping/>
+  </p:clrMapOvr>
+</p:sld>
+</file>
+
+<file path=ppt/slides/slide29.xml><?xml version="1.0" encoding="utf-8"?>
+<p:sld xmlns:a="http://schemas.openxmlformats.org/drawingml/2006/main" xmlns:r="http://schemas.openxmlformats.org/officeDocument/2006/relationships" xmlns:p="http://schemas.openxmlformats.org/presentationml/2006/main">
+  <p:cSld>
+    <p:spTree>
+      <p:nvGrpSpPr>
+        <p:cNvPr id="1" name=""/>
+        <p:cNvGrpSpPr/>
+        <p:nvPr/>
+      </p:nvGrpSpPr>
+      <p:grpSpPr>
+        <a:xfrm>
+          <a:off x="0" y="0"/>
+          <a:ext cx="0" cy="0"/>
+          <a:chOff x="0" y="0"/>
+          <a:chExt cx="0" cy="0"/>
+        </a:xfrm>
+      </p:grpSpPr>
+      <p:sp>
+        <p:nvSpPr>
           <p:cNvPr id="3" name="Inhaltsplatzhalter 2"/>
           <p:cNvSpPr>
             <a:spLocks noGrp="1"/>
@@ -9147,7 +12807,7 @@
           <a:p>
             <a:fld id="{C9E0B00B-E6DF-4183-A694-3DE28BEFB357}" type="slidenum">
               <a:rPr lang="en-US" smtClean="0"/>
-              <a:t>26</a:t>
+              <a:t>29</a:t>
             </a:fld>
             <a:endParaRPr lang="en-US"/>
           </a:p>

--- a/5_seminar/Contents_Part_01/Präsentation_Teil1.pptx
+++ b/5_seminar/Contents_Part_01/Präsentation_Teil1.pptx
@@ -5,7 +5,7 @@
     <p:sldMasterId id="2147483648" r:id="rId1"/>
   </p:sldMasterIdLst>
   <p:notesMasterIdLst>
-    <p:notesMasterId r:id="rId31"/>
+    <p:notesMasterId r:id="rId37"/>
   </p:notesMasterIdLst>
   <p:sldIdLst>
     <p:sldId id="303" r:id="rId2"/>
@@ -30,13 +30,19 @@
     <p:sldId id="287" r:id="rId21"/>
     <p:sldId id="305" r:id="rId22"/>
     <p:sldId id="306" r:id="rId23"/>
-    <p:sldId id="292" r:id="rId24"/>
-    <p:sldId id="293" r:id="rId25"/>
-    <p:sldId id="294" r:id="rId26"/>
-    <p:sldId id="295" r:id="rId27"/>
-    <p:sldId id="296" r:id="rId28"/>
-    <p:sldId id="273" r:id="rId29"/>
-    <p:sldId id="279" r:id="rId30"/>
+    <p:sldId id="307" r:id="rId24"/>
+    <p:sldId id="292" r:id="rId25"/>
+    <p:sldId id="293" r:id="rId26"/>
+    <p:sldId id="294" r:id="rId27"/>
+    <p:sldId id="295" r:id="rId28"/>
+    <p:sldId id="308" r:id="rId29"/>
+    <p:sldId id="309" r:id="rId30"/>
+    <p:sldId id="310" r:id="rId31"/>
+    <p:sldId id="311" r:id="rId32"/>
+    <p:sldId id="312" r:id="rId33"/>
+    <p:sldId id="296" r:id="rId34"/>
+    <p:sldId id="273" r:id="rId35"/>
+    <p:sldId id="279" r:id="rId36"/>
   </p:sldIdLst>
   <p:sldSz cx="12192000" cy="6858000"/>
   <p:notesSz cx="6858000" cy="9144000"/>
@@ -225,7 +231,7 @@
           <a:p>
             <a:fld id="{7A5B87F2-13FD-4A24-9F19-39B31C60B536}" type="datetimeFigureOut">
               <a:rPr lang="en-US" smtClean="0"/>
-              <a:t>4/1/2021</a:t>
+              <a:t>4/2/2021</a:t>
             </a:fld>
             <a:endParaRPr lang="en-US"/>
           </a:p>
@@ -1803,7 +1809,7 @@
     </p:spTree>
     <p:extLst>
       <p:ext uri="{BB962C8B-B14F-4D97-AF65-F5344CB8AC3E}">
-        <p14:creationId xmlns:p14="http://schemas.microsoft.com/office/powerpoint/2010/main" val="2073480299"/>
+        <p14:creationId xmlns:p14="http://schemas.microsoft.com/office/powerpoint/2010/main" val="1845334431"/>
       </p:ext>
     </p:extLst>
   </p:cSld>
@@ -1904,7 +1910,7 @@
     </p:spTree>
     <p:extLst>
       <p:ext uri="{BB962C8B-B14F-4D97-AF65-F5344CB8AC3E}">
-        <p14:creationId xmlns:p14="http://schemas.microsoft.com/office/powerpoint/2010/main" val="3754768430"/>
+        <p14:creationId xmlns:p14="http://schemas.microsoft.com/office/powerpoint/2010/main" val="2073480299"/>
       </p:ext>
     </p:extLst>
   </p:cSld>
@@ -2005,7 +2011,7 @@
     </p:spTree>
     <p:extLst>
       <p:ext uri="{BB962C8B-B14F-4D97-AF65-F5344CB8AC3E}">
-        <p14:creationId xmlns:p14="http://schemas.microsoft.com/office/powerpoint/2010/main" val="3307074865"/>
+        <p14:creationId xmlns:p14="http://schemas.microsoft.com/office/powerpoint/2010/main" val="3754768430"/>
       </p:ext>
     </p:extLst>
   </p:cSld>
@@ -2106,7 +2112,7 @@
     </p:spTree>
     <p:extLst>
       <p:ext uri="{BB962C8B-B14F-4D97-AF65-F5344CB8AC3E}">
-        <p14:creationId xmlns:p14="http://schemas.microsoft.com/office/powerpoint/2010/main" val="1550035269"/>
+        <p14:creationId xmlns:p14="http://schemas.microsoft.com/office/powerpoint/2010/main" val="3307074865"/>
       </p:ext>
     </p:extLst>
   </p:cSld>
@@ -2207,7 +2213,512 @@
     </p:spTree>
     <p:extLst>
       <p:ext uri="{BB962C8B-B14F-4D97-AF65-F5344CB8AC3E}">
-        <p14:creationId xmlns:p14="http://schemas.microsoft.com/office/powerpoint/2010/main" val="496357337"/>
+        <p14:creationId xmlns:p14="http://schemas.microsoft.com/office/powerpoint/2010/main" val="1550035269"/>
+      </p:ext>
+    </p:extLst>
+  </p:cSld>
+  <p:clrMapOvr>
+    <a:masterClrMapping/>
+  </p:clrMapOvr>
+</p:notes>
+</file>
+
+<file path=ppt/notesSlides/notesSlide25.xml><?xml version="1.0" encoding="utf-8"?>
+<p:notes xmlns:a="http://schemas.openxmlformats.org/drawingml/2006/main" xmlns:r="http://schemas.openxmlformats.org/officeDocument/2006/relationships" xmlns:p="http://schemas.openxmlformats.org/presentationml/2006/main">
+  <p:cSld>
+    <p:spTree>
+      <p:nvGrpSpPr>
+        <p:cNvPr id="1" name=""/>
+        <p:cNvGrpSpPr/>
+        <p:nvPr/>
+      </p:nvGrpSpPr>
+      <p:grpSpPr>
+        <a:xfrm>
+          <a:off x="0" y="0"/>
+          <a:ext cx="0" cy="0"/>
+          <a:chOff x="0" y="0"/>
+          <a:chExt cx="0" cy="0"/>
+        </a:xfrm>
+      </p:grpSpPr>
+      <p:sp>
+        <p:nvSpPr>
+          <p:cNvPr id="2" name="Folienbildplatzhalter 1"/>
+          <p:cNvSpPr>
+            <a:spLocks noGrp="1" noRot="1" noChangeAspect="1"/>
+          </p:cNvSpPr>
+          <p:nvPr>
+            <p:ph type="sldImg"/>
+          </p:nvPr>
+        </p:nvSpPr>
+        <p:spPr/>
+      </p:sp>
+      <p:sp>
+        <p:nvSpPr>
+          <p:cNvPr id="3" name="Notizenplatzhalter 2"/>
+          <p:cNvSpPr>
+            <a:spLocks noGrp="1"/>
+          </p:cNvSpPr>
+          <p:nvPr>
+            <p:ph type="body" idx="1"/>
+          </p:nvPr>
+        </p:nvSpPr>
+        <p:spPr/>
+        <p:txBody>
+          <a:bodyPr/>
+          <a:lstStyle/>
+          <a:p>
+            <a:pPr marL="0" marR="0" lvl="0" indent="0" algn="l" defTabSz="914400" rtl="0" eaLnBrk="1" fontAlgn="auto" latinLnBrk="0" hangingPunct="1">
+              <a:lnSpc>
+                <a:spcPct val="100000"/>
+              </a:lnSpc>
+              <a:spcBef>
+                <a:spcPts val="0"/>
+              </a:spcBef>
+              <a:spcAft>
+                <a:spcPts val="0"/>
+              </a:spcAft>
+              <a:buClrTx/>
+              <a:buSzTx/>
+              <a:buFontTx/>
+              <a:buNone/>
+              <a:tabLst/>
+              <a:defRPr/>
+            </a:pPr>
+            <a:endParaRPr lang="en-US"/>
+          </a:p>
+        </p:txBody>
+      </p:sp>
+      <p:sp>
+        <p:nvSpPr>
+          <p:cNvPr id="4" name="Foliennummernplatzhalter 3"/>
+          <p:cNvSpPr>
+            <a:spLocks noGrp="1"/>
+          </p:cNvSpPr>
+          <p:nvPr>
+            <p:ph type="sldNum" sz="quarter" idx="10"/>
+          </p:nvPr>
+        </p:nvSpPr>
+        <p:spPr/>
+        <p:txBody>
+          <a:bodyPr/>
+          <a:lstStyle/>
+          <a:p>
+            <a:fld id="{20A41429-B750-4047-B563-2878417A70E7}" type="slidenum">
+              <a:rPr lang="en-US" smtClean="0"/>
+              <a:t>28</a:t>
+            </a:fld>
+            <a:endParaRPr lang="en-US"/>
+          </a:p>
+        </p:txBody>
+      </p:sp>
+    </p:spTree>
+    <p:extLst>
+      <p:ext uri="{BB962C8B-B14F-4D97-AF65-F5344CB8AC3E}">
+        <p14:creationId xmlns:p14="http://schemas.microsoft.com/office/powerpoint/2010/main" val="4243284"/>
+      </p:ext>
+    </p:extLst>
+  </p:cSld>
+  <p:clrMapOvr>
+    <a:masterClrMapping/>
+  </p:clrMapOvr>
+</p:notes>
+</file>
+
+<file path=ppt/notesSlides/notesSlide26.xml><?xml version="1.0" encoding="utf-8"?>
+<p:notes xmlns:a="http://schemas.openxmlformats.org/drawingml/2006/main" xmlns:r="http://schemas.openxmlformats.org/officeDocument/2006/relationships" xmlns:p="http://schemas.openxmlformats.org/presentationml/2006/main">
+  <p:cSld>
+    <p:spTree>
+      <p:nvGrpSpPr>
+        <p:cNvPr id="1" name=""/>
+        <p:cNvGrpSpPr/>
+        <p:nvPr/>
+      </p:nvGrpSpPr>
+      <p:grpSpPr>
+        <a:xfrm>
+          <a:off x="0" y="0"/>
+          <a:ext cx="0" cy="0"/>
+          <a:chOff x="0" y="0"/>
+          <a:chExt cx="0" cy="0"/>
+        </a:xfrm>
+      </p:grpSpPr>
+      <p:sp>
+        <p:nvSpPr>
+          <p:cNvPr id="2" name="Folienbildplatzhalter 1"/>
+          <p:cNvSpPr>
+            <a:spLocks noGrp="1" noRot="1" noChangeAspect="1"/>
+          </p:cNvSpPr>
+          <p:nvPr>
+            <p:ph type="sldImg"/>
+          </p:nvPr>
+        </p:nvSpPr>
+        <p:spPr/>
+      </p:sp>
+      <p:sp>
+        <p:nvSpPr>
+          <p:cNvPr id="3" name="Notizenplatzhalter 2"/>
+          <p:cNvSpPr>
+            <a:spLocks noGrp="1"/>
+          </p:cNvSpPr>
+          <p:nvPr>
+            <p:ph type="body" idx="1"/>
+          </p:nvPr>
+        </p:nvSpPr>
+        <p:spPr/>
+        <p:txBody>
+          <a:bodyPr/>
+          <a:lstStyle/>
+          <a:p>
+            <a:pPr marL="0" marR="0" lvl="0" indent="0" algn="l" defTabSz="914400" rtl="0" eaLnBrk="1" fontAlgn="auto" latinLnBrk="0" hangingPunct="1">
+              <a:lnSpc>
+                <a:spcPct val="100000"/>
+              </a:lnSpc>
+              <a:spcBef>
+                <a:spcPts val="0"/>
+              </a:spcBef>
+              <a:spcAft>
+                <a:spcPts val="0"/>
+              </a:spcAft>
+              <a:buClrTx/>
+              <a:buSzTx/>
+              <a:buFontTx/>
+              <a:buNone/>
+              <a:tabLst/>
+              <a:defRPr/>
+            </a:pPr>
+            <a:endParaRPr lang="en-US"/>
+          </a:p>
+        </p:txBody>
+      </p:sp>
+      <p:sp>
+        <p:nvSpPr>
+          <p:cNvPr id="4" name="Foliennummernplatzhalter 3"/>
+          <p:cNvSpPr>
+            <a:spLocks noGrp="1"/>
+          </p:cNvSpPr>
+          <p:nvPr>
+            <p:ph type="sldNum" sz="quarter" idx="10"/>
+          </p:nvPr>
+        </p:nvSpPr>
+        <p:spPr/>
+        <p:txBody>
+          <a:bodyPr/>
+          <a:lstStyle/>
+          <a:p>
+            <a:fld id="{20A41429-B750-4047-B563-2878417A70E7}" type="slidenum">
+              <a:rPr lang="en-US" smtClean="0"/>
+              <a:t>29</a:t>
+            </a:fld>
+            <a:endParaRPr lang="en-US"/>
+          </a:p>
+        </p:txBody>
+      </p:sp>
+    </p:spTree>
+    <p:extLst>
+      <p:ext uri="{BB962C8B-B14F-4D97-AF65-F5344CB8AC3E}">
+        <p14:creationId xmlns:p14="http://schemas.microsoft.com/office/powerpoint/2010/main" val="3658646680"/>
+      </p:ext>
+    </p:extLst>
+  </p:cSld>
+  <p:clrMapOvr>
+    <a:masterClrMapping/>
+  </p:clrMapOvr>
+</p:notes>
+</file>
+
+<file path=ppt/notesSlides/notesSlide27.xml><?xml version="1.0" encoding="utf-8"?>
+<p:notes xmlns:a="http://schemas.openxmlformats.org/drawingml/2006/main" xmlns:r="http://schemas.openxmlformats.org/officeDocument/2006/relationships" xmlns:p="http://schemas.openxmlformats.org/presentationml/2006/main">
+  <p:cSld>
+    <p:spTree>
+      <p:nvGrpSpPr>
+        <p:cNvPr id="1" name=""/>
+        <p:cNvGrpSpPr/>
+        <p:nvPr/>
+      </p:nvGrpSpPr>
+      <p:grpSpPr>
+        <a:xfrm>
+          <a:off x="0" y="0"/>
+          <a:ext cx="0" cy="0"/>
+          <a:chOff x="0" y="0"/>
+          <a:chExt cx="0" cy="0"/>
+        </a:xfrm>
+      </p:grpSpPr>
+      <p:sp>
+        <p:nvSpPr>
+          <p:cNvPr id="2" name="Folienbildplatzhalter 1"/>
+          <p:cNvSpPr>
+            <a:spLocks noGrp="1" noRot="1" noChangeAspect="1"/>
+          </p:cNvSpPr>
+          <p:nvPr>
+            <p:ph type="sldImg"/>
+          </p:nvPr>
+        </p:nvSpPr>
+        <p:spPr/>
+      </p:sp>
+      <p:sp>
+        <p:nvSpPr>
+          <p:cNvPr id="3" name="Notizenplatzhalter 2"/>
+          <p:cNvSpPr>
+            <a:spLocks noGrp="1"/>
+          </p:cNvSpPr>
+          <p:nvPr>
+            <p:ph type="body" idx="1"/>
+          </p:nvPr>
+        </p:nvSpPr>
+        <p:spPr/>
+        <p:txBody>
+          <a:bodyPr/>
+          <a:lstStyle/>
+          <a:p>
+            <a:pPr marL="0" marR="0" lvl="0" indent="0" algn="l" defTabSz="914400" rtl="0" eaLnBrk="1" fontAlgn="auto" latinLnBrk="0" hangingPunct="1">
+              <a:lnSpc>
+                <a:spcPct val="100000"/>
+              </a:lnSpc>
+              <a:spcBef>
+                <a:spcPts val="0"/>
+              </a:spcBef>
+              <a:spcAft>
+                <a:spcPts val="0"/>
+              </a:spcAft>
+              <a:buClrTx/>
+              <a:buSzTx/>
+              <a:buFontTx/>
+              <a:buNone/>
+              <a:tabLst/>
+              <a:defRPr/>
+            </a:pPr>
+            <a:endParaRPr lang="en-US"/>
+          </a:p>
+        </p:txBody>
+      </p:sp>
+      <p:sp>
+        <p:nvSpPr>
+          <p:cNvPr id="4" name="Foliennummernplatzhalter 3"/>
+          <p:cNvSpPr>
+            <a:spLocks noGrp="1"/>
+          </p:cNvSpPr>
+          <p:nvPr>
+            <p:ph type="sldNum" sz="quarter" idx="10"/>
+          </p:nvPr>
+        </p:nvSpPr>
+        <p:spPr/>
+        <p:txBody>
+          <a:bodyPr/>
+          <a:lstStyle/>
+          <a:p>
+            <a:fld id="{20A41429-B750-4047-B563-2878417A70E7}" type="slidenum">
+              <a:rPr lang="en-US" smtClean="0"/>
+              <a:t>30</a:t>
+            </a:fld>
+            <a:endParaRPr lang="en-US"/>
+          </a:p>
+        </p:txBody>
+      </p:sp>
+    </p:spTree>
+    <p:extLst>
+      <p:ext uri="{BB962C8B-B14F-4D97-AF65-F5344CB8AC3E}">
+        <p14:creationId xmlns:p14="http://schemas.microsoft.com/office/powerpoint/2010/main" val="1287220455"/>
+      </p:ext>
+    </p:extLst>
+  </p:cSld>
+  <p:clrMapOvr>
+    <a:masterClrMapping/>
+  </p:clrMapOvr>
+</p:notes>
+</file>
+
+<file path=ppt/notesSlides/notesSlide28.xml><?xml version="1.0" encoding="utf-8"?>
+<p:notes xmlns:a="http://schemas.openxmlformats.org/drawingml/2006/main" xmlns:r="http://schemas.openxmlformats.org/officeDocument/2006/relationships" xmlns:p="http://schemas.openxmlformats.org/presentationml/2006/main">
+  <p:cSld>
+    <p:spTree>
+      <p:nvGrpSpPr>
+        <p:cNvPr id="1" name=""/>
+        <p:cNvGrpSpPr/>
+        <p:nvPr/>
+      </p:nvGrpSpPr>
+      <p:grpSpPr>
+        <a:xfrm>
+          <a:off x="0" y="0"/>
+          <a:ext cx="0" cy="0"/>
+          <a:chOff x="0" y="0"/>
+          <a:chExt cx="0" cy="0"/>
+        </a:xfrm>
+      </p:grpSpPr>
+      <p:sp>
+        <p:nvSpPr>
+          <p:cNvPr id="2" name="Folienbildplatzhalter 1"/>
+          <p:cNvSpPr>
+            <a:spLocks noGrp="1" noRot="1" noChangeAspect="1"/>
+          </p:cNvSpPr>
+          <p:nvPr>
+            <p:ph type="sldImg"/>
+          </p:nvPr>
+        </p:nvSpPr>
+        <p:spPr/>
+      </p:sp>
+      <p:sp>
+        <p:nvSpPr>
+          <p:cNvPr id="3" name="Notizenplatzhalter 2"/>
+          <p:cNvSpPr>
+            <a:spLocks noGrp="1"/>
+          </p:cNvSpPr>
+          <p:nvPr>
+            <p:ph type="body" idx="1"/>
+          </p:nvPr>
+        </p:nvSpPr>
+        <p:spPr/>
+        <p:txBody>
+          <a:bodyPr/>
+          <a:lstStyle/>
+          <a:p>
+            <a:pPr marL="0" marR="0" lvl="0" indent="0" algn="l" defTabSz="914400" rtl="0" eaLnBrk="1" fontAlgn="auto" latinLnBrk="0" hangingPunct="1">
+              <a:lnSpc>
+                <a:spcPct val="100000"/>
+              </a:lnSpc>
+              <a:spcBef>
+                <a:spcPts val="0"/>
+              </a:spcBef>
+              <a:spcAft>
+                <a:spcPts val="0"/>
+              </a:spcAft>
+              <a:buClrTx/>
+              <a:buSzTx/>
+              <a:buFontTx/>
+              <a:buNone/>
+              <a:tabLst/>
+              <a:defRPr/>
+            </a:pPr>
+            <a:endParaRPr lang="en-US"/>
+          </a:p>
+        </p:txBody>
+      </p:sp>
+      <p:sp>
+        <p:nvSpPr>
+          <p:cNvPr id="4" name="Foliennummernplatzhalter 3"/>
+          <p:cNvSpPr>
+            <a:spLocks noGrp="1"/>
+          </p:cNvSpPr>
+          <p:nvPr>
+            <p:ph type="sldNum" sz="quarter" idx="10"/>
+          </p:nvPr>
+        </p:nvSpPr>
+        <p:spPr/>
+        <p:txBody>
+          <a:bodyPr/>
+          <a:lstStyle/>
+          <a:p>
+            <a:fld id="{20A41429-B750-4047-B563-2878417A70E7}" type="slidenum">
+              <a:rPr lang="en-US" smtClean="0"/>
+              <a:t>31</a:t>
+            </a:fld>
+            <a:endParaRPr lang="en-US"/>
+          </a:p>
+        </p:txBody>
+      </p:sp>
+    </p:spTree>
+    <p:extLst>
+      <p:ext uri="{BB962C8B-B14F-4D97-AF65-F5344CB8AC3E}">
+        <p14:creationId xmlns:p14="http://schemas.microsoft.com/office/powerpoint/2010/main" val="915169795"/>
+      </p:ext>
+    </p:extLst>
+  </p:cSld>
+  <p:clrMapOvr>
+    <a:masterClrMapping/>
+  </p:clrMapOvr>
+</p:notes>
+</file>
+
+<file path=ppt/notesSlides/notesSlide29.xml><?xml version="1.0" encoding="utf-8"?>
+<p:notes xmlns:a="http://schemas.openxmlformats.org/drawingml/2006/main" xmlns:r="http://schemas.openxmlformats.org/officeDocument/2006/relationships" xmlns:p="http://schemas.openxmlformats.org/presentationml/2006/main">
+  <p:cSld>
+    <p:spTree>
+      <p:nvGrpSpPr>
+        <p:cNvPr id="1" name=""/>
+        <p:cNvGrpSpPr/>
+        <p:nvPr/>
+      </p:nvGrpSpPr>
+      <p:grpSpPr>
+        <a:xfrm>
+          <a:off x="0" y="0"/>
+          <a:ext cx="0" cy="0"/>
+          <a:chOff x="0" y="0"/>
+          <a:chExt cx="0" cy="0"/>
+        </a:xfrm>
+      </p:grpSpPr>
+      <p:sp>
+        <p:nvSpPr>
+          <p:cNvPr id="2" name="Folienbildplatzhalter 1"/>
+          <p:cNvSpPr>
+            <a:spLocks noGrp="1" noRot="1" noChangeAspect="1"/>
+          </p:cNvSpPr>
+          <p:nvPr>
+            <p:ph type="sldImg"/>
+          </p:nvPr>
+        </p:nvSpPr>
+        <p:spPr/>
+      </p:sp>
+      <p:sp>
+        <p:nvSpPr>
+          <p:cNvPr id="3" name="Notizenplatzhalter 2"/>
+          <p:cNvSpPr>
+            <a:spLocks noGrp="1"/>
+          </p:cNvSpPr>
+          <p:nvPr>
+            <p:ph type="body" idx="1"/>
+          </p:nvPr>
+        </p:nvSpPr>
+        <p:spPr/>
+        <p:txBody>
+          <a:bodyPr/>
+          <a:lstStyle/>
+          <a:p>
+            <a:pPr marL="0" marR="0" lvl="0" indent="0" algn="l" defTabSz="914400" rtl="0" eaLnBrk="1" fontAlgn="auto" latinLnBrk="0" hangingPunct="1">
+              <a:lnSpc>
+                <a:spcPct val="100000"/>
+              </a:lnSpc>
+              <a:spcBef>
+                <a:spcPts val="0"/>
+              </a:spcBef>
+              <a:spcAft>
+                <a:spcPts val="0"/>
+              </a:spcAft>
+              <a:buClrTx/>
+              <a:buSzTx/>
+              <a:buFontTx/>
+              <a:buNone/>
+              <a:tabLst/>
+              <a:defRPr/>
+            </a:pPr>
+            <a:endParaRPr lang="en-US"/>
+          </a:p>
+        </p:txBody>
+      </p:sp>
+      <p:sp>
+        <p:nvSpPr>
+          <p:cNvPr id="4" name="Foliennummernplatzhalter 3"/>
+          <p:cNvSpPr>
+            <a:spLocks noGrp="1"/>
+          </p:cNvSpPr>
+          <p:nvPr>
+            <p:ph type="sldNum" sz="quarter" idx="10"/>
+          </p:nvPr>
+        </p:nvSpPr>
+        <p:spPr/>
+        <p:txBody>
+          <a:bodyPr/>
+          <a:lstStyle/>
+          <a:p>
+            <a:fld id="{20A41429-B750-4047-B563-2878417A70E7}" type="slidenum">
+              <a:rPr lang="en-US" smtClean="0"/>
+              <a:t>32</a:t>
+            </a:fld>
+            <a:endParaRPr lang="en-US"/>
+          </a:p>
+        </p:txBody>
+      </p:sp>
+    </p:spTree>
+    <p:extLst>
+      <p:ext uri="{BB962C8B-B14F-4D97-AF65-F5344CB8AC3E}">
+        <p14:creationId xmlns:p14="http://schemas.microsoft.com/office/powerpoint/2010/main" val="2238635063"/>
       </p:ext>
     </p:extLst>
   </p:cSld>
@@ -2313,6 +2824,107 @@
     <p:extLst>
       <p:ext uri="{BB962C8B-B14F-4D97-AF65-F5344CB8AC3E}">
         <p14:creationId xmlns:p14="http://schemas.microsoft.com/office/powerpoint/2010/main" val="1364743829"/>
+      </p:ext>
+    </p:extLst>
+  </p:cSld>
+  <p:clrMapOvr>
+    <a:masterClrMapping/>
+  </p:clrMapOvr>
+</p:notes>
+</file>
+
+<file path=ppt/notesSlides/notesSlide30.xml><?xml version="1.0" encoding="utf-8"?>
+<p:notes xmlns:a="http://schemas.openxmlformats.org/drawingml/2006/main" xmlns:r="http://schemas.openxmlformats.org/officeDocument/2006/relationships" xmlns:p="http://schemas.openxmlformats.org/presentationml/2006/main">
+  <p:cSld>
+    <p:spTree>
+      <p:nvGrpSpPr>
+        <p:cNvPr id="1" name=""/>
+        <p:cNvGrpSpPr/>
+        <p:nvPr/>
+      </p:nvGrpSpPr>
+      <p:grpSpPr>
+        <a:xfrm>
+          <a:off x="0" y="0"/>
+          <a:ext cx="0" cy="0"/>
+          <a:chOff x="0" y="0"/>
+          <a:chExt cx="0" cy="0"/>
+        </a:xfrm>
+      </p:grpSpPr>
+      <p:sp>
+        <p:nvSpPr>
+          <p:cNvPr id="2" name="Folienbildplatzhalter 1"/>
+          <p:cNvSpPr>
+            <a:spLocks noGrp="1" noRot="1" noChangeAspect="1"/>
+          </p:cNvSpPr>
+          <p:nvPr>
+            <p:ph type="sldImg"/>
+          </p:nvPr>
+        </p:nvSpPr>
+        <p:spPr/>
+      </p:sp>
+      <p:sp>
+        <p:nvSpPr>
+          <p:cNvPr id="3" name="Notizenplatzhalter 2"/>
+          <p:cNvSpPr>
+            <a:spLocks noGrp="1"/>
+          </p:cNvSpPr>
+          <p:nvPr>
+            <p:ph type="body" idx="1"/>
+          </p:nvPr>
+        </p:nvSpPr>
+        <p:spPr/>
+        <p:txBody>
+          <a:bodyPr/>
+          <a:lstStyle/>
+          <a:p>
+            <a:pPr marL="0" marR="0" lvl="0" indent="0" algn="l" defTabSz="914400" rtl="0" eaLnBrk="1" fontAlgn="auto" latinLnBrk="0" hangingPunct="1">
+              <a:lnSpc>
+                <a:spcPct val="100000"/>
+              </a:lnSpc>
+              <a:spcBef>
+                <a:spcPts val="0"/>
+              </a:spcBef>
+              <a:spcAft>
+                <a:spcPts val="0"/>
+              </a:spcAft>
+              <a:buClrTx/>
+              <a:buSzTx/>
+              <a:buFontTx/>
+              <a:buNone/>
+              <a:tabLst/>
+              <a:defRPr/>
+            </a:pPr>
+            <a:endParaRPr lang="en-US"/>
+          </a:p>
+        </p:txBody>
+      </p:sp>
+      <p:sp>
+        <p:nvSpPr>
+          <p:cNvPr id="4" name="Foliennummernplatzhalter 3"/>
+          <p:cNvSpPr>
+            <a:spLocks noGrp="1"/>
+          </p:cNvSpPr>
+          <p:nvPr>
+            <p:ph type="sldNum" sz="quarter" idx="10"/>
+          </p:nvPr>
+        </p:nvSpPr>
+        <p:spPr/>
+        <p:txBody>
+          <a:bodyPr/>
+          <a:lstStyle/>
+          <a:p>
+            <a:fld id="{20A41429-B750-4047-B563-2878417A70E7}" type="slidenum">
+              <a:rPr lang="en-US" smtClean="0"/>
+              <a:t>33</a:t>
+            </a:fld>
+            <a:endParaRPr lang="en-US"/>
+          </a:p>
+        </p:txBody>
+      </p:sp>
+    </p:spTree>
+    <p:extLst>
+      <p:ext uri="{BB962C8B-B14F-4D97-AF65-F5344CB8AC3E}">
+        <p14:creationId xmlns:p14="http://schemas.microsoft.com/office/powerpoint/2010/main" val="496357337"/>
       </p:ext>
     </p:extLst>
   </p:cSld>
@@ -3067,7 +3679,7 @@
           <a:p>
             <a:fld id="{5A1811BA-6AD9-41A7-B7A2-456C8523519C}" type="datetime1">
               <a:rPr lang="en-US" smtClean="0"/>
-              <a:t>4/1/2021</a:t>
+              <a:t>4/2/2021</a:t>
             </a:fld>
             <a:endParaRPr lang="en-US"/>
           </a:p>
@@ -3237,7 +3849,7 @@
           <a:p>
             <a:fld id="{B0494441-C196-4BB0-93EE-AF22360207AB}" type="datetime1">
               <a:rPr lang="en-US" smtClean="0"/>
-              <a:t>4/1/2021</a:t>
+              <a:t>4/2/2021</a:t>
             </a:fld>
             <a:endParaRPr lang="en-US"/>
           </a:p>
@@ -3417,7 +4029,7 @@
           <a:p>
             <a:fld id="{D7B9282B-C3CE-4F56-8DD1-5349F982F1D2}" type="datetime1">
               <a:rPr lang="en-US" smtClean="0"/>
-              <a:t>4/1/2021</a:t>
+              <a:t>4/2/2021</a:t>
             </a:fld>
             <a:endParaRPr lang="en-US"/>
           </a:p>
@@ -3587,7 +4199,7 @@
           <a:p>
             <a:fld id="{E6E86D6A-786F-4E85-AF3B-385015383ABA}" type="datetime1">
               <a:rPr lang="en-US" smtClean="0"/>
-              <a:t>4/1/2021</a:t>
+              <a:t>4/2/2021</a:t>
             </a:fld>
             <a:endParaRPr lang="en-US"/>
           </a:p>
@@ -3833,7 +4445,7 @@
           <a:p>
             <a:fld id="{051FFEB0-9C80-4A34-A5C7-72D52D52FC7D}" type="datetime1">
               <a:rPr lang="en-US" smtClean="0"/>
-              <a:t>4/1/2021</a:t>
+              <a:t>4/2/2021</a:t>
             </a:fld>
             <a:endParaRPr lang="en-US"/>
           </a:p>
@@ -4065,7 +4677,7 @@
           <a:p>
             <a:fld id="{084267AD-C299-471B-ABA1-D0EA94C7EDCF}" type="datetime1">
               <a:rPr lang="en-US" smtClean="0"/>
-              <a:t>4/1/2021</a:t>
+              <a:t>4/2/2021</a:t>
             </a:fld>
             <a:endParaRPr lang="en-US"/>
           </a:p>
@@ -4432,7 +5044,7 @@
           <a:p>
             <a:fld id="{6468DBC7-10F8-46A1-8CE1-DBB0A6F0EF3E}" type="datetime1">
               <a:rPr lang="en-US" smtClean="0"/>
-              <a:t>4/1/2021</a:t>
+              <a:t>4/2/2021</a:t>
             </a:fld>
             <a:endParaRPr lang="en-US"/>
           </a:p>
@@ -4550,7 +5162,7 @@
           <a:p>
             <a:fld id="{0A97ED80-8DDA-43A7-A78F-B0542D691D0E}" type="datetime1">
               <a:rPr lang="en-US" smtClean="0"/>
-              <a:t>4/1/2021</a:t>
+              <a:t>4/2/2021</a:t>
             </a:fld>
             <a:endParaRPr lang="en-US"/>
           </a:p>
@@ -4645,7 +5257,7 @@
           <a:p>
             <a:fld id="{0AF827E6-45BA-40D2-98F2-BE4FFF095577}" type="datetime1">
               <a:rPr lang="en-US" smtClean="0"/>
-              <a:t>4/1/2021</a:t>
+              <a:t>4/2/2021</a:t>
             </a:fld>
             <a:endParaRPr lang="en-US"/>
           </a:p>
@@ -4922,7 +5534,7 @@
           <a:p>
             <a:fld id="{42BD114C-22EA-4B1A-A45B-ED6465C7BB4E}" type="datetime1">
               <a:rPr lang="en-US" smtClean="0"/>
-              <a:t>4/1/2021</a:t>
+              <a:t>4/2/2021</a:t>
             </a:fld>
             <a:endParaRPr lang="en-US"/>
           </a:p>
@@ -5175,7 +5787,7 @@
           <a:p>
             <a:fld id="{F46F8903-38BE-4FD8-98FC-E4EF771B2D8C}" type="datetime1">
               <a:rPr lang="en-US" smtClean="0"/>
-              <a:t>4/1/2021</a:t>
+              <a:t>4/2/2021</a:t>
             </a:fld>
             <a:endParaRPr lang="en-US"/>
           </a:p>
@@ -5388,7 +6000,7 @@
           <a:p>
             <a:fld id="{A91AC8C7-9CA9-4E83-8CE3-AD3BE4150B39}" type="datetime1">
               <a:rPr lang="en-US" smtClean="0"/>
-              <a:t>4/1/2021</a:t>
+              <a:t>4/2/2021</a:t>
             </a:fld>
             <a:endParaRPr lang="en-US"/>
           </a:p>
@@ -6499,7 +7111,7 @@
                   <a:schemeClr val="tx1"/>
                 </a:solidFill>
               </a:rPr>
-              <a:t>das Wachstum vs der Reichtum</a:t>
+              <a:t>„das Wachstum“ vs „der Reichtum“</a:t>
             </a:r>
             <a:endParaRPr lang="en-US" sz="2400" i="1">
               <a:solidFill>
@@ -6582,7 +7194,7 @@
         </p:blipFill>
         <p:spPr>
           <a:xfrm>
-            <a:off x="8095067" y="5343525"/>
+            <a:off x="8364652" y="5380334"/>
             <a:ext cx="720496" cy="664072"/>
           </a:xfrm>
           <a:prstGeom prst="rect">
@@ -7686,7 +8298,7 @@
                   <a:schemeClr val="tx1"/>
                 </a:solidFill>
               </a:rPr>
-              <a:t>Scraping is legal so long as it does not involve breaking security barriers explicitly in place to guard against such automatic data extraction.</a:t>
+              <a:t>scraping is legal so long as it does not involve breaking security barriers explicitly in place to guard against such automatic data extraction</a:t>
             </a:r>
             <a:endParaRPr lang="en-US" sz="2400" i="1">
               <a:solidFill>
@@ -7842,7 +8454,7 @@
           <a:p>
             <a:r>
               <a:rPr lang="en-US"/>
-              <a:t>Required information – on MP level</a:t>
+              <a:t>Required information (on MP level)</a:t>
             </a:r>
           </a:p>
           <a:p>
@@ -8997,15 +9609,11 @@
             <a:avLst/>
           </a:prstGeom>
           <a:solidFill>
-            <a:schemeClr val="bg1">
-              <a:lumMod val="95000"/>
-            </a:schemeClr>
+            <a:schemeClr val="bg2"/>
           </a:solidFill>
           <a:ln w="19050">
             <a:solidFill>
-              <a:schemeClr val="bg1">
-                <a:lumMod val="95000"/>
-              </a:schemeClr>
+              <a:schemeClr val="bg2"/>
             </a:solidFill>
           </a:ln>
         </p:spPr>
@@ -9258,6 +9866,82 @@
           </a:p>
         </p:txBody>
       </p:sp>
+      <p:sp>
+        <p:nvSpPr>
+          <p:cNvPr id="6" name="TextBox 5">
+            <a:extLst>
+              <a:ext uri="{FF2B5EF4-FFF2-40B4-BE49-F238E27FC236}">
+                <a16:creationId xmlns:a16="http://schemas.microsoft.com/office/drawing/2014/main" id="{C13B922D-A11B-42AA-B46E-6363CFD8A581}"/>
+              </a:ext>
+            </a:extLst>
+          </p:cNvPr>
+          <p:cNvSpPr txBox="1"/>
+          <p:nvPr/>
+        </p:nvSpPr>
+        <p:spPr>
+          <a:xfrm>
+            <a:off x="7115175" y="5822345"/>
+            <a:ext cx="4238625" cy="523220"/>
+          </a:xfrm>
+          <a:prstGeom prst="rect">
+            <a:avLst/>
+          </a:prstGeom>
+          <a:noFill/>
+        </p:spPr>
+        <p:txBody>
+          <a:bodyPr wrap="square" rtlCol="0">
+            <a:spAutoFit/>
+          </a:bodyPr>
+          <a:lstStyle/>
+          <a:p>
+            <a:pPr algn="r"/>
+            <a:r>
+              <a:rPr lang="de-DE" sz="2800" b="1"/>
+              <a:t>German language</a:t>
+            </a:r>
+            <a:endParaRPr lang="en-US" sz="2800" b="1"/>
+          </a:p>
+        </p:txBody>
+      </p:sp>
+      <p:pic>
+        <p:nvPicPr>
+          <p:cNvPr id="7" name="Graphic 6" descr="Add with solid fill">
+            <a:extLst>
+              <a:ext uri="{FF2B5EF4-FFF2-40B4-BE49-F238E27FC236}">
+                <a16:creationId xmlns:a16="http://schemas.microsoft.com/office/drawing/2014/main" id="{682A8504-4FE1-4DC4-9E7D-37F7B812015C}"/>
+              </a:ext>
+            </a:extLst>
+          </p:cNvPr>
+          <p:cNvPicPr>
+            <a:picLocks noChangeAspect="1"/>
+          </p:cNvPicPr>
+          <p:nvPr/>
+        </p:nvPicPr>
+        <p:blipFill>
+          <a:blip r:embed="rId3">
+            <a:extLst>
+              <a:ext uri="{28A0092B-C50C-407E-A947-70E740481C1C}">
+                <a14:useLocalDpi xmlns:a14="http://schemas.microsoft.com/office/drawing/2010/main" val="0"/>
+              </a:ext>
+              <a:ext uri="{96DAC541-7B7A-43D3-8B79-37D633B846F1}">
+                <asvg:svgBlip xmlns:asvg="http://schemas.microsoft.com/office/drawing/2016/SVG/main" r:embed="rId4"/>
+              </a:ext>
+            </a:extLst>
+          </a:blip>
+          <a:stretch>
+            <a:fillRect/>
+          </a:stretch>
+        </p:blipFill>
+        <p:spPr>
+          <a:xfrm>
+            <a:off x="7561932" y="5740400"/>
+            <a:ext cx="752475" cy="752475"/>
+          </a:xfrm>
+          <a:prstGeom prst="rect">
+            <a:avLst/>
+          </a:prstGeom>
+        </p:spPr>
+      </p:pic>
     </p:spTree>
     <p:extLst>
       <p:ext uri="{BB962C8B-B14F-4D97-AF65-F5344CB8AC3E}">
@@ -9468,11 +10152,11 @@
           <a:p>
             <a:r>
               <a:rPr lang="en-US"/>
-              <a:t>Task at hand  </a:t>
+              <a:t>Task  </a:t>
             </a:r>
             <a:r>
               <a:rPr lang="en-US" b="1"/>
-              <a:t>Analytical objective</a:t>
+              <a:t>Analytical Objective</a:t>
             </a:r>
           </a:p>
         </p:txBody>
@@ -10079,11 +10763,11 @@
           <a:p>
             <a:r>
               <a:rPr lang="en-US"/>
-              <a:t>Task at hand  </a:t>
+              <a:t>Task  </a:t>
             </a:r>
             <a:r>
               <a:rPr lang="en-US" b="1"/>
-              <a:t>Topic extraction</a:t>
+              <a:t>Topic Extraction</a:t>
             </a:r>
           </a:p>
         </p:txBody>
@@ -10113,10 +10797,106 @@
       </p:sp>
       <p:sp>
         <p:nvSpPr>
-          <p:cNvPr id="15" name="Rectangle 14">
+          <p:cNvPr id="5" name="Content Placeholder 2">
             <a:extLst>
               <a:ext uri="{FF2B5EF4-FFF2-40B4-BE49-F238E27FC236}">
-                <a16:creationId xmlns:a16="http://schemas.microsoft.com/office/drawing/2014/main" id="{32CD753A-053D-4637-8763-2AB05284605C}"/>
+                <a16:creationId xmlns:a16="http://schemas.microsoft.com/office/drawing/2014/main" id="{CD7B8399-47C7-4F9F-B52A-AC4F05C9D6CC}"/>
+              </a:ext>
+            </a:extLst>
+          </p:cNvPr>
+          <p:cNvSpPr>
+            <a:spLocks noGrp="1"/>
+          </p:cNvSpPr>
+          <p:nvPr>
+            <p:ph idx="1"/>
+          </p:nvPr>
+        </p:nvSpPr>
+        <p:spPr>
+          <a:xfrm>
+            <a:off x="838200" y="1825625"/>
+            <a:ext cx="10515600" cy="4667250"/>
+          </a:xfrm>
+        </p:spPr>
+        <p:txBody>
+          <a:bodyPr/>
+          <a:lstStyle/>
+          <a:p>
+            <a:r>
+              <a:rPr lang="en-US" b="1"/>
+              <a:t>Topic extraction </a:t>
+            </a:r>
+            <a:r>
+              <a:rPr lang="en-US"/>
+              <a:t>aka </a:t>
+            </a:r>
+            <a:r>
+              <a:rPr lang="en-US" b="1"/>
+              <a:t>topic modeling</a:t>
+            </a:r>
+            <a:r>
+              <a:rPr lang="en-US"/>
+              <a:t>: finding latent thematic clusters within a collection of texts</a:t>
+            </a:r>
+          </a:p>
+          <a:p>
+            <a:r>
+              <a:rPr lang="en-US" b="1"/>
+              <a:t>Goal</a:t>
+            </a:r>
+            <a:r>
+              <a:rPr lang="en-US"/>
+              <a:t>: assign each document a topic probability vector / topic label</a:t>
+            </a:r>
+          </a:p>
+          <a:p>
+            <a:r>
+              <a:rPr lang="en-US"/>
+              <a:t>Used for</a:t>
+            </a:r>
+          </a:p>
+          <a:p>
+            <a:pPr lvl="1"/>
+            <a:r>
+              <a:rPr lang="en-US"/>
+              <a:t>Information retrieval</a:t>
+            </a:r>
+          </a:p>
+          <a:p>
+            <a:pPr lvl="1"/>
+            <a:r>
+              <a:rPr lang="en-US"/>
+              <a:t>Clustering</a:t>
+            </a:r>
+          </a:p>
+          <a:p>
+            <a:pPr lvl="1"/>
+            <a:r>
+              <a:rPr lang="en-US"/>
+              <a:t>Supporting upstream tasks</a:t>
+            </a:r>
+            <a:br>
+              <a:rPr lang="en-US"/>
+            </a:br>
+            <a:endParaRPr lang="en-US"/>
+          </a:p>
+          <a:p>
+            <a:r>
+              <a:rPr lang="en-US" b="1"/>
+              <a:t>Unsupervised task</a:t>
+            </a:r>
+            <a:r>
+              <a:rPr lang="en-US"/>
+              <a:t>: both topics and their number unknown</a:t>
+            </a:r>
+          </a:p>
+        </p:txBody>
+      </p:sp>
+      <p:sp>
+        <p:nvSpPr>
+          <p:cNvPr id="12" name="Speech Bubble: Rectangle 11">
+            <a:extLst>
+              <a:ext uri="{FF2B5EF4-FFF2-40B4-BE49-F238E27FC236}">
+                <a16:creationId xmlns:a16="http://schemas.microsoft.com/office/drawing/2014/main" id="{CA67B9D6-96B6-4D4E-9A4F-277E9D72D84C}"/>
               </a:ext>
             </a:extLst>
           </p:cNvPr>
@@ -10125,19 +10905,18 @@
         </p:nvSpPr>
         <p:spPr>
           <a:xfrm>
-            <a:off x="940904" y="2514600"/>
-            <a:ext cx="7364896" cy="914400"/>
+            <a:off x="6096000" y="4128268"/>
+            <a:ext cx="4244130" cy="444501"/>
           </a:xfrm>
-          <a:prstGeom prst="rect">
-            <a:avLst/>
+          <a:prstGeom prst="wedgeRectCallout">
+            <a:avLst>
+              <a:gd name="adj1" fmla="val -60500"/>
+              <a:gd name="adj2" fmla="val -7955"/>
+            </a:avLst>
           </a:prstGeom>
-          <a:solidFill>
-            <a:schemeClr val="accent2"/>
-          </a:solidFill>
+          <a:noFill/>
           <a:ln>
-            <a:solidFill>
-              <a:schemeClr val="accent2"/>
-            </a:solidFill>
+            <a:noFill/>
           </a:ln>
         </p:spPr>
         <p:style>
@@ -10160,12 +10939,161 @@
           <a:bodyPr rtlCol="0" anchor="ctr"/>
           <a:lstStyle/>
           <a:p>
-            <a:pPr algn="ctr"/>
-            <a:r>
-              <a:rPr lang="de-DE"/>
-              <a:t>ergänzen</a:t>
-            </a:r>
-            <a:endParaRPr lang="en-US"/>
+            <a:r>
+              <a:rPr lang="de-DE" sz="2400" i="1">
+                <a:solidFill>
+                  <a:schemeClr val="tx1"/>
+                </a:solidFill>
+              </a:rPr>
+              <a:t>for instance, sentiment analysis</a:t>
+            </a:r>
+            <a:endParaRPr lang="en-US" sz="2400" i="1">
+              <a:solidFill>
+                <a:schemeClr val="tx1"/>
+              </a:solidFill>
+            </a:endParaRPr>
+          </a:p>
+        </p:txBody>
+      </p:sp>
+      <p:pic>
+        <p:nvPicPr>
+          <p:cNvPr id="13" name="Graphic 12" descr="Back with solid fill">
+            <a:extLst>
+              <a:ext uri="{FF2B5EF4-FFF2-40B4-BE49-F238E27FC236}">
+                <a16:creationId xmlns:a16="http://schemas.microsoft.com/office/drawing/2014/main" id="{472674F1-0983-4573-A1E7-74174F45DFF0}"/>
+              </a:ext>
+            </a:extLst>
+          </p:cNvPr>
+          <p:cNvPicPr>
+            <a:picLocks noChangeAspect="1"/>
+          </p:cNvPicPr>
+          <p:nvPr/>
+        </p:nvPicPr>
+        <p:blipFill>
+          <a:blip r:embed="rId3">
+            <a:extLst>
+              <a:ext uri="{28A0092B-C50C-407E-A947-70E740481C1C}">
+                <a14:useLocalDpi xmlns:a14="http://schemas.microsoft.com/office/drawing/2010/main" val="0"/>
+              </a:ext>
+              <a:ext uri="{96DAC541-7B7A-43D3-8B79-37D633B846F1}">
+                <asvg:svgBlip xmlns:asvg="http://schemas.microsoft.com/office/drawing/2016/SVG/main" r:embed="rId4"/>
+              </a:ext>
+            </a:extLst>
+          </a:blip>
+          <a:stretch>
+            <a:fillRect/>
+          </a:stretch>
+        </p:blipFill>
+        <p:spPr>
+          <a:xfrm flipH="1">
+            <a:off x="5195845" y="4077492"/>
+            <a:ext cx="757451" cy="771414"/>
+          </a:xfrm>
+          <a:prstGeom prst="rect">
+            <a:avLst/>
+          </a:prstGeom>
+        </p:spPr>
+      </p:pic>
+      <p:pic>
+        <p:nvPicPr>
+          <p:cNvPr id="14" name="Graphic 13" descr="Hourglass Full with solid fill">
+            <a:extLst>
+              <a:ext uri="{FF2B5EF4-FFF2-40B4-BE49-F238E27FC236}">
+                <a16:creationId xmlns:a16="http://schemas.microsoft.com/office/drawing/2014/main" id="{319B0C7B-FB76-4DE3-BF7D-BD4F4FEEE2AE}"/>
+              </a:ext>
+            </a:extLst>
+          </p:cNvPr>
+          <p:cNvPicPr>
+            <a:picLocks noChangeAspect="1"/>
+          </p:cNvPicPr>
+          <p:nvPr/>
+        </p:nvPicPr>
+        <p:blipFill>
+          <a:blip r:embed="rId5">
+            <a:extLst>
+              <a:ext uri="{28A0092B-C50C-407E-A947-70E740481C1C}">
+                <a14:useLocalDpi xmlns:a14="http://schemas.microsoft.com/office/drawing/2010/main" val="0"/>
+              </a:ext>
+              <a:ext uri="{96DAC541-7B7A-43D3-8B79-37D633B846F1}">
+                <asvg:svgBlip xmlns:asvg="http://schemas.microsoft.com/office/drawing/2016/SVG/main" r:embed="rId6"/>
+              </a:ext>
+            </a:extLst>
+          </a:blip>
+          <a:stretch>
+            <a:fillRect/>
+          </a:stretch>
+        </p:blipFill>
+        <p:spPr>
+          <a:xfrm>
+            <a:off x="8014472" y="729842"/>
+            <a:ext cx="596128" cy="596128"/>
+          </a:xfrm>
+          <a:prstGeom prst="rect">
+            <a:avLst/>
+          </a:prstGeom>
+        </p:spPr>
+      </p:pic>
+      <p:sp>
+        <p:nvSpPr>
+          <p:cNvPr id="16" name="Speech Bubble: Rectangle 15">
+            <a:extLst>
+              <a:ext uri="{FF2B5EF4-FFF2-40B4-BE49-F238E27FC236}">
+                <a16:creationId xmlns:a16="http://schemas.microsoft.com/office/drawing/2014/main" id="{C1DDA5F8-8B4C-4E41-B68F-4F8C2038DBBB}"/>
+              </a:ext>
+            </a:extLst>
+          </p:cNvPr>
+          <p:cNvSpPr/>
+          <p:nvPr/>
+        </p:nvSpPr>
+        <p:spPr>
+          <a:xfrm>
+            <a:off x="8610600" y="805655"/>
+            <a:ext cx="2743200" cy="444501"/>
+          </a:xfrm>
+          <a:prstGeom prst="wedgeRectCallout">
+            <a:avLst>
+              <a:gd name="adj1" fmla="val -60500"/>
+              <a:gd name="adj2" fmla="val -7955"/>
+            </a:avLst>
+          </a:prstGeom>
+          <a:noFill/>
+          <a:ln>
+            <a:noFill/>
+          </a:ln>
+        </p:spPr>
+        <p:style>
+          <a:lnRef idx="2">
+            <a:schemeClr val="accent1">
+              <a:shade val="50000"/>
+            </a:schemeClr>
+          </a:lnRef>
+          <a:fillRef idx="1">
+            <a:schemeClr val="accent1"/>
+          </a:fillRef>
+          <a:effectRef idx="0">
+            <a:schemeClr val="accent1"/>
+          </a:effectRef>
+          <a:fontRef idx="minor">
+            <a:schemeClr val="lt1"/>
+          </a:fontRef>
+        </p:style>
+        <p:txBody>
+          <a:bodyPr rtlCol="0" anchor="ctr"/>
+          <a:lstStyle/>
+          <a:p>
+            <a:r>
+              <a:rPr lang="de-DE" sz="2400" i="1">
+                <a:solidFill>
+                  <a:schemeClr val="tx1"/>
+                </a:solidFill>
+              </a:rPr>
+              <a:t>... more on this later</a:t>
+            </a:r>
+            <a:endParaRPr lang="en-US" sz="2400" i="1">
+              <a:solidFill>
+                <a:schemeClr val="tx1"/>
+              </a:solidFill>
+            </a:endParaRPr>
           </a:p>
         </p:txBody>
       </p:sp>
@@ -10216,11 +11144,11 @@
           <a:p>
             <a:r>
               <a:rPr lang="en-US"/>
-              <a:t>Task at hand  </a:t>
+              <a:t>Task  </a:t>
             </a:r>
             <a:r>
               <a:rPr lang="en-US" b="1"/>
-              <a:t>Sentiment analysis</a:t>
+              <a:t>Sentiment Analysis</a:t>
             </a:r>
           </a:p>
         </p:txBody>
@@ -10250,10 +11178,113 @@
       </p:sp>
       <p:sp>
         <p:nvSpPr>
-          <p:cNvPr id="5" name="Rectangle 4">
+          <p:cNvPr id="6" name="Content Placeholder 2">
             <a:extLst>
               <a:ext uri="{FF2B5EF4-FFF2-40B4-BE49-F238E27FC236}">
-                <a16:creationId xmlns:a16="http://schemas.microsoft.com/office/drawing/2014/main" id="{4B34ED92-0EE3-4C29-A789-9446E92CDA20}"/>
+                <a16:creationId xmlns:a16="http://schemas.microsoft.com/office/drawing/2014/main" id="{A94D1516-4027-41AE-83CC-D641B09A50F9}"/>
+              </a:ext>
+            </a:extLst>
+          </p:cNvPr>
+          <p:cNvSpPr>
+            <a:spLocks noGrp="1"/>
+          </p:cNvSpPr>
+          <p:nvPr>
+            <p:ph idx="1"/>
+          </p:nvPr>
+        </p:nvSpPr>
+        <p:spPr>
+          <a:xfrm>
+            <a:off x="838200" y="1825625"/>
+            <a:ext cx="10515600" cy="4667250"/>
+          </a:xfrm>
+        </p:spPr>
+        <p:txBody>
+          <a:bodyPr>
+            <a:normAutofit/>
+          </a:bodyPr>
+          <a:lstStyle/>
+          <a:p>
+            <a:r>
+              <a:rPr lang="en-US" b="1"/>
+              <a:t>Sentiment analysis</a:t>
+            </a:r>
+            <a:r>
+              <a:rPr lang="en-US"/>
+              <a:t>: identifying and analyzing affective states</a:t>
+            </a:r>
+          </a:p>
+          <a:p>
+            <a:r>
+              <a:rPr lang="en-US"/>
+              <a:t>Relevant subtask: </a:t>
+            </a:r>
+            <a:r>
+              <a:rPr lang="en-US" b="1"/>
+              <a:t>polarity detection</a:t>
+            </a:r>
+          </a:p>
+          <a:p>
+            <a:r>
+              <a:rPr lang="en-US" b="1"/>
+              <a:t>Goal</a:t>
+            </a:r>
+            <a:r>
+              <a:rPr lang="en-US"/>
+              <a:t>: assign each document a polarity label </a:t>
+            </a:r>
+            <a:r>
+              <a:rPr lang="de-DE" sz="2800" b="1">
+                <a:sym typeface="Symbol" panose="05050102010706020507" pitchFamily="18" charset="2"/>
+              </a:rPr>
+              <a:t></a:t>
+            </a:r>
+            <a:r>
+              <a:rPr lang="en-US"/>
+              <a:t> {positive, negative} </a:t>
+            </a:r>
+          </a:p>
+          <a:p>
+            <a:r>
+              <a:rPr lang="en-US"/>
+              <a:t>Used for</a:t>
+            </a:r>
+          </a:p>
+          <a:p>
+            <a:pPr lvl="1"/>
+            <a:r>
+              <a:rPr lang="en-US"/>
+              <a:t>Customer relationship management</a:t>
+            </a:r>
+          </a:p>
+          <a:p>
+            <a:pPr lvl="1"/>
+            <a:r>
+              <a:rPr lang="en-US"/>
+              <a:t>Social media analysis</a:t>
+            </a:r>
+            <a:br>
+              <a:rPr lang="en-US"/>
+            </a:br>
+            <a:endParaRPr lang="en-US"/>
+          </a:p>
+          <a:p>
+            <a:r>
+              <a:rPr lang="en-US" b="1"/>
+              <a:t>Supervised task</a:t>
+            </a:r>
+            <a:r>
+              <a:rPr lang="en-US"/>
+              <a:t>: requiring labeled training data (typically)</a:t>
+            </a:r>
+          </a:p>
+        </p:txBody>
+      </p:sp>
+      <p:sp>
+        <p:nvSpPr>
+          <p:cNvPr id="9" name="Speech Bubble: Rectangle 8">
+            <a:extLst>
+              <a:ext uri="{FF2B5EF4-FFF2-40B4-BE49-F238E27FC236}">
+                <a16:creationId xmlns:a16="http://schemas.microsoft.com/office/drawing/2014/main" id="{800A5755-83F5-47F4-9FAA-32E7ABD15784}"/>
               </a:ext>
             </a:extLst>
           </p:cNvPr>
@@ -10262,19 +11293,18 @@
         </p:nvSpPr>
         <p:spPr>
           <a:xfrm>
-            <a:off x="940904" y="2514600"/>
-            <a:ext cx="7364896" cy="914400"/>
+            <a:off x="5905851" y="5972559"/>
+            <a:ext cx="5447950" cy="444501"/>
           </a:xfrm>
-          <a:prstGeom prst="rect">
-            <a:avLst/>
+          <a:prstGeom prst="wedgeRectCallout">
+            <a:avLst>
+              <a:gd name="adj1" fmla="val -60500"/>
+              <a:gd name="adj2" fmla="val -7955"/>
+            </a:avLst>
           </a:prstGeom>
-          <a:solidFill>
-            <a:schemeClr val="accent2"/>
-          </a:solidFill>
+          <a:noFill/>
           <a:ln>
-            <a:solidFill>
-              <a:schemeClr val="accent2"/>
-            </a:solidFill>
+            <a:noFill/>
           </a:ln>
         </p:spPr>
         <p:style>
@@ -10297,12 +11327,161 @@
           <a:bodyPr rtlCol="0" anchor="ctr"/>
           <a:lstStyle/>
           <a:p>
-            <a:pPr algn="ctr"/>
-            <a:r>
-              <a:rPr lang="de-DE"/>
-              <a:t>ergänzen</a:t>
-            </a:r>
-            <a:endParaRPr lang="en-US"/>
+            <a:r>
+              <a:rPr lang="de-DE" sz="2400" i="1">
+                <a:solidFill>
+                  <a:schemeClr val="tx1"/>
+                </a:solidFill>
+              </a:rPr>
+              <a:t>alternative, rule-based approaches exist</a:t>
+            </a:r>
+            <a:endParaRPr lang="en-US" sz="2400" i="1">
+              <a:solidFill>
+                <a:schemeClr val="tx1"/>
+              </a:solidFill>
+            </a:endParaRPr>
+          </a:p>
+        </p:txBody>
+      </p:sp>
+      <p:pic>
+        <p:nvPicPr>
+          <p:cNvPr id="10" name="Graphic 9" descr="Back with solid fill">
+            <a:extLst>
+              <a:ext uri="{FF2B5EF4-FFF2-40B4-BE49-F238E27FC236}">
+                <a16:creationId xmlns:a16="http://schemas.microsoft.com/office/drawing/2014/main" id="{CCF768D6-D7A7-43E1-9D2D-A44A19663213}"/>
+              </a:ext>
+            </a:extLst>
+          </p:cNvPr>
+          <p:cNvPicPr>
+            <a:picLocks noChangeAspect="1"/>
+          </p:cNvPicPr>
+          <p:nvPr/>
+        </p:nvPicPr>
+        <p:blipFill>
+          <a:blip r:embed="rId3">
+            <a:extLst>
+              <a:ext uri="{28A0092B-C50C-407E-A947-70E740481C1C}">
+                <a14:useLocalDpi xmlns:a14="http://schemas.microsoft.com/office/drawing/2010/main" val="0"/>
+              </a:ext>
+              <a:ext uri="{96DAC541-7B7A-43D3-8B79-37D633B846F1}">
+                <asvg:svgBlip xmlns:asvg="http://schemas.microsoft.com/office/drawing/2016/SVG/main" r:embed="rId4"/>
+              </a:ext>
+            </a:extLst>
+          </a:blip>
+          <a:stretch>
+            <a:fillRect/>
+          </a:stretch>
+        </p:blipFill>
+        <p:spPr>
+          <a:xfrm rot="5400000" flipH="1">
+            <a:off x="9586234" y="5161462"/>
+            <a:ext cx="791931" cy="763417"/>
+          </a:xfrm>
+          <a:prstGeom prst="rect">
+            <a:avLst/>
+          </a:prstGeom>
+        </p:spPr>
+      </p:pic>
+      <p:pic>
+        <p:nvPicPr>
+          <p:cNvPr id="11" name="Graphic 10" descr="Hourglass Full with solid fill">
+            <a:extLst>
+              <a:ext uri="{FF2B5EF4-FFF2-40B4-BE49-F238E27FC236}">
+                <a16:creationId xmlns:a16="http://schemas.microsoft.com/office/drawing/2014/main" id="{87A91CD3-6211-4D2F-A405-227BEBFFEB7F}"/>
+              </a:ext>
+            </a:extLst>
+          </p:cNvPr>
+          <p:cNvPicPr>
+            <a:picLocks noChangeAspect="1"/>
+          </p:cNvPicPr>
+          <p:nvPr/>
+        </p:nvPicPr>
+        <p:blipFill>
+          <a:blip r:embed="rId5">
+            <a:extLst>
+              <a:ext uri="{28A0092B-C50C-407E-A947-70E740481C1C}">
+                <a14:useLocalDpi xmlns:a14="http://schemas.microsoft.com/office/drawing/2010/main" val="0"/>
+              </a:ext>
+              <a:ext uri="{96DAC541-7B7A-43D3-8B79-37D633B846F1}">
+                <asvg:svgBlip xmlns:asvg="http://schemas.microsoft.com/office/drawing/2016/SVG/main" r:embed="rId6"/>
+              </a:ext>
+            </a:extLst>
+          </a:blip>
+          <a:stretch>
+            <a:fillRect/>
+          </a:stretch>
+        </p:blipFill>
+        <p:spPr>
+          <a:xfrm>
+            <a:off x="8014472" y="729842"/>
+            <a:ext cx="596128" cy="596128"/>
+          </a:xfrm>
+          <a:prstGeom prst="rect">
+            <a:avLst/>
+          </a:prstGeom>
+        </p:spPr>
+      </p:pic>
+      <p:sp>
+        <p:nvSpPr>
+          <p:cNvPr id="12" name="Speech Bubble: Rectangle 11">
+            <a:extLst>
+              <a:ext uri="{FF2B5EF4-FFF2-40B4-BE49-F238E27FC236}">
+                <a16:creationId xmlns:a16="http://schemas.microsoft.com/office/drawing/2014/main" id="{8E190457-ADAF-4912-A874-76014FE2470D}"/>
+              </a:ext>
+            </a:extLst>
+          </p:cNvPr>
+          <p:cNvSpPr/>
+          <p:nvPr/>
+        </p:nvSpPr>
+        <p:spPr>
+          <a:xfrm>
+            <a:off x="8610600" y="805655"/>
+            <a:ext cx="2743200" cy="444501"/>
+          </a:xfrm>
+          <a:prstGeom prst="wedgeRectCallout">
+            <a:avLst>
+              <a:gd name="adj1" fmla="val -60500"/>
+              <a:gd name="adj2" fmla="val -7955"/>
+            </a:avLst>
+          </a:prstGeom>
+          <a:noFill/>
+          <a:ln>
+            <a:noFill/>
+          </a:ln>
+        </p:spPr>
+        <p:style>
+          <a:lnRef idx="2">
+            <a:schemeClr val="accent1">
+              <a:shade val="50000"/>
+            </a:schemeClr>
+          </a:lnRef>
+          <a:fillRef idx="1">
+            <a:schemeClr val="accent1"/>
+          </a:fillRef>
+          <a:effectRef idx="0">
+            <a:schemeClr val="accent1"/>
+          </a:effectRef>
+          <a:fontRef idx="minor">
+            <a:schemeClr val="lt1"/>
+          </a:fontRef>
+        </p:style>
+        <p:txBody>
+          <a:bodyPr rtlCol="0" anchor="ctr"/>
+          <a:lstStyle/>
+          <a:p>
+            <a:r>
+              <a:rPr lang="de-DE" sz="2400" i="1">
+                <a:solidFill>
+                  <a:schemeClr val="tx1"/>
+                </a:solidFill>
+              </a:rPr>
+              <a:t>... more on this later</a:t>
+            </a:r>
+            <a:endParaRPr lang="en-US" sz="2400" i="1">
+              <a:solidFill>
+                <a:schemeClr val="tx1"/>
+              </a:solidFill>
+            </a:endParaRPr>
           </a:p>
         </p:txBody>
       </p:sp>
@@ -10320,6 +11499,389 @@
 </file>
 
 <file path=ppt/slides/slide23.xml><?xml version="1.0" encoding="utf-8"?>
+<p:sld xmlns:a="http://schemas.openxmlformats.org/drawingml/2006/main" xmlns:r="http://schemas.openxmlformats.org/officeDocument/2006/relationships" xmlns:p="http://schemas.openxmlformats.org/presentationml/2006/main">
+  <p:cSld>
+    <p:spTree>
+      <p:nvGrpSpPr>
+        <p:cNvPr id="1" name=""/>
+        <p:cNvGrpSpPr/>
+        <p:nvPr/>
+      </p:nvGrpSpPr>
+      <p:grpSpPr>
+        <a:xfrm>
+          <a:off x="0" y="0"/>
+          <a:ext cx="0" cy="0"/>
+          <a:chOff x="0" y="0"/>
+          <a:chExt cx="0" cy="0"/>
+        </a:xfrm>
+      </p:grpSpPr>
+      <p:sp>
+        <p:nvSpPr>
+          <p:cNvPr id="2" name="Titel 1"/>
+          <p:cNvSpPr>
+            <a:spLocks noGrp="1"/>
+          </p:cNvSpPr>
+          <p:nvPr>
+            <p:ph type="title"/>
+          </p:nvPr>
+        </p:nvSpPr>
+        <p:spPr/>
+        <p:txBody>
+          <a:bodyPr/>
+          <a:lstStyle/>
+          <a:p>
+            <a:r>
+              <a:rPr lang="en-US"/>
+              <a:t>Task  </a:t>
+            </a:r>
+            <a:r>
+              <a:rPr lang="en-US" b="1"/>
+              <a:t>Topic-Specific Sentiment Analysis</a:t>
+            </a:r>
+          </a:p>
+        </p:txBody>
+      </p:sp>
+      <p:sp>
+        <p:nvSpPr>
+          <p:cNvPr id="4" name="Foliennummernplatzhalter 3"/>
+          <p:cNvSpPr>
+            <a:spLocks noGrp="1"/>
+          </p:cNvSpPr>
+          <p:nvPr>
+            <p:ph type="sldNum" sz="quarter" idx="12"/>
+          </p:nvPr>
+        </p:nvSpPr>
+        <p:spPr/>
+        <p:txBody>
+          <a:bodyPr/>
+          <a:lstStyle/>
+          <a:p>
+            <a:fld id="{C9E0B00B-E6DF-4183-A694-3DE28BEFB357}" type="slidenum">
+              <a:rPr lang="en-US" smtClean="0"/>
+              <a:t>23</a:t>
+            </a:fld>
+            <a:endParaRPr lang="en-US"/>
+          </a:p>
+        </p:txBody>
+      </p:sp>
+      <p:sp>
+        <p:nvSpPr>
+          <p:cNvPr id="6" name="Content Placeholder 2">
+            <a:extLst>
+              <a:ext uri="{FF2B5EF4-FFF2-40B4-BE49-F238E27FC236}">
+                <a16:creationId xmlns:a16="http://schemas.microsoft.com/office/drawing/2014/main" id="{A94D1516-4027-41AE-83CC-D641B09A50F9}"/>
+              </a:ext>
+            </a:extLst>
+          </p:cNvPr>
+          <p:cNvSpPr>
+            <a:spLocks noGrp="1"/>
+          </p:cNvSpPr>
+          <p:nvPr>
+            <p:ph idx="1"/>
+          </p:nvPr>
+        </p:nvSpPr>
+        <p:spPr>
+          <a:xfrm>
+            <a:off x="838200" y="1825625"/>
+            <a:ext cx="10515600" cy="4667250"/>
+          </a:xfrm>
+        </p:spPr>
+        <p:txBody>
+          <a:bodyPr>
+            <a:normAutofit/>
+          </a:bodyPr>
+          <a:lstStyle/>
+          <a:p>
+            <a:r>
+              <a:rPr lang="de-DE" b="1"/>
+              <a:t>I</a:t>
+            </a:r>
+            <a:r>
+              <a:rPr lang="en-US" b="1"/>
+              <a:t>dea: </a:t>
+            </a:r>
+            <a:r>
+              <a:rPr lang="en-US"/>
+              <a:t>domain / topic dependence of sentiment predictors</a:t>
+            </a:r>
+            <a:br>
+              <a:rPr lang="en-US"/>
+            </a:br>
+            <a:br>
+              <a:rPr lang="en-US"/>
+            </a:br>
+            <a:br>
+              <a:rPr lang="en-US"/>
+            </a:br>
+            <a:br>
+              <a:rPr lang="en-US"/>
+            </a:br>
+            <a:br>
+              <a:rPr lang="en-US" b="1"/>
+            </a:br>
+            <a:r>
+              <a:rPr lang="en-US">
+                <a:sym typeface="Symbol" panose="05050102010706020507" pitchFamily="18" charset="2"/>
+              </a:rPr>
+              <a:t> C</a:t>
+            </a:r>
+            <a:r>
+              <a:rPr lang="en-US"/>
+              <a:t>ombine topic extraction and sentiment analysis</a:t>
+            </a:r>
+          </a:p>
+          <a:p>
+            <a:r>
+              <a:rPr lang="en-US"/>
+              <a:t>Implementation</a:t>
+            </a:r>
+          </a:p>
+          <a:p>
+            <a:pPr lvl="1"/>
+            <a:r>
+              <a:rPr lang="en-US" b="1"/>
+              <a:t>R</a:t>
+            </a:r>
+            <a:r>
+              <a:rPr lang="en-US"/>
+              <a:t>: word embeddings per topic</a:t>
+            </a:r>
+          </a:p>
+          <a:p>
+            <a:pPr lvl="1"/>
+            <a:r>
+              <a:rPr lang="en-US" b="1"/>
+              <a:t>BERT</a:t>
+            </a:r>
+            <a:r>
+              <a:rPr lang="en-US"/>
+              <a:t>: aspect-based sentiment analysis</a:t>
+            </a:r>
+          </a:p>
+        </p:txBody>
+      </p:sp>
+      <p:sp>
+        <p:nvSpPr>
+          <p:cNvPr id="11" name="Speech Bubble: Rectangle 10">
+            <a:extLst>
+              <a:ext uri="{FF2B5EF4-FFF2-40B4-BE49-F238E27FC236}">
+                <a16:creationId xmlns:a16="http://schemas.microsoft.com/office/drawing/2014/main" id="{B074BBC4-7B78-41C7-838B-AB15D7265EA9}"/>
+              </a:ext>
+            </a:extLst>
+          </p:cNvPr>
+          <p:cNvSpPr/>
+          <p:nvPr/>
+        </p:nvSpPr>
+        <p:spPr>
+          <a:xfrm>
+            <a:off x="5939406" y="2793601"/>
+            <a:ext cx="5414395" cy="444501"/>
+          </a:xfrm>
+          <a:prstGeom prst="wedgeRectCallout">
+            <a:avLst>
+              <a:gd name="adj1" fmla="val -60500"/>
+              <a:gd name="adj2" fmla="val -7955"/>
+            </a:avLst>
+          </a:prstGeom>
+          <a:noFill/>
+          <a:ln>
+            <a:noFill/>
+          </a:ln>
+        </p:spPr>
+        <p:style>
+          <a:lnRef idx="2">
+            <a:schemeClr val="accent1">
+              <a:shade val="50000"/>
+            </a:schemeClr>
+          </a:lnRef>
+          <a:fillRef idx="1">
+            <a:schemeClr val="accent1"/>
+          </a:fillRef>
+          <a:effectRef idx="0">
+            <a:schemeClr val="accent1"/>
+          </a:effectRef>
+          <a:fontRef idx="minor">
+            <a:schemeClr val="lt1"/>
+          </a:fontRef>
+        </p:style>
+        <p:txBody>
+          <a:bodyPr rtlCol="0" anchor="ctr"/>
+          <a:lstStyle/>
+          <a:p>
+            <a:pPr algn="r"/>
+            <a:r>
+              <a:rPr lang="de-DE" sz="2400" i="1">
+                <a:solidFill>
+                  <a:schemeClr val="tx1"/>
+                </a:solidFill>
+              </a:rPr>
+              <a:t>e.g., „Sozialleistungen“ possibly positively connotated in social security context but negatively connotated in asylum politics</a:t>
+            </a:r>
+            <a:endParaRPr lang="en-US" sz="2400" i="1">
+              <a:solidFill>
+                <a:schemeClr val="tx1"/>
+              </a:solidFill>
+            </a:endParaRPr>
+          </a:p>
+        </p:txBody>
+      </p:sp>
+      <p:pic>
+        <p:nvPicPr>
+          <p:cNvPr id="12" name="Graphic 11" descr="Back with solid fill">
+            <a:extLst>
+              <a:ext uri="{FF2B5EF4-FFF2-40B4-BE49-F238E27FC236}">
+                <a16:creationId xmlns:a16="http://schemas.microsoft.com/office/drawing/2014/main" id="{4F1342E7-5E66-4E4D-A0B4-6949BE999396}"/>
+              </a:ext>
+            </a:extLst>
+          </p:cNvPr>
+          <p:cNvPicPr>
+            <a:picLocks noChangeAspect="1"/>
+          </p:cNvPicPr>
+          <p:nvPr/>
+        </p:nvPicPr>
+        <p:blipFill>
+          <a:blip r:embed="rId3">
+            <a:extLst>
+              <a:ext uri="{28A0092B-C50C-407E-A947-70E740481C1C}">
+                <a14:useLocalDpi xmlns:a14="http://schemas.microsoft.com/office/drawing/2010/main" val="0"/>
+              </a:ext>
+              <a:ext uri="{96DAC541-7B7A-43D3-8B79-37D633B846F1}">
+                <asvg:svgBlip xmlns:asvg="http://schemas.microsoft.com/office/drawing/2016/SVG/main" r:embed="rId4"/>
+              </a:ext>
+            </a:extLst>
+          </a:blip>
+          <a:stretch>
+            <a:fillRect/>
+          </a:stretch>
+        </p:blipFill>
+        <p:spPr>
+          <a:xfrm flipH="1" flipV="1">
+            <a:off x="5005608" y="2542703"/>
+            <a:ext cx="757629" cy="946296"/>
+          </a:xfrm>
+          <a:prstGeom prst="rect">
+            <a:avLst/>
+          </a:prstGeom>
+        </p:spPr>
+      </p:pic>
+      <p:sp>
+        <p:nvSpPr>
+          <p:cNvPr id="13" name="Speech Bubble: Rectangle 12">
+            <a:extLst>
+              <a:ext uri="{FF2B5EF4-FFF2-40B4-BE49-F238E27FC236}">
+                <a16:creationId xmlns:a16="http://schemas.microsoft.com/office/drawing/2014/main" id="{90E4FF6C-34EC-48B6-849F-C44CCFC52591}"/>
+              </a:ext>
+            </a:extLst>
+          </p:cNvPr>
+          <p:cNvSpPr/>
+          <p:nvPr/>
+        </p:nvSpPr>
+        <p:spPr>
+          <a:xfrm>
+            <a:off x="4805491" y="5683249"/>
+            <a:ext cx="6548309" cy="444501"/>
+          </a:xfrm>
+          <a:prstGeom prst="wedgeRectCallout">
+            <a:avLst>
+              <a:gd name="adj1" fmla="val -60500"/>
+              <a:gd name="adj2" fmla="val -7955"/>
+            </a:avLst>
+          </a:prstGeom>
+          <a:noFill/>
+          <a:ln>
+            <a:noFill/>
+          </a:ln>
+        </p:spPr>
+        <p:style>
+          <a:lnRef idx="2">
+            <a:schemeClr val="accent1">
+              <a:shade val="50000"/>
+            </a:schemeClr>
+          </a:lnRef>
+          <a:fillRef idx="1">
+            <a:schemeClr val="accent1"/>
+          </a:fillRef>
+          <a:effectRef idx="0">
+            <a:schemeClr val="accent1"/>
+          </a:effectRef>
+          <a:fontRef idx="minor">
+            <a:schemeClr val="lt1"/>
+          </a:fontRef>
+        </p:style>
+        <p:txBody>
+          <a:bodyPr rtlCol="0" anchor="ctr"/>
+          <a:lstStyle/>
+          <a:p>
+            <a:pPr algn="r"/>
+            <a:r>
+              <a:rPr lang="de-DE" sz="2400" i="1">
+                <a:solidFill>
+                  <a:schemeClr val="tx1"/>
+                </a:solidFill>
+              </a:rPr>
+              <a:t>underlying assumption: one aspect per document</a:t>
+            </a:r>
+            <a:endParaRPr lang="en-US" sz="2400" i="1">
+              <a:solidFill>
+                <a:schemeClr val="tx1"/>
+              </a:solidFill>
+            </a:endParaRPr>
+          </a:p>
+        </p:txBody>
+      </p:sp>
+      <p:pic>
+        <p:nvPicPr>
+          <p:cNvPr id="15" name="Graphic 14" descr="Back with solid fill">
+            <a:extLst>
+              <a:ext uri="{FF2B5EF4-FFF2-40B4-BE49-F238E27FC236}">
+                <a16:creationId xmlns:a16="http://schemas.microsoft.com/office/drawing/2014/main" id="{1DEA1C68-8674-43D6-822A-292B608561CA}"/>
+              </a:ext>
+            </a:extLst>
+          </p:cNvPr>
+          <p:cNvPicPr>
+            <a:picLocks noChangeAspect="1"/>
+          </p:cNvPicPr>
+          <p:nvPr/>
+        </p:nvPicPr>
+        <p:blipFill>
+          <a:blip r:embed="rId3">
+            <a:extLst>
+              <a:ext uri="{28A0092B-C50C-407E-A947-70E740481C1C}">
+                <a14:useLocalDpi xmlns:a14="http://schemas.microsoft.com/office/drawing/2010/main" val="0"/>
+              </a:ext>
+              <a:ext uri="{96DAC541-7B7A-43D3-8B79-37D633B846F1}">
+                <asvg:svgBlip xmlns:asvg="http://schemas.microsoft.com/office/drawing/2016/SVG/main" r:embed="rId4"/>
+              </a:ext>
+            </a:extLst>
+          </a:blip>
+          <a:stretch>
+            <a:fillRect/>
+          </a:stretch>
+        </p:blipFill>
+        <p:spPr>
+          <a:xfrm flipH="1" flipV="1">
+            <a:off x="4109384" y="5432351"/>
+            <a:ext cx="757629" cy="946296"/>
+          </a:xfrm>
+          <a:prstGeom prst="rect">
+            <a:avLst/>
+          </a:prstGeom>
+        </p:spPr>
+      </p:pic>
+    </p:spTree>
+    <p:extLst>
+      <p:ext uri="{BB962C8B-B14F-4D97-AF65-F5344CB8AC3E}">
+        <p14:creationId xmlns:p14="http://schemas.microsoft.com/office/powerpoint/2010/main" val="2664858773"/>
+      </p:ext>
+    </p:extLst>
+  </p:cSld>
+  <p:clrMapOvr>
+    <a:masterClrMapping/>
+  </p:clrMapOvr>
+</p:sld>
+</file>
+
+<file path=ppt/slides/slide24.xml><?xml version="1.0" encoding="utf-8"?>
 <p:sld xmlns:a="http://schemas.openxmlformats.org/drawingml/2006/main" xmlns:r="http://schemas.openxmlformats.org/officeDocument/2006/relationships" xmlns:p="http://schemas.openxmlformats.org/presentationml/2006/main">
   <p:cSld>
     <p:spTree>
@@ -10411,16 +11973,16 @@
             <a:avLst/>
           </a:prstGeom>
           <a:solidFill>
-            <a:schemeClr val="accent1">
-              <a:lumMod val="20000"/>
-              <a:lumOff val="80000"/>
+            <a:schemeClr val="tx1">
+              <a:lumMod val="75000"/>
+              <a:lumOff val="25000"/>
             </a:schemeClr>
           </a:solidFill>
           <a:ln>
             <a:solidFill>
-              <a:schemeClr val="accent1">
-                <a:lumMod val="20000"/>
-                <a:lumOff val="80000"/>
+              <a:schemeClr val="tx1">
+                <a:lumMod val="75000"/>
+                <a:lumOff val="25000"/>
               </a:schemeClr>
             </a:solidFill>
           </a:ln>
@@ -10692,8 +12254,8 @@
         </p:nvSpPr>
         <p:spPr>
           <a:xfrm>
-            <a:off x="914401" y="1816098"/>
-            <a:ext cx="2762249" cy="688975"/>
+            <a:off x="1568742" y="1816088"/>
+            <a:ext cx="1140902" cy="688975"/>
           </a:xfrm>
           <a:prstGeom prst="rect">
             <a:avLst/>
@@ -10705,7 +12267,9 @@
           </a:solidFill>
           <a:ln>
             <a:solidFill>
-              <a:schemeClr val="bg2"/>
+              <a:schemeClr val="bg2">
+                <a:lumMod val="90000"/>
+              </a:schemeClr>
             </a:solidFill>
           </a:ln>
         </p:spPr>
@@ -10751,11 +12315,11 @@
           <a:p>
             <a:r>
               <a:rPr lang="en-US"/>
-              <a:t>ML pipeline  </a:t>
+              <a:t>ML Pipeline  </a:t>
             </a:r>
             <a:r>
               <a:rPr lang="en-US" b="1"/>
-              <a:t>Analytical sequence</a:t>
+              <a:t>Analytical Sequence</a:t>
             </a:r>
           </a:p>
         </p:txBody>
@@ -10777,7 +12341,7 @@
           <a:p>
             <a:fld id="{C9E0B00B-E6DF-4183-A694-3DE28BEFB357}" type="slidenum">
               <a:rPr lang="en-US" smtClean="0"/>
-              <a:t>23</a:t>
+              <a:t>24</a:t>
             </a:fld>
             <a:endParaRPr lang="en-US"/>
           </a:p>
@@ -10797,8 +12361,8 @@
         </p:nvSpPr>
         <p:spPr>
           <a:xfrm>
-            <a:off x="2733676" y="1816095"/>
-            <a:ext cx="1728000" cy="688975"/>
+            <a:off x="2709644" y="1816080"/>
+            <a:ext cx="1752032" cy="688984"/>
           </a:xfrm>
           <a:prstGeom prst="homePlate">
             <a:avLst/>
@@ -10867,8 +12431,8 @@
         </p:nvSpPr>
         <p:spPr>
           <a:xfrm>
-            <a:off x="914401" y="1816097"/>
-            <a:ext cx="1819275" cy="688975"/>
+            <a:off x="918418" y="1811164"/>
+            <a:ext cx="1752033" cy="688975"/>
           </a:xfrm>
           <a:prstGeom prst="homePlate">
             <a:avLst/>
@@ -10999,8 +12563,8 @@
         </p:nvSpPr>
         <p:spPr>
           <a:xfrm>
-            <a:off x="6930221" y="1816088"/>
-            <a:ext cx="4233080" cy="688975"/>
+            <a:off x="6930220" y="1816088"/>
+            <a:ext cx="4343362" cy="688975"/>
           </a:xfrm>
           <a:prstGeom prst="homePlate">
             <a:avLst>
@@ -11071,8 +12635,8 @@
         </p:nvSpPr>
         <p:spPr>
           <a:xfrm flipH="1">
-            <a:off x="5819773" y="2740025"/>
-            <a:ext cx="5343527" cy="688975"/>
+            <a:off x="5819772" y="2740025"/>
+            <a:ext cx="5453809" cy="688975"/>
           </a:xfrm>
           <a:prstGeom prst="homePlate">
             <a:avLst/>
@@ -11356,16 +12920,16 @@
             </a:avLst>
           </a:prstGeom>
           <a:solidFill>
-            <a:schemeClr val="accent1">
-              <a:lumMod val="20000"/>
-              <a:lumOff val="80000"/>
+            <a:schemeClr val="tx1">
+              <a:lumMod val="75000"/>
+              <a:lumOff val="25000"/>
             </a:schemeClr>
           </a:solidFill>
           <a:ln>
             <a:solidFill>
-              <a:schemeClr val="accent1">
-                <a:lumMod val="20000"/>
-                <a:lumOff val="80000"/>
+              <a:schemeClr val="tx1">
+                <a:lumMod val="75000"/>
+                <a:lumOff val="25000"/>
               </a:schemeClr>
             </a:solidFill>
           </a:ln>
@@ -11394,14 +12958,14 @@
             <a:r>
               <a:rPr lang="de-DE" sz="2400">
                 <a:solidFill>
-                  <a:schemeClr val="tx1"/>
+                  <a:schemeClr val="bg1"/>
                 </a:solidFill>
               </a:rPr>
               <a:t>Word embeddings</a:t>
             </a:r>
             <a:endParaRPr lang="en-US" sz="2400">
               <a:solidFill>
-                <a:schemeClr val="tx1"/>
+                <a:schemeClr val="bg1"/>
               </a:solidFill>
             </a:endParaRPr>
           </a:p>
@@ -11458,16 +13022,16 @@
           <a:p>
             <a:pPr algn="ctr"/>
             <a:r>
-              <a:rPr lang="de-DE" sz="2400">
+              <a:rPr lang="de-DE" sz="2400" b="1">
                 <a:solidFill>
-                  <a:schemeClr val="tx1"/>
+                  <a:schemeClr val="bg1"/>
                 </a:solidFill>
               </a:rPr>
               <a:t>Sentiment analysis</a:t>
             </a:r>
-            <a:endParaRPr lang="en-US" sz="2400">
+            <a:endParaRPr lang="en-US" sz="2400" b="1">
               <a:solidFill>
-                <a:schemeClr val="tx1"/>
+                <a:schemeClr val="bg1"/>
               </a:solidFill>
             </a:endParaRPr>
           </a:p>
@@ -11541,7 +13105,7 @@
         </p:nvSpPr>
         <p:spPr>
           <a:xfrm flipH="1">
-            <a:off x="10775152" y="2740014"/>
+            <a:off x="10885435" y="2728377"/>
             <a:ext cx="776294" cy="688975"/>
           </a:xfrm>
           <a:prstGeom prst="homePlate">
@@ -11595,18 +13159,24 @@
         </p:nvSpPr>
         <p:spPr>
           <a:xfrm flipH="1">
-            <a:off x="7705724" y="4587879"/>
-            <a:ext cx="3457575" cy="688975"/>
+            <a:off x="7705723" y="4587879"/>
+            <a:ext cx="3590920" cy="688975"/>
           </a:xfrm>
           <a:prstGeom prst="homePlate">
             <a:avLst/>
           </a:prstGeom>
           <a:solidFill>
-            <a:srgbClr val="66CCFF"/>
+            <a:schemeClr val="tx1">
+              <a:lumMod val="50000"/>
+              <a:lumOff val="50000"/>
+            </a:schemeClr>
           </a:solidFill>
           <a:ln>
             <a:solidFill>
-              <a:srgbClr val="66CCFF"/>
+              <a:schemeClr val="tx1">
+                <a:lumMod val="50000"/>
+                <a:lumOff val="50000"/>
+              </a:schemeClr>
             </a:solidFill>
           </a:ln>
         </p:spPr>
@@ -11634,14 +13204,14 @@
             <a:r>
               <a:rPr lang="de-DE" sz="2400">
                 <a:solidFill>
-                  <a:schemeClr val="tx1"/>
+                  <a:schemeClr val="bg1"/>
                 </a:solidFill>
               </a:rPr>
               <a:t>Topic modeling</a:t>
             </a:r>
             <a:endParaRPr lang="en-US" sz="2400">
               <a:solidFill>
-                <a:schemeClr val="tx1"/>
+                <a:schemeClr val="bg1"/>
               </a:solidFill>
             </a:endParaRPr>
           </a:p>
@@ -11661,7 +13231,7 @@
         </p:nvSpPr>
         <p:spPr>
           <a:xfrm flipH="1">
-            <a:off x="10765638" y="4587862"/>
+            <a:off x="10881862" y="4587869"/>
             <a:ext cx="776294" cy="688975"/>
           </a:xfrm>
           <a:prstGeom prst="homePlate">
@@ -11715,7 +13285,7 @@
         </p:nvSpPr>
         <p:spPr>
           <a:xfrm>
-            <a:off x="7229480" y="5717777"/>
+            <a:off x="6680195" y="5991230"/>
             <a:ext cx="2381247" cy="444501"/>
           </a:xfrm>
           <a:prstGeom prst="wedgeRectCallout">
@@ -11749,6 +13319,7 @@
           <a:bodyPr rtlCol="0" anchor="ctr"/>
           <a:lstStyle/>
           <a:p>
+            <a:pPr algn="ctr"/>
             <a:r>
               <a:rPr lang="de-DE" sz="2400" i="1">
                 <a:solidFill>
@@ -11765,45 +13336,59 @@
           </a:p>
         </p:txBody>
       </p:sp>
-      <p:pic>
-        <p:nvPicPr>
-          <p:cNvPr id="33" name="Graphic 32" descr="Back with solid fill">
+      <p:sp>
+        <p:nvSpPr>
+          <p:cNvPr id="5" name="Right Brace 4">
             <a:extLst>
               <a:ext uri="{FF2B5EF4-FFF2-40B4-BE49-F238E27FC236}">
-                <a16:creationId xmlns:a16="http://schemas.microsoft.com/office/drawing/2014/main" id="{55496D65-F1FF-4032-B863-67E8E765DF50}"/>
+                <a16:creationId xmlns:a16="http://schemas.microsoft.com/office/drawing/2014/main" id="{98E63ADC-7867-4402-A93D-591AA2D426C1}"/>
               </a:ext>
             </a:extLst>
           </p:cNvPr>
-          <p:cNvPicPr>
-            <a:picLocks noChangeAspect="1"/>
-          </p:cNvPicPr>
+          <p:cNvSpPr/>
           <p:nvPr/>
-        </p:nvPicPr>
-        <p:blipFill>
-          <a:blip r:embed="rId3">
-            <a:extLst>
-              <a:ext uri="{28A0092B-C50C-407E-A947-70E740481C1C}">
-                <a14:useLocalDpi xmlns:a14="http://schemas.microsoft.com/office/drawing/2010/main" val="0"/>
-              </a:ext>
-              <a:ext uri="{96DAC541-7B7A-43D3-8B79-37D633B846F1}">
-                <asvg:svgBlip xmlns:asvg="http://schemas.microsoft.com/office/drawing/2016/SVG/main" r:embed="rId4"/>
-              </a:ext>
-            </a:extLst>
-          </a:blip>
-          <a:stretch>
-            <a:fillRect/>
-          </a:stretch>
-        </p:blipFill>
+        </p:nvSpPr>
         <p:spPr>
-          <a:xfrm flipV="1">
-            <a:off x="9658347" y="5341145"/>
-            <a:ext cx="1009653" cy="1197767"/>
+          <a:xfrm rot="5400000">
+            <a:off x="7667692" y="2305771"/>
+            <a:ext cx="403890" cy="6815924"/>
           </a:xfrm>
-          <a:prstGeom prst="rect">
+          <a:prstGeom prst="rightBrace">
             <a:avLst/>
           </a:prstGeom>
+          <a:noFill/>
+          <a:ln w="28575">
+            <a:solidFill>
+              <a:schemeClr val="tx1">
+                <a:lumMod val="50000"/>
+                <a:lumOff val="50000"/>
+              </a:schemeClr>
+            </a:solidFill>
+          </a:ln>
         </p:spPr>
-      </p:pic>
+        <p:style>
+          <a:lnRef idx="1">
+            <a:schemeClr val="accent1"/>
+          </a:lnRef>
+          <a:fillRef idx="0">
+            <a:schemeClr val="accent1"/>
+          </a:fillRef>
+          <a:effectRef idx="0">
+            <a:schemeClr val="accent1"/>
+          </a:effectRef>
+          <a:fontRef idx="minor">
+            <a:schemeClr val="tx1"/>
+          </a:fontRef>
+        </p:style>
+        <p:txBody>
+          <a:bodyPr rtlCol="0" anchor="ctr"/>
+          <a:lstStyle/>
+          <a:p>
+            <a:pPr algn="ctr"/>
+            <a:endParaRPr lang="en-US"/>
+          </a:p>
+        </p:txBody>
+      </p:sp>
     </p:spTree>
     <p:extLst>
       <p:ext uri="{BB962C8B-B14F-4D97-AF65-F5344CB8AC3E}">
@@ -11817,7 +13402,7 @@
 </p:sld>
 </file>
 
-<file path=ppt/slides/slide24.xml><?xml version="1.0" encoding="utf-8"?>
+<file path=ppt/slides/slide25.xml><?xml version="1.0" encoding="utf-8"?>
 <p:sld xmlns:a="http://schemas.openxmlformats.org/drawingml/2006/main" xmlns:r="http://schemas.openxmlformats.org/officeDocument/2006/relationships" xmlns:p="http://schemas.openxmlformats.org/presentationml/2006/main">
   <p:cSld>
     <p:spTree>
@@ -11851,11 +13436,11 @@
           <a:p>
             <a:r>
               <a:rPr lang="en-US"/>
-              <a:t>ML pipeline  </a:t>
+              <a:t>ML Pipeline  </a:t>
             </a:r>
             <a:r>
               <a:rPr lang="en-US" b="1"/>
-              <a:t>Static vs dynamic features</a:t>
+              <a:t>Static vs Dynamic features</a:t>
             </a:r>
           </a:p>
         </p:txBody>
@@ -11877,7 +13462,7 @@
           <a:p>
             <a:fld id="{C9E0B00B-E6DF-4183-A694-3DE28BEFB357}" type="slidenum">
               <a:rPr lang="en-US" smtClean="0"/>
-              <a:t>24</a:t>
+              <a:t>25</a:t>
             </a:fld>
             <a:endParaRPr lang="en-US"/>
           </a:p>
@@ -12243,119 +13828,6 @@
 </p:sld>
 </file>
 
-<file path=ppt/slides/slide25.xml><?xml version="1.0" encoding="utf-8"?>
-<p:sld xmlns:a="http://schemas.openxmlformats.org/drawingml/2006/main" xmlns:r="http://schemas.openxmlformats.org/officeDocument/2006/relationships" xmlns:p="http://schemas.openxmlformats.org/presentationml/2006/main">
-  <p:cSld>
-    <p:spTree>
-      <p:nvGrpSpPr>
-        <p:cNvPr id="1" name=""/>
-        <p:cNvGrpSpPr/>
-        <p:nvPr/>
-      </p:nvGrpSpPr>
-      <p:grpSpPr>
-        <a:xfrm>
-          <a:off x="0" y="0"/>
-          <a:ext cx="0" cy="0"/>
-          <a:chOff x="0" y="0"/>
-          <a:chExt cx="0" cy="0"/>
-        </a:xfrm>
-      </p:grpSpPr>
-      <p:sp>
-        <p:nvSpPr>
-          <p:cNvPr id="2" name="Titel 1"/>
-          <p:cNvSpPr>
-            <a:spLocks noGrp="1"/>
-          </p:cNvSpPr>
-          <p:nvPr>
-            <p:ph type="title"/>
-          </p:nvPr>
-        </p:nvSpPr>
-        <p:spPr/>
-        <p:txBody>
-          <a:bodyPr/>
-          <a:lstStyle/>
-          <a:p>
-            <a:r>
-              <a:rPr lang="en-US"/>
-              <a:t>Quanteda universe  </a:t>
-            </a:r>
-            <a:r>
-              <a:rPr lang="en-US" b="1"/>
-              <a:t>Package</a:t>
-            </a:r>
-          </a:p>
-        </p:txBody>
-      </p:sp>
-      <p:sp>
-        <p:nvSpPr>
-          <p:cNvPr id="4" name="Foliennummernplatzhalter 3"/>
-          <p:cNvSpPr>
-            <a:spLocks noGrp="1"/>
-          </p:cNvSpPr>
-          <p:nvPr>
-            <p:ph type="sldNum" sz="quarter" idx="12"/>
-          </p:nvPr>
-        </p:nvSpPr>
-        <p:spPr/>
-        <p:txBody>
-          <a:bodyPr/>
-          <a:lstStyle/>
-          <a:p>
-            <a:fld id="{C9E0B00B-E6DF-4183-A694-3DE28BEFB357}" type="slidenum">
-              <a:rPr lang="en-US" smtClean="0"/>
-              <a:t>25</a:t>
-            </a:fld>
-            <a:endParaRPr lang="en-US"/>
-          </a:p>
-        </p:txBody>
-      </p:sp>
-      <p:sp>
-        <p:nvSpPr>
-          <p:cNvPr id="5" name="Content Placeholder 2">
-            <a:extLst>
-              <a:ext uri="{FF2B5EF4-FFF2-40B4-BE49-F238E27FC236}">
-                <a16:creationId xmlns:a16="http://schemas.microsoft.com/office/drawing/2014/main" id="{2103F23C-B021-4F14-8084-0CDDB4205028}"/>
-              </a:ext>
-            </a:extLst>
-          </p:cNvPr>
-          <p:cNvSpPr>
-            <a:spLocks noGrp="1"/>
-          </p:cNvSpPr>
-          <p:nvPr>
-            <p:ph idx="1"/>
-          </p:nvPr>
-        </p:nvSpPr>
-        <p:spPr>
-          <a:xfrm>
-            <a:off x="838200" y="1825625"/>
-            <a:ext cx="10515600" cy="4351338"/>
-          </a:xfrm>
-        </p:spPr>
-        <p:txBody>
-          <a:bodyPr/>
-          <a:lstStyle/>
-          <a:p>
-            <a:r>
-              <a:rPr lang="en-US" b="1"/>
-              <a:t>M</a:t>
-            </a:r>
-            <a:endParaRPr lang="en-US"/>
-          </a:p>
-        </p:txBody>
-      </p:sp>
-    </p:spTree>
-    <p:extLst>
-      <p:ext uri="{BB962C8B-B14F-4D97-AF65-F5344CB8AC3E}">
-        <p14:creationId xmlns:p14="http://schemas.microsoft.com/office/powerpoint/2010/main" val="905106722"/>
-      </p:ext>
-    </p:extLst>
-  </p:cSld>
-  <p:clrMapOvr>
-    <a:masterClrMapping/>
-  </p:clrMapOvr>
-</p:sld>
-</file>
-
 <file path=ppt/slides/slide26.xml><?xml version="1.0" encoding="utf-8"?>
 <p:sld xmlns:a="http://schemas.openxmlformats.org/drawingml/2006/main" xmlns:r="http://schemas.openxmlformats.org/officeDocument/2006/relationships" xmlns:p="http://schemas.openxmlformats.org/presentationml/2006/main">
   <p:cSld>
@@ -12390,11 +13862,11 @@
           <a:p>
             <a:r>
               <a:rPr lang="en-US"/>
-              <a:t>Quanteda universe  </a:t>
+              <a:t>Quanteda Universe  </a:t>
             </a:r>
             <a:r>
               <a:rPr lang="en-US" b="1"/>
-              <a:t>Basic classes</a:t>
+              <a:t>Package</a:t>
             </a:r>
           </a:p>
         </p:txBody>
@@ -12449,17 +13921,199 @@
           <a:lstStyle/>
           <a:p>
             <a:r>
+              <a:rPr lang="en-US"/>
+              <a:t>Benoit et al. (2018)</a:t>
+            </a:r>
+          </a:p>
+          <a:p>
+            <a:r>
+              <a:rPr lang="en-US"/>
+              <a:t>Convenient text handling in R</a:t>
+            </a:r>
+          </a:p>
+          <a:p>
+            <a:pPr lvl="1"/>
+            <a:r>
+              <a:rPr lang="en-US"/>
+              <a:t>Designated </a:t>
+            </a:r>
+            <a:r>
               <a:rPr lang="en-US" b="1"/>
-              <a:t>M</a:t>
-            </a:r>
-            <a:endParaRPr lang="en-US"/>
-          </a:p>
-        </p:txBody>
-      </p:sp>
+              <a:t>classes</a:t>
+            </a:r>
+            <a:r>
+              <a:rPr lang="en-US"/>
+              <a:t> for textual data (with easy conversion to and from </a:t>
+            </a:r>
+            <a:r>
+              <a:rPr lang="en-US">
+                <a:latin typeface="Consolas" panose="020B0609020204030204" pitchFamily="49" charset="0"/>
+              </a:rPr>
+              <a:t>data.frame </a:t>
+            </a:r>
+            <a:r>
+              <a:rPr lang="en-US"/>
+              <a:t>&amp; friends)</a:t>
+            </a:r>
+          </a:p>
+          <a:p>
+            <a:pPr lvl="1"/>
+            <a:r>
+              <a:rPr lang="en-US" b="1"/>
+              <a:t>User-friendly</a:t>
+            </a:r>
+            <a:r>
+              <a:rPr lang="en-US"/>
+              <a:t> syntax</a:t>
+            </a:r>
+          </a:p>
+          <a:p>
+            <a:pPr lvl="1"/>
+            <a:r>
+              <a:rPr lang="en-US" b="1"/>
+              <a:t>Fast</a:t>
+            </a:r>
+            <a:r>
+              <a:rPr lang="en-US"/>
+              <a:t> computation</a:t>
+            </a:r>
+          </a:p>
+          <a:p>
+            <a:pPr lvl="1"/>
+            <a:r>
+              <a:rPr lang="en-US"/>
+              <a:t>Compatibility with </a:t>
+            </a:r>
+            <a:r>
+              <a:rPr lang="en-US">
+                <a:latin typeface="Consolas" panose="020B0609020204030204" pitchFamily="49" charset="0"/>
+              </a:rPr>
+              <a:t>spacyr</a:t>
+            </a:r>
+            <a:r>
+              <a:rPr lang="en-US"/>
+              <a:t> package (Benoit et al., 2020)</a:t>
+            </a:r>
+            <a:br>
+              <a:rPr lang="en-US"/>
+            </a:br>
+            <a:r>
+              <a:rPr lang="en-US">
+                <a:sym typeface="Symbol" panose="05050102010706020507" pitchFamily="18" charset="2"/>
+              </a:rPr>
+              <a:t> Wrapper for Python’s popular </a:t>
+            </a:r>
+            <a:r>
+              <a:rPr lang="en-US">
+                <a:latin typeface="Consolas" panose="020B0609020204030204" pitchFamily="49" charset="0"/>
+                <a:sym typeface="Symbol" panose="05050102010706020507" pitchFamily="18" charset="2"/>
+              </a:rPr>
+              <a:t>spaCy</a:t>
+            </a:r>
+            <a:r>
+              <a:rPr lang="en-US">
+                <a:sym typeface="Symbol" panose="05050102010706020507" pitchFamily="18" charset="2"/>
+              </a:rPr>
+              <a:t> package used for, i.a., </a:t>
+            </a:r>
+            <a:r>
+              <a:rPr lang="en-US" b="1">
+                <a:sym typeface="Symbol" panose="05050102010706020507" pitchFamily="18" charset="2"/>
+              </a:rPr>
+              <a:t>POS tagging</a:t>
+            </a:r>
+            <a:endParaRPr lang="en-US" b="1"/>
+          </a:p>
+        </p:txBody>
+      </p:sp>
+      <p:sp>
+        <p:nvSpPr>
+          <p:cNvPr id="6" name="TextBox 5">
+            <a:extLst>
+              <a:ext uri="{FF2B5EF4-FFF2-40B4-BE49-F238E27FC236}">
+                <a16:creationId xmlns:a16="http://schemas.microsoft.com/office/drawing/2014/main" id="{DBB5CB62-6F5A-4037-BD91-D3AE9F9C283C}"/>
+              </a:ext>
+            </a:extLst>
+          </p:cNvPr>
+          <p:cNvSpPr txBox="1"/>
+          <p:nvPr/>
+        </p:nvSpPr>
+        <p:spPr>
+          <a:xfrm>
+            <a:off x="1646338" y="5397028"/>
+            <a:ext cx="6094602" cy="369332"/>
+          </a:xfrm>
+          <a:prstGeom prst="rect">
+            <a:avLst/>
+          </a:prstGeom>
+          <a:noFill/>
+        </p:spPr>
+        <p:txBody>
+          <a:bodyPr wrap="square">
+            <a:spAutoFit/>
+          </a:bodyPr>
+          <a:lstStyle/>
+          <a:p>
+            <a:r>
+              <a:rPr lang="en-US" i="1"/>
+              <a:t>tutorials for getting started on </a:t>
+            </a:r>
+            <a:r>
+              <a:rPr lang="en-US" i="1">
+                <a:hlinkClick r:id="rId3"/>
+              </a:rPr>
+              <a:t>https://tutorials.quanteda.io/</a:t>
+            </a:r>
+            <a:r>
+              <a:rPr lang="en-US" i="1"/>
+              <a:t> </a:t>
+            </a:r>
+          </a:p>
+        </p:txBody>
+      </p:sp>
+      <p:pic>
+        <p:nvPicPr>
+          <p:cNvPr id="8" name="Graphic 7" descr="Game controller with solid fill">
+            <a:extLst>
+              <a:ext uri="{FF2B5EF4-FFF2-40B4-BE49-F238E27FC236}">
+                <a16:creationId xmlns:a16="http://schemas.microsoft.com/office/drawing/2014/main" id="{FAC16393-673E-4FD5-9A70-8C99CAEBE5E0}"/>
+              </a:ext>
+            </a:extLst>
+          </p:cNvPr>
+          <p:cNvPicPr>
+            <a:picLocks noChangeAspect="1"/>
+          </p:cNvPicPr>
+          <p:nvPr/>
+        </p:nvPicPr>
+        <p:blipFill>
+          <a:blip r:embed="rId4">
+            <a:extLst>
+              <a:ext uri="{28A0092B-C50C-407E-A947-70E740481C1C}">
+                <a14:useLocalDpi xmlns:a14="http://schemas.microsoft.com/office/drawing/2010/main" val="0"/>
+              </a:ext>
+              <a:ext uri="{96DAC541-7B7A-43D3-8B79-37D633B846F1}">
+                <asvg:svgBlip xmlns:asvg="http://schemas.microsoft.com/office/drawing/2016/SVG/main" r:embed="rId5"/>
+              </a:ext>
+            </a:extLst>
+          </a:blip>
+          <a:stretch>
+            <a:fillRect/>
+          </a:stretch>
+        </p:blipFill>
+        <p:spPr>
+          <a:xfrm>
+            <a:off x="838200" y="5262563"/>
+            <a:ext cx="638262" cy="638262"/>
+          </a:xfrm>
+          <a:prstGeom prst="rect">
+            <a:avLst/>
+          </a:prstGeom>
+        </p:spPr>
+      </p:pic>
     </p:spTree>
     <p:extLst>
       <p:ext uri="{BB962C8B-B14F-4D97-AF65-F5344CB8AC3E}">
-        <p14:creationId xmlns:p14="http://schemas.microsoft.com/office/powerpoint/2010/main" val="3670438057"/>
+        <p14:creationId xmlns:p14="http://schemas.microsoft.com/office/powerpoint/2010/main" val="905106722"/>
       </p:ext>
     </p:extLst>
   </p:cSld>
@@ -12503,11 +14157,11 @@
           <a:p>
             <a:r>
               <a:rPr lang="en-US"/>
-              <a:t>Quanteda universe  </a:t>
+              <a:t>Quanteda Universe  </a:t>
             </a:r>
             <a:r>
               <a:rPr lang="en-US" b="1"/>
-              <a:t>Scope</a:t>
+              <a:t>Basic Classes</a:t>
             </a:r>
           </a:p>
         </p:txBody>
@@ -12561,18 +14215,306 @@
           <a:bodyPr/>
           <a:lstStyle/>
           <a:p>
-            <a:r>
-              <a:rPr lang="en-US" b="1"/>
-              <a:t>M</a:t>
-            </a:r>
-            <a:endParaRPr lang="en-US"/>
-          </a:p>
-        </p:txBody>
-      </p:sp>
+            <a:pPr marL="0" indent="0">
+              <a:buNone/>
+            </a:pPr>
+            <a:r>
+              <a:rPr lang="en-US"/>
+              <a:t>[Word = smallest entity of text </a:t>
+            </a:r>
+            <a:r>
+              <a:rPr lang="en-US">
+                <a:sym typeface="Symbol" panose="05050102010706020507" pitchFamily="18" charset="2"/>
+              </a:rPr>
+              <a:t> </a:t>
+            </a:r>
+            <a:r>
+              <a:rPr lang="en-US">
+                <a:solidFill>
+                  <a:srgbClr val="66CCFF"/>
+                </a:solidFill>
+                <a:sym typeface="Symbol" panose="05050102010706020507" pitchFamily="18" charset="2"/>
+              </a:rPr>
+              <a:t>words</a:t>
+            </a:r>
+            <a:r>
+              <a:rPr lang="en-US">
+                <a:sym typeface="Symbol" panose="05050102010706020507" pitchFamily="18" charset="2"/>
+              </a:rPr>
+              <a:t>]</a:t>
+            </a:r>
+            <a:br>
+              <a:rPr lang="en-US">
+                <a:sym typeface="Symbol" panose="05050102010706020507" pitchFamily="18" charset="2"/>
+              </a:rPr>
+            </a:br>
+            <a:r>
+              <a:rPr lang="en-US"/>
+              <a:t>[Sentence = sequence of </a:t>
+            </a:r>
+            <a:r>
+              <a:rPr lang="en-US" i="1"/>
+              <a:t>w</a:t>
+            </a:r>
+            <a:r>
+              <a:rPr lang="en-US"/>
+              <a:t> words </a:t>
+            </a:r>
+            <a:r>
+              <a:rPr lang="en-US">
+                <a:sym typeface="Symbol" panose="05050102010706020507" pitchFamily="18" charset="2"/>
+              </a:rPr>
+              <a:t> </a:t>
+            </a:r>
+            <a:r>
+              <a:rPr lang="en-US">
+                <a:solidFill>
+                  <a:srgbClr val="66CCFF"/>
+                </a:solidFill>
+                <a:sym typeface="Symbol" panose="05050102010706020507" pitchFamily="18" charset="2"/>
+              </a:rPr>
+              <a:t>sentences</a:t>
+            </a:r>
+            <a:r>
+              <a:rPr lang="en-US">
+                <a:sym typeface="Symbol" panose="05050102010706020507" pitchFamily="18" charset="2"/>
+              </a:rPr>
+              <a:t>]</a:t>
+            </a:r>
+            <a:br>
+              <a:rPr lang="en-US">
+                <a:sym typeface="Symbol" panose="05050102010706020507" pitchFamily="18" charset="2"/>
+              </a:rPr>
+            </a:br>
+            <a:r>
+              <a:rPr lang="en-US"/>
+              <a:t>[Paragraph = sequence of </a:t>
+            </a:r>
+            <a:r>
+              <a:rPr lang="en-US" i="1"/>
+              <a:t>s</a:t>
+            </a:r>
+            <a:r>
+              <a:rPr lang="en-US"/>
+              <a:t> sentences </a:t>
+            </a:r>
+            <a:r>
+              <a:rPr lang="en-US">
+                <a:sym typeface="Symbol" panose="05050102010706020507" pitchFamily="18" charset="2"/>
+              </a:rPr>
+              <a:t> </a:t>
+            </a:r>
+            <a:r>
+              <a:rPr lang="en-US">
+                <a:solidFill>
+                  <a:srgbClr val="66CCFF"/>
+                </a:solidFill>
+                <a:sym typeface="Symbol" panose="05050102010706020507" pitchFamily="18" charset="2"/>
+              </a:rPr>
+              <a:t>not relevant</a:t>
+            </a:r>
+            <a:r>
+              <a:rPr lang="en-US">
+                <a:sym typeface="Symbol" panose="05050102010706020507" pitchFamily="18" charset="2"/>
+              </a:rPr>
+              <a:t>]</a:t>
+            </a:r>
+            <a:br>
+              <a:rPr lang="en-US">
+                <a:sym typeface="Symbol" panose="05050102010706020507" pitchFamily="18" charset="2"/>
+              </a:rPr>
+            </a:br>
+            <a:r>
+              <a:rPr lang="en-US"/>
+              <a:t>[Document = sequence of </a:t>
+            </a:r>
+            <a:r>
+              <a:rPr lang="en-US" i="1"/>
+              <a:t>p</a:t>
+            </a:r>
+            <a:r>
+              <a:rPr lang="en-US"/>
+              <a:t> paragraphs </a:t>
+            </a:r>
+            <a:r>
+              <a:rPr lang="en-US">
+                <a:sym typeface="Symbol" panose="05050102010706020507" pitchFamily="18" charset="2"/>
+              </a:rPr>
+              <a:t> </a:t>
+            </a:r>
+            <a:r>
+              <a:rPr lang="en-US">
+                <a:solidFill>
+                  <a:srgbClr val="66CCFF"/>
+                </a:solidFill>
+                <a:sym typeface="Symbol" panose="05050102010706020507" pitchFamily="18" charset="2"/>
+              </a:rPr>
+              <a:t>tweets</a:t>
+            </a:r>
+            <a:r>
+              <a:rPr lang="en-US">
+                <a:sym typeface="Symbol" panose="05050102010706020507" pitchFamily="18" charset="2"/>
+              </a:rPr>
+              <a:t>]</a:t>
+            </a:r>
+            <a:br>
+              <a:rPr lang="en-US">
+                <a:sym typeface="Symbol" panose="05050102010706020507" pitchFamily="18" charset="2"/>
+              </a:rPr>
+            </a:br>
+            <a:endParaRPr lang="en-US">
+              <a:sym typeface="Symbol" panose="05050102010706020507" pitchFamily="18" charset="2"/>
+            </a:endParaRPr>
+          </a:p>
+          <a:p>
+            <a:r>
+              <a:rPr lang="en-US">
+                <a:highlight>
+                  <a:srgbClr val="C0C0C0"/>
+                </a:highlight>
+                <a:latin typeface="Consolas" panose="020B0609020204030204" pitchFamily="49" charset="0"/>
+                <a:sym typeface="Symbol" panose="05050102010706020507" pitchFamily="18" charset="2"/>
+              </a:rPr>
+              <a:t>corpus</a:t>
+            </a:r>
+          </a:p>
+          <a:p>
+            <a:pPr lvl="1"/>
+            <a:r>
+              <a:rPr lang="en-US">
+                <a:sym typeface="Symbol" panose="05050102010706020507" pitchFamily="18" charset="2"/>
+              </a:rPr>
+              <a:t>Most basic class to handle text data</a:t>
+            </a:r>
+          </a:p>
+          <a:p>
+            <a:pPr lvl="1"/>
+            <a:r>
+              <a:rPr lang="en-US">
+                <a:sym typeface="Symbol" panose="05050102010706020507" pitchFamily="18" charset="2"/>
+              </a:rPr>
+              <a:t>Collection of documents + document-level variables  </a:t>
+            </a:r>
+            <a:r>
+              <a:rPr lang="en-US">
+                <a:solidFill>
+                  <a:srgbClr val="66CCFF"/>
+                </a:solidFill>
+                <a:sym typeface="Symbol" panose="05050102010706020507" pitchFamily="18" charset="2"/>
+              </a:rPr>
+              <a:t>tweets + meta data</a:t>
+            </a:r>
+          </a:p>
+        </p:txBody>
+      </p:sp>
+      <p:sp>
+        <p:nvSpPr>
+          <p:cNvPr id="6" name="Speech Bubble: Rectangle 5">
+            <a:extLst>
+              <a:ext uri="{FF2B5EF4-FFF2-40B4-BE49-F238E27FC236}">
+                <a16:creationId xmlns:a16="http://schemas.microsoft.com/office/drawing/2014/main" id="{E7C8D44E-ABB1-4A5F-BA50-E161C275801D}"/>
+              </a:ext>
+            </a:extLst>
+          </p:cNvPr>
+          <p:cNvSpPr/>
+          <p:nvPr/>
+        </p:nvSpPr>
+        <p:spPr>
+          <a:xfrm>
+            <a:off x="5704514" y="5544772"/>
+            <a:ext cx="5255355" cy="444501"/>
+          </a:xfrm>
+          <a:prstGeom prst="wedgeRectCallout">
+            <a:avLst>
+              <a:gd name="adj1" fmla="val -60500"/>
+              <a:gd name="adj2" fmla="val -7955"/>
+            </a:avLst>
+          </a:prstGeom>
+          <a:noFill/>
+          <a:ln>
+            <a:noFill/>
+          </a:ln>
+        </p:spPr>
+        <p:style>
+          <a:lnRef idx="2">
+            <a:schemeClr val="accent1">
+              <a:shade val="50000"/>
+            </a:schemeClr>
+          </a:lnRef>
+          <a:fillRef idx="1">
+            <a:schemeClr val="accent1"/>
+          </a:fillRef>
+          <a:effectRef idx="0">
+            <a:schemeClr val="accent1"/>
+          </a:effectRef>
+          <a:fontRef idx="minor">
+            <a:schemeClr val="lt1"/>
+          </a:fontRef>
+        </p:style>
+        <p:txBody>
+          <a:bodyPr rtlCol="0" anchor="ctr"/>
+          <a:lstStyle/>
+          <a:p>
+            <a:pPr algn="r"/>
+            <a:r>
+              <a:rPr lang="de-DE" sz="2400" i="1">
+                <a:solidFill>
+                  <a:schemeClr val="tx1"/>
+                </a:solidFill>
+              </a:rPr>
+              <a:t>lower-level corpora, e.g., as collections of paragraphs, also possible</a:t>
+            </a:r>
+            <a:endParaRPr lang="en-US" sz="2400" i="1">
+              <a:solidFill>
+                <a:schemeClr val="tx1"/>
+              </a:solidFill>
+            </a:endParaRPr>
+          </a:p>
+        </p:txBody>
+      </p:sp>
+      <p:pic>
+        <p:nvPicPr>
+          <p:cNvPr id="7" name="Graphic 6" descr="Back with solid fill">
+            <a:extLst>
+              <a:ext uri="{FF2B5EF4-FFF2-40B4-BE49-F238E27FC236}">
+                <a16:creationId xmlns:a16="http://schemas.microsoft.com/office/drawing/2014/main" id="{9074DEFE-6784-46C7-A661-0EF78EF26A22}"/>
+              </a:ext>
+            </a:extLst>
+          </p:cNvPr>
+          <p:cNvPicPr>
+            <a:picLocks noChangeAspect="1"/>
+          </p:cNvPicPr>
+          <p:nvPr/>
+        </p:nvPicPr>
+        <p:blipFill>
+          <a:blip r:embed="rId3">
+            <a:extLst>
+              <a:ext uri="{28A0092B-C50C-407E-A947-70E740481C1C}">
+                <a14:useLocalDpi xmlns:a14="http://schemas.microsoft.com/office/drawing/2010/main" val="0"/>
+              </a:ext>
+              <a:ext uri="{96DAC541-7B7A-43D3-8B79-37D633B846F1}">
+                <asvg:svgBlip xmlns:asvg="http://schemas.microsoft.com/office/drawing/2016/SVG/main" r:embed="rId4"/>
+              </a:ext>
+            </a:extLst>
+          </a:blip>
+          <a:stretch>
+            <a:fillRect/>
+          </a:stretch>
+        </p:blipFill>
+        <p:spPr>
+          <a:xfrm flipH="1" flipV="1">
+            <a:off x="4963751" y="5071624"/>
+            <a:ext cx="757629" cy="946296"/>
+          </a:xfrm>
+          <a:prstGeom prst="rect">
+            <a:avLst/>
+          </a:prstGeom>
+        </p:spPr>
+      </p:pic>
     </p:spTree>
     <p:extLst>
       <p:ext uri="{BB962C8B-B14F-4D97-AF65-F5344CB8AC3E}">
-        <p14:creationId xmlns:p14="http://schemas.microsoft.com/office/powerpoint/2010/main" val="4049771469"/>
+        <p14:creationId xmlns:p14="http://schemas.microsoft.com/office/powerpoint/2010/main" val="3670438057"/>
       </p:ext>
     </p:extLst>
   </p:cSld>
@@ -12615,55 +14557,12 @@
           <a:lstStyle/>
           <a:p>
             <a:r>
-              <a:rPr lang="en-GB" b="1">
-                <a:effectLst>
-                  <a:outerShdw blurRad="38100" dist="38100" dir="2700000" algn="tl">
-                    <a:srgbClr val="000000">
-                      <a:alpha val="43137"/>
-                    </a:srgbClr>
-                  </a:outerShdw>
-                </a:effectLst>
-              </a:rPr>
-              <a:t>Part I: Intro NLP &amp; Task at Hand</a:t>
-            </a:r>
-            <a:endParaRPr lang="en-US" b="1">
-              <a:effectLst>
-                <a:outerShdw blurRad="38100" dist="38100" dir="2700000" algn="tl">
-                  <a:srgbClr val="000000">
-                    <a:alpha val="43137"/>
-                  </a:srgbClr>
-                </a:outerShdw>
-              </a:effectLst>
-            </a:endParaRPr>
-          </a:p>
-        </p:txBody>
-      </p:sp>
-      <p:sp>
-        <p:nvSpPr>
-          <p:cNvPr id="3" name="Textplatzhalter 2"/>
-          <p:cNvSpPr>
-            <a:spLocks noGrp="1"/>
-          </p:cNvSpPr>
-          <p:nvPr>
-            <p:ph type="body" idx="1"/>
-          </p:nvPr>
-        </p:nvSpPr>
-        <p:spPr/>
-        <p:txBody>
-          <a:bodyPr/>
-          <a:lstStyle/>
-          <a:p>
-            <a:r>
-              <a:rPr lang="en-US" b="1">
-                <a:effectLst>
-                  <a:outerShdw blurRad="38100" dist="38100" dir="2700000" algn="tl">
-                    <a:srgbClr val="000000">
-                      <a:alpha val="43137"/>
-                    </a:srgbClr>
-                  </a:outerShdw>
-                </a:effectLst>
-              </a:rPr>
-              <a:t>Literature and References</a:t>
+              <a:rPr lang="en-US"/>
+              <a:t>Quanteda Universe  </a:t>
+            </a:r>
+            <a:r>
+              <a:rPr lang="en-US" b="1"/>
+              <a:t>Basic Classes</a:t>
             </a:r>
           </a:p>
         </p:txBody>
@@ -12691,10 +14590,167 @@
           </a:p>
         </p:txBody>
       </p:sp>
+      <p:sp>
+        <p:nvSpPr>
+          <p:cNvPr id="5" name="Content Placeholder 2">
+            <a:extLst>
+              <a:ext uri="{FF2B5EF4-FFF2-40B4-BE49-F238E27FC236}">
+                <a16:creationId xmlns:a16="http://schemas.microsoft.com/office/drawing/2014/main" id="{2103F23C-B021-4F14-8084-0CDDB4205028}"/>
+              </a:ext>
+            </a:extLst>
+          </p:cNvPr>
+          <p:cNvSpPr>
+            <a:spLocks noGrp="1"/>
+          </p:cNvSpPr>
+          <p:nvPr>
+            <p:ph idx="1"/>
+          </p:nvPr>
+        </p:nvSpPr>
+        <p:spPr>
+          <a:xfrm>
+            <a:off x="838200" y="1825625"/>
+            <a:ext cx="10515600" cy="4667250"/>
+          </a:xfrm>
+        </p:spPr>
+        <p:txBody>
+          <a:bodyPr/>
+          <a:lstStyle/>
+          <a:p>
+            <a:r>
+              <a:rPr lang="en-US">
+                <a:highlight>
+                  <a:srgbClr val="C0C0C0"/>
+                </a:highlight>
+                <a:latin typeface="Consolas" panose="020B0609020204030204" pitchFamily="49" charset="0"/>
+                <a:sym typeface="Symbol" panose="05050102010706020507" pitchFamily="18" charset="2"/>
+              </a:rPr>
+              <a:t>tokens</a:t>
+            </a:r>
+          </a:p>
+          <a:p>
+            <a:pPr lvl="1"/>
+            <a:r>
+              <a:rPr lang="en-US">
+                <a:sym typeface="Symbol" panose="05050102010706020507" pitchFamily="18" charset="2"/>
+              </a:rPr>
+              <a:t>Representing documents as a collection of tokens </a:t>
+            </a:r>
+            <a:br>
+              <a:rPr lang="en-US">
+                <a:sym typeface="Symbol" panose="05050102010706020507" pitchFamily="18" charset="2"/>
+              </a:rPr>
+            </a:br>
+            <a:r>
+              <a:rPr lang="en-US">
+                <a:sym typeface="Symbol" panose="05050102010706020507" pitchFamily="18" charset="2"/>
+              </a:rPr>
+              <a:t> </a:t>
+            </a:r>
+            <a:r>
+              <a:rPr lang="en-US">
+                <a:solidFill>
+                  <a:srgbClr val="66CCFF"/>
+                </a:solidFill>
+                <a:sym typeface="Symbol" panose="05050102010706020507" pitchFamily="18" charset="2"/>
+              </a:rPr>
+              <a:t>tokens per tweet + meta data</a:t>
+            </a:r>
+            <a:endParaRPr lang="en-US">
+              <a:sym typeface="Symbol" panose="05050102010706020507" pitchFamily="18" charset="2"/>
+            </a:endParaRPr>
+          </a:p>
+          <a:p>
+            <a:pPr lvl="1"/>
+            <a:r>
+              <a:rPr lang="en-US" b="1">
+                <a:sym typeface="Symbol" panose="05050102010706020507" pitchFamily="18" charset="2"/>
+              </a:rPr>
+              <a:t>Token</a:t>
+            </a:r>
+            <a:r>
+              <a:rPr lang="en-US">
+                <a:sym typeface="Symbol" panose="05050102010706020507" pitchFamily="18" charset="2"/>
+              </a:rPr>
+              <a:t>: sequence of characters grouped together as a useful semantic unit</a:t>
+            </a:r>
+            <a:br>
+              <a:rPr lang="en-US">
+                <a:sym typeface="Symbol" panose="05050102010706020507" pitchFamily="18" charset="2"/>
+              </a:rPr>
+            </a:br>
+            <a:r>
+              <a:rPr lang="en-US">
+                <a:sym typeface="Symbol" panose="05050102010706020507" pitchFamily="18" charset="2"/>
+              </a:rPr>
+              <a:t> Single words, n-grams, ...</a:t>
+            </a:r>
+          </a:p>
+          <a:p>
+            <a:pPr lvl="1"/>
+            <a:r>
+              <a:rPr lang="en-US">
+                <a:sym typeface="Symbol" panose="05050102010706020507" pitchFamily="18" charset="2"/>
+              </a:rPr>
+              <a:t>During tokenization, we will often</a:t>
+            </a:r>
+          </a:p>
+          <a:p>
+            <a:pPr lvl="2"/>
+            <a:r>
+              <a:rPr lang="en-US">
+                <a:sym typeface="Symbol" panose="05050102010706020507" pitchFamily="18" charset="2"/>
+              </a:rPr>
+              <a:t>Remove punctuation</a:t>
+            </a:r>
+          </a:p>
+          <a:p>
+            <a:pPr lvl="2"/>
+            <a:r>
+              <a:rPr lang="en-US">
+                <a:sym typeface="Symbol" panose="05050102010706020507" pitchFamily="18" charset="2"/>
+              </a:rPr>
+              <a:t>Remove stopwords</a:t>
+            </a:r>
+          </a:p>
+          <a:p>
+            <a:pPr lvl="2"/>
+            <a:r>
+              <a:rPr lang="en-US">
+                <a:sym typeface="Symbol" panose="05050102010706020507" pitchFamily="18" charset="2"/>
+              </a:rPr>
+              <a:t>Omit  cases (e.g., lowercase everything)</a:t>
+            </a:r>
+          </a:p>
+          <a:p>
+            <a:pPr lvl="2"/>
+            <a:r>
+              <a:rPr lang="en-US">
+                <a:sym typeface="Symbol" panose="05050102010706020507" pitchFamily="18" charset="2"/>
+              </a:rPr>
+              <a:t>Perform stemming / lemmatization</a:t>
+            </a:r>
+          </a:p>
+          <a:p>
+            <a:pPr lvl="1"/>
+            <a:r>
+              <a:rPr lang="en-US" b="1">
+                <a:sym typeface="Symbol" panose="05050102010706020507" pitchFamily="18" charset="2"/>
+              </a:rPr>
+              <a:t>Goal</a:t>
+            </a:r>
+            <a:r>
+              <a:rPr lang="en-US">
+                <a:sym typeface="Symbol" panose="05050102010706020507" pitchFamily="18" charset="2"/>
+              </a:rPr>
+              <a:t>: representation of texts by tokens that co-occur across documents</a:t>
+            </a:r>
+          </a:p>
+        </p:txBody>
+      </p:sp>
     </p:spTree>
     <p:extLst>
       <p:ext uri="{BB962C8B-B14F-4D97-AF65-F5344CB8AC3E}">
-        <p14:creationId xmlns:p14="http://schemas.microsoft.com/office/powerpoint/2010/main" val="3419717452"/>
+        <p14:creationId xmlns:p14="http://schemas.microsoft.com/office/powerpoint/2010/main" val="1755867019"/>
       </p:ext>
     </p:extLst>
   </p:cSld>
@@ -12723,69 +14779,26 @@
       </p:grpSpPr>
       <p:sp>
         <p:nvSpPr>
-          <p:cNvPr id="3" name="Inhaltsplatzhalter 2"/>
-          <p:cNvSpPr>
-            <a:spLocks noGrp="1"/>
-          </p:cNvSpPr>
-          <p:nvPr>
-            <p:ph idx="1"/>
-          </p:nvPr>
-        </p:nvSpPr>
-        <p:spPr>
-          <a:xfrm>
-            <a:off x="838200" y="465221"/>
-            <a:ext cx="10515600" cy="5711742"/>
-          </a:xfrm>
-        </p:spPr>
-        <p:txBody>
-          <a:bodyPr>
-            <a:normAutofit/>
-          </a:bodyPr>
-          <a:lstStyle/>
-          <a:p>
-            <a:r>
-              <a:rPr lang="en-US">
-                <a:solidFill>
-                  <a:srgbClr val="FF0000"/>
-                </a:solidFill>
-              </a:rPr>
-              <a:t>Jacob Eisenstein (2019): Introduction to Natural Language Processing, MIT Press</a:t>
-            </a:r>
-          </a:p>
-          <a:p>
-            <a:r>
-              <a:rPr lang="en-US">
-                <a:solidFill>
-                  <a:srgbClr val="FF0000"/>
-                </a:solidFill>
-              </a:rPr>
-              <a:t>Liddy, E.D. 2001. Natural Language Processing. In Encyclopedia of Library and Information Science, 2</a:t>
-            </a:r>
-            <a:r>
-              <a:rPr lang="en-US" baseline="30000">
-                <a:solidFill>
-                  <a:srgbClr val="FF0000"/>
-                </a:solidFill>
-              </a:rPr>
-              <a:t>nd</a:t>
-            </a:r>
-            <a:r>
-              <a:rPr lang="en-US">
-                <a:solidFill>
-                  <a:srgbClr val="FF0000"/>
-                </a:solidFill>
-              </a:rPr>
-              <a:t> Ed. NY. Marcel Decker, Inc.</a:t>
-            </a:r>
-          </a:p>
-          <a:p>
-            <a:r>
-              <a:rPr lang="en-US">
-                <a:solidFill>
-                  <a:srgbClr val="FF0000"/>
-                </a:solidFill>
-              </a:rPr>
-              <a:t>Prakash M Nadkarni, Lucila Ohno-Machado, Wendy W Chapman, Natural language processing: an introduction, Journal of the American Medical Informatics Association, Volume 18, Issue 5, September 2011, Pages 544–551, https://doi.org/10.1136/amiajnl-2011-000464</a:t>
+          <p:cNvPr id="2" name="Titel 1"/>
+          <p:cNvSpPr>
+            <a:spLocks noGrp="1"/>
+          </p:cNvSpPr>
+          <p:nvPr>
+            <p:ph type="title"/>
+          </p:nvPr>
+        </p:nvSpPr>
+        <p:spPr/>
+        <p:txBody>
+          <a:bodyPr/>
+          <a:lstStyle/>
+          <a:p>
+            <a:r>
+              <a:rPr lang="en-US"/>
+              <a:t>Quanteda Universe  </a:t>
+            </a:r>
+            <a:r>
+              <a:rPr lang="en-US" b="1"/>
+              <a:t>Basic Classes</a:t>
             </a:r>
           </a:p>
         </p:txBody>
@@ -12813,10 +14826,178 @@
           </a:p>
         </p:txBody>
       </p:sp>
+      <p:pic>
+        <p:nvPicPr>
+          <p:cNvPr id="7" name="Picture 6">
+            <a:extLst>
+              <a:ext uri="{FF2B5EF4-FFF2-40B4-BE49-F238E27FC236}">
+                <a16:creationId xmlns:a16="http://schemas.microsoft.com/office/drawing/2014/main" id="{2B4CD56D-B2FD-4F42-BF30-B75211CD49B2}"/>
+              </a:ext>
+            </a:extLst>
+          </p:cNvPr>
+          <p:cNvPicPr>
+            <a:picLocks noChangeAspect="1"/>
+          </p:cNvPicPr>
+          <p:nvPr/>
+        </p:nvPicPr>
+        <p:blipFill>
+          <a:blip r:embed="rId3"/>
+          <a:stretch>
+            <a:fillRect/>
+          </a:stretch>
+        </p:blipFill>
+        <p:spPr>
+          <a:xfrm>
+            <a:off x="838199" y="1825625"/>
+            <a:ext cx="10515599" cy="958935"/>
+          </a:xfrm>
+          <a:prstGeom prst="rect">
+            <a:avLst/>
+          </a:prstGeom>
+        </p:spPr>
+      </p:pic>
+      <p:pic>
+        <p:nvPicPr>
+          <p:cNvPr id="9" name="Picture 8">
+            <a:extLst>
+              <a:ext uri="{FF2B5EF4-FFF2-40B4-BE49-F238E27FC236}">
+                <a16:creationId xmlns:a16="http://schemas.microsoft.com/office/drawing/2014/main" id="{FB5D6AFD-79AD-42AA-BDCE-A9BAD52EB1D9}"/>
+              </a:ext>
+            </a:extLst>
+          </p:cNvPr>
+          <p:cNvPicPr>
+            <a:picLocks noChangeAspect="1"/>
+          </p:cNvPicPr>
+          <p:nvPr/>
+        </p:nvPicPr>
+        <p:blipFill>
+          <a:blip r:embed="rId4"/>
+          <a:stretch>
+            <a:fillRect/>
+          </a:stretch>
+        </p:blipFill>
+        <p:spPr>
+          <a:xfrm>
+            <a:off x="2858116" y="2964967"/>
+            <a:ext cx="5601482" cy="1533739"/>
+          </a:xfrm>
+          <a:prstGeom prst="rect">
+            <a:avLst/>
+          </a:prstGeom>
+        </p:spPr>
+      </p:pic>
+      <p:pic>
+        <p:nvPicPr>
+          <p:cNvPr id="11" name="Picture 10">
+            <a:extLst>
+              <a:ext uri="{FF2B5EF4-FFF2-40B4-BE49-F238E27FC236}">
+                <a16:creationId xmlns:a16="http://schemas.microsoft.com/office/drawing/2014/main" id="{483F86B3-9D4B-413E-AEDE-AD398DF0279E}"/>
+              </a:ext>
+            </a:extLst>
+          </p:cNvPr>
+          <p:cNvPicPr>
+            <a:picLocks noChangeAspect="1"/>
+          </p:cNvPicPr>
+          <p:nvPr/>
+        </p:nvPicPr>
+        <p:blipFill>
+          <a:blip r:embed="rId5"/>
+          <a:stretch>
+            <a:fillRect/>
+          </a:stretch>
+        </p:blipFill>
+        <p:spPr>
+          <a:xfrm>
+            <a:off x="5114052" y="4679114"/>
+            <a:ext cx="6239746" cy="1543265"/>
+          </a:xfrm>
+          <a:prstGeom prst="rect">
+            <a:avLst/>
+          </a:prstGeom>
+        </p:spPr>
+      </p:pic>
+      <p:pic>
+        <p:nvPicPr>
+          <p:cNvPr id="12" name="Graphic 11" descr="Back with solid fill">
+            <a:extLst>
+              <a:ext uri="{FF2B5EF4-FFF2-40B4-BE49-F238E27FC236}">
+                <a16:creationId xmlns:a16="http://schemas.microsoft.com/office/drawing/2014/main" id="{4E266668-4A86-4B30-A072-E1E285C49837}"/>
+              </a:ext>
+            </a:extLst>
+          </p:cNvPr>
+          <p:cNvPicPr>
+            <a:picLocks noChangeAspect="1"/>
+          </p:cNvPicPr>
+          <p:nvPr/>
+        </p:nvPicPr>
+        <p:blipFill>
+          <a:blip r:embed="rId6">
+            <a:extLst>
+              <a:ext uri="{28A0092B-C50C-407E-A947-70E740481C1C}">
+                <a14:useLocalDpi xmlns:a14="http://schemas.microsoft.com/office/drawing/2010/main" val="0"/>
+              </a:ext>
+              <a:ext uri="{96DAC541-7B7A-43D3-8B79-37D633B846F1}">
+                <asvg:svgBlip xmlns:asvg="http://schemas.microsoft.com/office/drawing/2016/SVG/main" r:embed="rId7"/>
+              </a:ext>
+            </a:extLst>
+          </a:blip>
+          <a:stretch>
+            <a:fillRect/>
+          </a:stretch>
+        </p:blipFill>
+        <p:spPr>
+          <a:xfrm flipH="1" flipV="1">
+            <a:off x="1557821" y="3258688"/>
+            <a:ext cx="757629" cy="946296"/>
+          </a:xfrm>
+          <a:prstGeom prst="rect">
+            <a:avLst/>
+          </a:prstGeom>
+        </p:spPr>
+      </p:pic>
+      <p:pic>
+        <p:nvPicPr>
+          <p:cNvPr id="13" name="Graphic 12" descr="Back with solid fill">
+            <a:extLst>
+              <a:ext uri="{FF2B5EF4-FFF2-40B4-BE49-F238E27FC236}">
+                <a16:creationId xmlns:a16="http://schemas.microsoft.com/office/drawing/2014/main" id="{09A79AC7-8714-4841-BB7A-8C4FA506271C}"/>
+              </a:ext>
+            </a:extLst>
+          </p:cNvPr>
+          <p:cNvPicPr>
+            <a:picLocks noChangeAspect="1"/>
+          </p:cNvPicPr>
+          <p:nvPr/>
+        </p:nvPicPr>
+        <p:blipFill>
+          <a:blip r:embed="rId6">
+            <a:extLst>
+              <a:ext uri="{28A0092B-C50C-407E-A947-70E740481C1C}">
+                <a14:useLocalDpi xmlns:a14="http://schemas.microsoft.com/office/drawing/2010/main" val="0"/>
+              </a:ext>
+              <a:ext uri="{96DAC541-7B7A-43D3-8B79-37D633B846F1}">
+                <asvg:svgBlip xmlns:asvg="http://schemas.microsoft.com/office/drawing/2016/SVG/main" r:embed="rId7"/>
+              </a:ext>
+            </a:extLst>
+          </a:blip>
+          <a:stretch>
+            <a:fillRect/>
+          </a:stretch>
+        </p:blipFill>
+        <p:spPr>
+          <a:xfrm flipH="1" flipV="1">
+            <a:off x="3697013" y="4977598"/>
+            <a:ext cx="757629" cy="946296"/>
+          </a:xfrm>
+          <a:prstGeom prst="rect">
+            <a:avLst/>
+          </a:prstGeom>
+        </p:spPr>
+      </p:pic>
     </p:spTree>
     <p:extLst>
       <p:ext uri="{BB962C8B-B14F-4D97-AF65-F5344CB8AC3E}">
-        <p14:creationId xmlns:p14="http://schemas.microsoft.com/office/powerpoint/2010/main" val="1057037648"/>
+        <p14:creationId xmlns:p14="http://schemas.microsoft.com/office/powerpoint/2010/main" val="1190439928"/>
       </p:ext>
     </p:extLst>
   </p:cSld>
@@ -12983,6 +15164,1499 @@
 </p:sld>
 </file>
 
+<file path=ppt/slides/slide30.xml><?xml version="1.0" encoding="utf-8"?>
+<p:sld xmlns:a="http://schemas.openxmlformats.org/drawingml/2006/main" xmlns:r="http://schemas.openxmlformats.org/officeDocument/2006/relationships" xmlns:p="http://schemas.openxmlformats.org/presentationml/2006/main">
+  <p:cSld>
+    <p:spTree>
+      <p:nvGrpSpPr>
+        <p:cNvPr id="1" name=""/>
+        <p:cNvGrpSpPr/>
+        <p:nvPr/>
+      </p:nvGrpSpPr>
+      <p:grpSpPr>
+        <a:xfrm>
+          <a:off x="0" y="0"/>
+          <a:ext cx="0" cy="0"/>
+          <a:chOff x="0" y="0"/>
+          <a:chExt cx="0" cy="0"/>
+        </a:xfrm>
+      </p:grpSpPr>
+      <p:sp>
+        <p:nvSpPr>
+          <p:cNvPr id="2" name="Titel 1"/>
+          <p:cNvSpPr>
+            <a:spLocks noGrp="1"/>
+          </p:cNvSpPr>
+          <p:nvPr>
+            <p:ph type="title"/>
+          </p:nvPr>
+        </p:nvSpPr>
+        <p:spPr/>
+        <p:txBody>
+          <a:bodyPr/>
+          <a:lstStyle/>
+          <a:p>
+            <a:r>
+              <a:rPr lang="en-US"/>
+              <a:t>Quanteda Universe  </a:t>
+            </a:r>
+            <a:r>
+              <a:rPr lang="en-US" b="1"/>
+              <a:t>Basic Classes</a:t>
+            </a:r>
+          </a:p>
+        </p:txBody>
+      </p:sp>
+      <p:sp>
+        <p:nvSpPr>
+          <p:cNvPr id="4" name="Foliennummernplatzhalter 3"/>
+          <p:cNvSpPr>
+            <a:spLocks noGrp="1"/>
+          </p:cNvSpPr>
+          <p:nvPr>
+            <p:ph type="sldNum" sz="quarter" idx="12"/>
+          </p:nvPr>
+        </p:nvSpPr>
+        <p:spPr/>
+        <p:txBody>
+          <a:bodyPr/>
+          <a:lstStyle/>
+          <a:p>
+            <a:fld id="{C9E0B00B-E6DF-4183-A694-3DE28BEFB357}" type="slidenum">
+              <a:rPr lang="en-US" smtClean="0"/>
+              <a:t>30</a:t>
+            </a:fld>
+            <a:endParaRPr lang="en-US"/>
+          </a:p>
+        </p:txBody>
+      </p:sp>
+      <p:sp>
+        <p:nvSpPr>
+          <p:cNvPr id="5" name="Content Placeholder 2">
+            <a:extLst>
+              <a:ext uri="{FF2B5EF4-FFF2-40B4-BE49-F238E27FC236}">
+                <a16:creationId xmlns:a16="http://schemas.microsoft.com/office/drawing/2014/main" id="{2103F23C-B021-4F14-8084-0CDDB4205028}"/>
+              </a:ext>
+            </a:extLst>
+          </p:cNvPr>
+          <p:cNvSpPr>
+            <a:spLocks noGrp="1"/>
+          </p:cNvSpPr>
+          <p:nvPr>
+            <p:ph idx="1"/>
+          </p:nvPr>
+        </p:nvSpPr>
+        <p:spPr>
+          <a:xfrm>
+            <a:off x="838200" y="1825625"/>
+            <a:ext cx="10515600" cy="4667250"/>
+          </a:xfrm>
+        </p:spPr>
+        <p:txBody>
+          <a:bodyPr/>
+          <a:lstStyle/>
+          <a:p>
+            <a:r>
+              <a:rPr lang="en-US">
+                <a:highlight>
+                  <a:srgbClr val="C0C0C0"/>
+                </a:highlight>
+                <a:latin typeface="Consolas" panose="020B0609020204030204" pitchFamily="49" charset="0"/>
+                <a:sym typeface="Symbol" panose="05050102010706020507" pitchFamily="18" charset="2"/>
+              </a:rPr>
+              <a:t>dfm</a:t>
+            </a:r>
+          </a:p>
+          <a:p>
+            <a:pPr lvl="1"/>
+            <a:r>
+              <a:rPr lang="en-US" b="1">
+                <a:sym typeface="Symbol" panose="05050102010706020507" pitchFamily="18" charset="2"/>
+              </a:rPr>
+              <a:t>Document-feature matrix</a:t>
+            </a:r>
+          </a:p>
+          <a:p>
+            <a:pPr lvl="1"/>
+            <a:r>
+              <a:rPr lang="en-US">
+                <a:sym typeface="Symbol" panose="05050102010706020507" pitchFamily="18" charset="2"/>
+              </a:rPr>
+              <a:t>Token count per document  </a:t>
+            </a:r>
+            <a:r>
+              <a:rPr lang="en-US">
+                <a:solidFill>
+                  <a:srgbClr val="66CCFF"/>
+                </a:solidFill>
+                <a:sym typeface="Symbol" panose="05050102010706020507" pitchFamily="18" charset="2"/>
+              </a:rPr>
+              <a:t>word occurrence per tweet + meta data</a:t>
+            </a:r>
+          </a:p>
+          <a:p>
+            <a:pPr lvl="1"/>
+            <a:r>
+              <a:rPr lang="en-US">
+                <a:sym typeface="Symbol" panose="05050102010706020507" pitchFamily="18" charset="2"/>
+              </a:rPr>
+              <a:t>Methods</a:t>
+            </a:r>
+          </a:p>
+          <a:p>
+            <a:pPr lvl="2"/>
+            <a:r>
+              <a:rPr lang="en-US" b="1">
+                <a:sym typeface="Symbol" panose="05050102010706020507" pitchFamily="18" charset="2"/>
+              </a:rPr>
+              <a:t>Weighting</a:t>
+            </a:r>
+            <a:r>
+              <a:rPr lang="en-US">
+                <a:sym typeface="Symbol" panose="05050102010706020507" pitchFamily="18" charset="2"/>
+              </a:rPr>
+              <a:t> schemes, such as tf-idf</a:t>
+            </a:r>
+          </a:p>
+          <a:p>
+            <a:pPr lvl="2"/>
+            <a:r>
+              <a:rPr lang="en-US">
+                <a:sym typeface="Symbol" panose="05050102010706020507" pitchFamily="18" charset="2"/>
+              </a:rPr>
+              <a:t>Counting </a:t>
+            </a:r>
+            <a:r>
+              <a:rPr lang="en-US" b="1">
+                <a:sym typeface="Symbol" panose="05050102010706020507" pitchFamily="18" charset="2"/>
+              </a:rPr>
+              <a:t>matches</a:t>
+            </a:r>
+            <a:r>
+              <a:rPr lang="en-US">
+                <a:sym typeface="Symbol" panose="05050102010706020507" pitchFamily="18" charset="2"/>
+              </a:rPr>
+              <a:t> with a list of words</a:t>
+            </a:r>
+          </a:p>
+          <a:p>
+            <a:pPr lvl="2"/>
+            <a:r>
+              <a:rPr lang="en-US">
+                <a:sym typeface="Symbol" panose="05050102010706020507" pitchFamily="18" charset="2"/>
+              </a:rPr>
+              <a:t>Extracting </a:t>
+            </a:r>
+            <a:r>
+              <a:rPr lang="en-US" b="1">
+                <a:sym typeface="Symbol" panose="05050102010706020507" pitchFamily="18" charset="2"/>
+              </a:rPr>
+              <a:t>top</a:t>
+            </a:r>
+            <a:r>
+              <a:rPr lang="en-US">
+                <a:sym typeface="Symbol" panose="05050102010706020507" pitchFamily="18" charset="2"/>
+              </a:rPr>
+              <a:t> features</a:t>
+            </a:r>
+          </a:p>
+          <a:p>
+            <a:pPr lvl="2"/>
+            <a:r>
+              <a:rPr lang="en-US">
+                <a:sym typeface="Symbol" panose="05050102010706020507" pitchFamily="18" charset="2"/>
+              </a:rPr>
+              <a:t>Performing dictionary </a:t>
+            </a:r>
+            <a:r>
+              <a:rPr lang="en-US" b="1">
+                <a:sym typeface="Symbol" panose="05050102010706020507" pitchFamily="18" charset="2"/>
+              </a:rPr>
+              <a:t>look-ups</a:t>
+            </a:r>
+            <a:endParaRPr lang="en-US">
+              <a:sym typeface="Symbol" panose="05050102010706020507" pitchFamily="18" charset="2"/>
+            </a:endParaRPr>
+          </a:p>
+          <a:p>
+            <a:pPr lvl="2"/>
+            <a:endParaRPr lang="en-US">
+              <a:sym typeface="Symbol" panose="05050102010706020507" pitchFamily="18" charset="2"/>
+            </a:endParaRPr>
+          </a:p>
+        </p:txBody>
+      </p:sp>
+      <p:pic>
+        <p:nvPicPr>
+          <p:cNvPr id="6" name="Picture 5">
+            <a:extLst>
+              <a:ext uri="{FF2B5EF4-FFF2-40B4-BE49-F238E27FC236}">
+                <a16:creationId xmlns:a16="http://schemas.microsoft.com/office/drawing/2014/main" id="{93DECC3E-CB70-4B69-BF91-4B10586190E0}"/>
+              </a:ext>
+            </a:extLst>
+          </p:cNvPr>
+          <p:cNvPicPr>
+            <a:picLocks noChangeAspect="1"/>
+          </p:cNvPicPr>
+          <p:nvPr/>
+        </p:nvPicPr>
+        <p:blipFill>
+          <a:blip r:embed="rId3"/>
+          <a:stretch>
+            <a:fillRect/>
+          </a:stretch>
+        </p:blipFill>
+        <p:spPr>
+          <a:xfrm>
+            <a:off x="1198926" y="5064948"/>
+            <a:ext cx="8783973" cy="1291402"/>
+          </a:xfrm>
+          <a:prstGeom prst="rect">
+            <a:avLst/>
+          </a:prstGeom>
+        </p:spPr>
+      </p:pic>
+    </p:spTree>
+    <p:extLst>
+      <p:ext uri="{BB962C8B-B14F-4D97-AF65-F5344CB8AC3E}">
+        <p14:creationId xmlns:p14="http://schemas.microsoft.com/office/powerpoint/2010/main" val="849495713"/>
+      </p:ext>
+    </p:extLst>
+  </p:cSld>
+  <p:clrMapOvr>
+    <a:masterClrMapping/>
+  </p:clrMapOvr>
+</p:sld>
+</file>
+
+<file path=ppt/slides/slide31.xml><?xml version="1.0" encoding="utf-8"?>
+<p:sld xmlns:a="http://schemas.openxmlformats.org/drawingml/2006/main" xmlns:r="http://schemas.openxmlformats.org/officeDocument/2006/relationships" xmlns:p="http://schemas.openxmlformats.org/presentationml/2006/main">
+  <p:cSld>
+    <p:spTree>
+      <p:nvGrpSpPr>
+        <p:cNvPr id="1" name=""/>
+        <p:cNvGrpSpPr/>
+        <p:nvPr/>
+      </p:nvGrpSpPr>
+      <p:grpSpPr>
+        <a:xfrm>
+          <a:off x="0" y="0"/>
+          <a:ext cx="0" cy="0"/>
+          <a:chOff x="0" y="0"/>
+          <a:chExt cx="0" cy="0"/>
+        </a:xfrm>
+      </p:grpSpPr>
+      <p:sp>
+        <p:nvSpPr>
+          <p:cNvPr id="2" name="Titel 1"/>
+          <p:cNvSpPr>
+            <a:spLocks noGrp="1"/>
+          </p:cNvSpPr>
+          <p:nvPr>
+            <p:ph type="title"/>
+          </p:nvPr>
+        </p:nvSpPr>
+        <p:spPr/>
+        <p:txBody>
+          <a:bodyPr/>
+          <a:lstStyle/>
+          <a:p>
+            <a:r>
+              <a:rPr lang="en-US"/>
+              <a:t>Quanteda Universe  </a:t>
+            </a:r>
+            <a:r>
+              <a:rPr lang="en-US" b="1"/>
+              <a:t>Basic Classes</a:t>
+            </a:r>
+          </a:p>
+        </p:txBody>
+      </p:sp>
+      <p:sp>
+        <p:nvSpPr>
+          <p:cNvPr id="4" name="Foliennummernplatzhalter 3"/>
+          <p:cNvSpPr>
+            <a:spLocks noGrp="1"/>
+          </p:cNvSpPr>
+          <p:nvPr>
+            <p:ph type="sldNum" sz="quarter" idx="12"/>
+          </p:nvPr>
+        </p:nvSpPr>
+        <p:spPr/>
+        <p:txBody>
+          <a:bodyPr/>
+          <a:lstStyle/>
+          <a:p>
+            <a:fld id="{C9E0B00B-E6DF-4183-A694-3DE28BEFB357}" type="slidenum">
+              <a:rPr lang="en-US" smtClean="0"/>
+              <a:t>31</a:t>
+            </a:fld>
+            <a:endParaRPr lang="en-US"/>
+          </a:p>
+        </p:txBody>
+      </p:sp>
+      <p:sp>
+        <p:nvSpPr>
+          <p:cNvPr id="5" name="Content Placeholder 2">
+            <a:extLst>
+              <a:ext uri="{FF2B5EF4-FFF2-40B4-BE49-F238E27FC236}">
+                <a16:creationId xmlns:a16="http://schemas.microsoft.com/office/drawing/2014/main" id="{2103F23C-B021-4F14-8084-0CDDB4205028}"/>
+              </a:ext>
+            </a:extLst>
+          </p:cNvPr>
+          <p:cNvSpPr>
+            <a:spLocks noGrp="1"/>
+          </p:cNvSpPr>
+          <p:nvPr>
+            <p:ph idx="1"/>
+          </p:nvPr>
+        </p:nvSpPr>
+        <p:spPr>
+          <a:xfrm>
+            <a:off x="838200" y="1825625"/>
+            <a:ext cx="10515600" cy="4667250"/>
+          </a:xfrm>
+        </p:spPr>
+        <p:txBody>
+          <a:bodyPr/>
+          <a:lstStyle/>
+          <a:p>
+            <a:r>
+              <a:rPr lang="en-US">
+                <a:highlight>
+                  <a:srgbClr val="C0C0C0"/>
+                </a:highlight>
+                <a:latin typeface="Consolas" panose="020B0609020204030204" pitchFamily="49" charset="0"/>
+                <a:sym typeface="Symbol" panose="05050102010706020507" pitchFamily="18" charset="2"/>
+              </a:rPr>
+              <a:t>fcm</a:t>
+            </a:r>
+          </a:p>
+          <a:p>
+            <a:pPr lvl="1"/>
+            <a:r>
+              <a:rPr lang="en-US" b="1">
+                <a:sym typeface="Symbol" panose="05050102010706020507" pitchFamily="18" charset="2"/>
+              </a:rPr>
+              <a:t>Feature co-occurrence matrix</a:t>
+            </a:r>
+          </a:p>
+          <a:p>
+            <a:pPr lvl="1"/>
+            <a:r>
+              <a:rPr lang="en-US">
+                <a:sym typeface="Symbol" panose="05050102010706020507" pitchFamily="18" charset="2"/>
+              </a:rPr>
+              <a:t>Tokens co-occurrence count across corpus  </a:t>
+            </a:r>
+            <a:r>
+              <a:rPr lang="en-US">
+                <a:solidFill>
+                  <a:srgbClr val="66CCFF"/>
+                </a:solidFill>
+                <a:sym typeface="Symbol" panose="05050102010706020507" pitchFamily="18" charset="2"/>
+              </a:rPr>
+              <a:t>term co-occurrence over tweets</a:t>
+            </a:r>
+          </a:p>
+        </p:txBody>
+      </p:sp>
+      <p:pic>
+        <p:nvPicPr>
+          <p:cNvPr id="7" name="Picture 6">
+            <a:extLst>
+              <a:ext uri="{FF2B5EF4-FFF2-40B4-BE49-F238E27FC236}">
+                <a16:creationId xmlns:a16="http://schemas.microsoft.com/office/drawing/2014/main" id="{F7C7DB34-3E19-4A43-84EC-29A91F42CEA7}"/>
+              </a:ext>
+            </a:extLst>
+          </p:cNvPr>
+          <p:cNvPicPr>
+            <a:picLocks noChangeAspect="1"/>
+          </p:cNvPicPr>
+          <p:nvPr/>
+        </p:nvPicPr>
+        <p:blipFill>
+          <a:blip r:embed="rId3"/>
+          <a:stretch>
+            <a:fillRect/>
+          </a:stretch>
+        </p:blipFill>
+        <p:spPr>
+          <a:xfrm>
+            <a:off x="1145702" y="3345245"/>
+            <a:ext cx="10208098" cy="2635173"/>
+          </a:xfrm>
+          <a:prstGeom prst="rect">
+            <a:avLst/>
+          </a:prstGeom>
+        </p:spPr>
+      </p:pic>
+    </p:spTree>
+    <p:extLst>
+      <p:ext uri="{BB962C8B-B14F-4D97-AF65-F5344CB8AC3E}">
+        <p14:creationId xmlns:p14="http://schemas.microsoft.com/office/powerpoint/2010/main" val="4202786701"/>
+      </p:ext>
+    </p:extLst>
+  </p:cSld>
+  <p:clrMapOvr>
+    <a:masterClrMapping/>
+  </p:clrMapOvr>
+</p:sld>
+</file>
+
+<file path=ppt/slides/slide32.xml><?xml version="1.0" encoding="utf-8"?>
+<p:sld xmlns:a="http://schemas.openxmlformats.org/drawingml/2006/main" xmlns:r="http://schemas.openxmlformats.org/officeDocument/2006/relationships" xmlns:p="http://schemas.openxmlformats.org/presentationml/2006/main">
+  <p:cSld>
+    <p:spTree>
+      <p:nvGrpSpPr>
+        <p:cNvPr id="1" name=""/>
+        <p:cNvGrpSpPr/>
+        <p:nvPr/>
+      </p:nvGrpSpPr>
+      <p:grpSpPr>
+        <a:xfrm>
+          <a:off x="0" y="0"/>
+          <a:ext cx="0" cy="0"/>
+          <a:chOff x="0" y="0"/>
+          <a:chExt cx="0" cy="0"/>
+        </a:xfrm>
+      </p:grpSpPr>
+      <p:sp>
+        <p:nvSpPr>
+          <p:cNvPr id="2" name="Titel 1"/>
+          <p:cNvSpPr>
+            <a:spLocks noGrp="1"/>
+          </p:cNvSpPr>
+          <p:nvPr>
+            <p:ph type="title"/>
+          </p:nvPr>
+        </p:nvSpPr>
+        <p:spPr/>
+        <p:txBody>
+          <a:bodyPr/>
+          <a:lstStyle/>
+          <a:p>
+            <a:r>
+              <a:rPr lang="en-US"/>
+              <a:t>Quanteda Universe  </a:t>
+            </a:r>
+            <a:r>
+              <a:rPr lang="en-US" b="1"/>
+              <a:t>Basic Classes</a:t>
+            </a:r>
+          </a:p>
+        </p:txBody>
+      </p:sp>
+      <p:sp>
+        <p:nvSpPr>
+          <p:cNvPr id="4" name="Foliennummernplatzhalter 3"/>
+          <p:cNvSpPr>
+            <a:spLocks noGrp="1"/>
+          </p:cNvSpPr>
+          <p:nvPr>
+            <p:ph type="sldNum" sz="quarter" idx="12"/>
+          </p:nvPr>
+        </p:nvSpPr>
+        <p:spPr/>
+        <p:txBody>
+          <a:bodyPr/>
+          <a:lstStyle/>
+          <a:p>
+            <a:fld id="{C9E0B00B-E6DF-4183-A694-3DE28BEFB357}" type="slidenum">
+              <a:rPr lang="en-US" smtClean="0"/>
+              <a:t>32</a:t>
+            </a:fld>
+            <a:endParaRPr lang="en-US"/>
+          </a:p>
+        </p:txBody>
+      </p:sp>
+      <p:sp>
+        <p:nvSpPr>
+          <p:cNvPr id="5" name="Content Placeholder 2">
+            <a:extLst>
+              <a:ext uri="{FF2B5EF4-FFF2-40B4-BE49-F238E27FC236}">
+                <a16:creationId xmlns:a16="http://schemas.microsoft.com/office/drawing/2014/main" id="{2103F23C-B021-4F14-8084-0CDDB4205028}"/>
+              </a:ext>
+            </a:extLst>
+          </p:cNvPr>
+          <p:cNvSpPr>
+            <a:spLocks noGrp="1"/>
+          </p:cNvSpPr>
+          <p:nvPr>
+            <p:ph idx="1"/>
+          </p:nvPr>
+        </p:nvSpPr>
+        <p:spPr>
+          <a:xfrm>
+            <a:off x="838200" y="1825625"/>
+            <a:ext cx="10515600" cy="4667250"/>
+          </a:xfrm>
+        </p:spPr>
+        <p:txBody>
+          <a:bodyPr/>
+          <a:lstStyle/>
+          <a:p>
+            <a:r>
+              <a:rPr lang="en-US">
+                <a:highlight>
+                  <a:srgbClr val="C0C0C0"/>
+                </a:highlight>
+                <a:latin typeface="Consolas" panose="020B0609020204030204" pitchFamily="49" charset="0"/>
+                <a:sym typeface="Symbol" panose="05050102010706020507" pitchFamily="18" charset="2"/>
+              </a:rPr>
+              <a:t>dictionary</a:t>
+            </a:r>
+          </a:p>
+          <a:p>
+            <a:pPr lvl="1"/>
+            <a:r>
+              <a:rPr lang="en-US">
+                <a:sym typeface="Symbol" panose="05050102010706020507" pitchFamily="18" charset="2"/>
+              </a:rPr>
+              <a:t>Essentially, named list </a:t>
+            </a:r>
+          </a:p>
+          <a:p>
+            <a:pPr lvl="1"/>
+            <a:r>
+              <a:rPr lang="en-US">
+                <a:sym typeface="Symbol" panose="05050102010706020507" pitchFamily="18" charset="2"/>
+              </a:rPr>
+              <a:t>Specifying dimensions with associated items</a:t>
+            </a:r>
+          </a:p>
+          <a:p>
+            <a:pPr lvl="1"/>
+            <a:r>
+              <a:rPr lang="en-US">
+                <a:sym typeface="Symbol" panose="05050102010706020507" pitchFamily="18" charset="2"/>
+              </a:rPr>
+              <a:t>Look-up on document level  </a:t>
+            </a:r>
+            <a:r>
+              <a:rPr lang="en-US">
+                <a:solidFill>
+                  <a:srgbClr val="66CCFF"/>
+                </a:solidFill>
+                <a:sym typeface="Symbol" panose="05050102010706020507" pitchFamily="18" charset="2"/>
+              </a:rPr>
+              <a:t>dictionary item count per tweet</a:t>
+            </a:r>
+          </a:p>
+        </p:txBody>
+      </p:sp>
+      <p:pic>
+        <p:nvPicPr>
+          <p:cNvPr id="6" name="Picture 5">
+            <a:extLst>
+              <a:ext uri="{FF2B5EF4-FFF2-40B4-BE49-F238E27FC236}">
+                <a16:creationId xmlns:a16="http://schemas.microsoft.com/office/drawing/2014/main" id="{7E96A258-A7C5-4B51-B77D-600CE64720D2}"/>
+              </a:ext>
+            </a:extLst>
+          </p:cNvPr>
+          <p:cNvPicPr>
+            <a:picLocks noChangeAspect="1"/>
+          </p:cNvPicPr>
+          <p:nvPr/>
+        </p:nvPicPr>
+        <p:blipFill>
+          <a:blip r:embed="rId3"/>
+          <a:stretch>
+            <a:fillRect/>
+          </a:stretch>
+        </p:blipFill>
+        <p:spPr>
+          <a:xfrm>
+            <a:off x="1202114" y="3803286"/>
+            <a:ext cx="3688534" cy="983609"/>
+          </a:xfrm>
+          <a:prstGeom prst="rect">
+            <a:avLst/>
+          </a:prstGeom>
+        </p:spPr>
+      </p:pic>
+      <p:pic>
+        <p:nvPicPr>
+          <p:cNvPr id="9" name="Picture 8">
+            <a:extLst>
+              <a:ext uri="{FF2B5EF4-FFF2-40B4-BE49-F238E27FC236}">
+                <a16:creationId xmlns:a16="http://schemas.microsoft.com/office/drawing/2014/main" id="{D22DB8D5-58C9-4E52-A5A5-8C6B1FF7BE2A}"/>
+              </a:ext>
+            </a:extLst>
+          </p:cNvPr>
+          <p:cNvPicPr>
+            <a:picLocks noChangeAspect="1"/>
+          </p:cNvPicPr>
+          <p:nvPr/>
+        </p:nvPicPr>
+        <p:blipFill>
+          <a:blip r:embed="rId4"/>
+          <a:stretch>
+            <a:fillRect/>
+          </a:stretch>
+        </p:blipFill>
+        <p:spPr>
+          <a:xfrm>
+            <a:off x="3046381" y="5049201"/>
+            <a:ext cx="8216864" cy="1172212"/>
+          </a:xfrm>
+          <a:prstGeom prst="rect">
+            <a:avLst/>
+          </a:prstGeom>
+        </p:spPr>
+      </p:pic>
+      <p:pic>
+        <p:nvPicPr>
+          <p:cNvPr id="10" name="Graphic 9" descr="Back with solid fill">
+            <a:extLst>
+              <a:ext uri="{FF2B5EF4-FFF2-40B4-BE49-F238E27FC236}">
+                <a16:creationId xmlns:a16="http://schemas.microsoft.com/office/drawing/2014/main" id="{0CF1E427-3B74-4D42-B8BB-0649205DB123}"/>
+              </a:ext>
+            </a:extLst>
+          </p:cNvPr>
+          <p:cNvPicPr>
+            <a:picLocks noChangeAspect="1"/>
+          </p:cNvPicPr>
+          <p:nvPr/>
+        </p:nvPicPr>
+        <p:blipFill>
+          <a:blip r:embed="rId5">
+            <a:extLst>
+              <a:ext uri="{28A0092B-C50C-407E-A947-70E740481C1C}">
+                <a14:useLocalDpi xmlns:a14="http://schemas.microsoft.com/office/drawing/2010/main" val="0"/>
+              </a:ext>
+              <a:ext uri="{96DAC541-7B7A-43D3-8B79-37D633B846F1}">
+                <asvg:svgBlip xmlns:asvg="http://schemas.microsoft.com/office/drawing/2016/SVG/main" r:embed="rId6"/>
+              </a:ext>
+            </a:extLst>
+          </a:blip>
+          <a:stretch>
+            <a:fillRect/>
+          </a:stretch>
+        </p:blipFill>
+        <p:spPr>
+          <a:xfrm flipH="1" flipV="1">
+            <a:off x="1817878" y="5049201"/>
+            <a:ext cx="757629" cy="946296"/>
+          </a:xfrm>
+          <a:prstGeom prst="rect">
+            <a:avLst/>
+          </a:prstGeom>
+        </p:spPr>
+      </p:pic>
+    </p:spTree>
+    <p:extLst>
+      <p:ext uri="{BB962C8B-B14F-4D97-AF65-F5344CB8AC3E}">
+        <p14:creationId xmlns:p14="http://schemas.microsoft.com/office/powerpoint/2010/main" val="2818359232"/>
+      </p:ext>
+    </p:extLst>
+  </p:cSld>
+  <p:clrMapOvr>
+    <a:masterClrMapping/>
+  </p:clrMapOvr>
+</p:sld>
+</file>
+
+<file path=ppt/slides/slide33.xml><?xml version="1.0" encoding="utf-8"?>
+<p:sld xmlns:a="http://schemas.openxmlformats.org/drawingml/2006/main" xmlns:r="http://schemas.openxmlformats.org/officeDocument/2006/relationships" xmlns:p="http://schemas.openxmlformats.org/presentationml/2006/main">
+  <p:cSld>
+    <p:spTree>
+      <p:nvGrpSpPr>
+        <p:cNvPr id="1" name=""/>
+        <p:cNvGrpSpPr/>
+        <p:nvPr/>
+      </p:nvGrpSpPr>
+      <p:grpSpPr>
+        <a:xfrm>
+          <a:off x="0" y="0"/>
+          <a:ext cx="0" cy="0"/>
+          <a:chOff x="0" y="0"/>
+          <a:chExt cx="0" cy="0"/>
+        </a:xfrm>
+      </p:grpSpPr>
+      <p:sp>
+        <p:nvSpPr>
+          <p:cNvPr id="2" name="Titel 1"/>
+          <p:cNvSpPr>
+            <a:spLocks noGrp="1"/>
+          </p:cNvSpPr>
+          <p:nvPr>
+            <p:ph type="title"/>
+          </p:nvPr>
+        </p:nvSpPr>
+        <p:spPr/>
+        <p:txBody>
+          <a:bodyPr/>
+          <a:lstStyle/>
+          <a:p>
+            <a:r>
+              <a:rPr lang="en-US"/>
+              <a:t>Quanteda Universe  </a:t>
+            </a:r>
+            <a:r>
+              <a:rPr lang="en-US" b="1"/>
+              <a:t>Scope</a:t>
+            </a:r>
+          </a:p>
+        </p:txBody>
+      </p:sp>
+      <p:sp>
+        <p:nvSpPr>
+          <p:cNvPr id="4" name="Foliennummernplatzhalter 3"/>
+          <p:cNvSpPr>
+            <a:spLocks noGrp="1"/>
+          </p:cNvSpPr>
+          <p:nvPr>
+            <p:ph type="sldNum" sz="quarter" idx="12"/>
+          </p:nvPr>
+        </p:nvSpPr>
+        <p:spPr/>
+        <p:txBody>
+          <a:bodyPr/>
+          <a:lstStyle/>
+          <a:p>
+            <a:fld id="{C9E0B00B-E6DF-4183-A694-3DE28BEFB357}" type="slidenum">
+              <a:rPr lang="en-US" smtClean="0"/>
+              <a:t>33</a:t>
+            </a:fld>
+            <a:endParaRPr lang="en-US"/>
+          </a:p>
+        </p:txBody>
+      </p:sp>
+      <p:sp>
+        <p:nvSpPr>
+          <p:cNvPr id="5" name="Content Placeholder 2">
+            <a:extLst>
+              <a:ext uri="{FF2B5EF4-FFF2-40B4-BE49-F238E27FC236}">
+                <a16:creationId xmlns:a16="http://schemas.microsoft.com/office/drawing/2014/main" id="{2103F23C-B021-4F14-8084-0CDDB4205028}"/>
+              </a:ext>
+            </a:extLst>
+          </p:cNvPr>
+          <p:cNvSpPr>
+            <a:spLocks noGrp="1"/>
+          </p:cNvSpPr>
+          <p:nvPr>
+            <p:ph idx="1"/>
+          </p:nvPr>
+        </p:nvSpPr>
+        <p:spPr>
+          <a:xfrm>
+            <a:off x="838200" y="1825625"/>
+            <a:ext cx="10515600" cy="4351338"/>
+          </a:xfrm>
+        </p:spPr>
+        <p:txBody>
+          <a:bodyPr>
+            <a:normAutofit/>
+          </a:bodyPr>
+          <a:lstStyle/>
+          <a:p>
+            <a:r>
+              <a:rPr lang="en-US"/>
+              <a:t>Purpose of </a:t>
+            </a:r>
+            <a:r>
+              <a:rPr lang="en-US">
+                <a:latin typeface="Consolas" panose="020B0609020204030204" pitchFamily="49" charset="0"/>
+              </a:rPr>
+              <a:t>quanteda</a:t>
+            </a:r>
+            <a:r>
+              <a:rPr lang="en-US"/>
+              <a:t>: handling text corpora and performing basic analysis of their components</a:t>
+            </a:r>
+            <a:br>
+              <a:rPr lang="en-US"/>
+            </a:br>
+            <a:endParaRPr lang="en-US"/>
+          </a:p>
+          <a:p>
+            <a:r>
+              <a:rPr lang="en-US" b="1"/>
+              <a:t>Within scope</a:t>
+            </a:r>
+          </a:p>
+          <a:p>
+            <a:pPr lvl="1"/>
+            <a:r>
+              <a:rPr lang="en-US"/>
+              <a:t>Organizing text documents</a:t>
+            </a:r>
+          </a:p>
+          <a:p>
+            <a:pPr lvl="1"/>
+            <a:r>
+              <a:rPr lang="en-US"/>
+              <a:t>Tokenization</a:t>
+            </a:r>
+          </a:p>
+          <a:p>
+            <a:pPr lvl="1"/>
+            <a:r>
+              <a:rPr lang="en-US"/>
+              <a:t>Descriptive analyses</a:t>
+            </a:r>
+          </a:p>
+          <a:p>
+            <a:r>
+              <a:rPr lang="en-US" b="1"/>
+              <a:t>Out of scope</a:t>
+            </a:r>
+          </a:p>
+          <a:p>
+            <a:pPr lvl="1"/>
+            <a:r>
+              <a:rPr lang="en-US"/>
+              <a:t>Higher-level text analysis such as </a:t>
+            </a:r>
+            <a:br>
+              <a:rPr lang="en-US"/>
+            </a:br>
+            <a:r>
+              <a:rPr lang="en-US"/>
+              <a:t>topic modeling or sentiment analysis</a:t>
+            </a:r>
+          </a:p>
+        </p:txBody>
+      </p:sp>
+      <p:sp>
+        <p:nvSpPr>
+          <p:cNvPr id="7" name="Right Brace 6">
+            <a:extLst>
+              <a:ext uri="{FF2B5EF4-FFF2-40B4-BE49-F238E27FC236}">
+                <a16:creationId xmlns:a16="http://schemas.microsoft.com/office/drawing/2014/main" id="{18807AF1-8434-4D97-A06D-E93849369380}"/>
+              </a:ext>
+            </a:extLst>
+          </p:cNvPr>
+          <p:cNvSpPr/>
+          <p:nvPr/>
+        </p:nvSpPr>
+        <p:spPr>
+          <a:xfrm>
+            <a:off x="6500944" y="3254926"/>
+            <a:ext cx="193471" cy="1351373"/>
+          </a:xfrm>
+          <a:prstGeom prst="rightBrace">
+            <a:avLst/>
+          </a:prstGeom>
+          <a:noFill/>
+          <a:ln w="28575">
+            <a:solidFill>
+              <a:schemeClr val="tx1">
+                <a:lumMod val="50000"/>
+                <a:lumOff val="50000"/>
+              </a:schemeClr>
+            </a:solidFill>
+          </a:ln>
+        </p:spPr>
+        <p:style>
+          <a:lnRef idx="1">
+            <a:schemeClr val="accent1"/>
+          </a:lnRef>
+          <a:fillRef idx="0">
+            <a:schemeClr val="accent1"/>
+          </a:fillRef>
+          <a:effectRef idx="0">
+            <a:schemeClr val="accent1"/>
+          </a:effectRef>
+          <a:fontRef idx="minor">
+            <a:schemeClr val="tx1"/>
+          </a:fontRef>
+        </p:style>
+        <p:txBody>
+          <a:bodyPr rtlCol="0" anchor="ctr"/>
+          <a:lstStyle/>
+          <a:p>
+            <a:pPr algn="ctr"/>
+            <a:endParaRPr lang="en-US"/>
+          </a:p>
+        </p:txBody>
+      </p:sp>
+      <p:sp>
+        <p:nvSpPr>
+          <p:cNvPr id="8" name="Right Brace 7">
+            <a:extLst>
+              <a:ext uri="{FF2B5EF4-FFF2-40B4-BE49-F238E27FC236}">
+                <a16:creationId xmlns:a16="http://schemas.microsoft.com/office/drawing/2014/main" id="{FD692DB8-F4BB-4EFE-B0FE-9271893C96B7}"/>
+              </a:ext>
+            </a:extLst>
+          </p:cNvPr>
+          <p:cNvSpPr/>
+          <p:nvPr/>
+        </p:nvSpPr>
+        <p:spPr>
+          <a:xfrm>
+            <a:off x="6500944" y="4904696"/>
+            <a:ext cx="193471" cy="973869"/>
+          </a:xfrm>
+          <a:prstGeom prst="rightBrace">
+            <a:avLst/>
+          </a:prstGeom>
+          <a:noFill/>
+          <a:ln w="28575">
+            <a:solidFill>
+              <a:schemeClr val="tx1">
+                <a:lumMod val="50000"/>
+                <a:lumOff val="50000"/>
+              </a:schemeClr>
+            </a:solidFill>
+          </a:ln>
+        </p:spPr>
+        <p:style>
+          <a:lnRef idx="1">
+            <a:schemeClr val="accent1"/>
+          </a:lnRef>
+          <a:fillRef idx="0">
+            <a:schemeClr val="accent1"/>
+          </a:fillRef>
+          <a:effectRef idx="0">
+            <a:schemeClr val="accent1"/>
+          </a:effectRef>
+          <a:fontRef idx="minor">
+            <a:schemeClr val="tx1"/>
+          </a:fontRef>
+        </p:style>
+        <p:txBody>
+          <a:bodyPr rtlCol="0" anchor="ctr"/>
+          <a:lstStyle/>
+          <a:p>
+            <a:pPr algn="ctr"/>
+            <a:endParaRPr lang="en-US"/>
+          </a:p>
+        </p:txBody>
+      </p:sp>
+      <p:sp>
+        <p:nvSpPr>
+          <p:cNvPr id="9" name="Speech Bubble: Rectangle 8">
+            <a:extLst>
+              <a:ext uri="{FF2B5EF4-FFF2-40B4-BE49-F238E27FC236}">
+                <a16:creationId xmlns:a16="http://schemas.microsoft.com/office/drawing/2014/main" id="{72C4B30D-F08E-449F-B811-5813551B3D96}"/>
+              </a:ext>
+            </a:extLst>
+          </p:cNvPr>
+          <p:cNvSpPr/>
+          <p:nvPr/>
+        </p:nvSpPr>
+        <p:spPr>
+          <a:xfrm>
+            <a:off x="7005170" y="3708361"/>
+            <a:ext cx="3493317" cy="444501"/>
+          </a:xfrm>
+          <a:prstGeom prst="wedgeRectCallout">
+            <a:avLst>
+              <a:gd name="adj1" fmla="val -60500"/>
+              <a:gd name="adj2" fmla="val -7955"/>
+            </a:avLst>
+          </a:prstGeom>
+          <a:noFill/>
+          <a:ln>
+            <a:noFill/>
+          </a:ln>
+        </p:spPr>
+        <p:style>
+          <a:lnRef idx="2">
+            <a:schemeClr val="accent1">
+              <a:shade val="50000"/>
+            </a:schemeClr>
+          </a:lnRef>
+          <a:fillRef idx="1">
+            <a:schemeClr val="accent1"/>
+          </a:fillRef>
+          <a:effectRef idx="0">
+            <a:schemeClr val="accent1"/>
+          </a:effectRef>
+          <a:fontRef idx="minor">
+            <a:schemeClr val="lt1"/>
+          </a:fontRef>
+        </p:style>
+        <p:txBody>
+          <a:bodyPr rtlCol="0" anchor="ctr"/>
+          <a:lstStyle/>
+          <a:p>
+            <a:r>
+              <a:rPr lang="de-DE" sz="2400" i="1">
+                <a:solidFill>
+                  <a:schemeClr val="tx1"/>
+                </a:solidFill>
+              </a:rPr>
+              <a:t>pre-processing with </a:t>
+            </a:r>
+            <a:r>
+              <a:rPr lang="de-DE" sz="2400">
+                <a:solidFill>
+                  <a:schemeClr val="tx1"/>
+                </a:solidFill>
+                <a:latin typeface="Consolas" panose="020B0609020204030204" pitchFamily="49" charset="0"/>
+              </a:rPr>
+              <a:t>quanteda</a:t>
+            </a:r>
+            <a:endParaRPr lang="en-US" sz="2400">
+              <a:solidFill>
+                <a:schemeClr val="tx1"/>
+              </a:solidFill>
+              <a:latin typeface="Consolas" panose="020B0609020204030204" pitchFamily="49" charset="0"/>
+            </a:endParaRPr>
+          </a:p>
+        </p:txBody>
+      </p:sp>
+      <p:sp>
+        <p:nvSpPr>
+          <p:cNvPr id="10" name="Speech Bubble: Rectangle 9">
+            <a:extLst>
+              <a:ext uri="{FF2B5EF4-FFF2-40B4-BE49-F238E27FC236}">
+                <a16:creationId xmlns:a16="http://schemas.microsoft.com/office/drawing/2014/main" id="{1BFDAB91-0AA5-4ADE-9368-93BEFBBAFCE3}"/>
+              </a:ext>
+            </a:extLst>
+          </p:cNvPr>
+          <p:cNvSpPr/>
+          <p:nvPr/>
+        </p:nvSpPr>
+        <p:spPr>
+          <a:xfrm>
+            <a:off x="7005170" y="5169379"/>
+            <a:ext cx="3095539" cy="444501"/>
+          </a:xfrm>
+          <a:prstGeom prst="wedgeRectCallout">
+            <a:avLst>
+              <a:gd name="adj1" fmla="val -60500"/>
+              <a:gd name="adj2" fmla="val -7955"/>
+            </a:avLst>
+          </a:prstGeom>
+          <a:noFill/>
+          <a:ln>
+            <a:noFill/>
+          </a:ln>
+        </p:spPr>
+        <p:style>
+          <a:lnRef idx="2">
+            <a:schemeClr val="accent1">
+              <a:shade val="50000"/>
+            </a:schemeClr>
+          </a:lnRef>
+          <a:fillRef idx="1">
+            <a:schemeClr val="accent1"/>
+          </a:fillRef>
+          <a:effectRef idx="0">
+            <a:schemeClr val="accent1"/>
+          </a:effectRef>
+          <a:fontRef idx="minor">
+            <a:schemeClr val="lt1"/>
+          </a:fontRef>
+        </p:style>
+        <p:txBody>
+          <a:bodyPr rtlCol="0" anchor="ctr"/>
+          <a:lstStyle/>
+          <a:p>
+            <a:r>
+              <a:rPr lang="de-DE" sz="2400" i="1">
+                <a:solidFill>
+                  <a:schemeClr val="tx1"/>
+                </a:solidFill>
+              </a:rPr>
+              <a:t>downstream analyses with other tools</a:t>
+            </a:r>
+            <a:endParaRPr lang="en-US" sz="2400">
+              <a:solidFill>
+                <a:schemeClr val="tx1"/>
+              </a:solidFill>
+              <a:latin typeface="Consolas" panose="020B0609020204030204" pitchFamily="49" charset="0"/>
+            </a:endParaRPr>
+          </a:p>
+        </p:txBody>
+      </p:sp>
+      <p:pic>
+        <p:nvPicPr>
+          <p:cNvPr id="12" name="Graphic 11" descr="End with solid fill">
+            <a:extLst>
+              <a:ext uri="{FF2B5EF4-FFF2-40B4-BE49-F238E27FC236}">
+                <a16:creationId xmlns:a16="http://schemas.microsoft.com/office/drawing/2014/main" id="{2703EA15-8188-46B8-B204-FA437024F4A9}"/>
+              </a:ext>
+            </a:extLst>
+          </p:cNvPr>
+          <p:cNvPicPr>
+            <a:picLocks noChangeAspect="1"/>
+          </p:cNvPicPr>
+          <p:nvPr/>
+        </p:nvPicPr>
+        <p:blipFill>
+          <a:blip r:embed="rId3">
+            <a:extLst>
+              <a:ext uri="{28A0092B-C50C-407E-A947-70E740481C1C}">
+                <a14:useLocalDpi xmlns:a14="http://schemas.microsoft.com/office/drawing/2010/main" val="0"/>
+              </a:ext>
+              <a:ext uri="{96DAC541-7B7A-43D3-8B79-37D633B846F1}">
+                <asvg:svgBlip xmlns:asvg="http://schemas.microsoft.com/office/drawing/2016/SVG/main" r:embed="rId4"/>
+              </a:ext>
+            </a:extLst>
+          </a:blip>
+          <a:stretch>
+            <a:fillRect/>
+          </a:stretch>
+        </p:blipFill>
+        <p:spPr>
+          <a:xfrm>
+            <a:off x="9982200" y="5051903"/>
+            <a:ext cx="679451" cy="679451"/>
+          </a:xfrm>
+          <a:prstGeom prst="rect">
+            <a:avLst/>
+          </a:prstGeom>
+        </p:spPr>
+      </p:pic>
+      <p:pic>
+        <p:nvPicPr>
+          <p:cNvPr id="14" name="Graphic 13" descr="Play with solid fill">
+            <a:extLst>
+              <a:ext uri="{FF2B5EF4-FFF2-40B4-BE49-F238E27FC236}">
+                <a16:creationId xmlns:a16="http://schemas.microsoft.com/office/drawing/2014/main" id="{5BC5E27A-311A-4E88-BEAB-B2978BF0688D}"/>
+              </a:ext>
+            </a:extLst>
+          </p:cNvPr>
+          <p:cNvPicPr>
+            <a:picLocks noChangeAspect="1"/>
+          </p:cNvPicPr>
+          <p:nvPr/>
+        </p:nvPicPr>
+        <p:blipFill>
+          <a:blip r:embed="rId5">
+            <a:extLst>
+              <a:ext uri="{28A0092B-C50C-407E-A947-70E740481C1C}">
+                <a14:useLocalDpi xmlns:a14="http://schemas.microsoft.com/office/drawing/2010/main" val="0"/>
+              </a:ext>
+              <a:ext uri="{96DAC541-7B7A-43D3-8B79-37D633B846F1}">
+                <asvg:svgBlip xmlns:asvg="http://schemas.microsoft.com/office/drawing/2016/SVG/main" r:embed="rId6"/>
+              </a:ext>
+            </a:extLst>
+          </a:blip>
+          <a:stretch>
+            <a:fillRect/>
+          </a:stretch>
+        </p:blipFill>
+        <p:spPr>
+          <a:xfrm>
+            <a:off x="9906967" y="3590885"/>
+            <a:ext cx="679451" cy="679451"/>
+          </a:xfrm>
+          <a:prstGeom prst="rect">
+            <a:avLst/>
+          </a:prstGeom>
+        </p:spPr>
+      </p:pic>
+    </p:spTree>
+    <p:extLst>
+      <p:ext uri="{BB962C8B-B14F-4D97-AF65-F5344CB8AC3E}">
+        <p14:creationId xmlns:p14="http://schemas.microsoft.com/office/powerpoint/2010/main" val="4049771469"/>
+      </p:ext>
+    </p:extLst>
+  </p:cSld>
+  <p:clrMapOvr>
+    <a:masterClrMapping/>
+  </p:clrMapOvr>
+</p:sld>
+</file>
+
+<file path=ppt/slides/slide34.xml><?xml version="1.0" encoding="utf-8"?>
+<p:sld xmlns:a="http://schemas.openxmlformats.org/drawingml/2006/main" xmlns:r="http://schemas.openxmlformats.org/officeDocument/2006/relationships" xmlns:p="http://schemas.openxmlformats.org/presentationml/2006/main">
+  <p:cSld>
+    <p:spTree>
+      <p:nvGrpSpPr>
+        <p:cNvPr id="1" name=""/>
+        <p:cNvGrpSpPr/>
+        <p:nvPr/>
+      </p:nvGrpSpPr>
+      <p:grpSpPr>
+        <a:xfrm>
+          <a:off x="0" y="0"/>
+          <a:ext cx="0" cy="0"/>
+          <a:chOff x="0" y="0"/>
+          <a:chExt cx="0" cy="0"/>
+        </a:xfrm>
+      </p:grpSpPr>
+      <p:sp>
+        <p:nvSpPr>
+          <p:cNvPr id="2" name="Titel 1"/>
+          <p:cNvSpPr>
+            <a:spLocks noGrp="1"/>
+          </p:cNvSpPr>
+          <p:nvPr>
+            <p:ph type="title"/>
+          </p:nvPr>
+        </p:nvSpPr>
+        <p:spPr/>
+        <p:txBody>
+          <a:bodyPr/>
+          <a:lstStyle/>
+          <a:p>
+            <a:r>
+              <a:rPr lang="en-GB" b="1">
+                <a:effectLst>
+                  <a:outerShdw blurRad="38100" dist="38100" dir="2700000" algn="tl">
+                    <a:srgbClr val="000000">
+                      <a:alpha val="43137"/>
+                    </a:srgbClr>
+                  </a:outerShdw>
+                </a:effectLst>
+              </a:rPr>
+              <a:t>Part I: Intro NLP &amp; Task at Hand</a:t>
+            </a:r>
+            <a:endParaRPr lang="en-US" b="1">
+              <a:effectLst>
+                <a:outerShdw blurRad="38100" dist="38100" dir="2700000" algn="tl">
+                  <a:srgbClr val="000000">
+                    <a:alpha val="43137"/>
+                  </a:srgbClr>
+                </a:outerShdw>
+              </a:effectLst>
+            </a:endParaRPr>
+          </a:p>
+        </p:txBody>
+      </p:sp>
+      <p:sp>
+        <p:nvSpPr>
+          <p:cNvPr id="3" name="Textplatzhalter 2"/>
+          <p:cNvSpPr>
+            <a:spLocks noGrp="1"/>
+          </p:cNvSpPr>
+          <p:nvPr>
+            <p:ph type="body" idx="1"/>
+          </p:nvPr>
+        </p:nvSpPr>
+        <p:spPr/>
+        <p:txBody>
+          <a:bodyPr/>
+          <a:lstStyle/>
+          <a:p>
+            <a:r>
+              <a:rPr lang="en-US" b="1">
+                <a:effectLst>
+                  <a:outerShdw blurRad="38100" dist="38100" dir="2700000" algn="tl">
+                    <a:srgbClr val="000000">
+                      <a:alpha val="43137"/>
+                    </a:srgbClr>
+                  </a:outerShdw>
+                </a:effectLst>
+              </a:rPr>
+              <a:t>Literature and References</a:t>
+            </a:r>
+          </a:p>
+        </p:txBody>
+      </p:sp>
+      <p:sp>
+        <p:nvSpPr>
+          <p:cNvPr id="4" name="Foliennummernplatzhalter 3"/>
+          <p:cNvSpPr>
+            <a:spLocks noGrp="1"/>
+          </p:cNvSpPr>
+          <p:nvPr>
+            <p:ph type="sldNum" sz="quarter" idx="12"/>
+          </p:nvPr>
+        </p:nvSpPr>
+        <p:spPr/>
+        <p:txBody>
+          <a:bodyPr/>
+          <a:lstStyle/>
+          <a:p>
+            <a:fld id="{C9E0B00B-E6DF-4183-A694-3DE28BEFB357}" type="slidenum">
+              <a:rPr lang="en-US" smtClean="0"/>
+              <a:t>34</a:t>
+            </a:fld>
+            <a:endParaRPr lang="en-US"/>
+          </a:p>
+        </p:txBody>
+      </p:sp>
+    </p:spTree>
+    <p:extLst>
+      <p:ext uri="{BB962C8B-B14F-4D97-AF65-F5344CB8AC3E}">
+        <p14:creationId xmlns:p14="http://schemas.microsoft.com/office/powerpoint/2010/main" val="3419717452"/>
+      </p:ext>
+    </p:extLst>
+  </p:cSld>
+  <p:clrMapOvr>
+    <a:masterClrMapping/>
+  </p:clrMapOvr>
+</p:sld>
+</file>
+
+<file path=ppt/slides/slide35.xml><?xml version="1.0" encoding="utf-8"?>
+<p:sld xmlns:a="http://schemas.openxmlformats.org/drawingml/2006/main" xmlns:r="http://schemas.openxmlformats.org/officeDocument/2006/relationships" xmlns:p="http://schemas.openxmlformats.org/presentationml/2006/main">
+  <p:cSld>
+    <p:spTree>
+      <p:nvGrpSpPr>
+        <p:cNvPr id="1" name=""/>
+        <p:cNvGrpSpPr/>
+        <p:nvPr/>
+      </p:nvGrpSpPr>
+      <p:grpSpPr>
+        <a:xfrm>
+          <a:off x="0" y="0"/>
+          <a:ext cx="0" cy="0"/>
+          <a:chOff x="0" y="0"/>
+          <a:chExt cx="0" cy="0"/>
+        </a:xfrm>
+      </p:grpSpPr>
+      <p:sp>
+        <p:nvSpPr>
+          <p:cNvPr id="3" name="Inhaltsplatzhalter 2"/>
+          <p:cNvSpPr>
+            <a:spLocks noGrp="1"/>
+          </p:cNvSpPr>
+          <p:nvPr>
+            <p:ph idx="1"/>
+          </p:nvPr>
+        </p:nvSpPr>
+        <p:spPr>
+          <a:xfrm>
+            <a:off x="838200" y="465221"/>
+            <a:ext cx="10515600" cy="5711742"/>
+          </a:xfrm>
+        </p:spPr>
+        <p:txBody>
+          <a:bodyPr>
+            <a:normAutofit fontScale="92500"/>
+          </a:bodyPr>
+          <a:lstStyle/>
+          <a:p>
+            <a:r>
+              <a:rPr lang="en-US">
+                <a:solidFill>
+                  <a:srgbClr val="FF0000"/>
+                </a:solidFill>
+              </a:rPr>
+              <a:t>Jacob Eisenstein (2019): Introduction to Natural Language Processing, MIT Press</a:t>
+            </a:r>
+          </a:p>
+          <a:p>
+            <a:r>
+              <a:rPr lang="en-US">
+                <a:solidFill>
+                  <a:srgbClr val="FF0000"/>
+                </a:solidFill>
+              </a:rPr>
+              <a:t>Liddy, E.D. 2001. Natural Language Processing. In Encyclopedia of Library and Information Science, 2</a:t>
+            </a:r>
+            <a:r>
+              <a:rPr lang="en-US" baseline="30000">
+                <a:solidFill>
+                  <a:srgbClr val="FF0000"/>
+                </a:solidFill>
+              </a:rPr>
+              <a:t>nd</a:t>
+            </a:r>
+            <a:r>
+              <a:rPr lang="en-US">
+                <a:solidFill>
+                  <a:srgbClr val="FF0000"/>
+                </a:solidFill>
+              </a:rPr>
+              <a:t> Ed. NY. Marcel Decker, Inc.</a:t>
+            </a:r>
+          </a:p>
+          <a:p>
+            <a:r>
+              <a:rPr lang="en-US">
+                <a:solidFill>
+                  <a:srgbClr val="FF0000"/>
+                </a:solidFill>
+              </a:rPr>
+              <a:t>Prakash M Nadkarni, Lucila Ohno-Machado, Wendy W Chapman, Natural language processing: an introduction, Journal of the American Medical Informatics Association, Volume 18, Issue 5, September 2011, Pages 544–551, </a:t>
+            </a:r>
+            <a:r>
+              <a:rPr lang="en-US">
+                <a:solidFill>
+                  <a:srgbClr val="FF0000"/>
+                </a:solidFill>
+                <a:hlinkClick r:id="rId2"/>
+              </a:rPr>
+              <a:t>https://doi.org/10.1136/amiajnl-2011-000464</a:t>
+            </a:r>
+            <a:endParaRPr lang="en-US">
+              <a:solidFill>
+                <a:srgbClr val="FF0000"/>
+              </a:solidFill>
+            </a:endParaRPr>
+          </a:p>
+          <a:p>
+            <a:r>
+              <a:rPr lang="en-US">
+                <a:solidFill>
+                  <a:srgbClr val="FF0000"/>
+                </a:solidFill>
+              </a:rPr>
+              <a:t>I. Vayansky and S.A.P. Kumar, A review of topic modeling methods, Information Systems (2020), doi: </a:t>
+            </a:r>
+            <a:r>
+              <a:rPr lang="en-US">
+                <a:solidFill>
+                  <a:srgbClr val="FF0000"/>
+                </a:solidFill>
+                <a:hlinkClick r:id="rId3"/>
+              </a:rPr>
+              <a:t>https://doi.org/10.1016/j.is.2020.101582</a:t>
+            </a:r>
+            <a:r>
+              <a:rPr lang="en-US">
+                <a:solidFill>
+                  <a:srgbClr val="FF0000"/>
+                </a:solidFill>
+              </a:rPr>
+              <a:t>.</a:t>
+            </a:r>
+          </a:p>
+          <a:p>
+            <a:r>
+              <a:rPr lang="en-US">
+                <a:solidFill>
+                  <a:srgbClr val="FF0000"/>
+                </a:solidFill>
+              </a:rPr>
+              <a:t>Benoit, Kenneth, Kohei Watanabe, Haiyan Wang, Paul Nulty, Adam Obeng, Stefan Müller, and Akitaka Matsuo. (2018) “quanteda: An R package for the quantitative analysis of textual data”. Journal of Open Source Software. 3(30), 774. https://doi.org/10.21105/joss.00774.</a:t>
+            </a:r>
+          </a:p>
+          <a:p>
+            <a:endParaRPr lang="en-US">
+              <a:solidFill>
+                <a:srgbClr val="FF0000"/>
+              </a:solidFill>
+            </a:endParaRPr>
+          </a:p>
+        </p:txBody>
+      </p:sp>
+      <p:sp>
+        <p:nvSpPr>
+          <p:cNvPr id="4" name="Foliennummernplatzhalter 3"/>
+          <p:cNvSpPr>
+            <a:spLocks noGrp="1"/>
+          </p:cNvSpPr>
+          <p:nvPr>
+            <p:ph type="sldNum" sz="quarter" idx="12"/>
+          </p:nvPr>
+        </p:nvSpPr>
+        <p:spPr/>
+        <p:txBody>
+          <a:bodyPr/>
+          <a:lstStyle/>
+          <a:p>
+            <a:fld id="{C9E0B00B-E6DF-4183-A694-3DE28BEFB357}" type="slidenum">
+              <a:rPr lang="en-US" smtClean="0"/>
+              <a:t>35</a:t>
+            </a:fld>
+            <a:endParaRPr lang="en-US"/>
+          </a:p>
+        </p:txBody>
+      </p:sp>
+    </p:spTree>
+    <p:extLst>
+      <p:ext uri="{BB962C8B-B14F-4D97-AF65-F5344CB8AC3E}">
+        <p14:creationId xmlns:p14="http://schemas.microsoft.com/office/powerpoint/2010/main" val="1057037648"/>
+      </p:ext>
+    </p:extLst>
+  </p:cSld>
+  <p:clrMapOvr>
+    <a:masterClrMapping/>
+  </p:clrMapOvr>
+</p:sld>
+</file>
+
 <file path=ppt/slides/slide4.xml><?xml version="1.0" encoding="utf-8"?>
 <p:sld xmlns:a="http://schemas.openxmlformats.org/drawingml/2006/main" xmlns:r="http://schemas.openxmlformats.org/officeDocument/2006/relationships" xmlns:p="http://schemas.openxmlformats.org/presentationml/2006/main">
   <p:cSld>
@@ -13070,15 +16744,11 @@
             <a:avLst/>
           </a:prstGeom>
           <a:solidFill>
-            <a:schemeClr val="bg1">
-              <a:lumMod val="95000"/>
-            </a:schemeClr>
+            <a:schemeClr val="bg2"/>
           </a:solidFill>
           <a:ln w="19050">
             <a:solidFill>
-              <a:schemeClr val="bg1">
-                <a:lumMod val="95000"/>
-              </a:schemeClr>
+              <a:schemeClr val="bg2"/>
             </a:solidFill>
           </a:ln>
         </p:spPr>
@@ -13438,15 +17108,11 @@
             </a:avLst>
           </a:prstGeom>
           <a:solidFill>
-            <a:schemeClr val="bg1">
-              <a:lumMod val="95000"/>
-            </a:schemeClr>
+            <a:schemeClr val="bg2"/>
           </a:solidFill>
           <a:ln>
             <a:solidFill>
-              <a:schemeClr val="bg1">
-                <a:lumMod val="95000"/>
-              </a:schemeClr>
+              <a:schemeClr val="bg2"/>
             </a:solidFill>
           </a:ln>
         </p:spPr>
@@ -14277,38 +17943,113 @@
           </a:p>
         </p:txBody>
       </p:sp>
-      <p:pic>
-        <p:nvPicPr>
-          <p:cNvPr id="6" name="Picture 5">
+      <p:grpSp>
+        <p:nvGrpSpPr>
+          <p:cNvPr id="7" name="Group 6">
             <a:extLst>
               <a:ext uri="{FF2B5EF4-FFF2-40B4-BE49-F238E27FC236}">
-                <a16:creationId xmlns:a16="http://schemas.microsoft.com/office/drawing/2014/main" id="{A6A16240-E3F8-4F4A-B3F0-EDB543FEC54B}"/>
+                <a16:creationId xmlns:a16="http://schemas.microsoft.com/office/drawing/2014/main" id="{6C9C155E-DA53-40CF-86C8-2EE966F01A83}"/>
               </a:ext>
             </a:extLst>
           </p:cNvPr>
-          <p:cNvPicPr>
-            <a:picLocks noChangeAspect="1"/>
-          </p:cNvPicPr>
+          <p:cNvGrpSpPr/>
           <p:nvPr/>
-        </p:nvPicPr>
-        <p:blipFill>
-          <a:blip r:embed="rId3">
-            <a:grayscl/>
-          </a:blip>
-          <a:stretch>
-            <a:fillRect/>
-          </a:stretch>
-        </p:blipFill>
-        <p:spPr>
+        </p:nvGrpSpPr>
+        <p:grpSpPr>
           <a:xfrm>
-            <a:off x="8227479" y="1825625"/>
-            <a:ext cx="3126321" cy="3018518"/>
+            <a:off x="8175024" y="1825625"/>
+            <a:ext cx="3178776" cy="3018518"/>
+            <a:chOff x="8175024" y="1825625"/>
+            <a:chExt cx="3178776" cy="3018518"/>
           </a:xfrm>
-          <a:prstGeom prst="rect">
-            <a:avLst/>
-          </a:prstGeom>
-        </p:spPr>
-      </p:pic>
+        </p:grpSpPr>
+        <p:pic>
+          <p:nvPicPr>
+            <p:cNvPr id="6" name="Picture 5">
+              <a:extLst>
+                <a:ext uri="{FF2B5EF4-FFF2-40B4-BE49-F238E27FC236}">
+                  <a16:creationId xmlns:a16="http://schemas.microsoft.com/office/drawing/2014/main" id="{A6A16240-E3F8-4F4A-B3F0-EDB543FEC54B}"/>
+                </a:ext>
+              </a:extLst>
+            </p:cNvPr>
+            <p:cNvPicPr>
+              <a:picLocks noChangeAspect="1"/>
+            </p:cNvPicPr>
+            <p:nvPr/>
+          </p:nvPicPr>
+          <p:blipFill>
+            <a:blip r:embed="rId3">
+              <a:grayscl/>
+            </a:blip>
+            <a:stretch>
+              <a:fillRect/>
+            </a:stretch>
+          </p:blipFill>
+          <p:spPr>
+            <a:xfrm>
+              <a:off x="8227479" y="1825625"/>
+              <a:ext cx="3126321" cy="3018518"/>
+            </a:xfrm>
+            <a:prstGeom prst="rect">
+              <a:avLst/>
+            </a:prstGeom>
+          </p:spPr>
+        </p:pic>
+        <p:sp>
+          <p:nvSpPr>
+            <p:cNvPr id="3" name="Rectangle 2">
+              <a:extLst>
+                <a:ext uri="{FF2B5EF4-FFF2-40B4-BE49-F238E27FC236}">
+                  <a16:creationId xmlns:a16="http://schemas.microsoft.com/office/drawing/2014/main" id="{6F1B4DB9-A33F-49B0-B003-A480203C9EDE}"/>
+                </a:ext>
+              </a:extLst>
+            </p:cNvPr>
+            <p:cNvSpPr/>
+            <p:nvPr/>
+          </p:nvSpPr>
+          <p:spPr>
+            <a:xfrm>
+              <a:off x="8175024" y="4575696"/>
+              <a:ext cx="346745" cy="268447"/>
+            </a:xfrm>
+            <a:prstGeom prst="rect">
+              <a:avLst/>
+            </a:prstGeom>
+            <a:solidFill>
+              <a:schemeClr val="bg1"/>
+            </a:solidFill>
+            <a:ln>
+              <a:solidFill>
+                <a:schemeClr val="bg1"/>
+              </a:solidFill>
+            </a:ln>
+          </p:spPr>
+          <p:style>
+            <a:lnRef idx="2">
+              <a:schemeClr val="accent1">
+                <a:shade val="50000"/>
+              </a:schemeClr>
+            </a:lnRef>
+            <a:fillRef idx="1">
+              <a:schemeClr val="accent1"/>
+            </a:fillRef>
+            <a:effectRef idx="0">
+              <a:schemeClr val="accent1"/>
+            </a:effectRef>
+            <a:fontRef idx="minor">
+              <a:schemeClr val="lt1"/>
+            </a:fontRef>
+          </p:style>
+          <p:txBody>
+            <a:bodyPr rtlCol="0" anchor="ctr"/>
+            <a:lstStyle/>
+            <a:p>
+              <a:pPr algn="ctr"/>
+              <a:endParaRPr lang="en-US"/>
+            </a:p>
+          </p:txBody>
+        </p:sp>
+      </p:grpSp>
     </p:spTree>
     <p:extLst>
       <p:ext uri="{BB962C8B-B14F-4D97-AF65-F5344CB8AC3E}">

--- a/5_seminar/Contents_Part_01/Präsentation_Teil1.pptx
+++ b/5_seminar/Contents_Part_01/Präsentation_Teil1.pptx
@@ -15,33 +15,33 @@
     <p:sldId id="282" r:id="rId6"/>
     <p:sldId id="300" r:id="rId7"/>
     <p:sldId id="284" r:id="rId8"/>
-    <p:sldId id="285" r:id="rId9"/>
-    <p:sldId id="299" r:id="rId10"/>
-    <p:sldId id="286" r:id="rId11"/>
-    <p:sldId id="298" r:id="rId12"/>
-    <p:sldId id="301" r:id="rId13"/>
-    <p:sldId id="297" r:id="rId14"/>
-    <p:sldId id="302" r:id="rId15"/>
-    <p:sldId id="288" r:id="rId16"/>
-    <p:sldId id="289" r:id="rId17"/>
-    <p:sldId id="304" r:id="rId18"/>
-    <p:sldId id="290" r:id="rId19"/>
-    <p:sldId id="291" r:id="rId20"/>
-    <p:sldId id="287" r:id="rId21"/>
-    <p:sldId id="305" r:id="rId22"/>
-    <p:sldId id="306" r:id="rId23"/>
-    <p:sldId id="307" r:id="rId24"/>
-    <p:sldId id="292" r:id="rId25"/>
-    <p:sldId id="293" r:id="rId26"/>
-    <p:sldId id="294" r:id="rId27"/>
-    <p:sldId id="295" r:id="rId28"/>
-    <p:sldId id="308" r:id="rId29"/>
-    <p:sldId id="309" r:id="rId30"/>
-    <p:sldId id="310" r:id="rId31"/>
-    <p:sldId id="311" r:id="rId32"/>
-    <p:sldId id="312" r:id="rId33"/>
-    <p:sldId id="296" r:id="rId34"/>
-    <p:sldId id="273" r:id="rId35"/>
+    <p:sldId id="313" r:id="rId9"/>
+    <p:sldId id="314" r:id="rId10"/>
+    <p:sldId id="315" r:id="rId11"/>
+    <p:sldId id="316" r:id="rId12"/>
+    <p:sldId id="317" r:id="rId13"/>
+    <p:sldId id="318" r:id="rId14"/>
+    <p:sldId id="319" r:id="rId15"/>
+    <p:sldId id="320" r:id="rId16"/>
+    <p:sldId id="321" r:id="rId17"/>
+    <p:sldId id="322" r:id="rId18"/>
+    <p:sldId id="323" r:id="rId19"/>
+    <p:sldId id="325" r:id="rId20"/>
+    <p:sldId id="324" r:id="rId21"/>
+    <p:sldId id="326" r:id="rId22"/>
+    <p:sldId id="327" r:id="rId23"/>
+    <p:sldId id="328" r:id="rId24"/>
+    <p:sldId id="329" r:id="rId25"/>
+    <p:sldId id="330" r:id="rId26"/>
+    <p:sldId id="331" r:id="rId27"/>
+    <p:sldId id="332" r:id="rId28"/>
+    <p:sldId id="333" r:id="rId29"/>
+    <p:sldId id="334" r:id="rId30"/>
+    <p:sldId id="335" r:id="rId31"/>
+    <p:sldId id="336" r:id="rId32"/>
+    <p:sldId id="337" r:id="rId33"/>
+    <p:sldId id="338" r:id="rId34"/>
+    <p:sldId id="339" r:id="rId35"/>
     <p:sldId id="279" r:id="rId36"/>
   </p:sldIdLst>
   <p:sldSz cx="12192000" cy="6858000"/>
@@ -143,7 +143,18 @@
   </p:defaultTextStyle>
   <p:extLst>
     <p:ext uri="{EFAFB233-063F-42B5-8137-9DF3F51BA10A}">
-      <p15:sldGuideLst xmlns:p15="http://schemas.microsoft.com/office/powerpoint/2012/main"/>
+      <p15:sldGuideLst xmlns:p15="http://schemas.microsoft.com/office/powerpoint/2012/main">
+        <p15:guide id="1" orient="horz" pos="2160" userDrawn="1">
+          <p15:clr>
+            <a:srgbClr val="A4A3A4"/>
+          </p15:clr>
+        </p15:guide>
+        <p15:guide id="2" pos="3840" userDrawn="1">
+          <p15:clr>
+            <a:srgbClr val="A4A3A4"/>
+          </p15:clr>
+        </p15:guide>
+      </p15:sldGuideLst>
     </p:ext>
   </p:extLst>
 </p:presentation>
@@ -231,7 +242,7 @@
           <a:p>
             <a:fld id="{7A5B87F2-13FD-4A24-9F19-39B31C60B536}" type="datetimeFigureOut">
               <a:rPr lang="en-US" smtClean="0"/>
-              <a:t>4/2/2021</a:t>
+              <a:t>4/3/2021</a:t>
             </a:fld>
             <a:endParaRPr lang="en-US"/>
           </a:p>
@@ -686,7 +697,7 @@
     </p:spTree>
     <p:extLst>
       <p:ext uri="{BB962C8B-B14F-4D97-AF65-F5344CB8AC3E}">
-        <p14:creationId xmlns:p14="http://schemas.microsoft.com/office/powerpoint/2010/main" val="1377651888"/>
+        <p14:creationId xmlns:p14="http://schemas.microsoft.com/office/powerpoint/2010/main" val="392966824"/>
       </p:ext>
     </p:extLst>
   </p:cSld>
@@ -787,7 +798,7 @@
     </p:spTree>
     <p:extLst>
       <p:ext uri="{BB962C8B-B14F-4D97-AF65-F5344CB8AC3E}">
-        <p14:creationId xmlns:p14="http://schemas.microsoft.com/office/powerpoint/2010/main" val="1137763395"/>
+        <p14:creationId xmlns:p14="http://schemas.microsoft.com/office/powerpoint/2010/main" val="3630401892"/>
       </p:ext>
     </p:extLst>
   </p:cSld>
@@ -888,7 +899,7 @@
     </p:spTree>
     <p:extLst>
       <p:ext uri="{BB962C8B-B14F-4D97-AF65-F5344CB8AC3E}">
-        <p14:creationId xmlns:p14="http://schemas.microsoft.com/office/powerpoint/2010/main" val="2435982291"/>
+        <p14:creationId xmlns:p14="http://schemas.microsoft.com/office/powerpoint/2010/main" val="3033001627"/>
       </p:ext>
     </p:extLst>
   </p:cSld>
@@ -989,7 +1000,7 @@
     </p:spTree>
     <p:extLst>
       <p:ext uri="{BB962C8B-B14F-4D97-AF65-F5344CB8AC3E}">
-        <p14:creationId xmlns:p14="http://schemas.microsoft.com/office/powerpoint/2010/main" val="2052778558"/>
+        <p14:creationId xmlns:p14="http://schemas.microsoft.com/office/powerpoint/2010/main" val="2381487424"/>
       </p:ext>
     </p:extLst>
   </p:cSld>
@@ -1090,7 +1101,7 @@
     </p:spTree>
     <p:extLst>
       <p:ext uri="{BB962C8B-B14F-4D97-AF65-F5344CB8AC3E}">
-        <p14:creationId xmlns:p14="http://schemas.microsoft.com/office/powerpoint/2010/main" val="85197685"/>
+        <p14:creationId xmlns:p14="http://schemas.microsoft.com/office/powerpoint/2010/main" val="3278336275"/>
       </p:ext>
     </p:extLst>
   </p:cSld>
@@ -1191,7 +1202,7 @@
     </p:spTree>
     <p:extLst>
       <p:ext uri="{BB962C8B-B14F-4D97-AF65-F5344CB8AC3E}">
-        <p14:creationId xmlns:p14="http://schemas.microsoft.com/office/powerpoint/2010/main" val="1223071880"/>
+        <p14:creationId xmlns:p14="http://schemas.microsoft.com/office/powerpoint/2010/main" val="683103243"/>
       </p:ext>
     </p:extLst>
   </p:cSld>
@@ -1292,7 +1303,7 @@
     </p:spTree>
     <p:extLst>
       <p:ext uri="{BB962C8B-B14F-4D97-AF65-F5344CB8AC3E}">
-        <p14:creationId xmlns:p14="http://schemas.microsoft.com/office/powerpoint/2010/main" val="3683239427"/>
+        <p14:creationId xmlns:p14="http://schemas.microsoft.com/office/powerpoint/2010/main" val="1745947510"/>
       </p:ext>
     </p:extLst>
   </p:cSld>
@@ -1393,7 +1404,7 @@
     </p:spTree>
     <p:extLst>
       <p:ext uri="{BB962C8B-B14F-4D97-AF65-F5344CB8AC3E}">
-        <p14:creationId xmlns:p14="http://schemas.microsoft.com/office/powerpoint/2010/main" val="1982633175"/>
+        <p14:creationId xmlns:p14="http://schemas.microsoft.com/office/powerpoint/2010/main" val="2709924149"/>
       </p:ext>
     </p:extLst>
   </p:cSld>
@@ -1494,7 +1505,7 @@
     </p:spTree>
     <p:extLst>
       <p:ext uri="{BB962C8B-B14F-4D97-AF65-F5344CB8AC3E}">
-        <p14:creationId xmlns:p14="http://schemas.microsoft.com/office/powerpoint/2010/main" val="947323682"/>
+        <p14:creationId xmlns:p14="http://schemas.microsoft.com/office/powerpoint/2010/main" val="1064115106"/>
       </p:ext>
     </p:extLst>
   </p:cSld>
@@ -1595,7 +1606,7 @@
     </p:spTree>
     <p:extLst>
       <p:ext uri="{BB962C8B-B14F-4D97-AF65-F5344CB8AC3E}">
-        <p14:creationId xmlns:p14="http://schemas.microsoft.com/office/powerpoint/2010/main" val="4210507014"/>
+        <p14:creationId xmlns:p14="http://schemas.microsoft.com/office/powerpoint/2010/main" val="2006625739"/>
       </p:ext>
     </p:extLst>
   </p:cSld>
@@ -1809,7 +1820,7 @@
     </p:spTree>
     <p:extLst>
       <p:ext uri="{BB962C8B-B14F-4D97-AF65-F5344CB8AC3E}">
-        <p14:creationId xmlns:p14="http://schemas.microsoft.com/office/powerpoint/2010/main" val="1845334431"/>
+        <p14:creationId xmlns:p14="http://schemas.microsoft.com/office/powerpoint/2010/main" val="3599135782"/>
       </p:ext>
     </p:extLst>
   </p:cSld>
@@ -1910,7 +1921,7 @@
     </p:spTree>
     <p:extLst>
       <p:ext uri="{BB962C8B-B14F-4D97-AF65-F5344CB8AC3E}">
-        <p14:creationId xmlns:p14="http://schemas.microsoft.com/office/powerpoint/2010/main" val="2073480299"/>
+        <p14:creationId xmlns:p14="http://schemas.microsoft.com/office/powerpoint/2010/main" val="3381197450"/>
       </p:ext>
     </p:extLst>
   </p:cSld>
@@ -2011,7 +2022,7 @@
     </p:spTree>
     <p:extLst>
       <p:ext uri="{BB962C8B-B14F-4D97-AF65-F5344CB8AC3E}">
-        <p14:creationId xmlns:p14="http://schemas.microsoft.com/office/powerpoint/2010/main" val="3754768430"/>
+        <p14:creationId xmlns:p14="http://schemas.microsoft.com/office/powerpoint/2010/main" val="2435251385"/>
       </p:ext>
     </p:extLst>
   </p:cSld>
@@ -2112,7 +2123,7 @@
     </p:spTree>
     <p:extLst>
       <p:ext uri="{BB962C8B-B14F-4D97-AF65-F5344CB8AC3E}">
-        <p14:creationId xmlns:p14="http://schemas.microsoft.com/office/powerpoint/2010/main" val="3307074865"/>
+        <p14:creationId xmlns:p14="http://schemas.microsoft.com/office/powerpoint/2010/main" val="4219963425"/>
       </p:ext>
     </p:extLst>
   </p:cSld>
@@ -2213,7 +2224,7 @@
     </p:spTree>
     <p:extLst>
       <p:ext uri="{BB962C8B-B14F-4D97-AF65-F5344CB8AC3E}">
-        <p14:creationId xmlns:p14="http://schemas.microsoft.com/office/powerpoint/2010/main" val="1550035269"/>
+        <p14:creationId xmlns:p14="http://schemas.microsoft.com/office/powerpoint/2010/main" val="1636782447"/>
       </p:ext>
     </p:extLst>
   </p:cSld>
@@ -2314,7 +2325,7 @@
     </p:spTree>
     <p:extLst>
       <p:ext uri="{BB962C8B-B14F-4D97-AF65-F5344CB8AC3E}">
-        <p14:creationId xmlns:p14="http://schemas.microsoft.com/office/powerpoint/2010/main" val="4243284"/>
+        <p14:creationId xmlns:p14="http://schemas.microsoft.com/office/powerpoint/2010/main" val="2522481197"/>
       </p:ext>
     </p:extLst>
   </p:cSld>
@@ -2415,7 +2426,7 @@
     </p:spTree>
     <p:extLst>
       <p:ext uri="{BB962C8B-B14F-4D97-AF65-F5344CB8AC3E}">
-        <p14:creationId xmlns:p14="http://schemas.microsoft.com/office/powerpoint/2010/main" val="3658646680"/>
+        <p14:creationId xmlns:p14="http://schemas.microsoft.com/office/powerpoint/2010/main" val="1763285274"/>
       </p:ext>
     </p:extLst>
   </p:cSld>
@@ -2516,7 +2527,7 @@
     </p:spTree>
     <p:extLst>
       <p:ext uri="{BB962C8B-B14F-4D97-AF65-F5344CB8AC3E}">
-        <p14:creationId xmlns:p14="http://schemas.microsoft.com/office/powerpoint/2010/main" val="1287220455"/>
+        <p14:creationId xmlns:p14="http://schemas.microsoft.com/office/powerpoint/2010/main" val="2359503047"/>
       </p:ext>
     </p:extLst>
   </p:cSld>
@@ -2617,7 +2628,7 @@
     </p:spTree>
     <p:extLst>
       <p:ext uri="{BB962C8B-B14F-4D97-AF65-F5344CB8AC3E}">
-        <p14:creationId xmlns:p14="http://schemas.microsoft.com/office/powerpoint/2010/main" val="915169795"/>
+        <p14:creationId xmlns:p14="http://schemas.microsoft.com/office/powerpoint/2010/main" val="504955277"/>
       </p:ext>
     </p:extLst>
   </p:cSld>
@@ -2718,7 +2729,7 @@
     </p:spTree>
     <p:extLst>
       <p:ext uri="{BB962C8B-B14F-4D97-AF65-F5344CB8AC3E}">
-        <p14:creationId xmlns:p14="http://schemas.microsoft.com/office/powerpoint/2010/main" val="2238635063"/>
+        <p14:creationId xmlns:p14="http://schemas.microsoft.com/office/powerpoint/2010/main" val="4092073876"/>
       </p:ext>
     </p:extLst>
   </p:cSld>
@@ -2924,7 +2935,7 @@
     </p:spTree>
     <p:extLst>
       <p:ext uri="{BB962C8B-B14F-4D97-AF65-F5344CB8AC3E}">
-        <p14:creationId xmlns:p14="http://schemas.microsoft.com/office/powerpoint/2010/main" val="496357337"/>
+        <p14:creationId xmlns:p14="http://schemas.microsoft.com/office/powerpoint/2010/main" val="1620719647"/>
       </p:ext>
     </p:extLst>
   </p:cSld>
@@ -3197,10 +3208,6 @@
               <a:tabLst/>
               <a:defRPr/>
             </a:pPr>
-            <a:r>
-              <a:rPr lang="de-DE"/>
-              <a:t>bildquelle: https://fortune.com/2016/05/24/apple-siri-developers-echo/</a:t>
-            </a:r>
             <a:endParaRPr lang="en-US"/>
           </a:p>
         </p:txBody>
@@ -3231,7 +3238,7 @@
     </p:spTree>
     <p:extLst>
       <p:ext uri="{BB962C8B-B14F-4D97-AF65-F5344CB8AC3E}">
-        <p14:creationId xmlns:p14="http://schemas.microsoft.com/office/powerpoint/2010/main" val="2014198466"/>
+        <p14:creationId xmlns:p14="http://schemas.microsoft.com/office/powerpoint/2010/main" val="1546581363"/>
       </p:ext>
     </p:extLst>
   </p:cSld>
@@ -3302,10 +3309,6 @@
               <a:tabLst/>
               <a:defRPr/>
             </a:pPr>
-            <a:r>
-              <a:rPr lang="de-DE"/>
-              <a:t>bildquelle: https://cs.stanford.edu/degrees/phd/cs300/chris-manning.pdf</a:t>
-            </a:r>
             <a:endParaRPr lang="en-US"/>
           </a:p>
         </p:txBody>
@@ -3336,7 +3339,7 @@
     </p:spTree>
     <p:extLst>
       <p:ext uri="{BB962C8B-B14F-4D97-AF65-F5344CB8AC3E}">
-        <p14:creationId xmlns:p14="http://schemas.microsoft.com/office/powerpoint/2010/main" val="2049181967"/>
+        <p14:creationId xmlns:p14="http://schemas.microsoft.com/office/powerpoint/2010/main" val="1107460075"/>
       </p:ext>
     </p:extLst>
   </p:cSld>
@@ -3437,7 +3440,7 @@
     </p:spTree>
     <p:extLst>
       <p:ext uri="{BB962C8B-B14F-4D97-AF65-F5344CB8AC3E}">
-        <p14:creationId xmlns:p14="http://schemas.microsoft.com/office/powerpoint/2010/main" val="758508967"/>
+        <p14:creationId xmlns:p14="http://schemas.microsoft.com/office/powerpoint/2010/main" val="806910304"/>
       </p:ext>
     </p:extLst>
   </p:cSld>
@@ -3538,7 +3541,7 @@
     </p:spTree>
     <p:extLst>
       <p:ext uri="{BB962C8B-B14F-4D97-AF65-F5344CB8AC3E}">
-        <p14:creationId xmlns:p14="http://schemas.microsoft.com/office/powerpoint/2010/main" val="3970036515"/>
+        <p14:creationId xmlns:p14="http://schemas.microsoft.com/office/powerpoint/2010/main" val="741323176"/>
       </p:ext>
     </p:extLst>
   </p:cSld>
@@ -3679,7 +3682,7 @@
           <a:p>
             <a:fld id="{5A1811BA-6AD9-41A7-B7A2-456C8523519C}" type="datetime1">
               <a:rPr lang="en-US" smtClean="0"/>
-              <a:t>4/2/2021</a:t>
+              <a:t>4/3/2021</a:t>
             </a:fld>
             <a:endParaRPr lang="en-US"/>
           </a:p>
@@ -3849,7 +3852,7 @@
           <a:p>
             <a:fld id="{B0494441-C196-4BB0-93EE-AF22360207AB}" type="datetime1">
               <a:rPr lang="en-US" smtClean="0"/>
-              <a:t>4/2/2021</a:t>
+              <a:t>4/3/2021</a:t>
             </a:fld>
             <a:endParaRPr lang="en-US"/>
           </a:p>
@@ -4029,7 +4032,7 @@
           <a:p>
             <a:fld id="{D7B9282B-C3CE-4F56-8DD1-5349F982F1D2}" type="datetime1">
               <a:rPr lang="en-US" smtClean="0"/>
-              <a:t>4/2/2021</a:t>
+              <a:t>4/3/2021</a:t>
             </a:fld>
             <a:endParaRPr lang="en-US"/>
           </a:p>
@@ -4199,7 +4202,7 @@
           <a:p>
             <a:fld id="{E6E86D6A-786F-4E85-AF3B-385015383ABA}" type="datetime1">
               <a:rPr lang="en-US" smtClean="0"/>
-              <a:t>4/2/2021</a:t>
+              <a:t>4/3/2021</a:t>
             </a:fld>
             <a:endParaRPr lang="en-US"/>
           </a:p>
@@ -4445,7 +4448,7 @@
           <a:p>
             <a:fld id="{051FFEB0-9C80-4A34-A5C7-72D52D52FC7D}" type="datetime1">
               <a:rPr lang="en-US" smtClean="0"/>
-              <a:t>4/2/2021</a:t>
+              <a:t>4/3/2021</a:t>
             </a:fld>
             <a:endParaRPr lang="en-US"/>
           </a:p>
@@ -4677,7 +4680,7 @@
           <a:p>
             <a:fld id="{084267AD-C299-471B-ABA1-D0EA94C7EDCF}" type="datetime1">
               <a:rPr lang="en-US" smtClean="0"/>
-              <a:t>4/2/2021</a:t>
+              <a:t>4/3/2021</a:t>
             </a:fld>
             <a:endParaRPr lang="en-US"/>
           </a:p>
@@ -5044,7 +5047,7 @@
           <a:p>
             <a:fld id="{6468DBC7-10F8-46A1-8CE1-DBB0A6F0EF3E}" type="datetime1">
               <a:rPr lang="en-US" smtClean="0"/>
-              <a:t>4/2/2021</a:t>
+              <a:t>4/3/2021</a:t>
             </a:fld>
             <a:endParaRPr lang="en-US"/>
           </a:p>
@@ -5162,7 +5165,7 @@
           <a:p>
             <a:fld id="{0A97ED80-8DDA-43A7-A78F-B0542D691D0E}" type="datetime1">
               <a:rPr lang="en-US" smtClean="0"/>
-              <a:t>4/2/2021</a:t>
+              <a:t>4/3/2021</a:t>
             </a:fld>
             <a:endParaRPr lang="en-US"/>
           </a:p>
@@ -5257,7 +5260,7 @@
           <a:p>
             <a:fld id="{0AF827E6-45BA-40D2-98F2-BE4FFF095577}" type="datetime1">
               <a:rPr lang="en-US" smtClean="0"/>
-              <a:t>4/2/2021</a:t>
+              <a:t>4/3/2021</a:t>
             </a:fld>
             <a:endParaRPr lang="en-US"/>
           </a:p>
@@ -5534,7 +5537,7 @@
           <a:p>
             <a:fld id="{42BD114C-22EA-4B1A-A45B-ED6465C7BB4E}" type="datetime1">
               <a:rPr lang="en-US" smtClean="0"/>
-              <a:t>4/2/2021</a:t>
+              <a:t>4/3/2021</a:t>
             </a:fld>
             <a:endParaRPr lang="en-US"/>
           </a:p>
@@ -5787,7 +5790,7 @@
           <a:p>
             <a:fld id="{F46F8903-38BE-4FD8-98FC-E4EF771B2D8C}" type="datetime1">
               <a:rPr lang="en-US" smtClean="0"/>
-              <a:t>4/2/2021</a:t>
+              <a:t>4/3/2021</a:t>
             </a:fld>
             <a:endParaRPr lang="en-US"/>
           </a:p>
@@ -6000,7 +6003,7 @@
           <a:p>
             <a:fld id="{A91AC8C7-9CA9-4E83-8CE3-AD3BE4150B39}" type="datetime1">
               <a:rPr lang="en-US" smtClean="0"/>
-              <a:t>4/2/2021</a:t>
+              <a:t>4/3/2021</a:t>
             </a:fld>
             <a:endParaRPr lang="en-US"/>
           </a:p>
@@ -6425,7 +6428,7 @@
         <p:spPr>
           <a:xfrm>
             <a:off x="0" y="1122363"/>
-            <a:ext cx="12192000" cy="2387600"/>
+            <a:ext cx="12192000" cy="2306637"/>
           </a:xfrm>
         </p:spPr>
         <p:txBody>
@@ -6533,7 +6536,7 @@
         </p:blipFill>
         <p:spPr>
           <a:xfrm>
-            <a:off x="4951891" y="3913774"/>
+            <a:off x="4951891" y="3761374"/>
             <a:ext cx="2288218" cy="1153526"/>
           </a:xfrm>
           <a:prstGeom prst="rect">
@@ -6573,32 +6576,6 @@
       </p:grpSpPr>
       <p:sp>
         <p:nvSpPr>
-          <p:cNvPr id="2" name="Titel 1"/>
-          <p:cNvSpPr>
-            <a:spLocks noGrp="1"/>
-          </p:cNvSpPr>
-          <p:nvPr>
-            <p:ph type="title"/>
-          </p:nvPr>
-        </p:nvSpPr>
-        <p:spPr/>
-        <p:txBody>
-          <a:bodyPr/>
-          <a:lstStyle/>
-          <a:p>
-            <a:r>
-              <a:rPr lang="en-US"/>
-              <a:t>Intro NLP  </a:t>
-            </a:r>
-            <a:r>
-              <a:rPr lang="en-US" b="1"/>
-              <a:t>Computational Techniques</a:t>
-            </a:r>
-          </a:p>
-        </p:txBody>
-      </p:sp>
-      <p:sp>
-        <p:nvSpPr>
           <p:cNvPr id="4" name="Foliennummernplatzhalter 3"/>
           <p:cNvSpPr>
             <a:spLocks noGrp="1"/>
@@ -6622,10 +6599,10 @@
       </p:sp>
       <p:sp>
         <p:nvSpPr>
-          <p:cNvPr id="5" name="Content Placeholder 2">
+          <p:cNvPr id="9" name="Titel 1">
             <a:extLst>
               <a:ext uri="{FF2B5EF4-FFF2-40B4-BE49-F238E27FC236}">
-                <a16:creationId xmlns:a16="http://schemas.microsoft.com/office/drawing/2014/main" id="{2103F23C-B021-4F14-8084-0CDDB4205028}"/>
+                <a16:creationId xmlns:a16="http://schemas.microsoft.com/office/drawing/2014/main" id="{7807725C-718A-4D77-AD01-05225CF68388}"/>
               </a:ext>
             </a:extLst>
           </p:cNvPr>
@@ -6633,17 +6610,56 @@
             <a:spLocks noGrp="1"/>
           </p:cNvSpPr>
           <p:nvPr>
-            <p:ph idx="1"/>
+            <p:ph type="title"/>
           </p:nvPr>
         </p:nvSpPr>
         <p:spPr>
           <a:xfrm>
-            <a:off x="838200" y="1825624"/>
-            <a:ext cx="10515600" cy="5032375"/>
+            <a:off x="1066800" y="561524"/>
+            <a:ext cx="10287000" cy="1129164"/>
           </a:xfrm>
         </p:spPr>
         <p:txBody>
           <a:bodyPr/>
+          <a:lstStyle/>
+          <a:p>
+            <a:r>
+              <a:rPr lang="en-US"/>
+              <a:t>Intro NLP  </a:t>
+            </a:r>
+            <a:r>
+              <a:rPr lang="en-US" b="1"/>
+              <a:t>Computational Techniques</a:t>
+            </a:r>
+          </a:p>
+        </p:txBody>
+      </p:sp>
+      <p:sp>
+        <p:nvSpPr>
+          <p:cNvPr id="10" name="Content Placeholder 2">
+            <a:extLst>
+              <a:ext uri="{FF2B5EF4-FFF2-40B4-BE49-F238E27FC236}">
+                <a16:creationId xmlns:a16="http://schemas.microsoft.com/office/drawing/2014/main" id="{67443131-1CA9-405F-8B23-66FD98AB33DC}"/>
+              </a:ext>
+            </a:extLst>
+          </p:cNvPr>
+          <p:cNvSpPr>
+            <a:spLocks noGrp="1"/>
+          </p:cNvSpPr>
+          <p:nvPr>
+            <p:ph idx="1"/>
+          </p:nvPr>
+        </p:nvSpPr>
+        <p:spPr>
+          <a:xfrm>
+            <a:off x="1066798" y="1990724"/>
+            <a:ext cx="10287001" cy="4867275"/>
+          </a:xfrm>
+        </p:spPr>
+        <p:txBody>
+          <a:bodyPr>
+            <a:normAutofit/>
+          </a:bodyPr>
           <a:lstStyle/>
           <a:p>
             <a:r>
@@ -6770,14 +6786,20 @@
               <a:t>(pre-training) and fine-tune to specific tasks </a:t>
             </a:r>
           </a:p>
+          <a:p>
+            <a:pPr marL="457200" lvl="1" indent="0">
+              <a:buNone/>
+            </a:pPr>
+            <a:endParaRPr lang="en-US"/>
+          </a:p>
         </p:txBody>
       </p:sp>
       <p:pic>
         <p:nvPicPr>
-          <p:cNvPr id="7" name="Graphic 6" descr="Magnifying glass with solid fill">
+          <p:cNvPr id="11" name="Graphic 10" descr="Magnifying glass with solid fill">
             <a:extLst>
               <a:ext uri="{FF2B5EF4-FFF2-40B4-BE49-F238E27FC236}">
-                <a16:creationId xmlns:a16="http://schemas.microsoft.com/office/drawing/2014/main" id="{72F3C6F7-A30C-444A-9585-FD8B7285877C}"/>
+                <a16:creationId xmlns:a16="http://schemas.microsoft.com/office/drawing/2014/main" id="{174262ED-D89A-4942-BE76-15FB42C0513C}"/>
               </a:ext>
             </a:extLst>
           </p:cNvPr>
@@ -6803,7 +6825,7 @@
         </p:blipFill>
         <p:spPr>
           <a:xfrm>
-            <a:off x="9285515" y="2286000"/>
+            <a:off x="9799865" y="2470265"/>
             <a:ext cx="478971" cy="478971"/>
           </a:xfrm>
           <a:prstGeom prst="rect">
@@ -6813,10 +6835,10 @@
       </p:pic>
       <p:pic>
         <p:nvPicPr>
-          <p:cNvPr id="8" name="Graphic 7" descr="Magnifying glass with solid fill">
+          <p:cNvPr id="12" name="Graphic 11" descr="Magnifying glass with solid fill">
             <a:extLst>
               <a:ext uri="{FF2B5EF4-FFF2-40B4-BE49-F238E27FC236}">
-                <a16:creationId xmlns:a16="http://schemas.microsoft.com/office/drawing/2014/main" id="{EB0181CB-3669-4538-AA67-8C6E4E616BDD}"/>
+                <a16:creationId xmlns:a16="http://schemas.microsoft.com/office/drawing/2014/main" id="{B2B584DD-3266-4DBF-A22E-465D05A1AF54}"/>
               </a:ext>
             </a:extLst>
           </p:cNvPr>
@@ -6842,7 +6864,7 @@
         </p:blipFill>
         <p:spPr>
           <a:xfrm>
-            <a:off x="7064829" y="3048000"/>
+            <a:off x="7501618" y="3189514"/>
             <a:ext cx="478971" cy="478971"/>
           </a:xfrm>
           <a:prstGeom prst="rect">
@@ -6852,10 +6874,10 @@
       </p:pic>
       <p:pic>
         <p:nvPicPr>
-          <p:cNvPr id="9" name="Graphic 8" descr="Magnifying glass with solid fill">
+          <p:cNvPr id="13" name="Graphic 12" descr="Magnifying glass with solid fill">
             <a:extLst>
               <a:ext uri="{FF2B5EF4-FFF2-40B4-BE49-F238E27FC236}">
-                <a16:creationId xmlns:a16="http://schemas.microsoft.com/office/drawing/2014/main" id="{7DD102D4-9FC5-4CAC-B5C1-0D0CBE48647F}"/>
+                <a16:creationId xmlns:a16="http://schemas.microsoft.com/office/drawing/2014/main" id="{E6A04A2F-C755-45AB-ADA2-7BCFF5726DC5}"/>
               </a:ext>
             </a:extLst>
           </p:cNvPr>
@@ -6881,7 +6903,7 @@
         </p:blipFill>
         <p:spPr>
           <a:xfrm>
-            <a:off x="10287001" y="5282067"/>
+            <a:off x="10874828" y="5487876"/>
             <a:ext cx="478971" cy="478971"/>
           </a:xfrm>
           <a:prstGeom prst="rect">
@@ -6892,7 +6914,7 @@
     </p:spTree>
     <p:extLst>
       <p:ext uri="{BB962C8B-B14F-4D97-AF65-F5344CB8AC3E}">
-        <p14:creationId xmlns:p14="http://schemas.microsoft.com/office/powerpoint/2010/main" val="2459109893"/>
+        <p14:creationId xmlns:p14="http://schemas.microsoft.com/office/powerpoint/2010/main" val="4109946225"/>
       </p:ext>
     </p:extLst>
   </p:cSld>
@@ -6921,32 +6943,6 @@
       </p:grpSpPr>
       <p:sp>
         <p:nvSpPr>
-          <p:cNvPr id="2" name="Titel 1"/>
-          <p:cNvSpPr>
-            <a:spLocks noGrp="1"/>
-          </p:cNvSpPr>
-          <p:nvPr>
-            <p:ph type="title"/>
-          </p:nvPr>
-        </p:nvSpPr>
-        <p:spPr/>
-        <p:txBody>
-          <a:bodyPr/>
-          <a:lstStyle/>
-          <a:p>
-            <a:r>
-              <a:rPr lang="en-US"/>
-              <a:t>Intro NLP  </a:t>
-            </a:r>
-            <a:r>
-              <a:rPr lang="en-US" b="1"/>
-              <a:t>Challenges</a:t>
-            </a:r>
-          </a:p>
-        </p:txBody>
-      </p:sp>
-      <p:sp>
-        <p:nvSpPr>
           <p:cNvPr id="4" name="Foliennummernplatzhalter 3"/>
           <p:cNvSpPr>
             <a:spLocks noGrp="1"/>
@@ -6970,10 +6966,10 @@
       </p:sp>
       <p:sp>
         <p:nvSpPr>
-          <p:cNvPr id="5" name="Content Placeholder 2">
+          <p:cNvPr id="9" name="Titel 1">
             <a:extLst>
               <a:ext uri="{FF2B5EF4-FFF2-40B4-BE49-F238E27FC236}">
-                <a16:creationId xmlns:a16="http://schemas.microsoft.com/office/drawing/2014/main" id="{2103F23C-B021-4F14-8084-0CDDB4205028}"/>
+                <a16:creationId xmlns:a16="http://schemas.microsoft.com/office/drawing/2014/main" id="{7807725C-718A-4D77-AD01-05225CF68388}"/>
               </a:ext>
             </a:extLst>
           </p:cNvPr>
@@ -6981,13 +6977,13 @@
             <a:spLocks noGrp="1"/>
           </p:cNvSpPr>
           <p:nvPr>
-            <p:ph idx="1"/>
+            <p:ph type="title"/>
           </p:nvPr>
         </p:nvSpPr>
         <p:spPr>
           <a:xfrm>
-            <a:off x="838200" y="1825625"/>
-            <a:ext cx="10515600" cy="4351338"/>
+            <a:off x="1066800" y="561524"/>
+            <a:ext cx="10287000" cy="1129164"/>
           </a:xfrm>
         </p:spPr>
         <p:txBody>
@@ -6996,6 +6992,45 @@
           <a:p>
             <a:r>
               <a:rPr lang="en-US"/>
+              <a:t>Intro NLP  </a:t>
+            </a:r>
+            <a:r>
+              <a:rPr lang="en-US" b="1"/>
+              <a:t>Challenges</a:t>
+            </a:r>
+          </a:p>
+        </p:txBody>
+      </p:sp>
+      <p:sp>
+        <p:nvSpPr>
+          <p:cNvPr id="10" name="Content Placeholder 2">
+            <a:extLst>
+              <a:ext uri="{FF2B5EF4-FFF2-40B4-BE49-F238E27FC236}">
+                <a16:creationId xmlns:a16="http://schemas.microsoft.com/office/drawing/2014/main" id="{67443131-1CA9-405F-8B23-66FD98AB33DC}"/>
+              </a:ext>
+            </a:extLst>
+          </p:cNvPr>
+          <p:cNvSpPr>
+            <a:spLocks noGrp="1"/>
+          </p:cNvSpPr>
+          <p:nvPr>
+            <p:ph idx="1"/>
+          </p:nvPr>
+        </p:nvSpPr>
+        <p:spPr>
+          <a:xfrm>
+            <a:off x="1066798" y="1990724"/>
+            <a:ext cx="10287001" cy="4867275"/>
+          </a:xfrm>
+        </p:spPr>
+        <p:txBody>
+          <a:bodyPr>
+            <a:normAutofit/>
+          </a:bodyPr>
+          <a:lstStyle/>
+          <a:p>
+            <a:r>
+              <a:rPr lang="en-US"/>
               <a:t>Variety of languages</a:t>
             </a:r>
           </a:p>
@@ -7054,14 +7089,20 @@
               <a:t>Cases</a:t>
             </a:r>
           </a:p>
-        </p:txBody>
-      </p:sp>
-      <p:sp>
-        <p:nvSpPr>
-          <p:cNvPr id="3" name="Speech Bubble: Rectangle 2">
+          <a:p>
+            <a:pPr marL="457200" lvl="1" indent="0">
+              <a:buNone/>
+            </a:pPr>
+            <a:endParaRPr lang="en-US"/>
+          </a:p>
+        </p:txBody>
+      </p:sp>
+      <p:sp>
+        <p:nvSpPr>
+          <p:cNvPr id="8" name="Speech Bubble: Rectangle 7">
             <a:extLst>
               <a:ext uri="{FF2B5EF4-FFF2-40B4-BE49-F238E27FC236}">
-                <a16:creationId xmlns:a16="http://schemas.microsoft.com/office/drawing/2014/main" id="{2C197B4B-21A3-4375-BB8B-8DF25696D29C}"/>
+                <a16:creationId xmlns:a16="http://schemas.microsoft.com/office/drawing/2014/main" id="{5C9F5E8D-7677-49EA-B9FF-828F4AC0B196}"/>
               </a:ext>
             </a:extLst>
           </p:cNvPr>
@@ -7070,7 +7111,7 @@
         </p:nvSpPr>
         <p:spPr>
           <a:xfrm>
-            <a:off x="3257550" y="5599905"/>
+            <a:off x="3752850" y="5851975"/>
             <a:ext cx="5467350" cy="444501"/>
           </a:xfrm>
           <a:prstGeom prst="wedgeRectCallout">
@@ -7123,10 +7164,10 @@
       </p:sp>
       <p:pic>
         <p:nvPicPr>
-          <p:cNvPr id="8" name="Graphic 7" descr="Back with solid fill">
+          <p:cNvPr id="14" name="Graphic 13" descr="Back with solid fill">
             <a:extLst>
               <a:ext uri="{FF2B5EF4-FFF2-40B4-BE49-F238E27FC236}">
-                <a16:creationId xmlns:a16="http://schemas.microsoft.com/office/drawing/2014/main" id="{13F94A6B-0B2C-41CD-BC10-27C6F21CDE3F}"/>
+                <a16:creationId xmlns:a16="http://schemas.microsoft.com/office/drawing/2014/main" id="{BEA7E5AC-C9E3-40FB-862F-20BFA7678D5C}"/>
               </a:ext>
             </a:extLst>
           </p:cNvPr>
@@ -7152,7 +7193,7 @@
         </p:blipFill>
         <p:spPr>
           <a:xfrm>
-            <a:off x="3390899" y="4550567"/>
+            <a:off x="3886199" y="4802637"/>
             <a:ext cx="1049337" cy="1049337"/>
           </a:xfrm>
           <a:prstGeom prst="rect">
@@ -7162,10 +7203,10 @@
       </p:pic>
       <p:pic>
         <p:nvPicPr>
-          <p:cNvPr id="10" name="Picture 9">
+          <p:cNvPr id="15" name="Picture 14">
             <a:extLst>
               <a:ext uri="{FF2B5EF4-FFF2-40B4-BE49-F238E27FC236}">
-                <a16:creationId xmlns:a16="http://schemas.microsoft.com/office/drawing/2014/main" id="{F853DF7C-D509-4E6F-8979-8AF9C3E03772}"/>
+                <a16:creationId xmlns:a16="http://schemas.microsoft.com/office/drawing/2014/main" id="{4936AD10-00B1-43A6-B131-994C484680AE}"/>
               </a:ext>
             </a:extLst>
           </p:cNvPr>
@@ -7194,7 +7235,7 @@
         </p:blipFill>
         <p:spPr>
           <a:xfrm>
-            <a:off x="8364652" y="5380334"/>
+            <a:off x="8859952" y="5632404"/>
             <a:ext cx="720496" cy="664072"/>
           </a:xfrm>
           <a:prstGeom prst="rect">
@@ -7205,7 +7246,7 @@
     </p:spTree>
     <p:extLst>
       <p:ext uri="{BB962C8B-B14F-4D97-AF65-F5344CB8AC3E}">
-        <p14:creationId xmlns:p14="http://schemas.microsoft.com/office/powerpoint/2010/main" val="946438375"/>
+        <p14:creationId xmlns:p14="http://schemas.microsoft.com/office/powerpoint/2010/main" val="2072802852"/>
       </p:ext>
     </p:extLst>
   </p:cSld>
@@ -7234,10 +7275,166 @@
       </p:grpSpPr>
       <p:sp>
         <p:nvSpPr>
-          <p:cNvPr id="6" name="Content Placeholder 2">
+          <p:cNvPr id="4" name="Foliennummernplatzhalter 3"/>
+          <p:cNvSpPr>
+            <a:spLocks noGrp="1"/>
+          </p:cNvSpPr>
+          <p:nvPr>
+            <p:ph type="sldNum" sz="quarter" idx="12"/>
+          </p:nvPr>
+        </p:nvSpPr>
+        <p:spPr/>
+        <p:txBody>
+          <a:bodyPr/>
+          <a:lstStyle/>
+          <a:p>
+            <a:fld id="{C9E0B00B-E6DF-4183-A694-3DE28BEFB357}" type="slidenum">
+              <a:rPr lang="en-US" smtClean="0"/>
+              <a:t>12</a:t>
+            </a:fld>
+            <a:endParaRPr lang="en-US"/>
+          </a:p>
+        </p:txBody>
+      </p:sp>
+      <p:sp>
+        <p:nvSpPr>
+          <p:cNvPr id="9" name="Titel 1">
             <a:extLst>
               <a:ext uri="{FF2B5EF4-FFF2-40B4-BE49-F238E27FC236}">
-                <a16:creationId xmlns:a16="http://schemas.microsoft.com/office/drawing/2014/main" id="{9775D82A-1C81-4022-896E-D8A148F3A0BC}"/>
+                <a16:creationId xmlns:a16="http://schemas.microsoft.com/office/drawing/2014/main" id="{7807725C-718A-4D77-AD01-05225CF68388}"/>
+              </a:ext>
+            </a:extLst>
+          </p:cNvPr>
+          <p:cNvSpPr>
+            <a:spLocks noGrp="1"/>
+          </p:cNvSpPr>
+          <p:nvPr>
+            <p:ph type="title"/>
+          </p:nvPr>
+        </p:nvSpPr>
+        <p:spPr>
+          <a:xfrm>
+            <a:off x="1066800" y="561524"/>
+            <a:ext cx="10287000" cy="1129164"/>
+          </a:xfrm>
+        </p:spPr>
+        <p:txBody>
+          <a:bodyPr/>
+          <a:lstStyle/>
+          <a:p>
+            <a:r>
+              <a:rPr lang="en-US"/>
+              <a:t>Intro NLP  </a:t>
+            </a:r>
+            <a:r>
+              <a:rPr lang="en-US" b="1"/>
+              <a:t>Challenges</a:t>
+            </a:r>
+          </a:p>
+        </p:txBody>
+      </p:sp>
+      <p:sp>
+        <p:nvSpPr>
+          <p:cNvPr id="10" name="Content Placeholder 2">
+            <a:extLst>
+              <a:ext uri="{FF2B5EF4-FFF2-40B4-BE49-F238E27FC236}">
+                <a16:creationId xmlns:a16="http://schemas.microsoft.com/office/drawing/2014/main" id="{67443131-1CA9-405F-8B23-66FD98AB33DC}"/>
+              </a:ext>
+            </a:extLst>
+          </p:cNvPr>
+          <p:cNvSpPr>
+            <a:spLocks noGrp="1"/>
+          </p:cNvSpPr>
+          <p:nvPr>
+            <p:ph idx="1"/>
+          </p:nvPr>
+        </p:nvSpPr>
+        <p:spPr>
+          <a:xfrm>
+            <a:off x="1066798" y="1990724"/>
+            <a:ext cx="5743577" cy="4867275"/>
+          </a:xfrm>
+        </p:spPr>
+        <p:txBody>
+          <a:bodyPr>
+            <a:normAutofit/>
+          </a:bodyPr>
+          <a:lstStyle/>
+          <a:p>
+            <a:r>
+              <a:rPr lang="en-US"/>
+              <a:t>Contextual dependencies</a:t>
+            </a:r>
+          </a:p>
+          <a:p>
+            <a:pPr lvl="1"/>
+            <a:r>
+              <a:rPr lang="en-US"/>
+              <a:t>Ambiguities</a:t>
+            </a:r>
+          </a:p>
+          <a:p>
+            <a:pPr lvl="1"/>
+            <a:r>
+              <a:rPr lang="en-US"/>
+              <a:t>Domain-specific vocabulary</a:t>
+            </a:r>
+          </a:p>
+          <a:p>
+            <a:pPr lvl="1"/>
+            <a:r>
+              <a:rPr lang="en-US"/>
+              <a:t>Varying formality</a:t>
+            </a:r>
+          </a:p>
+          <a:p>
+            <a:r>
+              <a:rPr lang="en-US"/>
+              <a:t>Complex constructs</a:t>
+            </a:r>
+          </a:p>
+          <a:p>
+            <a:pPr lvl="1"/>
+            <a:r>
+              <a:rPr lang="en-US"/>
+              <a:t>Humor</a:t>
+            </a:r>
+          </a:p>
+          <a:p>
+            <a:pPr lvl="1"/>
+            <a:r>
+              <a:rPr lang="en-US"/>
+              <a:t>Irony</a:t>
+            </a:r>
+          </a:p>
+          <a:p>
+            <a:pPr lvl="1"/>
+            <a:r>
+              <a:rPr lang="en-US"/>
+              <a:t>Sarcasm</a:t>
+            </a:r>
+          </a:p>
+          <a:p>
+            <a:pPr lvl="1"/>
+            <a:r>
+              <a:rPr lang="en-US"/>
+              <a:t>Colloquialisms</a:t>
+            </a:r>
+          </a:p>
+          <a:p>
+            <a:pPr marL="457200" lvl="1" indent="0">
+              <a:buNone/>
+            </a:pPr>
+            <a:endParaRPr lang="en-US"/>
+          </a:p>
+        </p:txBody>
+      </p:sp>
+      <p:sp>
+        <p:nvSpPr>
+          <p:cNvPr id="11" name="Content Placeholder 2">
+            <a:extLst>
+              <a:ext uri="{FF2B5EF4-FFF2-40B4-BE49-F238E27FC236}">
+                <a16:creationId xmlns:a16="http://schemas.microsoft.com/office/drawing/2014/main" id="{62B24BD7-7318-4BFD-B6D2-4BC63A931A5D}"/>
               </a:ext>
             </a:extLst>
           </p:cNvPr>
@@ -7248,8 +7445,8 @@
         </p:nvSpPr>
         <p:spPr>
           <a:xfrm>
-            <a:off x="838200" y="1825625"/>
-            <a:ext cx="5257800" cy="4351338"/>
+            <a:off x="6096001" y="1990725"/>
+            <a:ext cx="5743577" cy="4867275"/>
           </a:xfrm>
           <a:prstGeom prst="rect">
             <a:avLst/>
@@ -7426,194 +7623,51 @@
           <a:p>
             <a:r>
               <a:rPr lang="en-US"/>
-              <a:t>Contextual dependencies</a:t>
+              <a:t>Individual expression</a:t>
             </a:r>
           </a:p>
           <a:p>
             <a:pPr lvl="1"/>
             <a:r>
               <a:rPr lang="en-US"/>
-              <a:t>Ambiguities</a:t>
+              <a:t>Style</a:t>
             </a:r>
           </a:p>
           <a:p>
             <a:pPr lvl="1"/>
             <a:r>
               <a:rPr lang="en-US"/>
-              <a:t>Domain-specific vocabulary</a:t>
+              <a:t>Emotion</a:t>
+            </a:r>
+          </a:p>
+          <a:p>
+            <a:r>
+              <a:rPr lang="en-US"/>
+              <a:t>Errors</a:t>
             </a:r>
           </a:p>
           <a:p>
             <a:pPr lvl="1"/>
             <a:r>
               <a:rPr lang="en-US"/>
-              <a:t>Varying formality</a:t>
-            </a:r>
-          </a:p>
-          <a:p>
+              <a:t>Transcription/translation errors</a:t>
+            </a:r>
+          </a:p>
+          <a:p>
+            <a:pPr lvl="1"/>
             <a:r>
               <a:rPr lang="en-US"/>
-              <a:t>Complex constructs</a:t>
-            </a:r>
-          </a:p>
-          <a:p>
-            <a:pPr lvl="1"/>
-            <a:r>
-              <a:rPr lang="en-US"/>
-              <a:t>Humor</a:t>
-            </a:r>
-          </a:p>
-          <a:p>
-            <a:pPr lvl="1"/>
-            <a:r>
-              <a:rPr lang="en-US"/>
-              <a:t>Irony</a:t>
-            </a:r>
-          </a:p>
-          <a:p>
-            <a:pPr lvl="1"/>
-            <a:r>
-              <a:rPr lang="en-US"/>
-              <a:t>Sarcasm</a:t>
-            </a:r>
-          </a:p>
-          <a:p>
-            <a:pPr lvl="1"/>
-            <a:r>
-              <a:rPr lang="en-US"/>
-              <a:t>Colloquialisms</a:t>
-            </a:r>
-          </a:p>
-        </p:txBody>
-      </p:sp>
-      <p:sp>
-        <p:nvSpPr>
-          <p:cNvPr id="2" name="Titel 1"/>
-          <p:cNvSpPr>
-            <a:spLocks noGrp="1"/>
-          </p:cNvSpPr>
-          <p:nvPr>
-            <p:ph type="title"/>
-          </p:nvPr>
-        </p:nvSpPr>
-        <p:spPr/>
-        <p:txBody>
-          <a:bodyPr/>
-          <a:lstStyle/>
-          <a:p>
-            <a:r>
-              <a:rPr lang="en-US"/>
-              <a:t>Intro NLP  </a:t>
-            </a:r>
-            <a:r>
-              <a:rPr lang="en-US" b="1"/>
-              <a:t>Challenges</a:t>
-            </a:r>
-          </a:p>
-        </p:txBody>
-      </p:sp>
-      <p:sp>
-        <p:nvSpPr>
-          <p:cNvPr id="4" name="Foliennummernplatzhalter 3"/>
-          <p:cNvSpPr>
-            <a:spLocks noGrp="1"/>
-          </p:cNvSpPr>
-          <p:nvPr>
-            <p:ph type="sldNum" sz="quarter" idx="12"/>
-          </p:nvPr>
-        </p:nvSpPr>
-        <p:spPr/>
-        <p:txBody>
-          <a:bodyPr/>
-          <a:lstStyle/>
-          <a:p>
-            <a:fld id="{C9E0B00B-E6DF-4183-A694-3DE28BEFB357}" type="slidenum">
-              <a:rPr lang="en-US" smtClean="0"/>
-              <a:t>12</a:t>
-            </a:fld>
-            <a:endParaRPr lang="en-US"/>
-          </a:p>
-        </p:txBody>
-      </p:sp>
-      <p:sp>
-        <p:nvSpPr>
-          <p:cNvPr id="5" name="Content Placeholder 2">
+              <a:t>Misspelling</a:t>
+            </a:r>
+          </a:p>
+        </p:txBody>
+      </p:sp>
+      <p:sp>
+        <p:nvSpPr>
+          <p:cNvPr id="12" name="TextBox 11">
             <a:extLst>
               <a:ext uri="{FF2B5EF4-FFF2-40B4-BE49-F238E27FC236}">
-                <a16:creationId xmlns:a16="http://schemas.microsoft.com/office/drawing/2014/main" id="{2103F23C-B021-4F14-8084-0CDDB4205028}"/>
-              </a:ext>
-            </a:extLst>
-          </p:cNvPr>
-          <p:cNvSpPr>
-            <a:spLocks noGrp="1"/>
-          </p:cNvSpPr>
-          <p:nvPr>
-            <p:ph idx="1"/>
-          </p:nvPr>
-        </p:nvSpPr>
-        <p:spPr>
-          <a:xfrm>
-            <a:off x="6096000" y="1825625"/>
-            <a:ext cx="5257800" cy="4351338"/>
-          </a:xfrm>
-        </p:spPr>
-        <p:txBody>
-          <a:bodyPr>
-            <a:normAutofit/>
-          </a:bodyPr>
-          <a:lstStyle/>
-          <a:p>
-            <a:r>
-              <a:rPr lang="en-US"/>
-              <a:t>Individual expression</a:t>
-            </a:r>
-          </a:p>
-          <a:p>
-            <a:pPr lvl="1"/>
-            <a:r>
-              <a:rPr lang="en-US"/>
-              <a:t>Style</a:t>
-            </a:r>
-          </a:p>
-          <a:p>
-            <a:pPr lvl="1"/>
-            <a:r>
-              <a:rPr lang="en-US"/>
-              <a:t>Emotion</a:t>
-            </a:r>
-          </a:p>
-          <a:p>
-            <a:r>
-              <a:rPr lang="en-US"/>
-              <a:t>Errors</a:t>
-            </a:r>
-          </a:p>
-          <a:p>
-            <a:pPr lvl="1"/>
-            <a:r>
-              <a:rPr lang="en-US"/>
-              <a:t>Transcription/translation errors</a:t>
-            </a:r>
-          </a:p>
-          <a:p>
-            <a:pPr lvl="1"/>
-            <a:r>
-              <a:rPr lang="en-US"/>
-              <a:t>Misspelling</a:t>
-            </a:r>
-            <a:br>
-              <a:rPr lang="en-US"/>
-            </a:br>
-            <a:endParaRPr lang="en-US"/>
-          </a:p>
-        </p:txBody>
-      </p:sp>
-      <p:sp>
-        <p:nvSpPr>
-          <p:cNvPr id="3" name="TextBox 2">
-            <a:extLst>
-              <a:ext uri="{FF2B5EF4-FFF2-40B4-BE49-F238E27FC236}">
-                <a16:creationId xmlns:a16="http://schemas.microsoft.com/office/drawing/2014/main" id="{CF65CC53-C4F2-4559-A06F-35117D633A18}"/>
+                <a16:creationId xmlns:a16="http://schemas.microsoft.com/office/drawing/2014/main" id="{709A26F5-1A7F-4D23-B63B-89FC2EA211A1}"/>
               </a:ext>
             </a:extLst>
           </p:cNvPr>
@@ -7622,7 +7676,7 @@
         </p:nvSpPr>
         <p:spPr>
           <a:xfrm>
-            <a:off x="6605587" y="5105400"/>
+            <a:off x="6810375" y="5220027"/>
             <a:ext cx="4238625" cy="523220"/>
           </a:xfrm>
           <a:prstGeom prst="rect">
@@ -7647,10 +7701,10 @@
       </p:sp>
       <p:pic>
         <p:nvPicPr>
-          <p:cNvPr id="10" name="Graphic 9" descr="Add with solid fill">
+          <p:cNvPr id="13" name="Graphic 12" descr="Add with solid fill">
             <a:extLst>
               <a:ext uri="{FF2B5EF4-FFF2-40B4-BE49-F238E27FC236}">
-                <a16:creationId xmlns:a16="http://schemas.microsoft.com/office/drawing/2014/main" id="{F1C588EC-3FCF-4681-8919-4EEB50D372F3}"/>
+                <a16:creationId xmlns:a16="http://schemas.microsoft.com/office/drawing/2014/main" id="{828F42E1-BE65-4417-8AB9-EB3A41CB407C}"/>
               </a:ext>
             </a:extLst>
           </p:cNvPr>
@@ -7676,7 +7730,7 @@
         </p:blipFill>
         <p:spPr>
           <a:xfrm>
-            <a:off x="6095999" y="4990772"/>
+            <a:off x="6096000" y="5105399"/>
             <a:ext cx="752475" cy="752475"/>
           </a:xfrm>
           <a:prstGeom prst="rect">
@@ -7687,7 +7741,7 @@
     </p:spTree>
     <p:extLst>
       <p:ext uri="{BB962C8B-B14F-4D97-AF65-F5344CB8AC3E}">
-        <p14:creationId xmlns:p14="http://schemas.microsoft.com/office/powerpoint/2010/main" val="3698968553"/>
+        <p14:creationId xmlns:p14="http://schemas.microsoft.com/office/powerpoint/2010/main" val="969149357"/>
       </p:ext>
     </p:extLst>
   </p:cSld>
@@ -7716,32 +7770,6 @@
       </p:grpSpPr>
       <p:sp>
         <p:nvSpPr>
-          <p:cNvPr id="2" name="Titel 1"/>
-          <p:cNvSpPr>
-            <a:spLocks noGrp="1"/>
-          </p:cNvSpPr>
-          <p:nvPr>
-            <p:ph type="title"/>
-          </p:nvPr>
-        </p:nvSpPr>
-        <p:spPr/>
-        <p:txBody>
-          <a:bodyPr/>
-          <a:lstStyle/>
-          <a:p>
-            <a:r>
-              <a:rPr lang="en-US"/>
-              <a:t>Intro NLP  </a:t>
-            </a:r>
-            <a:r>
-              <a:rPr lang="en-US" b="1"/>
-              <a:t>Applications</a:t>
-            </a:r>
-          </a:p>
-        </p:txBody>
-      </p:sp>
-      <p:sp>
-        <p:nvSpPr>
           <p:cNvPr id="4" name="Foliennummernplatzhalter 3"/>
           <p:cNvSpPr>
             <a:spLocks noGrp="1"/>
@@ -7763,12 +7791,49 @@
           </a:p>
         </p:txBody>
       </p:sp>
+      <p:sp>
+        <p:nvSpPr>
+          <p:cNvPr id="9" name="Titel 1">
+            <a:extLst>
+              <a:ext uri="{FF2B5EF4-FFF2-40B4-BE49-F238E27FC236}">
+                <a16:creationId xmlns:a16="http://schemas.microsoft.com/office/drawing/2014/main" id="{7807725C-718A-4D77-AD01-05225CF68388}"/>
+              </a:ext>
+            </a:extLst>
+          </p:cNvPr>
+          <p:cNvSpPr>
+            <a:spLocks noGrp="1"/>
+          </p:cNvSpPr>
+          <p:nvPr>
+            <p:ph type="title"/>
+          </p:nvPr>
+        </p:nvSpPr>
+        <p:spPr>
+          <a:xfrm>
+            <a:off x="1066800" y="561524"/>
+            <a:ext cx="10287000" cy="1129164"/>
+          </a:xfrm>
+        </p:spPr>
+        <p:txBody>
+          <a:bodyPr/>
+          <a:lstStyle/>
+          <a:p>
+            <a:r>
+              <a:rPr lang="en-US"/>
+              <a:t>Intro NLP  </a:t>
+            </a:r>
+            <a:r>
+              <a:rPr lang="en-US" b="1"/>
+              <a:t>Applications</a:t>
+            </a:r>
+          </a:p>
+        </p:txBody>
+      </p:sp>
       <p:pic>
         <p:nvPicPr>
-          <p:cNvPr id="7" name="Picture 6">
+          <p:cNvPr id="14" name="Picture 13">
             <a:extLst>
               <a:ext uri="{FF2B5EF4-FFF2-40B4-BE49-F238E27FC236}">
-                <a16:creationId xmlns:a16="http://schemas.microsoft.com/office/drawing/2014/main" id="{F55E6A38-04E2-4CA4-AEBF-7264AD1A9704}"/>
+                <a16:creationId xmlns:a16="http://schemas.microsoft.com/office/drawing/2014/main" id="{DD227568-FC74-45CA-8EEF-661B8C736F58}"/>
               </a:ext>
             </a:extLst>
           </p:cNvPr>
@@ -7785,7 +7850,7 @@
         </p:blipFill>
         <p:spPr>
           <a:xfrm>
-            <a:off x="3209926" y="1986168"/>
+            <a:off x="3438526" y="2019506"/>
             <a:ext cx="4933950" cy="1838739"/>
           </a:xfrm>
           <a:prstGeom prst="rect">
@@ -7798,10 +7863,10 @@
       </p:pic>
       <p:pic>
         <p:nvPicPr>
-          <p:cNvPr id="10" name="Picture 9">
+          <p:cNvPr id="15" name="Picture 14">
             <a:extLst>
               <a:ext uri="{FF2B5EF4-FFF2-40B4-BE49-F238E27FC236}">
-                <a16:creationId xmlns:a16="http://schemas.microsoft.com/office/drawing/2014/main" id="{68C00F89-F77A-44C1-A4EE-BF9B50537F85}"/>
+                <a16:creationId xmlns:a16="http://schemas.microsoft.com/office/drawing/2014/main" id="{EFFEC4CC-9F45-45B0-9339-2396028484C4}"/>
               </a:ext>
             </a:extLst>
           </p:cNvPr>
@@ -7830,7 +7895,7 @@
         </p:blipFill>
         <p:spPr>
           <a:xfrm>
-            <a:off x="838200" y="1937762"/>
+            <a:off x="1066800" y="2004437"/>
             <a:ext cx="2038350" cy="4175972"/>
           </a:xfrm>
           <a:prstGeom prst="rect">
@@ -7840,10 +7905,10 @@
       </p:pic>
       <p:pic>
         <p:nvPicPr>
-          <p:cNvPr id="12" name="Picture 11">
+          <p:cNvPr id="16" name="Picture 15">
             <a:extLst>
               <a:ext uri="{FF2B5EF4-FFF2-40B4-BE49-F238E27FC236}">
-                <a16:creationId xmlns:a16="http://schemas.microsoft.com/office/drawing/2014/main" id="{25CC5695-D603-4E1C-8807-9ABB4634165F}"/>
+                <a16:creationId xmlns:a16="http://schemas.microsoft.com/office/drawing/2014/main" id="{6528DEB5-CAEA-4D0B-80D9-7946C3D18E3D}"/>
               </a:ext>
             </a:extLst>
           </p:cNvPr>
@@ -7872,8 +7937,8 @@
         </p:blipFill>
         <p:spPr>
           <a:xfrm>
-            <a:off x="3209926" y="4120388"/>
-            <a:ext cx="7686674" cy="1993346"/>
+            <a:off x="3438526" y="4204759"/>
+            <a:ext cx="7915274" cy="1975649"/>
           </a:xfrm>
           <a:prstGeom prst="rect">
             <a:avLst/>
@@ -7882,10 +7947,10 @@
       </p:pic>
       <p:sp>
         <p:nvSpPr>
-          <p:cNvPr id="13" name="TextBox 12">
+          <p:cNvPr id="17" name="TextBox 16">
             <a:extLst>
               <a:ext uri="{FF2B5EF4-FFF2-40B4-BE49-F238E27FC236}">
-                <a16:creationId xmlns:a16="http://schemas.microsoft.com/office/drawing/2014/main" id="{CFF36413-17D7-4C14-AD78-BF99CF5D8495}"/>
+                <a16:creationId xmlns:a16="http://schemas.microsoft.com/office/drawing/2014/main" id="{B1005721-A2AA-4C07-AF98-648197BE63E2}"/>
               </a:ext>
             </a:extLst>
           </p:cNvPr>
@@ -7894,7 +7959,7 @@
         </p:nvSpPr>
         <p:spPr>
           <a:xfrm>
-            <a:off x="9024938" y="3429000"/>
+            <a:off x="9482138" y="3495675"/>
             <a:ext cx="1871662" cy="523220"/>
           </a:xfrm>
           <a:prstGeom prst="rect">
@@ -7919,10 +7984,10 @@
       </p:sp>
       <p:pic>
         <p:nvPicPr>
-          <p:cNvPr id="15" name="Graphic 14" descr="Dim (Medium Sun) with solid fill">
+          <p:cNvPr id="18" name="Graphic 17" descr="Dim (Medium Sun) with solid fill">
             <a:extLst>
               <a:ext uri="{FF2B5EF4-FFF2-40B4-BE49-F238E27FC236}">
-                <a16:creationId xmlns:a16="http://schemas.microsoft.com/office/drawing/2014/main" id="{436FFC8B-6EC8-4981-9DAD-0014948C2CFE}"/>
+                <a16:creationId xmlns:a16="http://schemas.microsoft.com/office/drawing/2014/main" id="{F68E508B-D9B5-46A4-A6F0-E91B78BD9DD9}"/>
               </a:ext>
             </a:extLst>
           </p:cNvPr>
@@ -7948,7 +8013,7 @@
         </p:blipFill>
         <p:spPr>
           <a:xfrm>
-            <a:off x="8899772" y="3429000"/>
+            <a:off x="9308836" y="3511598"/>
             <a:ext cx="346603" cy="346603"/>
           </a:xfrm>
           <a:prstGeom prst="rect">
@@ -7959,7 +8024,7 @@
     </p:spTree>
     <p:extLst>
       <p:ext uri="{BB962C8B-B14F-4D97-AF65-F5344CB8AC3E}">
-        <p14:creationId xmlns:p14="http://schemas.microsoft.com/office/powerpoint/2010/main" val="3360734072"/>
+        <p14:creationId xmlns:p14="http://schemas.microsoft.com/office/powerpoint/2010/main" val="839543306"/>
       </p:ext>
     </p:extLst>
   </p:cSld>
@@ -7996,7 +8061,12 @@
             <p:ph type="title"/>
           </p:nvPr>
         </p:nvSpPr>
-        <p:spPr/>
+        <p:spPr>
+          <a:xfrm>
+            <a:off x="1047750" y="1990724"/>
+            <a:ext cx="10299700" cy="2886075"/>
+          </a:xfrm>
+        </p:spPr>
         <p:txBody>
           <a:bodyPr/>
           <a:lstStyle/>
@@ -8035,7 +8105,12 @@
             <p:ph type="body" idx="1"/>
           </p:nvPr>
         </p:nvSpPr>
-        <p:spPr/>
+        <p:spPr>
+          <a:xfrm>
+            <a:off x="1047748" y="4876799"/>
+            <a:ext cx="10299701" cy="1212851"/>
+          </a:xfrm>
+        </p:spPr>
         <p:txBody>
           <a:bodyPr/>
           <a:lstStyle/>
@@ -8081,7 +8156,7 @@
     </p:spTree>
     <p:extLst>
       <p:ext uri="{BB962C8B-B14F-4D97-AF65-F5344CB8AC3E}">
-        <p14:creationId xmlns:p14="http://schemas.microsoft.com/office/powerpoint/2010/main" val="3710109665"/>
+        <p14:creationId xmlns:p14="http://schemas.microsoft.com/office/powerpoint/2010/main" val="442421179"/>
       </p:ext>
     </p:extLst>
   </p:cSld>
@@ -8110,32 +8185,6 @@
       </p:grpSpPr>
       <p:sp>
         <p:nvSpPr>
-          <p:cNvPr id="2" name="Titel 1"/>
-          <p:cNvSpPr>
-            <a:spLocks noGrp="1"/>
-          </p:cNvSpPr>
-          <p:nvPr>
-            <p:ph type="title"/>
-          </p:nvPr>
-        </p:nvSpPr>
-        <p:spPr/>
-        <p:txBody>
-          <a:bodyPr/>
-          <a:lstStyle/>
-          <a:p>
-            <a:r>
-              <a:rPr lang="en-US"/>
-              <a:t>Working data  </a:t>
-            </a:r>
-            <a:r>
-              <a:rPr lang="en-US" b="1"/>
-              <a:t>Generation</a:t>
-            </a:r>
-          </a:p>
-        </p:txBody>
-      </p:sp>
-      <p:sp>
-        <p:nvSpPr>
           <p:cNvPr id="4" name="Foliennummernplatzhalter 3"/>
           <p:cNvSpPr>
             <a:spLocks noGrp="1"/>
@@ -8159,10 +8208,10 @@
       </p:sp>
       <p:sp>
         <p:nvSpPr>
-          <p:cNvPr id="5" name="Content Placeholder 2">
+          <p:cNvPr id="9" name="Titel 1">
             <a:extLst>
               <a:ext uri="{FF2B5EF4-FFF2-40B4-BE49-F238E27FC236}">
-                <a16:creationId xmlns:a16="http://schemas.microsoft.com/office/drawing/2014/main" id="{2103F23C-B021-4F14-8084-0CDDB4205028}"/>
+                <a16:creationId xmlns:a16="http://schemas.microsoft.com/office/drawing/2014/main" id="{7807725C-718A-4D77-AD01-05225CF68388}"/>
               </a:ext>
             </a:extLst>
           </p:cNvPr>
@@ -8170,13 +8219,13 @@
             <a:spLocks noGrp="1"/>
           </p:cNvSpPr>
           <p:nvPr>
-            <p:ph idx="1"/>
+            <p:ph type="title"/>
           </p:nvPr>
         </p:nvSpPr>
         <p:spPr>
           <a:xfrm>
-            <a:off x="838200" y="1825625"/>
-            <a:ext cx="10515600" cy="4351338"/>
+            <a:off x="1066800" y="561524"/>
+            <a:ext cx="10287000" cy="1129164"/>
           </a:xfrm>
         </p:spPr>
         <p:txBody>
@@ -8185,6 +8234,45 @@
           <a:p>
             <a:r>
               <a:rPr lang="en-US"/>
+              <a:t>Working data  </a:t>
+            </a:r>
+            <a:r>
+              <a:rPr lang="en-US" b="1"/>
+              <a:t>Generation</a:t>
+            </a:r>
+          </a:p>
+        </p:txBody>
+      </p:sp>
+      <p:sp>
+        <p:nvSpPr>
+          <p:cNvPr id="10" name="Content Placeholder 2">
+            <a:extLst>
+              <a:ext uri="{FF2B5EF4-FFF2-40B4-BE49-F238E27FC236}">
+                <a16:creationId xmlns:a16="http://schemas.microsoft.com/office/drawing/2014/main" id="{67443131-1CA9-405F-8B23-66FD98AB33DC}"/>
+              </a:ext>
+            </a:extLst>
+          </p:cNvPr>
+          <p:cNvSpPr>
+            <a:spLocks noGrp="1"/>
+          </p:cNvSpPr>
+          <p:nvPr>
+            <p:ph idx="1"/>
+          </p:nvPr>
+        </p:nvSpPr>
+        <p:spPr>
+          <a:xfrm>
+            <a:off x="1066798" y="1990724"/>
+            <a:ext cx="10086977" cy="4867275"/>
+          </a:xfrm>
+        </p:spPr>
+        <p:txBody>
+          <a:bodyPr>
+            <a:normAutofit/>
+          </a:bodyPr>
+          <a:lstStyle/>
+          <a:p>
+            <a:r>
+              <a:rPr lang="en-US"/>
               <a:t>All data generated by </a:t>
             </a:r>
             <a:r>
@@ -8195,9 +8283,6 @@
               <a:rPr lang="en-US"/>
               <a:t> the web</a:t>
             </a:r>
-            <a:br>
-              <a:rPr lang="en-US"/>
-            </a:br>
             <a:br>
               <a:rPr lang="en-US"/>
             </a:br>
@@ -8246,10 +8331,10 @@
       </p:sp>
       <p:sp>
         <p:nvSpPr>
-          <p:cNvPr id="6" name="Speech Bubble: Rectangle 5">
+          <p:cNvPr id="8" name="Speech Bubble: Rectangle 7">
             <a:extLst>
               <a:ext uri="{FF2B5EF4-FFF2-40B4-BE49-F238E27FC236}">
-                <a16:creationId xmlns:a16="http://schemas.microsoft.com/office/drawing/2014/main" id="{145D684E-3F0C-4F19-9E6D-0E530B10107E}"/>
+                <a16:creationId xmlns:a16="http://schemas.microsoft.com/office/drawing/2014/main" id="{F2D8802D-E734-4B21-853F-0FE44E56BF1B}"/>
               </a:ext>
             </a:extLst>
           </p:cNvPr>
@@ -8258,8 +8343,8 @@
         </p:nvSpPr>
         <p:spPr>
           <a:xfrm>
-            <a:off x="5429251" y="2984499"/>
-            <a:ext cx="6438900" cy="444501"/>
+            <a:off x="5353050" y="2736849"/>
+            <a:ext cx="6515101" cy="941388"/>
           </a:xfrm>
           <a:prstGeom prst="wedgeRectCallout">
             <a:avLst>
@@ -8310,10 +8395,10 @@
       </p:sp>
       <p:pic>
         <p:nvPicPr>
-          <p:cNvPr id="7" name="Graphic 6" descr="Back with solid fill">
+          <p:cNvPr id="14" name="Graphic 13" descr="Back with solid fill">
             <a:extLst>
               <a:ext uri="{FF2B5EF4-FFF2-40B4-BE49-F238E27FC236}">
-                <a16:creationId xmlns:a16="http://schemas.microsoft.com/office/drawing/2014/main" id="{6061D605-A633-4A4E-BB08-FDA87BD61567}"/>
+                <a16:creationId xmlns:a16="http://schemas.microsoft.com/office/drawing/2014/main" id="{2ACE556E-4908-4CD0-BB94-02B2603C3E07}"/>
               </a:ext>
             </a:extLst>
           </p:cNvPr>
@@ -8339,7 +8424,7 @@
         </p:blipFill>
         <p:spPr>
           <a:xfrm flipH="1" flipV="1">
-            <a:off x="4276724" y="2317355"/>
+            <a:off x="3771899" y="2480470"/>
             <a:ext cx="1028699" cy="1197767"/>
           </a:xfrm>
           <a:prstGeom prst="rect">
@@ -8350,7 +8435,7 @@
     </p:spTree>
     <p:extLst>
       <p:ext uri="{BB962C8B-B14F-4D97-AF65-F5344CB8AC3E}">
-        <p14:creationId xmlns:p14="http://schemas.microsoft.com/office/powerpoint/2010/main" val="1889247214"/>
+        <p14:creationId xmlns:p14="http://schemas.microsoft.com/office/powerpoint/2010/main" val="3597638617"/>
       </p:ext>
     </p:extLst>
   </p:cSld>
@@ -8379,32 +8464,6 @@
       </p:grpSpPr>
       <p:sp>
         <p:nvSpPr>
-          <p:cNvPr id="2" name="Titel 1"/>
-          <p:cNvSpPr>
-            <a:spLocks noGrp="1"/>
-          </p:cNvSpPr>
-          <p:nvPr>
-            <p:ph type="title"/>
-          </p:nvPr>
-        </p:nvSpPr>
-        <p:spPr/>
-        <p:txBody>
-          <a:bodyPr/>
-          <a:lstStyle/>
-          <a:p>
-            <a:r>
-              <a:rPr lang="en-US"/>
-              <a:t>Working data  </a:t>
-            </a:r>
-            <a:r>
-              <a:rPr lang="en-US" b="1"/>
-              <a:t>Structure</a:t>
-            </a:r>
-          </a:p>
-        </p:txBody>
-      </p:sp>
-      <p:sp>
-        <p:nvSpPr>
           <p:cNvPr id="4" name="Foliennummernplatzhalter 3"/>
           <p:cNvSpPr>
             <a:spLocks noGrp="1"/>
@@ -8428,10 +8487,10 @@
       </p:sp>
       <p:sp>
         <p:nvSpPr>
-          <p:cNvPr id="5" name="Content Placeholder 2">
+          <p:cNvPr id="9" name="Titel 1">
             <a:extLst>
               <a:ext uri="{FF2B5EF4-FFF2-40B4-BE49-F238E27FC236}">
-                <a16:creationId xmlns:a16="http://schemas.microsoft.com/office/drawing/2014/main" id="{2103F23C-B021-4F14-8084-0CDDB4205028}"/>
+                <a16:creationId xmlns:a16="http://schemas.microsoft.com/office/drawing/2014/main" id="{7807725C-718A-4D77-AD01-05225CF68388}"/>
               </a:ext>
             </a:extLst>
           </p:cNvPr>
@@ -8439,13 +8498,13 @@
             <a:spLocks noGrp="1"/>
           </p:cNvSpPr>
           <p:nvPr>
-            <p:ph idx="1"/>
+            <p:ph type="title"/>
           </p:nvPr>
         </p:nvSpPr>
         <p:spPr>
           <a:xfrm>
-            <a:off x="838200" y="1825625"/>
-            <a:ext cx="10515600" cy="4351338"/>
+            <a:off x="1066800" y="561524"/>
+            <a:ext cx="10287000" cy="1129164"/>
           </a:xfrm>
         </p:spPr>
         <p:txBody>
@@ -8454,6 +8513,45 @@
           <a:p>
             <a:r>
               <a:rPr lang="en-US"/>
+              <a:t>Working data  </a:t>
+            </a:r>
+            <a:r>
+              <a:rPr lang="en-US" b="1"/>
+              <a:t>Structure</a:t>
+            </a:r>
+          </a:p>
+        </p:txBody>
+      </p:sp>
+      <p:sp>
+        <p:nvSpPr>
+          <p:cNvPr id="10" name="Content Placeholder 2">
+            <a:extLst>
+              <a:ext uri="{FF2B5EF4-FFF2-40B4-BE49-F238E27FC236}">
+                <a16:creationId xmlns:a16="http://schemas.microsoft.com/office/drawing/2014/main" id="{67443131-1CA9-405F-8B23-66FD98AB33DC}"/>
+              </a:ext>
+            </a:extLst>
+          </p:cNvPr>
+          <p:cNvSpPr>
+            <a:spLocks noGrp="1"/>
+          </p:cNvSpPr>
+          <p:nvPr>
+            <p:ph idx="1"/>
+          </p:nvPr>
+        </p:nvSpPr>
+        <p:spPr>
+          <a:xfrm>
+            <a:off x="1066798" y="1990724"/>
+            <a:ext cx="10086977" cy="4867275"/>
+          </a:xfrm>
+        </p:spPr>
+        <p:txBody>
+          <a:bodyPr>
+            <a:normAutofit/>
+          </a:bodyPr>
+          <a:lstStyle/>
+          <a:p>
+            <a:r>
+              <a:rPr lang="en-US"/>
               <a:t>Required information (on MP level)</a:t>
             </a:r>
           </a:p>
@@ -8524,10 +8622,10 @@
       </p:sp>
       <p:pic>
         <p:nvPicPr>
-          <p:cNvPr id="6" name="Picture 5">
+          <p:cNvPr id="7" name="Picture 6">
             <a:extLst>
               <a:ext uri="{FF2B5EF4-FFF2-40B4-BE49-F238E27FC236}">
-                <a16:creationId xmlns:a16="http://schemas.microsoft.com/office/drawing/2014/main" id="{8D7FBF7A-8F3E-42FC-877F-AE9664AAFBB2}"/>
+                <a16:creationId xmlns:a16="http://schemas.microsoft.com/office/drawing/2014/main" id="{B992F590-B4C1-4CD0-A497-B3FEE4B26609}"/>
               </a:ext>
             </a:extLst>
           </p:cNvPr>
@@ -8544,8 +8642,8 @@
         </p:blipFill>
         <p:spPr>
           <a:xfrm>
-            <a:off x="7899822" y="1870076"/>
-            <a:ext cx="3120604" cy="2101850"/>
+            <a:off x="8229600" y="1990724"/>
+            <a:ext cx="3124200" cy="2138365"/>
           </a:xfrm>
           <a:prstGeom prst="rect">
             <a:avLst/>
@@ -8554,10 +8652,10 @@
       </p:pic>
       <p:pic>
         <p:nvPicPr>
-          <p:cNvPr id="8" name="Picture 7">
+          <p:cNvPr id="11" name="Picture 10">
             <a:extLst>
               <a:ext uri="{FF2B5EF4-FFF2-40B4-BE49-F238E27FC236}">
-                <a16:creationId xmlns:a16="http://schemas.microsoft.com/office/drawing/2014/main" id="{5ABEA95A-2128-4C8D-A4DF-7267E6D10397}"/>
+                <a16:creationId xmlns:a16="http://schemas.microsoft.com/office/drawing/2014/main" id="{6746BDD8-45BA-4F6A-957A-09FACD4B1475}"/>
               </a:ext>
             </a:extLst>
           </p:cNvPr>
@@ -8574,7 +8672,7 @@
         </p:blipFill>
         <p:spPr>
           <a:xfrm>
-            <a:off x="5570524" y="4151313"/>
+            <a:off x="5903898" y="4341813"/>
             <a:ext cx="5449902" cy="1401762"/>
           </a:xfrm>
           <a:prstGeom prst="rect">
@@ -8585,7 +8683,7 @@
     </p:spTree>
     <p:extLst>
       <p:ext uri="{BB962C8B-B14F-4D97-AF65-F5344CB8AC3E}">
-        <p14:creationId xmlns:p14="http://schemas.microsoft.com/office/powerpoint/2010/main" val="370086653"/>
+        <p14:creationId xmlns:p14="http://schemas.microsoft.com/office/powerpoint/2010/main" val="1452047148"/>
       </p:ext>
     </p:extLst>
   </p:cSld>
@@ -8614,32 +8712,6 @@
       </p:grpSpPr>
       <p:sp>
         <p:nvSpPr>
-          <p:cNvPr id="2" name="Titel 1"/>
-          <p:cNvSpPr>
-            <a:spLocks noGrp="1"/>
-          </p:cNvSpPr>
-          <p:nvPr>
-            <p:ph type="title"/>
-          </p:nvPr>
-        </p:nvSpPr>
-        <p:spPr/>
-        <p:txBody>
-          <a:bodyPr/>
-          <a:lstStyle/>
-          <a:p>
-            <a:r>
-              <a:rPr lang="en-US"/>
-              <a:t>Working data  </a:t>
-            </a:r>
-            <a:r>
-              <a:rPr lang="en-US" b="1"/>
-              <a:t>Structure</a:t>
-            </a:r>
-          </a:p>
-        </p:txBody>
-      </p:sp>
-      <p:sp>
-        <p:nvSpPr>
           <p:cNvPr id="4" name="Foliennummernplatzhalter 3"/>
           <p:cNvSpPr>
             <a:spLocks noGrp="1"/>
@@ -8661,12 +8733,49 @@
           </a:p>
         </p:txBody>
       </p:sp>
+      <p:sp>
+        <p:nvSpPr>
+          <p:cNvPr id="9" name="Titel 1">
+            <a:extLst>
+              <a:ext uri="{FF2B5EF4-FFF2-40B4-BE49-F238E27FC236}">
+                <a16:creationId xmlns:a16="http://schemas.microsoft.com/office/drawing/2014/main" id="{7807725C-718A-4D77-AD01-05225CF68388}"/>
+              </a:ext>
+            </a:extLst>
+          </p:cNvPr>
+          <p:cNvSpPr>
+            <a:spLocks noGrp="1"/>
+          </p:cNvSpPr>
+          <p:nvPr>
+            <p:ph type="title"/>
+          </p:nvPr>
+        </p:nvSpPr>
+        <p:spPr>
+          <a:xfrm>
+            <a:off x="1066800" y="561524"/>
+            <a:ext cx="10287000" cy="1129164"/>
+          </a:xfrm>
+        </p:spPr>
+        <p:txBody>
+          <a:bodyPr/>
+          <a:lstStyle/>
+          <a:p>
+            <a:r>
+              <a:rPr lang="en-US"/>
+              <a:t>Working data  </a:t>
+            </a:r>
+            <a:r>
+              <a:rPr lang="en-US" b="1"/>
+              <a:t>Structure</a:t>
+            </a:r>
+          </a:p>
+        </p:txBody>
+      </p:sp>
       <p:graphicFrame>
         <p:nvGraphicFramePr>
-          <p:cNvPr id="3" name="Table 6">
+          <p:cNvPr id="12" name="Table 6">
             <a:extLst>
               <a:ext uri="{FF2B5EF4-FFF2-40B4-BE49-F238E27FC236}">
-                <a16:creationId xmlns:a16="http://schemas.microsoft.com/office/drawing/2014/main" id="{AA0206E4-8FDF-45DD-8054-6D17905F682E}"/>
+                <a16:creationId xmlns:a16="http://schemas.microsoft.com/office/drawing/2014/main" id="{77048F2B-100F-48B6-A607-04BDCF46E211}"/>
               </a:ext>
             </a:extLst>
           </p:cNvPr>
@@ -8676,14 +8785,14 @@
           <p:nvPr>
             <p:extLst>
               <p:ext uri="{D42A27DB-BD31-4B8C-83A1-F6EECF244321}">
-                <p14:modId xmlns:p14="http://schemas.microsoft.com/office/powerpoint/2010/main" val="2625494292"/>
+                <p14:modId xmlns:p14="http://schemas.microsoft.com/office/powerpoint/2010/main" val="2342021060"/>
               </p:ext>
             </p:extLst>
           </p:nvPr>
         </p:nvGraphicFramePr>
         <p:xfrm>
-          <a:off x="948632" y="1601470"/>
-          <a:ext cx="10272645" cy="4724400"/>
+          <a:off x="1066799" y="1990724"/>
+          <a:ext cx="10286999" cy="4358640"/>
         </p:xfrm>
         <a:graphic>
           <a:graphicData uri="http://schemas.openxmlformats.org/drawingml/2006/table">
@@ -8692,21 +8801,21 @@
                 <a:tableStyleId>{5940675A-B579-460E-94D1-54222C63F5DA}</a:tableStyleId>
               </a:tblPr>
               <a:tblGrid>
-                <a:gridCol w="2251768">
+                <a:gridCol w="2254915">
                   <a:extLst>
                     <a:ext uri="{9D8B030D-6E8A-4147-A177-3AD203B41FA5}">
                       <a16:colId xmlns:a16="http://schemas.microsoft.com/office/drawing/2014/main" val="4184305466"/>
                     </a:ext>
                   </a:extLst>
                 </a:gridCol>
-                <a:gridCol w="974035">
+                <a:gridCol w="975396">
                   <a:extLst>
                     <a:ext uri="{9D8B030D-6E8A-4147-A177-3AD203B41FA5}">
                       <a16:colId xmlns:a16="http://schemas.microsoft.com/office/drawing/2014/main" val="1360365262"/>
                     </a:ext>
                   </a:extLst>
                 </a:gridCol>
-                <a:gridCol w="7046842">
+                <a:gridCol w="7056688">
                   <a:extLst>
                     <a:ext uri="{9D8B030D-6E8A-4147-A177-3AD203B41FA5}">
                       <a16:colId xmlns:a16="http://schemas.microsoft.com/office/drawing/2014/main" val="1649753465"/>
@@ -8714,7 +8823,7 @@
                   </a:extLst>
                 </a:gridCol>
               </a:tblGrid>
-              <a:tr h="222955">
+              <a:tr h="326881">
                 <a:tc>
                   <a:txBody>
                     <a:bodyPr/>
@@ -8763,7 +8872,7 @@
                   </a:ext>
                 </a:extLst>
               </a:tr>
-              <a:tr h="243224">
+              <a:tr h="331573">
                 <a:tc>
                   <a:txBody>
                     <a:bodyPr/>
@@ -8788,12 +8897,12 @@
                     <a:lstStyle/>
                     <a:p>
                       <a:r>
-                        <a:rPr lang="de-DE">
+                        <a:rPr lang="de-DE" sz="1600">
                           <a:latin typeface="Consolas" panose="020B0609020204030204" pitchFamily="49" charset="0"/>
                         </a:rPr>
                         <a:t>chr</a:t>
                       </a:r>
-                      <a:endParaRPr lang="en-US">
+                      <a:endParaRPr lang="en-US" sz="1600">
                         <a:latin typeface="Consolas" panose="020B0609020204030204" pitchFamily="49" charset="0"/>
                       </a:endParaRPr>
                     </a:p>
@@ -8806,10 +8915,10 @@
                     <a:lstStyle/>
                     <a:p>
                       <a:r>
-                        <a:rPr lang="de-DE"/>
+                        <a:rPr lang="de-DE" sz="1600"/>
                         <a:t>MP‘s last name</a:t>
                       </a:r>
-                      <a:endParaRPr lang="en-US"/>
+                      <a:endParaRPr lang="en-US" sz="1600"/>
                     </a:p>
                   </a:txBody>
                   <a:tcPr/>
@@ -8820,7 +8929,7 @@
                   </a:ext>
                 </a:extLst>
               </a:tr>
-              <a:tr h="243224">
+              <a:tr h="331573">
                 <a:tc>
                   <a:txBody>
                     <a:bodyPr/>
@@ -8845,12 +8954,12 @@
                     <a:lstStyle/>
                     <a:p>
                       <a:r>
-                        <a:rPr lang="de-DE">
+                        <a:rPr lang="de-DE" sz="1600">
                           <a:latin typeface="Consolas" panose="020B0609020204030204" pitchFamily="49" charset="0"/>
                         </a:rPr>
                         <a:t>chr</a:t>
                       </a:r>
-                      <a:endParaRPr lang="en-US">
+                      <a:endParaRPr lang="en-US" sz="1600">
                         <a:latin typeface="Consolas" panose="020B0609020204030204" pitchFamily="49" charset="0"/>
                       </a:endParaRPr>
                     </a:p>
@@ -8863,10 +8972,10 @@
                     <a:lstStyle/>
                     <a:p>
                       <a:r>
-                        <a:rPr lang="de-DE"/>
+                        <a:rPr lang="de-DE" sz="1600"/>
                         <a:t>MP‘s first name</a:t>
                       </a:r>
-                      <a:endParaRPr lang="en-US"/>
+                      <a:endParaRPr lang="en-US" sz="1600"/>
                     </a:p>
                   </a:txBody>
                   <a:tcPr/>
@@ -8877,7 +8986,7 @@
                   </a:ext>
                 </a:extLst>
               </a:tr>
-              <a:tr h="243224">
+              <a:tr h="331573">
                 <a:tc>
                   <a:txBody>
                     <a:bodyPr/>
@@ -8902,12 +9011,12 @@
                     <a:lstStyle/>
                     <a:p>
                       <a:r>
-                        <a:rPr lang="de-DE">
+                        <a:rPr lang="de-DE" sz="1600">
                           <a:latin typeface="Consolas" panose="020B0609020204030204" pitchFamily="49" charset="0"/>
                         </a:rPr>
                         <a:t>factor</a:t>
                       </a:r>
-                      <a:endParaRPr lang="en-US">
+                      <a:endParaRPr lang="en-US" sz="1600">
                         <a:latin typeface="Consolas" panose="020B0609020204030204" pitchFamily="49" charset="0"/>
                       </a:endParaRPr>
                     </a:p>
@@ -8920,10 +9029,10 @@
                     <a:lstStyle/>
                     <a:p>
                       <a:r>
-                        <a:rPr lang="de-DE"/>
+                        <a:rPr lang="de-DE" sz="1600"/>
                         <a:t>MP‘s political part</a:t>
                       </a:r>
-                      <a:endParaRPr lang="en-US"/>
+                      <a:endParaRPr lang="en-US" sz="1600"/>
                     </a:p>
                   </a:txBody>
                   <a:tcPr/>
@@ -8934,7 +9043,7 @@
                   </a:ext>
                 </a:extLst>
               </a:tr>
-              <a:tr h="243224">
+              <a:tr h="331573">
                 <a:tc>
                   <a:txBody>
                     <a:bodyPr/>
@@ -8959,12 +9068,12 @@
                     <a:lstStyle/>
                     <a:p>
                       <a:r>
-                        <a:rPr lang="de-DE">
+                        <a:rPr lang="de-DE" sz="1600">
                           <a:latin typeface="Consolas" panose="020B0609020204030204" pitchFamily="49" charset="0"/>
                         </a:rPr>
                         <a:t>factor</a:t>
                       </a:r>
-                      <a:endParaRPr lang="en-US">
+                      <a:endParaRPr lang="en-US" sz="1600">
                         <a:latin typeface="Consolas" panose="020B0609020204030204" pitchFamily="49" charset="0"/>
                       </a:endParaRPr>
                     </a:p>
@@ -8977,10 +9086,10 @@
                     <a:lstStyle/>
                     <a:p>
                       <a:r>
-                        <a:rPr lang="de-DE"/>
+                        <a:rPr lang="de-DE" sz="1600"/>
                         <a:t>Federal state of MP‘s electoral district</a:t>
                       </a:r>
-                      <a:endParaRPr lang="en-US"/>
+                      <a:endParaRPr lang="en-US" sz="1600"/>
                     </a:p>
                   </a:txBody>
                   <a:tcPr/>
@@ -8991,7 +9100,7 @@
                   </a:ext>
                 </a:extLst>
               </a:tr>
-              <a:tr h="330529">
+              <a:tr h="331573">
                 <a:tc>
                   <a:txBody>
                     <a:bodyPr/>
@@ -9016,12 +9125,12 @@
                     <a:lstStyle/>
                     <a:p>
                       <a:r>
-                        <a:rPr lang="de-DE">
+                        <a:rPr lang="de-DE" sz="1600">
                           <a:latin typeface="Consolas" panose="020B0609020204030204" pitchFamily="49" charset="0"/>
                         </a:rPr>
                         <a:t>num</a:t>
                       </a:r>
-                      <a:endParaRPr lang="en-US">
+                      <a:endParaRPr lang="en-US" sz="1600">
                         <a:latin typeface="Consolas" panose="020B0609020204030204" pitchFamily="49" charset="0"/>
                       </a:endParaRPr>
                     </a:p>
@@ -9034,10 +9143,10 @@
                     <a:lstStyle/>
                     <a:p>
                       <a:r>
-                        <a:rPr lang="de-DE"/>
+                        <a:rPr lang="de-DE" sz="1600"/>
                         <a:t>Unemployment rate in MP‘s electoral district during 2017 election</a:t>
                       </a:r>
-                      <a:endParaRPr lang="en-US"/>
+                      <a:endParaRPr lang="en-US" sz="1600"/>
                     </a:p>
                   </a:txBody>
                   <a:tcPr/>
@@ -9048,7 +9157,7 @@
                   </a:ext>
                 </a:extLst>
               </a:tr>
-              <a:tr h="243224">
+              <a:tr h="331573">
                 <a:tc>
                   <a:txBody>
                     <a:bodyPr/>
@@ -9073,12 +9182,12 @@
                     <a:lstStyle/>
                     <a:p>
                       <a:r>
-                        <a:rPr lang="de-DE">
+                        <a:rPr lang="de-DE" sz="1600">
                           <a:latin typeface="Consolas" panose="020B0609020204030204" pitchFamily="49" charset="0"/>
                         </a:rPr>
                         <a:t>chr</a:t>
                       </a:r>
-                      <a:endParaRPr lang="en-US">
+                      <a:endParaRPr lang="en-US" sz="1600">
                         <a:latin typeface="Consolas" panose="020B0609020204030204" pitchFamily="49" charset="0"/>
                       </a:endParaRPr>
                     </a:p>
@@ -9091,10 +9200,10 @@
                     <a:lstStyle/>
                     <a:p>
                       <a:r>
-                        <a:rPr lang="de-DE"/>
+                        <a:rPr lang="de-DE" sz="1600"/>
                         <a:t>MP‘s username on Twitter</a:t>
                       </a:r>
-                      <a:endParaRPr lang="en-US"/>
+                      <a:endParaRPr lang="en-US" sz="1600"/>
                     </a:p>
                   </a:txBody>
                   <a:tcPr/>
@@ -9105,7 +9214,7 @@
                   </a:ext>
                 </a:extLst>
               </a:tr>
-              <a:tr h="243224">
+              <a:tr h="331573">
                 <a:tc>
                   <a:txBody>
                     <a:bodyPr/>
@@ -9130,12 +9239,12 @@
                     <a:lstStyle/>
                     <a:p>
                       <a:r>
-                        <a:rPr lang="de-DE">
+                        <a:rPr lang="de-DE" sz="1600">
                           <a:latin typeface="Consolas" panose="020B0609020204030204" pitchFamily="49" charset="0"/>
                         </a:rPr>
                         <a:t>num</a:t>
                       </a:r>
-                      <a:endParaRPr lang="en-US">
+                      <a:endParaRPr lang="en-US" sz="1600">
                         <a:latin typeface="Consolas" panose="020B0609020204030204" pitchFamily="49" charset="0"/>
                       </a:endParaRPr>
                     </a:p>
@@ -9148,10 +9257,10 @@
                     <a:lstStyle/>
                     <a:p>
                       <a:r>
-                        <a:rPr lang="de-DE"/>
+                        <a:rPr lang="de-DE" sz="1600"/>
                         <a:t>MP‘s number of followers on Twitter at scraping time</a:t>
                       </a:r>
-                      <a:endParaRPr lang="en-US"/>
+                      <a:endParaRPr lang="en-US" sz="1600"/>
                     </a:p>
                   </a:txBody>
                   <a:tcPr/>
@@ -9162,7 +9271,7 @@
                   </a:ext>
                 </a:extLst>
               </a:tr>
-              <a:tr h="243224">
+              <a:tr h="331573">
                 <a:tc>
                   <a:txBody>
                     <a:bodyPr/>
@@ -9187,12 +9296,12 @@
                     <a:lstStyle/>
                     <a:p>
                       <a:r>
-                        <a:rPr lang="de-DE">
+                        <a:rPr lang="de-DE" sz="1600">
                           <a:latin typeface="Consolas" panose="020B0609020204030204" pitchFamily="49" charset="0"/>
                         </a:rPr>
                         <a:t>date</a:t>
                       </a:r>
-                      <a:endParaRPr lang="en-US">
+                      <a:endParaRPr lang="en-US" sz="1600">
                         <a:latin typeface="Consolas" panose="020B0609020204030204" pitchFamily="49" charset="0"/>
                       </a:endParaRPr>
                     </a:p>
@@ -9205,10 +9314,10 @@
                     <a:lstStyle/>
                     <a:p>
                       <a:r>
-                        <a:rPr lang="de-DE"/>
+                        <a:rPr lang="de-DE" sz="1600"/>
                         <a:t>Time stamp of tweet creation</a:t>
                       </a:r>
-                      <a:endParaRPr lang="en-US"/>
+                      <a:endParaRPr lang="en-US" sz="1600"/>
                     </a:p>
                   </a:txBody>
                   <a:tcPr/>
@@ -9219,7 +9328,7 @@
                   </a:ext>
                 </a:extLst>
               </a:tr>
-              <a:tr h="243224">
+              <a:tr h="331573">
                 <a:tc>
                   <a:txBody>
                     <a:bodyPr/>
@@ -9244,12 +9353,12 @@
                     <a:lstStyle/>
                     <a:p>
                       <a:r>
-                        <a:rPr lang="de-DE">
+                        <a:rPr lang="de-DE" sz="1600">
                           <a:latin typeface="Consolas" panose="020B0609020204030204" pitchFamily="49" charset="0"/>
                         </a:rPr>
                         <a:t>chr</a:t>
                       </a:r>
-                      <a:endParaRPr lang="en-US">
+                      <a:endParaRPr lang="en-US" sz="1600">
                         <a:latin typeface="Consolas" panose="020B0609020204030204" pitchFamily="49" charset="0"/>
                       </a:endParaRPr>
                     </a:p>
@@ -9262,10 +9371,10 @@
                     <a:lstStyle/>
                     <a:p>
                       <a:r>
-                        <a:rPr lang="de-DE"/>
+                        <a:rPr lang="de-DE" sz="1600"/>
                         <a:t>Location of tweet creation</a:t>
                       </a:r>
-                      <a:endParaRPr lang="en-US"/>
+                      <a:endParaRPr lang="en-US" sz="1600"/>
                     </a:p>
                   </a:txBody>
                   <a:tcPr/>
@@ -9276,7 +9385,7 @@
                   </a:ext>
                 </a:extLst>
               </a:tr>
-              <a:tr h="243224">
+              <a:tr h="331573">
                 <a:tc>
                   <a:txBody>
                     <a:bodyPr/>
@@ -9301,12 +9410,12 @@
                     <a:lstStyle/>
                     <a:p>
                       <a:r>
-                        <a:rPr lang="de-DE">
+                        <a:rPr lang="de-DE" sz="1600">
                           <a:latin typeface="Consolas" panose="020B0609020204030204" pitchFamily="49" charset="0"/>
                         </a:rPr>
                         <a:t>chr</a:t>
                       </a:r>
-                      <a:endParaRPr lang="en-US">
+                      <a:endParaRPr lang="en-US" sz="1600">
                         <a:latin typeface="Consolas" panose="020B0609020204030204" pitchFamily="49" charset="0"/>
                       </a:endParaRPr>
                     </a:p>
@@ -9319,10 +9428,10 @@
                     <a:lstStyle/>
                     <a:p>
                       <a:r>
-                        <a:rPr lang="de-DE"/>
+                        <a:rPr lang="de-DE" sz="1600"/>
                         <a:t>Tweet text</a:t>
                       </a:r>
-                      <a:endParaRPr lang="en-US"/>
+                      <a:endParaRPr lang="en-US" sz="1600"/>
                     </a:p>
                   </a:txBody>
                   <a:tcPr/>
@@ -9333,7 +9442,7 @@
                   </a:ext>
                 </a:extLst>
               </a:tr>
-              <a:tr h="243224">
+              <a:tr h="331573">
                 <a:tc>
                   <a:txBody>
                     <a:bodyPr/>
@@ -9358,12 +9467,12 @@
                     <a:lstStyle/>
                     <a:p>
                       <a:r>
-                        <a:rPr lang="de-DE">
+                        <a:rPr lang="de-DE" sz="1600">
                           <a:latin typeface="Consolas" panose="020B0609020204030204" pitchFamily="49" charset="0"/>
                         </a:rPr>
                         <a:t>num</a:t>
                       </a:r>
-                      <a:endParaRPr lang="en-US">
+                      <a:endParaRPr lang="en-US" sz="1600">
                         <a:latin typeface="Consolas" panose="020B0609020204030204" pitchFamily="49" charset="0"/>
                       </a:endParaRPr>
                     </a:p>
@@ -9376,10 +9485,10 @@
                     <a:lstStyle/>
                     <a:p>
                       <a:r>
-                        <a:rPr lang="de-DE"/>
+                        <a:rPr lang="de-DE" sz="1600"/>
                         <a:t>Number of likes for tweet at scraping time</a:t>
                       </a:r>
-                      <a:endParaRPr lang="en-US"/>
+                      <a:endParaRPr lang="en-US" sz="1600"/>
                     </a:p>
                   </a:txBody>
                   <a:tcPr/>
@@ -9390,7 +9499,7 @@
                   </a:ext>
                 </a:extLst>
               </a:tr>
-              <a:tr h="243224">
+              <a:tr h="331573">
                 <a:tc>
                   <a:txBody>
                     <a:bodyPr/>
@@ -9415,12 +9524,12 @@
                     <a:lstStyle/>
                     <a:p>
                       <a:r>
-                        <a:rPr lang="de-DE">
+                        <a:rPr lang="de-DE" sz="1600">
                           <a:latin typeface="Consolas" panose="020B0609020204030204" pitchFamily="49" charset="0"/>
                         </a:rPr>
                         <a:t>num</a:t>
                       </a:r>
-                      <a:endParaRPr lang="en-US">
+                      <a:endParaRPr lang="en-US" sz="1600">
                         <a:latin typeface="Consolas" panose="020B0609020204030204" pitchFamily="49" charset="0"/>
                       </a:endParaRPr>
                     </a:p>
@@ -9433,10 +9542,10 @@
                     <a:lstStyle/>
                     <a:p>
                       <a:r>
-                        <a:rPr lang="de-DE"/>
+                        <a:rPr lang="de-DE" sz="1600"/>
                         <a:t>Number of retweets for tweet at scraping time</a:t>
                       </a:r>
-                      <a:endParaRPr lang="en-US"/>
+                      <a:endParaRPr lang="en-US" sz="1600"/>
                     </a:p>
                   </a:txBody>
                   <a:tcPr/>
@@ -9453,10 +9562,10 @@
       </p:graphicFrame>
       <p:sp>
         <p:nvSpPr>
-          <p:cNvPr id="10" name="Rectangle 9">
+          <p:cNvPr id="14" name="Rectangle 13">
             <a:extLst>
               <a:ext uri="{FF2B5EF4-FFF2-40B4-BE49-F238E27FC236}">
-                <a16:creationId xmlns:a16="http://schemas.microsoft.com/office/drawing/2014/main" id="{53B851C5-1446-4D18-A533-2B76F7C09AD0}"/>
+                <a16:creationId xmlns:a16="http://schemas.microsoft.com/office/drawing/2014/main" id="{A1E9B64B-A8C4-4243-A57D-C9B363F9293C}"/>
               </a:ext>
             </a:extLst>
           </p:cNvPr>
@@ -9512,7 +9621,7 @@
     </p:spTree>
     <p:extLst>
       <p:ext uri="{BB962C8B-B14F-4D97-AF65-F5344CB8AC3E}">
-        <p14:creationId xmlns:p14="http://schemas.microsoft.com/office/powerpoint/2010/main" val="1871476374"/>
+        <p14:creationId xmlns:p14="http://schemas.microsoft.com/office/powerpoint/2010/main" val="215227197"/>
       </p:ext>
     </p:extLst>
   </p:cSld>
@@ -9541,32 +9650,6 @@
       </p:grpSpPr>
       <p:sp>
         <p:nvSpPr>
-          <p:cNvPr id="2" name="Titel 1"/>
-          <p:cNvSpPr>
-            <a:spLocks noGrp="1"/>
-          </p:cNvSpPr>
-          <p:nvPr>
-            <p:ph type="title"/>
-          </p:nvPr>
-        </p:nvSpPr>
-        <p:spPr/>
-        <p:txBody>
-          <a:bodyPr/>
-          <a:lstStyle/>
-          <a:p>
-            <a:r>
-              <a:rPr lang="en-US"/>
-              <a:t>Working data  </a:t>
-            </a:r>
-            <a:r>
-              <a:rPr lang="en-US" b="1"/>
-              <a:t>Example</a:t>
-            </a:r>
-          </a:p>
-        </p:txBody>
-      </p:sp>
-      <p:sp>
-        <p:nvSpPr>
           <p:cNvPr id="4" name="Foliennummernplatzhalter 3"/>
           <p:cNvSpPr>
             <a:spLocks noGrp="1"/>
@@ -9590,10 +9673,47 @@
       </p:sp>
       <p:sp>
         <p:nvSpPr>
-          <p:cNvPr id="7" name="Rectangle 6">
+          <p:cNvPr id="9" name="Titel 1">
             <a:extLst>
               <a:ext uri="{FF2B5EF4-FFF2-40B4-BE49-F238E27FC236}">
-                <a16:creationId xmlns:a16="http://schemas.microsoft.com/office/drawing/2014/main" id="{BA7609A1-082B-4F84-BCF7-C3D38AC53D38}"/>
+                <a16:creationId xmlns:a16="http://schemas.microsoft.com/office/drawing/2014/main" id="{7807725C-718A-4D77-AD01-05225CF68388}"/>
+              </a:ext>
+            </a:extLst>
+          </p:cNvPr>
+          <p:cNvSpPr>
+            <a:spLocks noGrp="1"/>
+          </p:cNvSpPr>
+          <p:nvPr>
+            <p:ph type="title"/>
+          </p:nvPr>
+        </p:nvSpPr>
+        <p:spPr>
+          <a:xfrm>
+            <a:off x="1066800" y="561524"/>
+            <a:ext cx="10287000" cy="1129164"/>
+          </a:xfrm>
+        </p:spPr>
+        <p:txBody>
+          <a:bodyPr/>
+          <a:lstStyle/>
+          <a:p>
+            <a:r>
+              <a:rPr lang="en-US"/>
+              <a:t>Working data  </a:t>
+            </a:r>
+            <a:r>
+              <a:rPr lang="en-US" b="1"/>
+              <a:t>Example</a:t>
+            </a:r>
+          </a:p>
+        </p:txBody>
+      </p:sp>
+      <p:sp>
+        <p:nvSpPr>
+          <p:cNvPr id="6" name="Rectangle 5">
+            <a:extLst>
+              <a:ext uri="{FF2B5EF4-FFF2-40B4-BE49-F238E27FC236}">
+                <a16:creationId xmlns:a16="http://schemas.microsoft.com/office/drawing/2014/main" id="{D39D7B05-9E3E-4718-B338-33FC2878CC35}"/>
               </a:ext>
             </a:extLst>
           </p:cNvPr>
@@ -9602,8 +9722,8 @@
         </p:nvSpPr>
         <p:spPr>
           <a:xfrm>
-            <a:off x="2219325" y="1804761"/>
-            <a:ext cx="9134473" cy="2814863"/>
+            <a:off x="2514600" y="2021568"/>
+            <a:ext cx="8839200" cy="2845707"/>
           </a:xfrm>
           <a:prstGeom prst="rect">
             <a:avLst/>
@@ -9648,10 +9768,10 @@
       </p:sp>
       <p:pic>
         <p:nvPicPr>
-          <p:cNvPr id="12" name="Graphic 11" descr="Subtitles with solid fill">
+          <p:cNvPr id="7" name="Graphic 6" descr="Subtitles with solid fill">
             <a:extLst>
               <a:ext uri="{FF2B5EF4-FFF2-40B4-BE49-F238E27FC236}">
-                <a16:creationId xmlns:a16="http://schemas.microsoft.com/office/drawing/2014/main" id="{6AC42FBD-6D9A-4365-8898-5399EFB1EB5C}"/>
+                <a16:creationId xmlns:a16="http://schemas.microsoft.com/office/drawing/2014/main" id="{34BA474F-1EBD-4863-85A1-9EF91DFE6AE6}"/>
               </a:ext>
             </a:extLst>
           </p:cNvPr>
@@ -9677,8 +9797,8 @@
         </p:blipFill>
         <p:spPr>
           <a:xfrm>
-            <a:off x="838200" y="1604963"/>
-            <a:ext cx="1104900" cy="1104900"/>
+            <a:off x="1066800" y="2021568"/>
+            <a:ext cx="1129164" cy="1129164"/>
           </a:xfrm>
           <a:prstGeom prst="rect">
             <a:avLst/>
@@ -9688,7 +9808,7 @@
     </p:spTree>
     <p:extLst>
       <p:ext uri="{BB962C8B-B14F-4D97-AF65-F5344CB8AC3E}">
-        <p14:creationId xmlns:p14="http://schemas.microsoft.com/office/powerpoint/2010/main" val="2630905407"/>
+        <p14:creationId xmlns:p14="http://schemas.microsoft.com/office/powerpoint/2010/main" val="3559727850"/>
       </p:ext>
     </p:extLst>
   </p:cSld>
@@ -9717,32 +9837,6 @@
       </p:grpSpPr>
       <p:sp>
         <p:nvSpPr>
-          <p:cNvPr id="2" name="Titel 1"/>
-          <p:cNvSpPr>
-            <a:spLocks noGrp="1"/>
-          </p:cNvSpPr>
-          <p:nvPr>
-            <p:ph type="title"/>
-          </p:nvPr>
-        </p:nvSpPr>
-        <p:spPr/>
-        <p:txBody>
-          <a:bodyPr/>
-          <a:lstStyle/>
-          <a:p>
-            <a:r>
-              <a:rPr lang="en-US"/>
-              <a:t>Working data  </a:t>
-            </a:r>
-            <a:r>
-              <a:rPr lang="en-US" b="1"/>
-              <a:t>Particularities</a:t>
-            </a:r>
-          </a:p>
-        </p:txBody>
-      </p:sp>
-      <p:sp>
-        <p:nvSpPr>
           <p:cNvPr id="4" name="Foliennummernplatzhalter 3"/>
           <p:cNvSpPr>
             <a:spLocks noGrp="1"/>
@@ -9766,10 +9860,10 @@
       </p:sp>
       <p:sp>
         <p:nvSpPr>
-          <p:cNvPr id="5" name="Content Placeholder 2">
+          <p:cNvPr id="9" name="Titel 1">
             <a:extLst>
               <a:ext uri="{FF2B5EF4-FFF2-40B4-BE49-F238E27FC236}">
-                <a16:creationId xmlns:a16="http://schemas.microsoft.com/office/drawing/2014/main" id="{2103F23C-B021-4F14-8084-0CDDB4205028}"/>
+                <a16:creationId xmlns:a16="http://schemas.microsoft.com/office/drawing/2014/main" id="{7807725C-718A-4D77-AD01-05225CF68388}"/>
               </a:ext>
             </a:extLst>
           </p:cNvPr>
@@ -9777,13 +9871,13 @@
             <a:spLocks noGrp="1"/>
           </p:cNvSpPr>
           <p:nvPr>
-            <p:ph idx="1"/>
+            <p:ph type="title"/>
           </p:nvPr>
         </p:nvSpPr>
         <p:spPr>
           <a:xfrm>
-            <a:off x="838200" y="1825625"/>
-            <a:ext cx="10515600" cy="4667250"/>
+            <a:off x="1066800" y="561524"/>
+            <a:ext cx="10287000" cy="1129164"/>
           </a:xfrm>
         </p:spPr>
         <p:txBody>
@@ -9792,6 +9886,45 @@
           <a:p>
             <a:r>
               <a:rPr lang="en-US"/>
+              <a:t>Working data  </a:t>
+            </a:r>
+            <a:r>
+              <a:rPr lang="en-US" b="1"/>
+              <a:t>Particularities</a:t>
+            </a:r>
+          </a:p>
+        </p:txBody>
+      </p:sp>
+      <p:sp>
+        <p:nvSpPr>
+          <p:cNvPr id="10" name="Content Placeholder 2">
+            <a:extLst>
+              <a:ext uri="{FF2B5EF4-FFF2-40B4-BE49-F238E27FC236}">
+                <a16:creationId xmlns:a16="http://schemas.microsoft.com/office/drawing/2014/main" id="{67443131-1CA9-405F-8B23-66FD98AB33DC}"/>
+              </a:ext>
+            </a:extLst>
+          </p:cNvPr>
+          <p:cNvSpPr>
+            <a:spLocks noGrp="1"/>
+          </p:cNvSpPr>
+          <p:nvPr>
+            <p:ph idx="1"/>
+          </p:nvPr>
+        </p:nvSpPr>
+        <p:spPr>
+          <a:xfrm>
+            <a:off x="1066798" y="1990724"/>
+            <a:ext cx="10086977" cy="4867275"/>
+          </a:xfrm>
+        </p:spPr>
+        <p:txBody>
+          <a:bodyPr>
+            <a:normAutofit/>
+          </a:bodyPr>
+          <a:lstStyle/>
+          <a:p>
+            <a:r>
+              <a:rPr lang="en-US"/>
               <a:t>Twitter idiosyncrasies</a:t>
             </a:r>
           </a:p>
@@ -9840,14 +9973,7 @@
             <a:pPr lvl="1"/>
             <a:r>
               <a:rPr lang="en-US"/>
-              <a:t>Sometimes rather formal after all (and rather few emojis)</a:t>
-            </a:r>
-          </a:p>
-          <a:p>
-            <a:pPr lvl="1"/>
-            <a:r>
-              <a:rPr lang="en-US"/>
-              <a:t>Frequent irony</a:t>
+              <a:t>Sometimes rather formal after all (and few emojis)</a:t>
             </a:r>
           </a:p>
           <a:p>
@@ -9868,10 +9994,10 @@
       </p:sp>
       <p:sp>
         <p:nvSpPr>
-          <p:cNvPr id="6" name="TextBox 5">
+          <p:cNvPr id="8" name="TextBox 7">
             <a:extLst>
               <a:ext uri="{FF2B5EF4-FFF2-40B4-BE49-F238E27FC236}">
-                <a16:creationId xmlns:a16="http://schemas.microsoft.com/office/drawing/2014/main" id="{C13B922D-A11B-42AA-B46E-6363CFD8A581}"/>
+                <a16:creationId xmlns:a16="http://schemas.microsoft.com/office/drawing/2014/main" id="{5D0ECA25-0297-4956-8E80-2E13F0684679}"/>
               </a:ext>
             </a:extLst>
           </p:cNvPr>
@@ -9880,7 +10006,7 @@
         </p:nvSpPr>
         <p:spPr>
           <a:xfrm>
-            <a:off x="7115175" y="5822345"/>
+            <a:off x="7115175" y="5625946"/>
             <a:ext cx="4238625" cy="523220"/>
           </a:xfrm>
           <a:prstGeom prst="rect">
@@ -9896,19 +10022,19 @@
           <a:p>
             <a:pPr algn="r"/>
             <a:r>
-              <a:rPr lang="de-DE" sz="2800" b="1"/>
+              <a:rPr lang="de-DE" sz="2800" i="1"/>
               <a:t>German language</a:t>
             </a:r>
-            <a:endParaRPr lang="en-US" sz="2800" b="1"/>
+            <a:endParaRPr lang="en-US" sz="2800" i="1"/>
           </a:p>
         </p:txBody>
       </p:sp>
       <p:pic>
         <p:nvPicPr>
-          <p:cNvPr id="7" name="Graphic 6" descr="Add with solid fill">
+          <p:cNvPr id="12" name="Graphic 11" descr="Add with solid fill">
             <a:extLst>
               <a:ext uri="{FF2B5EF4-FFF2-40B4-BE49-F238E27FC236}">
-                <a16:creationId xmlns:a16="http://schemas.microsoft.com/office/drawing/2014/main" id="{682A8504-4FE1-4DC4-9E7D-37F7B812015C}"/>
+                <a16:creationId xmlns:a16="http://schemas.microsoft.com/office/drawing/2014/main" id="{7190F310-00DA-4075-965E-7F767C72153A}"/>
               </a:ext>
             </a:extLst>
           </p:cNvPr>
@@ -9934,7 +10060,7 @@
         </p:blipFill>
         <p:spPr>
           <a:xfrm>
-            <a:off x="7561932" y="5740400"/>
+            <a:off x="7561932" y="5544001"/>
             <a:ext cx="752475" cy="752475"/>
           </a:xfrm>
           <a:prstGeom prst="rect">
@@ -9945,7 +10071,7 @@
     </p:spTree>
     <p:extLst>
       <p:ext uri="{BB962C8B-B14F-4D97-AF65-F5344CB8AC3E}">
-        <p14:creationId xmlns:p14="http://schemas.microsoft.com/office/powerpoint/2010/main" val="1476359502"/>
+        <p14:creationId xmlns:p14="http://schemas.microsoft.com/office/powerpoint/2010/main" val="2904625211"/>
       </p:ext>
     </p:extLst>
   </p:cSld>
@@ -9982,7 +10108,12 @@
             <p:ph type="title"/>
           </p:nvPr>
         </p:nvSpPr>
-        <p:spPr/>
+        <p:spPr>
+          <a:xfrm>
+            <a:off x="1066800" y="1990724"/>
+            <a:ext cx="10280650" cy="2886075"/>
+          </a:xfrm>
+        </p:spPr>
         <p:txBody>
           <a:bodyPr/>
           <a:lstStyle/>
@@ -10021,7 +10152,12 @@
             <p:ph type="body" idx="1"/>
           </p:nvPr>
         </p:nvSpPr>
-        <p:spPr/>
+        <p:spPr>
+          <a:xfrm>
+            <a:off x="1066798" y="4876799"/>
+            <a:ext cx="10280651" cy="1212851"/>
+          </a:xfrm>
+        </p:spPr>
         <p:txBody>
           <a:bodyPr/>
           <a:lstStyle/>
@@ -10094,12 +10230,72 @@
           <a:chExt cx="0" cy="0"/>
         </a:xfrm>
       </p:grpSpPr>
+      <p:sp>
+        <p:nvSpPr>
+          <p:cNvPr id="4" name="Foliennummernplatzhalter 3"/>
+          <p:cNvSpPr>
+            <a:spLocks noGrp="1"/>
+          </p:cNvSpPr>
+          <p:nvPr>
+            <p:ph type="sldNum" sz="quarter" idx="12"/>
+          </p:nvPr>
+        </p:nvSpPr>
+        <p:spPr/>
+        <p:txBody>
+          <a:bodyPr/>
+          <a:lstStyle/>
+          <a:p>
+            <a:fld id="{C9E0B00B-E6DF-4183-A694-3DE28BEFB357}" type="slidenum">
+              <a:rPr lang="en-US" smtClean="0"/>
+              <a:t>20</a:t>
+            </a:fld>
+            <a:endParaRPr lang="en-US"/>
+          </a:p>
+        </p:txBody>
+      </p:sp>
+      <p:sp>
+        <p:nvSpPr>
+          <p:cNvPr id="9" name="Titel 1">
+            <a:extLst>
+              <a:ext uri="{FF2B5EF4-FFF2-40B4-BE49-F238E27FC236}">
+                <a16:creationId xmlns:a16="http://schemas.microsoft.com/office/drawing/2014/main" id="{7807725C-718A-4D77-AD01-05225CF68388}"/>
+              </a:ext>
+            </a:extLst>
+          </p:cNvPr>
+          <p:cNvSpPr>
+            <a:spLocks noGrp="1"/>
+          </p:cNvSpPr>
+          <p:nvPr>
+            <p:ph type="title"/>
+          </p:nvPr>
+        </p:nvSpPr>
+        <p:spPr>
+          <a:xfrm>
+            <a:off x="1066800" y="561524"/>
+            <a:ext cx="10287000" cy="1129164"/>
+          </a:xfrm>
+        </p:spPr>
+        <p:txBody>
+          <a:bodyPr/>
+          <a:lstStyle/>
+          <a:p>
+            <a:r>
+              <a:rPr lang="en-US"/>
+              <a:t>Task  </a:t>
+            </a:r>
+            <a:r>
+              <a:rPr lang="en-US" b="1"/>
+              <a:t>Analytical Objective</a:t>
+            </a:r>
+          </a:p>
+        </p:txBody>
+      </p:sp>
       <p:cxnSp>
         <p:nvCxnSpPr>
-          <p:cNvPr id="24" name="Straight Arrow Connector 23">
+          <p:cNvPr id="13" name="Straight Arrow Connector 12">
             <a:extLst>
               <a:ext uri="{FF2B5EF4-FFF2-40B4-BE49-F238E27FC236}">
-                <a16:creationId xmlns:a16="http://schemas.microsoft.com/office/drawing/2014/main" id="{7F6BC985-AE98-4BDB-9703-9403EFF27128}"/>
+                <a16:creationId xmlns:a16="http://schemas.microsoft.com/office/drawing/2014/main" id="{9ED82507-D926-444C-86C0-F31042D5B27B}"/>
               </a:ext>
             </a:extLst>
           </p:cNvPr>
@@ -10110,8 +10306,8 @@
         </p:nvCxnSpPr>
         <p:spPr>
           <a:xfrm>
-            <a:off x="4495800" y="1690688"/>
-            <a:ext cx="0" cy="3326136"/>
+            <a:off x="4495801" y="1968868"/>
+            <a:ext cx="0" cy="2903724"/>
           </a:xfrm>
           <a:prstGeom prst="straightConnector1">
             <a:avLst/>
@@ -10135,61 +10331,12 @@
           </a:fontRef>
         </p:style>
       </p:cxnSp>
-      <p:sp>
-        <p:nvSpPr>
-          <p:cNvPr id="2" name="Titel 1"/>
-          <p:cNvSpPr>
-            <a:spLocks noGrp="1"/>
-          </p:cNvSpPr>
-          <p:nvPr>
-            <p:ph type="title"/>
-          </p:nvPr>
-        </p:nvSpPr>
-        <p:spPr/>
-        <p:txBody>
-          <a:bodyPr/>
-          <a:lstStyle/>
-          <a:p>
-            <a:r>
-              <a:rPr lang="en-US"/>
-              <a:t>Task  </a:t>
-            </a:r>
-            <a:r>
-              <a:rPr lang="en-US" b="1"/>
-              <a:t>Analytical Objective</a:t>
-            </a:r>
-          </a:p>
-        </p:txBody>
-      </p:sp>
-      <p:sp>
-        <p:nvSpPr>
-          <p:cNvPr id="4" name="Foliennummernplatzhalter 3"/>
-          <p:cNvSpPr>
-            <a:spLocks noGrp="1"/>
-          </p:cNvSpPr>
-          <p:nvPr>
-            <p:ph type="sldNum" sz="quarter" idx="12"/>
-          </p:nvPr>
-        </p:nvSpPr>
-        <p:spPr/>
-        <p:txBody>
-          <a:bodyPr/>
-          <a:lstStyle/>
-          <a:p>
-            <a:fld id="{C9E0B00B-E6DF-4183-A694-3DE28BEFB357}" type="slidenum">
-              <a:rPr lang="en-US" smtClean="0"/>
-              <a:t>20</a:t>
-            </a:fld>
-            <a:endParaRPr lang="en-US"/>
-          </a:p>
-        </p:txBody>
-      </p:sp>
       <p:pic>
         <p:nvPicPr>
-          <p:cNvPr id="12" name="Picture 11" descr="Icon&#10;&#10;Description automatically generated">
+          <p:cNvPr id="14" name="Picture 13" descr="Icon&#10;&#10;Description automatically generated">
             <a:extLst>
               <a:ext uri="{FF2B5EF4-FFF2-40B4-BE49-F238E27FC236}">
-                <a16:creationId xmlns:a16="http://schemas.microsoft.com/office/drawing/2014/main" id="{F8B60686-1BAA-4393-908C-7A536FC6EBDE}"/>
+                <a16:creationId xmlns:a16="http://schemas.microsoft.com/office/drawing/2014/main" id="{776BD945-031E-4C9F-B187-8095385AF893}"/>
               </a:ext>
             </a:extLst>
           </p:cNvPr>
@@ -10211,8 +10358,8 @@
         </p:blipFill>
         <p:spPr>
           <a:xfrm>
-            <a:off x="990598" y="5037935"/>
-            <a:ext cx="857251" cy="868004"/>
+            <a:off x="1047899" y="4872592"/>
+            <a:ext cx="784166" cy="794002"/>
           </a:xfrm>
           <a:prstGeom prst="rect">
             <a:avLst/>
@@ -10221,10 +10368,10 @@
       </p:pic>
       <p:pic>
         <p:nvPicPr>
-          <p:cNvPr id="13" name="Picture 12" descr="Icon&#10;&#10;Description automatically generated">
+          <p:cNvPr id="15" name="Picture 14" descr="Icon&#10;&#10;Description automatically generated">
             <a:extLst>
               <a:ext uri="{FF2B5EF4-FFF2-40B4-BE49-F238E27FC236}">
-                <a16:creationId xmlns:a16="http://schemas.microsoft.com/office/drawing/2014/main" id="{621921B3-4545-4466-99C2-4A4F8C3692E9}"/>
+                <a16:creationId xmlns:a16="http://schemas.microsoft.com/office/drawing/2014/main" id="{8FC2C725-38E3-4DDA-8F25-B795E3449A16}"/>
               </a:ext>
             </a:extLst>
           </p:cNvPr>
@@ -10234,7 +10381,7 @@
           <p:nvPr/>
         </p:nvPicPr>
         <p:blipFill rotWithShape="1">
-          <a:blip r:embed="rId4">
+          <a:blip r:embed="rId4" cstate="print">
             <a:extLst>
               <a:ext uri="{28A0092B-C50C-407E-A947-70E740481C1C}">
                 <a14:useLocalDpi xmlns:a14="http://schemas.microsoft.com/office/drawing/2010/main" val="0"/>
@@ -10246,8 +10393,8 @@
         </p:blipFill>
         <p:spPr>
           <a:xfrm>
-            <a:off x="914398" y="1584739"/>
-            <a:ext cx="1009650" cy="1022315"/>
+            <a:off x="1066800" y="1969929"/>
+            <a:ext cx="857252" cy="868005"/>
           </a:xfrm>
           <a:prstGeom prst="rect">
             <a:avLst/>
@@ -10256,10 +10403,10 @@
       </p:pic>
       <p:sp>
         <p:nvSpPr>
-          <p:cNvPr id="14" name="Rectangle 13">
+          <p:cNvPr id="16" name="Rectangle 15">
             <a:extLst>
               <a:ext uri="{FF2B5EF4-FFF2-40B4-BE49-F238E27FC236}">
-                <a16:creationId xmlns:a16="http://schemas.microsoft.com/office/drawing/2014/main" id="{5953F87B-AB1E-4CA2-9522-6023DC9FFD9D}"/>
+                <a16:creationId xmlns:a16="http://schemas.microsoft.com/office/drawing/2014/main" id="{A25FC05A-3080-4B4B-AE2C-308181982927}"/>
               </a:ext>
             </a:extLst>
           </p:cNvPr>
@@ -10268,8 +10415,8 @@
         </p:nvSpPr>
         <p:spPr>
           <a:xfrm>
-            <a:off x="2324100" y="5037935"/>
-            <a:ext cx="9029697" cy="799306"/>
+            <a:off x="2482949" y="4872592"/>
+            <a:ext cx="8877299" cy="720000"/>
           </a:xfrm>
           <a:prstGeom prst="rect">
             <a:avLst/>
@@ -10388,10 +10535,10 @@
       </p:sp>
       <p:cxnSp>
         <p:nvCxnSpPr>
-          <p:cNvPr id="26" name="Straight Arrow Connector 25">
+          <p:cNvPr id="17" name="Straight Arrow Connector 16">
             <a:extLst>
               <a:ext uri="{FF2B5EF4-FFF2-40B4-BE49-F238E27FC236}">
-                <a16:creationId xmlns:a16="http://schemas.microsoft.com/office/drawing/2014/main" id="{C7E8B1BB-B512-4D14-861B-24ACC44A6684}"/>
+                <a16:creationId xmlns:a16="http://schemas.microsoft.com/office/drawing/2014/main" id="{54009861-AE34-4A89-8208-E78643BBB59B}"/>
               </a:ext>
             </a:extLst>
           </p:cNvPr>
@@ -10402,8 +10549,8 @@
         </p:nvCxnSpPr>
         <p:spPr>
           <a:xfrm>
-            <a:off x="9144000" y="1711799"/>
-            <a:ext cx="0" cy="3326136"/>
+            <a:off x="9144001" y="1989979"/>
+            <a:ext cx="0" cy="2882613"/>
           </a:xfrm>
           <a:prstGeom prst="straightConnector1">
             <a:avLst/>
@@ -10429,10 +10576,10 @@
       </p:cxnSp>
       <p:sp>
         <p:nvSpPr>
-          <p:cNvPr id="17" name="Rectangle 16">
+          <p:cNvPr id="18" name="Rectangle 17">
             <a:extLst>
               <a:ext uri="{FF2B5EF4-FFF2-40B4-BE49-F238E27FC236}">
-                <a16:creationId xmlns:a16="http://schemas.microsoft.com/office/drawing/2014/main" id="{C6AA6A1B-B173-406C-A5BE-4736EDBBE05E}"/>
+                <a16:creationId xmlns:a16="http://schemas.microsoft.com/office/drawing/2014/main" id="{2F437915-955F-4495-B1CA-3D934C8111A5}"/>
               </a:ext>
             </a:extLst>
           </p:cNvPr>
@@ -10441,8 +10588,8 @@
         </p:nvSpPr>
         <p:spPr>
           <a:xfrm>
-            <a:off x="2324101" y="1696245"/>
-            <a:ext cx="9029698" cy="799305"/>
+            <a:off x="2476500" y="1974424"/>
+            <a:ext cx="8877299" cy="720000"/>
           </a:xfrm>
           <a:prstGeom prst="rect">
             <a:avLst/>
@@ -10490,10 +10637,10 @@
       </p:sp>
       <p:sp>
         <p:nvSpPr>
-          <p:cNvPr id="18" name="Rectangle 17">
+          <p:cNvPr id="19" name="Rectangle 18">
             <a:extLst>
               <a:ext uri="{FF2B5EF4-FFF2-40B4-BE49-F238E27FC236}">
-                <a16:creationId xmlns:a16="http://schemas.microsoft.com/office/drawing/2014/main" id="{E526C9BB-9263-4493-993D-78184D74BA4B}"/>
+                <a16:creationId xmlns:a16="http://schemas.microsoft.com/office/drawing/2014/main" id="{6ACD0B92-64B6-4753-8320-9FBDE34C9F4B}"/>
               </a:ext>
             </a:extLst>
           </p:cNvPr>
@@ -10502,8 +10649,8 @@
         </p:nvSpPr>
         <p:spPr>
           <a:xfrm>
-            <a:off x="2324100" y="2810142"/>
-            <a:ext cx="9029697" cy="799305"/>
+            <a:off x="2476499" y="2929599"/>
+            <a:ext cx="8877299" cy="720000"/>
           </a:xfrm>
           <a:prstGeom prst="rect">
             <a:avLst/>
@@ -10551,10 +10698,10 @@
       </p:sp>
       <p:sp>
         <p:nvSpPr>
-          <p:cNvPr id="19" name="Rectangle 18">
+          <p:cNvPr id="20" name="Rectangle 19">
             <a:extLst>
               <a:ext uri="{FF2B5EF4-FFF2-40B4-BE49-F238E27FC236}">
-                <a16:creationId xmlns:a16="http://schemas.microsoft.com/office/drawing/2014/main" id="{53313E6A-72AD-485E-98B6-5185A658D1B5}"/>
+                <a16:creationId xmlns:a16="http://schemas.microsoft.com/office/drawing/2014/main" id="{858479BB-DD5F-440B-A171-951C0B165173}"/>
               </a:ext>
             </a:extLst>
           </p:cNvPr>
@@ -10563,8 +10710,8 @@
         </p:nvSpPr>
         <p:spPr>
           <a:xfrm>
-            <a:off x="2324100" y="3924038"/>
-            <a:ext cx="4356000" cy="799305"/>
+            <a:off x="2463902" y="3884774"/>
+            <a:ext cx="4356000" cy="720000"/>
           </a:xfrm>
           <a:prstGeom prst="rect">
             <a:avLst/>
@@ -10616,10 +10763,10 @@
       </p:sp>
       <p:sp>
         <p:nvSpPr>
-          <p:cNvPr id="20" name="Rectangle 19">
+          <p:cNvPr id="21" name="Rectangle 20">
             <a:extLst>
               <a:ext uri="{FF2B5EF4-FFF2-40B4-BE49-F238E27FC236}">
-                <a16:creationId xmlns:a16="http://schemas.microsoft.com/office/drawing/2014/main" id="{29587408-9177-40AC-8D20-0ECA5F66588C}"/>
+                <a16:creationId xmlns:a16="http://schemas.microsoft.com/office/drawing/2014/main" id="{F6743095-AF71-4BB7-915E-2C0786806DF0}"/>
               </a:ext>
             </a:extLst>
           </p:cNvPr>
@@ -10628,8 +10775,8 @@
         </p:nvSpPr>
         <p:spPr>
           <a:xfrm>
-            <a:off x="6997797" y="3924037"/>
-            <a:ext cx="4356000" cy="799305"/>
+            <a:off x="6997798" y="3887396"/>
+            <a:ext cx="4356000" cy="720000"/>
           </a:xfrm>
           <a:prstGeom prst="rect">
             <a:avLst/>
@@ -10677,24 +10824,24 @@
       </p:sp>
       <p:cxnSp>
         <p:nvCxnSpPr>
-          <p:cNvPr id="28" name="Straight Connector 27">
+          <p:cNvPr id="22" name="Straight Connector 21">
             <a:extLst>
               <a:ext uri="{FF2B5EF4-FFF2-40B4-BE49-F238E27FC236}">
-                <a16:creationId xmlns:a16="http://schemas.microsoft.com/office/drawing/2014/main" id="{BE52A541-35C7-461F-A964-640BD7213137}"/>
+                <a16:creationId xmlns:a16="http://schemas.microsoft.com/office/drawing/2014/main" id="{14C54D50-6B2F-44B2-B668-D281790C218A}"/>
               </a:ext>
             </a:extLst>
           </p:cNvPr>
           <p:cNvCxnSpPr>
             <a:cxnSpLocks/>
-            <a:stCxn id="19" idx="3"/>
-            <a:endCxn id="20" idx="1"/>
+            <a:stCxn id="20" idx="3"/>
+            <a:endCxn id="21" idx="1"/>
           </p:cNvCxnSpPr>
           <p:nvPr/>
         </p:nvCxnSpPr>
         <p:spPr>
-          <a:xfrm flipV="1">
-            <a:off x="6680100" y="4323690"/>
-            <a:ext cx="317697" cy="1"/>
+          <a:xfrm>
+            <a:off x="6819902" y="4244774"/>
+            <a:ext cx="177896" cy="2622"/>
           </a:xfrm>
           <a:prstGeom prst="line">
             <a:avLst/>
@@ -10719,7 +10866,7 @@
     </p:spTree>
     <p:extLst>
       <p:ext uri="{BB962C8B-B14F-4D97-AF65-F5344CB8AC3E}">
-        <p14:creationId xmlns:p14="http://schemas.microsoft.com/office/powerpoint/2010/main" val="501385699"/>
+        <p14:creationId xmlns:p14="http://schemas.microsoft.com/office/powerpoint/2010/main" val="674304166"/>
       </p:ext>
     </p:extLst>
   </p:cSld>
@@ -10748,32 +10895,6 @@
       </p:grpSpPr>
       <p:sp>
         <p:nvSpPr>
-          <p:cNvPr id="2" name="Titel 1"/>
-          <p:cNvSpPr>
-            <a:spLocks noGrp="1"/>
-          </p:cNvSpPr>
-          <p:nvPr>
-            <p:ph type="title"/>
-          </p:nvPr>
-        </p:nvSpPr>
-        <p:spPr/>
-        <p:txBody>
-          <a:bodyPr/>
-          <a:lstStyle/>
-          <a:p>
-            <a:r>
-              <a:rPr lang="en-US"/>
-              <a:t>Task  </a:t>
-            </a:r>
-            <a:r>
-              <a:rPr lang="en-US" b="1"/>
-              <a:t>Topic Extraction</a:t>
-            </a:r>
-          </a:p>
-        </p:txBody>
-      </p:sp>
-      <p:sp>
-        <p:nvSpPr>
           <p:cNvPr id="4" name="Foliennummernplatzhalter 3"/>
           <p:cNvSpPr>
             <a:spLocks noGrp="1"/>
@@ -10797,10 +10918,10 @@
       </p:sp>
       <p:sp>
         <p:nvSpPr>
-          <p:cNvPr id="5" name="Content Placeholder 2">
+          <p:cNvPr id="9" name="Titel 1">
             <a:extLst>
               <a:ext uri="{FF2B5EF4-FFF2-40B4-BE49-F238E27FC236}">
-                <a16:creationId xmlns:a16="http://schemas.microsoft.com/office/drawing/2014/main" id="{CD7B8399-47C7-4F9F-B52A-AC4F05C9D6CC}"/>
+                <a16:creationId xmlns:a16="http://schemas.microsoft.com/office/drawing/2014/main" id="{7807725C-718A-4D77-AD01-05225CF68388}"/>
               </a:ext>
             </a:extLst>
           </p:cNvPr>
@@ -10808,17 +10929,56 @@
             <a:spLocks noGrp="1"/>
           </p:cNvSpPr>
           <p:nvPr>
-            <p:ph idx="1"/>
+            <p:ph type="title"/>
           </p:nvPr>
         </p:nvSpPr>
         <p:spPr>
           <a:xfrm>
-            <a:off x="838200" y="1825625"/>
-            <a:ext cx="10515600" cy="4667250"/>
+            <a:off x="1066800" y="561524"/>
+            <a:ext cx="10287000" cy="1129164"/>
           </a:xfrm>
         </p:spPr>
         <p:txBody>
           <a:bodyPr/>
+          <a:lstStyle/>
+          <a:p>
+            <a:r>
+              <a:rPr lang="en-US"/>
+              <a:t>Task  </a:t>
+            </a:r>
+            <a:r>
+              <a:rPr lang="en-US" b="1"/>
+              <a:t>Topic Extraction</a:t>
+            </a:r>
+          </a:p>
+        </p:txBody>
+      </p:sp>
+      <p:sp>
+        <p:nvSpPr>
+          <p:cNvPr id="10" name="Content Placeholder 2">
+            <a:extLst>
+              <a:ext uri="{FF2B5EF4-FFF2-40B4-BE49-F238E27FC236}">
+                <a16:creationId xmlns:a16="http://schemas.microsoft.com/office/drawing/2014/main" id="{67443131-1CA9-405F-8B23-66FD98AB33DC}"/>
+              </a:ext>
+            </a:extLst>
+          </p:cNvPr>
+          <p:cNvSpPr>
+            <a:spLocks noGrp="1"/>
+          </p:cNvSpPr>
+          <p:nvPr>
+            <p:ph idx="1"/>
+          </p:nvPr>
+        </p:nvSpPr>
+        <p:spPr>
+          <a:xfrm>
+            <a:off x="1066798" y="1990724"/>
+            <a:ext cx="10086977" cy="4867275"/>
+          </a:xfrm>
+        </p:spPr>
+        <p:txBody>
+          <a:bodyPr>
+            <a:normAutofit/>
+          </a:bodyPr>
           <a:lstStyle/>
           <a:p>
             <a:r>
@@ -10891,12 +11051,51 @@
           </a:p>
         </p:txBody>
       </p:sp>
-      <p:sp>
-        <p:nvSpPr>
-          <p:cNvPr id="12" name="Speech Bubble: Rectangle 11">
+      <p:pic>
+        <p:nvPicPr>
+          <p:cNvPr id="7" name="Graphic 6" descr="Hourglass Full with solid fill">
             <a:extLst>
               <a:ext uri="{FF2B5EF4-FFF2-40B4-BE49-F238E27FC236}">
-                <a16:creationId xmlns:a16="http://schemas.microsoft.com/office/drawing/2014/main" id="{CA67B9D6-96B6-4D4E-9A4F-277E9D72D84C}"/>
+                <a16:creationId xmlns:a16="http://schemas.microsoft.com/office/drawing/2014/main" id="{206848B4-393E-4A61-86C1-7B30F72BEBAB}"/>
+              </a:ext>
+            </a:extLst>
+          </p:cNvPr>
+          <p:cNvPicPr>
+            <a:picLocks noChangeAspect="1"/>
+          </p:cNvPicPr>
+          <p:nvPr/>
+        </p:nvPicPr>
+        <p:blipFill>
+          <a:blip r:embed="rId3">
+            <a:extLst>
+              <a:ext uri="{28A0092B-C50C-407E-A947-70E740481C1C}">
+                <a14:useLocalDpi xmlns:a14="http://schemas.microsoft.com/office/drawing/2010/main" val="0"/>
+              </a:ext>
+              <a:ext uri="{96DAC541-7B7A-43D3-8B79-37D633B846F1}">
+                <asvg:svgBlip xmlns:asvg="http://schemas.microsoft.com/office/drawing/2016/SVG/main" r:embed="rId4"/>
+              </a:ext>
+            </a:extLst>
+          </a:blip>
+          <a:stretch>
+            <a:fillRect/>
+          </a:stretch>
+        </p:blipFill>
+        <p:spPr>
+          <a:xfrm>
+            <a:off x="7947797" y="873917"/>
+            <a:ext cx="596128" cy="596128"/>
+          </a:xfrm>
+          <a:prstGeom prst="rect">
+            <a:avLst/>
+          </a:prstGeom>
+        </p:spPr>
+      </p:pic>
+      <p:sp>
+        <p:nvSpPr>
+          <p:cNvPr id="11" name="Speech Bubble: Rectangle 10">
+            <a:extLst>
+              <a:ext uri="{FF2B5EF4-FFF2-40B4-BE49-F238E27FC236}">
+                <a16:creationId xmlns:a16="http://schemas.microsoft.com/office/drawing/2014/main" id="{A1635E66-7FC8-44A5-A4EA-E10F1D54E7C6}"/>
               </a:ext>
             </a:extLst>
           </p:cNvPr>
@@ -10905,7 +11104,71 @@
         </p:nvSpPr>
         <p:spPr>
           <a:xfrm>
-            <a:off x="6096000" y="4128268"/>
+            <a:off x="8610600" y="949731"/>
+            <a:ext cx="2743200" cy="444501"/>
+          </a:xfrm>
+          <a:prstGeom prst="wedgeRectCallout">
+            <a:avLst>
+              <a:gd name="adj1" fmla="val -60500"/>
+              <a:gd name="adj2" fmla="val -7955"/>
+            </a:avLst>
+          </a:prstGeom>
+          <a:noFill/>
+          <a:ln>
+            <a:noFill/>
+          </a:ln>
+        </p:spPr>
+        <p:style>
+          <a:lnRef idx="2">
+            <a:schemeClr val="accent1">
+              <a:shade val="50000"/>
+            </a:schemeClr>
+          </a:lnRef>
+          <a:fillRef idx="1">
+            <a:schemeClr val="accent1"/>
+          </a:fillRef>
+          <a:effectRef idx="0">
+            <a:schemeClr val="accent1"/>
+          </a:effectRef>
+          <a:fontRef idx="minor">
+            <a:schemeClr val="lt1"/>
+          </a:fontRef>
+        </p:style>
+        <p:txBody>
+          <a:bodyPr rtlCol="0" anchor="ctr"/>
+          <a:lstStyle/>
+          <a:p>
+            <a:r>
+              <a:rPr lang="de-DE" sz="2400" i="1">
+                <a:solidFill>
+                  <a:schemeClr val="tx1"/>
+                </a:solidFill>
+              </a:rPr>
+              <a:t>... more on this later</a:t>
+            </a:r>
+            <a:endParaRPr lang="en-US" sz="2400" i="1">
+              <a:solidFill>
+                <a:schemeClr val="tx1"/>
+              </a:solidFill>
+            </a:endParaRPr>
+          </a:p>
+        </p:txBody>
+      </p:sp>
+      <p:sp>
+        <p:nvSpPr>
+          <p:cNvPr id="13" name="Speech Bubble: Rectangle 12">
+            <a:extLst>
+              <a:ext uri="{FF2B5EF4-FFF2-40B4-BE49-F238E27FC236}">
+                <a16:creationId xmlns:a16="http://schemas.microsoft.com/office/drawing/2014/main" id="{F2C1B2B9-7316-4795-A49E-BCD45767A5D0}"/>
+              </a:ext>
+            </a:extLst>
+          </p:cNvPr>
+          <p:cNvSpPr/>
+          <p:nvPr/>
+        </p:nvSpPr>
+        <p:spPr>
+          <a:xfrm>
+            <a:off x="7109670" y="4194943"/>
             <a:ext cx="4244130" cy="444501"/>
           </a:xfrm>
           <a:prstGeom prst="wedgeRectCallout">
@@ -10939,6 +11202,7 @@
           <a:bodyPr rtlCol="0" anchor="ctr"/>
           <a:lstStyle/>
           <a:p>
+            <a:pPr algn="r"/>
             <a:r>
               <a:rPr lang="de-DE" sz="2400" i="1">
                 <a:solidFill>
@@ -10957,10 +11221,248 @@
       </p:sp>
       <p:pic>
         <p:nvPicPr>
-          <p:cNvPr id="13" name="Graphic 12" descr="Back with solid fill">
+          <p:cNvPr id="14" name="Graphic 13" descr="Back with solid fill">
             <a:extLst>
               <a:ext uri="{FF2B5EF4-FFF2-40B4-BE49-F238E27FC236}">
-                <a16:creationId xmlns:a16="http://schemas.microsoft.com/office/drawing/2014/main" id="{472674F1-0983-4573-A1E7-74174F45DFF0}"/>
+                <a16:creationId xmlns:a16="http://schemas.microsoft.com/office/drawing/2014/main" id="{42A0752D-5B89-4D6E-9AE7-D5559A89B244}"/>
+              </a:ext>
+            </a:extLst>
+          </p:cNvPr>
+          <p:cNvPicPr>
+            <a:picLocks noChangeAspect="1"/>
+          </p:cNvPicPr>
+          <p:nvPr/>
+        </p:nvPicPr>
+        <p:blipFill>
+          <a:blip r:embed="rId5">
+            <a:extLst>
+              <a:ext uri="{28A0092B-C50C-407E-A947-70E740481C1C}">
+                <a14:useLocalDpi xmlns:a14="http://schemas.microsoft.com/office/drawing/2010/main" val="0"/>
+              </a:ext>
+              <a:ext uri="{96DAC541-7B7A-43D3-8B79-37D633B846F1}">
+                <asvg:svgBlip xmlns:asvg="http://schemas.microsoft.com/office/drawing/2016/SVG/main" r:embed="rId6"/>
+              </a:ext>
+            </a:extLst>
+          </a:blip>
+          <a:stretch>
+            <a:fillRect/>
+          </a:stretch>
+        </p:blipFill>
+        <p:spPr>
+          <a:xfrm flipH="1">
+            <a:off x="6229350" y="4038654"/>
+            <a:ext cx="880320" cy="896548"/>
+          </a:xfrm>
+          <a:prstGeom prst="rect">
+            <a:avLst/>
+          </a:prstGeom>
+        </p:spPr>
+      </p:pic>
+    </p:spTree>
+    <p:extLst>
+      <p:ext uri="{BB962C8B-B14F-4D97-AF65-F5344CB8AC3E}">
+        <p14:creationId xmlns:p14="http://schemas.microsoft.com/office/powerpoint/2010/main" val="388877447"/>
+      </p:ext>
+    </p:extLst>
+  </p:cSld>
+  <p:clrMapOvr>
+    <a:masterClrMapping/>
+  </p:clrMapOvr>
+</p:sld>
+</file>
+
+<file path=ppt/slides/slide22.xml><?xml version="1.0" encoding="utf-8"?>
+<p:sld xmlns:a="http://schemas.openxmlformats.org/drawingml/2006/main" xmlns:r="http://schemas.openxmlformats.org/officeDocument/2006/relationships" xmlns:p="http://schemas.openxmlformats.org/presentationml/2006/main">
+  <p:cSld>
+    <p:spTree>
+      <p:nvGrpSpPr>
+        <p:cNvPr id="1" name=""/>
+        <p:cNvGrpSpPr/>
+        <p:nvPr/>
+      </p:nvGrpSpPr>
+      <p:grpSpPr>
+        <a:xfrm>
+          <a:off x="0" y="0"/>
+          <a:ext cx="0" cy="0"/>
+          <a:chOff x="0" y="0"/>
+          <a:chExt cx="0" cy="0"/>
+        </a:xfrm>
+      </p:grpSpPr>
+      <p:sp>
+        <p:nvSpPr>
+          <p:cNvPr id="4" name="Foliennummernplatzhalter 3"/>
+          <p:cNvSpPr>
+            <a:spLocks noGrp="1"/>
+          </p:cNvSpPr>
+          <p:nvPr>
+            <p:ph type="sldNum" sz="quarter" idx="12"/>
+          </p:nvPr>
+        </p:nvSpPr>
+        <p:spPr/>
+        <p:txBody>
+          <a:bodyPr/>
+          <a:lstStyle/>
+          <a:p>
+            <a:fld id="{C9E0B00B-E6DF-4183-A694-3DE28BEFB357}" type="slidenum">
+              <a:rPr lang="en-US" smtClean="0"/>
+              <a:t>22</a:t>
+            </a:fld>
+            <a:endParaRPr lang="en-US"/>
+          </a:p>
+        </p:txBody>
+      </p:sp>
+      <p:sp>
+        <p:nvSpPr>
+          <p:cNvPr id="9" name="Titel 1">
+            <a:extLst>
+              <a:ext uri="{FF2B5EF4-FFF2-40B4-BE49-F238E27FC236}">
+                <a16:creationId xmlns:a16="http://schemas.microsoft.com/office/drawing/2014/main" id="{7807725C-718A-4D77-AD01-05225CF68388}"/>
+              </a:ext>
+            </a:extLst>
+          </p:cNvPr>
+          <p:cNvSpPr>
+            <a:spLocks noGrp="1"/>
+          </p:cNvSpPr>
+          <p:nvPr>
+            <p:ph type="title"/>
+          </p:nvPr>
+        </p:nvSpPr>
+        <p:spPr>
+          <a:xfrm>
+            <a:off x="1066800" y="561524"/>
+            <a:ext cx="10287000" cy="1129164"/>
+          </a:xfrm>
+        </p:spPr>
+        <p:txBody>
+          <a:bodyPr/>
+          <a:lstStyle/>
+          <a:p>
+            <a:r>
+              <a:rPr lang="en-US"/>
+              <a:t>Task  </a:t>
+            </a:r>
+            <a:r>
+              <a:rPr lang="en-US" b="1"/>
+              <a:t>Sentiment Analysis</a:t>
+            </a:r>
+          </a:p>
+        </p:txBody>
+      </p:sp>
+      <p:sp>
+        <p:nvSpPr>
+          <p:cNvPr id="10" name="Content Placeholder 2">
+            <a:extLst>
+              <a:ext uri="{FF2B5EF4-FFF2-40B4-BE49-F238E27FC236}">
+                <a16:creationId xmlns:a16="http://schemas.microsoft.com/office/drawing/2014/main" id="{67443131-1CA9-405F-8B23-66FD98AB33DC}"/>
+              </a:ext>
+            </a:extLst>
+          </p:cNvPr>
+          <p:cNvSpPr>
+            <a:spLocks noGrp="1"/>
+          </p:cNvSpPr>
+          <p:nvPr>
+            <p:ph idx="1"/>
+          </p:nvPr>
+        </p:nvSpPr>
+        <p:spPr>
+          <a:xfrm>
+            <a:off x="1066798" y="1990724"/>
+            <a:ext cx="10086977" cy="4867275"/>
+          </a:xfrm>
+        </p:spPr>
+        <p:txBody>
+          <a:bodyPr>
+            <a:normAutofit/>
+          </a:bodyPr>
+          <a:lstStyle/>
+          <a:p>
+            <a:r>
+              <a:rPr lang="en-US" b="1"/>
+              <a:t>Sentiment analysis</a:t>
+            </a:r>
+            <a:r>
+              <a:rPr lang="en-US"/>
+              <a:t>: identifying and analyzing affective states</a:t>
+            </a:r>
+          </a:p>
+          <a:p>
+            <a:r>
+              <a:rPr lang="en-US"/>
+              <a:t>Relevant subtask: </a:t>
+            </a:r>
+            <a:r>
+              <a:rPr lang="en-US" b="1"/>
+              <a:t>polarity detection</a:t>
+            </a:r>
+          </a:p>
+          <a:p>
+            <a:r>
+              <a:rPr lang="en-US" b="1"/>
+              <a:t>Goal</a:t>
+            </a:r>
+            <a:r>
+              <a:rPr lang="en-US"/>
+              <a:t>: assign each document a polarity label </a:t>
+            </a:r>
+            <a:r>
+              <a:rPr lang="de-DE" sz="2800" b="1">
+                <a:sym typeface="Symbol" panose="05050102010706020507" pitchFamily="18" charset="2"/>
+              </a:rPr>
+              <a:t></a:t>
+            </a:r>
+            <a:r>
+              <a:rPr lang="en-US"/>
+              <a:t> {positive, negative} </a:t>
+            </a:r>
+          </a:p>
+          <a:p>
+            <a:r>
+              <a:rPr lang="en-US"/>
+              <a:t>Used for</a:t>
+            </a:r>
+          </a:p>
+          <a:p>
+            <a:pPr lvl="1"/>
+            <a:r>
+              <a:rPr lang="en-US"/>
+              <a:t>Customer relationship management</a:t>
+            </a:r>
+          </a:p>
+          <a:p>
+            <a:pPr lvl="1"/>
+            <a:r>
+              <a:rPr lang="en-US"/>
+              <a:t>Social media analysis</a:t>
+            </a:r>
+            <a:br>
+              <a:rPr lang="en-US"/>
+            </a:br>
+            <a:br>
+              <a:rPr lang="en-US"/>
+            </a:br>
+            <a:br>
+              <a:rPr lang="en-US"/>
+            </a:br>
+            <a:endParaRPr lang="en-US"/>
+          </a:p>
+          <a:p>
+            <a:r>
+              <a:rPr lang="en-US" b="1"/>
+              <a:t>Supervised task</a:t>
+            </a:r>
+            <a:r>
+              <a:rPr lang="en-US"/>
+              <a:t>: requiring labeled training data (typically)</a:t>
+            </a:r>
+          </a:p>
+        </p:txBody>
+      </p:sp>
+      <p:pic>
+        <p:nvPicPr>
+          <p:cNvPr id="7" name="Graphic 6" descr="Hourglass Full with solid fill">
+            <a:extLst>
+              <a:ext uri="{FF2B5EF4-FFF2-40B4-BE49-F238E27FC236}">
+                <a16:creationId xmlns:a16="http://schemas.microsoft.com/office/drawing/2014/main" id="{206848B4-393E-4A61-86C1-7B30F72BEBAB}"/>
               </a:ext>
             </a:extLst>
           </p:cNvPr>
@@ -10985,47 +11487,8 @@
           </a:stretch>
         </p:blipFill>
         <p:spPr>
-          <a:xfrm flipH="1">
-            <a:off x="5195845" y="4077492"/>
-            <a:ext cx="757451" cy="771414"/>
-          </a:xfrm>
-          <a:prstGeom prst="rect">
-            <a:avLst/>
-          </a:prstGeom>
-        </p:spPr>
-      </p:pic>
-      <p:pic>
-        <p:nvPicPr>
-          <p:cNvPr id="14" name="Graphic 13" descr="Hourglass Full with solid fill">
-            <a:extLst>
-              <a:ext uri="{FF2B5EF4-FFF2-40B4-BE49-F238E27FC236}">
-                <a16:creationId xmlns:a16="http://schemas.microsoft.com/office/drawing/2014/main" id="{319B0C7B-FB76-4DE3-BF7D-BD4F4FEEE2AE}"/>
-              </a:ext>
-            </a:extLst>
-          </p:cNvPr>
-          <p:cNvPicPr>
-            <a:picLocks noChangeAspect="1"/>
-          </p:cNvPicPr>
-          <p:nvPr/>
-        </p:nvPicPr>
-        <p:blipFill>
-          <a:blip r:embed="rId5">
-            <a:extLst>
-              <a:ext uri="{28A0092B-C50C-407E-A947-70E740481C1C}">
-                <a14:useLocalDpi xmlns:a14="http://schemas.microsoft.com/office/drawing/2010/main" val="0"/>
-              </a:ext>
-              <a:ext uri="{96DAC541-7B7A-43D3-8B79-37D633B846F1}">
-                <asvg:svgBlip xmlns:asvg="http://schemas.microsoft.com/office/drawing/2016/SVG/main" r:embed="rId6"/>
-              </a:ext>
-            </a:extLst>
-          </a:blip>
-          <a:stretch>
-            <a:fillRect/>
-          </a:stretch>
-        </p:blipFill>
-        <p:spPr>
           <a:xfrm>
-            <a:off x="8014472" y="729842"/>
+            <a:off x="7947797" y="873917"/>
             <a:ext cx="596128" cy="596128"/>
           </a:xfrm>
           <a:prstGeom prst="rect">
@@ -11035,10 +11498,10 @@
       </p:pic>
       <p:sp>
         <p:nvSpPr>
-          <p:cNvPr id="16" name="Speech Bubble: Rectangle 15">
+          <p:cNvPr id="11" name="Speech Bubble: Rectangle 10">
             <a:extLst>
               <a:ext uri="{FF2B5EF4-FFF2-40B4-BE49-F238E27FC236}">
-                <a16:creationId xmlns:a16="http://schemas.microsoft.com/office/drawing/2014/main" id="{C1DDA5F8-8B4C-4E41-B68F-4F8C2038DBBB}"/>
+                <a16:creationId xmlns:a16="http://schemas.microsoft.com/office/drawing/2014/main" id="{A1635E66-7FC8-44A5-A4EA-E10F1D54E7C6}"/>
               </a:ext>
             </a:extLst>
           </p:cNvPr>
@@ -11047,7 +11510,7 @@
         </p:nvSpPr>
         <p:spPr>
           <a:xfrm>
-            <a:off x="8610600" y="805655"/>
+            <a:off x="8610600" y="949731"/>
             <a:ext cx="2743200" cy="444501"/>
           </a:xfrm>
           <a:prstGeom prst="wedgeRectCallout">
@@ -11097,194 +11560,12 @@
           </a:p>
         </p:txBody>
       </p:sp>
-    </p:spTree>
-    <p:extLst>
-      <p:ext uri="{BB962C8B-B14F-4D97-AF65-F5344CB8AC3E}">
-        <p14:creationId xmlns:p14="http://schemas.microsoft.com/office/powerpoint/2010/main" val="1755356111"/>
-      </p:ext>
-    </p:extLst>
-  </p:cSld>
-  <p:clrMapOvr>
-    <a:masterClrMapping/>
-  </p:clrMapOvr>
-</p:sld>
-</file>
-
-<file path=ppt/slides/slide22.xml><?xml version="1.0" encoding="utf-8"?>
-<p:sld xmlns:a="http://schemas.openxmlformats.org/drawingml/2006/main" xmlns:r="http://schemas.openxmlformats.org/officeDocument/2006/relationships" xmlns:p="http://schemas.openxmlformats.org/presentationml/2006/main">
-  <p:cSld>
-    <p:spTree>
-      <p:nvGrpSpPr>
-        <p:cNvPr id="1" name=""/>
-        <p:cNvGrpSpPr/>
-        <p:nvPr/>
-      </p:nvGrpSpPr>
-      <p:grpSpPr>
-        <a:xfrm>
-          <a:off x="0" y="0"/>
-          <a:ext cx="0" cy="0"/>
-          <a:chOff x="0" y="0"/>
-          <a:chExt cx="0" cy="0"/>
-        </a:xfrm>
-      </p:grpSpPr>
-      <p:sp>
-        <p:nvSpPr>
-          <p:cNvPr id="2" name="Titel 1"/>
-          <p:cNvSpPr>
-            <a:spLocks noGrp="1"/>
-          </p:cNvSpPr>
-          <p:nvPr>
-            <p:ph type="title"/>
-          </p:nvPr>
-        </p:nvSpPr>
-        <p:spPr/>
-        <p:txBody>
-          <a:bodyPr/>
-          <a:lstStyle/>
-          <a:p>
-            <a:r>
-              <a:rPr lang="en-US"/>
-              <a:t>Task  </a:t>
-            </a:r>
-            <a:r>
-              <a:rPr lang="en-US" b="1"/>
-              <a:t>Sentiment Analysis</a:t>
-            </a:r>
-          </a:p>
-        </p:txBody>
-      </p:sp>
-      <p:sp>
-        <p:nvSpPr>
-          <p:cNvPr id="4" name="Foliennummernplatzhalter 3"/>
-          <p:cNvSpPr>
-            <a:spLocks noGrp="1"/>
-          </p:cNvSpPr>
-          <p:nvPr>
-            <p:ph type="sldNum" sz="quarter" idx="12"/>
-          </p:nvPr>
-        </p:nvSpPr>
-        <p:spPr/>
-        <p:txBody>
-          <a:bodyPr/>
-          <a:lstStyle/>
-          <a:p>
-            <a:fld id="{C9E0B00B-E6DF-4183-A694-3DE28BEFB357}" type="slidenum">
-              <a:rPr lang="en-US" smtClean="0"/>
-              <a:t>22</a:t>
-            </a:fld>
-            <a:endParaRPr lang="en-US"/>
-          </a:p>
-        </p:txBody>
-      </p:sp>
-      <p:sp>
-        <p:nvSpPr>
-          <p:cNvPr id="6" name="Content Placeholder 2">
+      <p:sp>
+        <p:nvSpPr>
+          <p:cNvPr id="12" name="Speech Bubble: Rectangle 11">
             <a:extLst>
               <a:ext uri="{FF2B5EF4-FFF2-40B4-BE49-F238E27FC236}">
-                <a16:creationId xmlns:a16="http://schemas.microsoft.com/office/drawing/2014/main" id="{A94D1516-4027-41AE-83CC-D641B09A50F9}"/>
-              </a:ext>
-            </a:extLst>
-          </p:cNvPr>
-          <p:cNvSpPr>
-            <a:spLocks noGrp="1"/>
-          </p:cNvSpPr>
-          <p:nvPr>
-            <p:ph idx="1"/>
-          </p:nvPr>
-        </p:nvSpPr>
-        <p:spPr>
-          <a:xfrm>
-            <a:off x="838200" y="1825625"/>
-            <a:ext cx="10515600" cy="4667250"/>
-          </a:xfrm>
-        </p:spPr>
-        <p:txBody>
-          <a:bodyPr>
-            <a:normAutofit/>
-          </a:bodyPr>
-          <a:lstStyle/>
-          <a:p>
-            <a:r>
-              <a:rPr lang="en-US" b="1"/>
-              <a:t>Sentiment analysis</a:t>
-            </a:r>
-            <a:r>
-              <a:rPr lang="en-US"/>
-              <a:t>: identifying and analyzing affective states</a:t>
-            </a:r>
-          </a:p>
-          <a:p>
-            <a:r>
-              <a:rPr lang="en-US"/>
-              <a:t>Relevant subtask: </a:t>
-            </a:r>
-            <a:r>
-              <a:rPr lang="en-US" b="1"/>
-              <a:t>polarity detection</a:t>
-            </a:r>
-          </a:p>
-          <a:p>
-            <a:r>
-              <a:rPr lang="en-US" b="1"/>
-              <a:t>Goal</a:t>
-            </a:r>
-            <a:r>
-              <a:rPr lang="en-US"/>
-              <a:t>: assign each document a polarity label </a:t>
-            </a:r>
-            <a:r>
-              <a:rPr lang="de-DE" sz="2800" b="1">
-                <a:sym typeface="Symbol" panose="05050102010706020507" pitchFamily="18" charset="2"/>
-              </a:rPr>
-              <a:t></a:t>
-            </a:r>
-            <a:r>
-              <a:rPr lang="en-US"/>
-              <a:t> {positive, negative} </a:t>
-            </a:r>
-          </a:p>
-          <a:p>
-            <a:r>
-              <a:rPr lang="en-US"/>
-              <a:t>Used for</a:t>
-            </a:r>
-          </a:p>
-          <a:p>
-            <a:pPr lvl="1"/>
-            <a:r>
-              <a:rPr lang="en-US"/>
-              <a:t>Customer relationship management</a:t>
-            </a:r>
-          </a:p>
-          <a:p>
-            <a:pPr lvl="1"/>
-            <a:r>
-              <a:rPr lang="en-US"/>
-              <a:t>Social media analysis</a:t>
-            </a:r>
-            <a:br>
-              <a:rPr lang="en-US"/>
-            </a:br>
-            <a:endParaRPr lang="en-US"/>
-          </a:p>
-          <a:p>
-            <a:r>
-              <a:rPr lang="en-US" b="1"/>
-              <a:t>Supervised task</a:t>
-            </a:r>
-            <a:r>
-              <a:rPr lang="en-US"/>
-              <a:t>: requiring labeled training data (typically)</a:t>
-            </a:r>
-          </a:p>
-        </p:txBody>
-      </p:sp>
-      <p:sp>
-        <p:nvSpPr>
-          <p:cNvPr id="9" name="Speech Bubble: Rectangle 8">
-            <a:extLst>
-              <a:ext uri="{FF2B5EF4-FFF2-40B4-BE49-F238E27FC236}">
-                <a16:creationId xmlns:a16="http://schemas.microsoft.com/office/drawing/2014/main" id="{800A5755-83F5-47F4-9FAA-32E7ABD15784}"/>
+                <a16:creationId xmlns:a16="http://schemas.microsoft.com/office/drawing/2014/main" id="{688AABD9-3118-4C5C-9052-A2E83BD48140}"/>
               </a:ext>
             </a:extLst>
           </p:cNvPr>
@@ -11293,7 +11574,7 @@
         </p:nvSpPr>
         <p:spPr>
           <a:xfrm>
-            <a:off x="5905851" y="5972559"/>
+            <a:off x="5905850" y="4954585"/>
             <a:ext cx="5447950" cy="444501"/>
           </a:xfrm>
           <a:prstGeom prst="wedgeRectCallout">
@@ -11327,6 +11608,7 @@
           <a:bodyPr rtlCol="0" anchor="ctr"/>
           <a:lstStyle/>
           <a:p>
+            <a:pPr algn="r"/>
             <a:r>
               <a:rPr lang="de-DE" sz="2400" i="1">
                 <a:solidFill>
@@ -11345,49 +11627,10 @@
       </p:sp>
       <p:pic>
         <p:nvPicPr>
-          <p:cNvPr id="10" name="Graphic 9" descr="Back with solid fill">
+          <p:cNvPr id="16" name="Graphic 15" descr="Back with solid fill">
             <a:extLst>
               <a:ext uri="{FF2B5EF4-FFF2-40B4-BE49-F238E27FC236}">
-                <a16:creationId xmlns:a16="http://schemas.microsoft.com/office/drawing/2014/main" id="{CCF768D6-D7A7-43E1-9D2D-A44A19663213}"/>
-              </a:ext>
-            </a:extLst>
-          </p:cNvPr>
-          <p:cNvPicPr>
-            <a:picLocks noChangeAspect="1"/>
-          </p:cNvPicPr>
-          <p:nvPr/>
-        </p:nvPicPr>
-        <p:blipFill>
-          <a:blip r:embed="rId3">
-            <a:extLst>
-              <a:ext uri="{28A0092B-C50C-407E-A947-70E740481C1C}">
-                <a14:useLocalDpi xmlns:a14="http://schemas.microsoft.com/office/drawing/2010/main" val="0"/>
-              </a:ext>
-              <a:ext uri="{96DAC541-7B7A-43D3-8B79-37D633B846F1}">
-                <asvg:svgBlip xmlns:asvg="http://schemas.microsoft.com/office/drawing/2016/SVG/main" r:embed="rId4"/>
-              </a:ext>
-            </a:extLst>
-          </a:blip>
-          <a:stretch>
-            <a:fillRect/>
-          </a:stretch>
-        </p:blipFill>
-        <p:spPr>
-          <a:xfrm rot="5400000" flipH="1">
-            <a:off x="9586234" y="5161462"/>
-            <a:ext cx="791931" cy="763417"/>
-          </a:xfrm>
-          <a:prstGeom prst="rect">
-            <a:avLst/>
-          </a:prstGeom>
-        </p:spPr>
-      </p:pic>
-      <p:pic>
-        <p:nvPicPr>
-          <p:cNvPr id="11" name="Graphic 10" descr="Hourglass Full with solid fill">
-            <a:extLst>
-              <a:ext uri="{FF2B5EF4-FFF2-40B4-BE49-F238E27FC236}">
-                <a16:creationId xmlns:a16="http://schemas.microsoft.com/office/drawing/2014/main" id="{87A91CD3-6211-4D2F-A405-227BEBFFEB7F}"/>
+                <a16:creationId xmlns:a16="http://schemas.microsoft.com/office/drawing/2014/main" id="{8B973E6D-989A-4ED0-8733-83FE30E71508}"/>
               </a:ext>
             </a:extLst>
           </p:cNvPr>
@@ -11412,21 +11655,207 @@
           </a:stretch>
         </p:blipFill>
         <p:spPr>
-          <a:xfrm>
-            <a:off x="8014472" y="729842"/>
-            <a:ext cx="596128" cy="596128"/>
+          <a:xfrm flipH="1">
+            <a:off x="5215680" y="4819704"/>
+            <a:ext cx="880320" cy="896548"/>
           </a:xfrm>
           <a:prstGeom prst="rect">
             <a:avLst/>
           </a:prstGeom>
         </p:spPr>
       </p:pic>
-      <p:sp>
-        <p:nvSpPr>
-          <p:cNvPr id="12" name="Speech Bubble: Rectangle 11">
+    </p:spTree>
+    <p:extLst>
+      <p:ext uri="{BB962C8B-B14F-4D97-AF65-F5344CB8AC3E}">
+        <p14:creationId xmlns:p14="http://schemas.microsoft.com/office/powerpoint/2010/main" val="843909069"/>
+      </p:ext>
+    </p:extLst>
+  </p:cSld>
+  <p:clrMapOvr>
+    <a:masterClrMapping/>
+  </p:clrMapOvr>
+</p:sld>
+</file>
+
+<file path=ppt/slides/slide23.xml><?xml version="1.0" encoding="utf-8"?>
+<p:sld xmlns:a="http://schemas.openxmlformats.org/drawingml/2006/main" xmlns:r="http://schemas.openxmlformats.org/officeDocument/2006/relationships" xmlns:p="http://schemas.openxmlformats.org/presentationml/2006/main">
+  <p:cSld>
+    <p:spTree>
+      <p:nvGrpSpPr>
+        <p:cNvPr id="1" name=""/>
+        <p:cNvGrpSpPr/>
+        <p:nvPr/>
+      </p:nvGrpSpPr>
+      <p:grpSpPr>
+        <a:xfrm>
+          <a:off x="0" y="0"/>
+          <a:ext cx="0" cy="0"/>
+          <a:chOff x="0" y="0"/>
+          <a:chExt cx="0" cy="0"/>
+        </a:xfrm>
+      </p:grpSpPr>
+      <p:sp>
+        <p:nvSpPr>
+          <p:cNvPr id="4" name="Foliennummernplatzhalter 3"/>
+          <p:cNvSpPr>
+            <a:spLocks noGrp="1"/>
+          </p:cNvSpPr>
+          <p:nvPr>
+            <p:ph type="sldNum" sz="quarter" idx="12"/>
+          </p:nvPr>
+        </p:nvSpPr>
+        <p:spPr/>
+        <p:txBody>
+          <a:bodyPr/>
+          <a:lstStyle/>
+          <a:p>
+            <a:fld id="{C9E0B00B-E6DF-4183-A694-3DE28BEFB357}" type="slidenum">
+              <a:rPr lang="en-US" smtClean="0"/>
+              <a:t>23</a:t>
+            </a:fld>
+            <a:endParaRPr lang="en-US"/>
+          </a:p>
+        </p:txBody>
+      </p:sp>
+      <p:sp>
+        <p:nvSpPr>
+          <p:cNvPr id="9" name="Titel 1">
             <a:extLst>
               <a:ext uri="{FF2B5EF4-FFF2-40B4-BE49-F238E27FC236}">
-                <a16:creationId xmlns:a16="http://schemas.microsoft.com/office/drawing/2014/main" id="{8E190457-ADAF-4912-A874-76014FE2470D}"/>
+                <a16:creationId xmlns:a16="http://schemas.microsoft.com/office/drawing/2014/main" id="{7807725C-718A-4D77-AD01-05225CF68388}"/>
+              </a:ext>
+            </a:extLst>
+          </p:cNvPr>
+          <p:cNvSpPr>
+            <a:spLocks noGrp="1"/>
+          </p:cNvSpPr>
+          <p:nvPr>
+            <p:ph type="title"/>
+          </p:nvPr>
+        </p:nvSpPr>
+        <p:spPr>
+          <a:xfrm>
+            <a:off x="1066800" y="561524"/>
+            <a:ext cx="10287000" cy="1129164"/>
+          </a:xfrm>
+        </p:spPr>
+        <p:txBody>
+          <a:bodyPr/>
+          <a:lstStyle/>
+          <a:p>
+            <a:r>
+              <a:rPr lang="en-US"/>
+              <a:t>Task  </a:t>
+            </a:r>
+            <a:r>
+              <a:rPr lang="en-US" b="1"/>
+              <a:t>Topic-Specific Sentiment Analysis</a:t>
+            </a:r>
+          </a:p>
+        </p:txBody>
+      </p:sp>
+      <p:sp>
+        <p:nvSpPr>
+          <p:cNvPr id="10" name="Content Placeholder 2">
+            <a:extLst>
+              <a:ext uri="{FF2B5EF4-FFF2-40B4-BE49-F238E27FC236}">
+                <a16:creationId xmlns:a16="http://schemas.microsoft.com/office/drawing/2014/main" id="{67443131-1CA9-405F-8B23-66FD98AB33DC}"/>
+              </a:ext>
+            </a:extLst>
+          </p:cNvPr>
+          <p:cNvSpPr>
+            <a:spLocks noGrp="1"/>
+          </p:cNvSpPr>
+          <p:nvPr>
+            <p:ph idx="1"/>
+          </p:nvPr>
+        </p:nvSpPr>
+        <p:spPr>
+          <a:xfrm>
+            <a:off x="1066798" y="1990724"/>
+            <a:ext cx="10086977" cy="4867275"/>
+          </a:xfrm>
+        </p:spPr>
+        <p:txBody>
+          <a:bodyPr>
+            <a:normAutofit/>
+          </a:bodyPr>
+          <a:lstStyle/>
+          <a:p>
+            <a:r>
+              <a:rPr lang="de-DE" b="1"/>
+              <a:t>I</a:t>
+            </a:r>
+            <a:r>
+              <a:rPr lang="en-US" b="1"/>
+              <a:t>dea: </a:t>
+            </a:r>
+            <a:r>
+              <a:rPr lang="en-US"/>
+              <a:t>domain / topic dependence of sentiment predictors</a:t>
+            </a:r>
+            <a:br>
+              <a:rPr lang="en-US"/>
+            </a:br>
+            <a:br>
+              <a:rPr lang="en-US"/>
+            </a:br>
+            <a:br>
+              <a:rPr lang="en-US"/>
+            </a:br>
+            <a:br>
+              <a:rPr lang="en-US"/>
+            </a:br>
+            <a:br>
+              <a:rPr lang="en-US" b="1"/>
+            </a:br>
+            <a:r>
+              <a:rPr lang="en-US">
+                <a:sym typeface="Symbol" panose="05050102010706020507" pitchFamily="18" charset="2"/>
+              </a:rPr>
+              <a:t> C</a:t>
+            </a:r>
+            <a:r>
+              <a:rPr lang="en-US"/>
+              <a:t>ombine topic extraction and sentiment analysis</a:t>
+            </a:r>
+          </a:p>
+          <a:p>
+            <a:r>
+              <a:rPr lang="en-US"/>
+              <a:t>Implementation</a:t>
+            </a:r>
+          </a:p>
+          <a:p>
+            <a:pPr lvl="1"/>
+            <a:r>
+              <a:rPr lang="en-US" b="1"/>
+              <a:t>R</a:t>
+            </a:r>
+            <a:r>
+              <a:rPr lang="en-US"/>
+              <a:t>: word embeddings per topic</a:t>
+            </a:r>
+          </a:p>
+          <a:p>
+            <a:pPr lvl="1"/>
+            <a:r>
+              <a:rPr lang="en-US" b="1"/>
+              <a:t>BERT</a:t>
+            </a:r>
+            <a:r>
+              <a:rPr lang="en-US"/>
+              <a:t>: aspect-based sentiment analysis</a:t>
+            </a:r>
+          </a:p>
+        </p:txBody>
+      </p:sp>
+      <p:sp>
+        <p:nvSpPr>
+          <p:cNvPr id="13" name="Speech Bubble: Rectangle 12">
+            <a:extLst>
+              <a:ext uri="{FF2B5EF4-FFF2-40B4-BE49-F238E27FC236}">
+                <a16:creationId xmlns:a16="http://schemas.microsoft.com/office/drawing/2014/main" id="{1A21BA58-2DDA-4890-83BD-C9649E904926}"/>
               </a:ext>
             </a:extLst>
           </p:cNvPr>
@@ -11435,8 +11864,8 @@
         </p:nvSpPr>
         <p:spPr>
           <a:xfrm>
-            <a:off x="8610600" y="805655"/>
-            <a:ext cx="2743200" cy="444501"/>
+            <a:off x="5939405" y="2762250"/>
+            <a:ext cx="5414395" cy="902099"/>
           </a:xfrm>
           <a:prstGeom prst="wedgeRectCallout">
             <a:avLst>
@@ -11469,245 +11898,6 @@
           <a:bodyPr rtlCol="0" anchor="ctr"/>
           <a:lstStyle/>
           <a:p>
-            <a:r>
-              <a:rPr lang="de-DE" sz="2400" i="1">
-                <a:solidFill>
-                  <a:schemeClr val="tx1"/>
-                </a:solidFill>
-              </a:rPr>
-              <a:t>... more on this later</a:t>
-            </a:r>
-            <a:endParaRPr lang="en-US" sz="2400" i="1">
-              <a:solidFill>
-                <a:schemeClr val="tx1"/>
-              </a:solidFill>
-            </a:endParaRPr>
-          </a:p>
-        </p:txBody>
-      </p:sp>
-    </p:spTree>
-    <p:extLst>
-      <p:ext uri="{BB962C8B-B14F-4D97-AF65-F5344CB8AC3E}">
-        <p14:creationId xmlns:p14="http://schemas.microsoft.com/office/powerpoint/2010/main" val="4188763586"/>
-      </p:ext>
-    </p:extLst>
-  </p:cSld>
-  <p:clrMapOvr>
-    <a:masterClrMapping/>
-  </p:clrMapOvr>
-</p:sld>
-</file>
-
-<file path=ppt/slides/slide23.xml><?xml version="1.0" encoding="utf-8"?>
-<p:sld xmlns:a="http://schemas.openxmlformats.org/drawingml/2006/main" xmlns:r="http://schemas.openxmlformats.org/officeDocument/2006/relationships" xmlns:p="http://schemas.openxmlformats.org/presentationml/2006/main">
-  <p:cSld>
-    <p:spTree>
-      <p:nvGrpSpPr>
-        <p:cNvPr id="1" name=""/>
-        <p:cNvGrpSpPr/>
-        <p:nvPr/>
-      </p:nvGrpSpPr>
-      <p:grpSpPr>
-        <a:xfrm>
-          <a:off x="0" y="0"/>
-          <a:ext cx="0" cy="0"/>
-          <a:chOff x="0" y="0"/>
-          <a:chExt cx="0" cy="0"/>
-        </a:xfrm>
-      </p:grpSpPr>
-      <p:sp>
-        <p:nvSpPr>
-          <p:cNvPr id="2" name="Titel 1"/>
-          <p:cNvSpPr>
-            <a:spLocks noGrp="1"/>
-          </p:cNvSpPr>
-          <p:nvPr>
-            <p:ph type="title"/>
-          </p:nvPr>
-        </p:nvSpPr>
-        <p:spPr/>
-        <p:txBody>
-          <a:bodyPr/>
-          <a:lstStyle/>
-          <a:p>
-            <a:r>
-              <a:rPr lang="en-US"/>
-              <a:t>Task  </a:t>
-            </a:r>
-            <a:r>
-              <a:rPr lang="en-US" b="1"/>
-              <a:t>Topic-Specific Sentiment Analysis</a:t>
-            </a:r>
-          </a:p>
-        </p:txBody>
-      </p:sp>
-      <p:sp>
-        <p:nvSpPr>
-          <p:cNvPr id="4" name="Foliennummernplatzhalter 3"/>
-          <p:cNvSpPr>
-            <a:spLocks noGrp="1"/>
-          </p:cNvSpPr>
-          <p:nvPr>
-            <p:ph type="sldNum" sz="quarter" idx="12"/>
-          </p:nvPr>
-        </p:nvSpPr>
-        <p:spPr/>
-        <p:txBody>
-          <a:bodyPr/>
-          <a:lstStyle/>
-          <a:p>
-            <a:fld id="{C9E0B00B-E6DF-4183-A694-3DE28BEFB357}" type="slidenum">
-              <a:rPr lang="en-US" smtClean="0"/>
-              <a:t>23</a:t>
-            </a:fld>
-            <a:endParaRPr lang="en-US"/>
-          </a:p>
-        </p:txBody>
-      </p:sp>
-      <p:sp>
-        <p:nvSpPr>
-          <p:cNvPr id="6" name="Content Placeholder 2">
-            <a:extLst>
-              <a:ext uri="{FF2B5EF4-FFF2-40B4-BE49-F238E27FC236}">
-                <a16:creationId xmlns:a16="http://schemas.microsoft.com/office/drawing/2014/main" id="{A94D1516-4027-41AE-83CC-D641B09A50F9}"/>
-              </a:ext>
-            </a:extLst>
-          </p:cNvPr>
-          <p:cNvSpPr>
-            <a:spLocks noGrp="1"/>
-          </p:cNvSpPr>
-          <p:nvPr>
-            <p:ph idx="1"/>
-          </p:nvPr>
-        </p:nvSpPr>
-        <p:spPr>
-          <a:xfrm>
-            <a:off x="838200" y="1825625"/>
-            <a:ext cx="10515600" cy="4667250"/>
-          </a:xfrm>
-        </p:spPr>
-        <p:txBody>
-          <a:bodyPr>
-            <a:normAutofit/>
-          </a:bodyPr>
-          <a:lstStyle/>
-          <a:p>
-            <a:r>
-              <a:rPr lang="de-DE" b="1"/>
-              <a:t>I</a:t>
-            </a:r>
-            <a:r>
-              <a:rPr lang="en-US" b="1"/>
-              <a:t>dea: </a:t>
-            </a:r>
-            <a:r>
-              <a:rPr lang="en-US"/>
-              <a:t>domain / topic dependence of sentiment predictors</a:t>
-            </a:r>
-            <a:br>
-              <a:rPr lang="en-US"/>
-            </a:br>
-            <a:br>
-              <a:rPr lang="en-US"/>
-            </a:br>
-            <a:br>
-              <a:rPr lang="en-US"/>
-            </a:br>
-            <a:br>
-              <a:rPr lang="en-US"/>
-            </a:br>
-            <a:br>
-              <a:rPr lang="en-US" b="1"/>
-            </a:br>
-            <a:r>
-              <a:rPr lang="en-US">
-                <a:sym typeface="Symbol" panose="05050102010706020507" pitchFamily="18" charset="2"/>
-              </a:rPr>
-              <a:t> C</a:t>
-            </a:r>
-            <a:r>
-              <a:rPr lang="en-US"/>
-              <a:t>ombine topic extraction and sentiment analysis</a:t>
-            </a:r>
-          </a:p>
-          <a:p>
-            <a:r>
-              <a:rPr lang="en-US"/>
-              <a:t>Implementation</a:t>
-            </a:r>
-          </a:p>
-          <a:p>
-            <a:pPr lvl="1"/>
-            <a:r>
-              <a:rPr lang="en-US" b="1"/>
-              <a:t>R</a:t>
-            </a:r>
-            <a:r>
-              <a:rPr lang="en-US"/>
-              <a:t>: word embeddings per topic</a:t>
-            </a:r>
-          </a:p>
-          <a:p>
-            <a:pPr lvl="1"/>
-            <a:r>
-              <a:rPr lang="en-US" b="1"/>
-              <a:t>BERT</a:t>
-            </a:r>
-            <a:r>
-              <a:rPr lang="en-US"/>
-              <a:t>: aspect-based sentiment analysis</a:t>
-            </a:r>
-          </a:p>
-        </p:txBody>
-      </p:sp>
-      <p:sp>
-        <p:nvSpPr>
-          <p:cNvPr id="11" name="Speech Bubble: Rectangle 10">
-            <a:extLst>
-              <a:ext uri="{FF2B5EF4-FFF2-40B4-BE49-F238E27FC236}">
-                <a16:creationId xmlns:a16="http://schemas.microsoft.com/office/drawing/2014/main" id="{B074BBC4-7B78-41C7-838B-AB15D7265EA9}"/>
-              </a:ext>
-            </a:extLst>
-          </p:cNvPr>
-          <p:cNvSpPr/>
-          <p:nvPr/>
-        </p:nvSpPr>
-        <p:spPr>
-          <a:xfrm>
-            <a:off x="5939406" y="2793601"/>
-            <a:ext cx="5414395" cy="444501"/>
-          </a:xfrm>
-          <a:prstGeom prst="wedgeRectCallout">
-            <a:avLst>
-              <a:gd name="adj1" fmla="val -60500"/>
-              <a:gd name="adj2" fmla="val -7955"/>
-            </a:avLst>
-          </a:prstGeom>
-          <a:noFill/>
-          <a:ln>
-            <a:noFill/>
-          </a:ln>
-        </p:spPr>
-        <p:style>
-          <a:lnRef idx="2">
-            <a:schemeClr val="accent1">
-              <a:shade val="50000"/>
-            </a:schemeClr>
-          </a:lnRef>
-          <a:fillRef idx="1">
-            <a:schemeClr val="accent1"/>
-          </a:fillRef>
-          <a:effectRef idx="0">
-            <a:schemeClr val="accent1"/>
-          </a:effectRef>
-          <a:fontRef idx="minor">
-            <a:schemeClr val="lt1"/>
-          </a:fontRef>
-        </p:style>
-        <p:txBody>
-          <a:bodyPr rtlCol="0" anchor="ctr"/>
-          <a:lstStyle/>
-          <a:p>
             <a:pPr algn="r"/>
             <a:r>
               <a:rPr lang="de-DE" sz="2400" i="1">
@@ -11727,10 +11917,10 @@
       </p:sp>
       <p:pic>
         <p:nvPicPr>
-          <p:cNvPr id="12" name="Graphic 11" descr="Back with solid fill">
+          <p:cNvPr id="14" name="Graphic 13" descr="Back with solid fill">
             <a:extLst>
               <a:ext uri="{FF2B5EF4-FFF2-40B4-BE49-F238E27FC236}">
-                <a16:creationId xmlns:a16="http://schemas.microsoft.com/office/drawing/2014/main" id="{4F1342E7-5E66-4E4D-A0B4-6949BE999396}"/>
+                <a16:creationId xmlns:a16="http://schemas.microsoft.com/office/drawing/2014/main" id="{DEA23B65-54E9-4822-B3F7-3F66E67D72EC}"/>
               </a:ext>
             </a:extLst>
           </p:cNvPr>
@@ -11756,8 +11946,8 @@
         </p:blipFill>
         <p:spPr>
           <a:xfrm flipH="1" flipV="1">
-            <a:off x="5005608" y="2542703"/>
-            <a:ext cx="757629" cy="946296"/>
+            <a:off x="4848224" y="2511351"/>
+            <a:ext cx="915009" cy="1152997"/>
           </a:xfrm>
           <a:prstGeom prst="rect">
             <a:avLst/>
@@ -11766,10 +11956,10 @@
       </p:pic>
       <p:sp>
         <p:nvSpPr>
-          <p:cNvPr id="13" name="Speech Bubble: Rectangle 12">
+          <p:cNvPr id="15" name="Speech Bubble: Rectangle 14">
             <a:extLst>
               <a:ext uri="{FF2B5EF4-FFF2-40B4-BE49-F238E27FC236}">
-                <a16:creationId xmlns:a16="http://schemas.microsoft.com/office/drawing/2014/main" id="{90E4FF6C-34EC-48B6-849F-C44CCFC52591}"/>
+                <a16:creationId xmlns:a16="http://schemas.microsoft.com/office/drawing/2014/main" id="{09E991B9-909B-4B21-A01F-609C4E4FAE85}"/>
               </a:ext>
             </a:extLst>
           </p:cNvPr>
@@ -11778,7 +11968,7 @@
         </p:nvSpPr>
         <p:spPr>
           <a:xfrm>
-            <a:off x="4805491" y="5683249"/>
+            <a:off x="4805491" y="5851975"/>
             <a:ext cx="6548309" cy="444501"/>
           </a:xfrm>
           <a:prstGeom prst="wedgeRectCallout">
@@ -11831,10 +12021,10 @@
       </p:sp>
       <p:pic>
         <p:nvPicPr>
-          <p:cNvPr id="15" name="Graphic 14" descr="Back with solid fill">
+          <p:cNvPr id="18" name="Graphic 17" descr="Back with solid fill">
             <a:extLst>
               <a:ext uri="{FF2B5EF4-FFF2-40B4-BE49-F238E27FC236}">
-                <a16:creationId xmlns:a16="http://schemas.microsoft.com/office/drawing/2014/main" id="{1DEA1C68-8674-43D6-822A-292B608561CA}"/>
+                <a16:creationId xmlns:a16="http://schemas.microsoft.com/office/drawing/2014/main" id="{63885273-71CB-49F4-8CDF-30B72183A45C}"/>
               </a:ext>
             </a:extLst>
           </p:cNvPr>
@@ -11859,9 +12049,9 @@
           </a:stretch>
         </p:blipFill>
         <p:spPr>
-          <a:xfrm flipH="1" flipV="1">
-            <a:off x="4109384" y="5432351"/>
-            <a:ext cx="757629" cy="946296"/>
+          <a:xfrm rot="16200000" flipV="1">
+            <a:off x="7622140" y="4817972"/>
+            <a:ext cx="915009" cy="1152997"/>
           </a:xfrm>
           <a:prstGeom prst="rect">
             <a:avLst/>
@@ -11871,7 +12061,7 @@
     </p:spTree>
     <p:extLst>
       <p:ext uri="{BB962C8B-B14F-4D97-AF65-F5344CB8AC3E}">
-        <p14:creationId xmlns:p14="http://schemas.microsoft.com/office/powerpoint/2010/main" val="2664858773"/>
+        <p14:creationId xmlns:p14="http://schemas.microsoft.com/office/powerpoint/2010/main" val="4084812694"/>
       </p:ext>
     </p:extLst>
   </p:cSld>
@@ -11900,1083 +12090,1424 @@
       </p:grpSpPr>
       <p:sp>
         <p:nvSpPr>
-          <p:cNvPr id="28" name="Rectangle 27">
+          <p:cNvPr id="4" name="Foliennummernplatzhalter 3"/>
+          <p:cNvSpPr>
+            <a:spLocks noGrp="1"/>
+          </p:cNvSpPr>
+          <p:nvPr>
+            <p:ph type="sldNum" sz="quarter" idx="12"/>
+          </p:nvPr>
+        </p:nvSpPr>
+        <p:spPr/>
+        <p:txBody>
+          <a:bodyPr/>
+          <a:lstStyle/>
+          <a:p>
+            <a:fld id="{C9E0B00B-E6DF-4183-A694-3DE28BEFB357}" type="slidenum">
+              <a:rPr lang="en-US" smtClean="0"/>
+              <a:t>24</a:t>
+            </a:fld>
+            <a:endParaRPr lang="en-US"/>
+          </a:p>
+        </p:txBody>
+      </p:sp>
+      <p:sp>
+        <p:nvSpPr>
+          <p:cNvPr id="9" name="Titel 1">
             <a:extLst>
               <a:ext uri="{FF2B5EF4-FFF2-40B4-BE49-F238E27FC236}">
-                <a16:creationId xmlns:a16="http://schemas.microsoft.com/office/drawing/2014/main" id="{EC676462-E884-418B-B138-DC72B8360758}"/>
+                <a16:creationId xmlns:a16="http://schemas.microsoft.com/office/drawing/2014/main" id="{7807725C-718A-4D77-AD01-05225CF68388}"/>
               </a:ext>
             </a:extLst>
           </p:cNvPr>
-          <p:cNvSpPr/>
-          <p:nvPr/>
+          <p:cNvSpPr>
+            <a:spLocks noGrp="1"/>
+          </p:cNvSpPr>
+          <p:nvPr>
+            <p:ph type="title"/>
+          </p:nvPr>
         </p:nvSpPr>
         <p:spPr>
           <a:xfrm>
-            <a:off x="3857623" y="4587862"/>
-            <a:ext cx="914400" cy="688991"/>
+            <a:off x="1066800" y="561524"/>
+            <a:ext cx="10287000" cy="1129164"/>
           </a:xfrm>
-          <a:prstGeom prst="rect">
-            <a:avLst/>
-          </a:prstGeom>
-          <a:solidFill>
-            <a:srgbClr val="66CCFF"/>
-          </a:solidFill>
-          <a:ln>
+        </p:spPr>
+        <p:txBody>
+          <a:bodyPr/>
+          <a:lstStyle/>
+          <a:p>
+            <a:r>
+              <a:rPr lang="en-US"/>
+              <a:t>ML Pipeline  </a:t>
+            </a:r>
+            <a:r>
+              <a:rPr lang="en-US" b="1"/>
+              <a:t>Analytical Sequence</a:t>
+            </a:r>
+          </a:p>
+        </p:txBody>
+      </p:sp>
+      <p:grpSp>
+        <p:nvGrpSpPr>
+          <p:cNvPr id="5" name="Group 4">
+            <a:extLst>
+              <a:ext uri="{FF2B5EF4-FFF2-40B4-BE49-F238E27FC236}">
+                <a16:creationId xmlns:a16="http://schemas.microsoft.com/office/drawing/2014/main" id="{052205DE-A934-490D-8D27-258EE051A565}"/>
+              </a:ext>
+            </a:extLst>
+          </p:cNvPr>
+          <p:cNvGrpSpPr/>
+          <p:nvPr/>
+        </p:nvGrpSpPr>
+        <p:grpSpPr>
+          <a:xfrm>
+            <a:off x="1089868" y="2001663"/>
+            <a:ext cx="10355164" cy="724932"/>
+            <a:chOff x="1089868" y="2001663"/>
+            <a:chExt cx="10355164" cy="724932"/>
+          </a:xfrm>
+        </p:grpSpPr>
+        <p:sp>
+          <p:nvSpPr>
+            <p:cNvPr id="19" name="Rectangle 18">
+              <a:extLst>
+                <a:ext uri="{FF2B5EF4-FFF2-40B4-BE49-F238E27FC236}">
+                  <a16:creationId xmlns:a16="http://schemas.microsoft.com/office/drawing/2014/main" id="{AAD10036-B5D0-4C9A-BD96-B3ACAEC75C73}"/>
+                </a:ext>
+              </a:extLst>
+            </p:cNvPr>
+            <p:cNvSpPr/>
+            <p:nvPr/>
+          </p:nvSpPr>
+          <p:spPr>
+            <a:xfrm>
+              <a:off x="6534153" y="2006587"/>
+              <a:ext cx="914400" cy="720000"/>
+            </a:xfrm>
+            <a:prstGeom prst="rect">
+              <a:avLst/>
+            </a:prstGeom>
+            <a:solidFill>
+              <a:schemeClr val="bg2">
+                <a:lumMod val="90000"/>
+              </a:schemeClr>
+            </a:solidFill>
+            <a:ln>
+              <a:solidFill>
+                <a:schemeClr val="bg2">
+                  <a:lumMod val="90000"/>
+                </a:schemeClr>
+              </a:solidFill>
+            </a:ln>
+          </p:spPr>
+          <p:style>
+            <a:lnRef idx="2">
+              <a:schemeClr val="accent1">
+                <a:shade val="50000"/>
+              </a:schemeClr>
+            </a:lnRef>
+            <a:fillRef idx="1">
+              <a:schemeClr val="accent1"/>
+            </a:fillRef>
+            <a:effectRef idx="0">
+              <a:schemeClr val="accent1"/>
+            </a:effectRef>
+            <a:fontRef idx="minor">
+              <a:schemeClr val="lt1"/>
+            </a:fontRef>
+          </p:style>
+          <p:txBody>
+            <a:bodyPr rtlCol="0" anchor="ctr"/>
+            <a:lstStyle/>
+            <a:p>
+              <a:pPr algn="ctr"/>
+              <a:endParaRPr lang="en-US"/>
+            </a:p>
+          </p:txBody>
+        </p:sp>
+        <p:sp>
+          <p:nvSpPr>
+            <p:cNvPr id="20" name="Rectangle 19">
+              <a:extLst>
+                <a:ext uri="{FF2B5EF4-FFF2-40B4-BE49-F238E27FC236}">
+                  <a16:creationId xmlns:a16="http://schemas.microsoft.com/office/drawing/2014/main" id="{6C194CD2-1A2D-4416-92F5-9A86AD09170A}"/>
+                </a:ext>
+              </a:extLst>
+            </p:cNvPr>
+            <p:cNvSpPr/>
+            <p:nvPr/>
+          </p:nvSpPr>
+          <p:spPr>
+            <a:xfrm>
+              <a:off x="4171949" y="2006595"/>
+              <a:ext cx="914400" cy="720000"/>
+            </a:xfrm>
+            <a:prstGeom prst="rect">
+              <a:avLst/>
+            </a:prstGeom>
+            <a:solidFill>
+              <a:schemeClr val="bg2"/>
+            </a:solidFill>
+            <a:ln>
+              <a:solidFill>
+                <a:schemeClr val="bg2"/>
+              </a:solidFill>
+            </a:ln>
+          </p:spPr>
+          <p:style>
+            <a:lnRef idx="2">
+              <a:schemeClr val="accent1">
+                <a:shade val="50000"/>
+              </a:schemeClr>
+            </a:lnRef>
+            <a:fillRef idx="1">
+              <a:schemeClr val="accent1"/>
+            </a:fillRef>
+            <a:effectRef idx="0">
+              <a:schemeClr val="accent1"/>
+            </a:effectRef>
+            <a:fontRef idx="minor">
+              <a:schemeClr val="lt1"/>
+            </a:fontRef>
+          </p:style>
+          <p:txBody>
+            <a:bodyPr rtlCol="0" anchor="ctr"/>
+            <a:lstStyle/>
+            <a:p>
+              <a:pPr algn="ctr"/>
+              <a:endParaRPr lang="en-US"/>
+            </a:p>
+          </p:txBody>
+        </p:sp>
+        <p:sp>
+          <p:nvSpPr>
+            <p:cNvPr id="21" name="Rectangle 20">
+              <a:extLst>
+                <a:ext uri="{FF2B5EF4-FFF2-40B4-BE49-F238E27FC236}">
+                  <a16:creationId xmlns:a16="http://schemas.microsoft.com/office/drawing/2014/main" id="{E301D10B-B989-41E0-A971-03D11930FAF6}"/>
+                </a:ext>
+              </a:extLst>
+            </p:cNvPr>
+            <p:cNvSpPr/>
+            <p:nvPr/>
+          </p:nvSpPr>
+          <p:spPr>
+            <a:xfrm>
+              <a:off x="1740192" y="2006587"/>
+              <a:ext cx="1140902" cy="720000"/>
+            </a:xfrm>
+            <a:prstGeom prst="rect">
+              <a:avLst/>
+            </a:prstGeom>
+            <a:solidFill>
+              <a:schemeClr val="bg2">
+                <a:lumMod val="90000"/>
+              </a:schemeClr>
+            </a:solidFill>
+            <a:ln>
+              <a:solidFill>
+                <a:schemeClr val="bg2">
+                  <a:lumMod val="90000"/>
+                </a:schemeClr>
+              </a:solidFill>
+            </a:ln>
+          </p:spPr>
+          <p:style>
+            <a:lnRef idx="2">
+              <a:schemeClr val="accent1">
+                <a:shade val="50000"/>
+              </a:schemeClr>
+            </a:lnRef>
+            <a:fillRef idx="1">
+              <a:schemeClr val="accent1"/>
+            </a:fillRef>
+            <a:effectRef idx="0">
+              <a:schemeClr val="accent1"/>
+            </a:effectRef>
+            <a:fontRef idx="minor">
+              <a:schemeClr val="lt1"/>
+            </a:fontRef>
+          </p:style>
+          <p:txBody>
+            <a:bodyPr rtlCol="0" anchor="ctr"/>
+            <a:lstStyle/>
+            <a:p>
+              <a:pPr algn="ctr"/>
+              <a:endParaRPr lang="en-US"/>
+            </a:p>
+          </p:txBody>
+        </p:sp>
+        <p:sp>
+          <p:nvSpPr>
+            <p:cNvPr id="22" name="Arrow: Pentagon 21">
+              <a:extLst>
+                <a:ext uri="{FF2B5EF4-FFF2-40B4-BE49-F238E27FC236}">
+                  <a16:creationId xmlns:a16="http://schemas.microsoft.com/office/drawing/2014/main" id="{FFC63AFD-745E-4019-B589-4A1904550271}"/>
+                </a:ext>
+              </a:extLst>
+            </p:cNvPr>
+            <p:cNvSpPr/>
+            <p:nvPr/>
+          </p:nvSpPr>
+          <p:spPr>
+            <a:xfrm>
+              <a:off x="2881094" y="2006580"/>
+              <a:ext cx="1752032" cy="720000"/>
+            </a:xfrm>
+            <a:prstGeom prst="homePlate">
+              <a:avLst/>
+            </a:prstGeom>
+            <a:solidFill>
+              <a:schemeClr val="bg2">
+                <a:lumMod val="90000"/>
+              </a:schemeClr>
+            </a:solidFill>
+            <a:ln>
+              <a:solidFill>
+                <a:schemeClr val="bg2">
+                  <a:lumMod val="90000"/>
+                </a:schemeClr>
+              </a:solidFill>
+            </a:ln>
+          </p:spPr>
+          <p:style>
+            <a:lnRef idx="2">
+              <a:schemeClr val="accent1">
+                <a:shade val="50000"/>
+              </a:schemeClr>
+            </a:lnRef>
+            <a:fillRef idx="1">
+              <a:schemeClr val="accent1"/>
+            </a:fillRef>
+            <a:effectRef idx="0">
+              <a:schemeClr val="accent1"/>
+            </a:effectRef>
+            <a:fontRef idx="minor">
+              <a:schemeClr val="lt1"/>
+            </a:fontRef>
+          </p:style>
+          <p:txBody>
+            <a:bodyPr rtlCol="0" anchor="ctr"/>
+            <a:lstStyle/>
+            <a:p>
+              <a:pPr algn="ctr"/>
+              <a:r>
+                <a:rPr lang="de-DE" sz="2400">
+                  <a:solidFill>
+                    <a:schemeClr val="tx1"/>
+                  </a:solidFill>
+                </a:rPr>
+                <a:t>Labeling</a:t>
+              </a:r>
+              <a:endParaRPr lang="en-US" sz="2400">
+                <a:solidFill>
+                  <a:schemeClr val="tx1"/>
+                </a:solidFill>
+              </a:endParaRPr>
+            </a:p>
+          </p:txBody>
+        </p:sp>
+        <p:sp>
+          <p:nvSpPr>
+            <p:cNvPr id="23" name="Arrow: Pentagon 22">
+              <a:extLst>
+                <a:ext uri="{FF2B5EF4-FFF2-40B4-BE49-F238E27FC236}">
+                  <a16:creationId xmlns:a16="http://schemas.microsoft.com/office/drawing/2014/main" id="{DA5FF623-563D-44FC-BAFF-FC093D407ED1}"/>
+                </a:ext>
+              </a:extLst>
+            </p:cNvPr>
+            <p:cNvSpPr/>
+            <p:nvPr/>
+          </p:nvSpPr>
+          <p:spPr>
+            <a:xfrm>
+              <a:off x="1089868" y="2001663"/>
+              <a:ext cx="1752033" cy="720000"/>
+            </a:xfrm>
+            <a:prstGeom prst="homePlate">
+              <a:avLst/>
+            </a:prstGeom>
+            <a:solidFill>
+              <a:schemeClr val="bg2"/>
+            </a:solidFill>
+            <a:ln>
+              <a:solidFill>
+                <a:schemeClr val="bg2"/>
+              </a:solidFill>
+            </a:ln>
+          </p:spPr>
+          <p:style>
+            <a:lnRef idx="2">
+              <a:schemeClr val="accent1">
+                <a:shade val="50000"/>
+              </a:schemeClr>
+            </a:lnRef>
+            <a:fillRef idx="1">
+              <a:schemeClr val="accent1"/>
+            </a:fillRef>
+            <a:effectRef idx="0">
+              <a:schemeClr val="accent1"/>
+            </a:effectRef>
+            <a:fontRef idx="minor">
+              <a:schemeClr val="lt1"/>
+            </a:fontRef>
+          </p:style>
+          <p:txBody>
+            <a:bodyPr rtlCol="0" anchor="ctr"/>
+            <a:lstStyle/>
+            <a:p>
+              <a:pPr algn="ctr"/>
+              <a:r>
+                <a:rPr lang="de-DE" sz="2400">
+                  <a:solidFill>
+                    <a:schemeClr val="tx1"/>
+                  </a:solidFill>
+                </a:rPr>
+                <a:t>Scraping</a:t>
+              </a:r>
+              <a:endParaRPr lang="en-US" sz="2400">
+                <a:solidFill>
+                  <a:schemeClr val="tx1"/>
+                </a:solidFill>
+              </a:endParaRPr>
+            </a:p>
+          </p:txBody>
+        </p:sp>
+        <p:sp>
+          <p:nvSpPr>
+            <p:cNvPr id="24" name="Arrow: Pentagon 23">
+              <a:extLst>
+                <a:ext uri="{FF2B5EF4-FFF2-40B4-BE49-F238E27FC236}">
+                  <a16:creationId xmlns:a16="http://schemas.microsoft.com/office/drawing/2014/main" id="{8AC9D1DD-A96F-4607-BEEF-AE0696F653E9}"/>
+                </a:ext>
+              </a:extLst>
+            </p:cNvPr>
+            <p:cNvSpPr/>
+            <p:nvPr/>
+          </p:nvSpPr>
+          <p:spPr>
+            <a:xfrm>
+              <a:off x="4640660" y="2006591"/>
+              <a:ext cx="2453476" cy="720000"/>
+            </a:xfrm>
+            <a:prstGeom prst="homePlate">
+              <a:avLst/>
+            </a:prstGeom>
+            <a:solidFill>
+              <a:schemeClr val="bg2"/>
+            </a:solidFill>
+            <a:ln>
+              <a:solidFill>
+                <a:schemeClr val="bg2"/>
+              </a:solidFill>
+            </a:ln>
+          </p:spPr>
+          <p:style>
+            <a:lnRef idx="2">
+              <a:schemeClr val="accent1">
+                <a:shade val="50000"/>
+              </a:schemeClr>
+            </a:lnRef>
+            <a:fillRef idx="1">
+              <a:schemeClr val="accent1"/>
+            </a:fillRef>
+            <a:effectRef idx="0">
+              <a:schemeClr val="accent1"/>
+            </a:effectRef>
+            <a:fontRef idx="minor">
+              <a:schemeClr val="lt1"/>
+            </a:fontRef>
+          </p:style>
+          <p:txBody>
+            <a:bodyPr rtlCol="0" anchor="ctr"/>
+            <a:lstStyle/>
+            <a:p>
+              <a:pPr algn="ctr"/>
+              <a:r>
+                <a:rPr lang="de-DE" sz="2400">
+                  <a:solidFill>
+                    <a:schemeClr val="tx1"/>
+                  </a:solidFill>
+                </a:rPr>
+                <a:t>Data cleaning</a:t>
+              </a:r>
+              <a:endParaRPr lang="en-US" sz="2400">
+                <a:solidFill>
+                  <a:schemeClr val="tx1"/>
+                </a:solidFill>
+              </a:endParaRPr>
+            </a:p>
+          </p:txBody>
+        </p:sp>
+        <p:sp>
+          <p:nvSpPr>
+            <p:cNvPr id="25" name="Arrow: Pentagon 24">
+              <a:extLst>
+                <a:ext uri="{FF2B5EF4-FFF2-40B4-BE49-F238E27FC236}">
+                  <a16:creationId xmlns:a16="http://schemas.microsoft.com/office/drawing/2014/main" id="{9CD09314-F199-4434-B6D1-444963325AFF}"/>
+                </a:ext>
+              </a:extLst>
+            </p:cNvPr>
+            <p:cNvSpPr/>
+            <p:nvPr/>
+          </p:nvSpPr>
+          <p:spPr>
+            <a:xfrm>
+              <a:off x="7101670" y="2006587"/>
+              <a:ext cx="4343362" cy="720000"/>
+            </a:xfrm>
+            <a:prstGeom prst="homePlate">
+              <a:avLst>
+                <a:gd name="adj" fmla="val 50000"/>
+              </a:avLst>
+            </a:prstGeom>
+            <a:solidFill>
+              <a:schemeClr val="bg2">
+                <a:lumMod val="90000"/>
+              </a:schemeClr>
+            </a:solidFill>
+            <a:ln>
+              <a:solidFill>
+                <a:schemeClr val="bg2">
+                  <a:lumMod val="90000"/>
+                </a:schemeClr>
+              </a:solidFill>
+            </a:ln>
+          </p:spPr>
+          <p:style>
+            <a:lnRef idx="2">
+              <a:schemeClr val="accent1">
+                <a:shade val="50000"/>
+              </a:schemeClr>
+            </a:lnRef>
+            <a:fillRef idx="1">
+              <a:schemeClr val="accent1"/>
+            </a:fillRef>
+            <a:effectRef idx="0">
+              <a:schemeClr val="accent1"/>
+            </a:effectRef>
+            <a:fontRef idx="minor">
+              <a:schemeClr val="lt1"/>
+            </a:fontRef>
+          </p:style>
+          <p:txBody>
+            <a:bodyPr rtlCol="0" anchor="ctr"/>
+            <a:lstStyle/>
+            <a:p>
+              <a:pPr algn="ctr"/>
+              <a:r>
+                <a:rPr lang="de-DE" sz="2400">
+                  <a:solidFill>
+                    <a:schemeClr val="tx1"/>
+                  </a:solidFill>
+                </a:rPr>
+                <a:t>Extraction of Twitter tokens</a:t>
+              </a:r>
+              <a:endParaRPr lang="en-US" sz="2400">
+                <a:solidFill>
+                  <a:schemeClr val="tx1"/>
+                </a:solidFill>
+              </a:endParaRPr>
+            </a:p>
+          </p:txBody>
+        </p:sp>
+      </p:grpSp>
+      <p:grpSp>
+        <p:nvGrpSpPr>
+          <p:cNvPr id="7" name="Group 6">
+            <a:extLst>
+              <a:ext uri="{FF2B5EF4-FFF2-40B4-BE49-F238E27FC236}">
+                <a16:creationId xmlns:a16="http://schemas.microsoft.com/office/drawing/2014/main" id="{E72ECF7D-33A9-46FC-9907-D5266B3BF8EE}"/>
+              </a:ext>
+            </a:extLst>
+          </p:cNvPr>
+          <p:cNvGrpSpPr/>
+          <p:nvPr/>
+        </p:nvGrpSpPr>
+        <p:grpSpPr>
+          <a:xfrm>
+            <a:off x="719137" y="3702019"/>
+            <a:ext cx="10729912" cy="720016"/>
+            <a:chOff x="719137" y="3702019"/>
+            <a:chExt cx="10729912" cy="720016"/>
+          </a:xfrm>
+        </p:grpSpPr>
+        <p:sp>
+          <p:nvSpPr>
+            <p:cNvPr id="16" name="Rectangle 15">
+              <a:extLst>
+                <a:ext uri="{FF2B5EF4-FFF2-40B4-BE49-F238E27FC236}">
+                  <a16:creationId xmlns:a16="http://schemas.microsoft.com/office/drawing/2014/main" id="{7EE6729D-A891-4D19-906D-9BA93A1A9013}"/>
+                </a:ext>
+              </a:extLst>
+            </p:cNvPr>
+            <p:cNvSpPr/>
+            <p:nvPr/>
+          </p:nvSpPr>
+          <p:spPr>
+            <a:xfrm>
+              <a:off x="5172077" y="3702019"/>
+              <a:ext cx="1190621" cy="720000"/>
+            </a:xfrm>
+            <a:prstGeom prst="rect">
+              <a:avLst/>
+            </a:prstGeom>
+            <a:solidFill>
+              <a:schemeClr val="bg2">
+                <a:lumMod val="90000"/>
+              </a:schemeClr>
+            </a:solidFill>
+            <a:ln>
+              <a:solidFill>
+                <a:schemeClr val="bg2">
+                  <a:lumMod val="90000"/>
+                </a:schemeClr>
+              </a:solidFill>
+            </a:ln>
+          </p:spPr>
+          <p:style>
+            <a:lnRef idx="2">
+              <a:schemeClr val="accent1">
+                <a:shade val="50000"/>
+              </a:schemeClr>
+            </a:lnRef>
+            <a:fillRef idx="1">
+              <a:schemeClr val="accent1"/>
+            </a:fillRef>
+            <a:effectRef idx="0">
+              <a:schemeClr val="accent1"/>
+            </a:effectRef>
+            <a:fontRef idx="minor">
+              <a:schemeClr val="lt1"/>
+            </a:fontRef>
+          </p:style>
+          <p:txBody>
+            <a:bodyPr rtlCol="0" anchor="ctr"/>
+            <a:lstStyle/>
+            <a:p>
+              <a:pPr algn="ctr"/>
+              <a:endParaRPr lang="en-US"/>
+            </a:p>
+          </p:txBody>
+        </p:sp>
+        <p:sp>
+          <p:nvSpPr>
+            <p:cNvPr id="28" name="Arrow: Pentagon 27">
+              <a:extLst>
+                <a:ext uri="{FF2B5EF4-FFF2-40B4-BE49-F238E27FC236}">
+                  <a16:creationId xmlns:a16="http://schemas.microsoft.com/office/drawing/2014/main" id="{4F8C5411-4C2F-4FED-A650-8C77D9DC4660}"/>
+                </a:ext>
+              </a:extLst>
+            </p:cNvPr>
+            <p:cNvSpPr/>
+            <p:nvPr/>
+          </p:nvSpPr>
+          <p:spPr>
+            <a:xfrm>
+              <a:off x="1085850" y="3702035"/>
+              <a:ext cx="5181600" cy="720000"/>
+            </a:xfrm>
+            <a:prstGeom prst="homePlate">
+              <a:avLst/>
+            </a:prstGeom>
+            <a:solidFill>
+              <a:schemeClr val="bg2"/>
+            </a:solidFill>
+            <a:ln>
+              <a:solidFill>
+                <a:schemeClr val="bg2"/>
+              </a:solidFill>
+            </a:ln>
+          </p:spPr>
+          <p:style>
+            <a:lnRef idx="2">
+              <a:schemeClr val="accent1">
+                <a:shade val="50000"/>
+              </a:schemeClr>
+            </a:lnRef>
+            <a:fillRef idx="1">
+              <a:schemeClr val="accent1"/>
+            </a:fillRef>
+            <a:effectRef idx="0">
+              <a:schemeClr val="accent1"/>
+            </a:effectRef>
+            <a:fontRef idx="minor">
+              <a:schemeClr val="lt1"/>
+            </a:fontRef>
+          </p:style>
+          <p:txBody>
+            <a:bodyPr rtlCol="0" anchor="ctr"/>
+            <a:lstStyle/>
+            <a:p>
+              <a:pPr algn="ctr"/>
+              <a:r>
+                <a:rPr lang="de-DE" sz="2400">
+                  <a:solidFill>
+                    <a:schemeClr val="tx1"/>
+                  </a:solidFill>
+                </a:rPr>
+                <a:t>Extraction of unigrams</a:t>
+              </a:r>
+              <a:endParaRPr lang="en-US" sz="2400">
+                <a:solidFill>
+                  <a:schemeClr val="tx1"/>
+                </a:solidFill>
+              </a:endParaRPr>
+            </a:p>
+          </p:txBody>
+        </p:sp>
+        <p:sp>
+          <p:nvSpPr>
+            <p:cNvPr id="29" name="Arrow: Pentagon 28">
+              <a:extLst>
+                <a:ext uri="{FF2B5EF4-FFF2-40B4-BE49-F238E27FC236}">
+                  <a16:creationId xmlns:a16="http://schemas.microsoft.com/office/drawing/2014/main" id="{DB5FD5B5-4D14-4EA5-8316-0A44EBE3FCC1}"/>
+                </a:ext>
+              </a:extLst>
+            </p:cNvPr>
+            <p:cNvSpPr/>
+            <p:nvPr/>
+          </p:nvSpPr>
+          <p:spPr>
+            <a:xfrm>
+              <a:off x="6362699" y="3702035"/>
+              <a:ext cx="5086350" cy="720000"/>
+            </a:xfrm>
+            <a:prstGeom prst="homePlate">
+              <a:avLst>
+                <a:gd name="adj" fmla="val 50000"/>
+              </a:avLst>
+            </a:prstGeom>
+            <a:solidFill>
+              <a:schemeClr val="bg2">
+                <a:lumMod val="90000"/>
+              </a:schemeClr>
+            </a:solidFill>
+            <a:ln>
+              <a:solidFill>
+                <a:schemeClr val="bg2">
+                  <a:lumMod val="90000"/>
+                </a:schemeClr>
+              </a:solidFill>
+            </a:ln>
+          </p:spPr>
+          <p:style>
+            <a:lnRef idx="2">
+              <a:schemeClr val="accent1">
+                <a:shade val="50000"/>
+              </a:schemeClr>
+            </a:lnRef>
+            <a:fillRef idx="1">
+              <a:schemeClr val="accent1"/>
+            </a:fillRef>
+            <a:effectRef idx="0">
+              <a:schemeClr val="accent1"/>
+            </a:effectRef>
+            <a:fontRef idx="minor">
+              <a:schemeClr val="lt1"/>
+            </a:fontRef>
+          </p:style>
+          <p:txBody>
+            <a:bodyPr rtlCol="0" anchor="ctr"/>
+            <a:lstStyle/>
+            <a:p>
+              <a:pPr algn="ctr"/>
+              <a:r>
+                <a:rPr lang="de-DE" sz="2400">
+                  <a:solidFill>
+                    <a:schemeClr val="tx1"/>
+                  </a:solidFill>
+                </a:rPr>
+                <a:t>Extraction of POS tags</a:t>
+              </a:r>
+              <a:endParaRPr lang="en-US" sz="2400">
+                <a:solidFill>
+                  <a:schemeClr val="tx1"/>
+                </a:solidFill>
+              </a:endParaRPr>
+            </a:p>
+          </p:txBody>
+        </p:sp>
+        <p:sp>
+          <p:nvSpPr>
+            <p:cNvPr id="32" name="Arrow: Pentagon 31">
+              <a:extLst>
+                <a:ext uri="{FF2B5EF4-FFF2-40B4-BE49-F238E27FC236}">
+                  <a16:creationId xmlns:a16="http://schemas.microsoft.com/office/drawing/2014/main" id="{8C66AA1F-F8C9-47D5-9512-234793A201D3}"/>
+                </a:ext>
+              </a:extLst>
+            </p:cNvPr>
+            <p:cNvSpPr/>
+            <p:nvPr/>
+          </p:nvSpPr>
+          <p:spPr>
+            <a:xfrm>
+              <a:off x="719137" y="3702019"/>
+              <a:ext cx="733425" cy="720000"/>
+            </a:xfrm>
+            <a:prstGeom prst="homePlate">
+              <a:avLst/>
+            </a:prstGeom>
+            <a:solidFill>
+              <a:schemeClr val="bg1"/>
+            </a:solidFill>
+            <a:ln>
+              <a:solidFill>
+                <a:schemeClr val="bg1"/>
+              </a:solidFill>
+            </a:ln>
+          </p:spPr>
+          <p:style>
+            <a:lnRef idx="2">
+              <a:schemeClr val="accent1">
+                <a:shade val="50000"/>
+              </a:schemeClr>
+            </a:lnRef>
+            <a:fillRef idx="1">
+              <a:schemeClr val="accent1"/>
+            </a:fillRef>
+            <a:effectRef idx="0">
+              <a:schemeClr val="accent1"/>
+            </a:effectRef>
+            <a:fontRef idx="minor">
+              <a:schemeClr val="lt1"/>
+            </a:fontRef>
+          </p:style>
+          <p:txBody>
+            <a:bodyPr rtlCol="0" anchor="ctr"/>
+            <a:lstStyle/>
+            <a:p>
+              <a:pPr algn="ctr"/>
+              <a:endParaRPr lang="en-US"/>
+            </a:p>
+          </p:txBody>
+        </p:sp>
+      </p:grpSp>
+      <p:grpSp>
+        <p:nvGrpSpPr>
+          <p:cNvPr id="6" name="Group 5">
+            <a:extLst>
+              <a:ext uri="{FF2B5EF4-FFF2-40B4-BE49-F238E27FC236}">
+                <a16:creationId xmlns:a16="http://schemas.microsoft.com/office/drawing/2014/main" id="{EAE80EF5-51D7-4C81-A316-FDAD53A8EC3F}"/>
+              </a:ext>
+            </a:extLst>
+          </p:cNvPr>
+          <p:cNvGrpSpPr/>
+          <p:nvPr/>
+        </p:nvGrpSpPr>
+        <p:grpSpPr>
+          <a:xfrm>
+            <a:off x="1099635" y="2854250"/>
+            <a:ext cx="10814422" cy="720074"/>
+            <a:chOff x="1085850" y="2854250"/>
+            <a:chExt cx="10814422" cy="720074"/>
+          </a:xfrm>
+        </p:grpSpPr>
+        <p:sp>
+          <p:nvSpPr>
+            <p:cNvPr id="17" name="Rectangle 16">
+              <a:extLst>
+                <a:ext uri="{FF2B5EF4-FFF2-40B4-BE49-F238E27FC236}">
+                  <a16:creationId xmlns:a16="http://schemas.microsoft.com/office/drawing/2014/main" id="{39B88F07-BFD4-4A93-A0FB-463D40676F84}"/>
+                </a:ext>
+              </a:extLst>
+            </p:cNvPr>
+            <p:cNvSpPr/>
+            <p:nvPr/>
+          </p:nvSpPr>
+          <p:spPr>
+            <a:xfrm>
+              <a:off x="5629279" y="2854313"/>
+              <a:ext cx="914400" cy="720000"/>
+            </a:xfrm>
+            <a:prstGeom prst="rect">
+              <a:avLst/>
+            </a:prstGeom>
+            <a:solidFill>
+              <a:schemeClr val="bg2">
+                <a:lumMod val="90000"/>
+              </a:schemeClr>
+            </a:solidFill>
+            <a:ln>
+              <a:solidFill>
+                <a:schemeClr val="bg2">
+                  <a:lumMod val="90000"/>
+                </a:schemeClr>
+              </a:solidFill>
+            </a:ln>
+          </p:spPr>
+          <p:style>
+            <a:lnRef idx="2">
+              <a:schemeClr val="accent1">
+                <a:shade val="50000"/>
+              </a:schemeClr>
+            </a:lnRef>
+            <a:fillRef idx="1">
+              <a:schemeClr val="accent1"/>
+            </a:fillRef>
+            <a:effectRef idx="0">
+              <a:schemeClr val="accent1"/>
+            </a:effectRef>
+            <a:fontRef idx="minor">
+              <a:schemeClr val="lt1"/>
+            </a:fontRef>
+          </p:style>
+          <p:txBody>
+            <a:bodyPr rtlCol="0" anchor="ctr"/>
+            <a:lstStyle/>
+            <a:p>
+              <a:pPr algn="ctr"/>
+              <a:endParaRPr lang="en-US"/>
+            </a:p>
+          </p:txBody>
+        </p:sp>
+        <p:sp>
+          <p:nvSpPr>
+            <p:cNvPr id="26" name="Arrow: Pentagon 25">
+              <a:extLst>
+                <a:ext uri="{FF2B5EF4-FFF2-40B4-BE49-F238E27FC236}">
+                  <a16:creationId xmlns:a16="http://schemas.microsoft.com/office/drawing/2014/main" id="{45BA6309-1E55-4B09-8611-71DE3936D983}"/>
+                </a:ext>
+              </a:extLst>
+            </p:cNvPr>
+            <p:cNvSpPr/>
+            <p:nvPr/>
+          </p:nvSpPr>
+          <p:spPr>
+            <a:xfrm flipH="1">
+              <a:off x="5991222" y="2854324"/>
+              <a:ext cx="5453809" cy="720000"/>
+            </a:xfrm>
+            <a:prstGeom prst="homePlate">
+              <a:avLst/>
+            </a:prstGeom>
+            <a:solidFill>
+              <a:schemeClr val="bg2"/>
+            </a:solidFill>
+            <a:ln>
+              <a:solidFill>
+                <a:schemeClr val="bg2"/>
+              </a:solidFill>
+            </a:ln>
+          </p:spPr>
+          <p:style>
+            <a:lnRef idx="2">
+              <a:schemeClr val="accent1">
+                <a:shade val="50000"/>
+              </a:schemeClr>
+            </a:lnRef>
+            <a:fillRef idx="1">
+              <a:schemeClr val="accent1"/>
+            </a:fillRef>
+            <a:effectRef idx="0">
+              <a:schemeClr val="accent1"/>
+            </a:effectRef>
+            <a:fontRef idx="minor">
+              <a:schemeClr val="lt1"/>
+            </a:fontRef>
+          </p:style>
+          <p:txBody>
+            <a:bodyPr rtlCol="0" anchor="ctr"/>
+            <a:lstStyle/>
+            <a:p>
+              <a:pPr algn="ctr"/>
+              <a:r>
+                <a:rPr lang="de-DE" sz="2400">
+                  <a:solidFill>
+                    <a:schemeClr val="tx1"/>
+                  </a:solidFill>
+                </a:rPr>
+                <a:t>Extraction of dictionary features</a:t>
+              </a:r>
+              <a:endParaRPr lang="en-US" sz="2400">
+                <a:solidFill>
+                  <a:schemeClr val="tx1"/>
+                </a:solidFill>
+              </a:endParaRPr>
+            </a:p>
+          </p:txBody>
+        </p:sp>
+        <p:sp>
+          <p:nvSpPr>
+            <p:cNvPr id="27" name="Arrow: Pentagon 26">
+              <a:extLst>
+                <a:ext uri="{FF2B5EF4-FFF2-40B4-BE49-F238E27FC236}">
+                  <a16:creationId xmlns:a16="http://schemas.microsoft.com/office/drawing/2014/main" id="{168F4DF7-8626-43B7-ADF2-22B205E57185}"/>
+                </a:ext>
+              </a:extLst>
+            </p:cNvPr>
+            <p:cNvSpPr/>
+            <p:nvPr/>
+          </p:nvSpPr>
+          <p:spPr>
+            <a:xfrm flipH="1">
+              <a:off x="1085850" y="2854324"/>
+              <a:ext cx="4905373" cy="720000"/>
+            </a:xfrm>
+            <a:prstGeom prst="homePlate">
+              <a:avLst>
+                <a:gd name="adj" fmla="val 50000"/>
+              </a:avLst>
+            </a:prstGeom>
+            <a:solidFill>
+              <a:schemeClr val="bg2">
+                <a:lumMod val="90000"/>
+              </a:schemeClr>
+            </a:solidFill>
+            <a:ln>
+              <a:solidFill>
+                <a:schemeClr val="bg2">
+                  <a:lumMod val="90000"/>
+                </a:schemeClr>
+              </a:solidFill>
+            </a:ln>
+          </p:spPr>
+          <p:style>
+            <a:lnRef idx="2">
+              <a:schemeClr val="accent1">
+                <a:shade val="50000"/>
+              </a:schemeClr>
+            </a:lnRef>
+            <a:fillRef idx="1">
+              <a:schemeClr val="accent1"/>
+            </a:fillRef>
+            <a:effectRef idx="0">
+              <a:schemeClr val="accent1"/>
+            </a:effectRef>
+            <a:fontRef idx="minor">
+              <a:schemeClr val="lt1"/>
+            </a:fontRef>
+          </p:style>
+          <p:txBody>
+            <a:bodyPr rtlCol="0" anchor="ctr"/>
+            <a:lstStyle/>
+            <a:p>
+              <a:pPr algn="ctr"/>
+              <a:r>
+                <a:rPr lang="de-DE" sz="2400">
+                  <a:solidFill>
+                    <a:schemeClr val="tx1"/>
+                  </a:solidFill>
+                </a:rPr>
+                <a:t>Extraction of lexical features</a:t>
+              </a:r>
+              <a:endParaRPr lang="en-US" sz="2400">
+                <a:solidFill>
+                  <a:schemeClr val="tx1"/>
+                </a:solidFill>
+              </a:endParaRPr>
+            </a:p>
+          </p:txBody>
+        </p:sp>
+        <p:sp>
+          <p:nvSpPr>
+            <p:cNvPr id="33" name="Arrow: Pentagon 32">
+              <a:extLst>
+                <a:ext uri="{FF2B5EF4-FFF2-40B4-BE49-F238E27FC236}">
+                  <a16:creationId xmlns:a16="http://schemas.microsoft.com/office/drawing/2014/main" id="{CD69CD10-3922-491E-9E01-B1D934DD2EEF}"/>
+                </a:ext>
+              </a:extLst>
+            </p:cNvPr>
+            <p:cNvSpPr/>
+            <p:nvPr/>
+          </p:nvSpPr>
+          <p:spPr>
+            <a:xfrm flipH="1">
+              <a:off x="11123978" y="2854250"/>
+              <a:ext cx="776294" cy="720000"/>
+            </a:xfrm>
+            <a:prstGeom prst="homePlate">
+              <a:avLst/>
+            </a:prstGeom>
+            <a:solidFill>
+              <a:schemeClr val="bg1"/>
+            </a:solidFill>
+            <a:ln>
+              <a:solidFill>
+                <a:schemeClr val="bg1"/>
+              </a:solidFill>
+            </a:ln>
+          </p:spPr>
+          <p:style>
+            <a:lnRef idx="2">
+              <a:schemeClr val="accent1">
+                <a:shade val="50000"/>
+              </a:schemeClr>
+            </a:lnRef>
+            <a:fillRef idx="1">
+              <a:schemeClr val="accent1"/>
+            </a:fillRef>
+            <a:effectRef idx="0">
+              <a:schemeClr val="accent1"/>
+            </a:effectRef>
+            <a:fontRef idx="minor">
+              <a:schemeClr val="lt1"/>
+            </a:fontRef>
+          </p:style>
+          <p:txBody>
+            <a:bodyPr rtlCol="0" anchor="ctr"/>
+            <a:lstStyle/>
+            <a:p>
+              <a:pPr algn="ctr"/>
+              <a:endParaRPr lang="en-US"/>
+            </a:p>
+          </p:txBody>
+        </p:sp>
+      </p:grpSp>
+      <p:grpSp>
+        <p:nvGrpSpPr>
+          <p:cNvPr id="8" name="Group 7">
+            <a:extLst>
+              <a:ext uri="{FF2B5EF4-FFF2-40B4-BE49-F238E27FC236}">
+                <a16:creationId xmlns:a16="http://schemas.microsoft.com/office/drawing/2014/main" id="{B96386DA-F604-4995-BB1F-94FD94A5C166}"/>
+              </a:ext>
+            </a:extLst>
+          </p:cNvPr>
+          <p:cNvGrpSpPr/>
+          <p:nvPr/>
+        </p:nvGrpSpPr>
+        <p:grpSpPr>
+          <a:xfrm>
+            <a:off x="1099635" y="4549683"/>
+            <a:ext cx="10458444" cy="720017"/>
+            <a:chOff x="1085854" y="4549698"/>
+            <a:chExt cx="10458444" cy="720017"/>
+          </a:xfrm>
+        </p:grpSpPr>
+        <p:sp>
+          <p:nvSpPr>
+            <p:cNvPr id="11" name="Rectangle 10">
+              <a:extLst>
+                <a:ext uri="{FF2B5EF4-FFF2-40B4-BE49-F238E27FC236}">
+                  <a16:creationId xmlns:a16="http://schemas.microsoft.com/office/drawing/2014/main" id="{493A0A23-3FEC-4F31-AE41-8D2D71EF4A51}"/>
+                </a:ext>
+              </a:extLst>
+            </p:cNvPr>
+            <p:cNvSpPr/>
+            <p:nvPr/>
+          </p:nvSpPr>
+          <p:spPr>
+            <a:xfrm>
+              <a:off x="4105278" y="4549698"/>
+              <a:ext cx="914400" cy="720000"/>
+            </a:xfrm>
+            <a:prstGeom prst="rect">
+              <a:avLst/>
+            </a:prstGeom>
             <a:solidFill>
               <a:srgbClr val="66CCFF"/>
             </a:solidFill>
-          </a:ln>
-        </p:spPr>
-        <p:style>
-          <a:lnRef idx="2">
-            <a:schemeClr val="accent1">
-              <a:shade val="50000"/>
-            </a:schemeClr>
-          </a:lnRef>
-          <a:fillRef idx="1">
-            <a:schemeClr val="accent1"/>
-          </a:fillRef>
-          <a:effectRef idx="0">
-            <a:schemeClr val="accent1"/>
-          </a:effectRef>
-          <a:fontRef idx="minor">
-            <a:schemeClr val="lt1"/>
-          </a:fontRef>
-        </p:style>
-        <p:txBody>
-          <a:bodyPr rtlCol="0" anchor="ctr"/>
-          <a:lstStyle/>
-          <a:p>
-            <a:pPr algn="ctr"/>
-            <a:endParaRPr lang="en-US"/>
-          </a:p>
-        </p:txBody>
-      </p:sp>
-      <p:sp>
-        <p:nvSpPr>
-          <p:cNvPr id="27" name="Rectangle 26">
-            <a:extLst>
-              <a:ext uri="{FF2B5EF4-FFF2-40B4-BE49-F238E27FC236}">
-                <a16:creationId xmlns:a16="http://schemas.microsoft.com/office/drawing/2014/main" id="{DA780C91-2D58-472D-BFCD-6721A9557E7D}"/>
-              </a:ext>
-            </a:extLst>
-          </p:cNvPr>
-          <p:cNvSpPr/>
-          <p:nvPr/>
-        </p:nvSpPr>
-        <p:spPr>
-          <a:xfrm>
-            <a:off x="7505704" y="4587878"/>
-            <a:ext cx="914400" cy="688991"/>
-          </a:xfrm>
-          <a:prstGeom prst="rect">
-            <a:avLst/>
-          </a:prstGeom>
-          <a:solidFill>
-            <a:schemeClr val="tx1">
-              <a:lumMod val="75000"/>
-              <a:lumOff val="25000"/>
-            </a:schemeClr>
-          </a:solidFill>
-          <a:ln>
+            <a:ln>
+              <a:solidFill>
+                <a:srgbClr val="66CCFF"/>
+              </a:solidFill>
+            </a:ln>
+          </p:spPr>
+          <p:style>
+            <a:lnRef idx="2">
+              <a:schemeClr val="accent1">
+                <a:shade val="50000"/>
+              </a:schemeClr>
+            </a:lnRef>
+            <a:fillRef idx="1">
+              <a:schemeClr val="accent1"/>
+            </a:fillRef>
+            <a:effectRef idx="0">
+              <a:schemeClr val="accent1"/>
+            </a:effectRef>
+            <a:fontRef idx="minor">
+              <a:schemeClr val="lt1"/>
+            </a:fontRef>
+          </p:style>
+          <p:txBody>
+            <a:bodyPr rtlCol="0" anchor="ctr"/>
+            <a:lstStyle/>
+            <a:p>
+              <a:pPr algn="ctr"/>
+              <a:endParaRPr lang="en-US"/>
+            </a:p>
+          </p:txBody>
+        </p:sp>
+        <p:sp>
+          <p:nvSpPr>
+            <p:cNvPr id="12" name="Rectangle 11">
+              <a:extLst>
+                <a:ext uri="{FF2B5EF4-FFF2-40B4-BE49-F238E27FC236}">
+                  <a16:creationId xmlns:a16="http://schemas.microsoft.com/office/drawing/2014/main" id="{C0AB1223-5C23-4B03-BDE7-C4DC57007D12}"/>
+                </a:ext>
+              </a:extLst>
+            </p:cNvPr>
+            <p:cNvSpPr/>
+            <p:nvPr/>
+          </p:nvSpPr>
+          <p:spPr>
+            <a:xfrm>
+              <a:off x="7753359" y="4549714"/>
+              <a:ext cx="914400" cy="720000"/>
+            </a:xfrm>
+            <a:prstGeom prst="rect">
+              <a:avLst/>
+            </a:prstGeom>
             <a:solidFill>
               <a:schemeClr val="tx1">
                 <a:lumMod val="75000"/>
                 <a:lumOff val="25000"/>
               </a:schemeClr>
             </a:solidFill>
-          </a:ln>
-        </p:spPr>
-        <p:style>
-          <a:lnRef idx="2">
-            <a:schemeClr val="accent1">
-              <a:shade val="50000"/>
-            </a:schemeClr>
-          </a:lnRef>
-          <a:fillRef idx="1">
-            <a:schemeClr val="accent1"/>
-          </a:fillRef>
-          <a:effectRef idx="0">
-            <a:schemeClr val="accent1"/>
-          </a:effectRef>
-          <a:fontRef idx="minor">
-            <a:schemeClr val="lt1"/>
-          </a:fontRef>
-        </p:style>
-        <p:txBody>
-          <a:bodyPr rtlCol="0" anchor="ctr"/>
-          <a:lstStyle/>
-          <a:p>
-            <a:pPr algn="ctr"/>
-            <a:endParaRPr lang="en-US"/>
-          </a:p>
-        </p:txBody>
-      </p:sp>
-      <p:sp>
-        <p:nvSpPr>
-          <p:cNvPr id="26" name="Rectangle 25">
-            <a:extLst>
-              <a:ext uri="{FF2B5EF4-FFF2-40B4-BE49-F238E27FC236}">
-                <a16:creationId xmlns:a16="http://schemas.microsoft.com/office/drawing/2014/main" id="{9B8122BA-B5F5-4C7E-AE85-2175439231D0}"/>
-              </a:ext>
-            </a:extLst>
-          </p:cNvPr>
-          <p:cNvSpPr/>
-          <p:nvPr/>
-        </p:nvSpPr>
-        <p:spPr>
-          <a:xfrm>
-            <a:off x="5000628" y="3663936"/>
-            <a:ext cx="1190621" cy="688991"/>
-          </a:xfrm>
-          <a:prstGeom prst="rect">
-            <a:avLst/>
-          </a:prstGeom>
-          <a:solidFill>
-            <a:schemeClr val="bg2">
-              <a:lumMod val="90000"/>
-            </a:schemeClr>
-          </a:solidFill>
-          <a:ln>
-            <a:solidFill>
-              <a:schemeClr val="bg2">
-                <a:lumMod val="90000"/>
+            <a:ln>
+              <a:solidFill>
+                <a:schemeClr val="tx1">
+                  <a:lumMod val="75000"/>
+                  <a:lumOff val="25000"/>
+                </a:schemeClr>
+              </a:solidFill>
+            </a:ln>
+          </p:spPr>
+          <p:style>
+            <a:lnRef idx="2">
+              <a:schemeClr val="accent1">
+                <a:shade val="50000"/>
               </a:schemeClr>
-            </a:solidFill>
-          </a:ln>
-        </p:spPr>
-        <p:style>
-          <a:lnRef idx="2">
-            <a:schemeClr val="accent1">
-              <a:shade val="50000"/>
-            </a:schemeClr>
-          </a:lnRef>
-          <a:fillRef idx="1">
-            <a:schemeClr val="accent1"/>
-          </a:fillRef>
-          <a:effectRef idx="0">
-            <a:schemeClr val="accent1"/>
-          </a:effectRef>
-          <a:fontRef idx="minor">
-            <a:schemeClr val="lt1"/>
-          </a:fontRef>
-        </p:style>
-        <p:txBody>
-          <a:bodyPr rtlCol="0" anchor="ctr"/>
-          <a:lstStyle/>
-          <a:p>
-            <a:pPr algn="ctr"/>
-            <a:endParaRPr lang="en-US"/>
-          </a:p>
-        </p:txBody>
-      </p:sp>
-      <p:sp>
-        <p:nvSpPr>
-          <p:cNvPr id="25" name="Rectangle 24">
-            <a:extLst>
-              <a:ext uri="{FF2B5EF4-FFF2-40B4-BE49-F238E27FC236}">
-                <a16:creationId xmlns:a16="http://schemas.microsoft.com/office/drawing/2014/main" id="{A421889D-E0FF-423D-9949-EAD5CCBA3CA2}"/>
-              </a:ext>
-            </a:extLst>
-          </p:cNvPr>
-          <p:cNvSpPr/>
-          <p:nvPr/>
-        </p:nvSpPr>
-        <p:spPr>
-          <a:xfrm>
-            <a:off x="5457829" y="2740014"/>
-            <a:ext cx="914400" cy="688975"/>
-          </a:xfrm>
-          <a:prstGeom prst="rect">
-            <a:avLst/>
-          </a:prstGeom>
-          <a:solidFill>
-            <a:schemeClr val="bg2">
-              <a:lumMod val="90000"/>
-            </a:schemeClr>
-          </a:solidFill>
-          <a:ln>
-            <a:solidFill>
-              <a:schemeClr val="bg2">
-                <a:lumMod val="90000"/>
-              </a:schemeClr>
-            </a:solidFill>
-          </a:ln>
-        </p:spPr>
-        <p:style>
-          <a:lnRef idx="2">
-            <a:schemeClr val="accent1">
-              <a:shade val="50000"/>
-            </a:schemeClr>
-          </a:lnRef>
-          <a:fillRef idx="1">
-            <a:schemeClr val="accent1"/>
-          </a:fillRef>
-          <a:effectRef idx="0">
-            <a:schemeClr val="accent1"/>
-          </a:effectRef>
-          <a:fontRef idx="minor">
-            <a:schemeClr val="lt1"/>
-          </a:fontRef>
-        </p:style>
-        <p:txBody>
-          <a:bodyPr rtlCol="0" anchor="ctr"/>
-          <a:lstStyle/>
-          <a:p>
-            <a:pPr algn="ctr"/>
-            <a:endParaRPr lang="en-US"/>
-          </a:p>
-        </p:txBody>
-      </p:sp>
-      <p:sp>
-        <p:nvSpPr>
-          <p:cNvPr id="16" name="Rectangle 15">
-            <a:extLst>
-              <a:ext uri="{FF2B5EF4-FFF2-40B4-BE49-F238E27FC236}">
-                <a16:creationId xmlns:a16="http://schemas.microsoft.com/office/drawing/2014/main" id="{EABA202A-B580-4C29-A378-2F254FE1C7C1}"/>
-              </a:ext>
-            </a:extLst>
-          </p:cNvPr>
-          <p:cNvSpPr/>
-          <p:nvPr/>
-        </p:nvSpPr>
-        <p:spPr>
-          <a:xfrm>
-            <a:off x="6362703" y="1816088"/>
-            <a:ext cx="914400" cy="688975"/>
-          </a:xfrm>
-          <a:prstGeom prst="rect">
-            <a:avLst/>
-          </a:prstGeom>
-          <a:solidFill>
-            <a:schemeClr val="bg2">
-              <a:lumMod val="90000"/>
-            </a:schemeClr>
-          </a:solidFill>
-          <a:ln>
-            <a:solidFill>
-              <a:schemeClr val="bg2">
-                <a:lumMod val="90000"/>
-              </a:schemeClr>
-            </a:solidFill>
-          </a:ln>
-        </p:spPr>
-        <p:style>
-          <a:lnRef idx="2">
-            <a:schemeClr val="accent1">
-              <a:shade val="50000"/>
-            </a:schemeClr>
-          </a:lnRef>
-          <a:fillRef idx="1">
-            <a:schemeClr val="accent1"/>
-          </a:fillRef>
-          <a:effectRef idx="0">
-            <a:schemeClr val="accent1"/>
-          </a:effectRef>
-          <a:fontRef idx="minor">
-            <a:schemeClr val="lt1"/>
-          </a:fontRef>
-        </p:style>
-        <p:txBody>
-          <a:bodyPr rtlCol="0" anchor="ctr"/>
-          <a:lstStyle/>
-          <a:p>
-            <a:pPr algn="ctr"/>
-            <a:endParaRPr lang="en-US"/>
-          </a:p>
-        </p:txBody>
-      </p:sp>
-      <p:sp>
-        <p:nvSpPr>
-          <p:cNvPr id="15" name="Rectangle 14">
-            <a:extLst>
-              <a:ext uri="{FF2B5EF4-FFF2-40B4-BE49-F238E27FC236}">
-                <a16:creationId xmlns:a16="http://schemas.microsoft.com/office/drawing/2014/main" id="{A128F4DF-B5E5-45B4-BEF8-159D5AAC65C1}"/>
-              </a:ext>
-            </a:extLst>
-          </p:cNvPr>
-          <p:cNvSpPr/>
-          <p:nvPr/>
-        </p:nvSpPr>
-        <p:spPr>
-          <a:xfrm>
-            <a:off x="4000499" y="1816096"/>
-            <a:ext cx="914400" cy="688975"/>
-          </a:xfrm>
-          <a:prstGeom prst="rect">
-            <a:avLst/>
-          </a:prstGeom>
-          <a:solidFill>
-            <a:schemeClr val="bg2"/>
-          </a:solidFill>
-          <a:ln>
-            <a:solidFill>
-              <a:schemeClr val="bg2"/>
-            </a:solidFill>
-          </a:ln>
-        </p:spPr>
-        <p:style>
-          <a:lnRef idx="2">
-            <a:schemeClr val="accent1">
-              <a:shade val="50000"/>
-            </a:schemeClr>
-          </a:lnRef>
-          <a:fillRef idx="1">
-            <a:schemeClr val="accent1"/>
-          </a:fillRef>
-          <a:effectRef idx="0">
-            <a:schemeClr val="accent1"/>
-          </a:effectRef>
-          <a:fontRef idx="minor">
-            <a:schemeClr val="lt1"/>
-          </a:fontRef>
-        </p:style>
-        <p:txBody>
-          <a:bodyPr rtlCol="0" anchor="ctr"/>
-          <a:lstStyle/>
-          <a:p>
-            <a:pPr algn="ctr"/>
-            <a:endParaRPr lang="en-US"/>
-          </a:p>
-        </p:txBody>
-      </p:sp>
-      <p:sp>
-        <p:nvSpPr>
-          <p:cNvPr id="9" name="Rectangle 8">
-            <a:extLst>
-              <a:ext uri="{FF2B5EF4-FFF2-40B4-BE49-F238E27FC236}">
-                <a16:creationId xmlns:a16="http://schemas.microsoft.com/office/drawing/2014/main" id="{0F95CEE8-EE02-4E1B-BAA1-97B64003C5C2}"/>
-              </a:ext>
-            </a:extLst>
-          </p:cNvPr>
-          <p:cNvSpPr/>
-          <p:nvPr/>
-        </p:nvSpPr>
-        <p:spPr>
-          <a:xfrm>
-            <a:off x="1568742" y="1816088"/>
-            <a:ext cx="1140902" cy="688975"/>
-          </a:xfrm>
-          <a:prstGeom prst="rect">
-            <a:avLst/>
-          </a:prstGeom>
-          <a:solidFill>
-            <a:schemeClr val="bg2">
-              <a:lumMod val="90000"/>
-            </a:schemeClr>
-          </a:solidFill>
-          <a:ln>
-            <a:solidFill>
-              <a:schemeClr val="bg2">
-                <a:lumMod val="90000"/>
-              </a:schemeClr>
-            </a:solidFill>
-          </a:ln>
-        </p:spPr>
-        <p:style>
-          <a:lnRef idx="2">
-            <a:schemeClr val="accent1">
-              <a:shade val="50000"/>
-            </a:schemeClr>
-          </a:lnRef>
-          <a:fillRef idx="1">
-            <a:schemeClr val="accent1"/>
-          </a:fillRef>
-          <a:effectRef idx="0">
-            <a:schemeClr val="accent1"/>
-          </a:effectRef>
-          <a:fontRef idx="minor">
-            <a:schemeClr val="lt1"/>
-          </a:fontRef>
-        </p:style>
-        <p:txBody>
-          <a:bodyPr rtlCol="0" anchor="ctr"/>
-          <a:lstStyle/>
-          <a:p>
-            <a:pPr algn="ctr"/>
-            <a:endParaRPr lang="en-US"/>
-          </a:p>
-        </p:txBody>
-      </p:sp>
-      <p:sp>
-        <p:nvSpPr>
-          <p:cNvPr id="2" name="Titel 1"/>
-          <p:cNvSpPr>
-            <a:spLocks noGrp="1"/>
-          </p:cNvSpPr>
-          <p:nvPr>
-            <p:ph type="title"/>
-          </p:nvPr>
-        </p:nvSpPr>
-        <p:spPr/>
-        <p:txBody>
-          <a:bodyPr/>
-          <a:lstStyle/>
-          <a:p>
-            <a:r>
-              <a:rPr lang="en-US"/>
-              <a:t>ML Pipeline  </a:t>
-            </a:r>
-            <a:r>
-              <a:rPr lang="en-US" b="1"/>
-              <a:t>Analytical Sequence</a:t>
-            </a:r>
-          </a:p>
-        </p:txBody>
-      </p:sp>
-      <p:sp>
-        <p:nvSpPr>
-          <p:cNvPr id="4" name="Foliennummernplatzhalter 3"/>
-          <p:cNvSpPr>
-            <a:spLocks noGrp="1"/>
-          </p:cNvSpPr>
-          <p:nvPr>
-            <p:ph type="sldNum" sz="quarter" idx="12"/>
-          </p:nvPr>
-        </p:nvSpPr>
-        <p:spPr/>
-        <p:txBody>
-          <a:bodyPr/>
-          <a:lstStyle/>
-          <a:p>
-            <a:fld id="{C9E0B00B-E6DF-4183-A694-3DE28BEFB357}" type="slidenum">
-              <a:rPr lang="en-US" smtClean="0"/>
-              <a:t>24</a:t>
-            </a:fld>
-            <a:endParaRPr lang="en-US"/>
-          </a:p>
-        </p:txBody>
-      </p:sp>
-      <p:sp>
-        <p:nvSpPr>
-          <p:cNvPr id="8" name="Arrow: Pentagon 7">
-            <a:extLst>
-              <a:ext uri="{FF2B5EF4-FFF2-40B4-BE49-F238E27FC236}">
-                <a16:creationId xmlns:a16="http://schemas.microsoft.com/office/drawing/2014/main" id="{A13789D8-640D-4ECA-9F84-37E0F4375C22}"/>
-              </a:ext>
-            </a:extLst>
-          </p:cNvPr>
-          <p:cNvSpPr/>
-          <p:nvPr/>
-        </p:nvSpPr>
-        <p:spPr>
-          <a:xfrm>
-            <a:off x="2709644" y="1816080"/>
-            <a:ext cx="1752032" cy="688984"/>
-          </a:xfrm>
-          <a:prstGeom prst="homePlate">
-            <a:avLst/>
-          </a:prstGeom>
-          <a:solidFill>
-            <a:schemeClr val="bg2">
-              <a:lumMod val="90000"/>
-            </a:schemeClr>
-          </a:solidFill>
-          <a:ln>
-            <a:solidFill>
-              <a:schemeClr val="bg2">
-                <a:lumMod val="90000"/>
-              </a:schemeClr>
-            </a:solidFill>
-          </a:ln>
-        </p:spPr>
-        <p:style>
-          <a:lnRef idx="2">
-            <a:schemeClr val="accent1">
-              <a:shade val="50000"/>
-            </a:schemeClr>
-          </a:lnRef>
-          <a:fillRef idx="1">
-            <a:schemeClr val="accent1"/>
-          </a:fillRef>
-          <a:effectRef idx="0">
-            <a:schemeClr val="accent1"/>
-          </a:effectRef>
-          <a:fontRef idx="minor">
-            <a:schemeClr val="lt1"/>
-          </a:fontRef>
-        </p:style>
-        <p:txBody>
-          <a:bodyPr rtlCol="0" anchor="ctr"/>
-          <a:lstStyle/>
-          <a:p>
-            <a:pPr algn="ctr"/>
-            <a:r>
-              <a:rPr lang="de-DE" sz="2400">
-                <a:solidFill>
-                  <a:schemeClr val="tx1"/>
-                </a:solidFill>
-              </a:rPr>
-              <a:t>Labeling</a:t>
-            </a:r>
-            <a:endParaRPr lang="en-US" sz="2400">
-              <a:solidFill>
-                <a:schemeClr val="tx1"/>
-              </a:solidFill>
-            </a:endParaRPr>
-          </a:p>
-        </p:txBody>
-      </p:sp>
-      <p:sp>
-        <p:nvSpPr>
-          <p:cNvPr id="3" name="Arrow: Pentagon 2">
-            <a:extLst>
-              <a:ext uri="{FF2B5EF4-FFF2-40B4-BE49-F238E27FC236}">
-                <a16:creationId xmlns:a16="http://schemas.microsoft.com/office/drawing/2014/main" id="{0CEDA3B7-8ED1-4277-B579-AF3F9FC4820C}"/>
-              </a:ext>
-            </a:extLst>
-          </p:cNvPr>
-          <p:cNvSpPr/>
-          <p:nvPr/>
-        </p:nvSpPr>
-        <p:spPr>
-          <a:xfrm>
-            <a:off x="918418" y="1811164"/>
-            <a:ext cx="1752033" cy="688975"/>
-          </a:xfrm>
-          <a:prstGeom prst="homePlate">
-            <a:avLst/>
-          </a:prstGeom>
-          <a:solidFill>
-            <a:schemeClr val="bg2"/>
-          </a:solidFill>
-          <a:ln>
-            <a:solidFill>
-              <a:schemeClr val="bg2"/>
-            </a:solidFill>
-          </a:ln>
-        </p:spPr>
-        <p:style>
-          <a:lnRef idx="2">
-            <a:schemeClr val="accent1">
-              <a:shade val="50000"/>
-            </a:schemeClr>
-          </a:lnRef>
-          <a:fillRef idx="1">
-            <a:schemeClr val="accent1"/>
-          </a:fillRef>
-          <a:effectRef idx="0">
-            <a:schemeClr val="accent1"/>
-          </a:effectRef>
-          <a:fontRef idx="minor">
-            <a:schemeClr val="lt1"/>
-          </a:fontRef>
-        </p:style>
-        <p:txBody>
-          <a:bodyPr rtlCol="0" anchor="ctr"/>
-          <a:lstStyle/>
-          <a:p>
-            <a:pPr algn="ctr"/>
-            <a:r>
-              <a:rPr lang="de-DE" sz="2400">
-                <a:solidFill>
-                  <a:schemeClr val="tx1"/>
-                </a:solidFill>
-              </a:rPr>
-              <a:t>Scraping</a:t>
-            </a:r>
-            <a:endParaRPr lang="en-US" sz="2400">
-              <a:solidFill>
-                <a:schemeClr val="tx1"/>
-              </a:solidFill>
-            </a:endParaRPr>
-          </a:p>
-        </p:txBody>
-      </p:sp>
-      <p:sp>
-        <p:nvSpPr>
-          <p:cNvPr id="13" name="Arrow: Pentagon 12">
-            <a:extLst>
-              <a:ext uri="{FF2B5EF4-FFF2-40B4-BE49-F238E27FC236}">
-                <a16:creationId xmlns:a16="http://schemas.microsoft.com/office/drawing/2014/main" id="{74D2040C-22C6-4119-B529-D61112595CF5}"/>
-              </a:ext>
-            </a:extLst>
-          </p:cNvPr>
-          <p:cNvSpPr/>
-          <p:nvPr/>
-        </p:nvSpPr>
-        <p:spPr>
-          <a:xfrm>
-            <a:off x="4469210" y="1816092"/>
-            <a:ext cx="2453476" cy="688975"/>
-          </a:xfrm>
-          <a:prstGeom prst="homePlate">
-            <a:avLst/>
-          </a:prstGeom>
-          <a:solidFill>
-            <a:schemeClr val="bg2"/>
-          </a:solidFill>
-          <a:ln>
-            <a:solidFill>
-              <a:schemeClr val="bg2"/>
-            </a:solidFill>
-          </a:ln>
-        </p:spPr>
-        <p:style>
-          <a:lnRef idx="2">
-            <a:schemeClr val="accent1">
-              <a:shade val="50000"/>
-            </a:schemeClr>
-          </a:lnRef>
-          <a:fillRef idx="1">
-            <a:schemeClr val="accent1"/>
-          </a:fillRef>
-          <a:effectRef idx="0">
-            <a:schemeClr val="accent1"/>
-          </a:effectRef>
-          <a:fontRef idx="minor">
-            <a:schemeClr val="lt1"/>
-          </a:fontRef>
-        </p:style>
-        <p:txBody>
-          <a:bodyPr rtlCol="0" anchor="ctr"/>
-          <a:lstStyle/>
-          <a:p>
-            <a:pPr algn="ctr"/>
-            <a:r>
-              <a:rPr lang="de-DE" sz="2400">
-                <a:solidFill>
-                  <a:schemeClr val="tx1"/>
-                </a:solidFill>
-              </a:rPr>
-              <a:t>Data cleaning</a:t>
-            </a:r>
-            <a:endParaRPr lang="en-US" sz="2400">
-              <a:solidFill>
-                <a:schemeClr val="tx1"/>
-              </a:solidFill>
-            </a:endParaRPr>
-          </a:p>
-        </p:txBody>
-      </p:sp>
-      <p:sp>
-        <p:nvSpPr>
-          <p:cNvPr id="14" name="Arrow: Pentagon 13">
-            <a:extLst>
-              <a:ext uri="{FF2B5EF4-FFF2-40B4-BE49-F238E27FC236}">
-                <a16:creationId xmlns:a16="http://schemas.microsoft.com/office/drawing/2014/main" id="{8FA0677E-9132-44DD-8C0F-A67AF9D92C82}"/>
-              </a:ext>
-            </a:extLst>
-          </p:cNvPr>
-          <p:cNvSpPr/>
-          <p:nvPr/>
-        </p:nvSpPr>
-        <p:spPr>
-          <a:xfrm>
-            <a:off x="6930220" y="1816088"/>
-            <a:ext cx="4343362" cy="688975"/>
-          </a:xfrm>
-          <a:prstGeom prst="homePlate">
-            <a:avLst>
-              <a:gd name="adj" fmla="val 50000"/>
-            </a:avLst>
-          </a:prstGeom>
-          <a:solidFill>
-            <a:schemeClr val="bg2">
-              <a:lumMod val="90000"/>
-            </a:schemeClr>
-          </a:solidFill>
-          <a:ln>
-            <a:solidFill>
-              <a:schemeClr val="bg2">
-                <a:lumMod val="90000"/>
-              </a:schemeClr>
-            </a:solidFill>
-          </a:ln>
-        </p:spPr>
-        <p:style>
-          <a:lnRef idx="2">
-            <a:schemeClr val="accent1">
-              <a:shade val="50000"/>
-            </a:schemeClr>
-          </a:lnRef>
-          <a:fillRef idx="1">
-            <a:schemeClr val="accent1"/>
-          </a:fillRef>
-          <a:effectRef idx="0">
-            <a:schemeClr val="accent1"/>
-          </a:effectRef>
-          <a:fontRef idx="minor">
-            <a:schemeClr val="lt1"/>
-          </a:fontRef>
-        </p:style>
-        <p:txBody>
-          <a:bodyPr rtlCol="0" anchor="ctr"/>
-          <a:lstStyle/>
-          <a:p>
-            <a:pPr algn="ctr"/>
-            <a:r>
-              <a:rPr lang="de-DE" sz="2400">
-                <a:solidFill>
-                  <a:schemeClr val="tx1"/>
-                </a:solidFill>
-              </a:rPr>
-              <a:t>Extraction of Twitter tokens</a:t>
-            </a:r>
-            <a:endParaRPr lang="en-US" sz="2400">
-              <a:solidFill>
-                <a:schemeClr val="tx1"/>
-              </a:solidFill>
-            </a:endParaRPr>
-          </a:p>
-        </p:txBody>
-      </p:sp>
-      <p:sp>
-        <p:nvSpPr>
-          <p:cNvPr id="18" name="Arrow: Pentagon 17">
-            <a:extLst>
-              <a:ext uri="{FF2B5EF4-FFF2-40B4-BE49-F238E27FC236}">
-                <a16:creationId xmlns:a16="http://schemas.microsoft.com/office/drawing/2014/main" id="{9B8782EE-7E86-49B7-B11C-3526BF9FF789}"/>
-              </a:ext>
-            </a:extLst>
-          </p:cNvPr>
-          <p:cNvSpPr/>
-          <p:nvPr/>
-        </p:nvSpPr>
-        <p:spPr>
-          <a:xfrm flipH="1">
-            <a:off x="5819772" y="2740025"/>
-            <a:ext cx="5453809" cy="688975"/>
-          </a:xfrm>
-          <a:prstGeom prst="homePlate">
-            <a:avLst/>
-          </a:prstGeom>
-          <a:solidFill>
-            <a:schemeClr val="bg2"/>
-          </a:solidFill>
-          <a:ln>
-            <a:solidFill>
-              <a:schemeClr val="bg2"/>
-            </a:solidFill>
-          </a:ln>
-        </p:spPr>
-        <p:style>
-          <a:lnRef idx="2">
-            <a:schemeClr val="accent1">
-              <a:shade val="50000"/>
-            </a:schemeClr>
-          </a:lnRef>
-          <a:fillRef idx="1">
-            <a:schemeClr val="accent1"/>
-          </a:fillRef>
-          <a:effectRef idx="0">
-            <a:schemeClr val="accent1"/>
-          </a:effectRef>
-          <a:fontRef idx="minor">
-            <a:schemeClr val="lt1"/>
-          </a:fontRef>
-        </p:style>
-        <p:txBody>
-          <a:bodyPr rtlCol="0" anchor="ctr"/>
-          <a:lstStyle/>
-          <a:p>
-            <a:pPr algn="ctr"/>
-            <a:r>
-              <a:rPr lang="de-DE" sz="2400">
-                <a:solidFill>
-                  <a:schemeClr val="tx1"/>
-                </a:solidFill>
-              </a:rPr>
-              <a:t>Extraction of dictionary features</a:t>
-            </a:r>
-            <a:endParaRPr lang="en-US" sz="2400">
-              <a:solidFill>
-                <a:schemeClr val="tx1"/>
-              </a:solidFill>
-            </a:endParaRPr>
-          </a:p>
-        </p:txBody>
-      </p:sp>
-      <p:sp>
-        <p:nvSpPr>
-          <p:cNvPr id="19" name="Arrow: Pentagon 18">
-            <a:extLst>
-              <a:ext uri="{FF2B5EF4-FFF2-40B4-BE49-F238E27FC236}">
-                <a16:creationId xmlns:a16="http://schemas.microsoft.com/office/drawing/2014/main" id="{B86737F6-4B94-4A3C-B439-0DE898B6B123}"/>
-              </a:ext>
-            </a:extLst>
-          </p:cNvPr>
-          <p:cNvSpPr/>
-          <p:nvPr/>
-        </p:nvSpPr>
-        <p:spPr>
-          <a:xfrm flipH="1">
-            <a:off x="914400" y="2740025"/>
-            <a:ext cx="4905373" cy="688975"/>
-          </a:xfrm>
-          <a:prstGeom prst="homePlate">
-            <a:avLst>
-              <a:gd name="adj" fmla="val 50000"/>
-            </a:avLst>
-          </a:prstGeom>
-          <a:solidFill>
-            <a:schemeClr val="bg2">
-              <a:lumMod val="90000"/>
-            </a:schemeClr>
-          </a:solidFill>
-          <a:ln>
-            <a:solidFill>
-              <a:schemeClr val="bg2">
-                <a:lumMod val="90000"/>
-              </a:schemeClr>
-            </a:solidFill>
-          </a:ln>
-        </p:spPr>
-        <p:style>
-          <a:lnRef idx="2">
-            <a:schemeClr val="accent1">
-              <a:shade val="50000"/>
-            </a:schemeClr>
-          </a:lnRef>
-          <a:fillRef idx="1">
-            <a:schemeClr val="accent1"/>
-          </a:fillRef>
-          <a:effectRef idx="0">
-            <a:schemeClr val="accent1"/>
-          </a:effectRef>
-          <a:fontRef idx="minor">
-            <a:schemeClr val="lt1"/>
-          </a:fontRef>
-        </p:style>
-        <p:txBody>
-          <a:bodyPr rtlCol="0" anchor="ctr"/>
-          <a:lstStyle/>
-          <a:p>
-            <a:pPr algn="ctr"/>
-            <a:r>
-              <a:rPr lang="de-DE" sz="2400">
-                <a:solidFill>
-                  <a:schemeClr val="tx1"/>
-                </a:solidFill>
-              </a:rPr>
-              <a:t>Extraction of lexical features</a:t>
-            </a:r>
-            <a:endParaRPr lang="en-US" sz="2400">
-              <a:solidFill>
-                <a:schemeClr val="tx1"/>
-              </a:solidFill>
-            </a:endParaRPr>
-          </a:p>
-        </p:txBody>
-      </p:sp>
-      <p:sp>
-        <p:nvSpPr>
-          <p:cNvPr id="20" name="Arrow: Pentagon 19">
-            <a:extLst>
-              <a:ext uri="{FF2B5EF4-FFF2-40B4-BE49-F238E27FC236}">
-                <a16:creationId xmlns:a16="http://schemas.microsoft.com/office/drawing/2014/main" id="{F617F4DD-7991-4D35-9AE0-1004825FC332}"/>
-              </a:ext>
-            </a:extLst>
-          </p:cNvPr>
-          <p:cNvSpPr/>
-          <p:nvPr/>
-        </p:nvSpPr>
-        <p:spPr>
-          <a:xfrm>
-            <a:off x="914401" y="3663952"/>
-            <a:ext cx="5181600" cy="688975"/>
-          </a:xfrm>
-          <a:prstGeom prst="homePlate">
-            <a:avLst/>
-          </a:prstGeom>
-          <a:solidFill>
-            <a:schemeClr val="bg2"/>
-          </a:solidFill>
-          <a:ln>
-            <a:solidFill>
-              <a:schemeClr val="bg2"/>
-            </a:solidFill>
-          </a:ln>
-        </p:spPr>
-        <p:style>
-          <a:lnRef idx="2">
-            <a:schemeClr val="accent1">
-              <a:shade val="50000"/>
-            </a:schemeClr>
-          </a:lnRef>
-          <a:fillRef idx="1">
-            <a:schemeClr val="accent1"/>
-          </a:fillRef>
-          <a:effectRef idx="0">
-            <a:schemeClr val="accent1"/>
-          </a:effectRef>
-          <a:fontRef idx="minor">
-            <a:schemeClr val="lt1"/>
-          </a:fontRef>
-        </p:style>
-        <p:txBody>
-          <a:bodyPr rtlCol="0" anchor="ctr"/>
-          <a:lstStyle/>
-          <a:p>
-            <a:pPr algn="ctr"/>
-            <a:r>
-              <a:rPr lang="de-DE" sz="2400">
-                <a:solidFill>
-                  <a:schemeClr val="tx1"/>
-                </a:solidFill>
-              </a:rPr>
-              <a:t>Extraction of unigrams</a:t>
-            </a:r>
-            <a:endParaRPr lang="en-US" sz="2400">
-              <a:solidFill>
-                <a:schemeClr val="tx1"/>
-              </a:solidFill>
-            </a:endParaRPr>
-          </a:p>
-        </p:txBody>
-      </p:sp>
-      <p:sp>
-        <p:nvSpPr>
-          <p:cNvPr id="21" name="Arrow: Pentagon 20">
-            <a:extLst>
-              <a:ext uri="{FF2B5EF4-FFF2-40B4-BE49-F238E27FC236}">
-                <a16:creationId xmlns:a16="http://schemas.microsoft.com/office/drawing/2014/main" id="{7BEDA33B-677A-41BF-8435-4BE2AE41F9E5}"/>
-              </a:ext>
-            </a:extLst>
-          </p:cNvPr>
-          <p:cNvSpPr/>
-          <p:nvPr/>
-        </p:nvSpPr>
-        <p:spPr>
-          <a:xfrm>
-            <a:off x="6191250" y="3663952"/>
-            <a:ext cx="5086350" cy="688975"/>
-          </a:xfrm>
-          <a:prstGeom prst="homePlate">
-            <a:avLst>
-              <a:gd name="adj" fmla="val 50000"/>
-            </a:avLst>
-          </a:prstGeom>
-          <a:solidFill>
-            <a:schemeClr val="bg2">
-              <a:lumMod val="90000"/>
-            </a:schemeClr>
-          </a:solidFill>
-          <a:ln>
-            <a:solidFill>
-              <a:schemeClr val="bg2">
-                <a:lumMod val="90000"/>
-              </a:schemeClr>
-            </a:solidFill>
-          </a:ln>
-        </p:spPr>
-        <p:style>
-          <a:lnRef idx="2">
-            <a:schemeClr val="accent1">
-              <a:shade val="50000"/>
-            </a:schemeClr>
-          </a:lnRef>
-          <a:fillRef idx="1">
-            <a:schemeClr val="accent1"/>
-          </a:fillRef>
-          <a:effectRef idx="0">
-            <a:schemeClr val="accent1"/>
-          </a:effectRef>
-          <a:fontRef idx="minor">
-            <a:schemeClr val="lt1"/>
-          </a:fontRef>
-        </p:style>
-        <p:txBody>
-          <a:bodyPr rtlCol="0" anchor="ctr"/>
-          <a:lstStyle/>
-          <a:p>
-            <a:pPr algn="ctr"/>
-            <a:r>
-              <a:rPr lang="de-DE" sz="2400">
-                <a:solidFill>
-                  <a:schemeClr val="tx1"/>
-                </a:solidFill>
-              </a:rPr>
-              <a:t>Extraction of POS tags</a:t>
-            </a:r>
-            <a:endParaRPr lang="en-US" sz="2400">
-              <a:solidFill>
-                <a:schemeClr val="tx1"/>
-              </a:solidFill>
-            </a:endParaRPr>
-          </a:p>
-        </p:txBody>
-      </p:sp>
-      <p:sp>
-        <p:nvSpPr>
-          <p:cNvPr id="23" name="Arrow: Pentagon 22">
-            <a:extLst>
-              <a:ext uri="{FF2B5EF4-FFF2-40B4-BE49-F238E27FC236}">
-                <a16:creationId xmlns:a16="http://schemas.microsoft.com/office/drawing/2014/main" id="{D7A69B60-2D50-4436-BE5C-E4AA8FBC2069}"/>
-              </a:ext>
-            </a:extLst>
-          </p:cNvPr>
-          <p:cNvSpPr/>
-          <p:nvPr/>
-        </p:nvSpPr>
-        <p:spPr>
-          <a:xfrm flipH="1">
-            <a:off x="4200525" y="4587878"/>
-            <a:ext cx="3590922" cy="688975"/>
-          </a:xfrm>
-          <a:prstGeom prst="homePlate">
-            <a:avLst>
-              <a:gd name="adj" fmla="val 50000"/>
-            </a:avLst>
-          </a:prstGeom>
-          <a:solidFill>
-            <a:schemeClr val="tx1">
-              <a:lumMod val="75000"/>
-              <a:lumOff val="25000"/>
-            </a:schemeClr>
-          </a:solidFill>
-          <a:ln>
+            </a:lnRef>
+            <a:fillRef idx="1">
+              <a:schemeClr val="accent1"/>
+            </a:fillRef>
+            <a:effectRef idx="0">
+              <a:schemeClr val="accent1"/>
+            </a:effectRef>
+            <a:fontRef idx="minor">
+              <a:schemeClr val="lt1"/>
+            </a:fontRef>
+          </p:style>
+          <p:txBody>
+            <a:bodyPr rtlCol="0" anchor="ctr"/>
+            <a:lstStyle/>
+            <a:p>
+              <a:pPr algn="ctr"/>
+              <a:endParaRPr lang="en-US"/>
+            </a:p>
+          </p:txBody>
+        </p:sp>
+        <p:sp>
+          <p:nvSpPr>
+            <p:cNvPr id="30" name="Arrow: Pentagon 29">
+              <a:extLst>
+                <a:ext uri="{FF2B5EF4-FFF2-40B4-BE49-F238E27FC236}">
+                  <a16:creationId xmlns:a16="http://schemas.microsoft.com/office/drawing/2014/main" id="{AA0DA784-9F70-47D3-9F78-9CC35F170FD6}"/>
+                </a:ext>
+              </a:extLst>
+            </p:cNvPr>
+            <p:cNvSpPr/>
+            <p:nvPr/>
+          </p:nvSpPr>
+          <p:spPr>
+            <a:xfrm flipH="1">
+              <a:off x="4448180" y="4549714"/>
+              <a:ext cx="3590922" cy="720000"/>
+            </a:xfrm>
+            <a:prstGeom prst="homePlate">
+              <a:avLst>
+                <a:gd name="adj" fmla="val 50000"/>
+              </a:avLst>
+            </a:prstGeom>
             <a:solidFill>
               <a:schemeClr val="tx1">
                 <a:lumMod val="75000"/>
                 <a:lumOff val="25000"/>
               </a:schemeClr>
             </a:solidFill>
-          </a:ln>
-        </p:spPr>
-        <p:style>
-          <a:lnRef idx="2">
-            <a:schemeClr val="accent1">
-              <a:shade val="50000"/>
-            </a:schemeClr>
-          </a:lnRef>
-          <a:fillRef idx="1">
-            <a:schemeClr val="accent1"/>
-          </a:fillRef>
-          <a:effectRef idx="0">
-            <a:schemeClr val="accent1"/>
-          </a:effectRef>
-          <a:fontRef idx="minor">
-            <a:schemeClr val="lt1"/>
-          </a:fontRef>
-        </p:style>
-        <p:txBody>
-          <a:bodyPr rtlCol="0" anchor="ctr"/>
-          <a:lstStyle/>
-          <a:p>
-            <a:pPr algn="ctr"/>
-            <a:r>
-              <a:rPr lang="de-DE" sz="2400">
+            <a:ln>
+              <a:solidFill>
+                <a:schemeClr val="tx1">
+                  <a:lumMod val="75000"/>
+                  <a:lumOff val="25000"/>
+                </a:schemeClr>
+              </a:solidFill>
+            </a:ln>
+          </p:spPr>
+          <p:style>
+            <a:lnRef idx="2">
+              <a:schemeClr val="accent1">
+                <a:shade val="50000"/>
+              </a:schemeClr>
+            </a:lnRef>
+            <a:fillRef idx="1">
+              <a:schemeClr val="accent1"/>
+            </a:fillRef>
+            <a:effectRef idx="0">
+              <a:schemeClr val="accent1"/>
+            </a:effectRef>
+            <a:fontRef idx="minor">
+              <a:schemeClr val="lt1"/>
+            </a:fontRef>
+          </p:style>
+          <p:txBody>
+            <a:bodyPr rtlCol="0" anchor="ctr"/>
+            <a:lstStyle/>
+            <a:p>
+              <a:pPr algn="ctr"/>
+              <a:r>
+                <a:rPr lang="de-DE" sz="2400">
+                  <a:solidFill>
+                    <a:schemeClr val="bg1"/>
+                  </a:solidFill>
+                </a:rPr>
+                <a:t>Word embeddings</a:t>
+              </a:r>
+              <a:endParaRPr lang="en-US" sz="2400">
                 <a:solidFill>
                   <a:schemeClr val="bg1"/>
                 </a:solidFill>
-              </a:rPr>
-              <a:t>Word embeddings</a:t>
-            </a:r>
-            <a:endParaRPr lang="en-US" sz="2400">
+              </a:endParaRPr>
+            </a:p>
+          </p:txBody>
+        </p:sp>
+        <p:sp>
+          <p:nvSpPr>
+            <p:cNvPr id="31" name="Arrow: Pentagon 30">
+              <a:extLst>
+                <a:ext uri="{FF2B5EF4-FFF2-40B4-BE49-F238E27FC236}">
+                  <a16:creationId xmlns:a16="http://schemas.microsoft.com/office/drawing/2014/main" id="{472E70B5-EFE1-4931-B39E-6D9E6C84CA8B}"/>
+                </a:ext>
+              </a:extLst>
+            </p:cNvPr>
+            <p:cNvSpPr/>
+            <p:nvPr/>
+          </p:nvSpPr>
+          <p:spPr>
+            <a:xfrm flipH="1">
+              <a:off x="1085854" y="4549714"/>
+              <a:ext cx="3276603" cy="720000"/>
+            </a:xfrm>
+            <a:prstGeom prst="homePlate">
+              <a:avLst/>
+            </a:prstGeom>
+            <a:solidFill>
+              <a:srgbClr val="66CCFF"/>
+            </a:solidFill>
+            <a:ln>
               <a:solidFill>
-                <a:schemeClr val="bg1"/>
+                <a:srgbClr val="66CCFF"/>
               </a:solidFill>
-            </a:endParaRPr>
-          </a:p>
-        </p:txBody>
-      </p:sp>
-      <p:sp>
-        <p:nvSpPr>
-          <p:cNvPr id="24" name="Arrow: Pentagon 23">
+            </a:ln>
+          </p:spPr>
+          <p:style>
+            <a:lnRef idx="2">
+              <a:schemeClr val="accent1">
+                <a:shade val="50000"/>
+              </a:schemeClr>
+            </a:lnRef>
+            <a:fillRef idx="1">
+              <a:schemeClr val="accent1"/>
+            </a:fillRef>
+            <a:effectRef idx="0">
+              <a:schemeClr val="accent1"/>
+            </a:effectRef>
+            <a:fontRef idx="minor">
+              <a:schemeClr val="lt1"/>
+            </a:fontRef>
+          </p:style>
+          <p:txBody>
+            <a:bodyPr rtlCol="0" anchor="ctr"/>
+            <a:lstStyle/>
+            <a:p>
+              <a:pPr algn="ctr"/>
+              <a:r>
+                <a:rPr lang="de-DE" sz="2400" b="1">
+                  <a:solidFill>
+                    <a:schemeClr val="bg1"/>
+                  </a:solidFill>
+                </a:rPr>
+                <a:t>Sentiment analysis</a:t>
+              </a:r>
+              <a:endParaRPr lang="en-US" sz="2400" b="1">
+                <a:solidFill>
+                  <a:schemeClr val="bg1"/>
+                </a:solidFill>
+              </a:endParaRPr>
+            </a:p>
+          </p:txBody>
+        </p:sp>
+        <p:sp>
+          <p:nvSpPr>
+            <p:cNvPr id="34" name="Arrow: Pentagon 33">
+              <a:extLst>
+                <a:ext uri="{FF2B5EF4-FFF2-40B4-BE49-F238E27FC236}">
+                  <a16:creationId xmlns:a16="http://schemas.microsoft.com/office/drawing/2014/main" id="{A49C2862-BDE1-4735-9C57-5F47FBA0D2EB}"/>
+                </a:ext>
+              </a:extLst>
+            </p:cNvPr>
+            <p:cNvSpPr/>
+            <p:nvPr/>
+          </p:nvSpPr>
+          <p:spPr>
+            <a:xfrm flipH="1">
+              <a:off x="7953378" y="4549715"/>
+              <a:ext cx="3590920" cy="720000"/>
+            </a:xfrm>
+            <a:prstGeom prst="homePlate">
+              <a:avLst/>
+            </a:prstGeom>
+            <a:solidFill>
+              <a:schemeClr val="tx1">
+                <a:lumMod val="50000"/>
+                <a:lumOff val="50000"/>
+              </a:schemeClr>
+            </a:solidFill>
+            <a:ln>
+              <a:solidFill>
+                <a:schemeClr val="tx1">
+                  <a:lumMod val="50000"/>
+                  <a:lumOff val="50000"/>
+                </a:schemeClr>
+              </a:solidFill>
+            </a:ln>
+          </p:spPr>
+          <p:style>
+            <a:lnRef idx="2">
+              <a:schemeClr val="accent1">
+                <a:shade val="50000"/>
+              </a:schemeClr>
+            </a:lnRef>
+            <a:fillRef idx="1">
+              <a:schemeClr val="accent1"/>
+            </a:fillRef>
+            <a:effectRef idx="0">
+              <a:schemeClr val="accent1"/>
+            </a:effectRef>
+            <a:fontRef idx="minor">
+              <a:schemeClr val="lt1"/>
+            </a:fontRef>
+          </p:style>
+          <p:txBody>
+            <a:bodyPr rtlCol="0" anchor="ctr"/>
+            <a:lstStyle/>
+            <a:p>
+              <a:pPr algn="ctr"/>
+              <a:r>
+                <a:rPr lang="de-DE" sz="2400">
+                  <a:solidFill>
+                    <a:schemeClr val="bg1"/>
+                  </a:solidFill>
+                </a:rPr>
+                <a:t>Topic modeling</a:t>
+              </a:r>
+              <a:endParaRPr lang="en-US" sz="2400">
+                <a:solidFill>
+                  <a:schemeClr val="bg1"/>
+                </a:solidFill>
+              </a:endParaRPr>
+            </a:p>
+          </p:txBody>
+        </p:sp>
+      </p:grpSp>
+      <p:sp>
+        <p:nvSpPr>
+          <p:cNvPr id="35" name="Arrow: Pentagon 34">
             <a:extLst>
               <a:ext uri="{FF2B5EF4-FFF2-40B4-BE49-F238E27FC236}">
-                <a16:creationId xmlns:a16="http://schemas.microsoft.com/office/drawing/2014/main" id="{9AF661E3-0DB8-4DB7-8811-9FEC207D6B26}"/>
+                <a16:creationId xmlns:a16="http://schemas.microsoft.com/office/drawing/2014/main" id="{07C12E8E-0BDB-4F13-A6D0-FBB531D6E2E7}"/>
               </a:ext>
             </a:extLst>
           </p:cNvPr>
@@ -12985,74 +13516,8 @@
         </p:nvSpPr>
         <p:spPr>
           <a:xfrm flipH="1">
-            <a:off x="838199" y="4587878"/>
-            <a:ext cx="3276603" cy="688975"/>
-          </a:xfrm>
-          <a:prstGeom prst="homePlate">
-            <a:avLst/>
-          </a:prstGeom>
-          <a:solidFill>
-            <a:srgbClr val="66CCFF"/>
-          </a:solidFill>
-          <a:ln>
-            <a:solidFill>
-              <a:srgbClr val="66CCFF"/>
-            </a:solidFill>
-          </a:ln>
-        </p:spPr>
-        <p:style>
-          <a:lnRef idx="2">
-            <a:schemeClr val="accent1">
-              <a:shade val="50000"/>
-            </a:schemeClr>
-          </a:lnRef>
-          <a:fillRef idx="1">
-            <a:schemeClr val="accent1"/>
-          </a:fillRef>
-          <a:effectRef idx="0">
-            <a:schemeClr val="accent1"/>
-          </a:effectRef>
-          <a:fontRef idx="minor">
-            <a:schemeClr val="lt1"/>
-          </a:fontRef>
-        </p:style>
-        <p:txBody>
-          <a:bodyPr rtlCol="0" anchor="ctr"/>
-          <a:lstStyle/>
-          <a:p>
-            <a:pPr algn="ctr"/>
-            <a:r>
-              <a:rPr lang="de-DE" sz="2400" b="1">
-                <a:solidFill>
-                  <a:schemeClr val="bg1"/>
-                </a:solidFill>
-              </a:rPr>
-              <a:t>Sentiment analysis</a:t>
-            </a:r>
-            <a:endParaRPr lang="en-US" sz="2400" b="1">
-              <a:solidFill>
-                <a:schemeClr val="bg1"/>
-              </a:solidFill>
-            </a:endParaRPr>
-          </a:p>
-        </p:txBody>
-      </p:sp>
-      <p:sp>
-        <p:nvSpPr>
-          <p:cNvPr id="29" name="Arrow: Pentagon 28">
-            <a:extLst>
-              <a:ext uri="{FF2B5EF4-FFF2-40B4-BE49-F238E27FC236}">
-                <a16:creationId xmlns:a16="http://schemas.microsoft.com/office/drawing/2014/main" id="{DEBD3656-6FE8-4191-9561-2099C38329AE}"/>
-              </a:ext>
-            </a:extLst>
-          </p:cNvPr>
-          <p:cNvSpPr/>
-          <p:nvPr/>
-        </p:nvSpPr>
-        <p:spPr>
-          <a:xfrm>
-            <a:off x="547688" y="3663936"/>
-            <a:ext cx="733425" cy="688975"/>
+            <a:off x="11156071" y="4549683"/>
+            <a:ext cx="776294" cy="720000"/>
           </a:xfrm>
           <a:prstGeom prst="homePlate">
             <a:avLst/>
@@ -13093,10 +13558,10 @@
       </p:sp>
       <p:sp>
         <p:nvSpPr>
-          <p:cNvPr id="30" name="Arrow: Pentagon 29">
+          <p:cNvPr id="36" name="Speech Bubble: Rectangle 35">
             <a:extLst>
               <a:ext uri="{FF2B5EF4-FFF2-40B4-BE49-F238E27FC236}">
-                <a16:creationId xmlns:a16="http://schemas.microsoft.com/office/drawing/2014/main" id="{D708267C-8AFD-477D-A440-E60717EEA49D}"/>
+                <a16:creationId xmlns:a16="http://schemas.microsoft.com/office/drawing/2014/main" id="{D2D93D2B-8828-4304-AE76-5617A1264F42}"/>
               </a:ext>
             </a:extLst>
           </p:cNvPr>
@@ -13104,188 +13569,8 @@
           <p:nvPr/>
         </p:nvSpPr>
         <p:spPr>
-          <a:xfrm flipH="1">
-            <a:off x="10885435" y="2728377"/>
-            <a:ext cx="776294" cy="688975"/>
-          </a:xfrm>
-          <a:prstGeom prst="homePlate">
-            <a:avLst/>
-          </a:prstGeom>
-          <a:solidFill>
-            <a:schemeClr val="bg1"/>
-          </a:solidFill>
-          <a:ln>
-            <a:solidFill>
-              <a:schemeClr val="bg1"/>
-            </a:solidFill>
-          </a:ln>
-        </p:spPr>
-        <p:style>
-          <a:lnRef idx="2">
-            <a:schemeClr val="accent1">
-              <a:shade val="50000"/>
-            </a:schemeClr>
-          </a:lnRef>
-          <a:fillRef idx="1">
-            <a:schemeClr val="accent1"/>
-          </a:fillRef>
-          <a:effectRef idx="0">
-            <a:schemeClr val="accent1"/>
-          </a:effectRef>
-          <a:fontRef idx="minor">
-            <a:schemeClr val="lt1"/>
-          </a:fontRef>
-        </p:style>
-        <p:txBody>
-          <a:bodyPr rtlCol="0" anchor="ctr"/>
-          <a:lstStyle/>
-          <a:p>
-            <a:pPr algn="ctr"/>
-            <a:endParaRPr lang="en-US"/>
-          </a:p>
-        </p:txBody>
-      </p:sp>
-      <p:sp>
-        <p:nvSpPr>
-          <p:cNvPr id="22" name="Arrow: Pentagon 21">
-            <a:extLst>
-              <a:ext uri="{FF2B5EF4-FFF2-40B4-BE49-F238E27FC236}">
-                <a16:creationId xmlns:a16="http://schemas.microsoft.com/office/drawing/2014/main" id="{5E6B154F-CED0-4C46-BFAC-611B9DC3725B}"/>
-              </a:ext>
-            </a:extLst>
-          </p:cNvPr>
-          <p:cNvSpPr/>
-          <p:nvPr/>
-        </p:nvSpPr>
-        <p:spPr>
-          <a:xfrm flipH="1">
-            <a:off x="7705723" y="4587879"/>
-            <a:ext cx="3590920" cy="688975"/>
-          </a:xfrm>
-          <a:prstGeom prst="homePlate">
-            <a:avLst/>
-          </a:prstGeom>
-          <a:solidFill>
-            <a:schemeClr val="tx1">
-              <a:lumMod val="50000"/>
-              <a:lumOff val="50000"/>
-            </a:schemeClr>
-          </a:solidFill>
-          <a:ln>
-            <a:solidFill>
-              <a:schemeClr val="tx1">
-                <a:lumMod val="50000"/>
-                <a:lumOff val="50000"/>
-              </a:schemeClr>
-            </a:solidFill>
-          </a:ln>
-        </p:spPr>
-        <p:style>
-          <a:lnRef idx="2">
-            <a:schemeClr val="accent1">
-              <a:shade val="50000"/>
-            </a:schemeClr>
-          </a:lnRef>
-          <a:fillRef idx="1">
-            <a:schemeClr val="accent1"/>
-          </a:fillRef>
-          <a:effectRef idx="0">
-            <a:schemeClr val="accent1"/>
-          </a:effectRef>
-          <a:fontRef idx="minor">
-            <a:schemeClr val="lt1"/>
-          </a:fontRef>
-        </p:style>
-        <p:txBody>
-          <a:bodyPr rtlCol="0" anchor="ctr"/>
-          <a:lstStyle/>
-          <a:p>
-            <a:pPr algn="ctr"/>
-            <a:r>
-              <a:rPr lang="de-DE" sz="2400">
-                <a:solidFill>
-                  <a:schemeClr val="bg1"/>
-                </a:solidFill>
-              </a:rPr>
-              <a:t>Topic modeling</a:t>
-            </a:r>
-            <a:endParaRPr lang="en-US" sz="2400">
-              <a:solidFill>
-                <a:schemeClr val="bg1"/>
-              </a:solidFill>
-            </a:endParaRPr>
-          </a:p>
-        </p:txBody>
-      </p:sp>
-      <p:sp>
-        <p:nvSpPr>
-          <p:cNvPr id="31" name="Arrow: Pentagon 30">
-            <a:extLst>
-              <a:ext uri="{FF2B5EF4-FFF2-40B4-BE49-F238E27FC236}">
-                <a16:creationId xmlns:a16="http://schemas.microsoft.com/office/drawing/2014/main" id="{FAA2F764-CAC1-4677-B823-74456770D4F9}"/>
-              </a:ext>
-            </a:extLst>
-          </p:cNvPr>
-          <p:cNvSpPr/>
-          <p:nvPr/>
-        </p:nvSpPr>
-        <p:spPr>
-          <a:xfrm flipH="1">
-            <a:off x="10881862" y="4587869"/>
-            <a:ext cx="776294" cy="688975"/>
-          </a:xfrm>
-          <a:prstGeom prst="homePlate">
-            <a:avLst/>
-          </a:prstGeom>
-          <a:solidFill>
-            <a:schemeClr val="bg1"/>
-          </a:solidFill>
-          <a:ln>
-            <a:solidFill>
-              <a:schemeClr val="bg1"/>
-            </a:solidFill>
-          </a:ln>
-        </p:spPr>
-        <p:style>
-          <a:lnRef idx="2">
-            <a:schemeClr val="accent1">
-              <a:shade val="50000"/>
-            </a:schemeClr>
-          </a:lnRef>
-          <a:fillRef idx="1">
-            <a:schemeClr val="accent1"/>
-          </a:fillRef>
-          <a:effectRef idx="0">
-            <a:schemeClr val="accent1"/>
-          </a:effectRef>
-          <a:fontRef idx="minor">
-            <a:schemeClr val="lt1"/>
-          </a:fontRef>
-        </p:style>
-        <p:txBody>
-          <a:bodyPr rtlCol="0" anchor="ctr"/>
-          <a:lstStyle/>
-          <a:p>
-            <a:pPr algn="ctr"/>
-            <a:endParaRPr lang="en-US"/>
-          </a:p>
-        </p:txBody>
-      </p:sp>
-      <p:sp>
-        <p:nvSpPr>
-          <p:cNvPr id="32" name="Speech Bubble: Rectangle 31">
-            <a:extLst>
-              <a:ext uri="{FF2B5EF4-FFF2-40B4-BE49-F238E27FC236}">
-                <a16:creationId xmlns:a16="http://schemas.microsoft.com/office/drawing/2014/main" id="{2D1F3FB6-30A1-4894-8BEE-E98BE387B3B7}"/>
-              </a:ext>
-            </a:extLst>
-          </p:cNvPr>
-          <p:cNvSpPr/>
-          <p:nvPr/>
-        </p:nvSpPr>
-        <p:spPr>
           <a:xfrm>
-            <a:off x="6680195" y="5991230"/>
+            <a:off x="6960767" y="5804590"/>
             <a:ext cx="2381247" cy="444501"/>
           </a:xfrm>
           <a:prstGeom prst="wedgeRectCallout">
@@ -13338,10 +13623,10 @@
       </p:sp>
       <p:sp>
         <p:nvSpPr>
-          <p:cNvPr id="5" name="Right Brace 4">
+          <p:cNvPr id="37" name="Right Brace 36">
             <a:extLst>
               <a:ext uri="{FF2B5EF4-FFF2-40B4-BE49-F238E27FC236}">
-                <a16:creationId xmlns:a16="http://schemas.microsoft.com/office/drawing/2014/main" id="{98E63ADC-7867-4402-A93D-591AA2D426C1}"/>
+                <a16:creationId xmlns:a16="http://schemas.microsoft.com/office/drawing/2014/main" id="{8615D22F-21EB-429A-B7E7-BDBDBF12B720}"/>
               </a:ext>
             </a:extLst>
           </p:cNvPr>
@@ -13350,8 +13635,8 @@
         </p:nvSpPr>
         <p:spPr>
           <a:xfrm rot="5400000">
-            <a:off x="7667692" y="2305771"/>
-            <a:ext cx="403890" cy="6815924"/>
+            <a:off x="8035713" y="2288012"/>
+            <a:ext cx="231356" cy="6587281"/>
           </a:xfrm>
           <a:prstGeom prst="rightBrace">
             <a:avLst/>
@@ -13392,7 +13677,7 @@
     </p:spTree>
     <p:extLst>
       <p:ext uri="{BB962C8B-B14F-4D97-AF65-F5344CB8AC3E}">
-        <p14:creationId xmlns:p14="http://schemas.microsoft.com/office/powerpoint/2010/main" val="4154784858"/>
+        <p14:creationId xmlns:p14="http://schemas.microsoft.com/office/powerpoint/2010/main" val="643188257"/>
       </p:ext>
     </p:extLst>
   </p:cSld>
@@ -13421,32 +13706,6 @@
       </p:grpSpPr>
       <p:sp>
         <p:nvSpPr>
-          <p:cNvPr id="2" name="Titel 1"/>
-          <p:cNvSpPr>
-            <a:spLocks noGrp="1"/>
-          </p:cNvSpPr>
-          <p:nvPr>
-            <p:ph type="title"/>
-          </p:nvPr>
-        </p:nvSpPr>
-        <p:spPr/>
-        <p:txBody>
-          <a:bodyPr/>
-          <a:lstStyle/>
-          <a:p>
-            <a:r>
-              <a:rPr lang="en-US"/>
-              <a:t>ML Pipeline  </a:t>
-            </a:r>
-            <a:r>
-              <a:rPr lang="en-US" b="1"/>
-              <a:t>Static vs Dynamic features</a:t>
-            </a:r>
-          </a:p>
-        </p:txBody>
-      </p:sp>
-      <p:sp>
-        <p:nvSpPr>
           <p:cNvPr id="4" name="Foliennummernplatzhalter 3"/>
           <p:cNvSpPr>
             <a:spLocks noGrp="1"/>
@@ -13470,10 +13729,10 @@
       </p:sp>
       <p:sp>
         <p:nvSpPr>
-          <p:cNvPr id="5" name="Content Placeholder 2">
+          <p:cNvPr id="9" name="Titel 1">
             <a:extLst>
               <a:ext uri="{FF2B5EF4-FFF2-40B4-BE49-F238E27FC236}">
-                <a16:creationId xmlns:a16="http://schemas.microsoft.com/office/drawing/2014/main" id="{2103F23C-B021-4F14-8084-0CDDB4205028}"/>
+                <a16:creationId xmlns:a16="http://schemas.microsoft.com/office/drawing/2014/main" id="{7807725C-718A-4D77-AD01-05225CF68388}"/>
               </a:ext>
             </a:extLst>
           </p:cNvPr>
@@ -13481,17 +13740,56 @@
             <a:spLocks noGrp="1"/>
           </p:cNvSpPr>
           <p:nvPr>
-            <p:ph idx="1"/>
+            <p:ph type="title"/>
           </p:nvPr>
         </p:nvSpPr>
         <p:spPr>
           <a:xfrm>
-            <a:off x="838200" y="1825625"/>
-            <a:ext cx="10515600" cy="4667250"/>
+            <a:off x="1066800" y="561524"/>
+            <a:ext cx="10287000" cy="1129164"/>
           </a:xfrm>
         </p:spPr>
         <p:txBody>
           <a:bodyPr/>
+          <a:lstStyle/>
+          <a:p>
+            <a:r>
+              <a:rPr lang="en-US"/>
+              <a:t>ML Pipeline  </a:t>
+            </a:r>
+            <a:r>
+              <a:rPr lang="en-US" b="1"/>
+              <a:t>Static vs Dynamic features</a:t>
+            </a:r>
+          </a:p>
+        </p:txBody>
+      </p:sp>
+      <p:sp>
+        <p:nvSpPr>
+          <p:cNvPr id="10" name="Content Placeholder 2">
+            <a:extLst>
+              <a:ext uri="{FF2B5EF4-FFF2-40B4-BE49-F238E27FC236}">
+                <a16:creationId xmlns:a16="http://schemas.microsoft.com/office/drawing/2014/main" id="{67443131-1CA9-405F-8B23-66FD98AB33DC}"/>
+              </a:ext>
+            </a:extLst>
+          </p:cNvPr>
+          <p:cNvSpPr>
+            <a:spLocks noGrp="1"/>
+          </p:cNvSpPr>
+          <p:nvPr>
+            <p:ph idx="1"/>
+          </p:nvPr>
+        </p:nvSpPr>
+        <p:spPr>
+          <a:xfrm>
+            <a:off x="1066798" y="1990724"/>
+            <a:ext cx="10086977" cy="4867275"/>
+          </a:xfrm>
+        </p:spPr>
+        <p:txBody>
+          <a:bodyPr>
+            <a:normAutofit/>
+          </a:bodyPr>
           <a:lstStyle/>
           <a:p>
             <a:r>
@@ -13611,10 +13909,10 @@
       </p:sp>
       <p:pic>
         <p:nvPicPr>
-          <p:cNvPr id="6" name="Graphic 5" descr="Database with solid fill">
+          <p:cNvPr id="11" name="Graphic 10" descr="Database with solid fill">
             <a:extLst>
               <a:ext uri="{FF2B5EF4-FFF2-40B4-BE49-F238E27FC236}">
-                <a16:creationId xmlns:a16="http://schemas.microsoft.com/office/drawing/2014/main" id="{D12E3E3F-B27F-4F48-A2D1-005F73A9E3F0}"/>
+                <a16:creationId xmlns:a16="http://schemas.microsoft.com/office/drawing/2014/main" id="{41AE8F8D-445E-4B3A-9BF1-E162EEFF1C71}"/>
               </a:ext>
             </a:extLst>
           </p:cNvPr>
@@ -13640,8 +13938,8 @@
         </p:blipFill>
         <p:spPr>
           <a:xfrm>
-            <a:off x="9170174" y="1825622"/>
-            <a:ext cx="1176763" cy="1176763"/>
+            <a:off x="10484155" y="1990724"/>
+            <a:ext cx="1015308" cy="955755"/>
           </a:xfrm>
           <a:prstGeom prst="rect">
             <a:avLst/>
@@ -13650,10 +13948,10 @@
       </p:pic>
       <p:pic>
         <p:nvPicPr>
-          <p:cNvPr id="8" name="Graphic 7" descr="Database outline">
+          <p:cNvPr id="12" name="Graphic 11" descr="Database outline">
             <a:extLst>
               <a:ext uri="{FF2B5EF4-FFF2-40B4-BE49-F238E27FC236}">
-                <a16:creationId xmlns:a16="http://schemas.microsoft.com/office/drawing/2014/main" id="{C89D60BD-5492-42EE-8A2A-AA71116CBD1F}"/>
+                <a16:creationId xmlns:a16="http://schemas.microsoft.com/office/drawing/2014/main" id="{1FABE8F4-A5C3-40F6-9EF5-C878BCBC2FB8}"/>
               </a:ext>
             </a:extLst>
           </p:cNvPr>
@@ -13679,8 +13977,8 @@
         </p:blipFill>
         <p:spPr>
           <a:xfrm>
-            <a:off x="8246249" y="1825624"/>
-            <a:ext cx="1176763" cy="1176763"/>
+            <a:off x="9646316" y="1987182"/>
+            <a:ext cx="1015308" cy="955755"/>
           </a:xfrm>
           <a:prstGeom prst="rect">
             <a:avLst/>
@@ -13689,10 +13987,10 @@
       </p:pic>
       <p:sp>
         <p:nvSpPr>
-          <p:cNvPr id="9" name="Speech Bubble: Rectangle 8">
+          <p:cNvPr id="16" name="Speech Bubble: Rectangle 15">
             <a:extLst>
               <a:ext uri="{FF2B5EF4-FFF2-40B4-BE49-F238E27FC236}">
-                <a16:creationId xmlns:a16="http://schemas.microsoft.com/office/drawing/2014/main" id="{CFE000FB-C389-4EEB-BABA-B16291130469}"/>
+                <a16:creationId xmlns:a16="http://schemas.microsoft.com/office/drawing/2014/main" id="{D779B514-03F0-4C1B-9F21-90C3E7FA0EEE}"/>
               </a:ext>
             </a:extLst>
           </p:cNvPr>
@@ -13701,7 +13999,7 @@
         </p:nvSpPr>
         <p:spPr>
           <a:xfrm>
-            <a:off x="8391525" y="3936999"/>
+            <a:off x="8324850" y="4046457"/>
             <a:ext cx="3028950" cy="444501"/>
           </a:xfrm>
           <a:prstGeom prst="wedgeRectCallout">
@@ -13735,6 +14033,7 @@
           <a:bodyPr rtlCol="0" anchor="ctr"/>
           <a:lstStyle/>
           <a:p>
+            <a:pPr algn="r"/>
             <a:r>
               <a:rPr lang="de-DE" sz="2400" i="1">
                 <a:solidFill>
@@ -13753,10 +14052,10 @@
       </p:sp>
       <p:sp>
         <p:nvSpPr>
-          <p:cNvPr id="11" name="Speech Bubble: Rectangle 10">
+          <p:cNvPr id="17" name="Speech Bubble: Rectangle 16">
             <a:extLst>
               <a:ext uri="{FF2B5EF4-FFF2-40B4-BE49-F238E27FC236}">
-                <a16:creationId xmlns:a16="http://schemas.microsoft.com/office/drawing/2014/main" id="{D94BC2A0-45FA-4DF3-B5C3-37BF1B936612}"/>
+                <a16:creationId xmlns:a16="http://schemas.microsoft.com/office/drawing/2014/main" id="{037D7C22-CB57-42C4-9016-1999B5347AAC}"/>
               </a:ext>
             </a:extLst>
           </p:cNvPr>
@@ -13765,7 +14064,7 @@
         </p:nvSpPr>
         <p:spPr>
           <a:xfrm>
-            <a:off x="8391525" y="5259965"/>
+            <a:off x="8324850" y="5369423"/>
             <a:ext cx="3028950" cy="444501"/>
           </a:xfrm>
           <a:prstGeom prst="wedgeRectCallout">
@@ -13799,6 +14098,7 @@
           <a:bodyPr rtlCol="0" anchor="ctr"/>
           <a:lstStyle/>
           <a:p>
+            <a:pPr algn="r"/>
             <a:r>
               <a:rPr lang="de-DE" sz="2400" i="1">
                 <a:solidFill>
@@ -13818,7 +14118,7 @@
     </p:spTree>
     <p:extLst>
       <p:ext uri="{BB962C8B-B14F-4D97-AF65-F5344CB8AC3E}">
-        <p14:creationId xmlns:p14="http://schemas.microsoft.com/office/powerpoint/2010/main" val="1065732921"/>
+        <p14:creationId xmlns:p14="http://schemas.microsoft.com/office/powerpoint/2010/main" val="2962519293"/>
       </p:ext>
     </p:extLst>
   </p:cSld>
@@ -13847,32 +14147,6 @@
       </p:grpSpPr>
       <p:sp>
         <p:nvSpPr>
-          <p:cNvPr id="2" name="Titel 1"/>
-          <p:cNvSpPr>
-            <a:spLocks noGrp="1"/>
-          </p:cNvSpPr>
-          <p:nvPr>
-            <p:ph type="title"/>
-          </p:nvPr>
-        </p:nvSpPr>
-        <p:spPr/>
-        <p:txBody>
-          <a:bodyPr/>
-          <a:lstStyle/>
-          <a:p>
-            <a:r>
-              <a:rPr lang="en-US"/>
-              <a:t>Quanteda Universe  </a:t>
-            </a:r>
-            <a:r>
-              <a:rPr lang="en-US" b="1"/>
-              <a:t>Package</a:t>
-            </a:r>
-          </a:p>
-        </p:txBody>
-      </p:sp>
-      <p:sp>
-        <p:nvSpPr>
           <p:cNvPr id="4" name="Foliennummernplatzhalter 3"/>
           <p:cNvSpPr>
             <a:spLocks noGrp="1"/>
@@ -13896,10 +14170,10 @@
       </p:sp>
       <p:sp>
         <p:nvSpPr>
-          <p:cNvPr id="5" name="Content Placeholder 2">
+          <p:cNvPr id="9" name="Titel 1">
             <a:extLst>
               <a:ext uri="{FF2B5EF4-FFF2-40B4-BE49-F238E27FC236}">
-                <a16:creationId xmlns:a16="http://schemas.microsoft.com/office/drawing/2014/main" id="{2103F23C-B021-4F14-8084-0CDDB4205028}"/>
+                <a16:creationId xmlns:a16="http://schemas.microsoft.com/office/drawing/2014/main" id="{7807725C-718A-4D77-AD01-05225CF68388}"/>
               </a:ext>
             </a:extLst>
           </p:cNvPr>
@@ -13907,17 +14181,56 @@
             <a:spLocks noGrp="1"/>
           </p:cNvSpPr>
           <p:nvPr>
-            <p:ph idx="1"/>
+            <p:ph type="title"/>
           </p:nvPr>
         </p:nvSpPr>
         <p:spPr>
           <a:xfrm>
-            <a:off x="838200" y="1825625"/>
-            <a:ext cx="10515600" cy="4351338"/>
+            <a:off x="1066800" y="561524"/>
+            <a:ext cx="10287000" cy="1129164"/>
           </a:xfrm>
         </p:spPr>
         <p:txBody>
           <a:bodyPr/>
+          <a:lstStyle/>
+          <a:p>
+            <a:r>
+              <a:rPr lang="en-US"/>
+              <a:t>Quanteda Universe  </a:t>
+            </a:r>
+            <a:r>
+              <a:rPr lang="en-US" b="1"/>
+              <a:t>Package</a:t>
+            </a:r>
+          </a:p>
+        </p:txBody>
+      </p:sp>
+      <p:sp>
+        <p:nvSpPr>
+          <p:cNvPr id="10" name="Content Placeholder 2">
+            <a:extLst>
+              <a:ext uri="{FF2B5EF4-FFF2-40B4-BE49-F238E27FC236}">
+                <a16:creationId xmlns:a16="http://schemas.microsoft.com/office/drawing/2014/main" id="{67443131-1CA9-405F-8B23-66FD98AB33DC}"/>
+              </a:ext>
+            </a:extLst>
+          </p:cNvPr>
+          <p:cNvSpPr>
+            <a:spLocks noGrp="1"/>
+          </p:cNvSpPr>
+          <p:nvPr>
+            <p:ph idx="1"/>
+          </p:nvPr>
+        </p:nvSpPr>
+        <p:spPr>
+          <a:xfrm>
+            <a:off x="1066798" y="1990724"/>
+            <a:ext cx="10544177" cy="4867275"/>
+          </a:xfrm>
+        </p:spPr>
+        <p:txBody>
+          <a:bodyPr>
+            <a:normAutofit/>
+          </a:bodyPr>
           <a:lstStyle/>
           <a:p>
             <a:r>
@@ -14028,10 +14341,10 @@
       </p:sp>
       <p:sp>
         <p:nvSpPr>
-          <p:cNvPr id="6" name="TextBox 5">
+          <p:cNvPr id="13" name="TextBox 12">
             <a:extLst>
               <a:ext uri="{FF2B5EF4-FFF2-40B4-BE49-F238E27FC236}">
-                <a16:creationId xmlns:a16="http://schemas.microsoft.com/office/drawing/2014/main" id="{DBB5CB62-6F5A-4037-BD91-D3AE9F9C283C}"/>
+                <a16:creationId xmlns:a16="http://schemas.microsoft.com/office/drawing/2014/main" id="{4ABC4387-6D4C-4C45-88DC-C51F207F6950}"/>
               </a:ext>
             </a:extLst>
           </p:cNvPr>
@@ -14040,8 +14353,8 @@
         </p:nvSpPr>
         <p:spPr>
           <a:xfrm>
-            <a:off x="1646338" y="5397028"/>
-            <a:ext cx="6094602" cy="369332"/>
+            <a:off x="2484540" y="5708252"/>
+            <a:ext cx="8640662" cy="461665"/>
           </a:xfrm>
           <a:prstGeom prst="rect">
             <a:avLst/>
@@ -14055,17 +14368,17 @@
           <a:lstStyle/>
           <a:p>
             <a:r>
-              <a:rPr lang="en-US" i="1"/>
+              <a:rPr lang="en-US" sz="2400" i="1"/>
               <a:t>tutorials for getting started on </a:t>
             </a:r>
             <a:r>
-              <a:rPr lang="en-US" i="1">
+              <a:rPr lang="en-US" sz="2400" i="1">
                 <a:hlinkClick r:id="rId3"/>
               </a:rPr>
               <a:t>https://tutorials.quanteda.io/</a:t>
             </a:r>
             <a:r>
-              <a:rPr lang="en-US" i="1"/>
+              <a:rPr lang="en-US" sz="2400" i="1"/>
               <a:t> </a:t>
             </a:r>
           </a:p>
@@ -14073,10 +14386,10 @@
       </p:sp>
       <p:pic>
         <p:nvPicPr>
-          <p:cNvPr id="8" name="Graphic 7" descr="Game controller with solid fill">
+          <p:cNvPr id="14" name="Graphic 13" descr="Game controller with solid fill">
             <a:extLst>
               <a:ext uri="{FF2B5EF4-FFF2-40B4-BE49-F238E27FC236}">
-                <a16:creationId xmlns:a16="http://schemas.microsoft.com/office/drawing/2014/main" id="{FAC16393-673E-4FD5-9A70-8C99CAEBE5E0}"/>
+                <a16:creationId xmlns:a16="http://schemas.microsoft.com/office/drawing/2014/main" id="{BECCD8FC-DC7F-4367-B889-8E6EF20F5CA4}"/>
               </a:ext>
             </a:extLst>
           </p:cNvPr>
@@ -14102,8 +14415,8 @@
         </p:blipFill>
         <p:spPr>
           <a:xfrm>
-            <a:off x="838200" y="5262563"/>
-            <a:ext cx="638262" cy="638262"/>
+            <a:off x="1066798" y="5581694"/>
+            <a:ext cx="714378" cy="714782"/>
           </a:xfrm>
           <a:prstGeom prst="rect">
             <a:avLst/>
@@ -14113,7 +14426,7 @@
     </p:spTree>
     <p:extLst>
       <p:ext uri="{BB962C8B-B14F-4D97-AF65-F5344CB8AC3E}">
-        <p14:creationId xmlns:p14="http://schemas.microsoft.com/office/powerpoint/2010/main" val="905106722"/>
+        <p14:creationId xmlns:p14="http://schemas.microsoft.com/office/powerpoint/2010/main" val="3618697888"/>
       </p:ext>
     </p:extLst>
   </p:cSld>
@@ -14142,32 +14455,6 @@
       </p:grpSpPr>
       <p:sp>
         <p:nvSpPr>
-          <p:cNvPr id="2" name="Titel 1"/>
-          <p:cNvSpPr>
-            <a:spLocks noGrp="1"/>
-          </p:cNvSpPr>
-          <p:nvPr>
-            <p:ph type="title"/>
-          </p:nvPr>
-        </p:nvSpPr>
-        <p:spPr/>
-        <p:txBody>
-          <a:bodyPr/>
-          <a:lstStyle/>
-          <a:p>
-            <a:r>
-              <a:rPr lang="en-US"/>
-              <a:t>Quanteda Universe  </a:t>
-            </a:r>
-            <a:r>
-              <a:rPr lang="en-US" b="1"/>
-              <a:t>Basic Classes</a:t>
-            </a:r>
-          </a:p>
-        </p:txBody>
-      </p:sp>
-      <p:sp>
-        <p:nvSpPr>
           <p:cNvPr id="4" name="Foliennummernplatzhalter 3"/>
           <p:cNvSpPr>
             <a:spLocks noGrp="1"/>
@@ -14191,10 +14478,10 @@
       </p:sp>
       <p:sp>
         <p:nvSpPr>
-          <p:cNvPr id="5" name="Content Placeholder 2">
+          <p:cNvPr id="9" name="Titel 1">
             <a:extLst>
               <a:ext uri="{FF2B5EF4-FFF2-40B4-BE49-F238E27FC236}">
-                <a16:creationId xmlns:a16="http://schemas.microsoft.com/office/drawing/2014/main" id="{2103F23C-B021-4F14-8084-0CDDB4205028}"/>
+                <a16:creationId xmlns:a16="http://schemas.microsoft.com/office/drawing/2014/main" id="{7807725C-718A-4D77-AD01-05225CF68388}"/>
               </a:ext>
             </a:extLst>
           </p:cNvPr>
@@ -14202,17 +14489,56 @@
             <a:spLocks noGrp="1"/>
           </p:cNvSpPr>
           <p:nvPr>
-            <p:ph idx="1"/>
+            <p:ph type="title"/>
           </p:nvPr>
         </p:nvSpPr>
         <p:spPr>
           <a:xfrm>
-            <a:off x="838200" y="1825625"/>
-            <a:ext cx="10515600" cy="4351338"/>
+            <a:off x="1066800" y="561524"/>
+            <a:ext cx="10287000" cy="1129164"/>
           </a:xfrm>
         </p:spPr>
         <p:txBody>
           <a:bodyPr/>
+          <a:lstStyle/>
+          <a:p>
+            <a:r>
+              <a:rPr lang="en-US"/>
+              <a:t>Quanteda Universe  </a:t>
+            </a:r>
+            <a:r>
+              <a:rPr lang="en-US" b="1"/>
+              <a:t>Basic Classes</a:t>
+            </a:r>
+          </a:p>
+        </p:txBody>
+      </p:sp>
+      <p:sp>
+        <p:nvSpPr>
+          <p:cNvPr id="10" name="Content Placeholder 2">
+            <a:extLst>
+              <a:ext uri="{FF2B5EF4-FFF2-40B4-BE49-F238E27FC236}">
+                <a16:creationId xmlns:a16="http://schemas.microsoft.com/office/drawing/2014/main" id="{67443131-1CA9-405F-8B23-66FD98AB33DC}"/>
+              </a:ext>
+            </a:extLst>
+          </p:cNvPr>
+          <p:cNvSpPr>
+            <a:spLocks noGrp="1"/>
+          </p:cNvSpPr>
+          <p:nvPr>
+            <p:ph idx="1"/>
+          </p:nvPr>
+        </p:nvSpPr>
+        <p:spPr>
+          <a:xfrm>
+            <a:off x="1066798" y="1990724"/>
+            <a:ext cx="10544177" cy="4867275"/>
+          </a:xfrm>
+        </p:spPr>
+        <p:txBody>
+          <a:bodyPr>
+            <a:normAutofit/>
+          </a:bodyPr>
           <a:lstStyle/>
           <a:p>
             <a:pPr marL="0" indent="0">
@@ -14409,10 +14735,10 @@
       </p:sp>
       <p:sp>
         <p:nvSpPr>
-          <p:cNvPr id="6" name="Speech Bubble: Rectangle 5">
+          <p:cNvPr id="7" name="Speech Bubble: Rectangle 6">
             <a:extLst>
               <a:ext uri="{FF2B5EF4-FFF2-40B4-BE49-F238E27FC236}">
-                <a16:creationId xmlns:a16="http://schemas.microsoft.com/office/drawing/2014/main" id="{E7C8D44E-ABB1-4A5F-BA50-E161C275801D}"/>
+                <a16:creationId xmlns:a16="http://schemas.microsoft.com/office/drawing/2014/main" id="{B5E65BF6-2ACD-4EC9-88EC-4267B0FFDE56}"/>
               </a:ext>
             </a:extLst>
           </p:cNvPr>
@@ -14421,8 +14747,8 @@
         </p:nvSpPr>
         <p:spPr>
           <a:xfrm>
-            <a:off x="5704514" y="5544772"/>
-            <a:ext cx="5255355" cy="444501"/>
+            <a:off x="2590800" y="5660951"/>
+            <a:ext cx="8763000" cy="444501"/>
           </a:xfrm>
           <a:prstGeom prst="wedgeRectCallout">
             <a:avLst>
@@ -14474,10 +14800,10 @@
       </p:sp>
       <p:pic>
         <p:nvPicPr>
-          <p:cNvPr id="7" name="Graphic 6" descr="Back with solid fill">
+          <p:cNvPr id="8" name="Graphic 7" descr="Back with solid fill">
             <a:extLst>
               <a:ext uri="{FF2B5EF4-FFF2-40B4-BE49-F238E27FC236}">
-                <a16:creationId xmlns:a16="http://schemas.microsoft.com/office/drawing/2014/main" id="{9074DEFE-6784-46C7-A661-0EF78EF26A22}"/>
+                <a16:creationId xmlns:a16="http://schemas.microsoft.com/office/drawing/2014/main" id="{0D1544E0-05F2-4A84-A92D-65D379A71346}"/>
               </a:ext>
             </a:extLst>
           </p:cNvPr>
@@ -14503,7 +14829,7 @@
         </p:blipFill>
         <p:spPr>
           <a:xfrm flipH="1" flipV="1">
-            <a:off x="4963751" y="5071624"/>
+            <a:off x="1833171" y="5350180"/>
             <a:ext cx="757629" cy="946296"/>
           </a:xfrm>
           <a:prstGeom prst="rect">
@@ -14514,7 +14840,7 @@
     </p:spTree>
     <p:extLst>
       <p:ext uri="{BB962C8B-B14F-4D97-AF65-F5344CB8AC3E}">
-        <p14:creationId xmlns:p14="http://schemas.microsoft.com/office/powerpoint/2010/main" val="3670438057"/>
+        <p14:creationId xmlns:p14="http://schemas.microsoft.com/office/powerpoint/2010/main" val="2724870443"/>
       </p:ext>
     </p:extLst>
   </p:cSld>
@@ -14543,32 +14869,6 @@
       </p:grpSpPr>
       <p:sp>
         <p:nvSpPr>
-          <p:cNvPr id="2" name="Titel 1"/>
-          <p:cNvSpPr>
-            <a:spLocks noGrp="1"/>
-          </p:cNvSpPr>
-          <p:nvPr>
-            <p:ph type="title"/>
-          </p:nvPr>
-        </p:nvSpPr>
-        <p:spPr/>
-        <p:txBody>
-          <a:bodyPr/>
-          <a:lstStyle/>
-          <a:p>
-            <a:r>
-              <a:rPr lang="en-US"/>
-              <a:t>Quanteda Universe  </a:t>
-            </a:r>
-            <a:r>
-              <a:rPr lang="en-US" b="1"/>
-              <a:t>Basic Classes</a:t>
-            </a:r>
-          </a:p>
-        </p:txBody>
-      </p:sp>
-      <p:sp>
-        <p:nvSpPr>
           <p:cNvPr id="4" name="Foliennummernplatzhalter 3"/>
           <p:cNvSpPr>
             <a:spLocks noGrp="1"/>
@@ -14592,10 +14892,10 @@
       </p:sp>
       <p:sp>
         <p:nvSpPr>
-          <p:cNvPr id="5" name="Content Placeholder 2">
+          <p:cNvPr id="9" name="Titel 1">
             <a:extLst>
               <a:ext uri="{FF2B5EF4-FFF2-40B4-BE49-F238E27FC236}">
-                <a16:creationId xmlns:a16="http://schemas.microsoft.com/office/drawing/2014/main" id="{2103F23C-B021-4F14-8084-0CDDB4205028}"/>
+                <a16:creationId xmlns:a16="http://schemas.microsoft.com/office/drawing/2014/main" id="{7807725C-718A-4D77-AD01-05225CF68388}"/>
               </a:ext>
             </a:extLst>
           </p:cNvPr>
@@ -14603,17 +14903,56 @@
             <a:spLocks noGrp="1"/>
           </p:cNvSpPr>
           <p:nvPr>
-            <p:ph idx="1"/>
+            <p:ph type="title"/>
           </p:nvPr>
         </p:nvSpPr>
         <p:spPr>
           <a:xfrm>
-            <a:off x="838200" y="1825625"/>
-            <a:ext cx="10515600" cy="4667250"/>
+            <a:off x="1066800" y="561524"/>
+            <a:ext cx="10287000" cy="1129164"/>
           </a:xfrm>
         </p:spPr>
         <p:txBody>
           <a:bodyPr/>
+          <a:lstStyle/>
+          <a:p>
+            <a:r>
+              <a:rPr lang="en-US"/>
+              <a:t>Quanteda Universe  </a:t>
+            </a:r>
+            <a:r>
+              <a:rPr lang="en-US" b="1"/>
+              <a:t>Basic Classes</a:t>
+            </a:r>
+          </a:p>
+        </p:txBody>
+      </p:sp>
+      <p:sp>
+        <p:nvSpPr>
+          <p:cNvPr id="10" name="Content Placeholder 2">
+            <a:extLst>
+              <a:ext uri="{FF2B5EF4-FFF2-40B4-BE49-F238E27FC236}">
+                <a16:creationId xmlns:a16="http://schemas.microsoft.com/office/drawing/2014/main" id="{67443131-1CA9-405F-8B23-66FD98AB33DC}"/>
+              </a:ext>
+            </a:extLst>
+          </p:cNvPr>
+          <p:cNvSpPr>
+            <a:spLocks noGrp="1"/>
+          </p:cNvSpPr>
+          <p:nvPr>
+            <p:ph idx="1"/>
+          </p:nvPr>
+        </p:nvSpPr>
+        <p:spPr>
+          <a:xfrm>
+            <a:off x="1066798" y="1990724"/>
+            <a:ext cx="10544177" cy="4867275"/>
+          </a:xfrm>
+        </p:spPr>
+        <p:txBody>
+          <a:bodyPr>
+            <a:normAutofit/>
+          </a:bodyPr>
           <a:lstStyle/>
           <a:p>
             <a:r>
@@ -14750,7 +15089,7 @@
     </p:spTree>
     <p:extLst>
       <p:ext uri="{BB962C8B-B14F-4D97-AF65-F5344CB8AC3E}">
-        <p14:creationId xmlns:p14="http://schemas.microsoft.com/office/powerpoint/2010/main" val="1755867019"/>
+        <p14:creationId xmlns:p14="http://schemas.microsoft.com/office/powerpoint/2010/main" val="218664471"/>
       </p:ext>
     </p:extLst>
   </p:cSld>
@@ -14779,32 +15118,6 @@
       </p:grpSpPr>
       <p:sp>
         <p:nvSpPr>
-          <p:cNvPr id="2" name="Titel 1"/>
-          <p:cNvSpPr>
-            <a:spLocks noGrp="1"/>
-          </p:cNvSpPr>
-          <p:nvPr>
-            <p:ph type="title"/>
-          </p:nvPr>
-        </p:nvSpPr>
-        <p:spPr/>
-        <p:txBody>
-          <a:bodyPr/>
-          <a:lstStyle/>
-          <a:p>
-            <a:r>
-              <a:rPr lang="en-US"/>
-              <a:t>Quanteda Universe  </a:t>
-            </a:r>
-            <a:r>
-              <a:rPr lang="en-US" b="1"/>
-              <a:t>Basic Classes</a:t>
-            </a:r>
-          </a:p>
-        </p:txBody>
-      </p:sp>
-      <p:sp>
-        <p:nvSpPr>
           <p:cNvPr id="4" name="Foliennummernplatzhalter 3"/>
           <p:cNvSpPr>
             <a:spLocks noGrp="1"/>
@@ -14826,12 +15139,49 @@
           </a:p>
         </p:txBody>
       </p:sp>
+      <p:sp>
+        <p:nvSpPr>
+          <p:cNvPr id="9" name="Titel 1">
+            <a:extLst>
+              <a:ext uri="{FF2B5EF4-FFF2-40B4-BE49-F238E27FC236}">
+                <a16:creationId xmlns:a16="http://schemas.microsoft.com/office/drawing/2014/main" id="{7807725C-718A-4D77-AD01-05225CF68388}"/>
+              </a:ext>
+            </a:extLst>
+          </p:cNvPr>
+          <p:cNvSpPr>
+            <a:spLocks noGrp="1"/>
+          </p:cNvSpPr>
+          <p:nvPr>
+            <p:ph type="title"/>
+          </p:nvPr>
+        </p:nvSpPr>
+        <p:spPr>
+          <a:xfrm>
+            <a:off x="1066800" y="561524"/>
+            <a:ext cx="10287000" cy="1129164"/>
+          </a:xfrm>
+        </p:spPr>
+        <p:txBody>
+          <a:bodyPr/>
+          <a:lstStyle/>
+          <a:p>
+            <a:r>
+              <a:rPr lang="en-US"/>
+              <a:t>Quanteda Universe  </a:t>
+            </a:r>
+            <a:r>
+              <a:rPr lang="en-US" b="1"/>
+              <a:t>Basic Classes</a:t>
+            </a:r>
+          </a:p>
+        </p:txBody>
+      </p:sp>
       <p:pic>
         <p:nvPicPr>
           <p:cNvPr id="7" name="Picture 6">
             <a:extLst>
               <a:ext uri="{FF2B5EF4-FFF2-40B4-BE49-F238E27FC236}">
-                <a16:creationId xmlns:a16="http://schemas.microsoft.com/office/drawing/2014/main" id="{2B4CD56D-B2FD-4F42-BF30-B75211CD49B2}"/>
+                <a16:creationId xmlns:a16="http://schemas.microsoft.com/office/drawing/2014/main" id="{3E96A1B5-C978-4E85-BA86-E04BC378004D}"/>
               </a:ext>
             </a:extLst>
           </p:cNvPr>
@@ -14848,8 +15198,8 @@
         </p:blipFill>
         <p:spPr>
           <a:xfrm>
-            <a:off x="838199" y="1825625"/>
-            <a:ext cx="10515599" cy="958935"/>
+            <a:off x="1066799" y="1996046"/>
+            <a:ext cx="10287000" cy="946297"/>
           </a:xfrm>
           <a:prstGeom prst="rect">
             <a:avLst/>
@@ -14858,10 +15208,10 @@
       </p:pic>
       <p:pic>
         <p:nvPicPr>
-          <p:cNvPr id="9" name="Picture 8">
+          <p:cNvPr id="8" name="Picture 7">
             <a:extLst>
               <a:ext uri="{FF2B5EF4-FFF2-40B4-BE49-F238E27FC236}">
-                <a16:creationId xmlns:a16="http://schemas.microsoft.com/office/drawing/2014/main" id="{FB5D6AFD-79AD-42AA-BDCE-A9BAD52EB1D9}"/>
+                <a16:creationId xmlns:a16="http://schemas.microsoft.com/office/drawing/2014/main" id="{0347A53E-6EA9-4D10-A862-71B9EF71F812}"/>
               </a:ext>
             </a:extLst>
           </p:cNvPr>
@@ -14878,8 +15228,8 @@
         </p:blipFill>
         <p:spPr>
           <a:xfrm>
-            <a:off x="2858116" y="2964967"/>
-            <a:ext cx="5601482" cy="1533739"/>
+            <a:off x="2516486" y="3008975"/>
+            <a:ext cx="5570239" cy="1525184"/>
           </a:xfrm>
           <a:prstGeom prst="rect">
             <a:avLst/>
@@ -14891,7 +15241,7 @@
           <p:cNvPr id="11" name="Picture 10">
             <a:extLst>
               <a:ext uri="{FF2B5EF4-FFF2-40B4-BE49-F238E27FC236}">
-                <a16:creationId xmlns:a16="http://schemas.microsoft.com/office/drawing/2014/main" id="{483F86B3-9D4B-413E-AEDE-AD398DF0279E}"/>
+                <a16:creationId xmlns:a16="http://schemas.microsoft.com/office/drawing/2014/main" id="{CD3BB544-05A9-426D-BB39-4089E40D304A}"/>
               </a:ext>
             </a:extLst>
           </p:cNvPr>
@@ -14908,7 +15258,7 @@
         </p:blipFill>
         <p:spPr>
           <a:xfrm>
-            <a:off x="5114052" y="4679114"/>
+            <a:off x="3932952" y="4600791"/>
             <a:ext cx="6239746" cy="1543265"/>
           </a:xfrm>
           <a:prstGeom prst="rect">
@@ -14921,7 +15271,7 @@
           <p:cNvPr id="12" name="Graphic 11" descr="Back with solid fill">
             <a:extLst>
               <a:ext uri="{FF2B5EF4-FFF2-40B4-BE49-F238E27FC236}">
-                <a16:creationId xmlns:a16="http://schemas.microsoft.com/office/drawing/2014/main" id="{4E266668-4A86-4B30-A072-E1E285C49837}"/>
+                <a16:creationId xmlns:a16="http://schemas.microsoft.com/office/drawing/2014/main" id="{280698BE-89CB-41C5-AA57-2BD90355D0A1}"/>
               </a:ext>
             </a:extLst>
           </p:cNvPr>
@@ -14947,8 +15297,8 @@
         </p:blipFill>
         <p:spPr>
           <a:xfrm flipH="1" flipV="1">
-            <a:off x="1557821" y="3258688"/>
-            <a:ext cx="757629" cy="946296"/>
+            <a:off x="1320917" y="3247701"/>
+            <a:ext cx="829550" cy="946296"/>
           </a:xfrm>
           <a:prstGeom prst="rect">
             <a:avLst/>
@@ -14957,10 +15307,10 @@
       </p:pic>
       <p:pic>
         <p:nvPicPr>
-          <p:cNvPr id="13" name="Graphic 12" descr="Back with solid fill">
+          <p:cNvPr id="14" name="Graphic 13" descr="Back with solid fill">
             <a:extLst>
               <a:ext uri="{FF2B5EF4-FFF2-40B4-BE49-F238E27FC236}">
-                <a16:creationId xmlns:a16="http://schemas.microsoft.com/office/drawing/2014/main" id="{09A79AC7-8714-4841-BB7A-8C4FA506271C}"/>
+                <a16:creationId xmlns:a16="http://schemas.microsoft.com/office/drawing/2014/main" id="{951C7968-DFF7-465D-8065-D7CD9ED5A6C0}"/>
               </a:ext>
             </a:extLst>
           </p:cNvPr>
@@ -14986,8 +15336,8 @@
         </p:blipFill>
         <p:spPr>
           <a:xfrm flipH="1" flipV="1">
-            <a:off x="3697013" y="4977598"/>
-            <a:ext cx="757629" cy="946296"/>
+            <a:off x="2759192" y="4899275"/>
+            <a:ext cx="829550" cy="946296"/>
           </a:xfrm>
           <a:prstGeom prst="rect">
             <a:avLst/>
@@ -14997,7 +15347,7 @@
     </p:spTree>
     <p:extLst>
       <p:ext uri="{BB962C8B-B14F-4D97-AF65-F5344CB8AC3E}">
-        <p14:creationId xmlns:p14="http://schemas.microsoft.com/office/powerpoint/2010/main" val="1190439928"/>
+        <p14:creationId xmlns:p14="http://schemas.microsoft.com/office/powerpoint/2010/main" val="423029675"/>
       </p:ext>
     </p:extLst>
   </p:cSld>
@@ -15034,7 +15384,12 @@
             <p:ph type="title"/>
           </p:nvPr>
         </p:nvSpPr>
-        <p:spPr/>
+        <p:spPr>
+          <a:xfrm>
+            <a:off x="1057274" y="552450"/>
+            <a:ext cx="10296526" cy="1138238"/>
+          </a:xfrm>
+        </p:spPr>
         <p:txBody>
           <a:bodyPr/>
           <a:lstStyle/>
@@ -15056,7 +15411,12 @@
             <p:ph idx="1"/>
           </p:nvPr>
         </p:nvSpPr>
-        <p:spPr/>
+        <p:spPr>
+          <a:xfrm>
+            <a:off x="1057274" y="1990725"/>
+            <a:ext cx="10296525" cy="4186238"/>
+          </a:xfrm>
+        </p:spPr>
         <p:txBody>
           <a:bodyPr>
             <a:normAutofit/>
@@ -15183,32 +15543,6 @@
       </p:grpSpPr>
       <p:sp>
         <p:nvSpPr>
-          <p:cNvPr id="2" name="Titel 1"/>
-          <p:cNvSpPr>
-            <a:spLocks noGrp="1"/>
-          </p:cNvSpPr>
-          <p:nvPr>
-            <p:ph type="title"/>
-          </p:nvPr>
-        </p:nvSpPr>
-        <p:spPr/>
-        <p:txBody>
-          <a:bodyPr/>
-          <a:lstStyle/>
-          <a:p>
-            <a:r>
-              <a:rPr lang="en-US"/>
-              <a:t>Quanteda Universe  </a:t>
-            </a:r>
-            <a:r>
-              <a:rPr lang="en-US" b="1"/>
-              <a:t>Basic Classes</a:t>
-            </a:r>
-          </a:p>
-        </p:txBody>
-      </p:sp>
-      <p:sp>
-        <p:nvSpPr>
           <p:cNvPr id="4" name="Foliennummernplatzhalter 3"/>
           <p:cNvSpPr>
             <a:spLocks noGrp="1"/>
@@ -15232,10 +15566,10 @@
       </p:sp>
       <p:sp>
         <p:nvSpPr>
-          <p:cNvPr id="5" name="Content Placeholder 2">
+          <p:cNvPr id="9" name="Titel 1">
             <a:extLst>
               <a:ext uri="{FF2B5EF4-FFF2-40B4-BE49-F238E27FC236}">
-                <a16:creationId xmlns:a16="http://schemas.microsoft.com/office/drawing/2014/main" id="{2103F23C-B021-4F14-8084-0CDDB4205028}"/>
+                <a16:creationId xmlns:a16="http://schemas.microsoft.com/office/drawing/2014/main" id="{7807725C-718A-4D77-AD01-05225CF68388}"/>
               </a:ext>
             </a:extLst>
           </p:cNvPr>
@@ -15243,17 +15577,56 @@
             <a:spLocks noGrp="1"/>
           </p:cNvSpPr>
           <p:nvPr>
-            <p:ph idx="1"/>
+            <p:ph type="title"/>
           </p:nvPr>
         </p:nvSpPr>
         <p:spPr>
           <a:xfrm>
-            <a:off x="838200" y="1825625"/>
-            <a:ext cx="10515600" cy="4667250"/>
+            <a:off x="1066800" y="561524"/>
+            <a:ext cx="10287000" cy="1129164"/>
           </a:xfrm>
         </p:spPr>
         <p:txBody>
           <a:bodyPr/>
+          <a:lstStyle/>
+          <a:p>
+            <a:r>
+              <a:rPr lang="en-US"/>
+              <a:t>Quanteda Universe  </a:t>
+            </a:r>
+            <a:r>
+              <a:rPr lang="en-US" b="1"/>
+              <a:t>Basic Classes</a:t>
+            </a:r>
+          </a:p>
+        </p:txBody>
+      </p:sp>
+      <p:sp>
+        <p:nvSpPr>
+          <p:cNvPr id="10" name="Content Placeholder 2">
+            <a:extLst>
+              <a:ext uri="{FF2B5EF4-FFF2-40B4-BE49-F238E27FC236}">
+                <a16:creationId xmlns:a16="http://schemas.microsoft.com/office/drawing/2014/main" id="{67443131-1CA9-405F-8B23-66FD98AB33DC}"/>
+              </a:ext>
+            </a:extLst>
+          </p:cNvPr>
+          <p:cNvSpPr>
+            <a:spLocks noGrp="1"/>
+          </p:cNvSpPr>
+          <p:nvPr>
+            <p:ph idx="1"/>
+          </p:nvPr>
+        </p:nvSpPr>
+        <p:spPr>
+          <a:xfrm>
+            <a:off x="1066798" y="1990724"/>
+            <a:ext cx="10544177" cy="4867275"/>
+          </a:xfrm>
+        </p:spPr>
+        <p:txBody>
+          <a:bodyPr>
+            <a:normAutofit/>
+          </a:bodyPr>
           <a:lstStyle/>
           <a:p>
             <a:r>
@@ -15388,10 +15761,10 @@
       </p:sp>
       <p:pic>
         <p:nvPicPr>
-          <p:cNvPr id="6" name="Picture 5">
+          <p:cNvPr id="5" name="Picture 4">
             <a:extLst>
               <a:ext uri="{FF2B5EF4-FFF2-40B4-BE49-F238E27FC236}">
-                <a16:creationId xmlns:a16="http://schemas.microsoft.com/office/drawing/2014/main" id="{93DECC3E-CB70-4B69-BF91-4B10586190E0}"/>
+                <a16:creationId xmlns:a16="http://schemas.microsoft.com/office/drawing/2014/main" id="{1B76B280-901B-42D7-80EC-223EE66FE41E}"/>
               </a:ext>
             </a:extLst>
           </p:cNvPr>
@@ -15408,8 +15781,8 @@
         </p:blipFill>
         <p:spPr>
           <a:xfrm>
-            <a:off x="1198926" y="5064948"/>
-            <a:ext cx="8783973" cy="1291402"/>
+            <a:off x="1428748" y="5129987"/>
+            <a:ext cx="7934327" cy="1166489"/>
           </a:xfrm>
           <a:prstGeom prst="rect">
             <a:avLst/>
@@ -15419,7 +15792,7 @@
     </p:spTree>
     <p:extLst>
       <p:ext uri="{BB962C8B-B14F-4D97-AF65-F5344CB8AC3E}">
-        <p14:creationId xmlns:p14="http://schemas.microsoft.com/office/powerpoint/2010/main" val="849495713"/>
+        <p14:creationId xmlns:p14="http://schemas.microsoft.com/office/powerpoint/2010/main" val="419417225"/>
       </p:ext>
     </p:extLst>
   </p:cSld>
@@ -15448,32 +15821,6 @@
       </p:grpSpPr>
       <p:sp>
         <p:nvSpPr>
-          <p:cNvPr id="2" name="Titel 1"/>
-          <p:cNvSpPr>
-            <a:spLocks noGrp="1"/>
-          </p:cNvSpPr>
-          <p:nvPr>
-            <p:ph type="title"/>
-          </p:nvPr>
-        </p:nvSpPr>
-        <p:spPr/>
-        <p:txBody>
-          <a:bodyPr/>
-          <a:lstStyle/>
-          <a:p>
-            <a:r>
-              <a:rPr lang="en-US"/>
-              <a:t>Quanteda Universe  </a:t>
-            </a:r>
-            <a:r>
-              <a:rPr lang="en-US" b="1"/>
-              <a:t>Basic Classes</a:t>
-            </a:r>
-          </a:p>
-        </p:txBody>
-      </p:sp>
-      <p:sp>
-        <p:nvSpPr>
           <p:cNvPr id="4" name="Foliennummernplatzhalter 3"/>
           <p:cNvSpPr>
             <a:spLocks noGrp="1"/>
@@ -15497,10 +15844,10 @@
       </p:sp>
       <p:sp>
         <p:nvSpPr>
-          <p:cNvPr id="5" name="Content Placeholder 2">
+          <p:cNvPr id="9" name="Titel 1">
             <a:extLst>
               <a:ext uri="{FF2B5EF4-FFF2-40B4-BE49-F238E27FC236}">
-                <a16:creationId xmlns:a16="http://schemas.microsoft.com/office/drawing/2014/main" id="{2103F23C-B021-4F14-8084-0CDDB4205028}"/>
+                <a16:creationId xmlns:a16="http://schemas.microsoft.com/office/drawing/2014/main" id="{7807725C-718A-4D77-AD01-05225CF68388}"/>
               </a:ext>
             </a:extLst>
           </p:cNvPr>
@@ -15508,17 +15855,56 @@
             <a:spLocks noGrp="1"/>
           </p:cNvSpPr>
           <p:nvPr>
-            <p:ph idx="1"/>
+            <p:ph type="title"/>
           </p:nvPr>
         </p:nvSpPr>
         <p:spPr>
           <a:xfrm>
-            <a:off x="838200" y="1825625"/>
-            <a:ext cx="10515600" cy="4667250"/>
+            <a:off x="1066800" y="561524"/>
+            <a:ext cx="10287000" cy="1129164"/>
           </a:xfrm>
         </p:spPr>
         <p:txBody>
           <a:bodyPr/>
+          <a:lstStyle/>
+          <a:p>
+            <a:r>
+              <a:rPr lang="en-US"/>
+              <a:t>Quanteda Universe  </a:t>
+            </a:r>
+            <a:r>
+              <a:rPr lang="en-US" b="1"/>
+              <a:t>Basic Classes</a:t>
+            </a:r>
+          </a:p>
+        </p:txBody>
+      </p:sp>
+      <p:sp>
+        <p:nvSpPr>
+          <p:cNvPr id="10" name="Content Placeholder 2">
+            <a:extLst>
+              <a:ext uri="{FF2B5EF4-FFF2-40B4-BE49-F238E27FC236}">
+                <a16:creationId xmlns:a16="http://schemas.microsoft.com/office/drawing/2014/main" id="{67443131-1CA9-405F-8B23-66FD98AB33DC}"/>
+              </a:ext>
+            </a:extLst>
+          </p:cNvPr>
+          <p:cNvSpPr>
+            <a:spLocks noGrp="1"/>
+          </p:cNvSpPr>
+          <p:nvPr>
+            <p:ph idx="1"/>
+          </p:nvPr>
+        </p:nvSpPr>
+        <p:spPr>
+          <a:xfrm>
+            <a:off x="1066798" y="1990724"/>
+            <a:ext cx="10544177" cy="4867275"/>
+          </a:xfrm>
+        </p:spPr>
+        <p:txBody>
+          <a:bodyPr>
+            <a:normAutofit/>
+          </a:bodyPr>
           <a:lstStyle/>
           <a:p>
             <a:r>
@@ -15547,7 +15933,7 @@
               <a:rPr lang="en-US">
                 <a:sym typeface="Symbol" panose="05050102010706020507" pitchFamily="18" charset="2"/>
               </a:rPr>
-              <a:t>Tokens co-occurrence count across corpus  </a:t>
+              <a:t>Tokens co-occurrence count across corpus  c</a:t>
             </a:r>
             <a:r>
               <a:rPr lang="en-US">
@@ -15556,17 +15942,17 @@
                 </a:solidFill>
                 <a:sym typeface="Symbol" panose="05050102010706020507" pitchFamily="18" charset="2"/>
               </a:rPr>
-              <a:t>term co-occurrence over tweets</a:t>
+              <a:t>o-occurrence across tweets</a:t>
             </a:r>
           </a:p>
         </p:txBody>
       </p:sp>
       <p:pic>
         <p:nvPicPr>
-          <p:cNvPr id="7" name="Picture 6">
+          <p:cNvPr id="6" name="Picture 5">
             <a:extLst>
               <a:ext uri="{FF2B5EF4-FFF2-40B4-BE49-F238E27FC236}">
-                <a16:creationId xmlns:a16="http://schemas.microsoft.com/office/drawing/2014/main" id="{F7C7DB34-3E19-4A43-84EC-29A91F42CEA7}"/>
+                <a16:creationId xmlns:a16="http://schemas.microsoft.com/office/drawing/2014/main" id="{EB60AEF3-07E5-47D8-8C2F-E5CDE7B660CD}"/>
               </a:ext>
             </a:extLst>
           </p:cNvPr>
@@ -15583,8 +15969,8 @@
         </p:blipFill>
         <p:spPr>
           <a:xfrm>
-            <a:off x="1145702" y="3345245"/>
-            <a:ext cx="10208098" cy="2635173"/>
+            <a:off x="1402877" y="3429001"/>
+            <a:ext cx="9950923" cy="2568784"/>
           </a:xfrm>
           <a:prstGeom prst="rect">
             <a:avLst/>
@@ -15594,7 +15980,7 @@
     </p:spTree>
     <p:extLst>
       <p:ext uri="{BB962C8B-B14F-4D97-AF65-F5344CB8AC3E}">
-        <p14:creationId xmlns:p14="http://schemas.microsoft.com/office/powerpoint/2010/main" val="4202786701"/>
+        <p14:creationId xmlns:p14="http://schemas.microsoft.com/office/powerpoint/2010/main" val="3388578486"/>
       </p:ext>
     </p:extLst>
   </p:cSld>
@@ -15623,32 +16009,6 @@
       </p:grpSpPr>
       <p:sp>
         <p:nvSpPr>
-          <p:cNvPr id="2" name="Titel 1"/>
-          <p:cNvSpPr>
-            <a:spLocks noGrp="1"/>
-          </p:cNvSpPr>
-          <p:nvPr>
-            <p:ph type="title"/>
-          </p:nvPr>
-        </p:nvSpPr>
-        <p:spPr/>
-        <p:txBody>
-          <a:bodyPr/>
-          <a:lstStyle/>
-          <a:p>
-            <a:r>
-              <a:rPr lang="en-US"/>
-              <a:t>Quanteda Universe  </a:t>
-            </a:r>
-            <a:r>
-              <a:rPr lang="en-US" b="1"/>
-              <a:t>Basic Classes</a:t>
-            </a:r>
-          </a:p>
-        </p:txBody>
-      </p:sp>
-      <p:sp>
-        <p:nvSpPr>
           <p:cNvPr id="4" name="Foliennummernplatzhalter 3"/>
           <p:cNvSpPr>
             <a:spLocks noGrp="1"/>
@@ -15672,10 +16032,10 @@
       </p:sp>
       <p:sp>
         <p:nvSpPr>
-          <p:cNvPr id="5" name="Content Placeholder 2">
+          <p:cNvPr id="9" name="Titel 1">
             <a:extLst>
               <a:ext uri="{FF2B5EF4-FFF2-40B4-BE49-F238E27FC236}">
-                <a16:creationId xmlns:a16="http://schemas.microsoft.com/office/drawing/2014/main" id="{2103F23C-B021-4F14-8084-0CDDB4205028}"/>
+                <a16:creationId xmlns:a16="http://schemas.microsoft.com/office/drawing/2014/main" id="{7807725C-718A-4D77-AD01-05225CF68388}"/>
               </a:ext>
             </a:extLst>
           </p:cNvPr>
@@ -15683,17 +16043,56 @@
             <a:spLocks noGrp="1"/>
           </p:cNvSpPr>
           <p:nvPr>
-            <p:ph idx="1"/>
+            <p:ph type="title"/>
           </p:nvPr>
         </p:nvSpPr>
         <p:spPr>
           <a:xfrm>
-            <a:off x="838200" y="1825625"/>
-            <a:ext cx="10515600" cy="4667250"/>
+            <a:off x="1066800" y="561524"/>
+            <a:ext cx="10287000" cy="1129164"/>
           </a:xfrm>
         </p:spPr>
         <p:txBody>
           <a:bodyPr/>
+          <a:lstStyle/>
+          <a:p>
+            <a:r>
+              <a:rPr lang="en-US"/>
+              <a:t>Quanteda Universe  </a:t>
+            </a:r>
+            <a:r>
+              <a:rPr lang="en-US" b="1"/>
+              <a:t>Basic Classes</a:t>
+            </a:r>
+          </a:p>
+        </p:txBody>
+      </p:sp>
+      <p:sp>
+        <p:nvSpPr>
+          <p:cNvPr id="10" name="Content Placeholder 2">
+            <a:extLst>
+              <a:ext uri="{FF2B5EF4-FFF2-40B4-BE49-F238E27FC236}">
+                <a16:creationId xmlns:a16="http://schemas.microsoft.com/office/drawing/2014/main" id="{67443131-1CA9-405F-8B23-66FD98AB33DC}"/>
+              </a:ext>
+            </a:extLst>
+          </p:cNvPr>
+          <p:cNvSpPr>
+            <a:spLocks noGrp="1"/>
+          </p:cNvSpPr>
+          <p:nvPr>
+            <p:ph idx="1"/>
+          </p:nvPr>
+        </p:nvSpPr>
+        <p:spPr>
+          <a:xfrm>
+            <a:off x="1066798" y="1990724"/>
+            <a:ext cx="10544177" cy="4867275"/>
+          </a:xfrm>
+        </p:spPr>
+        <p:txBody>
+          <a:bodyPr>
+            <a:normAutofit/>
+          </a:bodyPr>
           <a:lstStyle/>
           <a:p>
             <a:r>
@@ -15747,10 +16146,10 @@
       </p:sp>
       <p:pic>
         <p:nvPicPr>
-          <p:cNvPr id="6" name="Picture 5">
+          <p:cNvPr id="7" name="Picture 6">
             <a:extLst>
               <a:ext uri="{FF2B5EF4-FFF2-40B4-BE49-F238E27FC236}">
-                <a16:creationId xmlns:a16="http://schemas.microsoft.com/office/drawing/2014/main" id="{7E96A258-A7C5-4B51-B77D-600CE64720D2}"/>
+                <a16:creationId xmlns:a16="http://schemas.microsoft.com/office/drawing/2014/main" id="{F5BF5188-E596-4EC4-8877-4ED7B2129B24}"/>
               </a:ext>
             </a:extLst>
           </p:cNvPr>
@@ -15767,7 +16166,7 @@
         </p:blipFill>
         <p:spPr>
           <a:xfrm>
-            <a:off x="1202114" y="3803286"/>
+            <a:off x="1421189" y="3915574"/>
             <a:ext cx="3688534" cy="983609"/>
           </a:xfrm>
           <a:prstGeom prst="rect">
@@ -15777,10 +16176,10 @@
       </p:pic>
       <p:pic>
         <p:nvPicPr>
-          <p:cNvPr id="9" name="Picture 8">
+          <p:cNvPr id="8" name="Picture 7">
             <a:extLst>
               <a:ext uri="{FF2B5EF4-FFF2-40B4-BE49-F238E27FC236}">
-                <a16:creationId xmlns:a16="http://schemas.microsoft.com/office/drawing/2014/main" id="{D22DB8D5-58C9-4E52-A5A5-8C6B1FF7BE2A}"/>
+                <a16:creationId xmlns:a16="http://schemas.microsoft.com/office/drawing/2014/main" id="{4B44801F-70C1-4909-9F6B-3CC93B47F144}"/>
               </a:ext>
             </a:extLst>
           </p:cNvPr>
@@ -15797,8 +16196,8 @@
         </p:blipFill>
         <p:spPr>
           <a:xfrm>
-            <a:off x="3046381" y="5049201"/>
-            <a:ext cx="8216864" cy="1172212"/>
+            <a:off x="2984808" y="5102562"/>
+            <a:ext cx="8368991" cy="1193914"/>
           </a:xfrm>
           <a:prstGeom prst="rect">
             <a:avLst/>
@@ -15807,10 +16206,10 @@
       </p:pic>
       <p:pic>
         <p:nvPicPr>
-          <p:cNvPr id="10" name="Graphic 9" descr="Back with solid fill">
+          <p:cNvPr id="12" name="Graphic 11" descr="Back with solid fill">
             <a:extLst>
               <a:ext uri="{FF2B5EF4-FFF2-40B4-BE49-F238E27FC236}">
-                <a16:creationId xmlns:a16="http://schemas.microsoft.com/office/drawing/2014/main" id="{0CF1E427-3B74-4D42-B8BB-0649205DB123}"/>
+                <a16:creationId xmlns:a16="http://schemas.microsoft.com/office/drawing/2014/main" id="{FC22397C-DAA5-4A67-8F6A-3BC709DA3421}"/>
               </a:ext>
             </a:extLst>
           </p:cNvPr>
@@ -15836,8 +16235,8 @@
         </p:blipFill>
         <p:spPr>
           <a:xfrm flipH="1" flipV="1">
-            <a:off x="1817878" y="5049201"/>
-            <a:ext cx="757629" cy="946296"/>
+            <a:off x="1755482" y="5199219"/>
+            <a:ext cx="829550" cy="946296"/>
           </a:xfrm>
           <a:prstGeom prst="rect">
             <a:avLst/>
@@ -15847,7 +16246,7 @@
     </p:spTree>
     <p:extLst>
       <p:ext uri="{BB962C8B-B14F-4D97-AF65-F5344CB8AC3E}">
-        <p14:creationId xmlns:p14="http://schemas.microsoft.com/office/powerpoint/2010/main" val="2818359232"/>
+        <p14:creationId xmlns:p14="http://schemas.microsoft.com/office/powerpoint/2010/main" val="2249282577"/>
       </p:ext>
     </p:extLst>
   </p:cSld>
@@ -15876,32 +16275,6 @@
       </p:grpSpPr>
       <p:sp>
         <p:nvSpPr>
-          <p:cNvPr id="2" name="Titel 1"/>
-          <p:cNvSpPr>
-            <a:spLocks noGrp="1"/>
-          </p:cNvSpPr>
-          <p:nvPr>
-            <p:ph type="title"/>
-          </p:nvPr>
-        </p:nvSpPr>
-        <p:spPr/>
-        <p:txBody>
-          <a:bodyPr/>
-          <a:lstStyle/>
-          <a:p>
-            <a:r>
-              <a:rPr lang="en-US"/>
-              <a:t>Quanteda Universe  </a:t>
-            </a:r>
-            <a:r>
-              <a:rPr lang="en-US" b="1"/>
-              <a:t>Scope</a:t>
-            </a:r>
-          </a:p>
-        </p:txBody>
-      </p:sp>
-      <p:sp>
-        <p:nvSpPr>
           <p:cNvPr id="4" name="Foliennummernplatzhalter 3"/>
           <p:cNvSpPr>
             <a:spLocks noGrp="1"/>
@@ -15925,10 +16298,10 @@
       </p:sp>
       <p:sp>
         <p:nvSpPr>
-          <p:cNvPr id="5" name="Content Placeholder 2">
+          <p:cNvPr id="9" name="Titel 1">
             <a:extLst>
               <a:ext uri="{FF2B5EF4-FFF2-40B4-BE49-F238E27FC236}">
-                <a16:creationId xmlns:a16="http://schemas.microsoft.com/office/drawing/2014/main" id="{2103F23C-B021-4F14-8084-0CDDB4205028}"/>
+                <a16:creationId xmlns:a16="http://schemas.microsoft.com/office/drawing/2014/main" id="{7807725C-718A-4D77-AD01-05225CF68388}"/>
               </a:ext>
             </a:extLst>
           </p:cNvPr>
@@ -15936,13 +16309,50 @@
             <a:spLocks noGrp="1"/>
           </p:cNvSpPr>
           <p:nvPr>
-            <p:ph idx="1"/>
+            <p:ph type="title"/>
           </p:nvPr>
         </p:nvSpPr>
         <p:spPr>
           <a:xfrm>
-            <a:off x="838200" y="1825625"/>
-            <a:ext cx="10515600" cy="4351338"/>
+            <a:off x="1066800" y="561524"/>
+            <a:ext cx="10287000" cy="1129164"/>
+          </a:xfrm>
+        </p:spPr>
+        <p:txBody>
+          <a:bodyPr/>
+          <a:lstStyle/>
+          <a:p>
+            <a:r>
+              <a:rPr lang="en-US"/>
+              <a:t>Quanteda Universe  </a:t>
+            </a:r>
+            <a:r>
+              <a:rPr lang="en-US" b="1"/>
+              <a:t>Scope</a:t>
+            </a:r>
+          </a:p>
+        </p:txBody>
+      </p:sp>
+      <p:sp>
+        <p:nvSpPr>
+          <p:cNvPr id="10" name="Content Placeholder 2">
+            <a:extLst>
+              <a:ext uri="{FF2B5EF4-FFF2-40B4-BE49-F238E27FC236}">
+                <a16:creationId xmlns:a16="http://schemas.microsoft.com/office/drawing/2014/main" id="{67443131-1CA9-405F-8B23-66FD98AB33DC}"/>
+              </a:ext>
+            </a:extLst>
+          </p:cNvPr>
+          <p:cNvSpPr>
+            <a:spLocks noGrp="1"/>
+          </p:cNvSpPr>
+          <p:nvPr>
+            <p:ph idx="1"/>
+          </p:nvPr>
+        </p:nvSpPr>
+        <p:spPr>
+          <a:xfrm>
+            <a:off x="1066798" y="1990724"/>
+            <a:ext cx="10544177" cy="4867275"/>
           </a:xfrm>
         </p:spPr>
         <p:txBody>
@@ -16021,10 +16431,10 @@
       </p:sp>
       <p:sp>
         <p:nvSpPr>
-          <p:cNvPr id="7" name="Right Brace 6">
+          <p:cNvPr id="11" name="Right Brace 10">
             <a:extLst>
               <a:ext uri="{FF2B5EF4-FFF2-40B4-BE49-F238E27FC236}">
-                <a16:creationId xmlns:a16="http://schemas.microsoft.com/office/drawing/2014/main" id="{18807AF1-8434-4D97-A06D-E93849369380}"/>
+                <a16:creationId xmlns:a16="http://schemas.microsoft.com/office/drawing/2014/main" id="{C71EA391-3186-44F9-8589-62D586469312}"/>
               </a:ext>
             </a:extLst>
           </p:cNvPr>
@@ -16033,8 +16443,8 @@
         </p:nvSpPr>
         <p:spPr>
           <a:xfrm>
-            <a:off x="6500944" y="3254926"/>
-            <a:ext cx="193471" cy="1351373"/>
+            <a:off x="6829308" y="3408948"/>
+            <a:ext cx="175861" cy="1391652"/>
           </a:xfrm>
           <a:prstGeom prst="rightBrace">
             <a:avLst/>
@@ -16074,10 +16484,10 @@
       </p:sp>
       <p:sp>
         <p:nvSpPr>
-          <p:cNvPr id="8" name="Right Brace 7">
+          <p:cNvPr id="13" name="Right Brace 12">
             <a:extLst>
               <a:ext uri="{FF2B5EF4-FFF2-40B4-BE49-F238E27FC236}">
-                <a16:creationId xmlns:a16="http://schemas.microsoft.com/office/drawing/2014/main" id="{FD692DB8-F4BB-4EFE-B0FE-9271893C96B7}"/>
+                <a16:creationId xmlns:a16="http://schemas.microsoft.com/office/drawing/2014/main" id="{E6C20934-DBBB-42EB-B978-015A0D06BFB7}"/>
               </a:ext>
             </a:extLst>
           </p:cNvPr>
@@ -16086,8 +16496,8 @@
         </p:nvSpPr>
         <p:spPr>
           <a:xfrm>
-            <a:off x="6500944" y="4904696"/>
-            <a:ext cx="193471" cy="973869"/>
+            <a:off x="6828769" y="5100636"/>
+            <a:ext cx="176400" cy="973869"/>
           </a:xfrm>
           <a:prstGeom prst="rightBrace">
             <a:avLst/>
@@ -16127,10 +16537,10 @@
       </p:sp>
       <p:sp>
         <p:nvSpPr>
-          <p:cNvPr id="9" name="Speech Bubble: Rectangle 8">
+          <p:cNvPr id="14" name="Speech Bubble: Rectangle 13">
             <a:extLst>
               <a:ext uri="{FF2B5EF4-FFF2-40B4-BE49-F238E27FC236}">
-                <a16:creationId xmlns:a16="http://schemas.microsoft.com/office/drawing/2014/main" id="{72C4B30D-F08E-449F-B811-5813551B3D96}"/>
+                <a16:creationId xmlns:a16="http://schemas.microsoft.com/office/drawing/2014/main" id="{5EB5DD5D-A1BC-4713-8B87-C2AFB35E5BD9}"/>
               </a:ext>
             </a:extLst>
           </p:cNvPr>
@@ -16139,7 +16549,7 @@
         </p:nvSpPr>
         <p:spPr>
           <a:xfrm>
-            <a:off x="7005170" y="3708361"/>
+            <a:off x="7520756" y="3882523"/>
             <a:ext cx="3493317" cy="444501"/>
           </a:xfrm>
           <a:prstGeom prst="wedgeRectCallout">
@@ -16201,10 +16611,10 @@
       </p:sp>
       <p:sp>
         <p:nvSpPr>
-          <p:cNvPr id="10" name="Speech Bubble: Rectangle 9">
+          <p:cNvPr id="15" name="Speech Bubble: Rectangle 14">
             <a:extLst>
               <a:ext uri="{FF2B5EF4-FFF2-40B4-BE49-F238E27FC236}">
-                <a16:creationId xmlns:a16="http://schemas.microsoft.com/office/drawing/2014/main" id="{1BFDAB91-0AA5-4ADE-9368-93BEFBBAFCE3}"/>
+                <a16:creationId xmlns:a16="http://schemas.microsoft.com/office/drawing/2014/main" id="{27B4DC97-AF99-42ED-B8C6-E1496EB97E01}"/>
               </a:ext>
             </a:extLst>
           </p:cNvPr>
@@ -16213,7 +16623,7 @@
         </p:nvSpPr>
         <p:spPr>
           <a:xfrm>
-            <a:off x="7005170" y="5169379"/>
+            <a:off x="7520756" y="5391628"/>
             <a:ext cx="3095539" cy="444501"/>
           </a:xfrm>
           <a:prstGeom prst="wedgeRectCallout">
@@ -16266,10 +16676,10 @@
       </p:sp>
       <p:pic>
         <p:nvPicPr>
-          <p:cNvPr id="12" name="Graphic 11" descr="End with solid fill">
+          <p:cNvPr id="16" name="Graphic 15" descr="End with solid fill">
             <a:extLst>
               <a:ext uri="{FF2B5EF4-FFF2-40B4-BE49-F238E27FC236}">
-                <a16:creationId xmlns:a16="http://schemas.microsoft.com/office/drawing/2014/main" id="{2703EA15-8188-46B8-B204-FA437024F4A9}"/>
+                <a16:creationId xmlns:a16="http://schemas.microsoft.com/office/drawing/2014/main" id="{6397EBB0-5D98-426C-A7BE-3A6EA3D730BD}"/>
               </a:ext>
             </a:extLst>
           </p:cNvPr>
@@ -16295,7 +16705,7 @@
         </p:blipFill>
         <p:spPr>
           <a:xfrm>
-            <a:off x="9982200" y="5051903"/>
+            <a:off x="10674349" y="5274154"/>
             <a:ext cx="679451" cy="679451"/>
           </a:xfrm>
           <a:prstGeom prst="rect">
@@ -16305,10 +16715,10 @@
       </p:pic>
       <p:pic>
         <p:nvPicPr>
-          <p:cNvPr id="14" name="Graphic 13" descr="Play with solid fill">
+          <p:cNvPr id="17" name="Graphic 16" descr="Play with solid fill">
             <a:extLst>
               <a:ext uri="{FF2B5EF4-FFF2-40B4-BE49-F238E27FC236}">
-                <a16:creationId xmlns:a16="http://schemas.microsoft.com/office/drawing/2014/main" id="{5BC5E27A-311A-4E88-BEAB-B2978BF0688D}"/>
+                <a16:creationId xmlns:a16="http://schemas.microsoft.com/office/drawing/2014/main" id="{D51000BD-EE7E-4CA2-A731-BBF01F23B485}"/>
               </a:ext>
             </a:extLst>
           </p:cNvPr>
@@ -16334,7 +16744,7 @@
         </p:blipFill>
         <p:spPr>
           <a:xfrm>
-            <a:off x="9906967" y="3590885"/>
+            <a:off x="10674349" y="3781413"/>
             <a:ext cx="679451" cy="679451"/>
           </a:xfrm>
           <a:prstGeom prst="rect">
@@ -16345,7 +16755,7 @@
     </p:spTree>
     <p:extLst>
       <p:ext uri="{BB962C8B-B14F-4D97-AF65-F5344CB8AC3E}">
-        <p14:creationId xmlns:p14="http://schemas.microsoft.com/office/powerpoint/2010/main" val="4049771469"/>
+        <p14:creationId xmlns:p14="http://schemas.microsoft.com/office/powerpoint/2010/main" val="667715676"/>
       </p:ext>
     </p:extLst>
   </p:cSld>
@@ -16382,7 +16792,12 @@
             <p:ph type="title"/>
           </p:nvPr>
         </p:nvSpPr>
-        <p:spPr/>
+        <p:spPr>
+          <a:xfrm>
+            <a:off x="1047750" y="1990724"/>
+            <a:ext cx="10299700" cy="2886075"/>
+          </a:xfrm>
+        </p:spPr>
         <p:txBody>
           <a:bodyPr/>
           <a:lstStyle/>
@@ -16421,7 +16836,12 @@
             <p:ph type="body" idx="1"/>
           </p:nvPr>
         </p:nvSpPr>
-        <p:spPr/>
+        <p:spPr>
+          <a:xfrm>
+            <a:off x="1047748" y="4876799"/>
+            <a:ext cx="10299701" cy="1212851"/>
+          </a:xfrm>
+        </p:spPr>
         <p:txBody>
           <a:bodyPr/>
           <a:lstStyle/>
@@ -16467,7 +16887,7 @@
     </p:spTree>
     <p:extLst>
       <p:ext uri="{BB962C8B-B14F-4D97-AF65-F5344CB8AC3E}">
-        <p14:creationId xmlns:p14="http://schemas.microsoft.com/office/powerpoint/2010/main" val="3419717452"/>
+        <p14:creationId xmlns:p14="http://schemas.microsoft.com/office/powerpoint/2010/main" val="2386872643"/>
       </p:ext>
     </p:extLst>
   </p:cSld>
@@ -16506,18 +16926,18 @@
         </p:nvSpPr>
         <p:spPr>
           <a:xfrm>
-            <a:off x="838200" y="465221"/>
-            <a:ext cx="10515600" cy="5711742"/>
+            <a:off x="1057274" y="552449"/>
+            <a:ext cx="10296525" cy="6169026"/>
           </a:xfrm>
         </p:spPr>
         <p:txBody>
           <a:bodyPr>
-            <a:normAutofit fontScale="92500"/>
+            <a:normAutofit/>
           </a:bodyPr>
           <a:lstStyle/>
           <a:p>
             <a:r>
-              <a:rPr lang="en-US">
+              <a:rPr lang="en-US" sz="2400">
                 <a:solidFill>
                   <a:srgbClr val="FF0000"/>
                 </a:solidFill>
@@ -16527,7 +16947,7 @@
           </a:p>
           <a:p>
             <a:r>
-              <a:rPr lang="en-US">
+              <a:rPr lang="en-US" sz="2400">
                 <a:solidFill>
                   <a:srgbClr val="FF0000"/>
                 </a:solidFill>
@@ -16535,7 +16955,7 @@
               <a:t>Liddy, E.D. 2001. Natural Language Processing. In Encyclopedia of Library and Information Science, 2</a:t>
             </a:r>
             <a:r>
-              <a:rPr lang="en-US" baseline="30000">
+              <a:rPr lang="en-US" sz="2400" baseline="30000">
                 <a:solidFill>
                   <a:srgbClr val="FF0000"/>
                 </a:solidFill>
@@ -16543,7 +16963,7 @@
               <a:t>nd</a:t>
             </a:r>
             <a:r>
-              <a:rPr lang="en-US">
+              <a:rPr lang="en-US" sz="2400">
                 <a:solidFill>
                   <a:srgbClr val="FF0000"/>
                 </a:solidFill>
@@ -16553,7 +16973,7 @@
           </a:p>
           <a:p>
             <a:r>
-              <a:rPr lang="en-US">
+              <a:rPr lang="en-US" sz="2400">
                 <a:solidFill>
                   <a:srgbClr val="FF0000"/>
                 </a:solidFill>
@@ -16561,7 +16981,7 @@
               <a:t>Prakash M Nadkarni, Lucila Ohno-Machado, Wendy W Chapman, Natural language processing: an introduction, Journal of the American Medical Informatics Association, Volume 18, Issue 5, September 2011, Pages 544–551, </a:t>
             </a:r>
             <a:r>
-              <a:rPr lang="en-US">
+              <a:rPr lang="en-US" sz="2400">
                 <a:solidFill>
                   <a:srgbClr val="FF0000"/>
                 </a:solidFill>
@@ -16569,7 +16989,7 @@
               </a:rPr>
               <a:t>https://doi.org/10.1136/amiajnl-2011-000464</a:t>
             </a:r>
-            <a:endParaRPr lang="en-US">
+            <a:endParaRPr lang="en-US" sz="2400">
               <a:solidFill>
                 <a:srgbClr val="FF0000"/>
               </a:solidFill>
@@ -16577,7 +16997,7 @@
           </a:p>
           <a:p>
             <a:r>
-              <a:rPr lang="en-US">
+              <a:rPr lang="en-US" sz="2400">
                 <a:solidFill>
                   <a:srgbClr val="FF0000"/>
                 </a:solidFill>
@@ -16585,7 +17005,7 @@
               <a:t>I. Vayansky and S.A.P. Kumar, A review of topic modeling methods, Information Systems (2020), doi: </a:t>
             </a:r>
             <a:r>
-              <a:rPr lang="en-US">
+              <a:rPr lang="en-US" sz="2400">
                 <a:solidFill>
                   <a:srgbClr val="FF0000"/>
                 </a:solidFill>
@@ -16594,7 +17014,7 @@
               <a:t>https://doi.org/10.1016/j.is.2020.101582</a:t>
             </a:r>
             <a:r>
-              <a:rPr lang="en-US">
+              <a:rPr lang="en-US" sz="2400">
                 <a:solidFill>
                   <a:srgbClr val="FF0000"/>
                 </a:solidFill>
@@ -16604,7 +17024,7 @@
           </a:p>
           <a:p>
             <a:r>
-              <a:rPr lang="en-US">
+              <a:rPr lang="en-US" sz="2400">
                 <a:solidFill>
                   <a:srgbClr val="FF0000"/>
                 </a:solidFill>
@@ -16613,7 +17033,7 @@
             </a:r>
           </a:p>
           <a:p>
-            <a:endParaRPr lang="en-US">
+            <a:endParaRPr lang="en-US" sz="2400">
               <a:solidFill>
                 <a:srgbClr val="FF0000"/>
               </a:solidFill>
@@ -16684,7 +17104,12 @@
             <p:ph type="title"/>
           </p:nvPr>
         </p:nvSpPr>
-        <p:spPr/>
+        <p:spPr>
+          <a:xfrm>
+            <a:off x="1066800" y="561524"/>
+            <a:ext cx="10287000" cy="1129164"/>
+          </a:xfrm>
+        </p:spPr>
         <p:txBody>
           <a:bodyPr/>
           <a:lstStyle/>
@@ -16737,8 +17162,8 @@
         </p:nvSpPr>
         <p:spPr>
           <a:xfrm>
-            <a:off x="2219325" y="1804762"/>
-            <a:ext cx="9134473" cy="2548164"/>
+            <a:off x="2495550" y="2004786"/>
+            <a:ext cx="8858249" cy="2872013"/>
           </a:xfrm>
           <a:prstGeom prst="rect">
             <a:avLst/>
@@ -16900,8 +17325,8 @@
         </p:blipFill>
         <p:spPr>
           <a:xfrm>
-            <a:off x="838200" y="1690688"/>
-            <a:ext cx="1162051" cy="1162051"/>
+            <a:off x="1066800" y="2004787"/>
+            <a:ext cx="1428750" cy="1428750"/>
           </a:xfrm>
           <a:prstGeom prst="rect">
             <a:avLst/>
@@ -16940,32 +17365,6 @@
       </p:grpSpPr>
       <p:sp>
         <p:nvSpPr>
-          <p:cNvPr id="2" name="Titel 1"/>
-          <p:cNvSpPr>
-            <a:spLocks noGrp="1"/>
-          </p:cNvSpPr>
-          <p:nvPr>
-            <p:ph type="title"/>
-          </p:nvPr>
-        </p:nvSpPr>
-        <p:spPr/>
-        <p:txBody>
-          <a:bodyPr/>
-          <a:lstStyle/>
-          <a:p>
-            <a:r>
-              <a:rPr lang="en-US"/>
-              <a:t>Intro NLP  </a:t>
-            </a:r>
-            <a:r>
-              <a:rPr lang="en-US" b="1"/>
-              <a:t>Human-like Language Processing</a:t>
-            </a:r>
-          </a:p>
-        </p:txBody>
-      </p:sp>
-      <p:sp>
-        <p:nvSpPr>
           <p:cNvPr id="4" name="Foliennummernplatzhalter 3"/>
           <p:cNvSpPr>
             <a:spLocks noGrp="1"/>
@@ -17005,8 +17404,8 @@
         </p:nvSpPr>
         <p:spPr>
           <a:xfrm>
-            <a:off x="838200" y="1825625"/>
-            <a:ext cx="10515600" cy="4351338"/>
+            <a:off x="1066798" y="1990725"/>
+            <a:ext cx="10287001" cy="4186238"/>
           </a:xfrm>
         </p:spPr>
         <p:txBody>
@@ -17076,8 +17475,8 @@
         </p:blipFill>
         <p:spPr>
           <a:xfrm>
-            <a:off x="6738257" y="3429000"/>
-            <a:ext cx="4005943" cy="2365614"/>
+            <a:off x="6833358" y="4152900"/>
+            <a:ext cx="2939488" cy="1428750"/>
           </a:xfrm>
           <a:prstGeom prst="rect">
             <a:avLst/>
@@ -17098,13 +17497,13 @@
         </p:nvSpPr>
         <p:spPr>
           <a:xfrm>
-            <a:off x="1447802" y="3429000"/>
-            <a:ext cx="4005942" cy="2363154"/>
+            <a:off x="1762125" y="4152900"/>
+            <a:ext cx="2920353" cy="1428750"/>
           </a:xfrm>
           <a:prstGeom prst="wedgeRectCallout">
             <a:avLst>
-              <a:gd name="adj1" fmla="val -33302"/>
-              <a:gd name="adj2" fmla="val 68949"/>
+              <a:gd name="adj1" fmla="val -32978"/>
+              <a:gd name="adj2" fmla="val 83475"/>
             </a:avLst>
           </a:prstGeom>
           <a:solidFill>
@@ -17167,8 +17566,8 @@
         </p:nvSpPr>
         <p:spPr>
           <a:xfrm rot="8059677">
-            <a:off x="5254545" y="4106577"/>
-            <a:ext cx="1008000" cy="1008000"/>
+            <a:off x="4885418" y="4368303"/>
+            <a:ext cx="1022464" cy="997944"/>
           </a:xfrm>
           <a:prstGeom prst="halfFrame">
             <a:avLst>
@@ -17214,6 +17613,43 @@
           </a:p>
         </p:txBody>
       </p:sp>
+      <p:sp>
+        <p:nvSpPr>
+          <p:cNvPr id="12" name="Titel 1">
+            <a:extLst>
+              <a:ext uri="{FF2B5EF4-FFF2-40B4-BE49-F238E27FC236}">
+                <a16:creationId xmlns:a16="http://schemas.microsoft.com/office/drawing/2014/main" id="{478EA67A-3C39-4D0A-996A-C363F30A14B2}"/>
+              </a:ext>
+            </a:extLst>
+          </p:cNvPr>
+          <p:cNvSpPr>
+            <a:spLocks noGrp="1"/>
+          </p:cNvSpPr>
+          <p:nvPr>
+            <p:ph type="title"/>
+          </p:nvPr>
+        </p:nvSpPr>
+        <p:spPr>
+          <a:xfrm>
+            <a:off x="1066800" y="561524"/>
+            <a:ext cx="10287000" cy="1129164"/>
+          </a:xfrm>
+        </p:spPr>
+        <p:txBody>
+          <a:bodyPr/>
+          <a:lstStyle/>
+          <a:p>
+            <a:r>
+              <a:rPr lang="en-US"/>
+              <a:t>Intro NLP  </a:t>
+            </a:r>
+            <a:r>
+              <a:rPr lang="en-US" b="1"/>
+              <a:t>Human-like Language Processing</a:t>
+            </a:r>
+          </a:p>
+        </p:txBody>
+      </p:sp>
     </p:spTree>
     <p:extLst>
       <p:ext uri="{BB962C8B-B14F-4D97-AF65-F5344CB8AC3E}">
@@ -17246,32 +17682,6 @@
       </p:grpSpPr>
       <p:sp>
         <p:nvSpPr>
-          <p:cNvPr id="2" name="Titel 1"/>
-          <p:cNvSpPr>
-            <a:spLocks noGrp="1"/>
-          </p:cNvSpPr>
-          <p:nvPr>
-            <p:ph type="title"/>
-          </p:nvPr>
-        </p:nvSpPr>
-        <p:spPr/>
-        <p:txBody>
-          <a:bodyPr/>
-          <a:lstStyle/>
-          <a:p>
-            <a:r>
-              <a:rPr lang="en-US"/>
-              <a:t>Intro NLP  </a:t>
-            </a:r>
-            <a:r>
-              <a:rPr lang="en-US" b="1"/>
-              <a:t>Naturally Occurring Texts</a:t>
-            </a:r>
-          </a:p>
-        </p:txBody>
-      </p:sp>
-      <p:sp>
-        <p:nvSpPr>
           <p:cNvPr id="4" name="Foliennummernplatzhalter 3"/>
           <p:cNvSpPr>
             <a:spLocks noGrp="1"/>
@@ -17295,10 +17705,10 @@
       </p:sp>
       <p:sp>
         <p:nvSpPr>
-          <p:cNvPr id="5" name="Content Placeholder 2">
+          <p:cNvPr id="7" name="Titel 1">
             <a:extLst>
               <a:ext uri="{FF2B5EF4-FFF2-40B4-BE49-F238E27FC236}">
-                <a16:creationId xmlns:a16="http://schemas.microsoft.com/office/drawing/2014/main" id="{2103F23C-B021-4F14-8084-0CDDB4205028}"/>
+                <a16:creationId xmlns:a16="http://schemas.microsoft.com/office/drawing/2014/main" id="{DFD17A34-9106-40ED-A9DF-891BA0E6720A}"/>
               </a:ext>
             </a:extLst>
           </p:cNvPr>
@@ -17306,13 +17716,50 @@
             <a:spLocks noGrp="1"/>
           </p:cNvSpPr>
           <p:nvPr>
-            <p:ph idx="1"/>
+            <p:ph type="title"/>
           </p:nvPr>
         </p:nvSpPr>
         <p:spPr>
           <a:xfrm>
-            <a:off x="838200" y="1825625"/>
-            <a:ext cx="10515600" cy="4351338"/>
+            <a:off x="1066800" y="561524"/>
+            <a:ext cx="10287000" cy="1129164"/>
+          </a:xfrm>
+        </p:spPr>
+        <p:txBody>
+          <a:bodyPr/>
+          <a:lstStyle/>
+          <a:p>
+            <a:r>
+              <a:rPr lang="en-US"/>
+              <a:t>Intro NLP  </a:t>
+            </a:r>
+            <a:r>
+              <a:rPr lang="en-US" b="1"/>
+              <a:t>Naturally Occurring Texts</a:t>
+            </a:r>
+          </a:p>
+        </p:txBody>
+      </p:sp>
+      <p:sp>
+        <p:nvSpPr>
+          <p:cNvPr id="10" name="Content Placeholder 2">
+            <a:extLst>
+              <a:ext uri="{FF2B5EF4-FFF2-40B4-BE49-F238E27FC236}">
+                <a16:creationId xmlns:a16="http://schemas.microsoft.com/office/drawing/2014/main" id="{C92DBD2C-6498-4CD3-BD7A-B27915CB999F}"/>
+              </a:ext>
+            </a:extLst>
+          </p:cNvPr>
+          <p:cNvSpPr>
+            <a:spLocks noGrp="1"/>
+          </p:cNvSpPr>
+          <p:nvPr>
+            <p:ph idx="1"/>
+          </p:nvPr>
+        </p:nvSpPr>
+        <p:spPr>
+          <a:xfrm>
+            <a:off x="1066798" y="1990725"/>
+            <a:ext cx="10287001" cy="4186238"/>
           </a:xfrm>
         </p:spPr>
         <p:txBody>
@@ -17412,32 +17859,6 @@
       </p:grpSpPr>
       <p:sp>
         <p:nvSpPr>
-          <p:cNvPr id="2" name="Titel 1"/>
-          <p:cNvSpPr>
-            <a:spLocks noGrp="1"/>
-          </p:cNvSpPr>
-          <p:nvPr>
-            <p:ph type="title"/>
-          </p:nvPr>
-        </p:nvSpPr>
-        <p:spPr/>
-        <p:txBody>
-          <a:bodyPr/>
-          <a:lstStyle/>
-          <a:p>
-            <a:r>
-              <a:rPr lang="en-US"/>
-              <a:t>Intro NLP  </a:t>
-            </a:r>
-            <a:r>
-              <a:rPr lang="en-US" b="1"/>
-              <a:t>Levels of Linguistic Analysis</a:t>
-            </a:r>
-          </a:p>
-        </p:txBody>
-      </p:sp>
-      <p:sp>
-        <p:nvSpPr>
           <p:cNvPr id="4" name="Foliennummernplatzhalter 3"/>
           <p:cNvSpPr>
             <a:spLocks noGrp="1"/>
@@ -17461,10 +17882,10 @@
       </p:sp>
       <p:sp>
         <p:nvSpPr>
-          <p:cNvPr id="5" name="Content Placeholder 2">
+          <p:cNvPr id="9" name="Titel 1">
             <a:extLst>
               <a:ext uri="{FF2B5EF4-FFF2-40B4-BE49-F238E27FC236}">
-                <a16:creationId xmlns:a16="http://schemas.microsoft.com/office/drawing/2014/main" id="{2103F23C-B021-4F14-8084-0CDDB4205028}"/>
+                <a16:creationId xmlns:a16="http://schemas.microsoft.com/office/drawing/2014/main" id="{7807725C-718A-4D77-AD01-05225CF68388}"/>
               </a:ext>
             </a:extLst>
           </p:cNvPr>
@@ -17472,13 +17893,50 @@
             <a:spLocks noGrp="1"/>
           </p:cNvSpPr>
           <p:nvPr>
-            <p:ph idx="1"/>
+            <p:ph type="title"/>
           </p:nvPr>
         </p:nvSpPr>
         <p:spPr>
           <a:xfrm>
-            <a:off x="838200" y="1825625"/>
-            <a:ext cx="10515600" cy="4351338"/>
+            <a:off x="1066800" y="561524"/>
+            <a:ext cx="10287000" cy="1129164"/>
+          </a:xfrm>
+        </p:spPr>
+        <p:txBody>
+          <a:bodyPr/>
+          <a:lstStyle/>
+          <a:p>
+            <a:r>
+              <a:rPr lang="en-US"/>
+              <a:t>Intro NLP  </a:t>
+            </a:r>
+            <a:r>
+              <a:rPr lang="en-US" b="1"/>
+              <a:t>Levels of Linguistic Analysis</a:t>
+            </a:r>
+          </a:p>
+        </p:txBody>
+      </p:sp>
+      <p:sp>
+        <p:nvSpPr>
+          <p:cNvPr id="10" name="Content Placeholder 2">
+            <a:extLst>
+              <a:ext uri="{FF2B5EF4-FFF2-40B4-BE49-F238E27FC236}">
+                <a16:creationId xmlns:a16="http://schemas.microsoft.com/office/drawing/2014/main" id="{67443131-1CA9-405F-8B23-66FD98AB33DC}"/>
+              </a:ext>
+            </a:extLst>
+          </p:cNvPr>
+          <p:cNvSpPr>
+            <a:spLocks noGrp="1"/>
+          </p:cNvSpPr>
+          <p:nvPr>
+            <p:ph idx="1"/>
+          </p:nvPr>
+        </p:nvSpPr>
+        <p:spPr>
+          <a:xfrm>
+            <a:off x="1066798" y="1990725"/>
+            <a:ext cx="10287001" cy="4186238"/>
           </a:xfrm>
         </p:spPr>
         <p:txBody>
@@ -17584,32 +18042,6 @@
       </p:grpSpPr>
       <p:sp>
         <p:nvSpPr>
-          <p:cNvPr id="2" name="Titel 1"/>
-          <p:cNvSpPr>
-            <a:spLocks noGrp="1"/>
-          </p:cNvSpPr>
-          <p:nvPr>
-            <p:ph type="title"/>
-          </p:nvPr>
-        </p:nvSpPr>
-        <p:spPr/>
-        <p:txBody>
-          <a:bodyPr/>
-          <a:lstStyle/>
-          <a:p>
-            <a:r>
-              <a:rPr lang="en-US"/>
-              <a:t>Intro NLP  </a:t>
-            </a:r>
-            <a:r>
-              <a:rPr lang="en-US" b="1"/>
-              <a:t>Tasks</a:t>
-            </a:r>
-          </a:p>
-        </p:txBody>
-      </p:sp>
-      <p:sp>
-        <p:nvSpPr>
           <p:cNvPr id="4" name="Foliennummernplatzhalter 3"/>
           <p:cNvSpPr>
             <a:spLocks noGrp="1"/>
@@ -17633,10 +18065,10 @@
       </p:sp>
       <p:sp>
         <p:nvSpPr>
-          <p:cNvPr id="5" name="Content Placeholder 2">
+          <p:cNvPr id="9" name="Titel 1">
             <a:extLst>
               <a:ext uri="{FF2B5EF4-FFF2-40B4-BE49-F238E27FC236}">
-                <a16:creationId xmlns:a16="http://schemas.microsoft.com/office/drawing/2014/main" id="{2103F23C-B021-4F14-8084-0CDDB4205028}"/>
+                <a16:creationId xmlns:a16="http://schemas.microsoft.com/office/drawing/2014/main" id="{7807725C-718A-4D77-AD01-05225CF68388}"/>
               </a:ext>
             </a:extLst>
           </p:cNvPr>
@@ -17644,13 +18076,13 @@
             <a:spLocks noGrp="1"/>
           </p:cNvSpPr>
           <p:nvPr>
-            <p:ph idx="1"/>
+            <p:ph type="title"/>
           </p:nvPr>
         </p:nvSpPr>
         <p:spPr>
           <a:xfrm>
-            <a:off x="838200" y="1825625"/>
-            <a:ext cx="10515600" cy="4351338"/>
+            <a:off x="1066800" y="561524"/>
+            <a:ext cx="10287000" cy="1129164"/>
           </a:xfrm>
         </p:spPr>
         <p:txBody>
@@ -17659,6 +18091,43 @@
           <a:p>
             <a:r>
               <a:rPr lang="en-US"/>
+              <a:t>Intro NLP  </a:t>
+            </a:r>
+            <a:r>
+              <a:rPr lang="en-US" b="1"/>
+              <a:t>Tasks</a:t>
+            </a:r>
+          </a:p>
+        </p:txBody>
+      </p:sp>
+      <p:sp>
+        <p:nvSpPr>
+          <p:cNvPr id="10" name="Content Placeholder 2">
+            <a:extLst>
+              <a:ext uri="{FF2B5EF4-FFF2-40B4-BE49-F238E27FC236}">
+                <a16:creationId xmlns:a16="http://schemas.microsoft.com/office/drawing/2014/main" id="{67443131-1CA9-405F-8B23-66FD98AB33DC}"/>
+              </a:ext>
+            </a:extLst>
+          </p:cNvPr>
+          <p:cNvSpPr>
+            <a:spLocks noGrp="1"/>
+          </p:cNvSpPr>
+          <p:nvPr>
+            <p:ph idx="1"/>
+          </p:nvPr>
+        </p:nvSpPr>
+        <p:spPr>
+          <a:xfrm>
+            <a:off x="1066798" y="1990725"/>
+            <a:ext cx="10287001" cy="4186238"/>
+          </a:xfrm>
+        </p:spPr>
+        <p:txBody>
+          <a:bodyPr/>
+          <a:lstStyle/>
+          <a:p>
+            <a:r>
+              <a:rPr lang="en-US"/>
               <a:t>High-level tasks</a:t>
             </a:r>
           </a:p>
@@ -17726,25 +18195,21 @@
             </a:r>
             <a:r>
               <a:rPr lang="en-US" b="1" i="1"/>
-              <a:t>	</a:t>
+              <a:t>		</a:t>
             </a:r>
             <a:r>
               <a:rPr lang="en-US" sz="2400" i="1"/>
               <a:t>many more</a:t>
             </a:r>
           </a:p>
-          <a:p>
-            <a:pPr lvl="1"/>
-            <a:endParaRPr lang="en-US" b="1"/>
-          </a:p>
         </p:txBody>
       </p:sp>
       <p:pic>
         <p:nvPicPr>
-          <p:cNvPr id="15" name="Graphic 14" descr="Add with solid fill">
+          <p:cNvPr id="5" name="Graphic 4" descr="Add with solid fill">
             <a:extLst>
               <a:ext uri="{FF2B5EF4-FFF2-40B4-BE49-F238E27FC236}">
-                <a16:creationId xmlns:a16="http://schemas.microsoft.com/office/drawing/2014/main" id="{05AFF3F1-98F8-45E2-B8B5-F6381CD64433}"/>
+                <a16:creationId xmlns:a16="http://schemas.microsoft.com/office/drawing/2014/main" id="{79DE25FD-E5AE-4211-A31A-FA5CC48F09C0}"/>
               </a:ext>
             </a:extLst>
           </p:cNvPr>
@@ -17770,7 +18235,7 @@
         </p:blipFill>
         <p:spPr>
           <a:xfrm>
-            <a:off x="4533899" y="5238422"/>
+            <a:off x="5719762" y="5424487"/>
             <a:ext cx="752475" cy="752475"/>
           </a:xfrm>
           <a:prstGeom prst="rect">
@@ -17781,7 +18246,7 @@
     </p:spTree>
     <p:extLst>
       <p:ext uri="{BB962C8B-B14F-4D97-AF65-F5344CB8AC3E}">
-        <p14:creationId xmlns:p14="http://schemas.microsoft.com/office/powerpoint/2010/main" val="1450274218"/>
+        <p14:creationId xmlns:p14="http://schemas.microsoft.com/office/powerpoint/2010/main" val="646949114"/>
       </p:ext>
     </p:extLst>
   </p:cSld>
@@ -17810,32 +18275,6 @@
       </p:grpSpPr>
       <p:sp>
         <p:nvSpPr>
-          <p:cNvPr id="2" name="Titel 1"/>
-          <p:cNvSpPr>
-            <a:spLocks noGrp="1"/>
-          </p:cNvSpPr>
-          <p:nvPr>
-            <p:ph type="title"/>
-          </p:nvPr>
-        </p:nvSpPr>
-        <p:spPr/>
-        <p:txBody>
-          <a:bodyPr/>
-          <a:lstStyle/>
-          <a:p>
-            <a:r>
-              <a:rPr lang="en-US"/>
-              <a:t>Intro NLP  </a:t>
-            </a:r>
-            <a:r>
-              <a:rPr lang="en-US" b="1"/>
-              <a:t>Tasks</a:t>
-            </a:r>
-          </a:p>
-        </p:txBody>
-      </p:sp>
-      <p:sp>
-        <p:nvSpPr>
           <p:cNvPr id="4" name="Foliennummernplatzhalter 3"/>
           <p:cNvSpPr>
             <a:spLocks noGrp="1"/>
@@ -17859,10 +18298,10 @@
       </p:sp>
       <p:sp>
         <p:nvSpPr>
-          <p:cNvPr id="5" name="Content Placeholder 2">
+          <p:cNvPr id="9" name="Titel 1">
             <a:extLst>
               <a:ext uri="{FF2B5EF4-FFF2-40B4-BE49-F238E27FC236}">
-                <a16:creationId xmlns:a16="http://schemas.microsoft.com/office/drawing/2014/main" id="{2103F23C-B021-4F14-8084-0CDDB4205028}"/>
+                <a16:creationId xmlns:a16="http://schemas.microsoft.com/office/drawing/2014/main" id="{7807725C-718A-4D77-AD01-05225CF68388}"/>
               </a:ext>
             </a:extLst>
           </p:cNvPr>
@@ -17870,13 +18309,13 @@
             <a:spLocks noGrp="1"/>
           </p:cNvSpPr>
           <p:nvPr>
-            <p:ph idx="1"/>
+            <p:ph type="title"/>
           </p:nvPr>
         </p:nvSpPr>
         <p:spPr>
           <a:xfrm>
-            <a:off x="838200" y="1825625"/>
-            <a:ext cx="10515600" cy="4351338"/>
+            <a:off x="1066800" y="561524"/>
+            <a:ext cx="10287000" cy="1129164"/>
           </a:xfrm>
         </p:spPr>
         <p:txBody>
@@ -17885,6 +18324,43 @@
           <a:p>
             <a:r>
               <a:rPr lang="en-US"/>
+              <a:t>Intro NLP  </a:t>
+            </a:r>
+            <a:r>
+              <a:rPr lang="en-US" b="1"/>
+              <a:t>Tasks</a:t>
+            </a:r>
+          </a:p>
+        </p:txBody>
+      </p:sp>
+      <p:sp>
+        <p:nvSpPr>
+          <p:cNvPr id="10" name="Content Placeholder 2">
+            <a:extLst>
+              <a:ext uri="{FF2B5EF4-FFF2-40B4-BE49-F238E27FC236}">
+                <a16:creationId xmlns:a16="http://schemas.microsoft.com/office/drawing/2014/main" id="{67443131-1CA9-405F-8B23-66FD98AB33DC}"/>
+              </a:ext>
+            </a:extLst>
+          </p:cNvPr>
+          <p:cNvSpPr>
+            <a:spLocks noGrp="1"/>
+          </p:cNvSpPr>
+          <p:nvPr>
+            <p:ph idx="1"/>
+          </p:nvPr>
+        </p:nvSpPr>
+        <p:spPr>
+          <a:xfrm>
+            <a:off x="1066798" y="1990725"/>
+            <a:ext cx="10287001" cy="4186238"/>
+          </a:xfrm>
+        </p:spPr>
+        <p:txBody>
+          <a:bodyPr/>
+          <a:lstStyle/>
+          <a:p>
+            <a:r>
+              <a:rPr lang="en-US"/>
               <a:t>Low-level tasks</a:t>
             </a:r>
           </a:p>
@@ -17938,17 +18414,19 @@
             </a:r>
           </a:p>
           <a:p>
-            <a:pPr lvl="1"/>
+            <a:pPr marL="457200" lvl="1" indent="0">
+              <a:buNone/>
+            </a:pPr>
             <a:endParaRPr lang="en-US"/>
           </a:p>
         </p:txBody>
       </p:sp>
       <p:grpSp>
         <p:nvGrpSpPr>
-          <p:cNvPr id="7" name="Group 6">
+          <p:cNvPr id="6" name="Group 5">
             <a:extLst>
               <a:ext uri="{FF2B5EF4-FFF2-40B4-BE49-F238E27FC236}">
-                <a16:creationId xmlns:a16="http://schemas.microsoft.com/office/drawing/2014/main" id="{6C9C155E-DA53-40CF-86C8-2EE966F01A83}"/>
+                <a16:creationId xmlns:a16="http://schemas.microsoft.com/office/drawing/2014/main" id="{895CA0E2-78A2-4478-97A1-CFDDD994252B}"/>
               </a:ext>
             </a:extLst>
           </p:cNvPr>
@@ -17957,18 +18435,18 @@
         </p:nvGrpSpPr>
         <p:grpSpPr>
           <a:xfrm>
-            <a:off x="8175024" y="1825625"/>
-            <a:ext cx="3178776" cy="3018518"/>
+            <a:off x="8039100" y="1981199"/>
+            <a:ext cx="3095626" cy="3019426"/>
             <a:chOff x="8175024" y="1825625"/>
             <a:chExt cx="3178776" cy="3018518"/>
           </a:xfrm>
         </p:grpSpPr>
         <p:pic>
           <p:nvPicPr>
-            <p:cNvPr id="6" name="Picture 5">
+            <p:cNvPr id="7" name="Picture 6">
               <a:extLst>
                 <a:ext uri="{FF2B5EF4-FFF2-40B4-BE49-F238E27FC236}">
-                  <a16:creationId xmlns:a16="http://schemas.microsoft.com/office/drawing/2014/main" id="{A6A16240-E3F8-4F4A-B3F0-EDB543FEC54B}"/>
+                  <a16:creationId xmlns:a16="http://schemas.microsoft.com/office/drawing/2014/main" id="{A11C8E05-3C61-4388-9237-FC74CA078C90}"/>
                 </a:ext>
               </a:extLst>
             </p:cNvPr>
@@ -17997,10 +18475,10 @@
         </p:pic>
         <p:sp>
           <p:nvSpPr>
-            <p:cNvPr id="3" name="Rectangle 2">
+            <p:cNvPr id="8" name="Rectangle 7">
               <a:extLst>
                 <a:ext uri="{FF2B5EF4-FFF2-40B4-BE49-F238E27FC236}">
-                  <a16:creationId xmlns:a16="http://schemas.microsoft.com/office/drawing/2014/main" id="{6F1B4DB9-A33F-49B0-B003-A480203C9EDE}"/>
+                  <a16:creationId xmlns:a16="http://schemas.microsoft.com/office/drawing/2014/main" id="{1D990E18-21F4-4EE0-84DD-9F9B3FBD3236}"/>
                 </a:ext>
               </a:extLst>
             </p:cNvPr>
@@ -18053,7 +18531,7 @@
     </p:spTree>
     <p:extLst>
       <p:ext uri="{BB962C8B-B14F-4D97-AF65-F5344CB8AC3E}">
-        <p14:creationId xmlns:p14="http://schemas.microsoft.com/office/powerpoint/2010/main" val="3527106942"/>
+        <p14:creationId xmlns:p14="http://schemas.microsoft.com/office/powerpoint/2010/main" val="2958608266"/>
       </p:ext>
     </p:extLst>
   </p:cSld>

--- a/5_seminar/Contents_Part_01/Präsentation_Teil1.pptx
+++ b/5_seminar/Contents_Part_01/Präsentation_Teil1.pptx
@@ -144,7 +144,7 @@
   <p:extLst>
     <p:ext uri="{EFAFB233-063F-42B5-8137-9DF3F51BA10A}">
       <p15:sldGuideLst xmlns:p15="http://schemas.microsoft.com/office/powerpoint/2012/main">
-        <p15:guide id="1" orient="horz" pos="2160" userDrawn="1">
+        <p15:guide id="1" orient="horz" pos="2137" userDrawn="1">
           <p15:clr>
             <a:srgbClr val="A4A3A4"/>
           </p15:clr>
@@ -14353,7 +14353,7 @@
         </p:nvSpPr>
         <p:spPr>
           <a:xfrm>
-            <a:off x="2484540" y="5708252"/>
+            <a:off x="2018555" y="5708252"/>
             <a:ext cx="8640662" cy="461665"/>
           </a:xfrm>
           <a:prstGeom prst="rect">

--- a/5_seminar/Contents_Part_01/Präsentation_Teil1.pptx
+++ b/5_seminar/Contents_Part_01/Präsentation_Teil1.pptx
@@ -15086,6 +15086,139 @@
           </a:p>
         </p:txBody>
       </p:sp>
+      <p:sp>
+        <p:nvSpPr>
+          <p:cNvPr id="5" name="Right Brace 4">
+            <a:extLst>
+              <a:ext uri="{FF2B5EF4-FFF2-40B4-BE49-F238E27FC236}">
+                <a16:creationId xmlns:a16="http://schemas.microsoft.com/office/drawing/2014/main" id="{7B7B8591-78F1-4886-AE68-E57DAEC3AA2D}"/>
+              </a:ext>
+            </a:extLst>
+          </p:cNvPr>
+          <p:cNvSpPr/>
+          <p:nvPr/>
+        </p:nvSpPr>
+        <p:spPr>
+          <a:xfrm>
+            <a:off x="6819625" y="3937426"/>
+            <a:ext cx="120671" cy="1658702"/>
+          </a:xfrm>
+          <a:prstGeom prst="rightBrace">
+            <a:avLst/>
+          </a:prstGeom>
+          <a:noFill/>
+          <a:ln w="28575">
+            <a:solidFill>
+              <a:schemeClr val="tx1">
+                <a:lumMod val="50000"/>
+                <a:lumOff val="50000"/>
+              </a:schemeClr>
+            </a:solidFill>
+          </a:ln>
+        </p:spPr>
+        <p:style>
+          <a:lnRef idx="1">
+            <a:schemeClr val="accent1"/>
+          </a:lnRef>
+          <a:fillRef idx="0">
+            <a:schemeClr val="accent1"/>
+          </a:fillRef>
+          <a:effectRef idx="0">
+            <a:schemeClr val="accent1"/>
+          </a:effectRef>
+          <a:fontRef idx="minor">
+            <a:schemeClr val="tx1"/>
+          </a:fontRef>
+        </p:style>
+        <p:txBody>
+          <a:bodyPr rtlCol="0" anchor="ctr"/>
+          <a:lstStyle/>
+          <a:p>
+            <a:pPr algn="ctr"/>
+            <a:endParaRPr lang="en-US"/>
+          </a:p>
+        </p:txBody>
+      </p:sp>
+      <p:sp>
+        <p:nvSpPr>
+          <p:cNvPr id="6" name="Speech Bubble: Rectangle 5">
+            <a:extLst>
+              <a:ext uri="{FF2B5EF4-FFF2-40B4-BE49-F238E27FC236}">
+                <a16:creationId xmlns:a16="http://schemas.microsoft.com/office/drawing/2014/main" id="{DF27D15A-2FCB-4844-8681-F99A5867D109}"/>
+              </a:ext>
+            </a:extLst>
+          </p:cNvPr>
+          <p:cNvSpPr/>
+          <p:nvPr/>
+        </p:nvSpPr>
+        <p:spPr>
+          <a:xfrm>
+            <a:off x="6620827" y="4544526"/>
+            <a:ext cx="3279648" cy="444501"/>
+          </a:xfrm>
+          <a:prstGeom prst="wedgeRectCallout">
+            <a:avLst>
+              <a:gd name="adj1" fmla="val -60500"/>
+              <a:gd name="adj2" fmla="val -7955"/>
+            </a:avLst>
+          </a:prstGeom>
+          <a:noFill/>
+          <a:ln>
+            <a:noFill/>
+          </a:ln>
+        </p:spPr>
+        <p:style>
+          <a:lnRef idx="2">
+            <a:schemeClr val="accent1">
+              <a:shade val="50000"/>
+            </a:schemeClr>
+          </a:lnRef>
+          <a:fillRef idx="1">
+            <a:schemeClr val="accent1"/>
+          </a:fillRef>
+          <a:effectRef idx="0">
+            <a:schemeClr val="accent1"/>
+          </a:effectRef>
+          <a:fontRef idx="minor">
+            <a:schemeClr val="lt1"/>
+          </a:fontRef>
+        </p:style>
+        <p:txBody>
+          <a:bodyPr rtlCol="0" anchor="ctr"/>
+          <a:lstStyle/>
+          <a:p>
+            <a:pPr algn="r"/>
+            <a:r>
+              <a:rPr lang="de-DE" sz="2400" i="1">
+                <a:solidFill>
+                  <a:schemeClr val="tx1"/>
+                </a:solidFill>
+              </a:rPr>
+              <a:t>text normalization – </a:t>
+            </a:r>
+            <a:br>
+              <a:rPr lang="de-DE" sz="2400" i="1">
+                <a:solidFill>
+                  <a:schemeClr val="tx1"/>
+                </a:solidFill>
+              </a:rPr>
+            </a:br>
+            <a:r>
+              <a:rPr lang="de-DE" sz="2400" i="1">
+                <a:solidFill>
+                  <a:schemeClr val="tx1"/>
+                </a:solidFill>
+              </a:rPr>
+              <a:t>to be continued</a:t>
+            </a:r>
+            <a:endParaRPr lang="en-US" sz="2400" i="1">
+              <a:solidFill>
+                <a:schemeClr val="tx1"/>
+              </a:solidFill>
+            </a:endParaRPr>
+          </a:p>
+        </p:txBody>
+      </p:sp>
     </p:spTree>
     <p:extLst>
       <p:ext uri="{BB962C8B-B14F-4D97-AF65-F5344CB8AC3E}">

--- a/5_seminar/Contents_Part_01/Präsentation_Teil1.pptx
+++ b/5_seminar/Contents_Part_01/Präsentation_Teil1.pptx
@@ -242,7 +242,7 @@
           <a:p>
             <a:fld id="{7A5B87F2-13FD-4A24-9F19-39B31C60B536}" type="datetimeFigureOut">
               <a:rPr lang="en-US" smtClean="0"/>
-              <a:t>4/3/2021</a:t>
+              <a:t>4/10/2021</a:t>
             </a:fld>
             <a:endParaRPr lang="en-US"/>
           </a:p>
@@ -3682,7 +3682,7 @@
           <a:p>
             <a:fld id="{5A1811BA-6AD9-41A7-B7A2-456C8523519C}" type="datetime1">
               <a:rPr lang="en-US" smtClean="0"/>
-              <a:t>4/3/2021</a:t>
+              <a:t>4/10/2021</a:t>
             </a:fld>
             <a:endParaRPr lang="en-US"/>
           </a:p>
@@ -3852,7 +3852,7 @@
           <a:p>
             <a:fld id="{B0494441-C196-4BB0-93EE-AF22360207AB}" type="datetime1">
               <a:rPr lang="en-US" smtClean="0"/>
-              <a:t>4/3/2021</a:t>
+              <a:t>4/10/2021</a:t>
             </a:fld>
             <a:endParaRPr lang="en-US"/>
           </a:p>
@@ -4032,7 +4032,7 @@
           <a:p>
             <a:fld id="{D7B9282B-C3CE-4F56-8DD1-5349F982F1D2}" type="datetime1">
               <a:rPr lang="en-US" smtClean="0"/>
-              <a:t>4/3/2021</a:t>
+              <a:t>4/10/2021</a:t>
             </a:fld>
             <a:endParaRPr lang="en-US"/>
           </a:p>
@@ -4202,7 +4202,7 @@
           <a:p>
             <a:fld id="{E6E86D6A-786F-4E85-AF3B-385015383ABA}" type="datetime1">
               <a:rPr lang="en-US" smtClean="0"/>
-              <a:t>4/3/2021</a:t>
+              <a:t>4/10/2021</a:t>
             </a:fld>
             <a:endParaRPr lang="en-US"/>
           </a:p>
@@ -4448,7 +4448,7 @@
           <a:p>
             <a:fld id="{051FFEB0-9C80-4A34-A5C7-72D52D52FC7D}" type="datetime1">
               <a:rPr lang="en-US" smtClean="0"/>
-              <a:t>4/3/2021</a:t>
+              <a:t>4/10/2021</a:t>
             </a:fld>
             <a:endParaRPr lang="en-US"/>
           </a:p>
@@ -4680,7 +4680,7 @@
           <a:p>
             <a:fld id="{084267AD-C299-471B-ABA1-D0EA94C7EDCF}" type="datetime1">
               <a:rPr lang="en-US" smtClean="0"/>
-              <a:t>4/3/2021</a:t>
+              <a:t>4/10/2021</a:t>
             </a:fld>
             <a:endParaRPr lang="en-US"/>
           </a:p>
@@ -5047,7 +5047,7 @@
           <a:p>
             <a:fld id="{6468DBC7-10F8-46A1-8CE1-DBB0A6F0EF3E}" type="datetime1">
               <a:rPr lang="en-US" smtClean="0"/>
-              <a:t>4/3/2021</a:t>
+              <a:t>4/10/2021</a:t>
             </a:fld>
             <a:endParaRPr lang="en-US"/>
           </a:p>
@@ -5165,7 +5165,7 @@
           <a:p>
             <a:fld id="{0A97ED80-8DDA-43A7-A78F-B0542D691D0E}" type="datetime1">
               <a:rPr lang="en-US" smtClean="0"/>
-              <a:t>4/3/2021</a:t>
+              <a:t>4/10/2021</a:t>
             </a:fld>
             <a:endParaRPr lang="en-US"/>
           </a:p>
@@ -5260,7 +5260,7 @@
           <a:p>
             <a:fld id="{0AF827E6-45BA-40D2-98F2-BE4FFF095577}" type="datetime1">
               <a:rPr lang="en-US" smtClean="0"/>
-              <a:t>4/3/2021</a:t>
+              <a:t>4/10/2021</a:t>
             </a:fld>
             <a:endParaRPr lang="en-US"/>
           </a:p>
@@ -5537,7 +5537,7 @@
           <a:p>
             <a:fld id="{42BD114C-22EA-4B1A-A45B-ED6465C7BB4E}" type="datetime1">
               <a:rPr lang="en-US" smtClean="0"/>
-              <a:t>4/3/2021</a:t>
+              <a:t>4/10/2021</a:t>
             </a:fld>
             <a:endParaRPr lang="en-US"/>
           </a:p>
@@ -5790,7 +5790,7 @@
           <a:p>
             <a:fld id="{F46F8903-38BE-4FD8-98FC-E4EF771B2D8C}" type="datetime1">
               <a:rPr lang="en-US" smtClean="0"/>
-              <a:t>4/3/2021</a:t>
+              <a:t>4/10/2021</a:t>
             </a:fld>
             <a:endParaRPr lang="en-US"/>
           </a:p>
@@ -6003,7 +6003,7 @@
           <a:p>
             <a:fld id="{A91AC8C7-9CA9-4E83-8CE3-AD3BE4150B39}" type="datetime1">
               <a:rPr lang="en-US" smtClean="0"/>
-              <a:t>4/3/2021</a:t>
+              <a:t>4/10/2021</a:t>
             </a:fld>
             <a:endParaRPr lang="en-US"/>
           </a:p>
@@ -11817,7 +11817,7 @@
             </a:r>
             <a:r>
               <a:rPr lang="en-US"/>
-              <a:t>ombine topic extraction and sentiment analysis</a:t>
+              <a:t>ombine topic extraction (1) and sentiment analysis (2)</a:t>
             </a:r>
           </a:p>
           <a:p>
@@ -12163,9 +12163,9 @@
         <p:grpSpPr>
           <a:xfrm>
             <a:off x="1089868" y="2001663"/>
-            <a:ext cx="10355164" cy="724932"/>
+            <a:ext cx="10449920" cy="724932"/>
             <a:chOff x="1089868" y="2001663"/>
-            <a:chExt cx="10355164" cy="724932"/>
+            <a:chExt cx="10449920" cy="724932"/>
           </a:xfrm>
         </p:grpSpPr>
         <p:sp>
@@ -12554,8 +12554,8 @@
           </p:nvSpPr>
           <p:spPr>
             <a:xfrm>
-              <a:off x="7101670" y="2006587"/>
-              <a:ext cx="4343362" cy="720000"/>
+              <a:off x="7101669" y="2006587"/>
+              <a:ext cx="4438119" cy="720000"/>
             </a:xfrm>
             <a:prstGeom prst="homePlate">
               <a:avLst>
@@ -12628,7 +12628,7 @@
         <p:grpSpPr>
           <a:xfrm>
             <a:off x="719137" y="3702019"/>
-            <a:ext cx="10729912" cy="720016"/>
+            <a:ext cx="10820654" cy="720016"/>
             <a:chOff x="719137" y="3702019"/>
             <a:chExt cx="10729912" cy="720016"/>
           </a:xfrm>
@@ -12899,9 +12899,9 @@
         <p:grpSpPr>
           <a:xfrm>
             <a:off x="1099635" y="2854250"/>
-            <a:ext cx="10814422" cy="720074"/>
+            <a:ext cx="10841854" cy="720074"/>
             <a:chOff x="1085850" y="2854250"/>
-            <a:chExt cx="10814422" cy="720074"/>
+            <a:chExt cx="10841854" cy="720074"/>
           </a:xfrm>
         </p:grpSpPr>
         <p:sp>
@@ -12976,8 +12976,8 @@
           </p:nvSpPr>
           <p:spPr>
             <a:xfrm flipH="1">
-              <a:off x="5991222" y="2854324"/>
-              <a:ext cx="5453809" cy="720000"/>
+              <a:off x="5991221" y="2854324"/>
+              <a:ext cx="5516495" cy="720000"/>
             </a:xfrm>
             <a:prstGeom prst="homePlate">
               <a:avLst/>
@@ -13114,7 +13114,7 @@
           </p:nvSpPr>
           <p:spPr>
             <a:xfrm flipH="1">
-              <a:off x="11123978" y="2854250"/>
+              <a:off x="11151410" y="2854250"/>
               <a:ext cx="776294" cy="720000"/>
             </a:xfrm>
             <a:prstGeom prst="homePlate">
@@ -13516,7 +13516,7 @@
         </p:nvSpPr>
         <p:spPr>
           <a:xfrm flipH="1">
-            <a:off x="11156071" y="4549683"/>
+            <a:off x="11183503" y="4549683"/>
             <a:ext cx="776294" cy="720000"/>
           </a:xfrm>
           <a:prstGeom prst="homePlate">

--- a/5_seminar/Contents_Part_01/Präsentation_Teil1.pptx
+++ b/5_seminar/Contents_Part_01/Präsentation_Teil1.pptx
@@ -242,7 +242,7 @@
           <a:p>
             <a:fld id="{7A5B87F2-13FD-4A24-9F19-39B31C60B536}" type="datetimeFigureOut">
               <a:rPr lang="en-US" smtClean="0"/>
-              <a:t>4/10/2021</a:t>
+              <a:t>4/12/2021</a:t>
             </a:fld>
             <a:endParaRPr lang="en-US"/>
           </a:p>
@@ -3682,7 +3682,7 @@
           <a:p>
             <a:fld id="{5A1811BA-6AD9-41A7-B7A2-456C8523519C}" type="datetime1">
               <a:rPr lang="en-US" smtClean="0"/>
-              <a:t>4/10/2021</a:t>
+              <a:t>4/12/2021</a:t>
             </a:fld>
             <a:endParaRPr lang="en-US"/>
           </a:p>
@@ -3852,7 +3852,7 @@
           <a:p>
             <a:fld id="{B0494441-C196-4BB0-93EE-AF22360207AB}" type="datetime1">
               <a:rPr lang="en-US" smtClean="0"/>
-              <a:t>4/10/2021</a:t>
+              <a:t>4/12/2021</a:t>
             </a:fld>
             <a:endParaRPr lang="en-US"/>
           </a:p>
@@ -4032,7 +4032,7 @@
           <a:p>
             <a:fld id="{D7B9282B-C3CE-4F56-8DD1-5349F982F1D2}" type="datetime1">
               <a:rPr lang="en-US" smtClean="0"/>
-              <a:t>4/10/2021</a:t>
+              <a:t>4/12/2021</a:t>
             </a:fld>
             <a:endParaRPr lang="en-US"/>
           </a:p>
@@ -4202,7 +4202,7 @@
           <a:p>
             <a:fld id="{E6E86D6A-786F-4E85-AF3B-385015383ABA}" type="datetime1">
               <a:rPr lang="en-US" smtClean="0"/>
-              <a:t>4/10/2021</a:t>
+              <a:t>4/12/2021</a:t>
             </a:fld>
             <a:endParaRPr lang="en-US"/>
           </a:p>
@@ -4448,7 +4448,7 @@
           <a:p>
             <a:fld id="{051FFEB0-9C80-4A34-A5C7-72D52D52FC7D}" type="datetime1">
               <a:rPr lang="en-US" smtClean="0"/>
-              <a:t>4/10/2021</a:t>
+              <a:t>4/12/2021</a:t>
             </a:fld>
             <a:endParaRPr lang="en-US"/>
           </a:p>
@@ -4680,7 +4680,7 @@
           <a:p>
             <a:fld id="{084267AD-C299-471B-ABA1-D0EA94C7EDCF}" type="datetime1">
               <a:rPr lang="en-US" smtClean="0"/>
-              <a:t>4/10/2021</a:t>
+              <a:t>4/12/2021</a:t>
             </a:fld>
             <a:endParaRPr lang="en-US"/>
           </a:p>
@@ -5047,7 +5047,7 @@
           <a:p>
             <a:fld id="{6468DBC7-10F8-46A1-8CE1-DBB0A6F0EF3E}" type="datetime1">
               <a:rPr lang="en-US" smtClean="0"/>
-              <a:t>4/10/2021</a:t>
+              <a:t>4/12/2021</a:t>
             </a:fld>
             <a:endParaRPr lang="en-US"/>
           </a:p>
@@ -5165,7 +5165,7 @@
           <a:p>
             <a:fld id="{0A97ED80-8DDA-43A7-A78F-B0542D691D0E}" type="datetime1">
               <a:rPr lang="en-US" smtClean="0"/>
-              <a:t>4/10/2021</a:t>
+              <a:t>4/12/2021</a:t>
             </a:fld>
             <a:endParaRPr lang="en-US"/>
           </a:p>
@@ -5260,7 +5260,7 @@
           <a:p>
             <a:fld id="{0AF827E6-45BA-40D2-98F2-BE4FFF095577}" type="datetime1">
               <a:rPr lang="en-US" smtClean="0"/>
-              <a:t>4/10/2021</a:t>
+              <a:t>4/12/2021</a:t>
             </a:fld>
             <a:endParaRPr lang="en-US"/>
           </a:p>
@@ -5537,7 +5537,7 @@
           <a:p>
             <a:fld id="{42BD114C-22EA-4B1A-A45B-ED6465C7BB4E}" type="datetime1">
               <a:rPr lang="en-US" smtClean="0"/>
-              <a:t>4/10/2021</a:t>
+              <a:t>4/12/2021</a:t>
             </a:fld>
             <a:endParaRPr lang="en-US"/>
           </a:p>
@@ -5790,7 +5790,7 @@
           <a:p>
             <a:fld id="{F46F8903-38BE-4FD8-98FC-E4EF771B2D8C}" type="datetime1">
               <a:rPr lang="en-US" smtClean="0"/>
-              <a:t>4/10/2021</a:t>
+              <a:t>4/12/2021</a:t>
             </a:fld>
             <a:endParaRPr lang="en-US"/>
           </a:p>
@@ -6003,7 +6003,7 @@
           <a:p>
             <a:fld id="{A91AC8C7-9CA9-4E83-8CE3-AD3BE4150B39}" type="datetime1">
               <a:rPr lang="en-US" smtClean="0"/>
-              <a:t>4/10/2021</a:t>
+              <a:t>4/12/2021</a:t>
             </a:fld>
             <a:endParaRPr lang="en-US"/>
           </a:p>
@@ -8785,14 +8785,14 @@
           <p:nvPr>
             <p:extLst>
               <p:ext uri="{D42A27DB-BD31-4B8C-83A1-F6EECF244321}">
-                <p14:modId xmlns:p14="http://schemas.microsoft.com/office/powerpoint/2010/main" val="2342021060"/>
+                <p14:modId xmlns:p14="http://schemas.microsoft.com/office/powerpoint/2010/main" val="2729130515"/>
               </p:ext>
             </p:extLst>
           </p:nvPr>
         </p:nvGraphicFramePr>
         <p:xfrm>
           <a:off x="1066799" y="1990724"/>
-          <a:ext cx="10286999" cy="4358640"/>
+          <a:ext cx="10286999" cy="4267200"/>
         </p:xfrm>
         <a:graphic>
           <a:graphicData uri="http://schemas.openxmlformats.org/drawingml/2006/table">
@@ -8823,17 +8823,17 @@
                   </a:extLst>
                 </a:gridCol>
               </a:tblGrid>
-              <a:tr h="326881">
+              <a:tr h="259488">
                 <a:tc>
                   <a:txBody>
                     <a:bodyPr/>
                     <a:lstStyle/>
                     <a:p>
                       <a:r>
-                        <a:rPr lang="de-DE" sz="1600" b="1"/>
+                        <a:rPr lang="de-DE" sz="1400" b="1"/>
                         <a:t>Variable</a:t>
                       </a:r>
-                      <a:endParaRPr lang="en-US" sz="1600" b="1"/>
+                      <a:endParaRPr lang="en-US" sz="1400" b="1"/>
                     </a:p>
                   </a:txBody>
                   <a:tcPr/>
@@ -8844,10 +8844,10 @@
                     <a:lstStyle/>
                     <a:p>
                       <a:r>
-                        <a:rPr lang="de-DE" sz="1600" b="1"/>
+                        <a:rPr lang="de-DE" sz="1400" b="1"/>
                         <a:t>Type</a:t>
                       </a:r>
-                      <a:endParaRPr lang="en-US" sz="1600" b="1"/>
+                      <a:endParaRPr lang="en-US" sz="1400" b="1"/>
                     </a:p>
                   </a:txBody>
                   <a:tcPr/>
@@ -8858,10 +8858,10 @@
                     <a:lstStyle/>
                     <a:p>
                       <a:r>
-                        <a:rPr lang="de-DE" sz="1600" b="1"/>
+                        <a:rPr lang="de-DE" sz="1400" b="1"/>
                         <a:t>Description</a:t>
                       </a:r>
-                      <a:endParaRPr lang="en-US" sz="1600" b="1"/>
+                      <a:endParaRPr lang="en-US" sz="1400" b="1"/>
                     </a:p>
                   </a:txBody>
                   <a:tcPr/>
@@ -8872,19 +8872,19 @@
                   </a:ext>
                 </a:extLst>
               </a:tr>
-              <a:tr h="331573">
+              <a:tr h="259488">
                 <a:tc>
                   <a:txBody>
                     <a:bodyPr/>
                     <a:lstStyle/>
                     <a:p>
                       <a:r>
-                        <a:rPr lang="de-DE" sz="1600">
+                        <a:rPr lang="de-DE" sz="1400">
                           <a:latin typeface="Consolas" panose="020B0609020204030204" pitchFamily="49" charset="0"/>
                         </a:rPr>
                         <a:t>last_name</a:t>
                       </a:r>
-                      <a:endParaRPr lang="en-US" sz="1600">
+                      <a:endParaRPr lang="en-US" sz="1400">
                         <a:latin typeface="Consolas" panose="020B0609020204030204" pitchFamily="49" charset="0"/>
                       </a:endParaRPr>
                     </a:p>
@@ -8897,12 +8897,12 @@
                     <a:lstStyle/>
                     <a:p>
                       <a:r>
-                        <a:rPr lang="de-DE" sz="1600">
+                        <a:rPr lang="de-DE" sz="1400">
                           <a:latin typeface="Consolas" panose="020B0609020204030204" pitchFamily="49" charset="0"/>
                         </a:rPr>
                         <a:t>chr</a:t>
                       </a:r>
-                      <a:endParaRPr lang="en-US" sz="1600">
+                      <a:endParaRPr lang="en-US" sz="1400">
                         <a:latin typeface="Consolas" panose="020B0609020204030204" pitchFamily="49" charset="0"/>
                       </a:endParaRPr>
                     </a:p>
@@ -8915,10 +8915,10 @@
                     <a:lstStyle/>
                     <a:p>
                       <a:r>
-                        <a:rPr lang="de-DE" sz="1600"/>
+                        <a:rPr lang="de-DE" sz="1400"/>
                         <a:t>MP‘s last name</a:t>
                       </a:r>
-                      <a:endParaRPr lang="en-US" sz="1600"/>
+                      <a:endParaRPr lang="en-US" sz="1400"/>
                     </a:p>
                   </a:txBody>
                   <a:tcPr/>
@@ -8929,19 +8929,19 @@
                   </a:ext>
                 </a:extLst>
               </a:tr>
-              <a:tr h="331573">
+              <a:tr h="259488">
                 <a:tc>
                   <a:txBody>
                     <a:bodyPr/>
                     <a:lstStyle/>
                     <a:p>
                       <a:r>
-                        <a:rPr lang="de-DE" sz="1600">
+                        <a:rPr lang="de-DE" sz="1400">
                           <a:latin typeface="Consolas" panose="020B0609020204030204" pitchFamily="49" charset="0"/>
                         </a:rPr>
                         <a:t>first_name</a:t>
                       </a:r>
-                      <a:endParaRPr lang="en-US" sz="1600">
+                      <a:endParaRPr lang="en-US" sz="1400">
                         <a:latin typeface="Consolas" panose="020B0609020204030204" pitchFamily="49" charset="0"/>
                       </a:endParaRPr>
                     </a:p>
@@ -8954,12 +8954,12 @@
                     <a:lstStyle/>
                     <a:p>
                       <a:r>
-                        <a:rPr lang="de-DE" sz="1600">
+                        <a:rPr lang="de-DE" sz="1400">
                           <a:latin typeface="Consolas" panose="020B0609020204030204" pitchFamily="49" charset="0"/>
                         </a:rPr>
                         <a:t>chr</a:t>
                       </a:r>
-                      <a:endParaRPr lang="en-US" sz="1600">
+                      <a:endParaRPr lang="en-US" sz="1400">
                         <a:latin typeface="Consolas" panose="020B0609020204030204" pitchFamily="49" charset="0"/>
                       </a:endParaRPr>
                     </a:p>
@@ -8972,10 +8972,10 @@
                     <a:lstStyle/>
                     <a:p>
                       <a:r>
-                        <a:rPr lang="de-DE" sz="1600"/>
+                        <a:rPr lang="de-DE" sz="1400"/>
                         <a:t>MP‘s first name</a:t>
                       </a:r>
-                      <a:endParaRPr lang="en-US" sz="1600"/>
+                      <a:endParaRPr lang="en-US" sz="1400"/>
                     </a:p>
                   </a:txBody>
                   <a:tcPr/>
@@ -8986,19 +8986,19 @@
                   </a:ext>
                 </a:extLst>
               </a:tr>
-              <a:tr h="331573">
+              <a:tr h="259488">
                 <a:tc>
                   <a:txBody>
                     <a:bodyPr/>
                     <a:lstStyle/>
                     <a:p>
                       <a:r>
-                        <a:rPr lang="de-DE" sz="1600">
+                        <a:rPr lang="de-DE" sz="1400">
                           <a:latin typeface="Consolas" panose="020B0609020204030204" pitchFamily="49" charset="0"/>
                         </a:rPr>
-                        <a:t>party</a:t>
+                        <a:t>wahlkreis_name</a:t>
                       </a:r>
-                      <a:endParaRPr lang="en-US" sz="1600">
+                      <a:endParaRPr lang="en-US" sz="1400">
                         <a:latin typeface="Consolas" panose="020B0609020204030204" pitchFamily="49" charset="0"/>
                       </a:endParaRPr>
                     </a:p>
@@ -9011,12 +9011,12 @@
                     <a:lstStyle/>
                     <a:p>
                       <a:r>
-                        <a:rPr lang="de-DE" sz="1600">
+                        <a:rPr lang="de-DE" sz="1400">
                           <a:latin typeface="Consolas" panose="020B0609020204030204" pitchFamily="49" charset="0"/>
                         </a:rPr>
-                        <a:t>factor</a:t>
+                        <a:t>chr</a:t>
                       </a:r>
-                      <a:endParaRPr lang="en-US" sz="1600">
+                      <a:endParaRPr lang="en-US" sz="1400">
                         <a:latin typeface="Consolas" panose="020B0609020204030204" pitchFamily="49" charset="0"/>
                       </a:endParaRPr>
                     </a:p>
@@ -9029,33 +9029,33 @@
                     <a:lstStyle/>
                     <a:p>
                       <a:r>
-                        <a:rPr lang="de-DE" sz="1600"/>
-                        <a:t>MP‘s political part</a:t>
+                        <a:rPr lang="de-DE" sz="1400"/>
+                        <a:t>MP‘s electoral district</a:t>
                       </a:r>
-                      <a:endParaRPr lang="en-US" sz="1600"/>
+                      <a:endParaRPr lang="en-US" sz="1400"/>
                     </a:p>
                   </a:txBody>
                   <a:tcPr/>
                 </a:tc>
                 <a:extLst>
                   <a:ext uri="{0D108BD9-81ED-4DB2-BD59-A6C34878D82A}">
-                    <a16:rowId xmlns:a16="http://schemas.microsoft.com/office/drawing/2014/main" val="3743779192"/>
+                    <a16:rowId xmlns:a16="http://schemas.microsoft.com/office/drawing/2014/main" val="3777663055"/>
                   </a:ext>
                 </a:extLst>
               </a:tr>
-              <a:tr h="331573">
+              <a:tr h="259488">
                 <a:tc>
                   <a:txBody>
                     <a:bodyPr/>
                     <a:lstStyle/>
                     <a:p>
                       <a:r>
-                        <a:rPr lang="de-DE" sz="1600">
+                        <a:rPr lang="de-DE" sz="1400">
                           <a:latin typeface="Consolas" panose="020B0609020204030204" pitchFamily="49" charset="0"/>
                         </a:rPr>
-                        <a:t>bundesland</a:t>
+                        <a:t>party</a:t>
                       </a:r>
-                      <a:endParaRPr lang="en-US" sz="1600">
+                      <a:endParaRPr lang="en-US" sz="1400">
                         <a:latin typeface="Consolas" panose="020B0609020204030204" pitchFamily="49" charset="0"/>
                       </a:endParaRPr>
                     </a:p>
@@ -9068,12 +9068,12 @@
                     <a:lstStyle/>
                     <a:p>
                       <a:r>
-                        <a:rPr lang="de-DE" sz="1600">
+                        <a:rPr lang="de-DE" sz="1400">
                           <a:latin typeface="Consolas" panose="020B0609020204030204" pitchFamily="49" charset="0"/>
                         </a:rPr>
                         <a:t>factor</a:t>
                       </a:r>
-                      <a:endParaRPr lang="en-US" sz="1600">
+                      <a:endParaRPr lang="en-US" sz="1400">
                         <a:latin typeface="Consolas" panose="020B0609020204030204" pitchFamily="49" charset="0"/>
                       </a:endParaRPr>
                     </a:p>
@@ -9086,33 +9086,33 @@
                     <a:lstStyle/>
                     <a:p>
                       <a:r>
-                        <a:rPr lang="de-DE" sz="1600"/>
-                        <a:t>Federal state of MP‘s electoral district</a:t>
+                        <a:rPr lang="de-DE" sz="1400"/>
+                        <a:t>MP‘s political party</a:t>
                       </a:r>
-                      <a:endParaRPr lang="en-US" sz="1600"/>
+                      <a:endParaRPr lang="en-US" sz="1400"/>
                     </a:p>
                   </a:txBody>
                   <a:tcPr/>
                 </a:tc>
                 <a:extLst>
                   <a:ext uri="{0D108BD9-81ED-4DB2-BD59-A6C34878D82A}">
-                    <a16:rowId xmlns:a16="http://schemas.microsoft.com/office/drawing/2014/main" val="2586419261"/>
+                    <a16:rowId xmlns:a16="http://schemas.microsoft.com/office/drawing/2014/main" val="3743779192"/>
                   </a:ext>
                 </a:extLst>
               </a:tr>
-              <a:tr h="331573">
+              <a:tr h="259488">
                 <a:tc>
                   <a:txBody>
                     <a:bodyPr/>
                     <a:lstStyle/>
                     <a:p>
                       <a:r>
-                        <a:rPr lang="de-DE" sz="1600">
+                        <a:rPr lang="de-DE" sz="1400">
                           <a:latin typeface="Consolas" panose="020B0609020204030204" pitchFamily="49" charset="0"/>
                         </a:rPr>
-                        <a:t>unemployment_rate</a:t>
+                        <a:t>bundesland</a:t>
                       </a:r>
-                      <a:endParaRPr lang="en-US" sz="1600">
+                      <a:endParaRPr lang="en-US" sz="1400">
                         <a:latin typeface="Consolas" panose="020B0609020204030204" pitchFamily="49" charset="0"/>
                       </a:endParaRPr>
                     </a:p>
@@ -9125,12 +9125,12 @@
                     <a:lstStyle/>
                     <a:p>
                       <a:r>
-                        <a:rPr lang="de-DE" sz="1600">
+                        <a:rPr lang="de-DE" sz="1400">
                           <a:latin typeface="Consolas" panose="020B0609020204030204" pitchFamily="49" charset="0"/>
                         </a:rPr>
-                        <a:t>num</a:t>
+                        <a:t>factor</a:t>
                       </a:r>
-                      <a:endParaRPr lang="en-US" sz="1600">
+                      <a:endParaRPr lang="en-US" sz="1400">
                         <a:latin typeface="Consolas" panose="020B0609020204030204" pitchFamily="49" charset="0"/>
                       </a:endParaRPr>
                     </a:p>
@@ -9143,33 +9143,33 @@
                     <a:lstStyle/>
                     <a:p>
                       <a:r>
-                        <a:rPr lang="de-DE" sz="1600"/>
-                        <a:t>Unemployment rate in MP‘s electoral district during 2017 election</a:t>
+                        <a:rPr lang="de-DE" sz="1400"/>
+                        <a:t>Federal state of MP‘s electoral district</a:t>
                       </a:r>
-                      <a:endParaRPr lang="en-US" sz="1600"/>
+                      <a:endParaRPr lang="en-US" sz="1400"/>
                     </a:p>
                   </a:txBody>
                   <a:tcPr/>
                 </a:tc>
                 <a:extLst>
                   <a:ext uri="{0D108BD9-81ED-4DB2-BD59-A6C34878D82A}">
-                    <a16:rowId xmlns:a16="http://schemas.microsoft.com/office/drawing/2014/main" val="2834735668"/>
+                    <a16:rowId xmlns:a16="http://schemas.microsoft.com/office/drawing/2014/main" val="2586419261"/>
                   </a:ext>
                 </a:extLst>
               </a:tr>
-              <a:tr h="331573">
+              <a:tr h="259488">
                 <a:tc>
                   <a:txBody>
                     <a:bodyPr/>
                     <a:lstStyle/>
                     <a:p>
                       <a:r>
-                        <a:rPr lang="de-DE" sz="1600">
+                        <a:rPr lang="de-DE" sz="1400">
                           <a:latin typeface="Consolas" panose="020B0609020204030204" pitchFamily="49" charset="0"/>
                         </a:rPr>
-                        <a:t>user_name</a:t>
+                        <a:t>unemployment_rate</a:t>
                       </a:r>
-                      <a:endParaRPr lang="en-US" sz="1600">
+                      <a:endParaRPr lang="en-US" sz="1400">
                         <a:latin typeface="Consolas" panose="020B0609020204030204" pitchFamily="49" charset="0"/>
                       </a:endParaRPr>
                     </a:p>
@@ -9182,12 +9182,12 @@
                     <a:lstStyle/>
                     <a:p>
                       <a:r>
-                        <a:rPr lang="de-DE" sz="1600">
+                        <a:rPr lang="de-DE" sz="1400">
                           <a:latin typeface="Consolas" panose="020B0609020204030204" pitchFamily="49" charset="0"/>
                         </a:rPr>
-                        <a:t>chr</a:t>
+                        <a:t>num</a:t>
                       </a:r>
-                      <a:endParaRPr lang="en-US" sz="1600">
+                      <a:endParaRPr lang="en-US" sz="1400">
                         <a:latin typeface="Consolas" panose="020B0609020204030204" pitchFamily="49" charset="0"/>
                       </a:endParaRPr>
                     </a:p>
@@ -9200,33 +9200,33 @@
                     <a:lstStyle/>
                     <a:p>
                       <a:r>
-                        <a:rPr lang="de-DE" sz="1600"/>
-                        <a:t>MP‘s username on Twitter</a:t>
+                        <a:rPr lang="de-DE" sz="1400"/>
+                        <a:t>Unemployment rate in MP‘s electoral district during 2017 election</a:t>
                       </a:r>
-                      <a:endParaRPr lang="en-US" sz="1600"/>
+                      <a:endParaRPr lang="en-US" sz="1400"/>
                     </a:p>
                   </a:txBody>
                   <a:tcPr/>
                 </a:tc>
                 <a:extLst>
                   <a:ext uri="{0D108BD9-81ED-4DB2-BD59-A6C34878D82A}">
-                    <a16:rowId xmlns:a16="http://schemas.microsoft.com/office/drawing/2014/main" val="3169794567"/>
+                    <a16:rowId xmlns:a16="http://schemas.microsoft.com/office/drawing/2014/main" val="2834735668"/>
                   </a:ext>
                 </a:extLst>
               </a:tr>
-              <a:tr h="331573">
+              <a:tr h="259488">
                 <a:tc>
                   <a:txBody>
                     <a:bodyPr/>
                     <a:lstStyle/>
                     <a:p>
                       <a:r>
-                        <a:rPr lang="de-DE" sz="1600">
+                        <a:rPr lang="de-DE" sz="1400">
                           <a:latin typeface="Consolas" panose="020B0609020204030204" pitchFamily="49" charset="0"/>
                         </a:rPr>
-                        <a:t>followers_count</a:t>
+                        <a:t>share_pop_migration</a:t>
                       </a:r>
-                      <a:endParaRPr lang="en-US" sz="1600">
+                      <a:endParaRPr lang="en-US" sz="1400">
                         <a:latin typeface="Consolas" panose="020B0609020204030204" pitchFamily="49" charset="0"/>
                       </a:endParaRPr>
                     </a:p>
@@ -9239,12 +9239,12 @@
                     <a:lstStyle/>
                     <a:p>
                       <a:r>
-                        <a:rPr lang="de-DE" sz="1600">
+                        <a:rPr lang="de-DE" sz="1400">
                           <a:latin typeface="Consolas" panose="020B0609020204030204" pitchFamily="49" charset="0"/>
                         </a:rPr>
                         <a:t>num</a:t>
                       </a:r>
-                      <a:endParaRPr lang="en-US" sz="1600">
+                      <a:endParaRPr lang="en-US" sz="1400">
                         <a:latin typeface="Consolas" panose="020B0609020204030204" pitchFamily="49" charset="0"/>
                       </a:endParaRPr>
                     </a:p>
@@ -9257,33 +9257,33 @@
                     <a:lstStyle/>
                     <a:p>
                       <a:r>
-                        <a:rPr lang="de-DE" sz="1600"/>
-                        <a:t>MP‘s number of followers on Twitter at scraping time</a:t>
+                        <a:rPr lang="de-DE" sz="1400"/>
+                        <a:t>Share of migrant population in MP‘s electoral district during 2017 election </a:t>
                       </a:r>
-                      <a:endParaRPr lang="en-US" sz="1600"/>
+                      <a:endParaRPr lang="en-US" sz="1400"/>
                     </a:p>
                   </a:txBody>
                   <a:tcPr/>
                 </a:tc>
                 <a:extLst>
                   <a:ext uri="{0D108BD9-81ED-4DB2-BD59-A6C34878D82A}">
-                    <a16:rowId xmlns:a16="http://schemas.microsoft.com/office/drawing/2014/main" val="3546383149"/>
+                    <a16:rowId xmlns:a16="http://schemas.microsoft.com/office/drawing/2014/main" val="3214618036"/>
                   </a:ext>
                 </a:extLst>
               </a:tr>
-              <a:tr h="331573">
+              <a:tr h="259488">
                 <a:tc>
                   <a:txBody>
                     <a:bodyPr/>
                     <a:lstStyle/>
                     <a:p>
                       <a:r>
-                        <a:rPr lang="de-DE" sz="1600">
+                        <a:rPr lang="de-DE" sz="1400">
                           <a:latin typeface="Consolas" panose="020B0609020204030204" pitchFamily="49" charset="0"/>
                         </a:rPr>
-                        <a:t>created_at</a:t>
+                        <a:t>user_name</a:t>
                       </a:r>
-                      <a:endParaRPr lang="en-US" sz="1600">
+                      <a:endParaRPr lang="en-US" sz="1400">
                         <a:latin typeface="Consolas" panose="020B0609020204030204" pitchFamily="49" charset="0"/>
                       </a:endParaRPr>
                     </a:p>
@@ -9296,12 +9296,12 @@
                     <a:lstStyle/>
                     <a:p>
                       <a:r>
-                        <a:rPr lang="de-DE" sz="1600">
+                        <a:rPr lang="de-DE" sz="1400">
                           <a:latin typeface="Consolas" panose="020B0609020204030204" pitchFamily="49" charset="0"/>
                         </a:rPr>
-                        <a:t>date</a:t>
+                        <a:t>chr</a:t>
                       </a:r>
-                      <a:endParaRPr lang="en-US" sz="1600">
+                      <a:endParaRPr lang="en-US" sz="1400">
                         <a:latin typeface="Consolas" panose="020B0609020204030204" pitchFamily="49" charset="0"/>
                       </a:endParaRPr>
                     </a:p>
@@ -9314,33 +9314,33 @@
                     <a:lstStyle/>
                     <a:p>
                       <a:r>
-                        <a:rPr lang="de-DE" sz="1600"/>
-                        <a:t>Time stamp of tweet creation</a:t>
+                        <a:rPr lang="de-DE" sz="1400"/>
+                        <a:t>MP‘s username on Twitter</a:t>
                       </a:r>
-                      <a:endParaRPr lang="en-US" sz="1600"/>
+                      <a:endParaRPr lang="en-US" sz="1400"/>
                     </a:p>
                   </a:txBody>
                   <a:tcPr/>
                 </a:tc>
                 <a:extLst>
                   <a:ext uri="{0D108BD9-81ED-4DB2-BD59-A6C34878D82A}">
-                    <a16:rowId xmlns:a16="http://schemas.microsoft.com/office/drawing/2014/main" val="3588617551"/>
+                    <a16:rowId xmlns:a16="http://schemas.microsoft.com/office/drawing/2014/main" val="3169794567"/>
                   </a:ext>
                 </a:extLst>
               </a:tr>
-              <a:tr h="331573">
+              <a:tr h="259488">
                 <a:tc>
                   <a:txBody>
                     <a:bodyPr/>
                     <a:lstStyle/>
                     <a:p>
                       <a:r>
-                        <a:rPr lang="de-DE" sz="1600">
+                        <a:rPr lang="de-DE" sz="1400">
                           <a:latin typeface="Consolas" panose="020B0609020204030204" pitchFamily="49" charset="0"/>
                         </a:rPr>
-                        <a:t>location</a:t>
+                        <a:t>followers_count</a:t>
                       </a:r>
-                      <a:endParaRPr lang="en-US" sz="1600">
+                      <a:endParaRPr lang="en-US" sz="1400">
                         <a:latin typeface="Consolas" panose="020B0609020204030204" pitchFamily="49" charset="0"/>
                       </a:endParaRPr>
                     </a:p>
@@ -9353,12 +9353,12 @@
                     <a:lstStyle/>
                     <a:p>
                       <a:r>
-                        <a:rPr lang="de-DE" sz="1600">
+                        <a:rPr lang="de-DE" sz="1400">
                           <a:latin typeface="Consolas" panose="020B0609020204030204" pitchFamily="49" charset="0"/>
                         </a:rPr>
-                        <a:t>chr</a:t>
+                        <a:t>num</a:t>
                       </a:r>
-                      <a:endParaRPr lang="en-US" sz="1600">
+                      <a:endParaRPr lang="en-US" sz="1400">
                         <a:latin typeface="Consolas" panose="020B0609020204030204" pitchFamily="49" charset="0"/>
                       </a:endParaRPr>
                     </a:p>
@@ -9371,33 +9371,33 @@
                     <a:lstStyle/>
                     <a:p>
                       <a:r>
-                        <a:rPr lang="de-DE" sz="1600"/>
-                        <a:t>Location of tweet creation</a:t>
+                        <a:rPr lang="de-DE" sz="1400"/>
+                        <a:t>MP‘s number of followers on Twitter at scraping time</a:t>
                       </a:r>
-                      <a:endParaRPr lang="en-US" sz="1600"/>
+                      <a:endParaRPr lang="en-US" sz="1400"/>
                     </a:p>
                   </a:txBody>
                   <a:tcPr/>
                 </a:tc>
                 <a:extLst>
                   <a:ext uri="{0D108BD9-81ED-4DB2-BD59-A6C34878D82A}">
-                    <a16:rowId xmlns:a16="http://schemas.microsoft.com/office/drawing/2014/main" val="3823518672"/>
+                    <a16:rowId xmlns:a16="http://schemas.microsoft.com/office/drawing/2014/main" val="3546383149"/>
                   </a:ext>
                 </a:extLst>
               </a:tr>
-              <a:tr h="331573">
+              <a:tr h="259488">
                 <a:tc>
                   <a:txBody>
                     <a:bodyPr/>
                     <a:lstStyle/>
                     <a:p>
                       <a:r>
-                        <a:rPr lang="de-DE" sz="1600">
+                        <a:rPr lang="de-DE" sz="1400">
                           <a:latin typeface="Consolas" panose="020B0609020204030204" pitchFamily="49" charset="0"/>
                         </a:rPr>
-                        <a:t>text</a:t>
+                        <a:t>created_at</a:t>
                       </a:r>
-                      <a:endParaRPr lang="en-US" sz="1600">
+                      <a:endParaRPr lang="en-US" sz="1400">
                         <a:latin typeface="Consolas" panose="020B0609020204030204" pitchFamily="49" charset="0"/>
                       </a:endParaRPr>
                     </a:p>
@@ -9410,12 +9410,12 @@
                     <a:lstStyle/>
                     <a:p>
                       <a:r>
-                        <a:rPr lang="de-DE" sz="1600">
+                        <a:rPr lang="de-DE" sz="1400">
                           <a:latin typeface="Consolas" panose="020B0609020204030204" pitchFamily="49" charset="0"/>
                         </a:rPr>
-                        <a:t>chr</a:t>
+                        <a:t>date</a:t>
                       </a:r>
-                      <a:endParaRPr lang="en-US" sz="1600">
+                      <a:endParaRPr lang="en-US" sz="1400">
                         <a:latin typeface="Consolas" panose="020B0609020204030204" pitchFamily="49" charset="0"/>
                       </a:endParaRPr>
                     </a:p>
@@ -9428,33 +9428,33 @@
                     <a:lstStyle/>
                     <a:p>
                       <a:r>
-                        <a:rPr lang="de-DE" sz="1600"/>
-                        <a:t>Tweet text</a:t>
+                        <a:rPr lang="de-DE" sz="1400"/>
+                        <a:t>Time stamp of tweet creation</a:t>
                       </a:r>
-                      <a:endParaRPr lang="en-US" sz="1600"/>
+                      <a:endParaRPr lang="en-US" sz="1400"/>
                     </a:p>
                   </a:txBody>
                   <a:tcPr/>
                 </a:tc>
                 <a:extLst>
                   <a:ext uri="{0D108BD9-81ED-4DB2-BD59-A6C34878D82A}">
-                    <a16:rowId xmlns:a16="http://schemas.microsoft.com/office/drawing/2014/main" val="4291134398"/>
+                    <a16:rowId xmlns:a16="http://schemas.microsoft.com/office/drawing/2014/main" val="3588617551"/>
                   </a:ext>
                 </a:extLst>
               </a:tr>
-              <a:tr h="331573">
+              <a:tr h="259488">
                 <a:tc>
                   <a:txBody>
                     <a:bodyPr/>
                     <a:lstStyle/>
                     <a:p>
                       <a:r>
-                        <a:rPr lang="de-DE" sz="1600">
+                        <a:rPr lang="de-DE" sz="1400">
                           <a:latin typeface="Consolas" panose="020B0609020204030204" pitchFamily="49" charset="0"/>
                         </a:rPr>
-                        <a:t>favorite_count</a:t>
+                        <a:t>text</a:t>
                       </a:r>
-                      <a:endParaRPr lang="en-US" sz="1600">
+                      <a:endParaRPr lang="en-US" sz="1400">
                         <a:latin typeface="Consolas" panose="020B0609020204030204" pitchFamily="49" charset="0"/>
                       </a:endParaRPr>
                     </a:p>
@@ -9467,12 +9467,12 @@
                     <a:lstStyle/>
                     <a:p>
                       <a:r>
-                        <a:rPr lang="de-DE" sz="1600">
+                        <a:rPr lang="de-DE" sz="1400">
                           <a:latin typeface="Consolas" panose="020B0609020204030204" pitchFamily="49" charset="0"/>
                         </a:rPr>
-                        <a:t>num</a:t>
+                        <a:t>chr</a:t>
                       </a:r>
-                      <a:endParaRPr lang="en-US" sz="1600">
+                      <a:endParaRPr lang="en-US" sz="1400">
                         <a:latin typeface="Consolas" panose="020B0609020204030204" pitchFamily="49" charset="0"/>
                       </a:endParaRPr>
                     </a:p>
@@ -9485,33 +9485,33 @@
                     <a:lstStyle/>
                     <a:p>
                       <a:r>
-                        <a:rPr lang="de-DE" sz="1600"/>
-                        <a:t>Number of likes for tweet at scraping time</a:t>
+                        <a:rPr lang="de-DE" sz="1400"/>
+                        <a:t>Tweet text</a:t>
                       </a:r>
-                      <a:endParaRPr lang="en-US" sz="1600"/>
+                      <a:endParaRPr lang="en-US" sz="1400"/>
                     </a:p>
                   </a:txBody>
                   <a:tcPr/>
                 </a:tc>
                 <a:extLst>
                   <a:ext uri="{0D108BD9-81ED-4DB2-BD59-A6C34878D82A}">
-                    <a16:rowId xmlns:a16="http://schemas.microsoft.com/office/drawing/2014/main" val="1227411712"/>
+                    <a16:rowId xmlns:a16="http://schemas.microsoft.com/office/drawing/2014/main" val="4291134398"/>
                   </a:ext>
                 </a:extLst>
               </a:tr>
-              <a:tr h="331573">
+              <a:tr h="259488">
                 <a:tc>
                   <a:txBody>
                     <a:bodyPr/>
                     <a:lstStyle/>
                     <a:p>
                       <a:r>
-                        <a:rPr lang="de-DE" sz="1600">
+                        <a:rPr lang="de-DE" sz="1400">
                           <a:latin typeface="Consolas" panose="020B0609020204030204" pitchFamily="49" charset="0"/>
                         </a:rPr>
-                        <a:t>retweet_count</a:t>
+                        <a:t>favorite_count</a:t>
                       </a:r>
-                      <a:endParaRPr lang="en-US" sz="1600">
+                      <a:endParaRPr lang="en-US" sz="1400">
                         <a:latin typeface="Consolas" panose="020B0609020204030204" pitchFamily="49" charset="0"/>
                       </a:endParaRPr>
                     </a:p>
@@ -9524,12 +9524,12 @@
                     <a:lstStyle/>
                     <a:p>
                       <a:r>
-                        <a:rPr lang="de-DE" sz="1600">
+                        <a:rPr lang="de-DE" sz="1400">
                           <a:latin typeface="Consolas" panose="020B0609020204030204" pitchFamily="49" charset="0"/>
                         </a:rPr>
                         <a:t>num</a:t>
                       </a:r>
-                      <a:endParaRPr lang="en-US" sz="1600">
+                      <a:endParaRPr lang="en-US" sz="1400">
                         <a:latin typeface="Consolas" panose="020B0609020204030204" pitchFamily="49" charset="0"/>
                       </a:endParaRPr>
                     </a:p>
@@ -9542,10 +9542,67 @@
                     <a:lstStyle/>
                     <a:p>
                       <a:r>
-                        <a:rPr lang="de-DE" sz="1600"/>
+                        <a:rPr lang="de-DE" sz="1400"/>
+                        <a:t>Number of likes for tweet at scraping time</a:t>
+                      </a:r>
+                      <a:endParaRPr lang="en-US" sz="1400"/>
+                    </a:p>
+                  </a:txBody>
+                  <a:tcPr/>
+                </a:tc>
+                <a:extLst>
+                  <a:ext uri="{0D108BD9-81ED-4DB2-BD59-A6C34878D82A}">
+                    <a16:rowId xmlns:a16="http://schemas.microsoft.com/office/drawing/2014/main" val="1227411712"/>
+                  </a:ext>
+                </a:extLst>
+              </a:tr>
+              <a:tr h="259488">
+                <a:tc>
+                  <a:txBody>
+                    <a:bodyPr/>
+                    <a:lstStyle/>
+                    <a:p>
+                      <a:r>
+                        <a:rPr lang="de-DE" sz="1400">
+                          <a:latin typeface="Consolas" panose="020B0609020204030204" pitchFamily="49" charset="0"/>
+                        </a:rPr>
+                        <a:t>retweet_count</a:t>
+                      </a:r>
+                      <a:endParaRPr lang="en-US" sz="1400">
+                        <a:latin typeface="Consolas" panose="020B0609020204030204" pitchFamily="49" charset="0"/>
+                      </a:endParaRPr>
+                    </a:p>
+                  </a:txBody>
+                  <a:tcPr/>
+                </a:tc>
+                <a:tc>
+                  <a:txBody>
+                    <a:bodyPr/>
+                    <a:lstStyle/>
+                    <a:p>
+                      <a:r>
+                        <a:rPr lang="de-DE" sz="1400">
+                          <a:latin typeface="Consolas" panose="020B0609020204030204" pitchFamily="49" charset="0"/>
+                        </a:rPr>
+                        <a:t>num</a:t>
+                      </a:r>
+                      <a:endParaRPr lang="en-US" sz="1400">
+                        <a:latin typeface="Consolas" panose="020B0609020204030204" pitchFamily="49" charset="0"/>
+                      </a:endParaRPr>
+                    </a:p>
+                  </a:txBody>
+                  <a:tcPr/>
+                </a:tc>
+                <a:tc>
+                  <a:txBody>
+                    <a:bodyPr/>
+                    <a:lstStyle/>
+                    <a:p>
+                      <a:r>
+                        <a:rPr lang="de-DE" sz="1400"/>
                         <a:t>Number of retweets for tweet at scraping time</a:t>
                       </a:r>
-                      <a:endParaRPr lang="en-US" sz="1600"/>
+                      <a:endParaRPr lang="en-US" sz="1400"/>
                     </a:p>
                   </a:txBody>
                   <a:tcPr/>
@@ -9560,64 +9617,6 @@
           </a:graphicData>
         </a:graphic>
       </p:graphicFrame>
-      <p:sp>
-        <p:nvSpPr>
-          <p:cNvPr id="14" name="Rectangle 13">
-            <a:extLst>
-              <a:ext uri="{FF2B5EF4-FFF2-40B4-BE49-F238E27FC236}">
-                <a16:creationId xmlns:a16="http://schemas.microsoft.com/office/drawing/2014/main" id="{A1E9B64B-A8C4-4243-A57D-C9B363F9293C}"/>
-              </a:ext>
-            </a:extLst>
-          </p:cNvPr>
-          <p:cNvSpPr/>
-          <p:nvPr/>
-        </p:nvSpPr>
-        <p:spPr>
-          <a:xfrm>
-            <a:off x="4827104" y="0"/>
-            <a:ext cx="7364896" cy="914400"/>
-          </a:xfrm>
-          <a:prstGeom prst="rect">
-            <a:avLst/>
-          </a:prstGeom>
-          <a:solidFill>
-            <a:schemeClr val="accent2"/>
-          </a:solidFill>
-          <a:ln>
-            <a:solidFill>
-              <a:schemeClr val="accent2"/>
-            </a:solidFill>
-          </a:ln>
-        </p:spPr>
-        <p:style>
-          <a:lnRef idx="2">
-            <a:schemeClr val="accent1">
-              <a:shade val="50000"/>
-            </a:schemeClr>
-          </a:lnRef>
-          <a:fillRef idx="1">
-            <a:schemeClr val="accent1"/>
-          </a:fillRef>
-          <a:effectRef idx="0">
-            <a:schemeClr val="accent1"/>
-          </a:effectRef>
-          <a:fontRef idx="minor">
-            <a:schemeClr val="lt1"/>
-          </a:fontRef>
-        </p:style>
-        <p:txBody>
-          <a:bodyPr rtlCol="0" anchor="ctr"/>
-          <a:lstStyle/>
-          <a:p>
-            <a:pPr algn="ctr"/>
-            <a:r>
-              <a:rPr lang="de-DE"/>
-              <a:t>ergänzen, wenn toy data final erstellt</a:t>
-            </a:r>
-            <a:endParaRPr lang="en-US"/>
-          </a:p>
-        </p:txBody>
-      </p:sp>
     </p:spTree>
     <p:extLst>
       <p:ext uri="{BB962C8B-B14F-4D97-AF65-F5344CB8AC3E}">
@@ -10306,8 +10305,8 @@
         </p:nvCxnSpPr>
         <p:spPr>
           <a:xfrm>
-            <a:off x="4495801" y="1968868"/>
-            <a:ext cx="0" cy="2903724"/>
+            <a:off x="4495801" y="1989979"/>
+            <a:ext cx="0" cy="2882613"/>
           </a:xfrm>
           <a:prstGeom prst="straightConnector1">
             <a:avLst/>
@@ -10358,7 +10357,7 @@
         </p:blipFill>
         <p:spPr>
           <a:xfrm>
-            <a:off x="1047899" y="4872592"/>
+            <a:off x="1103376" y="4872592"/>
             <a:ext cx="784166" cy="794002"/>
           </a:xfrm>
           <a:prstGeom prst="rect">
@@ -17193,6 +17192,56 @@
               <a:rPr lang="en-US" smtClean="0"/>
               <a:t>35</a:t>
             </a:fld>
+            <a:endParaRPr lang="en-US"/>
+          </a:p>
+        </p:txBody>
+      </p:sp>
+      <p:sp>
+        <p:nvSpPr>
+          <p:cNvPr id="2" name="Rectangle 1">
+            <a:extLst>
+              <a:ext uri="{FF2B5EF4-FFF2-40B4-BE49-F238E27FC236}">
+                <a16:creationId xmlns:a16="http://schemas.microsoft.com/office/drawing/2014/main" id="{894D39AA-D274-4B7F-8596-0A6891FB77A5}"/>
+              </a:ext>
+            </a:extLst>
+          </p:cNvPr>
+          <p:cNvSpPr/>
+          <p:nvPr/>
+        </p:nvSpPr>
+        <p:spPr>
+          <a:xfrm>
+            <a:off x="0" y="1954466"/>
+            <a:ext cx="12192000" cy="3364992"/>
+          </a:xfrm>
+          <a:prstGeom prst="rect">
+            <a:avLst/>
+          </a:prstGeom>
+        </p:spPr>
+        <p:style>
+          <a:lnRef idx="2">
+            <a:schemeClr val="accent2">
+              <a:shade val="50000"/>
+            </a:schemeClr>
+          </a:lnRef>
+          <a:fillRef idx="1">
+            <a:schemeClr val="accent2"/>
+          </a:fillRef>
+          <a:effectRef idx="0">
+            <a:schemeClr val="accent2"/>
+          </a:effectRef>
+          <a:fontRef idx="minor">
+            <a:schemeClr val="lt1"/>
+          </a:fontRef>
+        </p:style>
+        <p:txBody>
+          <a:bodyPr rtlCol="0" anchor="ctr"/>
+          <a:lstStyle/>
+          <a:p>
+            <a:pPr algn="ctr"/>
+            <a:r>
+              <a:rPr lang="de-DE"/>
+              <a:t>under construction</a:t>
+            </a:r>
             <a:endParaRPr lang="en-US"/>
           </a:p>
         </p:txBody>
